--- a/IPC.pptx
+++ b/IPC.pptx
@@ -3829,7 +3829,7 @@
                 <a:ea typeface="+mn-ea"/>
                 <a:cs typeface="+mn-cs"/>
               </a:rPr>
-              <a:t>Rui Rodrigues (lectures)</a:t>
+              <a:t> Rui Rodrigues (lectures)</a:t>
             </a:r>
           </a:p>
           <a:p>
@@ -3846,7 +3846,23 @@
                 <a:ea typeface="+mn-ea"/>
                 <a:cs typeface="+mn-cs"/>
               </a:rPr>
-              <a:t>Teresa Dias (recitations)</a:t>
+              <a:t> Teresa </a:t>
+            </a:r>
+            <a:r>
+              <a:rPr lang="en-US" sz="1800">
+                <a:latin typeface="+mn-lt"/>
+                <a:ea typeface="+mn-ea"/>
+                <a:cs typeface="+mn-cs"/>
+              </a:rPr>
+              <a:t>Galvão </a:t>
+            </a:r>
+            <a:r>
+              <a:rPr lang="en-US" sz="1800" dirty="0">
+                <a:latin typeface="+mn-lt"/>
+                <a:ea typeface="+mn-ea"/>
+                <a:cs typeface="+mn-cs"/>
+              </a:rPr>
+              <a:t>(recitations)</a:t>
             </a:r>
           </a:p>
           <a:p>
@@ -3911,7 +3927,7 @@
                 <a:ea typeface="+mn-ea"/>
                 <a:cs typeface="+mn-cs"/>
               </a:rPr>
-              <a:t>Gonçalo Pinto (202004907)</a:t>
+              <a:t> Gonçalo Pinto (202004907)</a:t>
             </a:r>
           </a:p>
           <a:p>
@@ -3928,7 +3944,7 @@
                 <a:ea typeface="+mn-ea"/>
                 <a:cs typeface="+mn-cs"/>
               </a:rPr>
-              <a:t>Guilherme Magalhães (202005285)</a:t>
+              <a:t> Guilherme Magalhães (202005285)</a:t>
             </a:r>
             <a:endParaRPr lang="en-US" sz="1800" b="1" dirty="0">
               <a:latin typeface="+mn-lt"/>
@@ -9400,18 +9416,18 @@
 </file>
 
 <file path=customXml/item2.xml><?xml version="1.0" encoding="utf-8"?>
+<p:properties xmlns:p="http://schemas.microsoft.com/office/2006/metadata/properties" xmlns:xsi="http://www.w3.org/2001/XMLSchema-instance" xmlns:pc="http://schemas.microsoft.com/office/infopath/2007/PartnerControls">
+  <documentManagement/>
+</p:properties>
+</file>
+
+<file path=customXml/item3.xml><?xml version="1.0" encoding="utf-8"?>
 <?mso-contentType ?>
 <FormTemplates xmlns="http://schemas.microsoft.com/sharepoint/v3/contenttype/forms">
   <Display>DocumentLibraryForm</Display>
   <Edit>DocumentLibraryForm</Edit>
   <New>DocumentLibraryForm</New>
 </FormTemplates>
-</file>
-
-<file path=customXml/item3.xml><?xml version="1.0" encoding="utf-8"?>
-<p:properties xmlns:p="http://schemas.microsoft.com/office/2006/metadata/properties" xmlns:xsi="http://www.w3.org/2001/XMLSchema-instance" xmlns:pc="http://schemas.microsoft.com/office/infopath/2007/PartnerControls">
-  <documentManagement/>
-</p:properties>
 </file>
 
 <file path=customXml/itemProps1.xml><?xml version="1.0" encoding="utf-8"?>
@@ -9433,14 +9449,6 @@
 </file>
 
 <file path=customXml/itemProps2.xml><?xml version="1.0" encoding="utf-8"?>
-<ds:datastoreItem xmlns:ds="http://schemas.openxmlformats.org/officeDocument/2006/customXml" ds:itemID="{76EE102A-C587-47D4-980D-6EF803504572}">
-  <ds:schemaRefs>
-    <ds:schemaRef ds:uri="http://schemas.microsoft.com/sharepoint/v3/contenttype/forms"/>
-  </ds:schemaRefs>
-</ds:datastoreItem>
-</file>
-
-<file path=customXml/itemProps3.xml><?xml version="1.0" encoding="utf-8"?>
 <ds:datastoreItem xmlns:ds="http://schemas.openxmlformats.org/officeDocument/2006/customXml" ds:itemID="{05E380B0-3793-4519-A034-114F335A5299}">
   <ds:schemaRefs>
     <ds:schemaRef ds:uri="http://purl.org/dc/terms/"/>
@@ -9454,4 +9462,12 @@
     <ds:schemaRef ds:uri="http://www.w3.org/XML/1998/namespace"/>
   </ds:schemaRefs>
 </ds:datastoreItem>
+</file>
+
+<file path=customXml/itemProps3.xml><?xml version="1.0" encoding="utf-8"?>
+<ds:datastoreItem xmlns:ds="http://schemas.openxmlformats.org/officeDocument/2006/customXml" ds:itemID="{76EE102A-C587-47D4-980D-6EF803504572}">
+  <ds:schemaRefs>
+    <ds:schemaRef ds:uri="http://schemas.microsoft.com/sharepoint/v3/contenttype/forms"/>
+  </ds:schemaRefs>
+</ds:datastoreItem>
 </file>
--- a/IPC.pptx
+++ b/IPC.pptx
@@ -5,14 +5,15 @@
     <p:sldMasterId id="2147483648" r:id="rId4"/>
   </p:sldMasterIdLst>
   <p:notesMasterIdLst>
-    <p:notesMasterId r:id="rId10"/>
+    <p:notesMasterId r:id="rId11"/>
   </p:notesMasterIdLst>
   <p:sldIdLst>
     <p:sldId id="256" r:id="rId5"/>
     <p:sldId id="257" r:id="rId6"/>
     <p:sldId id="288" r:id="rId7"/>
     <p:sldId id="290" r:id="rId8"/>
-    <p:sldId id="289" r:id="rId9"/>
+    <p:sldId id="292" r:id="rId9"/>
+    <p:sldId id="291" r:id="rId10"/>
   </p:sldIdLst>
   <p:sldSz cx="12192000" cy="6858000"/>
   <p:notesSz cx="6858000" cy="9144000"/>
@@ -201,7 +202,7 @@
           <a:p>
             <a:fld id="{4F6590E9-5A00-4A04-B416-3F52BBF3A723}" type="datetimeFigureOut">
               <a:rPr lang="en-GB" smtClean="0"/>
-              <a:t>10/10/2022</a:t>
+              <a:t>11/10/2022</a:t>
             </a:fld>
             <a:endParaRPr lang="en-GB"/>
           </a:p>
@@ -469,6 +470,90 @@
 </p:notesMaster>
 </file>
 
+<file path=ppt/notesSlides/notesSlide1.xml><?xml version="1.0" encoding="utf-8"?>
+<p:notes xmlns:a="http://schemas.openxmlformats.org/drawingml/2006/main" xmlns:r="http://schemas.openxmlformats.org/officeDocument/2006/relationships" xmlns:p="http://schemas.openxmlformats.org/presentationml/2006/main">
+  <p:cSld>
+    <p:spTree>
+      <p:nvGrpSpPr>
+        <p:cNvPr id="1" name=""/>
+        <p:cNvGrpSpPr/>
+        <p:nvPr/>
+      </p:nvGrpSpPr>
+      <p:grpSpPr>
+        <a:xfrm>
+          <a:off x="0" y="0"/>
+          <a:ext cx="0" cy="0"/>
+          <a:chOff x="0" y="0"/>
+          <a:chExt cx="0" cy="0"/>
+        </a:xfrm>
+      </p:grpSpPr>
+      <p:sp>
+        <p:nvSpPr>
+          <p:cNvPr id="2" name="Slide Image Placeholder 1"/>
+          <p:cNvSpPr>
+            <a:spLocks noGrp="1" noRot="1" noChangeAspect="1"/>
+          </p:cNvSpPr>
+          <p:nvPr>
+            <p:ph type="sldImg"/>
+          </p:nvPr>
+        </p:nvSpPr>
+        <p:spPr/>
+      </p:sp>
+      <p:sp>
+        <p:nvSpPr>
+          <p:cNvPr id="3" name="Notes Placeholder 2"/>
+          <p:cNvSpPr>
+            <a:spLocks noGrp="1"/>
+          </p:cNvSpPr>
+          <p:nvPr>
+            <p:ph type="body" idx="1"/>
+          </p:nvPr>
+        </p:nvSpPr>
+        <p:spPr/>
+        <p:txBody>
+          <a:bodyPr/>
+          <a:lstStyle/>
+          <a:p>
+            <a:endParaRPr lang="en-GB" dirty="0"/>
+          </a:p>
+        </p:txBody>
+      </p:sp>
+      <p:sp>
+        <p:nvSpPr>
+          <p:cNvPr id="4" name="Slide Number Placeholder 3"/>
+          <p:cNvSpPr>
+            <a:spLocks noGrp="1"/>
+          </p:cNvSpPr>
+          <p:nvPr>
+            <p:ph type="sldNum" sz="quarter" idx="5"/>
+          </p:nvPr>
+        </p:nvSpPr>
+        <p:spPr/>
+        <p:txBody>
+          <a:bodyPr/>
+          <a:lstStyle/>
+          <a:p>
+            <a:fld id="{906F7766-1CC8-4293-8AE3-F91239FA91DA}" type="slidenum">
+              <a:rPr lang="en-GB" smtClean="0"/>
+              <a:t>5</a:t>
+            </a:fld>
+            <a:endParaRPr lang="en-GB"/>
+          </a:p>
+        </p:txBody>
+      </p:sp>
+    </p:spTree>
+    <p:extLst>
+      <p:ext uri="{BB962C8B-B14F-4D97-AF65-F5344CB8AC3E}">
+        <p14:creationId xmlns:p14="http://schemas.microsoft.com/office/powerpoint/2010/main" val="3582824318"/>
+      </p:ext>
+    </p:extLst>
+  </p:cSld>
+  <p:clrMapOvr>
+    <a:masterClrMapping/>
+  </p:clrMapOvr>
+</p:notes>
+</file>
+
 <file path=ppt/slideLayouts/slideLayout1.xml><?xml version="1.0" encoding="utf-8"?>
 <p:sldLayout xmlns:a="http://schemas.openxmlformats.org/drawingml/2006/main" xmlns:r="http://schemas.openxmlformats.org/officeDocument/2006/relationships" xmlns:p="http://schemas.openxmlformats.org/presentationml/2006/main" type="title" preserve="1">
   <p:cSld name="Title Slide">
@@ -616,7 +701,7 @@
           <a:p>
             <a:fld id="{6422C9F5-CE6F-4BEE-84C2-81E4985345AA}" type="datetimeFigureOut">
               <a:rPr lang="en-US" smtClean="0"/>
-              <a:t>10/10/2022</a:t>
+              <a:t>10/11/2022</a:t>
             </a:fld>
             <a:endParaRPr lang="en-US"/>
           </a:p>
@@ -814,7 +899,7 @@
           <a:p>
             <a:fld id="{6422C9F5-CE6F-4BEE-84C2-81E4985345AA}" type="datetimeFigureOut">
               <a:rPr lang="en-US" smtClean="0"/>
-              <a:t>10/10/2022</a:t>
+              <a:t>10/11/2022</a:t>
             </a:fld>
             <a:endParaRPr lang="en-US"/>
           </a:p>
@@ -1022,7 +1107,7 @@
           <a:p>
             <a:fld id="{6422C9F5-CE6F-4BEE-84C2-81E4985345AA}" type="datetimeFigureOut">
               <a:rPr lang="en-US" smtClean="0"/>
-              <a:t>10/10/2022</a:t>
+              <a:t>10/11/2022</a:t>
             </a:fld>
             <a:endParaRPr lang="en-US"/>
           </a:p>
@@ -1220,7 +1305,7 @@
           <a:p>
             <a:fld id="{6422C9F5-CE6F-4BEE-84C2-81E4985345AA}" type="datetimeFigureOut">
               <a:rPr lang="en-US" smtClean="0"/>
-              <a:t>10/10/2022</a:t>
+              <a:t>10/11/2022</a:t>
             </a:fld>
             <a:endParaRPr lang="en-US"/>
           </a:p>
@@ -1495,7 +1580,7 @@
           <a:p>
             <a:fld id="{6422C9F5-CE6F-4BEE-84C2-81E4985345AA}" type="datetimeFigureOut">
               <a:rPr lang="en-US" smtClean="0"/>
-              <a:t>10/10/2022</a:t>
+              <a:t>10/11/2022</a:t>
             </a:fld>
             <a:endParaRPr lang="en-US"/>
           </a:p>
@@ -1760,7 +1845,7 @@
           <a:p>
             <a:fld id="{6422C9F5-CE6F-4BEE-84C2-81E4985345AA}" type="datetimeFigureOut">
               <a:rPr lang="en-US" smtClean="0"/>
-              <a:t>10/10/2022</a:t>
+              <a:t>10/11/2022</a:t>
             </a:fld>
             <a:endParaRPr lang="en-US"/>
           </a:p>
@@ -2172,7 +2257,7 @@
           <a:p>
             <a:fld id="{6422C9F5-CE6F-4BEE-84C2-81E4985345AA}" type="datetimeFigureOut">
               <a:rPr lang="en-US" smtClean="0"/>
-              <a:t>10/10/2022</a:t>
+              <a:t>10/11/2022</a:t>
             </a:fld>
             <a:endParaRPr lang="en-US"/>
           </a:p>
@@ -2313,7 +2398,7 @@
           <a:p>
             <a:fld id="{6422C9F5-CE6F-4BEE-84C2-81E4985345AA}" type="datetimeFigureOut">
               <a:rPr lang="en-US" smtClean="0"/>
-              <a:t>10/10/2022</a:t>
+              <a:t>10/11/2022</a:t>
             </a:fld>
             <a:endParaRPr lang="en-US"/>
           </a:p>
@@ -2426,7 +2511,7 @@
           <a:p>
             <a:fld id="{6422C9F5-CE6F-4BEE-84C2-81E4985345AA}" type="datetimeFigureOut">
               <a:rPr lang="en-US" smtClean="0"/>
-              <a:t>10/10/2022</a:t>
+              <a:t>10/11/2022</a:t>
             </a:fld>
             <a:endParaRPr lang="en-US"/>
           </a:p>
@@ -2737,7 +2822,7 @@
           <a:p>
             <a:fld id="{6422C9F5-CE6F-4BEE-84C2-81E4985345AA}" type="datetimeFigureOut">
               <a:rPr lang="en-US" smtClean="0"/>
-              <a:t>10/10/2022</a:t>
+              <a:t>10/11/2022</a:t>
             </a:fld>
             <a:endParaRPr lang="en-US"/>
           </a:p>
@@ -3025,7 +3110,7 @@
           <a:p>
             <a:fld id="{6422C9F5-CE6F-4BEE-84C2-81E4985345AA}" type="datetimeFigureOut">
               <a:rPr lang="en-US" smtClean="0"/>
-              <a:t>10/10/2022</a:t>
+              <a:t>10/11/2022</a:t>
             </a:fld>
             <a:endParaRPr lang="en-US"/>
           </a:p>
@@ -3266,7 +3351,7 @@
           <a:p>
             <a:fld id="{6422C9F5-CE6F-4BEE-84C2-81E4985345AA}" type="datetimeFigureOut">
               <a:rPr lang="en-US" smtClean="0"/>
-              <a:t>10/10/2022</a:t>
+              <a:t>10/11/2022</a:t>
             </a:fld>
             <a:endParaRPr lang="en-US"/>
           </a:p>
@@ -7968,7 +8053,7 @@
         <p:spPr>
           <a:xfrm>
             <a:off x="9388143" y="2706074"/>
-            <a:ext cx="2685006" cy="2213988"/>
+            <a:ext cx="2685006" cy="1139541"/>
           </a:xfrm>
           <a:prstGeom prst="rect">
             <a:avLst/>
@@ -8199,6 +8284,1456 @@
           <p:nvPr/>
         </p:nvPicPr>
         <p:blipFill>
+          <a:blip r:embed="rId3">
+            <a:extLst>
+              <a:ext uri="{28A0092B-C50C-407E-A947-70E740481C1C}">
+                <a14:useLocalDpi xmlns:a14="http://schemas.microsoft.com/office/drawing/2010/main" val="0"/>
+              </a:ext>
+            </a:extLst>
+          </a:blip>
+          <a:stretch>
+            <a:fillRect/>
+          </a:stretch>
+        </p:blipFill>
+        <p:spPr>
+          <a:xfrm>
+            <a:off x="8248817" y="327168"/>
+            <a:ext cx="3640043" cy="1401476"/>
+          </a:xfrm>
+          <a:prstGeom prst="rect">
+            <a:avLst/>
+          </a:prstGeom>
+        </p:spPr>
+      </p:pic>
+      <p:sp>
+        <p:nvSpPr>
+          <p:cNvPr id="6" name="Title 1">
+            <a:extLst>
+              <a:ext uri="{FF2B5EF4-FFF2-40B4-BE49-F238E27FC236}">
+                <a16:creationId xmlns:a16="http://schemas.microsoft.com/office/drawing/2014/main" id="{67EAB101-CB65-4E80-9086-38AF17265C5D}"/>
+              </a:ext>
+            </a:extLst>
+          </p:cNvPr>
+          <p:cNvSpPr txBox="1">
+            <a:spLocks/>
+          </p:cNvSpPr>
+          <p:nvPr/>
+        </p:nvSpPr>
+        <p:spPr>
+          <a:xfrm>
+            <a:off x="704851" y="549440"/>
+            <a:ext cx="7219949" cy="914399"/>
+          </a:xfrm>
+          <a:prstGeom prst="rect">
+            <a:avLst/>
+          </a:prstGeom>
+        </p:spPr>
+        <p:txBody>
+          <a:bodyPr vert="horz" lIns="91440" tIns="45720" rIns="91440" bIns="45720" rtlCol="0" anchor="ctr">
+            <a:normAutofit/>
+          </a:bodyPr>
+          <a:lstStyle>
+            <a:lvl1pPr algn="l" defTabSz="914400" rtl="0" eaLnBrk="1" latinLnBrk="0" hangingPunct="1">
+              <a:lnSpc>
+                <a:spcPct val="90000"/>
+              </a:lnSpc>
+              <a:spcBef>
+                <a:spcPct val="0"/>
+              </a:spcBef>
+              <a:buNone/>
+              <a:defRPr sz="4400" kern="1200">
+                <a:solidFill>
+                  <a:schemeClr val="tx1"/>
+                </a:solidFill>
+                <a:latin typeface="+mj-lt"/>
+                <a:ea typeface="+mj-ea"/>
+                <a:cs typeface="+mj-cs"/>
+              </a:defRPr>
+            </a:lvl1pPr>
+          </a:lstStyle>
+          <a:p>
+            <a:r>
+              <a:rPr lang="en-US" b="1" dirty="0"/>
+              <a:t>Persona example: Carlos Silva</a:t>
+            </a:r>
+          </a:p>
+        </p:txBody>
+      </p:sp>
+      <p:sp>
+        <p:nvSpPr>
+          <p:cNvPr id="9" name="Content Placeholder 2">
+            <a:extLst>
+              <a:ext uri="{FF2B5EF4-FFF2-40B4-BE49-F238E27FC236}">
+                <a16:creationId xmlns:a16="http://schemas.microsoft.com/office/drawing/2014/main" id="{AF570DEA-90E6-51A6-0AD3-8C62DD6E0CBB}"/>
+              </a:ext>
+            </a:extLst>
+          </p:cNvPr>
+          <p:cNvSpPr txBox="1">
+            <a:spLocks/>
+          </p:cNvSpPr>
+          <p:nvPr/>
+        </p:nvSpPr>
+        <p:spPr>
+          <a:xfrm>
+            <a:off x="4329665" y="4285409"/>
+            <a:ext cx="3770570" cy="2434366"/>
+          </a:xfrm>
+          <a:prstGeom prst="rect">
+            <a:avLst/>
+          </a:prstGeom>
+        </p:spPr>
+        <p:txBody>
+          <a:bodyPr vert="horz" lIns="91440" tIns="45720" rIns="91440" bIns="45720" rtlCol="0">
+            <a:normAutofit/>
+          </a:bodyPr>
+          <a:lstStyle>
+            <a:lvl1pPr marL="228600" indent="-228600" algn="l" defTabSz="914400" rtl="0" eaLnBrk="1" latinLnBrk="0" hangingPunct="1">
+              <a:lnSpc>
+                <a:spcPct val="90000"/>
+              </a:lnSpc>
+              <a:spcBef>
+                <a:spcPts val="1000"/>
+              </a:spcBef>
+              <a:buFont typeface="Arial" panose="020B0604020202020204" pitchFamily="34" charset="0"/>
+              <a:buChar char="•"/>
+              <a:defRPr sz="2800" kern="1200">
+                <a:solidFill>
+                  <a:schemeClr val="tx1"/>
+                </a:solidFill>
+                <a:latin typeface="+mn-lt"/>
+                <a:ea typeface="+mn-ea"/>
+                <a:cs typeface="+mn-cs"/>
+              </a:defRPr>
+            </a:lvl1pPr>
+            <a:lvl2pPr marL="685800" indent="-228600" algn="l" defTabSz="914400" rtl="0" eaLnBrk="1" latinLnBrk="0" hangingPunct="1">
+              <a:lnSpc>
+                <a:spcPct val="90000"/>
+              </a:lnSpc>
+              <a:spcBef>
+                <a:spcPts val="500"/>
+              </a:spcBef>
+              <a:buFont typeface="Arial" panose="020B0604020202020204" pitchFamily="34" charset="0"/>
+              <a:buChar char="•"/>
+              <a:defRPr sz="2400" kern="1200">
+                <a:solidFill>
+                  <a:schemeClr val="tx1"/>
+                </a:solidFill>
+                <a:latin typeface="+mn-lt"/>
+                <a:ea typeface="+mn-ea"/>
+                <a:cs typeface="+mn-cs"/>
+              </a:defRPr>
+            </a:lvl2pPr>
+            <a:lvl3pPr marL="1143000" indent="-228600" algn="l" defTabSz="914400" rtl="0" eaLnBrk="1" latinLnBrk="0" hangingPunct="1">
+              <a:lnSpc>
+                <a:spcPct val="90000"/>
+              </a:lnSpc>
+              <a:spcBef>
+                <a:spcPts val="500"/>
+              </a:spcBef>
+              <a:buFont typeface="Arial" panose="020B0604020202020204" pitchFamily="34" charset="0"/>
+              <a:buChar char="•"/>
+              <a:defRPr sz="2000" kern="1200">
+                <a:solidFill>
+                  <a:schemeClr val="tx1"/>
+                </a:solidFill>
+                <a:latin typeface="+mn-lt"/>
+                <a:ea typeface="+mn-ea"/>
+                <a:cs typeface="+mn-cs"/>
+              </a:defRPr>
+            </a:lvl3pPr>
+            <a:lvl4pPr marL="1600200" indent="-228600" algn="l" defTabSz="914400" rtl="0" eaLnBrk="1" latinLnBrk="0" hangingPunct="1">
+              <a:lnSpc>
+                <a:spcPct val="90000"/>
+              </a:lnSpc>
+              <a:spcBef>
+                <a:spcPts val="500"/>
+              </a:spcBef>
+              <a:buFont typeface="Arial" panose="020B0604020202020204" pitchFamily="34" charset="0"/>
+              <a:buChar char="•"/>
+              <a:defRPr sz="1800" kern="1200">
+                <a:solidFill>
+                  <a:schemeClr val="tx1"/>
+                </a:solidFill>
+                <a:latin typeface="+mn-lt"/>
+                <a:ea typeface="+mn-ea"/>
+                <a:cs typeface="+mn-cs"/>
+              </a:defRPr>
+            </a:lvl4pPr>
+            <a:lvl5pPr marL="2057400" indent="-228600" algn="l" defTabSz="914400" rtl="0" eaLnBrk="1" latinLnBrk="0" hangingPunct="1">
+              <a:lnSpc>
+                <a:spcPct val="90000"/>
+              </a:lnSpc>
+              <a:spcBef>
+                <a:spcPts val="500"/>
+              </a:spcBef>
+              <a:buFont typeface="Arial" panose="020B0604020202020204" pitchFamily="34" charset="0"/>
+              <a:buChar char="•"/>
+              <a:defRPr sz="1800" kern="1200">
+                <a:solidFill>
+                  <a:schemeClr val="tx1"/>
+                </a:solidFill>
+                <a:latin typeface="+mn-lt"/>
+                <a:ea typeface="+mn-ea"/>
+                <a:cs typeface="+mn-cs"/>
+              </a:defRPr>
+            </a:lvl5pPr>
+            <a:lvl6pPr marL="2514600" indent="-228600" algn="l" defTabSz="914400" rtl="0" eaLnBrk="1" latinLnBrk="0" hangingPunct="1">
+              <a:lnSpc>
+                <a:spcPct val="90000"/>
+              </a:lnSpc>
+              <a:spcBef>
+                <a:spcPts val="500"/>
+              </a:spcBef>
+              <a:buFont typeface="Arial" panose="020B0604020202020204" pitchFamily="34" charset="0"/>
+              <a:buChar char="•"/>
+              <a:defRPr sz="1800" kern="1200">
+                <a:solidFill>
+                  <a:schemeClr val="tx1"/>
+                </a:solidFill>
+                <a:latin typeface="+mn-lt"/>
+                <a:ea typeface="+mn-ea"/>
+                <a:cs typeface="+mn-cs"/>
+              </a:defRPr>
+            </a:lvl6pPr>
+            <a:lvl7pPr marL="2971800" indent="-228600" algn="l" defTabSz="914400" rtl="0" eaLnBrk="1" latinLnBrk="0" hangingPunct="1">
+              <a:lnSpc>
+                <a:spcPct val="90000"/>
+              </a:lnSpc>
+              <a:spcBef>
+                <a:spcPts val="500"/>
+              </a:spcBef>
+              <a:buFont typeface="Arial" panose="020B0604020202020204" pitchFamily="34" charset="0"/>
+              <a:buChar char="•"/>
+              <a:defRPr sz="1800" kern="1200">
+                <a:solidFill>
+                  <a:schemeClr val="tx1"/>
+                </a:solidFill>
+                <a:latin typeface="+mn-lt"/>
+                <a:ea typeface="+mn-ea"/>
+                <a:cs typeface="+mn-cs"/>
+              </a:defRPr>
+            </a:lvl7pPr>
+            <a:lvl8pPr marL="3429000" indent="-228600" algn="l" defTabSz="914400" rtl="0" eaLnBrk="1" latinLnBrk="0" hangingPunct="1">
+              <a:lnSpc>
+                <a:spcPct val="90000"/>
+              </a:lnSpc>
+              <a:spcBef>
+                <a:spcPts val="500"/>
+              </a:spcBef>
+              <a:buFont typeface="Arial" panose="020B0604020202020204" pitchFamily="34" charset="0"/>
+              <a:buChar char="•"/>
+              <a:defRPr sz="1800" kern="1200">
+                <a:solidFill>
+                  <a:schemeClr val="tx1"/>
+                </a:solidFill>
+                <a:latin typeface="+mn-lt"/>
+                <a:ea typeface="+mn-ea"/>
+                <a:cs typeface="+mn-cs"/>
+              </a:defRPr>
+            </a:lvl8pPr>
+            <a:lvl9pPr marL="3886200" indent="-228600" algn="l" defTabSz="914400" rtl="0" eaLnBrk="1" latinLnBrk="0" hangingPunct="1">
+              <a:lnSpc>
+                <a:spcPct val="90000"/>
+              </a:lnSpc>
+              <a:spcBef>
+                <a:spcPts val="500"/>
+              </a:spcBef>
+              <a:buFont typeface="Arial" panose="020B0604020202020204" pitchFamily="34" charset="0"/>
+              <a:buChar char="•"/>
+              <a:defRPr sz="1800" kern="1200">
+                <a:solidFill>
+                  <a:schemeClr val="tx1"/>
+                </a:solidFill>
+                <a:latin typeface="+mn-lt"/>
+                <a:ea typeface="+mn-ea"/>
+                <a:cs typeface="+mn-cs"/>
+              </a:defRPr>
+            </a:lvl9pPr>
+          </a:lstStyle>
+          <a:p>
+            <a:pPr marL="0" indent="0" algn="ctr">
+              <a:buFont typeface="Arial" panose="020B0604020202020204" pitchFamily="34" charset="0"/>
+              <a:buNone/>
+            </a:pPr>
+            <a:r>
+              <a:rPr lang="en-US" sz="2000" b="1" dirty="0">
+                <a:solidFill>
+                  <a:srgbClr val="993300"/>
+                </a:solidFill>
+              </a:rPr>
+              <a:t>Motivations</a:t>
+            </a:r>
+          </a:p>
+          <a:p>
+            <a:pPr>
+              <a:buClr>
+                <a:srgbClr val="993300"/>
+              </a:buClr>
+            </a:pPr>
+            <a:r>
+              <a:rPr lang="en-US" sz="2000" dirty="0"/>
+              <a:t>He likes being able to give gifts to his girlfriend</a:t>
+            </a:r>
+          </a:p>
+          <a:p>
+            <a:pPr>
+              <a:buClr>
+                <a:srgbClr val="993300"/>
+              </a:buClr>
+            </a:pPr>
+            <a:r>
+              <a:rPr lang="en-US" sz="2000" dirty="0"/>
+              <a:t>He’s proud that he got a “good” job considering he had no qualifications or experience</a:t>
+            </a:r>
+          </a:p>
+        </p:txBody>
+      </p:sp>
+      <p:sp>
+        <p:nvSpPr>
+          <p:cNvPr id="10" name="Content Placeholder 2">
+            <a:extLst>
+              <a:ext uri="{FF2B5EF4-FFF2-40B4-BE49-F238E27FC236}">
+                <a16:creationId xmlns:a16="http://schemas.microsoft.com/office/drawing/2014/main" id="{F3295F71-B535-EECF-2A5B-921CEE45C015}"/>
+              </a:ext>
+            </a:extLst>
+          </p:cNvPr>
+          <p:cNvSpPr txBox="1">
+            <a:spLocks/>
+          </p:cNvSpPr>
+          <p:nvPr/>
+        </p:nvSpPr>
+        <p:spPr>
+          <a:xfrm>
+            <a:off x="8100235" y="4285409"/>
+            <a:ext cx="3770570" cy="2434366"/>
+          </a:xfrm>
+          <a:prstGeom prst="rect">
+            <a:avLst/>
+          </a:prstGeom>
+        </p:spPr>
+        <p:txBody>
+          <a:bodyPr vert="horz" lIns="91440" tIns="45720" rIns="91440" bIns="45720" rtlCol="0">
+            <a:normAutofit lnSpcReduction="10000"/>
+          </a:bodyPr>
+          <a:lstStyle>
+            <a:lvl1pPr marL="228600" indent="-228600" algn="l" defTabSz="914400" rtl="0" eaLnBrk="1" latinLnBrk="0" hangingPunct="1">
+              <a:lnSpc>
+                <a:spcPct val="90000"/>
+              </a:lnSpc>
+              <a:spcBef>
+                <a:spcPts val="1000"/>
+              </a:spcBef>
+              <a:buFont typeface="Arial" panose="020B0604020202020204" pitchFamily="34" charset="0"/>
+              <a:buChar char="•"/>
+              <a:defRPr sz="2800" kern="1200">
+                <a:solidFill>
+                  <a:schemeClr val="tx1"/>
+                </a:solidFill>
+                <a:latin typeface="+mn-lt"/>
+                <a:ea typeface="+mn-ea"/>
+                <a:cs typeface="+mn-cs"/>
+              </a:defRPr>
+            </a:lvl1pPr>
+            <a:lvl2pPr marL="685800" indent="-228600" algn="l" defTabSz="914400" rtl="0" eaLnBrk="1" latinLnBrk="0" hangingPunct="1">
+              <a:lnSpc>
+                <a:spcPct val="90000"/>
+              </a:lnSpc>
+              <a:spcBef>
+                <a:spcPts val="500"/>
+              </a:spcBef>
+              <a:buFont typeface="Arial" panose="020B0604020202020204" pitchFamily="34" charset="0"/>
+              <a:buChar char="•"/>
+              <a:defRPr sz="2400" kern="1200">
+                <a:solidFill>
+                  <a:schemeClr val="tx1"/>
+                </a:solidFill>
+                <a:latin typeface="+mn-lt"/>
+                <a:ea typeface="+mn-ea"/>
+                <a:cs typeface="+mn-cs"/>
+              </a:defRPr>
+            </a:lvl2pPr>
+            <a:lvl3pPr marL="1143000" indent="-228600" algn="l" defTabSz="914400" rtl="0" eaLnBrk="1" latinLnBrk="0" hangingPunct="1">
+              <a:lnSpc>
+                <a:spcPct val="90000"/>
+              </a:lnSpc>
+              <a:spcBef>
+                <a:spcPts val="500"/>
+              </a:spcBef>
+              <a:buFont typeface="Arial" panose="020B0604020202020204" pitchFamily="34" charset="0"/>
+              <a:buChar char="•"/>
+              <a:defRPr sz="2000" kern="1200">
+                <a:solidFill>
+                  <a:schemeClr val="tx1"/>
+                </a:solidFill>
+                <a:latin typeface="+mn-lt"/>
+                <a:ea typeface="+mn-ea"/>
+                <a:cs typeface="+mn-cs"/>
+              </a:defRPr>
+            </a:lvl3pPr>
+            <a:lvl4pPr marL="1600200" indent="-228600" algn="l" defTabSz="914400" rtl="0" eaLnBrk="1" latinLnBrk="0" hangingPunct="1">
+              <a:lnSpc>
+                <a:spcPct val="90000"/>
+              </a:lnSpc>
+              <a:spcBef>
+                <a:spcPts val="500"/>
+              </a:spcBef>
+              <a:buFont typeface="Arial" panose="020B0604020202020204" pitchFamily="34" charset="0"/>
+              <a:buChar char="•"/>
+              <a:defRPr sz="1800" kern="1200">
+                <a:solidFill>
+                  <a:schemeClr val="tx1"/>
+                </a:solidFill>
+                <a:latin typeface="+mn-lt"/>
+                <a:ea typeface="+mn-ea"/>
+                <a:cs typeface="+mn-cs"/>
+              </a:defRPr>
+            </a:lvl4pPr>
+            <a:lvl5pPr marL="2057400" indent="-228600" algn="l" defTabSz="914400" rtl="0" eaLnBrk="1" latinLnBrk="0" hangingPunct="1">
+              <a:lnSpc>
+                <a:spcPct val="90000"/>
+              </a:lnSpc>
+              <a:spcBef>
+                <a:spcPts val="500"/>
+              </a:spcBef>
+              <a:buFont typeface="Arial" panose="020B0604020202020204" pitchFamily="34" charset="0"/>
+              <a:buChar char="•"/>
+              <a:defRPr sz="1800" kern="1200">
+                <a:solidFill>
+                  <a:schemeClr val="tx1"/>
+                </a:solidFill>
+                <a:latin typeface="+mn-lt"/>
+                <a:ea typeface="+mn-ea"/>
+                <a:cs typeface="+mn-cs"/>
+              </a:defRPr>
+            </a:lvl5pPr>
+            <a:lvl6pPr marL="2514600" indent="-228600" algn="l" defTabSz="914400" rtl="0" eaLnBrk="1" latinLnBrk="0" hangingPunct="1">
+              <a:lnSpc>
+                <a:spcPct val="90000"/>
+              </a:lnSpc>
+              <a:spcBef>
+                <a:spcPts val="500"/>
+              </a:spcBef>
+              <a:buFont typeface="Arial" panose="020B0604020202020204" pitchFamily="34" charset="0"/>
+              <a:buChar char="•"/>
+              <a:defRPr sz="1800" kern="1200">
+                <a:solidFill>
+                  <a:schemeClr val="tx1"/>
+                </a:solidFill>
+                <a:latin typeface="+mn-lt"/>
+                <a:ea typeface="+mn-ea"/>
+                <a:cs typeface="+mn-cs"/>
+              </a:defRPr>
+            </a:lvl6pPr>
+            <a:lvl7pPr marL="2971800" indent="-228600" algn="l" defTabSz="914400" rtl="0" eaLnBrk="1" latinLnBrk="0" hangingPunct="1">
+              <a:lnSpc>
+                <a:spcPct val="90000"/>
+              </a:lnSpc>
+              <a:spcBef>
+                <a:spcPts val="500"/>
+              </a:spcBef>
+              <a:buFont typeface="Arial" panose="020B0604020202020204" pitchFamily="34" charset="0"/>
+              <a:buChar char="•"/>
+              <a:defRPr sz="1800" kern="1200">
+                <a:solidFill>
+                  <a:schemeClr val="tx1"/>
+                </a:solidFill>
+                <a:latin typeface="+mn-lt"/>
+                <a:ea typeface="+mn-ea"/>
+                <a:cs typeface="+mn-cs"/>
+              </a:defRPr>
+            </a:lvl7pPr>
+            <a:lvl8pPr marL="3429000" indent="-228600" algn="l" defTabSz="914400" rtl="0" eaLnBrk="1" latinLnBrk="0" hangingPunct="1">
+              <a:lnSpc>
+                <a:spcPct val="90000"/>
+              </a:lnSpc>
+              <a:spcBef>
+                <a:spcPts val="500"/>
+              </a:spcBef>
+              <a:buFont typeface="Arial" panose="020B0604020202020204" pitchFamily="34" charset="0"/>
+              <a:buChar char="•"/>
+              <a:defRPr sz="1800" kern="1200">
+                <a:solidFill>
+                  <a:schemeClr val="tx1"/>
+                </a:solidFill>
+                <a:latin typeface="+mn-lt"/>
+                <a:ea typeface="+mn-ea"/>
+                <a:cs typeface="+mn-cs"/>
+              </a:defRPr>
+            </a:lvl8pPr>
+            <a:lvl9pPr marL="3886200" indent="-228600" algn="l" defTabSz="914400" rtl="0" eaLnBrk="1" latinLnBrk="0" hangingPunct="1">
+              <a:lnSpc>
+                <a:spcPct val="90000"/>
+              </a:lnSpc>
+              <a:spcBef>
+                <a:spcPts val="500"/>
+              </a:spcBef>
+              <a:buFont typeface="Arial" panose="020B0604020202020204" pitchFamily="34" charset="0"/>
+              <a:buChar char="•"/>
+              <a:defRPr sz="1800" kern="1200">
+                <a:solidFill>
+                  <a:schemeClr val="tx1"/>
+                </a:solidFill>
+                <a:latin typeface="+mn-lt"/>
+                <a:ea typeface="+mn-ea"/>
+                <a:cs typeface="+mn-cs"/>
+              </a:defRPr>
+            </a:lvl9pPr>
+          </a:lstStyle>
+          <a:p>
+            <a:pPr marL="0" indent="0" algn="ctr">
+              <a:buFont typeface="Arial" panose="020B0604020202020204" pitchFamily="34" charset="0"/>
+              <a:buNone/>
+            </a:pPr>
+            <a:r>
+              <a:rPr lang="en-US" sz="2000" b="1" dirty="0">
+                <a:solidFill>
+                  <a:srgbClr val="993300"/>
+                </a:solidFill>
+              </a:rPr>
+              <a:t>Frustrations</a:t>
+            </a:r>
+          </a:p>
+          <a:p>
+            <a:pPr>
+              <a:buClr>
+                <a:srgbClr val="993300"/>
+              </a:buClr>
+            </a:pPr>
+            <a:r>
+              <a:rPr lang="en-US" sz="2000" dirty="0"/>
+              <a:t>He’s working a lot and feels he has less time for his girlfriend</a:t>
+            </a:r>
+          </a:p>
+          <a:p>
+            <a:pPr>
+              <a:buClr>
+                <a:srgbClr val="993300"/>
+              </a:buClr>
+            </a:pPr>
+            <a:r>
+              <a:rPr lang="en-US" sz="2000" dirty="0"/>
+              <a:t>He’d like a less customer-oriented job</a:t>
+            </a:r>
+          </a:p>
+          <a:p>
+            <a:pPr>
+              <a:buClr>
+                <a:srgbClr val="993300"/>
+              </a:buClr>
+            </a:pPr>
+            <a:r>
+              <a:rPr lang="en-US" sz="2000" dirty="0"/>
+              <a:t>He doesn’t feel like he’s advancing towards long term goals</a:t>
+            </a:r>
+          </a:p>
+        </p:txBody>
+      </p:sp>
+      <p:sp>
+        <p:nvSpPr>
+          <p:cNvPr id="11" name="Content Placeholder 2">
+            <a:extLst>
+              <a:ext uri="{FF2B5EF4-FFF2-40B4-BE49-F238E27FC236}">
+                <a16:creationId xmlns:a16="http://schemas.microsoft.com/office/drawing/2014/main" id="{6AB2115D-5135-CEAE-2998-AD5A7339ADDB}"/>
+              </a:ext>
+            </a:extLst>
+          </p:cNvPr>
+          <p:cNvSpPr txBox="1">
+            <a:spLocks/>
+          </p:cNvSpPr>
+          <p:nvPr/>
+        </p:nvSpPr>
+        <p:spPr>
+          <a:xfrm>
+            <a:off x="4125434" y="1802219"/>
+            <a:ext cx="7763426" cy="2552298"/>
+          </a:xfrm>
+          <a:prstGeom prst="rect">
+            <a:avLst/>
+          </a:prstGeom>
+        </p:spPr>
+        <p:txBody>
+          <a:bodyPr vert="horz" lIns="91440" tIns="45720" rIns="91440" bIns="45720" rtlCol="0">
+            <a:normAutofit/>
+          </a:bodyPr>
+          <a:lstStyle>
+            <a:lvl1pPr marL="228600" indent="-228600" algn="l" defTabSz="914400" rtl="0" eaLnBrk="1" latinLnBrk="0" hangingPunct="1">
+              <a:lnSpc>
+                <a:spcPct val="90000"/>
+              </a:lnSpc>
+              <a:spcBef>
+                <a:spcPts val="1000"/>
+              </a:spcBef>
+              <a:buFont typeface="Arial" panose="020B0604020202020204" pitchFamily="34" charset="0"/>
+              <a:buChar char="•"/>
+              <a:defRPr sz="2800" kern="1200">
+                <a:solidFill>
+                  <a:schemeClr val="tx1"/>
+                </a:solidFill>
+                <a:latin typeface="+mn-lt"/>
+                <a:ea typeface="+mn-ea"/>
+                <a:cs typeface="+mn-cs"/>
+              </a:defRPr>
+            </a:lvl1pPr>
+            <a:lvl2pPr marL="685800" indent="-228600" algn="l" defTabSz="914400" rtl="0" eaLnBrk="1" latinLnBrk="0" hangingPunct="1">
+              <a:lnSpc>
+                <a:spcPct val="90000"/>
+              </a:lnSpc>
+              <a:spcBef>
+                <a:spcPts val="500"/>
+              </a:spcBef>
+              <a:buFont typeface="Arial" panose="020B0604020202020204" pitchFamily="34" charset="0"/>
+              <a:buChar char="•"/>
+              <a:defRPr sz="2400" kern="1200">
+                <a:solidFill>
+                  <a:schemeClr val="tx1"/>
+                </a:solidFill>
+                <a:latin typeface="+mn-lt"/>
+                <a:ea typeface="+mn-ea"/>
+                <a:cs typeface="+mn-cs"/>
+              </a:defRPr>
+            </a:lvl2pPr>
+            <a:lvl3pPr marL="1143000" indent="-228600" algn="l" defTabSz="914400" rtl="0" eaLnBrk="1" latinLnBrk="0" hangingPunct="1">
+              <a:lnSpc>
+                <a:spcPct val="90000"/>
+              </a:lnSpc>
+              <a:spcBef>
+                <a:spcPts val="500"/>
+              </a:spcBef>
+              <a:buFont typeface="Arial" panose="020B0604020202020204" pitchFamily="34" charset="0"/>
+              <a:buChar char="•"/>
+              <a:defRPr sz="2000" kern="1200">
+                <a:solidFill>
+                  <a:schemeClr val="tx1"/>
+                </a:solidFill>
+                <a:latin typeface="+mn-lt"/>
+                <a:ea typeface="+mn-ea"/>
+                <a:cs typeface="+mn-cs"/>
+              </a:defRPr>
+            </a:lvl3pPr>
+            <a:lvl4pPr marL="1600200" indent="-228600" algn="l" defTabSz="914400" rtl="0" eaLnBrk="1" latinLnBrk="0" hangingPunct="1">
+              <a:lnSpc>
+                <a:spcPct val="90000"/>
+              </a:lnSpc>
+              <a:spcBef>
+                <a:spcPts val="500"/>
+              </a:spcBef>
+              <a:buFont typeface="Arial" panose="020B0604020202020204" pitchFamily="34" charset="0"/>
+              <a:buChar char="•"/>
+              <a:defRPr sz="1800" kern="1200">
+                <a:solidFill>
+                  <a:schemeClr val="tx1"/>
+                </a:solidFill>
+                <a:latin typeface="+mn-lt"/>
+                <a:ea typeface="+mn-ea"/>
+                <a:cs typeface="+mn-cs"/>
+              </a:defRPr>
+            </a:lvl4pPr>
+            <a:lvl5pPr marL="2057400" indent="-228600" algn="l" defTabSz="914400" rtl="0" eaLnBrk="1" latinLnBrk="0" hangingPunct="1">
+              <a:lnSpc>
+                <a:spcPct val="90000"/>
+              </a:lnSpc>
+              <a:spcBef>
+                <a:spcPts val="500"/>
+              </a:spcBef>
+              <a:buFont typeface="Arial" panose="020B0604020202020204" pitchFamily="34" charset="0"/>
+              <a:buChar char="•"/>
+              <a:defRPr sz="1800" kern="1200">
+                <a:solidFill>
+                  <a:schemeClr val="tx1"/>
+                </a:solidFill>
+                <a:latin typeface="+mn-lt"/>
+                <a:ea typeface="+mn-ea"/>
+                <a:cs typeface="+mn-cs"/>
+              </a:defRPr>
+            </a:lvl5pPr>
+            <a:lvl6pPr marL="2514600" indent="-228600" algn="l" defTabSz="914400" rtl="0" eaLnBrk="1" latinLnBrk="0" hangingPunct="1">
+              <a:lnSpc>
+                <a:spcPct val="90000"/>
+              </a:lnSpc>
+              <a:spcBef>
+                <a:spcPts val="500"/>
+              </a:spcBef>
+              <a:buFont typeface="Arial" panose="020B0604020202020204" pitchFamily="34" charset="0"/>
+              <a:buChar char="•"/>
+              <a:defRPr sz="1800" kern="1200">
+                <a:solidFill>
+                  <a:schemeClr val="tx1"/>
+                </a:solidFill>
+                <a:latin typeface="+mn-lt"/>
+                <a:ea typeface="+mn-ea"/>
+                <a:cs typeface="+mn-cs"/>
+              </a:defRPr>
+            </a:lvl6pPr>
+            <a:lvl7pPr marL="2971800" indent="-228600" algn="l" defTabSz="914400" rtl="0" eaLnBrk="1" latinLnBrk="0" hangingPunct="1">
+              <a:lnSpc>
+                <a:spcPct val="90000"/>
+              </a:lnSpc>
+              <a:spcBef>
+                <a:spcPts val="500"/>
+              </a:spcBef>
+              <a:buFont typeface="Arial" panose="020B0604020202020204" pitchFamily="34" charset="0"/>
+              <a:buChar char="•"/>
+              <a:defRPr sz="1800" kern="1200">
+                <a:solidFill>
+                  <a:schemeClr val="tx1"/>
+                </a:solidFill>
+                <a:latin typeface="+mn-lt"/>
+                <a:ea typeface="+mn-ea"/>
+                <a:cs typeface="+mn-cs"/>
+              </a:defRPr>
+            </a:lvl7pPr>
+            <a:lvl8pPr marL="3429000" indent="-228600" algn="l" defTabSz="914400" rtl="0" eaLnBrk="1" latinLnBrk="0" hangingPunct="1">
+              <a:lnSpc>
+                <a:spcPct val="90000"/>
+              </a:lnSpc>
+              <a:spcBef>
+                <a:spcPts val="500"/>
+              </a:spcBef>
+              <a:buFont typeface="Arial" panose="020B0604020202020204" pitchFamily="34" charset="0"/>
+              <a:buChar char="•"/>
+              <a:defRPr sz="1800" kern="1200">
+                <a:solidFill>
+                  <a:schemeClr val="tx1"/>
+                </a:solidFill>
+                <a:latin typeface="+mn-lt"/>
+                <a:ea typeface="+mn-ea"/>
+                <a:cs typeface="+mn-cs"/>
+              </a:defRPr>
+            </a:lvl8pPr>
+            <a:lvl9pPr marL="3886200" indent="-228600" algn="l" defTabSz="914400" rtl="0" eaLnBrk="1" latinLnBrk="0" hangingPunct="1">
+              <a:lnSpc>
+                <a:spcPct val="90000"/>
+              </a:lnSpc>
+              <a:spcBef>
+                <a:spcPts val="500"/>
+              </a:spcBef>
+              <a:buFont typeface="Arial" panose="020B0604020202020204" pitchFamily="34" charset="0"/>
+              <a:buChar char="•"/>
+              <a:defRPr sz="1800" kern="1200">
+                <a:solidFill>
+                  <a:schemeClr val="tx1"/>
+                </a:solidFill>
+                <a:latin typeface="+mn-lt"/>
+                <a:ea typeface="+mn-ea"/>
+                <a:cs typeface="+mn-cs"/>
+              </a:defRPr>
+            </a:lvl9pPr>
+          </a:lstStyle>
+          <a:p>
+            <a:pPr marL="0" indent="0" algn="ctr">
+              <a:buFont typeface="Arial" panose="020B0604020202020204" pitchFamily="34" charset="0"/>
+              <a:buNone/>
+            </a:pPr>
+            <a:r>
+              <a:rPr lang="en-US" sz="2000" b="1" dirty="0">
+                <a:solidFill>
+                  <a:srgbClr val="993300"/>
+                </a:solidFill>
+              </a:rPr>
+              <a:t>Profile</a:t>
+            </a:r>
+          </a:p>
+          <a:p>
+            <a:pPr marL="0" indent="0">
+              <a:buClr>
+                <a:srgbClr val="993300"/>
+              </a:buClr>
+              <a:buNone/>
+            </a:pPr>
+            <a:r>
+              <a:rPr lang="en-US" sz="2000" dirty="0"/>
+              <a:t>Carlos is 20 and a 3rd year LEIC student living with his parents. Six months ago a friend told him as a receptionist/security guard at a high-end apartment complex and he’s now working full time, making 1300€ a month.</a:t>
+            </a:r>
+          </a:p>
+          <a:p>
+            <a:pPr marL="0" indent="0">
+              <a:buClr>
+                <a:srgbClr val="993300"/>
+              </a:buClr>
+              <a:buNone/>
+            </a:pPr>
+            <a:r>
+              <a:rPr lang="en-US" sz="2000" dirty="0"/>
+              <a:t>He’s very self-centered with one exception: his girlfriend. Although he has yet to pay for a meal the truth is he’s building his life around her.</a:t>
+            </a:r>
+          </a:p>
+        </p:txBody>
+      </p:sp>
+      <p:grpSp>
+        <p:nvGrpSpPr>
+          <p:cNvPr id="16" name="Group 15">
+            <a:extLst>
+              <a:ext uri="{FF2B5EF4-FFF2-40B4-BE49-F238E27FC236}">
+                <a16:creationId xmlns:a16="http://schemas.microsoft.com/office/drawing/2014/main" id="{5B70C0D8-39E8-9950-1E41-79702FD50AF1}"/>
+              </a:ext>
+            </a:extLst>
+          </p:cNvPr>
+          <p:cNvGrpSpPr/>
+          <p:nvPr/>
+        </p:nvGrpSpPr>
+        <p:grpSpPr>
+          <a:xfrm>
+            <a:off x="783709" y="1555853"/>
+            <a:ext cx="2652819" cy="3590306"/>
+            <a:chOff x="704851" y="2417091"/>
+            <a:chExt cx="2652819" cy="3590306"/>
+          </a:xfrm>
+        </p:grpSpPr>
+        <p:pic>
+          <p:nvPicPr>
+            <p:cNvPr id="1026" name="Picture 2">
+              <a:extLst>
+                <a:ext uri="{FF2B5EF4-FFF2-40B4-BE49-F238E27FC236}">
+                  <a16:creationId xmlns:a16="http://schemas.microsoft.com/office/drawing/2014/main" id="{50117E13-DA0D-4F3E-855C-F8CA00B63AB7}"/>
+                </a:ext>
+              </a:extLst>
+            </p:cNvPr>
+            <p:cNvPicPr>
+              <a:picLocks noChangeAspect="1" noChangeArrowheads="1"/>
+            </p:cNvPicPr>
+            <p:nvPr/>
+          </p:nvPicPr>
+          <p:blipFill rotWithShape="1">
+            <a:blip r:embed="rId4">
+              <a:extLst>
+                <a:ext uri="{28A0092B-C50C-407E-A947-70E740481C1C}">
+                  <a14:useLocalDpi xmlns:a14="http://schemas.microsoft.com/office/drawing/2010/main" val="0"/>
+                </a:ext>
+              </a:extLst>
+            </a:blip>
+            <a:srcRect l="2669" b="5461"/>
+            <a:stretch/>
+          </p:blipFill>
+          <p:spPr bwMode="auto">
+            <a:xfrm>
+              <a:off x="836869" y="2417091"/>
+              <a:ext cx="2360428" cy="2352098"/>
+            </a:xfrm>
+            <a:prstGeom prst="rect">
+              <a:avLst/>
+            </a:prstGeom>
+            <a:noFill/>
+            <a:extLst>
+              <a:ext uri="{909E8E84-426E-40DD-AFC4-6F175D3DCCD1}">
+                <a14:hiddenFill xmlns:a14="http://schemas.microsoft.com/office/drawing/2010/main">
+                  <a:solidFill>
+                    <a:srgbClr val="FFFFFF"/>
+                  </a:solidFill>
+                </a14:hiddenFill>
+              </a:ext>
+            </a:extLst>
+          </p:spPr>
+        </p:pic>
+        <p:grpSp>
+          <p:nvGrpSpPr>
+            <p:cNvPr id="15" name="Group 14">
+              <a:extLst>
+                <a:ext uri="{FF2B5EF4-FFF2-40B4-BE49-F238E27FC236}">
+                  <a16:creationId xmlns:a16="http://schemas.microsoft.com/office/drawing/2014/main" id="{2E2D69EA-DAC5-AE75-827E-4E316AD24FEE}"/>
+                </a:ext>
+              </a:extLst>
+            </p:cNvPr>
+            <p:cNvGrpSpPr/>
+            <p:nvPr/>
+          </p:nvGrpSpPr>
+          <p:grpSpPr>
+            <a:xfrm>
+              <a:off x="704851" y="4888563"/>
+              <a:ext cx="2652819" cy="1118834"/>
+              <a:chOff x="704851" y="4888563"/>
+              <a:chExt cx="2652819" cy="1118834"/>
+            </a:xfrm>
+          </p:grpSpPr>
+          <p:grpSp>
+            <p:nvGrpSpPr>
+              <p:cNvPr id="13" name="Group 12">
+                <a:extLst>
+                  <a:ext uri="{FF2B5EF4-FFF2-40B4-BE49-F238E27FC236}">
+                    <a16:creationId xmlns:a16="http://schemas.microsoft.com/office/drawing/2014/main" id="{C37C83AD-1FBE-9656-9D2B-3C55B0783D33}"/>
+                  </a:ext>
+                </a:extLst>
+              </p:cNvPr>
+              <p:cNvGrpSpPr/>
+              <p:nvPr/>
+            </p:nvGrpSpPr>
+            <p:grpSpPr>
+              <a:xfrm>
+                <a:off x="753358" y="4888563"/>
+                <a:ext cx="2527449" cy="499730"/>
+                <a:chOff x="704851" y="4869713"/>
+                <a:chExt cx="2527449" cy="499730"/>
+              </a:xfrm>
+            </p:grpSpPr>
+            <p:sp>
+              <p:nvSpPr>
+                <p:cNvPr id="2" name="Rectangle: Rounded Corners 1">
+                  <a:extLst>
+                    <a:ext uri="{FF2B5EF4-FFF2-40B4-BE49-F238E27FC236}">
+                      <a16:creationId xmlns:a16="http://schemas.microsoft.com/office/drawing/2014/main" id="{B75F90A6-3D19-A748-3C52-AD06CE959C34}"/>
+                    </a:ext>
+                  </a:extLst>
+                </p:cNvPr>
+                <p:cNvSpPr/>
+                <p:nvPr/>
+              </p:nvSpPr>
+              <p:spPr>
+                <a:xfrm>
+                  <a:off x="2387011" y="4869713"/>
+                  <a:ext cx="845289" cy="499730"/>
+                </a:xfrm>
+                <a:prstGeom prst="roundRect">
+                  <a:avLst/>
+                </a:prstGeom>
+                <a:solidFill>
+                  <a:srgbClr val="993300"/>
+                </a:solidFill>
+                <a:ln>
+                  <a:solidFill>
+                    <a:srgbClr val="993300"/>
+                  </a:solidFill>
+                </a:ln>
+              </p:spPr>
+              <p:style>
+                <a:lnRef idx="2">
+                  <a:schemeClr val="accent1">
+                    <a:shade val="50000"/>
+                  </a:schemeClr>
+                </a:lnRef>
+                <a:fillRef idx="1">
+                  <a:schemeClr val="accent1"/>
+                </a:fillRef>
+                <a:effectRef idx="0">
+                  <a:schemeClr val="accent1"/>
+                </a:effectRef>
+                <a:fontRef idx="minor">
+                  <a:schemeClr val="lt1"/>
+                </a:fontRef>
+              </p:style>
+              <p:txBody>
+                <a:bodyPr rtlCol="0" anchor="ctr"/>
+                <a:lstStyle/>
+                <a:p>
+                  <a:pPr algn="ctr"/>
+                  <a:r>
+                    <a:rPr lang="en-GB" b="1" dirty="0"/>
+                    <a:t>Proud</a:t>
+                  </a:r>
+                </a:p>
+              </p:txBody>
+            </p:sp>
+            <p:sp>
+              <p:nvSpPr>
+                <p:cNvPr id="3" name="Rectangle: Rounded Corners 2">
+                  <a:extLst>
+                    <a:ext uri="{FF2B5EF4-FFF2-40B4-BE49-F238E27FC236}">
+                      <a16:creationId xmlns:a16="http://schemas.microsoft.com/office/drawing/2014/main" id="{59AE1D4B-A13B-6FB6-34E7-24F041FC0F05}"/>
+                    </a:ext>
+                  </a:extLst>
+                </p:cNvPr>
+                <p:cNvSpPr/>
+                <p:nvPr/>
+              </p:nvSpPr>
+              <p:spPr>
+                <a:xfrm>
+                  <a:off x="704851" y="4869713"/>
+                  <a:ext cx="1538619" cy="499730"/>
+                </a:xfrm>
+                <a:prstGeom prst="roundRect">
+                  <a:avLst/>
+                </a:prstGeom>
+                <a:solidFill>
+                  <a:srgbClr val="993300"/>
+                </a:solidFill>
+                <a:ln>
+                  <a:solidFill>
+                    <a:srgbClr val="993300"/>
+                  </a:solidFill>
+                </a:ln>
+              </p:spPr>
+              <p:style>
+                <a:lnRef idx="2">
+                  <a:schemeClr val="accent1">
+                    <a:shade val="50000"/>
+                  </a:schemeClr>
+                </a:lnRef>
+                <a:fillRef idx="1">
+                  <a:schemeClr val="accent1"/>
+                </a:fillRef>
+                <a:effectRef idx="0">
+                  <a:schemeClr val="accent1"/>
+                </a:effectRef>
+                <a:fontRef idx="minor">
+                  <a:schemeClr val="lt1"/>
+                </a:fontRef>
+              </p:style>
+              <p:txBody>
+                <a:bodyPr rtlCol="0" anchor="ctr"/>
+                <a:lstStyle/>
+                <a:p>
+                  <a:pPr algn="ctr"/>
+                  <a:r>
+                    <a:rPr lang="en-GB" b="1" dirty="0"/>
+                    <a:t>Independent</a:t>
+                  </a:r>
+                </a:p>
+              </p:txBody>
+            </p:sp>
+          </p:grpSp>
+          <p:grpSp>
+            <p:nvGrpSpPr>
+              <p:cNvPr id="14" name="Group 13">
+                <a:extLst>
+                  <a:ext uri="{FF2B5EF4-FFF2-40B4-BE49-F238E27FC236}">
+                    <a16:creationId xmlns:a16="http://schemas.microsoft.com/office/drawing/2014/main" id="{26787A29-240A-D7D3-19E9-CA749BE1D753}"/>
+                  </a:ext>
+                </a:extLst>
+              </p:cNvPr>
+              <p:cNvGrpSpPr/>
+              <p:nvPr/>
+            </p:nvGrpSpPr>
+            <p:grpSpPr>
+              <a:xfrm>
+                <a:off x="704851" y="5507667"/>
+                <a:ext cx="2652819" cy="499730"/>
+                <a:chOff x="704851" y="5507667"/>
+                <a:chExt cx="2652819" cy="499730"/>
+              </a:xfrm>
+            </p:grpSpPr>
+            <p:sp>
+              <p:nvSpPr>
+                <p:cNvPr id="7" name="Rectangle: Rounded Corners 6">
+                  <a:extLst>
+                    <a:ext uri="{FF2B5EF4-FFF2-40B4-BE49-F238E27FC236}">
+                      <a16:creationId xmlns:a16="http://schemas.microsoft.com/office/drawing/2014/main" id="{41A7388D-B783-C648-16C7-132A44EF1686}"/>
+                    </a:ext>
+                  </a:extLst>
+                </p:cNvPr>
+                <p:cNvSpPr/>
+                <p:nvPr/>
+              </p:nvSpPr>
+              <p:spPr>
+                <a:xfrm>
+                  <a:off x="704851" y="5507667"/>
+                  <a:ext cx="1166479" cy="499730"/>
+                </a:xfrm>
+                <a:prstGeom prst="roundRect">
+                  <a:avLst/>
+                </a:prstGeom>
+                <a:solidFill>
+                  <a:srgbClr val="993300"/>
+                </a:solidFill>
+                <a:ln>
+                  <a:solidFill>
+                    <a:srgbClr val="993300"/>
+                  </a:solidFill>
+                </a:ln>
+              </p:spPr>
+              <p:style>
+                <a:lnRef idx="2">
+                  <a:schemeClr val="accent1">
+                    <a:shade val="50000"/>
+                  </a:schemeClr>
+                </a:lnRef>
+                <a:fillRef idx="1">
+                  <a:schemeClr val="accent1"/>
+                </a:fillRef>
+                <a:effectRef idx="0">
+                  <a:schemeClr val="accent1"/>
+                </a:effectRef>
+                <a:fontRef idx="minor">
+                  <a:schemeClr val="lt1"/>
+                </a:fontRef>
+              </p:style>
+              <p:txBody>
+                <a:bodyPr rtlCol="0" anchor="ctr"/>
+                <a:lstStyle/>
+                <a:p>
+                  <a:pPr algn="ctr"/>
+                  <a:r>
+                    <a:rPr lang="en-GB" b="1" dirty="0"/>
+                    <a:t>Stubborn</a:t>
+                  </a:r>
+                </a:p>
+              </p:txBody>
+            </p:sp>
+            <p:sp>
+              <p:nvSpPr>
+                <p:cNvPr id="12" name="Rectangle: Rounded Corners 11">
+                  <a:extLst>
+                    <a:ext uri="{FF2B5EF4-FFF2-40B4-BE49-F238E27FC236}">
+                      <a16:creationId xmlns:a16="http://schemas.microsoft.com/office/drawing/2014/main" id="{EAA16AC5-B9DE-728A-FBE7-85666C0918C9}"/>
+                    </a:ext>
+                  </a:extLst>
+                </p:cNvPr>
+                <p:cNvSpPr/>
+                <p:nvPr/>
+              </p:nvSpPr>
+              <p:spPr>
+                <a:xfrm>
+                  <a:off x="2017083" y="5507667"/>
+                  <a:ext cx="1340587" cy="499730"/>
+                </a:xfrm>
+                <a:prstGeom prst="roundRect">
+                  <a:avLst/>
+                </a:prstGeom>
+                <a:solidFill>
+                  <a:srgbClr val="993300"/>
+                </a:solidFill>
+                <a:ln>
+                  <a:solidFill>
+                    <a:srgbClr val="993300"/>
+                  </a:solidFill>
+                </a:ln>
+              </p:spPr>
+              <p:style>
+                <a:lnRef idx="2">
+                  <a:schemeClr val="accent1">
+                    <a:shade val="50000"/>
+                  </a:schemeClr>
+                </a:lnRef>
+                <a:fillRef idx="1">
+                  <a:schemeClr val="accent1"/>
+                </a:fillRef>
+                <a:effectRef idx="0">
+                  <a:schemeClr val="accent1"/>
+                </a:effectRef>
+                <a:fontRef idx="minor">
+                  <a:schemeClr val="lt1"/>
+                </a:fontRef>
+              </p:style>
+              <p:txBody>
+                <a:bodyPr rtlCol="0" anchor="ctr"/>
+                <a:lstStyle/>
+                <a:p>
+                  <a:pPr algn="ctr"/>
+                  <a:r>
+                    <a:rPr lang="en-GB" b="1" dirty="0"/>
+                    <a:t>Impatient</a:t>
+                  </a:r>
+                </a:p>
+              </p:txBody>
+            </p:sp>
+          </p:grpSp>
+        </p:grpSp>
+      </p:grpSp>
+      <p:grpSp>
+        <p:nvGrpSpPr>
+          <p:cNvPr id="18" name="Group 17">
+            <a:extLst>
+              <a:ext uri="{FF2B5EF4-FFF2-40B4-BE49-F238E27FC236}">
+                <a16:creationId xmlns:a16="http://schemas.microsoft.com/office/drawing/2014/main" id="{0408090B-D36A-2340-6779-D455AF3F0145}"/>
+              </a:ext>
+            </a:extLst>
+          </p:cNvPr>
+          <p:cNvGrpSpPr/>
+          <p:nvPr/>
+        </p:nvGrpSpPr>
+        <p:grpSpPr>
+          <a:xfrm>
+            <a:off x="704851" y="5599365"/>
+            <a:ext cx="3340837" cy="962495"/>
+            <a:chOff x="704851" y="5604681"/>
+            <a:chExt cx="3340837" cy="962495"/>
+          </a:xfrm>
+        </p:grpSpPr>
+        <p:pic>
+          <p:nvPicPr>
+            <p:cNvPr id="1028" name="Picture 4">
+              <a:extLst>
+                <a:ext uri="{FF2B5EF4-FFF2-40B4-BE49-F238E27FC236}">
+                  <a16:creationId xmlns:a16="http://schemas.microsoft.com/office/drawing/2014/main" id="{1FF66094-4C88-EB01-7090-8AB233C31470}"/>
+                </a:ext>
+              </a:extLst>
+            </p:cNvPr>
+            <p:cNvPicPr>
+              <a:picLocks noChangeAspect="1" noChangeArrowheads="1"/>
+            </p:cNvPicPr>
+            <p:nvPr/>
+          </p:nvPicPr>
+          <p:blipFill>
+            <a:blip r:embed="rId5">
+              <a:extLst>
+                <a:ext uri="{28A0092B-C50C-407E-A947-70E740481C1C}">
+                  <a14:useLocalDpi xmlns:a14="http://schemas.microsoft.com/office/drawing/2010/main" val="0"/>
+                </a:ext>
+              </a:extLst>
+            </a:blip>
+            <a:srcRect/>
+            <a:stretch>
+              <a:fillRect/>
+            </a:stretch>
+          </p:blipFill>
+          <p:spPr bwMode="auto">
+            <a:xfrm>
+              <a:off x="704851" y="5604681"/>
+              <a:ext cx="842406" cy="962495"/>
+            </a:xfrm>
+            <a:prstGeom prst="rect">
+              <a:avLst/>
+            </a:prstGeom>
+            <a:noFill/>
+            <a:extLst>
+              <a:ext uri="{909E8E84-426E-40DD-AFC4-6F175D3DCCD1}">
+                <a14:hiddenFill xmlns:a14="http://schemas.microsoft.com/office/drawing/2010/main">
+                  <a:solidFill>
+                    <a:srgbClr val="FFFFFF"/>
+                  </a:solidFill>
+                </a14:hiddenFill>
+              </a:ext>
+            </a:extLst>
+          </p:spPr>
+        </p:pic>
+        <p:sp>
+          <p:nvSpPr>
+            <p:cNvPr id="17" name="Content Placeholder 2">
+              <a:extLst>
+                <a:ext uri="{FF2B5EF4-FFF2-40B4-BE49-F238E27FC236}">
+                  <a16:creationId xmlns:a16="http://schemas.microsoft.com/office/drawing/2014/main" id="{D88C0B20-8947-BBCF-5AE6-3DCFE662E9C4}"/>
+                </a:ext>
+              </a:extLst>
+            </p:cNvPr>
+            <p:cNvSpPr txBox="1">
+              <a:spLocks/>
+            </p:cNvSpPr>
+            <p:nvPr/>
+          </p:nvSpPr>
+          <p:spPr>
+            <a:xfrm>
+              <a:off x="1591563" y="5743418"/>
+              <a:ext cx="2454125" cy="685019"/>
+            </a:xfrm>
+            <a:prstGeom prst="rect">
+              <a:avLst/>
+            </a:prstGeom>
+          </p:spPr>
+          <p:txBody>
+            <a:bodyPr vert="horz" lIns="91440" tIns="45720" rIns="91440" bIns="45720" rtlCol="0">
+              <a:normAutofit/>
+            </a:bodyPr>
+            <a:lstStyle>
+              <a:lvl1pPr marL="228600" indent="-228600" algn="l" defTabSz="914400" rtl="0" eaLnBrk="1" latinLnBrk="0" hangingPunct="1">
+                <a:lnSpc>
+                  <a:spcPct val="90000"/>
+                </a:lnSpc>
+                <a:spcBef>
+                  <a:spcPts val="1000"/>
+                </a:spcBef>
+                <a:buFont typeface="Arial" panose="020B0604020202020204" pitchFamily="34" charset="0"/>
+                <a:buChar char="•"/>
+                <a:defRPr sz="2800" kern="1200">
+                  <a:solidFill>
+                    <a:schemeClr val="tx1"/>
+                  </a:solidFill>
+                  <a:latin typeface="+mn-lt"/>
+                  <a:ea typeface="+mn-ea"/>
+                  <a:cs typeface="+mn-cs"/>
+                </a:defRPr>
+              </a:lvl1pPr>
+              <a:lvl2pPr marL="685800" indent="-228600" algn="l" defTabSz="914400" rtl="0" eaLnBrk="1" latinLnBrk="0" hangingPunct="1">
+                <a:lnSpc>
+                  <a:spcPct val="90000"/>
+                </a:lnSpc>
+                <a:spcBef>
+                  <a:spcPts val="500"/>
+                </a:spcBef>
+                <a:buFont typeface="Arial" panose="020B0604020202020204" pitchFamily="34" charset="0"/>
+                <a:buChar char="•"/>
+                <a:defRPr sz="2400" kern="1200">
+                  <a:solidFill>
+                    <a:schemeClr val="tx1"/>
+                  </a:solidFill>
+                  <a:latin typeface="+mn-lt"/>
+                  <a:ea typeface="+mn-ea"/>
+                  <a:cs typeface="+mn-cs"/>
+                </a:defRPr>
+              </a:lvl2pPr>
+              <a:lvl3pPr marL="1143000" indent="-228600" algn="l" defTabSz="914400" rtl="0" eaLnBrk="1" latinLnBrk="0" hangingPunct="1">
+                <a:lnSpc>
+                  <a:spcPct val="90000"/>
+                </a:lnSpc>
+                <a:spcBef>
+                  <a:spcPts val="500"/>
+                </a:spcBef>
+                <a:buFont typeface="Arial" panose="020B0604020202020204" pitchFamily="34" charset="0"/>
+                <a:buChar char="•"/>
+                <a:defRPr sz="2000" kern="1200">
+                  <a:solidFill>
+                    <a:schemeClr val="tx1"/>
+                  </a:solidFill>
+                  <a:latin typeface="+mn-lt"/>
+                  <a:ea typeface="+mn-ea"/>
+                  <a:cs typeface="+mn-cs"/>
+                </a:defRPr>
+              </a:lvl3pPr>
+              <a:lvl4pPr marL="1600200" indent="-228600" algn="l" defTabSz="914400" rtl="0" eaLnBrk="1" latinLnBrk="0" hangingPunct="1">
+                <a:lnSpc>
+                  <a:spcPct val="90000"/>
+                </a:lnSpc>
+                <a:spcBef>
+                  <a:spcPts val="500"/>
+                </a:spcBef>
+                <a:buFont typeface="Arial" panose="020B0604020202020204" pitchFamily="34" charset="0"/>
+                <a:buChar char="•"/>
+                <a:defRPr sz="1800" kern="1200">
+                  <a:solidFill>
+                    <a:schemeClr val="tx1"/>
+                  </a:solidFill>
+                  <a:latin typeface="+mn-lt"/>
+                  <a:ea typeface="+mn-ea"/>
+                  <a:cs typeface="+mn-cs"/>
+                </a:defRPr>
+              </a:lvl4pPr>
+              <a:lvl5pPr marL="2057400" indent="-228600" algn="l" defTabSz="914400" rtl="0" eaLnBrk="1" latinLnBrk="0" hangingPunct="1">
+                <a:lnSpc>
+                  <a:spcPct val="90000"/>
+                </a:lnSpc>
+                <a:spcBef>
+                  <a:spcPts val="500"/>
+                </a:spcBef>
+                <a:buFont typeface="Arial" panose="020B0604020202020204" pitchFamily="34" charset="0"/>
+                <a:buChar char="•"/>
+                <a:defRPr sz="1800" kern="1200">
+                  <a:solidFill>
+                    <a:schemeClr val="tx1"/>
+                  </a:solidFill>
+                  <a:latin typeface="+mn-lt"/>
+                  <a:ea typeface="+mn-ea"/>
+                  <a:cs typeface="+mn-cs"/>
+                </a:defRPr>
+              </a:lvl5pPr>
+              <a:lvl6pPr marL="2514600" indent="-228600" algn="l" defTabSz="914400" rtl="0" eaLnBrk="1" latinLnBrk="0" hangingPunct="1">
+                <a:lnSpc>
+                  <a:spcPct val="90000"/>
+                </a:lnSpc>
+                <a:spcBef>
+                  <a:spcPts val="500"/>
+                </a:spcBef>
+                <a:buFont typeface="Arial" panose="020B0604020202020204" pitchFamily="34" charset="0"/>
+                <a:buChar char="•"/>
+                <a:defRPr sz="1800" kern="1200">
+                  <a:solidFill>
+                    <a:schemeClr val="tx1"/>
+                  </a:solidFill>
+                  <a:latin typeface="+mn-lt"/>
+                  <a:ea typeface="+mn-ea"/>
+                  <a:cs typeface="+mn-cs"/>
+                </a:defRPr>
+              </a:lvl6pPr>
+              <a:lvl7pPr marL="2971800" indent="-228600" algn="l" defTabSz="914400" rtl="0" eaLnBrk="1" latinLnBrk="0" hangingPunct="1">
+                <a:lnSpc>
+                  <a:spcPct val="90000"/>
+                </a:lnSpc>
+                <a:spcBef>
+                  <a:spcPts val="500"/>
+                </a:spcBef>
+                <a:buFont typeface="Arial" panose="020B0604020202020204" pitchFamily="34" charset="0"/>
+                <a:buChar char="•"/>
+                <a:defRPr sz="1800" kern="1200">
+                  <a:solidFill>
+                    <a:schemeClr val="tx1"/>
+                  </a:solidFill>
+                  <a:latin typeface="+mn-lt"/>
+                  <a:ea typeface="+mn-ea"/>
+                  <a:cs typeface="+mn-cs"/>
+                </a:defRPr>
+              </a:lvl7pPr>
+              <a:lvl8pPr marL="3429000" indent="-228600" algn="l" defTabSz="914400" rtl="0" eaLnBrk="1" latinLnBrk="0" hangingPunct="1">
+                <a:lnSpc>
+                  <a:spcPct val="90000"/>
+                </a:lnSpc>
+                <a:spcBef>
+                  <a:spcPts val="500"/>
+                </a:spcBef>
+                <a:buFont typeface="Arial" panose="020B0604020202020204" pitchFamily="34" charset="0"/>
+                <a:buChar char="•"/>
+                <a:defRPr sz="1800" kern="1200">
+                  <a:solidFill>
+                    <a:schemeClr val="tx1"/>
+                  </a:solidFill>
+                  <a:latin typeface="+mn-lt"/>
+                  <a:ea typeface="+mn-ea"/>
+                  <a:cs typeface="+mn-cs"/>
+                </a:defRPr>
+              </a:lvl8pPr>
+              <a:lvl9pPr marL="3886200" indent="-228600" algn="l" defTabSz="914400" rtl="0" eaLnBrk="1" latinLnBrk="0" hangingPunct="1">
+                <a:lnSpc>
+                  <a:spcPct val="90000"/>
+                </a:lnSpc>
+                <a:spcBef>
+                  <a:spcPts val="500"/>
+                </a:spcBef>
+                <a:buFont typeface="Arial" panose="020B0604020202020204" pitchFamily="34" charset="0"/>
+                <a:buChar char="•"/>
+                <a:defRPr sz="1800" kern="1200">
+                  <a:solidFill>
+                    <a:schemeClr val="tx1"/>
+                  </a:solidFill>
+                  <a:latin typeface="+mn-lt"/>
+                  <a:ea typeface="+mn-ea"/>
+                  <a:cs typeface="+mn-cs"/>
+                </a:defRPr>
+              </a:lvl9pPr>
+            </a:lstStyle>
+            <a:p>
+              <a:pPr marL="0" indent="0">
+                <a:buClr>
+                  <a:srgbClr val="993300"/>
+                </a:buClr>
+                <a:buNone/>
+              </a:pPr>
+              <a:r>
+                <a:rPr lang="en-US" sz="2000" b="1" dirty="0"/>
+                <a:t>Incomplete version, please check the PDF</a:t>
+              </a:r>
+            </a:p>
+          </p:txBody>
+        </p:sp>
+      </p:grpSp>
+    </p:spTree>
+    <p:extLst>
+      <p:ext uri="{BB962C8B-B14F-4D97-AF65-F5344CB8AC3E}">
+        <p14:creationId xmlns:p14="http://schemas.microsoft.com/office/powerpoint/2010/main" val="2504430113"/>
+      </p:ext>
+    </p:extLst>
+  </p:cSld>
+  <p:clrMapOvr>
+    <a:masterClrMapping/>
+  </p:clrMapOvr>
+</p:sld>
+</file>
+
+<file path=ppt/slides/slide6.xml><?xml version="1.0" encoding="utf-8"?>
+<p:sld xmlns:a="http://schemas.openxmlformats.org/drawingml/2006/main" xmlns:r="http://schemas.openxmlformats.org/officeDocument/2006/relationships" xmlns:p="http://schemas.openxmlformats.org/presentationml/2006/main">
+  <p:cSld>
+    <p:spTree>
+      <p:nvGrpSpPr>
+        <p:cNvPr id="1" name=""/>
+        <p:cNvGrpSpPr/>
+        <p:nvPr/>
+      </p:nvGrpSpPr>
+      <p:grpSpPr>
+        <a:xfrm>
+          <a:off x="0" y="0"/>
+          <a:ext cx="0" cy="0"/>
+          <a:chOff x="0" y="0"/>
+          <a:chExt cx="0" cy="0"/>
+        </a:xfrm>
+      </p:grpSpPr>
+      <p:pic>
+        <p:nvPicPr>
+          <p:cNvPr id="5" name="Picture 4" descr="A picture containing text, clipart&#10;&#10;Description automatically generated">
+            <a:extLst>
+              <a:ext uri="{FF2B5EF4-FFF2-40B4-BE49-F238E27FC236}">
+                <a16:creationId xmlns:a16="http://schemas.microsoft.com/office/drawing/2014/main" id="{AEEF4F80-6182-437F-8FB9-E546318E1786}"/>
+              </a:ext>
+            </a:extLst>
+          </p:cNvPr>
+          <p:cNvPicPr>
+            <a:picLocks noChangeAspect="1"/>
+          </p:cNvPicPr>
+          <p:nvPr/>
+        </p:nvPicPr>
+        <p:blipFill>
           <a:blip r:embed="rId2">
             <a:extLst>
               <a:ext uri="{28A0092B-C50C-407E-A947-70E740481C1C}">
@@ -8269,17 +9804,17 @@
           <a:p>
             <a:r>
               <a:rPr lang="en-US" b="1" dirty="0"/>
-              <a:t>Questionnaire</a:t>
+              <a:t>Related Services</a:t>
             </a:r>
           </a:p>
         </p:txBody>
       </p:sp>
       <p:sp>
         <p:nvSpPr>
-          <p:cNvPr id="19" name="Content Placeholder 2">
+          <p:cNvPr id="4" name="Content Placeholder 2">
             <a:extLst>
               <a:ext uri="{FF2B5EF4-FFF2-40B4-BE49-F238E27FC236}">
-                <a16:creationId xmlns:a16="http://schemas.microsoft.com/office/drawing/2014/main" id="{0ECD3A20-CC97-6E8F-4FEE-A967574EB9EC}"/>
+                <a16:creationId xmlns:a16="http://schemas.microsoft.com/office/drawing/2014/main" id="{4972AFF4-B587-DDE3-55AB-37549D03AEA0}"/>
               </a:ext>
             </a:extLst>
           </p:cNvPr>
@@ -8290,8 +9825,8 @@
         </p:nvSpPr>
         <p:spPr>
           <a:xfrm>
-            <a:off x="704851" y="1732209"/>
-            <a:ext cx="3621822" cy="683888"/>
+            <a:off x="4620407" y="835532"/>
+            <a:ext cx="2350583" cy="384745"/>
           </a:xfrm>
           <a:prstGeom prst="rect">
             <a:avLst/>
@@ -8472,17 +10007,51 @@
             </a:pPr>
             <a:r>
               <a:rPr lang="en-US" sz="2000" dirty="0"/>
-              <a:t>23 responses, 16 probable users</a:t>
+              <a:t>(from questionnaire)</a:t>
             </a:r>
           </a:p>
         </p:txBody>
       </p:sp>
+      <p:pic>
+        <p:nvPicPr>
+          <p:cNvPr id="3" name="Picture 2">
+            <a:extLst>
+              <a:ext uri="{FF2B5EF4-FFF2-40B4-BE49-F238E27FC236}">
+                <a16:creationId xmlns:a16="http://schemas.microsoft.com/office/drawing/2014/main" id="{6CFB68E4-11CF-21C8-7084-BF86C566315D}"/>
+              </a:ext>
+            </a:extLst>
+          </p:cNvPr>
+          <p:cNvPicPr>
+            <a:picLocks noChangeAspect="1"/>
+          </p:cNvPicPr>
+          <p:nvPr/>
+        </p:nvPicPr>
+        <p:blipFill rotWithShape="1">
+          <a:blip r:embed="rId3"/>
+          <a:srcRect l="1676" t="1213" r="1" b="1495"/>
+          <a:stretch/>
+        </p:blipFill>
+        <p:spPr>
+          <a:xfrm>
+            <a:off x="553258" y="1579168"/>
+            <a:ext cx="2313201" cy="4965171"/>
+          </a:xfrm>
+          <a:prstGeom prst="rect">
+            <a:avLst/>
+          </a:prstGeom>
+          <a:ln w="12700">
+            <a:solidFill>
+              <a:schemeClr val="tx1"/>
+            </a:solidFill>
+          </a:ln>
+        </p:spPr>
+      </p:pic>
       <p:sp>
         <p:nvSpPr>
-          <p:cNvPr id="4" name="Content Placeholder 2">
+          <p:cNvPr id="7" name="Content Placeholder 2">
             <a:extLst>
               <a:ext uri="{FF2B5EF4-FFF2-40B4-BE49-F238E27FC236}">
-                <a16:creationId xmlns:a16="http://schemas.microsoft.com/office/drawing/2014/main" id="{4972AFF4-B587-DDE3-55AB-37549D03AEA0}"/>
+                <a16:creationId xmlns:a16="http://schemas.microsoft.com/office/drawing/2014/main" id="{2CFD5082-5624-1646-8234-C6A837CB3A2B}"/>
               </a:ext>
             </a:extLst>
           </p:cNvPr>
@@ -8493,8 +10062,8 @@
         </p:nvSpPr>
         <p:spPr>
           <a:xfrm>
-            <a:off x="704851" y="1979313"/>
-            <a:ext cx="3621822" cy="683888"/>
+            <a:off x="3998576" y="2148159"/>
+            <a:ext cx="1537616" cy="384745"/>
           </a:xfrm>
           <a:prstGeom prst="rect">
             <a:avLst/>
@@ -8669,13 +10238,1238 @@
             </a:lvl9pPr>
           </a:lstStyle>
           <a:p>
-            <a:pPr marL="0" indent="0">
+            <a:pPr marL="0" indent="0" algn="ctr">
               <a:buFont typeface="Arial" panose="020B0604020202020204" pitchFamily="34" charset="0"/>
               <a:buNone/>
             </a:pPr>
             <a:r>
+              <a:rPr lang="en-US" sz="2000" b="1" dirty="0"/>
+              <a:t>Browser app</a:t>
+            </a:r>
+          </a:p>
+        </p:txBody>
+      </p:sp>
+      <p:sp>
+        <p:nvSpPr>
+          <p:cNvPr id="8" name="Content Placeholder 2">
+            <a:extLst>
+              <a:ext uri="{FF2B5EF4-FFF2-40B4-BE49-F238E27FC236}">
+                <a16:creationId xmlns:a16="http://schemas.microsoft.com/office/drawing/2014/main" id="{99B69D3D-1334-17DB-1E4A-D0E669AE016E}"/>
+              </a:ext>
+            </a:extLst>
+          </p:cNvPr>
+          <p:cNvSpPr txBox="1">
+            <a:spLocks/>
+          </p:cNvSpPr>
+          <p:nvPr/>
+        </p:nvSpPr>
+        <p:spPr>
+          <a:xfrm>
+            <a:off x="3421124" y="3388331"/>
+            <a:ext cx="2708546" cy="384745"/>
+          </a:xfrm>
+          <a:prstGeom prst="rect">
+            <a:avLst/>
+          </a:prstGeom>
+        </p:spPr>
+        <p:txBody>
+          <a:bodyPr vert="horz" lIns="91440" tIns="45720" rIns="91440" bIns="45720" rtlCol="0">
+            <a:normAutofit fontScale="92500"/>
+          </a:bodyPr>
+          <a:lstStyle>
+            <a:lvl1pPr marL="228600" indent="-228600" algn="l" defTabSz="914400" rtl="0" eaLnBrk="1" latinLnBrk="0" hangingPunct="1">
+              <a:lnSpc>
+                <a:spcPct val="90000"/>
+              </a:lnSpc>
+              <a:spcBef>
+                <a:spcPts val="1000"/>
+              </a:spcBef>
+              <a:buFont typeface="Arial" panose="020B0604020202020204" pitchFamily="34" charset="0"/>
+              <a:buChar char="•"/>
+              <a:defRPr sz="2800" kern="1200">
+                <a:solidFill>
+                  <a:schemeClr val="tx1"/>
+                </a:solidFill>
+                <a:latin typeface="+mn-lt"/>
+                <a:ea typeface="+mn-ea"/>
+                <a:cs typeface="+mn-cs"/>
+              </a:defRPr>
+            </a:lvl1pPr>
+            <a:lvl2pPr marL="685800" indent="-228600" algn="l" defTabSz="914400" rtl="0" eaLnBrk="1" latinLnBrk="0" hangingPunct="1">
+              <a:lnSpc>
+                <a:spcPct val="90000"/>
+              </a:lnSpc>
+              <a:spcBef>
+                <a:spcPts val="500"/>
+              </a:spcBef>
+              <a:buFont typeface="Arial" panose="020B0604020202020204" pitchFamily="34" charset="0"/>
+              <a:buChar char="•"/>
+              <a:defRPr sz="2400" kern="1200">
+                <a:solidFill>
+                  <a:schemeClr val="tx1"/>
+                </a:solidFill>
+                <a:latin typeface="+mn-lt"/>
+                <a:ea typeface="+mn-ea"/>
+                <a:cs typeface="+mn-cs"/>
+              </a:defRPr>
+            </a:lvl2pPr>
+            <a:lvl3pPr marL="1143000" indent="-228600" algn="l" defTabSz="914400" rtl="0" eaLnBrk="1" latinLnBrk="0" hangingPunct="1">
+              <a:lnSpc>
+                <a:spcPct val="90000"/>
+              </a:lnSpc>
+              <a:spcBef>
+                <a:spcPts val="500"/>
+              </a:spcBef>
+              <a:buFont typeface="Arial" panose="020B0604020202020204" pitchFamily="34" charset="0"/>
+              <a:buChar char="•"/>
+              <a:defRPr sz="2000" kern="1200">
+                <a:solidFill>
+                  <a:schemeClr val="tx1"/>
+                </a:solidFill>
+                <a:latin typeface="+mn-lt"/>
+                <a:ea typeface="+mn-ea"/>
+                <a:cs typeface="+mn-cs"/>
+              </a:defRPr>
+            </a:lvl3pPr>
+            <a:lvl4pPr marL="1600200" indent="-228600" algn="l" defTabSz="914400" rtl="0" eaLnBrk="1" latinLnBrk="0" hangingPunct="1">
+              <a:lnSpc>
+                <a:spcPct val="90000"/>
+              </a:lnSpc>
+              <a:spcBef>
+                <a:spcPts val="500"/>
+              </a:spcBef>
+              <a:buFont typeface="Arial" panose="020B0604020202020204" pitchFamily="34" charset="0"/>
+              <a:buChar char="•"/>
+              <a:defRPr sz="1800" kern="1200">
+                <a:solidFill>
+                  <a:schemeClr val="tx1"/>
+                </a:solidFill>
+                <a:latin typeface="+mn-lt"/>
+                <a:ea typeface="+mn-ea"/>
+                <a:cs typeface="+mn-cs"/>
+              </a:defRPr>
+            </a:lvl4pPr>
+            <a:lvl5pPr marL="2057400" indent="-228600" algn="l" defTabSz="914400" rtl="0" eaLnBrk="1" latinLnBrk="0" hangingPunct="1">
+              <a:lnSpc>
+                <a:spcPct val="90000"/>
+              </a:lnSpc>
+              <a:spcBef>
+                <a:spcPts val="500"/>
+              </a:spcBef>
+              <a:buFont typeface="Arial" panose="020B0604020202020204" pitchFamily="34" charset="0"/>
+              <a:buChar char="•"/>
+              <a:defRPr sz="1800" kern="1200">
+                <a:solidFill>
+                  <a:schemeClr val="tx1"/>
+                </a:solidFill>
+                <a:latin typeface="+mn-lt"/>
+                <a:ea typeface="+mn-ea"/>
+                <a:cs typeface="+mn-cs"/>
+              </a:defRPr>
+            </a:lvl5pPr>
+            <a:lvl6pPr marL="2514600" indent="-228600" algn="l" defTabSz="914400" rtl="0" eaLnBrk="1" latinLnBrk="0" hangingPunct="1">
+              <a:lnSpc>
+                <a:spcPct val="90000"/>
+              </a:lnSpc>
+              <a:spcBef>
+                <a:spcPts val="500"/>
+              </a:spcBef>
+              <a:buFont typeface="Arial" panose="020B0604020202020204" pitchFamily="34" charset="0"/>
+              <a:buChar char="•"/>
+              <a:defRPr sz="1800" kern="1200">
+                <a:solidFill>
+                  <a:schemeClr val="tx1"/>
+                </a:solidFill>
+                <a:latin typeface="+mn-lt"/>
+                <a:ea typeface="+mn-ea"/>
+                <a:cs typeface="+mn-cs"/>
+              </a:defRPr>
+            </a:lvl6pPr>
+            <a:lvl7pPr marL="2971800" indent="-228600" algn="l" defTabSz="914400" rtl="0" eaLnBrk="1" latinLnBrk="0" hangingPunct="1">
+              <a:lnSpc>
+                <a:spcPct val="90000"/>
+              </a:lnSpc>
+              <a:spcBef>
+                <a:spcPts val="500"/>
+              </a:spcBef>
+              <a:buFont typeface="Arial" panose="020B0604020202020204" pitchFamily="34" charset="0"/>
+              <a:buChar char="•"/>
+              <a:defRPr sz="1800" kern="1200">
+                <a:solidFill>
+                  <a:schemeClr val="tx1"/>
+                </a:solidFill>
+                <a:latin typeface="+mn-lt"/>
+                <a:ea typeface="+mn-ea"/>
+                <a:cs typeface="+mn-cs"/>
+              </a:defRPr>
+            </a:lvl7pPr>
+            <a:lvl8pPr marL="3429000" indent="-228600" algn="l" defTabSz="914400" rtl="0" eaLnBrk="1" latinLnBrk="0" hangingPunct="1">
+              <a:lnSpc>
+                <a:spcPct val="90000"/>
+              </a:lnSpc>
+              <a:spcBef>
+                <a:spcPts val="500"/>
+              </a:spcBef>
+              <a:buFont typeface="Arial" panose="020B0604020202020204" pitchFamily="34" charset="0"/>
+              <a:buChar char="•"/>
+              <a:defRPr sz="1800" kern="1200">
+                <a:solidFill>
+                  <a:schemeClr val="tx1"/>
+                </a:solidFill>
+                <a:latin typeface="+mn-lt"/>
+                <a:ea typeface="+mn-ea"/>
+                <a:cs typeface="+mn-cs"/>
+              </a:defRPr>
+            </a:lvl8pPr>
+            <a:lvl9pPr marL="3886200" indent="-228600" algn="l" defTabSz="914400" rtl="0" eaLnBrk="1" latinLnBrk="0" hangingPunct="1">
+              <a:lnSpc>
+                <a:spcPct val="90000"/>
+              </a:lnSpc>
+              <a:spcBef>
+                <a:spcPts val="500"/>
+              </a:spcBef>
+              <a:buFont typeface="Arial" panose="020B0604020202020204" pitchFamily="34" charset="0"/>
+              <a:buChar char="•"/>
+              <a:defRPr sz="1800" kern="1200">
+                <a:solidFill>
+                  <a:schemeClr val="tx1"/>
+                </a:solidFill>
+                <a:latin typeface="+mn-lt"/>
+                <a:ea typeface="+mn-ea"/>
+                <a:cs typeface="+mn-cs"/>
+              </a:defRPr>
+            </a:lvl9pPr>
+          </a:lstStyle>
+          <a:p>
+            <a:pPr marL="0" indent="0">
+              <a:buFont typeface="Arial" panose="020B0604020202020204" pitchFamily="34" charset="0"/>
+              <a:buNone/>
+            </a:pPr>
+            <a:r>
               <a:rPr lang="en-US" sz="2000" dirty="0"/>
-              <a:t>Mostly female</a:t>
+              <a:t>Immediate call-to-action</a:t>
+            </a:r>
+          </a:p>
+        </p:txBody>
+      </p:sp>
+      <p:cxnSp>
+        <p:nvCxnSpPr>
+          <p:cNvPr id="9" name="Straight Arrow Connector 8">
+            <a:extLst>
+              <a:ext uri="{FF2B5EF4-FFF2-40B4-BE49-F238E27FC236}">
+                <a16:creationId xmlns:a16="http://schemas.microsoft.com/office/drawing/2014/main" id="{9FEC429C-DD02-C249-FBC0-F6A842A1F4E7}"/>
+              </a:ext>
+            </a:extLst>
+          </p:cNvPr>
+          <p:cNvCxnSpPr>
+            <a:cxnSpLocks/>
+            <a:stCxn id="8" idx="1"/>
+          </p:cNvCxnSpPr>
+          <p:nvPr/>
+        </p:nvCxnSpPr>
+        <p:spPr>
+          <a:xfrm flipH="1">
+            <a:off x="2557750" y="3580704"/>
+            <a:ext cx="863374" cy="0"/>
+          </a:xfrm>
+          <a:prstGeom prst="straightConnector1">
+            <a:avLst/>
+          </a:prstGeom>
+          <a:ln w="38100">
+            <a:solidFill>
+              <a:srgbClr val="993300"/>
+            </a:solidFill>
+            <a:tailEnd type="triangle"/>
+          </a:ln>
+        </p:spPr>
+        <p:style>
+          <a:lnRef idx="1">
+            <a:schemeClr val="accent1"/>
+          </a:lnRef>
+          <a:fillRef idx="0">
+            <a:schemeClr val="accent1"/>
+          </a:fillRef>
+          <a:effectRef idx="0">
+            <a:schemeClr val="accent1"/>
+          </a:effectRef>
+          <a:fontRef idx="minor">
+            <a:schemeClr val="tx1"/>
+          </a:fontRef>
+        </p:style>
+      </p:cxnSp>
+      <p:sp>
+        <p:nvSpPr>
+          <p:cNvPr id="11" name="Content Placeholder 2">
+            <a:extLst>
+              <a:ext uri="{FF2B5EF4-FFF2-40B4-BE49-F238E27FC236}">
+                <a16:creationId xmlns:a16="http://schemas.microsoft.com/office/drawing/2014/main" id="{10EC7928-D8EC-3A24-3A88-CB13C5C5A905}"/>
+              </a:ext>
+            </a:extLst>
+          </p:cNvPr>
+          <p:cNvSpPr txBox="1">
+            <a:spLocks/>
+          </p:cNvSpPr>
+          <p:nvPr/>
+        </p:nvSpPr>
+        <p:spPr>
+          <a:xfrm>
+            <a:off x="3421124" y="6022468"/>
+            <a:ext cx="3303967" cy="722926"/>
+          </a:xfrm>
+          <a:prstGeom prst="rect">
+            <a:avLst/>
+          </a:prstGeom>
+        </p:spPr>
+        <p:txBody>
+          <a:bodyPr vert="horz" lIns="91440" tIns="45720" rIns="91440" bIns="45720" rtlCol="0">
+            <a:normAutofit fontScale="92500"/>
+          </a:bodyPr>
+          <a:lstStyle>
+            <a:lvl1pPr marL="228600" indent="-228600" algn="l" defTabSz="914400" rtl="0" eaLnBrk="1" latinLnBrk="0" hangingPunct="1">
+              <a:lnSpc>
+                <a:spcPct val="90000"/>
+              </a:lnSpc>
+              <a:spcBef>
+                <a:spcPts val="1000"/>
+              </a:spcBef>
+              <a:buFont typeface="Arial" panose="020B0604020202020204" pitchFamily="34" charset="0"/>
+              <a:buChar char="•"/>
+              <a:defRPr sz="2800" kern="1200">
+                <a:solidFill>
+                  <a:schemeClr val="tx1"/>
+                </a:solidFill>
+                <a:latin typeface="+mn-lt"/>
+                <a:ea typeface="+mn-ea"/>
+                <a:cs typeface="+mn-cs"/>
+              </a:defRPr>
+            </a:lvl1pPr>
+            <a:lvl2pPr marL="685800" indent="-228600" algn="l" defTabSz="914400" rtl="0" eaLnBrk="1" latinLnBrk="0" hangingPunct="1">
+              <a:lnSpc>
+                <a:spcPct val="90000"/>
+              </a:lnSpc>
+              <a:spcBef>
+                <a:spcPts val="500"/>
+              </a:spcBef>
+              <a:buFont typeface="Arial" panose="020B0604020202020204" pitchFamily="34" charset="0"/>
+              <a:buChar char="•"/>
+              <a:defRPr sz="2400" kern="1200">
+                <a:solidFill>
+                  <a:schemeClr val="tx1"/>
+                </a:solidFill>
+                <a:latin typeface="+mn-lt"/>
+                <a:ea typeface="+mn-ea"/>
+                <a:cs typeface="+mn-cs"/>
+              </a:defRPr>
+            </a:lvl2pPr>
+            <a:lvl3pPr marL="1143000" indent="-228600" algn="l" defTabSz="914400" rtl="0" eaLnBrk="1" latinLnBrk="0" hangingPunct="1">
+              <a:lnSpc>
+                <a:spcPct val="90000"/>
+              </a:lnSpc>
+              <a:spcBef>
+                <a:spcPts val="500"/>
+              </a:spcBef>
+              <a:buFont typeface="Arial" panose="020B0604020202020204" pitchFamily="34" charset="0"/>
+              <a:buChar char="•"/>
+              <a:defRPr sz="2000" kern="1200">
+                <a:solidFill>
+                  <a:schemeClr val="tx1"/>
+                </a:solidFill>
+                <a:latin typeface="+mn-lt"/>
+                <a:ea typeface="+mn-ea"/>
+                <a:cs typeface="+mn-cs"/>
+              </a:defRPr>
+            </a:lvl3pPr>
+            <a:lvl4pPr marL="1600200" indent="-228600" algn="l" defTabSz="914400" rtl="0" eaLnBrk="1" latinLnBrk="0" hangingPunct="1">
+              <a:lnSpc>
+                <a:spcPct val="90000"/>
+              </a:lnSpc>
+              <a:spcBef>
+                <a:spcPts val="500"/>
+              </a:spcBef>
+              <a:buFont typeface="Arial" panose="020B0604020202020204" pitchFamily="34" charset="0"/>
+              <a:buChar char="•"/>
+              <a:defRPr sz="1800" kern="1200">
+                <a:solidFill>
+                  <a:schemeClr val="tx1"/>
+                </a:solidFill>
+                <a:latin typeface="+mn-lt"/>
+                <a:ea typeface="+mn-ea"/>
+                <a:cs typeface="+mn-cs"/>
+              </a:defRPr>
+            </a:lvl4pPr>
+            <a:lvl5pPr marL="2057400" indent="-228600" algn="l" defTabSz="914400" rtl="0" eaLnBrk="1" latinLnBrk="0" hangingPunct="1">
+              <a:lnSpc>
+                <a:spcPct val="90000"/>
+              </a:lnSpc>
+              <a:spcBef>
+                <a:spcPts val="500"/>
+              </a:spcBef>
+              <a:buFont typeface="Arial" panose="020B0604020202020204" pitchFamily="34" charset="0"/>
+              <a:buChar char="•"/>
+              <a:defRPr sz="1800" kern="1200">
+                <a:solidFill>
+                  <a:schemeClr val="tx1"/>
+                </a:solidFill>
+                <a:latin typeface="+mn-lt"/>
+                <a:ea typeface="+mn-ea"/>
+                <a:cs typeface="+mn-cs"/>
+              </a:defRPr>
+            </a:lvl5pPr>
+            <a:lvl6pPr marL="2514600" indent="-228600" algn="l" defTabSz="914400" rtl="0" eaLnBrk="1" latinLnBrk="0" hangingPunct="1">
+              <a:lnSpc>
+                <a:spcPct val="90000"/>
+              </a:lnSpc>
+              <a:spcBef>
+                <a:spcPts val="500"/>
+              </a:spcBef>
+              <a:buFont typeface="Arial" panose="020B0604020202020204" pitchFamily="34" charset="0"/>
+              <a:buChar char="•"/>
+              <a:defRPr sz="1800" kern="1200">
+                <a:solidFill>
+                  <a:schemeClr val="tx1"/>
+                </a:solidFill>
+                <a:latin typeface="+mn-lt"/>
+                <a:ea typeface="+mn-ea"/>
+                <a:cs typeface="+mn-cs"/>
+              </a:defRPr>
+            </a:lvl6pPr>
+            <a:lvl7pPr marL="2971800" indent="-228600" algn="l" defTabSz="914400" rtl="0" eaLnBrk="1" latinLnBrk="0" hangingPunct="1">
+              <a:lnSpc>
+                <a:spcPct val="90000"/>
+              </a:lnSpc>
+              <a:spcBef>
+                <a:spcPts val="500"/>
+              </a:spcBef>
+              <a:buFont typeface="Arial" panose="020B0604020202020204" pitchFamily="34" charset="0"/>
+              <a:buChar char="•"/>
+              <a:defRPr sz="1800" kern="1200">
+                <a:solidFill>
+                  <a:schemeClr val="tx1"/>
+                </a:solidFill>
+                <a:latin typeface="+mn-lt"/>
+                <a:ea typeface="+mn-ea"/>
+                <a:cs typeface="+mn-cs"/>
+              </a:defRPr>
+            </a:lvl7pPr>
+            <a:lvl8pPr marL="3429000" indent="-228600" algn="l" defTabSz="914400" rtl="0" eaLnBrk="1" latinLnBrk="0" hangingPunct="1">
+              <a:lnSpc>
+                <a:spcPct val="90000"/>
+              </a:lnSpc>
+              <a:spcBef>
+                <a:spcPts val="500"/>
+              </a:spcBef>
+              <a:buFont typeface="Arial" panose="020B0604020202020204" pitchFamily="34" charset="0"/>
+              <a:buChar char="•"/>
+              <a:defRPr sz="1800" kern="1200">
+                <a:solidFill>
+                  <a:schemeClr val="tx1"/>
+                </a:solidFill>
+                <a:latin typeface="+mn-lt"/>
+                <a:ea typeface="+mn-ea"/>
+                <a:cs typeface="+mn-cs"/>
+              </a:defRPr>
+            </a:lvl8pPr>
+            <a:lvl9pPr marL="3886200" indent="-228600" algn="l" defTabSz="914400" rtl="0" eaLnBrk="1" latinLnBrk="0" hangingPunct="1">
+              <a:lnSpc>
+                <a:spcPct val="90000"/>
+              </a:lnSpc>
+              <a:spcBef>
+                <a:spcPts val="500"/>
+              </a:spcBef>
+              <a:buFont typeface="Arial" panose="020B0604020202020204" pitchFamily="34" charset="0"/>
+              <a:buChar char="•"/>
+              <a:defRPr sz="1800" kern="1200">
+                <a:solidFill>
+                  <a:schemeClr val="tx1"/>
+                </a:solidFill>
+                <a:latin typeface="+mn-lt"/>
+                <a:ea typeface="+mn-ea"/>
+                <a:cs typeface="+mn-cs"/>
+              </a:defRPr>
+            </a:lvl9pPr>
+          </a:lstStyle>
+          <a:p>
+            <a:pPr marL="0" indent="0" algn="ctr">
+              <a:buFont typeface="Arial" panose="020B0604020202020204" pitchFamily="34" charset="0"/>
+              <a:buNone/>
+            </a:pPr>
+            <a:r>
+              <a:rPr lang="en-US" sz="2000" dirty="0"/>
+              <a:t>Product description, marketing and more call-to-actions</a:t>
+            </a:r>
+          </a:p>
+        </p:txBody>
+      </p:sp>
+      <p:pic>
+        <p:nvPicPr>
+          <p:cNvPr id="13" name="Picture 12">
+            <a:extLst>
+              <a:ext uri="{FF2B5EF4-FFF2-40B4-BE49-F238E27FC236}">
+                <a16:creationId xmlns:a16="http://schemas.microsoft.com/office/drawing/2014/main" id="{710219A5-BD99-76CA-47C7-BC931AFA00EC}"/>
+              </a:ext>
+            </a:extLst>
+          </p:cNvPr>
+          <p:cNvPicPr>
+            <a:picLocks noChangeAspect="1"/>
+          </p:cNvPicPr>
+          <p:nvPr/>
+        </p:nvPicPr>
+        <p:blipFill>
+          <a:blip r:embed="rId4"/>
+          <a:stretch>
+            <a:fillRect/>
+          </a:stretch>
+        </p:blipFill>
+        <p:spPr>
+          <a:xfrm>
+            <a:off x="3239399" y="3809104"/>
+            <a:ext cx="1614763" cy="2118291"/>
+          </a:xfrm>
+          <a:prstGeom prst="rect">
+            <a:avLst/>
+          </a:prstGeom>
+        </p:spPr>
+      </p:pic>
+      <p:cxnSp>
+        <p:nvCxnSpPr>
+          <p:cNvPr id="14" name="Straight Arrow Connector 13">
+            <a:extLst>
+              <a:ext uri="{FF2B5EF4-FFF2-40B4-BE49-F238E27FC236}">
+                <a16:creationId xmlns:a16="http://schemas.microsoft.com/office/drawing/2014/main" id="{CE5D9749-65E0-6FE9-FDF4-D5BF41FC6C38}"/>
+              </a:ext>
+            </a:extLst>
+          </p:cNvPr>
+          <p:cNvCxnSpPr>
+            <a:cxnSpLocks/>
+          </p:cNvCxnSpPr>
+          <p:nvPr/>
+        </p:nvCxnSpPr>
+        <p:spPr>
+          <a:xfrm>
+            <a:off x="2747576" y="6076256"/>
+            <a:ext cx="0" cy="698317"/>
+          </a:xfrm>
+          <a:prstGeom prst="straightConnector1">
+            <a:avLst/>
+          </a:prstGeom>
+          <a:ln w="38100">
+            <a:solidFill>
+              <a:srgbClr val="993300"/>
+            </a:solidFill>
+            <a:tailEnd type="triangle"/>
+          </a:ln>
+        </p:spPr>
+        <p:style>
+          <a:lnRef idx="1">
+            <a:schemeClr val="accent1"/>
+          </a:lnRef>
+          <a:fillRef idx="0">
+            <a:schemeClr val="accent1"/>
+          </a:fillRef>
+          <a:effectRef idx="0">
+            <a:schemeClr val="accent1"/>
+          </a:effectRef>
+          <a:fontRef idx="minor">
+            <a:schemeClr val="tx1"/>
+          </a:fontRef>
+        </p:style>
+      </p:cxnSp>
+      <p:sp>
+        <p:nvSpPr>
+          <p:cNvPr id="16" name="Content Placeholder 2">
+            <a:extLst>
+              <a:ext uri="{FF2B5EF4-FFF2-40B4-BE49-F238E27FC236}">
+                <a16:creationId xmlns:a16="http://schemas.microsoft.com/office/drawing/2014/main" id="{073A5E77-C8E7-802F-8FF8-561256CD70E7}"/>
+              </a:ext>
+            </a:extLst>
+          </p:cNvPr>
+          <p:cNvSpPr txBox="1">
+            <a:spLocks/>
+          </p:cNvSpPr>
+          <p:nvPr/>
+        </p:nvSpPr>
+        <p:spPr>
+          <a:xfrm>
+            <a:off x="2866460" y="6233041"/>
+            <a:ext cx="701748" cy="384745"/>
+          </a:xfrm>
+          <a:prstGeom prst="rect">
+            <a:avLst/>
+          </a:prstGeom>
+        </p:spPr>
+        <p:txBody>
+          <a:bodyPr vert="horz" lIns="91440" tIns="45720" rIns="91440" bIns="45720" rtlCol="0">
+            <a:normAutofit/>
+          </a:bodyPr>
+          <a:lstStyle>
+            <a:lvl1pPr marL="228600" indent="-228600" algn="l" defTabSz="914400" rtl="0" eaLnBrk="1" latinLnBrk="0" hangingPunct="1">
+              <a:lnSpc>
+                <a:spcPct val="90000"/>
+              </a:lnSpc>
+              <a:spcBef>
+                <a:spcPts val="1000"/>
+              </a:spcBef>
+              <a:buFont typeface="Arial" panose="020B0604020202020204" pitchFamily="34" charset="0"/>
+              <a:buChar char="•"/>
+              <a:defRPr sz="2800" kern="1200">
+                <a:solidFill>
+                  <a:schemeClr val="tx1"/>
+                </a:solidFill>
+                <a:latin typeface="+mn-lt"/>
+                <a:ea typeface="+mn-ea"/>
+                <a:cs typeface="+mn-cs"/>
+              </a:defRPr>
+            </a:lvl1pPr>
+            <a:lvl2pPr marL="685800" indent="-228600" algn="l" defTabSz="914400" rtl="0" eaLnBrk="1" latinLnBrk="0" hangingPunct="1">
+              <a:lnSpc>
+                <a:spcPct val="90000"/>
+              </a:lnSpc>
+              <a:spcBef>
+                <a:spcPts val="500"/>
+              </a:spcBef>
+              <a:buFont typeface="Arial" panose="020B0604020202020204" pitchFamily="34" charset="0"/>
+              <a:buChar char="•"/>
+              <a:defRPr sz="2400" kern="1200">
+                <a:solidFill>
+                  <a:schemeClr val="tx1"/>
+                </a:solidFill>
+                <a:latin typeface="+mn-lt"/>
+                <a:ea typeface="+mn-ea"/>
+                <a:cs typeface="+mn-cs"/>
+              </a:defRPr>
+            </a:lvl2pPr>
+            <a:lvl3pPr marL="1143000" indent="-228600" algn="l" defTabSz="914400" rtl="0" eaLnBrk="1" latinLnBrk="0" hangingPunct="1">
+              <a:lnSpc>
+                <a:spcPct val="90000"/>
+              </a:lnSpc>
+              <a:spcBef>
+                <a:spcPts val="500"/>
+              </a:spcBef>
+              <a:buFont typeface="Arial" panose="020B0604020202020204" pitchFamily="34" charset="0"/>
+              <a:buChar char="•"/>
+              <a:defRPr sz="2000" kern="1200">
+                <a:solidFill>
+                  <a:schemeClr val="tx1"/>
+                </a:solidFill>
+                <a:latin typeface="+mn-lt"/>
+                <a:ea typeface="+mn-ea"/>
+                <a:cs typeface="+mn-cs"/>
+              </a:defRPr>
+            </a:lvl3pPr>
+            <a:lvl4pPr marL="1600200" indent="-228600" algn="l" defTabSz="914400" rtl="0" eaLnBrk="1" latinLnBrk="0" hangingPunct="1">
+              <a:lnSpc>
+                <a:spcPct val="90000"/>
+              </a:lnSpc>
+              <a:spcBef>
+                <a:spcPts val="500"/>
+              </a:spcBef>
+              <a:buFont typeface="Arial" panose="020B0604020202020204" pitchFamily="34" charset="0"/>
+              <a:buChar char="•"/>
+              <a:defRPr sz="1800" kern="1200">
+                <a:solidFill>
+                  <a:schemeClr val="tx1"/>
+                </a:solidFill>
+                <a:latin typeface="+mn-lt"/>
+                <a:ea typeface="+mn-ea"/>
+                <a:cs typeface="+mn-cs"/>
+              </a:defRPr>
+            </a:lvl4pPr>
+            <a:lvl5pPr marL="2057400" indent="-228600" algn="l" defTabSz="914400" rtl="0" eaLnBrk="1" latinLnBrk="0" hangingPunct="1">
+              <a:lnSpc>
+                <a:spcPct val="90000"/>
+              </a:lnSpc>
+              <a:spcBef>
+                <a:spcPts val="500"/>
+              </a:spcBef>
+              <a:buFont typeface="Arial" panose="020B0604020202020204" pitchFamily="34" charset="0"/>
+              <a:buChar char="•"/>
+              <a:defRPr sz="1800" kern="1200">
+                <a:solidFill>
+                  <a:schemeClr val="tx1"/>
+                </a:solidFill>
+                <a:latin typeface="+mn-lt"/>
+                <a:ea typeface="+mn-ea"/>
+                <a:cs typeface="+mn-cs"/>
+              </a:defRPr>
+            </a:lvl5pPr>
+            <a:lvl6pPr marL="2514600" indent="-228600" algn="l" defTabSz="914400" rtl="0" eaLnBrk="1" latinLnBrk="0" hangingPunct="1">
+              <a:lnSpc>
+                <a:spcPct val="90000"/>
+              </a:lnSpc>
+              <a:spcBef>
+                <a:spcPts val="500"/>
+              </a:spcBef>
+              <a:buFont typeface="Arial" panose="020B0604020202020204" pitchFamily="34" charset="0"/>
+              <a:buChar char="•"/>
+              <a:defRPr sz="1800" kern="1200">
+                <a:solidFill>
+                  <a:schemeClr val="tx1"/>
+                </a:solidFill>
+                <a:latin typeface="+mn-lt"/>
+                <a:ea typeface="+mn-ea"/>
+                <a:cs typeface="+mn-cs"/>
+              </a:defRPr>
+            </a:lvl6pPr>
+            <a:lvl7pPr marL="2971800" indent="-228600" algn="l" defTabSz="914400" rtl="0" eaLnBrk="1" latinLnBrk="0" hangingPunct="1">
+              <a:lnSpc>
+                <a:spcPct val="90000"/>
+              </a:lnSpc>
+              <a:spcBef>
+                <a:spcPts val="500"/>
+              </a:spcBef>
+              <a:buFont typeface="Arial" panose="020B0604020202020204" pitchFamily="34" charset="0"/>
+              <a:buChar char="•"/>
+              <a:defRPr sz="1800" kern="1200">
+                <a:solidFill>
+                  <a:schemeClr val="tx1"/>
+                </a:solidFill>
+                <a:latin typeface="+mn-lt"/>
+                <a:ea typeface="+mn-ea"/>
+                <a:cs typeface="+mn-cs"/>
+              </a:defRPr>
+            </a:lvl7pPr>
+            <a:lvl8pPr marL="3429000" indent="-228600" algn="l" defTabSz="914400" rtl="0" eaLnBrk="1" latinLnBrk="0" hangingPunct="1">
+              <a:lnSpc>
+                <a:spcPct val="90000"/>
+              </a:lnSpc>
+              <a:spcBef>
+                <a:spcPts val="500"/>
+              </a:spcBef>
+              <a:buFont typeface="Arial" panose="020B0604020202020204" pitchFamily="34" charset="0"/>
+              <a:buChar char="•"/>
+              <a:defRPr sz="1800" kern="1200">
+                <a:solidFill>
+                  <a:schemeClr val="tx1"/>
+                </a:solidFill>
+                <a:latin typeface="+mn-lt"/>
+                <a:ea typeface="+mn-ea"/>
+                <a:cs typeface="+mn-cs"/>
+              </a:defRPr>
+            </a:lvl8pPr>
+            <a:lvl9pPr marL="3886200" indent="-228600" algn="l" defTabSz="914400" rtl="0" eaLnBrk="1" latinLnBrk="0" hangingPunct="1">
+              <a:lnSpc>
+                <a:spcPct val="90000"/>
+              </a:lnSpc>
+              <a:spcBef>
+                <a:spcPts val="500"/>
+              </a:spcBef>
+              <a:buFont typeface="Arial" panose="020B0604020202020204" pitchFamily="34" charset="0"/>
+              <a:buChar char="•"/>
+              <a:defRPr sz="1800" kern="1200">
+                <a:solidFill>
+                  <a:schemeClr val="tx1"/>
+                </a:solidFill>
+                <a:latin typeface="+mn-lt"/>
+                <a:ea typeface="+mn-ea"/>
+                <a:cs typeface="+mn-cs"/>
+              </a:defRPr>
+            </a:lvl9pPr>
+          </a:lstStyle>
+          <a:p>
+            <a:pPr marL="0" indent="0">
+              <a:buFont typeface="Arial" panose="020B0604020202020204" pitchFamily="34" charset="0"/>
+              <a:buNone/>
+            </a:pPr>
+            <a:r>
+              <a:rPr lang="en-US" sz="1600" b="1" dirty="0">
+                <a:solidFill>
+                  <a:srgbClr val="993300"/>
+                </a:solidFill>
+              </a:rPr>
+              <a:t>Scroll</a:t>
+            </a:r>
+            <a:endParaRPr lang="en-US" sz="2000" b="1" dirty="0">
+              <a:solidFill>
+                <a:srgbClr val="993300"/>
+              </a:solidFill>
+            </a:endParaRPr>
+          </a:p>
+        </p:txBody>
+      </p:sp>
+      <p:pic>
+        <p:nvPicPr>
+          <p:cNvPr id="20" name="Picture 19">
+            <a:extLst>
+              <a:ext uri="{FF2B5EF4-FFF2-40B4-BE49-F238E27FC236}">
+                <a16:creationId xmlns:a16="http://schemas.microsoft.com/office/drawing/2014/main" id="{509C0C91-4FF6-816A-F068-15F7522E02BE}"/>
+              </a:ext>
+            </a:extLst>
+          </p:cNvPr>
+          <p:cNvPicPr>
+            <a:picLocks noChangeAspect="1"/>
+          </p:cNvPicPr>
+          <p:nvPr/>
+        </p:nvPicPr>
+        <p:blipFill>
+          <a:blip r:embed="rId5"/>
+          <a:stretch>
+            <a:fillRect/>
+          </a:stretch>
+        </p:blipFill>
+        <p:spPr>
+          <a:xfrm>
+            <a:off x="5045812" y="3845615"/>
+            <a:ext cx="1425336" cy="2045267"/>
+          </a:xfrm>
+          <a:prstGeom prst="rect">
+            <a:avLst/>
+          </a:prstGeom>
+        </p:spPr>
+      </p:pic>
+      <p:pic>
+        <p:nvPicPr>
+          <p:cNvPr id="2050" name="Picture 2" descr="Nenhuma descrição disponível.">
+            <a:extLst>
+              <a:ext uri="{FF2B5EF4-FFF2-40B4-BE49-F238E27FC236}">
+                <a16:creationId xmlns:a16="http://schemas.microsoft.com/office/drawing/2014/main" id="{22FF8D68-0F96-BC86-7CB3-92941F7E8976}"/>
+              </a:ext>
+            </a:extLst>
+          </p:cNvPr>
+          <p:cNvPicPr>
+            <a:picLocks noChangeAspect="1" noChangeArrowheads="1"/>
+          </p:cNvPicPr>
+          <p:nvPr/>
+        </p:nvPicPr>
+        <p:blipFill>
+          <a:blip r:embed="rId6">
+            <a:extLst>
+              <a:ext uri="{28A0092B-C50C-407E-A947-70E740481C1C}">
+                <a14:useLocalDpi xmlns:a14="http://schemas.microsoft.com/office/drawing/2010/main" val="0"/>
+              </a:ext>
+            </a:extLst>
+          </a:blip>
+          <a:srcRect/>
+          <a:stretch>
+            <a:fillRect/>
+          </a:stretch>
+        </p:blipFill>
+        <p:spPr bwMode="auto">
+          <a:xfrm>
+            <a:off x="7160321" y="1853413"/>
+            <a:ext cx="2176991" cy="4572000"/>
+          </a:xfrm>
+          <a:prstGeom prst="rect">
+            <a:avLst/>
+          </a:prstGeom>
+          <a:noFill/>
+          <a:ln w="12700">
+            <a:solidFill>
+              <a:schemeClr val="tx1"/>
+            </a:solidFill>
+          </a:ln>
+          <a:extLst>
+            <a:ext uri="{909E8E84-426E-40DD-AFC4-6F175D3DCCD1}">
+              <a14:hiddenFill xmlns:a14="http://schemas.microsoft.com/office/drawing/2010/main">
+                <a:solidFill>
+                  <a:srgbClr val="FFFFFF"/>
+                </a:solidFill>
+              </a14:hiddenFill>
+            </a:ext>
+          </a:extLst>
+        </p:spPr>
+      </p:pic>
+      <p:sp>
+        <p:nvSpPr>
+          <p:cNvPr id="22" name="Content Placeholder 2">
+            <a:extLst>
+              <a:ext uri="{FF2B5EF4-FFF2-40B4-BE49-F238E27FC236}">
+                <a16:creationId xmlns:a16="http://schemas.microsoft.com/office/drawing/2014/main" id="{2F0E1821-47D8-79B3-2BD5-22F6ED0C9F98}"/>
+              </a:ext>
+            </a:extLst>
+          </p:cNvPr>
+          <p:cNvSpPr txBox="1">
+            <a:spLocks/>
+          </p:cNvSpPr>
+          <p:nvPr/>
+        </p:nvSpPr>
+        <p:spPr>
+          <a:xfrm>
+            <a:off x="9961838" y="2148159"/>
+            <a:ext cx="1537616" cy="384745"/>
+          </a:xfrm>
+          <a:prstGeom prst="rect">
+            <a:avLst/>
+          </a:prstGeom>
+        </p:spPr>
+        <p:txBody>
+          <a:bodyPr vert="horz" lIns="91440" tIns="45720" rIns="91440" bIns="45720" rtlCol="0">
+            <a:normAutofit/>
+          </a:bodyPr>
+          <a:lstStyle>
+            <a:lvl1pPr marL="228600" indent="-228600" algn="l" defTabSz="914400" rtl="0" eaLnBrk="1" latinLnBrk="0" hangingPunct="1">
+              <a:lnSpc>
+                <a:spcPct val="90000"/>
+              </a:lnSpc>
+              <a:spcBef>
+                <a:spcPts val="1000"/>
+              </a:spcBef>
+              <a:buFont typeface="Arial" panose="020B0604020202020204" pitchFamily="34" charset="0"/>
+              <a:buChar char="•"/>
+              <a:defRPr sz="2800" kern="1200">
+                <a:solidFill>
+                  <a:schemeClr val="tx1"/>
+                </a:solidFill>
+                <a:latin typeface="+mn-lt"/>
+                <a:ea typeface="+mn-ea"/>
+                <a:cs typeface="+mn-cs"/>
+              </a:defRPr>
+            </a:lvl1pPr>
+            <a:lvl2pPr marL="685800" indent="-228600" algn="l" defTabSz="914400" rtl="0" eaLnBrk="1" latinLnBrk="0" hangingPunct="1">
+              <a:lnSpc>
+                <a:spcPct val="90000"/>
+              </a:lnSpc>
+              <a:spcBef>
+                <a:spcPts val="500"/>
+              </a:spcBef>
+              <a:buFont typeface="Arial" panose="020B0604020202020204" pitchFamily="34" charset="0"/>
+              <a:buChar char="•"/>
+              <a:defRPr sz="2400" kern="1200">
+                <a:solidFill>
+                  <a:schemeClr val="tx1"/>
+                </a:solidFill>
+                <a:latin typeface="+mn-lt"/>
+                <a:ea typeface="+mn-ea"/>
+                <a:cs typeface="+mn-cs"/>
+              </a:defRPr>
+            </a:lvl2pPr>
+            <a:lvl3pPr marL="1143000" indent="-228600" algn="l" defTabSz="914400" rtl="0" eaLnBrk="1" latinLnBrk="0" hangingPunct="1">
+              <a:lnSpc>
+                <a:spcPct val="90000"/>
+              </a:lnSpc>
+              <a:spcBef>
+                <a:spcPts val="500"/>
+              </a:spcBef>
+              <a:buFont typeface="Arial" panose="020B0604020202020204" pitchFamily="34" charset="0"/>
+              <a:buChar char="•"/>
+              <a:defRPr sz="2000" kern="1200">
+                <a:solidFill>
+                  <a:schemeClr val="tx1"/>
+                </a:solidFill>
+                <a:latin typeface="+mn-lt"/>
+                <a:ea typeface="+mn-ea"/>
+                <a:cs typeface="+mn-cs"/>
+              </a:defRPr>
+            </a:lvl3pPr>
+            <a:lvl4pPr marL="1600200" indent="-228600" algn="l" defTabSz="914400" rtl="0" eaLnBrk="1" latinLnBrk="0" hangingPunct="1">
+              <a:lnSpc>
+                <a:spcPct val="90000"/>
+              </a:lnSpc>
+              <a:spcBef>
+                <a:spcPts val="500"/>
+              </a:spcBef>
+              <a:buFont typeface="Arial" panose="020B0604020202020204" pitchFamily="34" charset="0"/>
+              <a:buChar char="•"/>
+              <a:defRPr sz="1800" kern="1200">
+                <a:solidFill>
+                  <a:schemeClr val="tx1"/>
+                </a:solidFill>
+                <a:latin typeface="+mn-lt"/>
+                <a:ea typeface="+mn-ea"/>
+                <a:cs typeface="+mn-cs"/>
+              </a:defRPr>
+            </a:lvl4pPr>
+            <a:lvl5pPr marL="2057400" indent="-228600" algn="l" defTabSz="914400" rtl="0" eaLnBrk="1" latinLnBrk="0" hangingPunct="1">
+              <a:lnSpc>
+                <a:spcPct val="90000"/>
+              </a:lnSpc>
+              <a:spcBef>
+                <a:spcPts val="500"/>
+              </a:spcBef>
+              <a:buFont typeface="Arial" panose="020B0604020202020204" pitchFamily="34" charset="0"/>
+              <a:buChar char="•"/>
+              <a:defRPr sz="1800" kern="1200">
+                <a:solidFill>
+                  <a:schemeClr val="tx1"/>
+                </a:solidFill>
+                <a:latin typeface="+mn-lt"/>
+                <a:ea typeface="+mn-ea"/>
+                <a:cs typeface="+mn-cs"/>
+              </a:defRPr>
+            </a:lvl5pPr>
+            <a:lvl6pPr marL="2514600" indent="-228600" algn="l" defTabSz="914400" rtl="0" eaLnBrk="1" latinLnBrk="0" hangingPunct="1">
+              <a:lnSpc>
+                <a:spcPct val="90000"/>
+              </a:lnSpc>
+              <a:spcBef>
+                <a:spcPts val="500"/>
+              </a:spcBef>
+              <a:buFont typeface="Arial" panose="020B0604020202020204" pitchFamily="34" charset="0"/>
+              <a:buChar char="•"/>
+              <a:defRPr sz="1800" kern="1200">
+                <a:solidFill>
+                  <a:schemeClr val="tx1"/>
+                </a:solidFill>
+                <a:latin typeface="+mn-lt"/>
+                <a:ea typeface="+mn-ea"/>
+                <a:cs typeface="+mn-cs"/>
+              </a:defRPr>
+            </a:lvl6pPr>
+            <a:lvl7pPr marL="2971800" indent="-228600" algn="l" defTabSz="914400" rtl="0" eaLnBrk="1" latinLnBrk="0" hangingPunct="1">
+              <a:lnSpc>
+                <a:spcPct val="90000"/>
+              </a:lnSpc>
+              <a:spcBef>
+                <a:spcPts val="500"/>
+              </a:spcBef>
+              <a:buFont typeface="Arial" panose="020B0604020202020204" pitchFamily="34" charset="0"/>
+              <a:buChar char="•"/>
+              <a:defRPr sz="1800" kern="1200">
+                <a:solidFill>
+                  <a:schemeClr val="tx1"/>
+                </a:solidFill>
+                <a:latin typeface="+mn-lt"/>
+                <a:ea typeface="+mn-ea"/>
+                <a:cs typeface="+mn-cs"/>
+              </a:defRPr>
+            </a:lvl7pPr>
+            <a:lvl8pPr marL="3429000" indent="-228600" algn="l" defTabSz="914400" rtl="0" eaLnBrk="1" latinLnBrk="0" hangingPunct="1">
+              <a:lnSpc>
+                <a:spcPct val="90000"/>
+              </a:lnSpc>
+              <a:spcBef>
+                <a:spcPts val="500"/>
+              </a:spcBef>
+              <a:buFont typeface="Arial" panose="020B0604020202020204" pitchFamily="34" charset="0"/>
+              <a:buChar char="•"/>
+              <a:defRPr sz="1800" kern="1200">
+                <a:solidFill>
+                  <a:schemeClr val="tx1"/>
+                </a:solidFill>
+                <a:latin typeface="+mn-lt"/>
+                <a:ea typeface="+mn-ea"/>
+                <a:cs typeface="+mn-cs"/>
+              </a:defRPr>
+            </a:lvl8pPr>
+            <a:lvl9pPr marL="3886200" indent="-228600" algn="l" defTabSz="914400" rtl="0" eaLnBrk="1" latinLnBrk="0" hangingPunct="1">
+              <a:lnSpc>
+                <a:spcPct val="90000"/>
+              </a:lnSpc>
+              <a:spcBef>
+                <a:spcPts val="500"/>
+              </a:spcBef>
+              <a:buFont typeface="Arial" panose="020B0604020202020204" pitchFamily="34" charset="0"/>
+              <a:buChar char="•"/>
+              <a:defRPr sz="1800" kern="1200">
+                <a:solidFill>
+                  <a:schemeClr val="tx1"/>
+                </a:solidFill>
+                <a:latin typeface="+mn-lt"/>
+                <a:ea typeface="+mn-ea"/>
+                <a:cs typeface="+mn-cs"/>
+              </a:defRPr>
+            </a:lvl9pPr>
+          </a:lstStyle>
+          <a:p>
+            <a:pPr marL="0" indent="0" algn="ctr">
+              <a:buFont typeface="Arial" panose="020B0604020202020204" pitchFamily="34" charset="0"/>
+              <a:buNone/>
+            </a:pPr>
+            <a:r>
+              <a:rPr lang="en-US" sz="2000" b="1" dirty="0"/>
+              <a:t>Mobile app</a:t>
+            </a:r>
+          </a:p>
+        </p:txBody>
+      </p:sp>
+      <p:sp>
+        <p:nvSpPr>
+          <p:cNvPr id="23" name="Content Placeholder 2">
+            <a:extLst>
+              <a:ext uri="{FF2B5EF4-FFF2-40B4-BE49-F238E27FC236}">
+                <a16:creationId xmlns:a16="http://schemas.microsoft.com/office/drawing/2014/main" id="{9D6296F3-BA15-5BCF-DE00-F829FD76DE57}"/>
+              </a:ext>
+            </a:extLst>
+          </p:cNvPr>
+          <p:cNvSpPr txBox="1">
+            <a:spLocks/>
+          </p:cNvSpPr>
+          <p:nvPr/>
+        </p:nvSpPr>
+        <p:spPr>
+          <a:xfrm>
+            <a:off x="9388143" y="2706074"/>
+            <a:ext cx="2685006" cy="2213988"/>
+          </a:xfrm>
+          <a:prstGeom prst="rect">
+            <a:avLst/>
+          </a:prstGeom>
+        </p:spPr>
+        <p:txBody>
+          <a:bodyPr vert="horz" lIns="91440" tIns="45720" rIns="91440" bIns="45720" rtlCol="0">
+            <a:normAutofit/>
+          </a:bodyPr>
+          <a:lstStyle>
+            <a:lvl1pPr marL="228600" indent="-228600" algn="l" defTabSz="914400" rtl="0" eaLnBrk="1" latinLnBrk="0" hangingPunct="1">
+              <a:lnSpc>
+                <a:spcPct val="90000"/>
+              </a:lnSpc>
+              <a:spcBef>
+                <a:spcPts val="1000"/>
+              </a:spcBef>
+              <a:buFont typeface="Arial" panose="020B0604020202020204" pitchFamily="34" charset="0"/>
+              <a:buChar char="•"/>
+              <a:defRPr sz="2800" kern="1200">
+                <a:solidFill>
+                  <a:schemeClr val="tx1"/>
+                </a:solidFill>
+                <a:latin typeface="+mn-lt"/>
+                <a:ea typeface="+mn-ea"/>
+                <a:cs typeface="+mn-cs"/>
+              </a:defRPr>
+            </a:lvl1pPr>
+            <a:lvl2pPr marL="685800" indent="-228600" algn="l" defTabSz="914400" rtl="0" eaLnBrk="1" latinLnBrk="0" hangingPunct="1">
+              <a:lnSpc>
+                <a:spcPct val="90000"/>
+              </a:lnSpc>
+              <a:spcBef>
+                <a:spcPts val="500"/>
+              </a:spcBef>
+              <a:buFont typeface="Arial" panose="020B0604020202020204" pitchFamily="34" charset="0"/>
+              <a:buChar char="•"/>
+              <a:defRPr sz="2400" kern="1200">
+                <a:solidFill>
+                  <a:schemeClr val="tx1"/>
+                </a:solidFill>
+                <a:latin typeface="+mn-lt"/>
+                <a:ea typeface="+mn-ea"/>
+                <a:cs typeface="+mn-cs"/>
+              </a:defRPr>
+            </a:lvl2pPr>
+            <a:lvl3pPr marL="1143000" indent="-228600" algn="l" defTabSz="914400" rtl="0" eaLnBrk="1" latinLnBrk="0" hangingPunct="1">
+              <a:lnSpc>
+                <a:spcPct val="90000"/>
+              </a:lnSpc>
+              <a:spcBef>
+                <a:spcPts val="500"/>
+              </a:spcBef>
+              <a:buFont typeface="Arial" panose="020B0604020202020204" pitchFamily="34" charset="0"/>
+              <a:buChar char="•"/>
+              <a:defRPr sz="2000" kern="1200">
+                <a:solidFill>
+                  <a:schemeClr val="tx1"/>
+                </a:solidFill>
+                <a:latin typeface="+mn-lt"/>
+                <a:ea typeface="+mn-ea"/>
+                <a:cs typeface="+mn-cs"/>
+              </a:defRPr>
+            </a:lvl3pPr>
+            <a:lvl4pPr marL="1600200" indent="-228600" algn="l" defTabSz="914400" rtl="0" eaLnBrk="1" latinLnBrk="0" hangingPunct="1">
+              <a:lnSpc>
+                <a:spcPct val="90000"/>
+              </a:lnSpc>
+              <a:spcBef>
+                <a:spcPts val="500"/>
+              </a:spcBef>
+              <a:buFont typeface="Arial" panose="020B0604020202020204" pitchFamily="34" charset="0"/>
+              <a:buChar char="•"/>
+              <a:defRPr sz="1800" kern="1200">
+                <a:solidFill>
+                  <a:schemeClr val="tx1"/>
+                </a:solidFill>
+                <a:latin typeface="+mn-lt"/>
+                <a:ea typeface="+mn-ea"/>
+                <a:cs typeface="+mn-cs"/>
+              </a:defRPr>
+            </a:lvl4pPr>
+            <a:lvl5pPr marL="2057400" indent="-228600" algn="l" defTabSz="914400" rtl="0" eaLnBrk="1" latinLnBrk="0" hangingPunct="1">
+              <a:lnSpc>
+                <a:spcPct val="90000"/>
+              </a:lnSpc>
+              <a:spcBef>
+                <a:spcPts val="500"/>
+              </a:spcBef>
+              <a:buFont typeface="Arial" panose="020B0604020202020204" pitchFamily="34" charset="0"/>
+              <a:buChar char="•"/>
+              <a:defRPr sz="1800" kern="1200">
+                <a:solidFill>
+                  <a:schemeClr val="tx1"/>
+                </a:solidFill>
+                <a:latin typeface="+mn-lt"/>
+                <a:ea typeface="+mn-ea"/>
+                <a:cs typeface="+mn-cs"/>
+              </a:defRPr>
+            </a:lvl5pPr>
+            <a:lvl6pPr marL="2514600" indent="-228600" algn="l" defTabSz="914400" rtl="0" eaLnBrk="1" latinLnBrk="0" hangingPunct="1">
+              <a:lnSpc>
+                <a:spcPct val="90000"/>
+              </a:lnSpc>
+              <a:spcBef>
+                <a:spcPts val="500"/>
+              </a:spcBef>
+              <a:buFont typeface="Arial" panose="020B0604020202020204" pitchFamily="34" charset="0"/>
+              <a:buChar char="•"/>
+              <a:defRPr sz="1800" kern="1200">
+                <a:solidFill>
+                  <a:schemeClr val="tx1"/>
+                </a:solidFill>
+                <a:latin typeface="+mn-lt"/>
+                <a:ea typeface="+mn-ea"/>
+                <a:cs typeface="+mn-cs"/>
+              </a:defRPr>
+            </a:lvl6pPr>
+            <a:lvl7pPr marL="2971800" indent="-228600" algn="l" defTabSz="914400" rtl="0" eaLnBrk="1" latinLnBrk="0" hangingPunct="1">
+              <a:lnSpc>
+                <a:spcPct val="90000"/>
+              </a:lnSpc>
+              <a:spcBef>
+                <a:spcPts val="500"/>
+              </a:spcBef>
+              <a:buFont typeface="Arial" panose="020B0604020202020204" pitchFamily="34" charset="0"/>
+              <a:buChar char="•"/>
+              <a:defRPr sz="1800" kern="1200">
+                <a:solidFill>
+                  <a:schemeClr val="tx1"/>
+                </a:solidFill>
+                <a:latin typeface="+mn-lt"/>
+                <a:ea typeface="+mn-ea"/>
+                <a:cs typeface="+mn-cs"/>
+              </a:defRPr>
+            </a:lvl7pPr>
+            <a:lvl8pPr marL="3429000" indent="-228600" algn="l" defTabSz="914400" rtl="0" eaLnBrk="1" latinLnBrk="0" hangingPunct="1">
+              <a:lnSpc>
+                <a:spcPct val="90000"/>
+              </a:lnSpc>
+              <a:spcBef>
+                <a:spcPts val="500"/>
+              </a:spcBef>
+              <a:buFont typeface="Arial" panose="020B0604020202020204" pitchFamily="34" charset="0"/>
+              <a:buChar char="•"/>
+              <a:defRPr sz="1800" kern="1200">
+                <a:solidFill>
+                  <a:schemeClr val="tx1"/>
+                </a:solidFill>
+                <a:latin typeface="+mn-lt"/>
+                <a:ea typeface="+mn-ea"/>
+                <a:cs typeface="+mn-cs"/>
+              </a:defRPr>
+            </a:lvl8pPr>
+            <a:lvl9pPr marL="3886200" indent="-228600" algn="l" defTabSz="914400" rtl="0" eaLnBrk="1" latinLnBrk="0" hangingPunct="1">
+              <a:lnSpc>
+                <a:spcPct val="90000"/>
+              </a:lnSpc>
+              <a:spcBef>
+                <a:spcPts val="500"/>
+              </a:spcBef>
+              <a:buFont typeface="Arial" panose="020B0604020202020204" pitchFamily="34" charset="0"/>
+              <a:buChar char="•"/>
+              <a:defRPr sz="1800" kern="1200">
+                <a:solidFill>
+                  <a:schemeClr val="tx1"/>
+                </a:solidFill>
+                <a:latin typeface="+mn-lt"/>
+                <a:ea typeface="+mn-ea"/>
+                <a:cs typeface="+mn-cs"/>
+              </a:defRPr>
+            </a:lvl9pPr>
+          </a:lstStyle>
+          <a:p>
+            <a:pPr marL="0" indent="0" algn="ctr">
+              <a:buFont typeface="Arial" panose="020B0604020202020204" pitchFamily="34" charset="0"/>
+              <a:buNone/>
+            </a:pPr>
+            <a:r>
+              <a:rPr lang="en-US" sz="2000" dirty="0"/>
+              <a:t>Very similar to browser, but more “app like” (no scroll, simpler design)</a:t>
             </a:r>
           </a:p>
         </p:txBody>
@@ -8683,7 +11477,7 @@
     </p:spTree>
     <p:extLst>
       <p:ext uri="{BB962C8B-B14F-4D97-AF65-F5344CB8AC3E}">
-        <p14:creationId xmlns:p14="http://schemas.microsoft.com/office/powerpoint/2010/main" val="3427530152"/>
+        <p14:creationId xmlns:p14="http://schemas.microsoft.com/office/powerpoint/2010/main" val="1407723298"/>
       </p:ext>
     </p:extLst>
   </p:cSld>
@@ -9416,18 +12210,18 @@
 </file>
 
 <file path=customXml/item2.xml><?xml version="1.0" encoding="utf-8"?>
-<p:properties xmlns:p="http://schemas.microsoft.com/office/2006/metadata/properties" xmlns:xsi="http://www.w3.org/2001/XMLSchema-instance" xmlns:pc="http://schemas.microsoft.com/office/infopath/2007/PartnerControls">
-  <documentManagement/>
-</p:properties>
-</file>
-
-<file path=customXml/item3.xml><?xml version="1.0" encoding="utf-8"?>
 <?mso-contentType ?>
 <FormTemplates xmlns="http://schemas.microsoft.com/sharepoint/v3/contenttype/forms">
   <Display>DocumentLibraryForm</Display>
   <Edit>DocumentLibraryForm</Edit>
   <New>DocumentLibraryForm</New>
 </FormTemplates>
+</file>
+
+<file path=customXml/item3.xml><?xml version="1.0" encoding="utf-8"?>
+<p:properties xmlns:p="http://schemas.microsoft.com/office/2006/metadata/properties" xmlns:xsi="http://www.w3.org/2001/XMLSchema-instance" xmlns:pc="http://schemas.microsoft.com/office/infopath/2007/PartnerControls">
+  <documentManagement/>
+</p:properties>
 </file>
 
 <file path=customXml/itemProps1.xml><?xml version="1.0" encoding="utf-8"?>
@@ -9449,6 +12243,14 @@
 </file>
 
 <file path=customXml/itemProps2.xml><?xml version="1.0" encoding="utf-8"?>
+<ds:datastoreItem xmlns:ds="http://schemas.openxmlformats.org/officeDocument/2006/customXml" ds:itemID="{76EE102A-C587-47D4-980D-6EF803504572}">
+  <ds:schemaRefs>
+    <ds:schemaRef ds:uri="http://schemas.microsoft.com/sharepoint/v3/contenttype/forms"/>
+  </ds:schemaRefs>
+</ds:datastoreItem>
+</file>
+
+<file path=customXml/itemProps3.xml><?xml version="1.0" encoding="utf-8"?>
 <ds:datastoreItem xmlns:ds="http://schemas.openxmlformats.org/officeDocument/2006/customXml" ds:itemID="{05E380B0-3793-4519-A034-114F335A5299}">
   <ds:schemaRefs>
     <ds:schemaRef ds:uri="http://purl.org/dc/terms/"/>
@@ -9462,12 +12264,4 @@
     <ds:schemaRef ds:uri="http://www.w3.org/XML/1998/namespace"/>
   </ds:schemaRefs>
 </ds:datastoreItem>
-</file>
-
-<file path=customXml/itemProps3.xml><?xml version="1.0" encoding="utf-8"?>
-<ds:datastoreItem xmlns:ds="http://schemas.openxmlformats.org/officeDocument/2006/customXml" ds:itemID="{76EE102A-C587-47D4-980D-6EF803504572}">
-  <ds:schemaRefs>
-    <ds:schemaRef ds:uri="http://schemas.microsoft.com/sharepoint/v3/contenttype/forms"/>
-  </ds:schemaRefs>
-</ds:datastoreItem>
 </file>
--- a/IPC.pptx
+++ b/IPC.pptx
@@ -5,7 +5,7 @@
     <p:sldMasterId id="2147483648" r:id="rId4"/>
   </p:sldMasterIdLst>
   <p:notesMasterIdLst>
-    <p:notesMasterId r:id="rId11"/>
+    <p:notesMasterId r:id="rId14"/>
   </p:notesMasterIdLst>
   <p:sldIdLst>
     <p:sldId id="256" r:id="rId5"/>
@@ -13,7 +13,10 @@
     <p:sldId id="288" r:id="rId7"/>
     <p:sldId id="290" r:id="rId8"/>
     <p:sldId id="292" r:id="rId9"/>
-    <p:sldId id="291" r:id="rId10"/>
+    <p:sldId id="293" r:id="rId10"/>
+    <p:sldId id="295" r:id="rId11"/>
+    <p:sldId id="294" r:id="rId12"/>
+    <p:sldId id="291" r:id="rId13"/>
   </p:sldIdLst>
   <p:sldSz cx="12192000" cy="6858000"/>
   <p:notesSz cx="6858000" cy="9144000"/>
@@ -545,6 +548,258 @@
     <p:extLst>
       <p:ext uri="{BB962C8B-B14F-4D97-AF65-F5344CB8AC3E}">
         <p14:creationId xmlns:p14="http://schemas.microsoft.com/office/powerpoint/2010/main" val="3582824318"/>
+      </p:ext>
+    </p:extLst>
+  </p:cSld>
+  <p:clrMapOvr>
+    <a:masterClrMapping/>
+  </p:clrMapOvr>
+</p:notes>
+</file>
+
+<file path=ppt/notesSlides/notesSlide2.xml><?xml version="1.0" encoding="utf-8"?>
+<p:notes xmlns:a="http://schemas.openxmlformats.org/drawingml/2006/main" xmlns:r="http://schemas.openxmlformats.org/officeDocument/2006/relationships" xmlns:p="http://schemas.openxmlformats.org/presentationml/2006/main">
+  <p:cSld>
+    <p:spTree>
+      <p:nvGrpSpPr>
+        <p:cNvPr id="1" name=""/>
+        <p:cNvGrpSpPr/>
+        <p:nvPr/>
+      </p:nvGrpSpPr>
+      <p:grpSpPr>
+        <a:xfrm>
+          <a:off x="0" y="0"/>
+          <a:ext cx="0" cy="0"/>
+          <a:chOff x="0" y="0"/>
+          <a:chExt cx="0" cy="0"/>
+        </a:xfrm>
+      </p:grpSpPr>
+      <p:sp>
+        <p:nvSpPr>
+          <p:cNvPr id="2" name="Slide Image Placeholder 1"/>
+          <p:cNvSpPr>
+            <a:spLocks noGrp="1" noRot="1" noChangeAspect="1"/>
+          </p:cNvSpPr>
+          <p:nvPr>
+            <p:ph type="sldImg"/>
+          </p:nvPr>
+        </p:nvSpPr>
+        <p:spPr/>
+      </p:sp>
+      <p:sp>
+        <p:nvSpPr>
+          <p:cNvPr id="3" name="Notes Placeholder 2"/>
+          <p:cNvSpPr>
+            <a:spLocks noGrp="1"/>
+          </p:cNvSpPr>
+          <p:nvPr>
+            <p:ph type="body" idx="1"/>
+          </p:nvPr>
+        </p:nvSpPr>
+        <p:spPr/>
+        <p:txBody>
+          <a:bodyPr/>
+          <a:lstStyle/>
+          <a:p>
+            <a:endParaRPr lang="en-GB" dirty="0"/>
+          </a:p>
+        </p:txBody>
+      </p:sp>
+      <p:sp>
+        <p:nvSpPr>
+          <p:cNvPr id="4" name="Slide Number Placeholder 3"/>
+          <p:cNvSpPr>
+            <a:spLocks noGrp="1"/>
+          </p:cNvSpPr>
+          <p:nvPr>
+            <p:ph type="sldNum" sz="quarter" idx="5"/>
+          </p:nvPr>
+        </p:nvSpPr>
+        <p:spPr/>
+        <p:txBody>
+          <a:bodyPr/>
+          <a:lstStyle/>
+          <a:p>
+            <a:fld id="{906F7766-1CC8-4293-8AE3-F91239FA91DA}" type="slidenum">
+              <a:rPr lang="en-GB" smtClean="0"/>
+              <a:t>6</a:t>
+            </a:fld>
+            <a:endParaRPr lang="en-GB"/>
+          </a:p>
+        </p:txBody>
+      </p:sp>
+    </p:spTree>
+    <p:extLst>
+      <p:ext uri="{BB962C8B-B14F-4D97-AF65-F5344CB8AC3E}">
+        <p14:creationId xmlns:p14="http://schemas.microsoft.com/office/powerpoint/2010/main" val="1719635746"/>
+      </p:ext>
+    </p:extLst>
+  </p:cSld>
+  <p:clrMapOvr>
+    <a:masterClrMapping/>
+  </p:clrMapOvr>
+</p:notes>
+</file>
+
+<file path=ppt/notesSlides/notesSlide3.xml><?xml version="1.0" encoding="utf-8"?>
+<p:notes xmlns:a="http://schemas.openxmlformats.org/drawingml/2006/main" xmlns:r="http://schemas.openxmlformats.org/officeDocument/2006/relationships" xmlns:p="http://schemas.openxmlformats.org/presentationml/2006/main">
+  <p:cSld>
+    <p:spTree>
+      <p:nvGrpSpPr>
+        <p:cNvPr id="1" name=""/>
+        <p:cNvGrpSpPr/>
+        <p:nvPr/>
+      </p:nvGrpSpPr>
+      <p:grpSpPr>
+        <a:xfrm>
+          <a:off x="0" y="0"/>
+          <a:ext cx="0" cy="0"/>
+          <a:chOff x="0" y="0"/>
+          <a:chExt cx="0" cy="0"/>
+        </a:xfrm>
+      </p:grpSpPr>
+      <p:sp>
+        <p:nvSpPr>
+          <p:cNvPr id="2" name="Slide Image Placeholder 1"/>
+          <p:cNvSpPr>
+            <a:spLocks noGrp="1" noRot="1" noChangeAspect="1"/>
+          </p:cNvSpPr>
+          <p:nvPr>
+            <p:ph type="sldImg"/>
+          </p:nvPr>
+        </p:nvSpPr>
+        <p:spPr/>
+      </p:sp>
+      <p:sp>
+        <p:nvSpPr>
+          <p:cNvPr id="3" name="Notes Placeholder 2"/>
+          <p:cNvSpPr>
+            <a:spLocks noGrp="1"/>
+          </p:cNvSpPr>
+          <p:nvPr>
+            <p:ph type="body" idx="1"/>
+          </p:nvPr>
+        </p:nvSpPr>
+        <p:spPr/>
+        <p:txBody>
+          <a:bodyPr/>
+          <a:lstStyle/>
+          <a:p>
+            <a:endParaRPr lang="en-GB" dirty="0"/>
+          </a:p>
+        </p:txBody>
+      </p:sp>
+      <p:sp>
+        <p:nvSpPr>
+          <p:cNvPr id="4" name="Slide Number Placeholder 3"/>
+          <p:cNvSpPr>
+            <a:spLocks noGrp="1"/>
+          </p:cNvSpPr>
+          <p:nvPr>
+            <p:ph type="sldNum" sz="quarter" idx="5"/>
+          </p:nvPr>
+        </p:nvSpPr>
+        <p:spPr/>
+        <p:txBody>
+          <a:bodyPr/>
+          <a:lstStyle/>
+          <a:p>
+            <a:fld id="{906F7766-1CC8-4293-8AE3-F91239FA91DA}" type="slidenum">
+              <a:rPr lang="en-GB" smtClean="0"/>
+              <a:t>7</a:t>
+            </a:fld>
+            <a:endParaRPr lang="en-GB"/>
+          </a:p>
+        </p:txBody>
+      </p:sp>
+    </p:spTree>
+    <p:extLst>
+      <p:ext uri="{BB962C8B-B14F-4D97-AF65-F5344CB8AC3E}">
+        <p14:creationId xmlns:p14="http://schemas.microsoft.com/office/powerpoint/2010/main" val="3106670743"/>
+      </p:ext>
+    </p:extLst>
+  </p:cSld>
+  <p:clrMapOvr>
+    <a:masterClrMapping/>
+  </p:clrMapOvr>
+</p:notes>
+</file>
+
+<file path=ppt/notesSlides/notesSlide4.xml><?xml version="1.0" encoding="utf-8"?>
+<p:notes xmlns:a="http://schemas.openxmlformats.org/drawingml/2006/main" xmlns:r="http://schemas.openxmlformats.org/officeDocument/2006/relationships" xmlns:p="http://schemas.openxmlformats.org/presentationml/2006/main">
+  <p:cSld>
+    <p:spTree>
+      <p:nvGrpSpPr>
+        <p:cNvPr id="1" name=""/>
+        <p:cNvGrpSpPr/>
+        <p:nvPr/>
+      </p:nvGrpSpPr>
+      <p:grpSpPr>
+        <a:xfrm>
+          <a:off x="0" y="0"/>
+          <a:ext cx="0" cy="0"/>
+          <a:chOff x="0" y="0"/>
+          <a:chExt cx="0" cy="0"/>
+        </a:xfrm>
+      </p:grpSpPr>
+      <p:sp>
+        <p:nvSpPr>
+          <p:cNvPr id="2" name="Slide Image Placeholder 1"/>
+          <p:cNvSpPr>
+            <a:spLocks noGrp="1" noRot="1" noChangeAspect="1"/>
+          </p:cNvSpPr>
+          <p:nvPr>
+            <p:ph type="sldImg"/>
+          </p:nvPr>
+        </p:nvSpPr>
+        <p:spPr/>
+      </p:sp>
+      <p:sp>
+        <p:nvSpPr>
+          <p:cNvPr id="3" name="Notes Placeholder 2"/>
+          <p:cNvSpPr>
+            <a:spLocks noGrp="1"/>
+          </p:cNvSpPr>
+          <p:nvPr>
+            <p:ph type="body" idx="1"/>
+          </p:nvPr>
+        </p:nvSpPr>
+        <p:spPr/>
+        <p:txBody>
+          <a:bodyPr/>
+          <a:lstStyle/>
+          <a:p>
+            <a:endParaRPr lang="en-GB" dirty="0"/>
+          </a:p>
+        </p:txBody>
+      </p:sp>
+      <p:sp>
+        <p:nvSpPr>
+          <p:cNvPr id="4" name="Slide Number Placeholder 3"/>
+          <p:cNvSpPr>
+            <a:spLocks noGrp="1"/>
+          </p:cNvSpPr>
+          <p:nvPr>
+            <p:ph type="sldNum" sz="quarter" idx="5"/>
+          </p:nvPr>
+        </p:nvSpPr>
+        <p:spPr/>
+        <p:txBody>
+          <a:bodyPr/>
+          <a:lstStyle/>
+          <a:p>
+            <a:fld id="{906F7766-1CC8-4293-8AE3-F91239FA91DA}" type="slidenum">
+              <a:rPr lang="en-GB" smtClean="0"/>
+              <a:t>8</a:t>
+            </a:fld>
+            <a:endParaRPr lang="en-GB"/>
+          </a:p>
+        </p:txBody>
+      </p:sp>
+    </p:spTree>
+    <p:extLst>
+      <p:ext uri="{BB962C8B-B14F-4D97-AF65-F5344CB8AC3E}">
+        <p14:creationId xmlns:p14="http://schemas.microsoft.com/office/powerpoint/2010/main" val="3675151245"/>
       </p:ext>
     </p:extLst>
   </p:cSld>
@@ -9703,6 +9958,1414 @@
 </file>
 
 <file path=ppt/slides/slide6.xml><?xml version="1.0" encoding="utf-8"?>
+<p:sld xmlns:a="http://schemas.openxmlformats.org/drawingml/2006/main" xmlns:r="http://schemas.openxmlformats.org/officeDocument/2006/relationships" xmlns:p="http://schemas.openxmlformats.org/presentationml/2006/main">
+  <p:cSld>
+    <p:spTree>
+      <p:nvGrpSpPr>
+        <p:cNvPr id="1" name=""/>
+        <p:cNvGrpSpPr/>
+        <p:nvPr/>
+      </p:nvGrpSpPr>
+      <p:grpSpPr>
+        <a:xfrm>
+          <a:off x="0" y="0"/>
+          <a:ext cx="0" cy="0"/>
+          <a:chOff x="0" y="0"/>
+          <a:chExt cx="0" cy="0"/>
+        </a:xfrm>
+      </p:grpSpPr>
+      <p:pic>
+        <p:nvPicPr>
+          <p:cNvPr id="5" name="Picture 4" descr="A picture containing text, clipart&#10;&#10;Description automatically generated">
+            <a:extLst>
+              <a:ext uri="{FF2B5EF4-FFF2-40B4-BE49-F238E27FC236}">
+                <a16:creationId xmlns:a16="http://schemas.microsoft.com/office/drawing/2014/main" id="{AEEF4F80-6182-437F-8FB9-E546318E1786}"/>
+              </a:ext>
+            </a:extLst>
+          </p:cNvPr>
+          <p:cNvPicPr>
+            <a:picLocks noChangeAspect="1"/>
+          </p:cNvPicPr>
+          <p:nvPr/>
+        </p:nvPicPr>
+        <p:blipFill>
+          <a:blip r:embed="rId3">
+            <a:extLst>
+              <a:ext uri="{28A0092B-C50C-407E-A947-70E740481C1C}">
+                <a14:useLocalDpi xmlns:a14="http://schemas.microsoft.com/office/drawing/2010/main" val="0"/>
+              </a:ext>
+            </a:extLst>
+          </a:blip>
+          <a:stretch>
+            <a:fillRect/>
+          </a:stretch>
+        </p:blipFill>
+        <p:spPr>
+          <a:xfrm>
+            <a:off x="8248817" y="327168"/>
+            <a:ext cx="3640043" cy="1401476"/>
+          </a:xfrm>
+          <a:prstGeom prst="rect">
+            <a:avLst/>
+          </a:prstGeom>
+        </p:spPr>
+      </p:pic>
+      <p:sp>
+        <p:nvSpPr>
+          <p:cNvPr id="6" name="Title 1">
+            <a:extLst>
+              <a:ext uri="{FF2B5EF4-FFF2-40B4-BE49-F238E27FC236}">
+                <a16:creationId xmlns:a16="http://schemas.microsoft.com/office/drawing/2014/main" id="{67EAB101-CB65-4E80-9086-38AF17265C5D}"/>
+              </a:ext>
+            </a:extLst>
+          </p:cNvPr>
+          <p:cNvSpPr txBox="1">
+            <a:spLocks/>
+          </p:cNvSpPr>
+          <p:nvPr/>
+        </p:nvSpPr>
+        <p:spPr>
+          <a:xfrm>
+            <a:off x="704851" y="549440"/>
+            <a:ext cx="7219949" cy="914399"/>
+          </a:xfrm>
+          <a:prstGeom prst="rect">
+            <a:avLst/>
+          </a:prstGeom>
+        </p:spPr>
+        <p:txBody>
+          <a:bodyPr vert="horz" lIns="91440" tIns="45720" rIns="91440" bIns="45720" rtlCol="0" anchor="ctr">
+            <a:normAutofit/>
+          </a:bodyPr>
+          <a:lstStyle>
+            <a:lvl1pPr algn="l" defTabSz="914400" rtl="0" eaLnBrk="1" latinLnBrk="0" hangingPunct="1">
+              <a:lnSpc>
+                <a:spcPct val="90000"/>
+              </a:lnSpc>
+              <a:spcBef>
+                <a:spcPct val="0"/>
+              </a:spcBef>
+              <a:buNone/>
+              <a:defRPr sz="4400" kern="1200">
+                <a:solidFill>
+                  <a:schemeClr val="tx1"/>
+                </a:solidFill>
+                <a:latin typeface="+mj-lt"/>
+                <a:ea typeface="+mj-ea"/>
+                <a:cs typeface="+mj-cs"/>
+              </a:defRPr>
+            </a:lvl1pPr>
+          </a:lstStyle>
+          <a:p>
+            <a:r>
+              <a:rPr lang="en-US" b="1" dirty="0"/>
+              <a:t>Activity Scenario of Carlos Silva</a:t>
+            </a:r>
+          </a:p>
+        </p:txBody>
+      </p:sp>
+      <p:sp>
+        <p:nvSpPr>
+          <p:cNvPr id="11" name="Content Placeholder 2">
+            <a:extLst>
+              <a:ext uri="{FF2B5EF4-FFF2-40B4-BE49-F238E27FC236}">
+                <a16:creationId xmlns:a16="http://schemas.microsoft.com/office/drawing/2014/main" id="{6AB2115D-5135-CEAE-2998-AD5A7339ADDB}"/>
+              </a:ext>
+            </a:extLst>
+          </p:cNvPr>
+          <p:cNvSpPr txBox="1">
+            <a:spLocks/>
+          </p:cNvSpPr>
+          <p:nvPr/>
+        </p:nvSpPr>
+        <p:spPr>
+          <a:xfrm>
+            <a:off x="761170" y="2264230"/>
+            <a:ext cx="10669660" cy="4266602"/>
+          </a:xfrm>
+          <a:prstGeom prst="rect">
+            <a:avLst/>
+          </a:prstGeom>
+        </p:spPr>
+        <p:txBody>
+          <a:bodyPr vert="horz" lIns="91440" tIns="45720" rIns="91440" bIns="45720" rtlCol="0">
+            <a:normAutofit/>
+          </a:bodyPr>
+          <a:lstStyle>
+            <a:lvl1pPr marL="228600" indent="-228600" algn="l" defTabSz="914400" rtl="0" eaLnBrk="1" latinLnBrk="0" hangingPunct="1">
+              <a:lnSpc>
+                <a:spcPct val="90000"/>
+              </a:lnSpc>
+              <a:spcBef>
+                <a:spcPts val="1000"/>
+              </a:spcBef>
+              <a:buFont typeface="Arial" panose="020B0604020202020204" pitchFamily="34" charset="0"/>
+              <a:buChar char="•"/>
+              <a:defRPr sz="2800" kern="1200">
+                <a:solidFill>
+                  <a:schemeClr val="tx1"/>
+                </a:solidFill>
+                <a:latin typeface="+mn-lt"/>
+                <a:ea typeface="+mn-ea"/>
+                <a:cs typeface="+mn-cs"/>
+              </a:defRPr>
+            </a:lvl1pPr>
+            <a:lvl2pPr marL="685800" indent="-228600" algn="l" defTabSz="914400" rtl="0" eaLnBrk="1" latinLnBrk="0" hangingPunct="1">
+              <a:lnSpc>
+                <a:spcPct val="90000"/>
+              </a:lnSpc>
+              <a:spcBef>
+                <a:spcPts val="500"/>
+              </a:spcBef>
+              <a:buFont typeface="Arial" panose="020B0604020202020204" pitchFamily="34" charset="0"/>
+              <a:buChar char="•"/>
+              <a:defRPr sz="2400" kern="1200">
+                <a:solidFill>
+                  <a:schemeClr val="tx1"/>
+                </a:solidFill>
+                <a:latin typeface="+mn-lt"/>
+                <a:ea typeface="+mn-ea"/>
+                <a:cs typeface="+mn-cs"/>
+              </a:defRPr>
+            </a:lvl2pPr>
+            <a:lvl3pPr marL="1143000" indent="-228600" algn="l" defTabSz="914400" rtl="0" eaLnBrk="1" latinLnBrk="0" hangingPunct="1">
+              <a:lnSpc>
+                <a:spcPct val="90000"/>
+              </a:lnSpc>
+              <a:spcBef>
+                <a:spcPts val="500"/>
+              </a:spcBef>
+              <a:buFont typeface="Arial" panose="020B0604020202020204" pitchFamily="34" charset="0"/>
+              <a:buChar char="•"/>
+              <a:defRPr sz="2000" kern="1200">
+                <a:solidFill>
+                  <a:schemeClr val="tx1"/>
+                </a:solidFill>
+                <a:latin typeface="+mn-lt"/>
+                <a:ea typeface="+mn-ea"/>
+                <a:cs typeface="+mn-cs"/>
+              </a:defRPr>
+            </a:lvl3pPr>
+            <a:lvl4pPr marL="1600200" indent="-228600" algn="l" defTabSz="914400" rtl="0" eaLnBrk="1" latinLnBrk="0" hangingPunct="1">
+              <a:lnSpc>
+                <a:spcPct val="90000"/>
+              </a:lnSpc>
+              <a:spcBef>
+                <a:spcPts val="500"/>
+              </a:spcBef>
+              <a:buFont typeface="Arial" panose="020B0604020202020204" pitchFamily="34" charset="0"/>
+              <a:buChar char="•"/>
+              <a:defRPr sz="1800" kern="1200">
+                <a:solidFill>
+                  <a:schemeClr val="tx1"/>
+                </a:solidFill>
+                <a:latin typeface="+mn-lt"/>
+                <a:ea typeface="+mn-ea"/>
+                <a:cs typeface="+mn-cs"/>
+              </a:defRPr>
+            </a:lvl4pPr>
+            <a:lvl5pPr marL="2057400" indent="-228600" algn="l" defTabSz="914400" rtl="0" eaLnBrk="1" latinLnBrk="0" hangingPunct="1">
+              <a:lnSpc>
+                <a:spcPct val="90000"/>
+              </a:lnSpc>
+              <a:spcBef>
+                <a:spcPts val="500"/>
+              </a:spcBef>
+              <a:buFont typeface="Arial" panose="020B0604020202020204" pitchFamily="34" charset="0"/>
+              <a:buChar char="•"/>
+              <a:defRPr sz="1800" kern="1200">
+                <a:solidFill>
+                  <a:schemeClr val="tx1"/>
+                </a:solidFill>
+                <a:latin typeface="+mn-lt"/>
+                <a:ea typeface="+mn-ea"/>
+                <a:cs typeface="+mn-cs"/>
+              </a:defRPr>
+            </a:lvl5pPr>
+            <a:lvl6pPr marL="2514600" indent="-228600" algn="l" defTabSz="914400" rtl="0" eaLnBrk="1" latinLnBrk="0" hangingPunct="1">
+              <a:lnSpc>
+                <a:spcPct val="90000"/>
+              </a:lnSpc>
+              <a:spcBef>
+                <a:spcPts val="500"/>
+              </a:spcBef>
+              <a:buFont typeface="Arial" panose="020B0604020202020204" pitchFamily="34" charset="0"/>
+              <a:buChar char="•"/>
+              <a:defRPr sz="1800" kern="1200">
+                <a:solidFill>
+                  <a:schemeClr val="tx1"/>
+                </a:solidFill>
+                <a:latin typeface="+mn-lt"/>
+                <a:ea typeface="+mn-ea"/>
+                <a:cs typeface="+mn-cs"/>
+              </a:defRPr>
+            </a:lvl6pPr>
+            <a:lvl7pPr marL="2971800" indent="-228600" algn="l" defTabSz="914400" rtl="0" eaLnBrk="1" latinLnBrk="0" hangingPunct="1">
+              <a:lnSpc>
+                <a:spcPct val="90000"/>
+              </a:lnSpc>
+              <a:spcBef>
+                <a:spcPts val="500"/>
+              </a:spcBef>
+              <a:buFont typeface="Arial" panose="020B0604020202020204" pitchFamily="34" charset="0"/>
+              <a:buChar char="•"/>
+              <a:defRPr sz="1800" kern="1200">
+                <a:solidFill>
+                  <a:schemeClr val="tx1"/>
+                </a:solidFill>
+                <a:latin typeface="+mn-lt"/>
+                <a:ea typeface="+mn-ea"/>
+                <a:cs typeface="+mn-cs"/>
+              </a:defRPr>
+            </a:lvl7pPr>
+            <a:lvl8pPr marL="3429000" indent="-228600" algn="l" defTabSz="914400" rtl="0" eaLnBrk="1" latinLnBrk="0" hangingPunct="1">
+              <a:lnSpc>
+                <a:spcPct val="90000"/>
+              </a:lnSpc>
+              <a:spcBef>
+                <a:spcPts val="500"/>
+              </a:spcBef>
+              <a:buFont typeface="Arial" panose="020B0604020202020204" pitchFamily="34" charset="0"/>
+              <a:buChar char="•"/>
+              <a:defRPr sz="1800" kern="1200">
+                <a:solidFill>
+                  <a:schemeClr val="tx1"/>
+                </a:solidFill>
+                <a:latin typeface="+mn-lt"/>
+                <a:ea typeface="+mn-ea"/>
+                <a:cs typeface="+mn-cs"/>
+              </a:defRPr>
+            </a:lvl8pPr>
+            <a:lvl9pPr marL="3886200" indent="-228600" algn="l" defTabSz="914400" rtl="0" eaLnBrk="1" latinLnBrk="0" hangingPunct="1">
+              <a:lnSpc>
+                <a:spcPct val="90000"/>
+              </a:lnSpc>
+              <a:spcBef>
+                <a:spcPts val="500"/>
+              </a:spcBef>
+              <a:buFont typeface="Arial" panose="020B0604020202020204" pitchFamily="34" charset="0"/>
+              <a:buChar char="•"/>
+              <a:defRPr sz="1800" kern="1200">
+                <a:solidFill>
+                  <a:schemeClr val="tx1"/>
+                </a:solidFill>
+                <a:latin typeface="+mn-lt"/>
+                <a:ea typeface="+mn-ea"/>
+                <a:cs typeface="+mn-cs"/>
+              </a:defRPr>
+            </a:lvl9pPr>
+          </a:lstStyle>
+          <a:p>
+            <a:pPr marL="0" indent="0">
+              <a:buFont typeface="Arial" panose="020B0604020202020204" pitchFamily="34" charset="0"/>
+              <a:buNone/>
+            </a:pPr>
+            <a:r>
+              <a:rPr lang="en-US" sz="2000" dirty="0"/>
+              <a:t>	A co-worker of Carlos quit the job. He realized it would be cool if he had a work colleague from LEIC, the same course he is. </a:t>
+            </a:r>
+          </a:p>
+          <a:p>
+            <a:pPr marL="0" indent="0">
+              <a:buFont typeface="Arial" panose="020B0604020202020204" pitchFamily="34" charset="0"/>
+              <a:buNone/>
+            </a:pPr>
+            <a:r>
+              <a:rPr lang="en-US" sz="2000" dirty="0"/>
+              <a:t>	Therefore, he registered in </a:t>
+            </a:r>
+            <a:r>
+              <a:rPr lang="en-US" sz="2000" dirty="0" err="1"/>
+              <a:t>LEICedin</a:t>
+            </a:r>
+            <a:r>
+              <a:rPr lang="en-US" sz="2000" dirty="0"/>
+              <a:t> and created a new job offer. Since he himself works in the same position (security) as the offer, he was able to provide reliable feedback on what his job is like in the description. </a:t>
+            </a:r>
+          </a:p>
+          <a:p>
+            <a:pPr marL="0" indent="0">
+              <a:buFont typeface="Arial" panose="020B0604020202020204" pitchFamily="34" charset="0"/>
+              <a:buNone/>
+            </a:pPr>
+            <a:r>
+              <a:rPr lang="en-US" sz="2000" dirty="0"/>
+              <a:t>	Any person interested would contact him and clarify any remaining doubts. In a final stage, Carlos would redirect them to his boss.</a:t>
+            </a:r>
+          </a:p>
+        </p:txBody>
+      </p:sp>
+    </p:spTree>
+    <p:extLst>
+      <p:ext uri="{BB962C8B-B14F-4D97-AF65-F5344CB8AC3E}">
+        <p14:creationId xmlns:p14="http://schemas.microsoft.com/office/powerpoint/2010/main" val="777683417"/>
+      </p:ext>
+    </p:extLst>
+  </p:cSld>
+  <p:clrMapOvr>
+    <a:masterClrMapping/>
+  </p:clrMapOvr>
+</p:sld>
+</file>
+
+<file path=ppt/slides/slide7.xml><?xml version="1.0" encoding="utf-8"?>
+<p:sld xmlns:a="http://schemas.openxmlformats.org/drawingml/2006/main" xmlns:r="http://schemas.openxmlformats.org/officeDocument/2006/relationships" xmlns:p="http://schemas.openxmlformats.org/presentationml/2006/main">
+  <p:cSld>
+    <p:spTree>
+      <p:nvGrpSpPr>
+        <p:cNvPr id="1" name=""/>
+        <p:cNvGrpSpPr/>
+        <p:nvPr/>
+      </p:nvGrpSpPr>
+      <p:grpSpPr>
+        <a:xfrm>
+          <a:off x="0" y="0"/>
+          <a:ext cx="0" cy="0"/>
+          <a:chOff x="0" y="0"/>
+          <a:chExt cx="0" cy="0"/>
+        </a:xfrm>
+      </p:grpSpPr>
+      <p:pic>
+        <p:nvPicPr>
+          <p:cNvPr id="5" name="Picture 4" descr="A picture containing text, clipart&#10;&#10;Description automatically generated">
+            <a:extLst>
+              <a:ext uri="{FF2B5EF4-FFF2-40B4-BE49-F238E27FC236}">
+                <a16:creationId xmlns:a16="http://schemas.microsoft.com/office/drawing/2014/main" id="{AEEF4F80-6182-437F-8FB9-E546318E1786}"/>
+              </a:ext>
+            </a:extLst>
+          </p:cNvPr>
+          <p:cNvPicPr>
+            <a:picLocks noChangeAspect="1"/>
+          </p:cNvPicPr>
+          <p:nvPr/>
+        </p:nvPicPr>
+        <p:blipFill>
+          <a:blip r:embed="rId3">
+            <a:extLst>
+              <a:ext uri="{28A0092B-C50C-407E-A947-70E740481C1C}">
+                <a14:useLocalDpi xmlns:a14="http://schemas.microsoft.com/office/drawing/2010/main" val="0"/>
+              </a:ext>
+            </a:extLst>
+          </a:blip>
+          <a:stretch>
+            <a:fillRect/>
+          </a:stretch>
+        </p:blipFill>
+        <p:spPr>
+          <a:xfrm>
+            <a:off x="8248817" y="327168"/>
+            <a:ext cx="3640043" cy="1401476"/>
+          </a:xfrm>
+          <a:prstGeom prst="rect">
+            <a:avLst/>
+          </a:prstGeom>
+        </p:spPr>
+      </p:pic>
+      <p:sp>
+        <p:nvSpPr>
+          <p:cNvPr id="6" name="Title 1">
+            <a:extLst>
+              <a:ext uri="{FF2B5EF4-FFF2-40B4-BE49-F238E27FC236}">
+                <a16:creationId xmlns:a16="http://schemas.microsoft.com/office/drawing/2014/main" id="{67EAB101-CB65-4E80-9086-38AF17265C5D}"/>
+              </a:ext>
+            </a:extLst>
+          </p:cNvPr>
+          <p:cNvSpPr txBox="1">
+            <a:spLocks/>
+          </p:cNvSpPr>
+          <p:nvPr/>
+        </p:nvSpPr>
+        <p:spPr>
+          <a:xfrm>
+            <a:off x="704851" y="549440"/>
+            <a:ext cx="7219949" cy="914399"/>
+          </a:xfrm>
+          <a:prstGeom prst="rect">
+            <a:avLst/>
+          </a:prstGeom>
+        </p:spPr>
+        <p:txBody>
+          <a:bodyPr vert="horz" lIns="91440" tIns="45720" rIns="91440" bIns="45720" rtlCol="0" anchor="ctr">
+            <a:normAutofit/>
+          </a:bodyPr>
+          <a:lstStyle>
+            <a:lvl1pPr algn="l" defTabSz="914400" rtl="0" eaLnBrk="1" latinLnBrk="0" hangingPunct="1">
+              <a:lnSpc>
+                <a:spcPct val="90000"/>
+              </a:lnSpc>
+              <a:spcBef>
+                <a:spcPct val="0"/>
+              </a:spcBef>
+              <a:buNone/>
+              <a:defRPr sz="4400" kern="1200">
+                <a:solidFill>
+                  <a:schemeClr val="tx1"/>
+                </a:solidFill>
+                <a:latin typeface="+mj-lt"/>
+                <a:ea typeface="+mj-ea"/>
+                <a:cs typeface="+mj-cs"/>
+              </a:defRPr>
+            </a:lvl1pPr>
+          </a:lstStyle>
+          <a:p>
+            <a:r>
+              <a:rPr lang="en-US" b="1" dirty="0"/>
+              <a:t>Functionalities and Tasks</a:t>
+            </a:r>
+          </a:p>
+        </p:txBody>
+      </p:sp>
+      <p:sp>
+        <p:nvSpPr>
+          <p:cNvPr id="11" name="Content Placeholder 2">
+            <a:extLst>
+              <a:ext uri="{FF2B5EF4-FFF2-40B4-BE49-F238E27FC236}">
+                <a16:creationId xmlns:a16="http://schemas.microsoft.com/office/drawing/2014/main" id="{6AB2115D-5135-CEAE-2998-AD5A7339ADDB}"/>
+              </a:ext>
+            </a:extLst>
+          </p:cNvPr>
+          <p:cNvSpPr txBox="1">
+            <a:spLocks/>
+          </p:cNvSpPr>
+          <p:nvPr/>
+        </p:nvSpPr>
+        <p:spPr>
+          <a:xfrm>
+            <a:off x="947887" y="2699656"/>
+            <a:ext cx="5334830" cy="3744089"/>
+          </a:xfrm>
+          <a:prstGeom prst="rect">
+            <a:avLst/>
+          </a:prstGeom>
+        </p:spPr>
+        <p:txBody>
+          <a:bodyPr vert="horz" lIns="91440" tIns="45720" rIns="91440" bIns="45720" rtlCol="0">
+            <a:normAutofit/>
+          </a:bodyPr>
+          <a:lstStyle>
+            <a:lvl1pPr marL="228600" indent="-228600" algn="l" defTabSz="914400" rtl="0" eaLnBrk="1" latinLnBrk="0" hangingPunct="1">
+              <a:lnSpc>
+                <a:spcPct val="90000"/>
+              </a:lnSpc>
+              <a:spcBef>
+                <a:spcPts val="1000"/>
+              </a:spcBef>
+              <a:buFont typeface="Arial" panose="020B0604020202020204" pitchFamily="34" charset="0"/>
+              <a:buChar char="•"/>
+              <a:defRPr sz="2800" kern="1200">
+                <a:solidFill>
+                  <a:schemeClr val="tx1"/>
+                </a:solidFill>
+                <a:latin typeface="+mn-lt"/>
+                <a:ea typeface="+mn-ea"/>
+                <a:cs typeface="+mn-cs"/>
+              </a:defRPr>
+            </a:lvl1pPr>
+            <a:lvl2pPr marL="685800" indent="-228600" algn="l" defTabSz="914400" rtl="0" eaLnBrk="1" latinLnBrk="0" hangingPunct="1">
+              <a:lnSpc>
+                <a:spcPct val="90000"/>
+              </a:lnSpc>
+              <a:spcBef>
+                <a:spcPts val="500"/>
+              </a:spcBef>
+              <a:buFont typeface="Arial" panose="020B0604020202020204" pitchFamily="34" charset="0"/>
+              <a:buChar char="•"/>
+              <a:defRPr sz="2400" kern="1200">
+                <a:solidFill>
+                  <a:schemeClr val="tx1"/>
+                </a:solidFill>
+                <a:latin typeface="+mn-lt"/>
+                <a:ea typeface="+mn-ea"/>
+                <a:cs typeface="+mn-cs"/>
+              </a:defRPr>
+            </a:lvl2pPr>
+            <a:lvl3pPr marL="1143000" indent="-228600" algn="l" defTabSz="914400" rtl="0" eaLnBrk="1" latinLnBrk="0" hangingPunct="1">
+              <a:lnSpc>
+                <a:spcPct val="90000"/>
+              </a:lnSpc>
+              <a:spcBef>
+                <a:spcPts val="500"/>
+              </a:spcBef>
+              <a:buFont typeface="Arial" panose="020B0604020202020204" pitchFamily="34" charset="0"/>
+              <a:buChar char="•"/>
+              <a:defRPr sz="2000" kern="1200">
+                <a:solidFill>
+                  <a:schemeClr val="tx1"/>
+                </a:solidFill>
+                <a:latin typeface="+mn-lt"/>
+                <a:ea typeface="+mn-ea"/>
+                <a:cs typeface="+mn-cs"/>
+              </a:defRPr>
+            </a:lvl3pPr>
+            <a:lvl4pPr marL="1600200" indent="-228600" algn="l" defTabSz="914400" rtl="0" eaLnBrk="1" latinLnBrk="0" hangingPunct="1">
+              <a:lnSpc>
+                <a:spcPct val="90000"/>
+              </a:lnSpc>
+              <a:spcBef>
+                <a:spcPts val="500"/>
+              </a:spcBef>
+              <a:buFont typeface="Arial" panose="020B0604020202020204" pitchFamily="34" charset="0"/>
+              <a:buChar char="•"/>
+              <a:defRPr sz="1800" kern="1200">
+                <a:solidFill>
+                  <a:schemeClr val="tx1"/>
+                </a:solidFill>
+                <a:latin typeface="+mn-lt"/>
+                <a:ea typeface="+mn-ea"/>
+                <a:cs typeface="+mn-cs"/>
+              </a:defRPr>
+            </a:lvl4pPr>
+            <a:lvl5pPr marL="2057400" indent="-228600" algn="l" defTabSz="914400" rtl="0" eaLnBrk="1" latinLnBrk="0" hangingPunct="1">
+              <a:lnSpc>
+                <a:spcPct val="90000"/>
+              </a:lnSpc>
+              <a:spcBef>
+                <a:spcPts val="500"/>
+              </a:spcBef>
+              <a:buFont typeface="Arial" panose="020B0604020202020204" pitchFamily="34" charset="0"/>
+              <a:buChar char="•"/>
+              <a:defRPr sz="1800" kern="1200">
+                <a:solidFill>
+                  <a:schemeClr val="tx1"/>
+                </a:solidFill>
+                <a:latin typeface="+mn-lt"/>
+                <a:ea typeface="+mn-ea"/>
+                <a:cs typeface="+mn-cs"/>
+              </a:defRPr>
+            </a:lvl5pPr>
+            <a:lvl6pPr marL="2514600" indent="-228600" algn="l" defTabSz="914400" rtl="0" eaLnBrk="1" latinLnBrk="0" hangingPunct="1">
+              <a:lnSpc>
+                <a:spcPct val="90000"/>
+              </a:lnSpc>
+              <a:spcBef>
+                <a:spcPts val="500"/>
+              </a:spcBef>
+              <a:buFont typeface="Arial" panose="020B0604020202020204" pitchFamily="34" charset="0"/>
+              <a:buChar char="•"/>
+              <a:defRPr sz="1800" kern="1200">
+                <a:solidFill>
+                  <a:schemeClr val="tx1"/>
+                </a:solidFill>
+                <a:latin typeface="+mn-lt"/>
+                <a:ea typeface="+mn-ea"/>
+                <a:cs typeface="+mn-cs"/>
+              </a:defRPr>
+            </a:lvl6pPr>
+            <a:lvl7pPr marL="2971800" indent="-228600" algn="l" defTabSz="914400" rtl="0" eaLnBrk="1" latinLnBrk="0" hangingPunct="1">
+              <a:lnSpc>
+                <a:spcPct val="90000"/>
+              </a:lnSpc>
+              <a:spcBef>
+                <a:spcPts val="500"/>
+              </a:spcBef>
+              <a:buFont typeface="Arial" panose="020B0604020202020204" pitchFamily="34" charset="0"/>
+              <a:buChar char="•"/>
+              <a:defRPr sz="1800" kern="1200">
+                <a:solidFill>
+                  <a:schemeClr val="tx1"/>
+                </a:solidFill>
+                <a:latin typeface="+mn-lt"/>
+                <a:ea typeface="+mn-ea"/>
+                <a:cs typeface="+mn-cs"/>
+              </a:defRPr>
+            </a:lvl7pPr>
+            <a:lvl8pPr marL="3429000" indent="-228600" algn="l" defTabSz="914400" rtl="0" eaLnBrk="1" latinLnBrk="0" hangingPunct="1">
+              <a:lnSpc>
+                <a:spcPct val="90000"/>
+              </a:lnSpc>
+              <a:spcBef>
+                <a:spcPts val="500"/>
+              </a:spcBef>
+              <a:buFont typeface="Arial" panose="020B0604020202020204" pitchFamily="34" charset="0"/>
+              <a:buChar char="•"/>
+              <a:defRPr sz="1800" kern="1200">
+                <a:solidFill>
+                  <a:schemeClr val="tx1"/>
+                </a:solidFill>
+                <a:latin typeface="+mn-lt"/>
+                <a:ea typeface="+mn-ea"/>
+                <a:cs typeface="+mn-cs"/>
+              </a:defRPr>
+            </a:lvl8pPr>
+            <a:lvl9pPr marL="3886200" indent="-228600" algn="l" defTabSz="914400" rtl="0" eaLnBrk="1" latinLnBrk="0" hangingPunct="1">
+              <a:lnSpc>
+                <a:spcPct val="90000"/>
+              </a:lnSpc>
+              <a:spcBef>
+                <a:spcPts val="500"/>
+              </a:spcBef>
+              <a:buFont typeface="Arial" panose="020B0604020202020204" pitchFamily="34" charset="0"/>
+              <a:buChar char="•"/>
+              <a:defRPr sz="1800" kern="1200">
+                <a:solidFill>
+                  <a:schemeClr val="tx1"/>
+                </a:solidFill>
+                <a:latin typeface="+mn-lt"/>
+                <a:ea typeface="+mn-ea"/>
+                <a:cs typeface="+mn-cs"/>
+              </a:defRPr>
+            </a:lvl9pPr>
+          </a:lstStyle>
+          <a:p>
+            <a:pPr marL="0" indent="0" algn="ctr">
+              <a:buFont typeface="Arial" panose="020B0604020202020204" pitchFamily="34" charset="0"/>
+              <a:buNone/>
+            </a:pPr>
+            <a:r>
+              <a:rPr lang="en-US" sz="2000" b="1" dirty="0">
+                <a:solidFill>
+                  <a:srgbClr val="993300"/>
+                </a:solidFill>
+              </a:rPr>
+              <a:t>Example of Functionalities:</a:t>
+            </a:r>
+          </a:p>
+          <a:p>
+            <a:pPr marL="0" indent="0" algn="ctr">
+              <a:buFont typeface="Arial" panose="020B0604020202020204" pitchFamily="34" charset="0"/>
+              <a:buNone/>
+            </a:pPr>
+            <a:endParaRPr lang="en-US" sz="2000" b="1" dirty="0">
+              <a:solidFill>
+                <a:srgbClr val="993300"/>
+              </a:solidFill>
+            </a:endParaRPr>
+          </a:p>
+          <a:p>
+            <a:pPr marL="0" indent="0" algn="ctr">
+              <a:buFont typeface="Arial" panose="020B0604020202020204" pitchFamily="34" charset="0"/>
+              <a:buNone/>
+            </a:pPr>
+            <a:r>
+              <a:rPr lang="en-US" sz="2000" dirty="0"/>
+              <a:t>Search an offer by name/location</a:t>
+            </a:r>
+          </a:p>
+          <a:p>
+            <a:pPr marL="0" indent="0" algn="ctr">
+              <a:buFont typeface="Arial" panose="020B0604020202020204" pitchFamily="34" charset="0"/>
+              <a:buNone/>
+            </a:pPr>
+            <a:r>
+              <a:rPr lang="en-US" sz="2000" dirty="0"/>
+              <a:t>Order the offers list</a:t>
+            </a:r>
+          </a:p>
+          <a:p>
+            <a:pPr marL="0" indent="0" algn="ctr">
+              <a:buFont typeface="Arial" panose="020B0604020202020204" pitchFamily="34" charset="0"/>
+              <a:buNone/>
+            </a:pPr>
+            <a:r>
+              <a:rPr lang="en-US" sz="2000" dirty="0"/>
+              <a:t>Contact the seller</a:t>
+            </a:r>
+          </a:p>
+        </p:txBody>
+      </p:sp>
+      <p:sp>
+        <p:nvSpPr>
+          <p:cNvPr id="2" name="Content Placeholder 2">
+            <a:extLst>
+              <a:ext uri="{FF2B5EF4-FFF2-40B4-BE49-F238E27FC236}">
+                <a16:creationId xmlns:a16="http://schemas.microsoft.com/office/drawing/2014/main" id="{B2096CE0-DEBA-F665-BBE1-AF9BFFFB16E8}"/>
+              </a:ext>
+            </a:extLst>
+          </p:cNvPr>
+          <p:cNvSpPr txBox="1">
+            <a:spLocks/>
+          </p:cNvSpPr>
+          <p:nvPr/>
+        </p:nvSpPr>
+        <p:spPr>
+          <a:xfrm>
+            <a:off x="6554030" y="2699657"/>
+            <a:ext cx="5334830" cy="3744089"/>
+          </a:xfrm>
+          <a:prstGeom prst="rect">
+            <a:avLst/>
+          </a:prstGeom>
+        </p:spPr>
+        <p:txBody>
+          <a:bodyPr vert="horz" lIns="91440" tIns="45720" rIns="91440" bIns="45720" rtlCol="0">
+            <a:normAutofit/>
+          </a:bodyPr>
+          <a:lstStyle>
+            <a:lvl1pPr marL="228600" indent="-228600" algn="l" defTabSz="914400" rtl="0" eaLnBrk="1" latinLnBrk="0" hangingPunct="1">
+              <a:lnSpc>
+                <a:spcPct val="90000"/>
+              </a:lnSpc>
+              <a:spcBef>
+                <a:spcPts val="1000"/>
+              </a:spcBef>
+              <a:buFont typeface="Arial" panose="020B0604020202020204" pitchFamily="34" charset="0"/>
+              <a:buChar char="•"/>
+              <a:defRPr sz="2800" kern="1200">
+                <a:solidFill>
+                  <a:schemeClr val="tx1"/>
+                </a:solidFill>
+                <a:latin typeface="+mn-lt"/>
+                <a:ea typeface="+mn-ea"/>
+                <a:cs typeface="+mn-cs"/>
+              </a:defRPr>
+            </a:lvl1pPr>
+            <a:lvl2pPr marL="685800" indent="-228600" algn="l" defTabSz="914400" rtl="0" eaLnBrk="1" latinLnBrk="0" hangingPunct="1">
+              <a:lnSpc>
+                <a:spcPct val="90000"/>
+              </a:lnSpc>
+              <a:spcBef>
+                <a:spcPts val="500"/>
+              </a:spcBef>
+              <a:buFont typeface="Arial" panose="020B0604020202020204" pitchFamily="34" charset="0"/>
+              <a:buChar char="•"/>
+              <a:defRPr sz="2400" kern="1200">
+                <a:solidFill>
+                  <a:schemeClr val="tx1"/>
+                </a:solidFill>
+                <a:latin typeface="+mn-lt"/>
+                <a:ea typeface="+mn-ea"/>
+                <a:cs typeface="+mn-cs"/>
+              </a:defRPr>
+            </a:lvl2pPr>
+            <a:lvl3pPr marL="1143000" indent="-228600" algn="l" defTabSz="914400" rtl="0" eaLnBrk="1" latinLnBrk="0" hangingPunct="1">
+              <a:lnSpc>
+                <a:spcPct val="90000"/>
+              </a:lnSpc>
+              <a:spcBef>
+                <a:spcPts val="500"/>
+              </a:spcBef>
+              <a:buFont typeface="Arial" panose="020B0604020202020204" pitchFamily="34" charset="0"/>
+              <a:buChar char="•"/>
+              <a:defRPr sz="2000" kern="1200">
+                <a:solidFill>
+                  <a:schemeClr val="tx1"/>
+                </a:solidFill>
+                <a:latin typeface="+mn-lt"/>
+                <a:ea typeface="+mn-ea"/>
+                <a:cs typeface="+mn-cs"/>
+              </a:defRPr>
+            </a:lvl3pPr>
+            <a:lvl4pPr marL="1600200" indent="-228600" algn="l" defTabSz="914400" rtl="0" eaLnBrk="1" latinLnBrk="0" hangingPunct="1">
+              <a:lnSpc>
+                <a:spcPct val="90000"/>
+              </a:lnSpc>
+              <a:spcBef>
+                <a:spcPts val="500"/>
+              </a:spcBef>
+              <a:buFont typeface="Arial" panose="020B0604020202020204" pitchFamily="34" charset="0"/>
+              <a:buChar char="•"/>
+              <a:defRPr sz="1800" kern="1200">
+                <a:solidFill>
+                  <a:schemeClr val="tx1"/>
+                </a:solidFill>
+                <a:latin typeface="+mn-lt"/>
+                <a:ea typeface="+mn-ea"/>
+                <a:cs typeface="+mn-cs"/>
+              </a:defRPr>
+            </a:lvl4pPr>
+            <a:lvl5pPr marL="2057400" indent="-228600" algn="l" defTabSz="914400" rtl="0" eaLnBrk="1" latinLnBrk="0" hangingPunct="1">
+              <a:lnSpc>
+                <a:spcPct val="90000"/>
+              </a:lnSpc>
+              <a:spcBef>
+                <a:spcPts val="500"/>
+              </a:spcBef>
+              <a:buFont typeface="Arial" panose="020B0604020202020204" pitchFamily="34" charset="0"/>
+              <a:buChar char="•"/>
+              <a:defRPr sz="1800" kern="1200">
+                <a:solidFill>
+                  <a:schemeClr val="tx1"/>
+                </a:solidFill>
+                <a:latin typeface="+mn-lt"/>
+                <a:ea typeface="+mn-ea"/>
+                <a:cs typeface="+mn-cs"/>
+              </a:defRPr>
+            </a:lvl5pPr>
+            <a:lvl6pPr marL="2514600" indent="-228600" algn="l" defTabSz="914400" rtl="0" eaLnBrk="1" latinLnBrk="0" hangingPunct="1">
+              <a:lnSpc>
+                <a:spcPct val="90000"/>
+              </a:lnSpc>
+              <a:spcBef>
+                <a:spcPts val="500"/>
+              </a:spcBef>
+              <a:buFont typeface="Arial" panose="020B0604020202020204" pitchFamily="34" charset="0"/>
+              <a:buChar char="•"/>
+              <a:defRPr sz="1800" kern="1200">
+                <a:solidFill>
+                  <a:schemeClr val="tx1"/>
+                </a:solidFill>
+                <a:latin typeface="+mn-lt"/>
+                <a:ea typeface="+mn-ea"/>
+                <a:cs typeface="+mn-cs"/>
+              </a:defRPr>
+            </a:lvl6pPr>
+            <a:lvl7pPr marL="2971800" indent="-228600" algn="l" defTabSz="914400" rtl="0" eaLnBrk="1" latinLnBrk="0" hangingPunct="1">
+              <a:lnSpc>
+                <a:spcPct val="90000"/>
+              </a:lnSpc>
+              <a:spcBef>
+                <a:spcPts val="500"/>
+              </a:spcBef>
+              <a:buFont typeface="Arial" panose="020B0604020202020204" pitchFamily="34" charset="0"/>
+              <a:buChar char="•"/>
+              <a:defRPr sz="1800" kern="1200">
+                <a:solidFill>
+                  <a:schemeClr val="tx1"/>
+                </a:solidFill>
+                <a:latin typeface="+mn-lt"/>
+                <a:ea typeface="+mn-ea"/>
+                <a:cs typeface="+mn-cs"/>
+              </a:defRPr>
+            </a:lvl7pPr>
+            <a:lvl8pPr marL="3429000" indent="-228600" algn="l" defTabSz="914400" rtl="0" eaLnBrk="1" latinLnBrk="0" hangingPunct="1">
+              <a:lnSpc>
+                <a:spcPct val="90000"/>
+              </a:lnSpc>
+              <a:spcBef>
+                <a:spcPts val="500"/>
+              </a:spcBef>
+              <a:buFont typeface="Arial" panose="020B0604020202020204" pitchFamily="34" charset="0"/>
+              <a:buChar char="•"/>
+              <a:defRPr sz="1800" kern="1200">
+                <a:solidFill>
+                  <a:schemeClr val="tx1"/>
+                </a:solidFill>
+                <a:latin typeface="+mn-lt"/>
+                <a:ea typeface="+mn-ea"/>
+                <a:cs typeface="+mn-cs"/>
+              </a:defRPr>
+            </a:lvl8pPr>
+            <a:lvl9pPr marL="3886200" indent="-228600" algn="l" defTabSz="914400" rtl="0" eaLnBrk="1" latinLnBrk="0" hangingPunct="1">
+              <a:lnSpc>
+                <a:spcPct val="90000"/>
+              </a:lnSpc>
+              <a:spcBef>
+                <a:spcPts val="500"/>
+              </a:spcBef>
+              <a:buFont typeface="Arial" panose="020B0604020202020204" pitchFamily="34" charset="0"/>
+              <a:buChar char="•"/>
+              <a:defRPr sz="1800" kern="1200">
+                <a:solidFill>
+                  <a:schemeClr val="tx1"/>
+                </a:solidFill>
+                <a:latin typeface="+mn-lt"/>
+                <a:ea typeface="+mn-ea"/>
+                <a:cs typeface="+mn-cs"/>
+              </a:defRPr>
+            </a:lvl9pPr>
+          </a:lstStyle>
+          <a:p>
+            <a:pPr marL="0" indent="0" algn="ctr">
+              <a:buFont typeface="Arial" panose="020B0604020202020204" pitchFamily="34" charset="0"/>
+              <a:buNone/>
+            </a:pPr>
+            <a:r>
+              <a:rPr lang="en-US" sz="2000" b="1" dirty="0">
+                <a:solidFill>
+                  <a:srgbClr val="993300"/>
+                </a:solidFill>
+              </a:rPr>
+              <a:t>Example of Tasks:</a:t>
+            </a:r>
+          </a:p>
+          <a:p>
+            <a:pPr marL="0" indent="0" algn="ctr">
+              <a:buFont typeface="Arial" panose="020B0604020202020204" pitchFamily="34" charset="0"/>
+              <a:buNone/>
+            </a:pPr>
+            <a:endParaRPr lang="en-US" sz="1900" dirty="0"/>
+          </a:p>
+          <a:p>
+            <a:pPr marL="0" indent="0" algn="ctr">
+              <a:buNone/>
+            </a:pPr>
+            <a:r>
+              <a:rPr lang="en-US" sz="2000" dirty="0"/>
+              <a:t>Search offers in a certain street</a:t>
+            </a:r>
+          </a:p>
+          <a:p>
+            <a:pPr marL="0" indent="0" algn="ctr">
+              <a:buNone/>
+            </a:pPr>
+            <a:r>
+              <a:rPr lang="en-US" sz="2000" dirty="0"/>
+              <a:t>Order the offers by price</a:t>
+            </a:r>
+          </a:p>
+          <a:p>
+            <a:pPr marL="0" indent="0" algn="ctr">
+              <a:buNone/>
+            </a:pPr>
+            <a:r>
+              <a:rPr lang="en-US" sz="2000" dirty="0"/>
+              <a:t>Send CV to seller</a:t>
+            </a:r>
+          </a:p>
+          <a:p>
+            <a:pPr marL="0" indent="0" algn="ctr">
+              <a:buFont typeface="Arial" panose="020B0604020202020204" pitchFamily="34" charset="0"/>
+              <a:buNone/>
+            </a:pPr>
+            <a:endParaRPr lang="en-US" sz="2000" dirty="0">
+              <a:solidFill>
+                <a:srgbClr val="993300"/>
+              </a:solidFill>
+            </a:endParaRPr>
+          </a:p>
+        </p:txBody>
+      </p:sp>
+      <p:cxnSp>
+        <p:nvCxnSpPr>
+          <p:cNvPr id="3" name="Straight Arrow Connector 2">
+            <a:extLst>
+              <a:ext uri="{FF2B5EF4-FFF2-40B4-BE49-F238E27FC236}">
+                <a16:creationId xmlns:a16="http://schemas.microsoft.com/office/drawing/2014/main" id="{92B52C55-9B56-3C29-C41F-1591909785C0}"/>
+              </a:ext>
+            </a:extLst>
+          </p:cNvPr>
+          <p:cNvCxnSpPr>
+            <a:cxnSpLocks/>
+          </p:cNvCxnSpPr>
+          <p:nvPr/>
+        </p:nvCxnSpPr>
+        <p:spPr>
+          <a:xfrm>
+            <a:off x="5758543" y="4049486"/>
+            <a:ext cx="1284514" cy="0"/>
+          </a:xfrm>
+          <a:prstGeom prst="straightConnector1">
+            <a:avLst/>
+          </a:prstGeom>
+          <a:ln w="38100">
+            <a:solidFill>
+              <a:srgbClr val="993300"/>
+            </a:solidFill>
+            <a:tailEnd type="triangle"/>
+          </a:ln>
+        </p:spPr>
+        <p:style>
+          <a:lnRef idx="1">
+            <a:schemeClr val="accent1"/>
+          </a:lnRef>
+          <a:fillRef idx="0">
+            <a:schemeClr val="accent1"/>
+          </a:fillRef>
+          <a:effectRef idx="0">
+            <a:schemeClr val="accent1"/>
+          </a:effectRef>
+          <a:fontRef idx="minor">
+            <a:schemeClr val="tx1"/>
+          </a:fontRef>
+        </p:style>
+      </p:cxnSp>
+    </p:spTree>
+    <p:extLst>
+      <p:ext uri="{BB962C8B-B14F-4D97-AF65-F5344CB8AC3E}">
+        <p14:creationId xmlns:p14="http://schemas.microsoft.com/office/powerpoint/2010/main" val="1941788761"/>
+      </p:ext>
+    </p:extLst>
+  </p:cSld>
+  <p:clrMapOvr>
+    <a:masterClrMapping/>
+  </p:clrMapOvr>
+</p:sld>
+</file>
+
+<file path=ppt/slides/slide8.xml><?xml version="1.0" encoding="utf-8"?>
+<p:sld xmlns:a="http://schemas.openxmlformats.org/drawingml/2006/main" xmlns:r="http://schemas.openxmlformats.org/officeDocument/2006/relationships" xmlns:p="http://schemas.openxmlformats.org/presentationml/2006/main">
+  <p:cSld>
+    <p:spTree>
+      <p:nvGrpSpPr>
+        <p:cNvPr id="1" name=""/>
+        <p:cNvGrpSpPr/>
+        <p:nvPr/>
+      </p:nvGrpSpPr>
+      <p:grpSpPr>
+        <a:xfrm>
+          <a:off x="0" y="0"/>
+          <a:ext cx="0" cy="0"/>
+          <a:chOff x="0" y="0"/>
+          <a:chExt cx="0" cy="0"/>
+        </a:xfrm>
+      </p:grpSpPr>
+      <p:pic>
+        <p:nvPicPr>
+          <p:cNvPr id="5" name="Picture 4" descr="A picture containing text, clipart&#10;&#10;Description automatically generated">
+            <a:extLst>
+              <a:ext uri="{FF2B5EF4-FFF2-40B4-BE49-F238E27FC236}">
+                <a16:creationId xmlns:a16="http://schemas.microsoft.com/office/drawing/2014/main" id="{AEEF4F80-6182-437F-8FB9-E546318E1786}"/>
+              </a:ext>
+            </a:extLst>
+          </p:cNvPr>
+          <p:cNvPicPr>
+            <a:picLocks noChangeAspect="1"/>
+          </p:cNvPicPr>
+          <p:nvPr/>
+        </p:nvPicPr>
+        <p:blipFill>
+          <a:blip r:embed="rId3">
+            <a:extLst>
+              <a:ext uri="{28A0092B-C50C-407E-A947-70E740481C1C}">
+                <a14:useLocalDpi xmlns:a14="http://schemas.microsoft.com/office/drawing/2010/main" val="0"/>
+              </a:ext>
+            </a:extLst>
+          </a:blip>
+          <a:stretch>
+            <a:fillRect/>
+          </a:stretch>
+        </p:blipFill>
+        <p:spPr>
+          <a:xfrm>
+            <a:off x="8248817" y="327168"/>
+            <a:ext cx="3640043" cy="1401476"/>
+          </a:xfrm>
+          <a:prstGeom prst="rect">
+            <a:avLst/>
+          </a:prstGeom>
+        </p:spPr>
+      </p:pic>
+      <p:sp>
+        <p:nvSpPr>
+          <p:cNvPr id="6" name="Title 1">
+            <a:extLst>
+              <a:ext uri="{FF2B5EF4-FFF2-40B4-BE49-F238E27FC236}">
+                <a16:creationId xmlns:a16="http://schemas.microsoft.com/office/drawing/2014/main" id="{67EAB101-CB65-4E80-9086-38AF17265C5D}"/>
+              </a:ext>
+            </a:extLst>
+          </p:cNvPr>
+          <p:cNvSpPr txBox="1">
+            <a:spLocks/>
+          </p:cNvSpPr>
+          <p:nvPr/>
+        </p:nvSpPr>
+        <p:spPr>
+          <a:xfrm>
+            <a:off x="704851" y="549440"/>
+            <a:ext cx="7219949" cy="914399"/>
+          </a:xfrm>
+          <a:prstGeom prst="rect">
+            <a:avLst/>
+          </a:prstGeom>
+        </p:spPr>
+        <p:txBody>
+          <a:bodyPr vert="horz" lIns="91440" tIns="45720" rIns="91440" bIns="45720" rtlCol="0" anchor="ctr">
+            <a:normAutofit/>
+          </a:bodyPr>
+          <a:lstStyle>
+            <a:lvl1pPr algn="l" defTabSz="914400" rtl="0" eaLnBrk="1" latinLnBrk="0" hangingPunct="1">
+              <a:lnSpc>
+                <a:spcPct val="90000"/>
+              </a:lnSpc>
+              <a:spcBef>
+                <a:spcPct val="0"/>
+              </a:spcBef>
+              <a:buNone/>
+              <a:defRPr sz="4400" kern="1200">
+                <a:solidFill>
+                  <a:schemeClr val="tx1"/>
+                </a:solidFill>
+                <a:latin typeface="+mj-lt"/>
+                <a:ea typeface="+mj-ea"/>
+                <a:cs typeface="+mj-cs"/>
+              </a:defRPr>
+            </a:lvl1pPr>
+          </a:lstStyle>
+          <a:p>
+            <a:r>
+              <a:rPr lang="en-US" b="1" dirty="0"/>
+              <a:t>Usability Requirements</a:t>
+            </a:r>
+          </a:p>
+        </p:txBody>
+      </p:sp>
+      <p:sp>
+        <p:nvSpPr>
+          <p:cNvPr id="11" name="Content Placeholder 2">
+            <a:extLst>
+              <a:ext uri="{FF2B5EF4-FFF2-40B4-BE49-F238E27FC236}">
+                <a16:creationId xmlns:a16="http://schemas.microsoft.com/office/drawing/2014/main" id="{6AB2115D-5135-CEAE-2998-AD5A7339ADDB}"/>
+              </a:ext>
+            </a:extLst>
+          </p:cNvPr>
+          <p:cNvSpPr txBox="1">
+            <a:spLocks/>
+          </p:cNvSpPr>
+          <p:nvPr/>
+        </p:nvSpPr>
+        <p:spPr>
+          <a:xfrm>
+            <a:off x="761170" y="2079171"/>
+            <a:ext cx="10669660" cy="4451661"/>
+          </a:xfrm>
+          <a:prstGeom prst="rect">
+            <a:avLst/>
+          </a:prstGeom>
+        </p:spPr>
+        <p:txBody>
+          <a:bodyPr vert="horz" lIns="91440" tIns="45720" rIns="91440" bIns="45720" rtlCol="0">
+            <a:normAutofit/>
+          </a:bodyPr>
+          <a:lstStyle>
+            <a:lvl1pPr marL="228600" indent="-228600" algn="l" defTabSz="914400" rtl="0" eaLnBrk="1" latinLnBrk="0" hangingPunct="1">
+              <a:lnSpc>
+                <a:spcPct val="90000"/>
+              </a:lnSpc>
+              <a:spcBef>
+                <a:spcPts val="1000"/>
+              </a:spcBef>
+              <a:buFont typeface="Arial" panose="020B0604020202020204" pitchFamily="34" charset="0"/>
+              <a:buChar char="•"/>
+              <a:defRPr sz="2800" kern="1200">
+                <a:solidFill>
+                  <a:schemeClr val="tx1"/>
+                </a:solidFill>
+                <a:latin typeface="+mn-lt"/>
+                <a:ea typeface="+mn-ea"/>
+                <a:cs typeface="+mn-cs"/>
+              </a:defRPr>
+            </a:lvl1pPr>
+            <a:lvl2pPr marL="685800" indent="-228600" algn="l" defTabSz="914400" rtl="0" eaLnBrk="1" latinLnBrk="0" hangingPunct="1">
+              <a:lnSpc>
+                <a:spcPct val="90000"/>
+              </a:lnSpc>
+              <a:spcBef>
+                <a:spcPts val="500"/>
+              </a:spcBef>
+              <a:buFont typeface="Arial" panose="020B0604020202020204" pitchFamily="34" charset="0"/>
+              <a:buChar char="•"/>
+              <a:defRPr sz="2400" kern="1200">
+                <a:solidFill>
+                  <a:schemeClr val="tx1"/>
+                </a:solidFill>
+                <a:latin typeface="+mn-lt"/>
+                <a:ea typeface="+mn-ea"/>
+                <a:cs typeface="+mn-cs"/>
+              </a:defRPr>
+            </a:lvl2pPr>
+            <a:lvl3pPr marL="1143000" indent="-228600" algn="l" defTabSz="914400" rtl="0" eaLnBrk="1" latinLnBrk="0" hangingPunct="1">
+              <a:lnSpc>
+                <a:spcPct val="90000"/>
+              </a:lnSpc>
+              <a:spcBef>
+                <a:spcPts val="500"/>
+              </a:spcBef>
+              <a:buFont typeface="Arial" panose="020B0604020202020204" pitchFamily="34" charset="0"/>
+              <a:buChar char="•"/>
+              <a:defRPr sz="2000" kern="1200">
+                <a:solidFill>
+                  <a:schemeClr val="tx1"/>
+                </a:solidFill>
+                <a:latin typeface="+mn-lt"/>
+                <a:ea typeface="+mn-ea"/>
+                <a:cs typeface="+mn-cs"/>
+              </a:defRPr>
+            </a:lvl3pPr>
+            <a:lvl4pPr marL="1600200" indent="-228600" algn="l" defTabSz="914400" rtl="0" eaLnBrk="1" latinLnBrk="0" hangingPunct="1">
+              <a:lnSpc>
+                <a:spcPct val="90000"/>
+              </a:lnSpc>
+              <a:spcBef>
+                <a:spcPts val="500"/>
+              </a:spcBef>
+              <a:buFont typeface="Arial" panose="020B0604020202020204" pitchFamily="34" charset="0"/>
+              <a:buChar char="•"/>
+              <a:defRPr sz="1800" kern="1200">
+                <a:solidFill>
+                  <a:schemeClr val="tx1"/>
+                </a:solidFill>
+                <a:latin typeface="+mn-lt"/>
+                <a:ea typeface="+mn-ea"/>
+                <a:cs typeface="+mn-cs"/>
+              </a:defRPr>
+            </a:lvl4pPr>
+            <a:lvl5pPr marL="2057400" indent="-228600" algn="l" defTabSz="914400" rtl="0" eaLnBrk="1" latinLnBrk="0" hangingPunct="1">
+              <a:lnSpc>
+                <a:spcPct val="90000"/>
+              </a:lnSpc>
+              <a:spcBef>
+                <a:spcPts val="500"/>
+              </a:spcBef>
+              <a:buFont typeface="Arial" panose="020B0604020202020204" pitchFamily="34" charset="0"/>
+              <a:buChar char="•"/>
+              <a:defRPr sz="1800" kern="1200">
+                <a:solidFill>
+                  <a:schemeClr val="tx1"/>
+                </a:solidFill>
+                <a:latin typeface="+mn-lt"/>
+                <a:ea typeface="+mn-ea"/>
+                <a:cs typeface="+mn-cs"/>
+              </a:defRPr>
+            </a:lvl5pPr>
+            <a:lvl6pPr marL="2514600" indent="-228600" algn="l" defTabSz="914400" rtl="0" eaLnBrk="1" latinLnBrk="0" hangingPunct="1">
+              <a:lnSpc>
+                <a:spcPct val="90000"/>
+              </a:lnSpc>
+              <a:spcBef>
+                <a:spcPts val="500"/>
+              </a:spcBef>
+              <a:buFont typeface="Arial" panose="020B0604020202020204" pitchFamily="34" charset="0"/>
+              <a:buChar char="•"/>
+              <a:defRPr sz="1800" kern="1200">
+                <a:solidFill>
+                  <a:schemeClr val="tx1"/>
+                </a:solidFill>
+                <a:latin typeface="+mn-lt"/>
+                <a:ea typeface="+mn-ea"/>
+                <a:cs typeface="+mn-cs"/>
+              </a:defRPr>
+            </a:lvl6pPr>
+            <a:lvl7pPr marL="2971800" indent="-228600" algn="l" defTabSz="914400" rtl="0" eaLnBrk="1" latinLnBrk="0" hangingPunct="1">
+              <a:lnSpc>
+                <a:spcPct val="90000"/>
+              </a:lnSpc>
+              <a:spcBef>
+                <a:spcPts val="500"/>
+              </a:spcBef>
+              <a:buFont typeface="Arial" panose="020B0604020202020204" pitchFamily="34" charset="0"/>
+              <a:buChar char="•"/>
+              <a:defRPr sz="1800" kern="1200">
+                <a:solidFill>
+                  <a:schemeClr val="tx1"/>
+                </a:solidFill>
+                <a:latin typeface="+mn-lt"/>
+                <a:ea typeface="+mn-ea"/>
+                <a:cs typeface="+mn-cs"/>
+              </a:defRPr>
+            </a:lvl7pPr>
+            <a:lvl8pPr marL="3429000" indent="-228600" algn="l" defTabSz="914400" rtl="0" eaLnBrk="1" latinLnBrk="0" hangingPunct="1">
+              <a:lnSpc>
+                <a:spcPct val="90000"/>
+              </a:lnSpc>
+              <a:spcBef>
+                <a:spcPts val="500"/>
+              </a:spcBef>
+              <a:buFont typeface="Arial" panose="020B0604020202020204" pitchFamily="34" charset="0"/>
+              <a:buChar char="•"/>
+              <a:defRPr sz="1800" kern="1200">
+                <a:solidFill>
+                  <a:schemeClr val="tx1"/>
+                </a:solidFill>
+                <a:latin typeface="+mn-lt"/>
+                <a:ea typeface="+mn-ea"/>
+                <a:cs typeface="+mn-cs"/>
+              </a:defRPr>
+            </a:lvl8pPr>
+            <a:lvl9pPr marL="3886200" indent="-228600" algn="l" defTabSz="914400" rtl="0" eaLnBrk="1" latinLnBrk="0" hangingPunct="1">
+              <a:lnSpc>
+                <a:spcPct val="90000"/>
+              </a:lnSpc>
+              <a:spcBef>
+                <a:spcPts val="500"/>
+              </a:spcBef>
+              <a:buFont typeface="Arial" panose="020B0604020202020204" pitchFamily="34" charset="0"/>
+              <a:buChar char="•"/>
+              <a:defRPr sz="1800" kern="1200">
+                <a:solidFill>
+                  <a:schemeClr val="tx1"/>
+                </a:solidFill>
+                <a:latin typeface="+mn-lt"/>
+                <a:ea typeface="+mn-ea"/>
+                <a:cs typeface="+mn-cs"/>
+              </a:defRPr>
+            </a:lvl9pPr>
+          </a:lstStyle>
+          <a:p>
+            <a:r>
+              <a:rPr lang="en-US" sz="2000" b="1" dirty="0">
+                <a:solidFill>
+                  <a:srgbClr val="993300"/>
+                </a:solidFill>
+              </a:rPr>
+              <a:t>Efficacy </a:t>
+            </a:r>
+          </a:p>
+          <a:p>
+            <a:pPr marL="0" indent="0">
+              <a:buNone/>
+            </a:pPr>
+            <a:r>
+              <a:rPr lang="en-US" sz="2000" dirty="0"/>
+              <a:t>The use of the platform is carried out intuitively, with only 5% of users making a mistake.</a:t>
+            </a:r>
+          </a:p>
+          <a:p>
+            <a:pPr marL="0" indent="0">
+              <a:buNone/>
+            </a:pPr>
+            <a:r>
+              <a:rPr lang="en-US" sz="2000" dirty="0"/>
+              <a:t> </a:t>
+            </a:r>
+          </a:p>
+          <a:p>
+            <a:r>
+              <a:rPr lang="en-US" sz="2000" b="1" dirty="0">
+                <a:solidFill>
+                  <a:srgbClr val="993300"/>
+                </a:solidFill>
+              </a:rPr>
+              <a:t>Efficiency</a:t>
+            </a:r>
+            <a:r>
+              <a:rPr lang="en-US" sz="2000" dirty="0"/>
+              <a:t> </a:t>
+            </a:r>
+          </a:p>
+          <a:p>
+            <a:pPr marL="0" indent="0">
+              <a:buNone/>
+            </a:pPr>
+            <a:r>
+              <a:rPr lang="en-US" sz="2000" dirty="0"/>
+              <a:t>Users can find an interesting offer in less than 1 minute.</a:t>
+            </a:r>
+          </a:p>
+          <a:p>
+            <a:pPr marL="0" indent="0">
+              <a:buNone/>
+            </a:pPr>
+            <a:endParaRPr lang="en-US" sz="2000" dirty="0"/>
+          </a:p>
+          <a:p>
+            <a:r>
+              <a:rPr lang="en-US" sz="2000" b="1" dirty="0">
+                <a:solidFill>
+                  <a:srgbClr val="993300"/>
+                </a:solidFill>
+              </a:rPr>
+              <a:t>Satisfaction</a:t>
+            </a:r>
+            <a:r>
+              <a:rPr lang="en-US" sz="2000" dirty="0"/>
+              <a:t> </a:t>
+            </a:r>
+          </a:p>
+          <a:p>
+            <a:pPr marL="0" indent="0">
+              <a:buNone/>
+            </a:pPr>
+            <a:r>
+              <a:rPr lang="en-US" sz="2000" dirty="0"/>
+              <a:t>The platform must match the expectations of 95% of new users.</a:t>
+            </a:r>
+          </a:p>
+        </p:txBody>
+      </p:sp>
+    </p:spTree>
+    <p:extLst>
+      <p:ext uri="{BB962C8B-B14F-4D97-AF65-F5344CB8AC3E}">
+        <p14:creationId xmlns:p14="http://schemas.microsoft.com/office/powerpoint/2010/main" val="2720204355"/>
+      </p:ext>
+    </p:extLst>
+  </p:cSld>
+  <p:clrMapOvr>
+    <a:masterClrMapping/>
+  </p:clrMapOvr>
+</p:sld>
+</file>
+
+<file path=ppt/slides/slide9.xml><?xml version="1.0" encoding="utf-8"?>
 <p:sld xmlns:a="http://schemas.openxmlformats.org/drawingml/2006/main" xmlns:r="http://schemas.openxmlformats.org/officeDocument/2006/relationships" xmlns:p="http://schemas.openxmlformats.org/presentationml/2006/main">
   <p:cSld>
     <p:spTree>
@@ -12078,6 +13741,21 @@
 </file>
 
 <file path=customXml/item1.xml><?xml version="1.0" encoding="utf-8"?>
+<p:properties xmlns:p="http://schemas.microsoft.com/office/2006/metadata/properties" xmlns:xsi="http://www.w3.org/2001/XMLSchema-instance" xmlns:pc="http://schemas.microsoft.com/office/infopath/2007/PartnerControls">
+  <documentManagement/>
+</p:properties>
+</file>
+
+<file path=customXml/item2.xml><?xml version="1.0" encoding="utf-8"?>
+<?mso-contentType ?>
+<FormTemplates xmlns="http://schemas.microsoft.com/sharepoint/v3/contenttype/forms">
+  <Display>DocumentLibraryForm</Display>
+  <Edit>DocumentLibraryForm</Edit>
+  <New>DocumentLibraryForm</New>
+</FormTemplates>
+</file>
+
+<file path=customXml/item3.xml><?xml version="1.0" encoding="utf-8"?>
 <ct:contentTypeSchema xmlns:ct="http://schemas.microsoft.com/office/2006/metadata/contentType" xmlns:ma="http://schemas.microsoft.com/office/2006/metadata/properties/metaAttributes" ct:_="" ma:_="" ma:contentTypeName="Documento" ma:contentTypeID="0x01010014BC32AFF3718747B5A2CE47A88F3C6A" ma:contentTypeVersion="2" ma:contentTypeDescription="Criar um novo documento." ma:contentTypeScope="" ma:versionID="fee3d826901bcb9451dce0bbc19dadc3">
   <xsd:schema xmlns:xsd="http://www.w3.org/2001/XMLSchema" xmlns:xs="http://www.w3.org/2001/XMLSchema" xmlns:p="http://schemas.microsoft.com/office/2006/metadata/properties" xmlns:ns3="a47fcd35-67e3-4b66-9352-8d0db098ec50" targetNamespace="http://schemas.microsoft.com/office/2006/metadata/properties" ma:root="true" ma:fieldsID="deb6b73c7f47f6e6612a6af669b62c39" ns3:_="">
     <xsd:import namespace="a47fcd35-67e3-4b66-9352-8d0db098ec50"/>
@@ -12209,22 +13887,31 @@
 </ct:contentTypeSchema>
 </file>
 
-<file path=customXml/item2.xml><?xml version="1.0" encoding="utf-8"?>
-<?mso-contentType ?>
-<FormTemplates xmlns="http://schemas.microsoft.com/sharepoint/v3/contenttype/forms">
-  <Display>DocumentLibraryForm</Display>
-  <Edit>DocumentLibraryForm</Edit>
-  <New>DocumentLibraryForm</New>
-</FormTemplates>
+<file path=customXml/itemProps1.xml><?xml version="1.0" encoding="utf-8"?>
+<ds:datastoreItem xmlns:ds="http://schemas.openxmlformats.org/officeDocument/2006/customXml" ds:itemID="{05E380B0-3793-4519-A034-114F335A5299}">
+  <ds:schemaRefs>
+    <ds:schemaRef ds:uri="http://purl.org/dc/terms/"/>
+    <ds:schemaRef ds:uri="http://schemas.microsoft.com/office/2006/documentManagement/types"/>
+    <ds:schemaRef ds:uri="http://purl.org/dc/elements/1.1/"/>
+    <ds:schemaRef ds:uri="http://schemas.microsoft.com/office/2006/metadata/properties"/>
+    <ds:schemaRef ds:uri="http://purl.org/dc/dcmitype/"/>
+    <ds:schemaRef ds:uri="http://schemas.microsoft.com/office/infopath/2007/PartnerControls"/>
+    <ds:schemaRef ds:uri="http://schemas.openxmlformats.org/package/2006/metadata/core-properties"/>
+    <ds:schemaRef ds:uri="a47fcd35-67e3-4b66-9352-8d0db098ec50"/>
+    <ds:schemaRef ds:uri="http://www.w3.org/XML/1998/namespace"/>
+  </ds:schemaRefs>
+</ds:datastoreItem>
 </file>
 
-<file path=customXml/item3.xml><?xml version="1.0" encoding="utf-8"?>
-<p:properties xmlns:p="http://schemas.microsoft.com/office/2006/metadata/properties" xmlns:xsi="http://www.w3.org/2001/XMLSchema-instance" xmlns:pc="http://schemas.microsoft.com/office/infopath/2007/PartnerControls">
-  <documentManagement/>
-</p:properties>
+<file path=customXml/itemProps2.xml><?xml version="1.0" encoding="utf-8"?>
+<ds:datastoreItem xmlns:ds="http://schemas.openxmlformats.org/officeDocument/2006/customXml" ds:itemID="{76EE102A-C587-47D4-980D-6EF803504572}">
+  <ds:schemaRefs>
+    <ds:schemaRef ds:uri="http://schemas.microsoft.com/sharepoint/v3/contenttype/forms"/>
+  </ds:schemaRefs>
+</ds:datastoreItem>
 </file>
 
-<file path=customXml/itemProps1.xml><?xml version="1.0" encoding="utf-8"?>
+<file path=customXml/itemProps3.xml><?xml version="1.0" encoding="utf-8"?>
 <ds:datastoreItem xmlns:ds="http://schemas.openxmlformats.org/officeDocument/2006/customXml" ds:itemID="{9697E427-2E56-4B40-B661-233DAE44C32F}">
   <ds:schemaRefs>
     <ds:schemaRef ds:uri="http://schemas.microsoft.com/office/2006/metadata/contentType"/>
@@ -12240,28 +13927,4 @@
     <ds:schemaRef ds:uri="http://schemas.microsoft.com/internal/obd"/>
   </ds:schemaRefs>
 </ds:datastoreItem>
-</file>
-
-<file path=customXml/itemProps2.xml><?xml version="1.0" encoding="utf-8"?>
-<ds:datastoreItem xmlns:ds="http://schemas.openxmlformats.org/officeDocument/2006/customXml" ds:itemID="{76EE102A-C587-47D4-980D-6EF803504572}">
-  <ds:schemaRefs>
-    <ds:schemaRef ds:uri="http://schemas.microsoft.com/sharepoint/v3/contenttype/forms"/>
-  </ds:schemaRefs>
-</ds:datastoreItem>
-</file>
-
-<file path=customXml/itemProps3.xml><?xml version="1.0" encoding="utf-8"?>
-<ds:datastoreItem xmlns:ds="http://schemas.openxmlformats.org/officeDocument/2006/customXml" ds:itemID="{05E380B0-3793-4519-A034-114F335A5299}">
-  <ds:schemaRefs>
-    <ds:schemaRef ds:uri="http://purl.org/dc/terms/"/>
-    <ds:schemaRef ds:uri="http://schemas.microsoft.com/office/2006/documentManagement/types"/>
-    <ds:schemaRef ds:uri="http://purl.org/dc/elements/1.1/"/>
-    <ds:schemaRef ds:uri="http://schemas.microsoft.com/office/2006/metadata/properties"/>
-    <ds:schemaRef ds:uri="http://purl.org/dc/dcmitype/"/>
-    <ds:schemaRef ds:uri="http://schemas.microsoft.com/office/infopath/2007/PartnerControls"/>
-    <ds:schemaRef ds:uri="http://schemas.openxmlformats.org/package/2006/metadata/core-properties"/>
-    <ds:schemaRef ds:uri="a47fcd35-67e3-4b66-9352-8d0db098ec50"/>
-    <ds:schemaRef ds:uri="http://www.w3.org/XML/1998/namespace"/>
-  </ds:schemaRefs>
-</ds:datastoreItem>
 </file>
--- a/IPC.pptx
+++ b/IPC.pptx
@@ -5,18 +5,20 @@
     <p:sldMasterId id="2147483648" r:id="rId4"/>
   </p:sldMasterIdLst>
   <p:notesMasterIdLst>
-    <p:notesMasterId r:id="rId14"/>
+    <p:notesMasterId r:id="rId16"/>
   </p:notesMasterIdLst>
   <p:sldIdLst>
     <p:sldId id="256" r:id="rId5"/>
     <p:sldId id="257" r:id="rId6"/>
     <p:sldId id="288" r:id="rId7"/>
-    <p:sldId id="290" r:id="rId8"/>
-    <p:sldId id="292" r:id="rId9"/>
-    <p:sldId id="293" r:id="rId10"/>
-    <p:sldId id="295" r:id="rId11"/>
-    <p:sldId id="294" r:id="rId12"/>
-    <p:sldId id="291" r:id="rId13"/>
+    <p:sldId id="297" r:id="rId8"/>
+    <p:sldId id="290" r:id="rId9"/>
+    <p:sldId id="292" r:id="rId10"/>
+    <p:sldId id="293" r:id="rId11"/>
+    <p:sldId id="295" r:id="rId12"/>
+    <p:sldId id="294" r:id="rId13"/>
+    <p:sldId id="296" r:id="rId14"/>
+    <p:sldId id="291" r:id="rId15"/>
   </p:sldIdLst>
   <p:sldSz cx="12192000" cy="6858000"/>
   <p:notesSz cx="6858000" cy="9144000"/>
@@ -205,7 +207,7 @@
           <a:p>
             <a:fld id="{4F6590E9-5A00-4A04-B416-3F52BBF3A723}" type="datetimeFigureOut">
               <a:rPr lang="en-GB" smtClean="0"/>
-              <a:t>11/10/2022</a:t>
+              <a:t>12/10/2022</a:t>
             </a:fld>
             <a:endParaRPr lang="en-GB"/>
           </a:p>
@@ -538,7 +540,7 @@
           <a:p>
             <a:fld id="{906F7766-1CC8-4293-8AE3-F91239FA91DA}" type="slidenum">
               <a:rPr lang="en-GB" smtClean="0"/>
-              <a:t>5</a:t>
+              <a:t>6</a:t>
             </a:fld>
             <a:endParaRPr lang="en-GB"/>
           </a:p>
@@ -622,7 +624,7 @@
           <a:p>
             <a:fld id="{906F7766-1CC8-4293-8AE3-F91239FA91DA}" type="slidenum">
               <a:rPr lang="en-GB" smtClean="0"/>
-              <a:t>6</a:t>
+              <a:t>7</a:t>
             </a:fld>
             <a:endParaRPr lang="en-GB"/>
           </a:p>
@@ -706,7 +708,7 @@
           <a:p>
             <a:fld id="{906F7766-1CC8-4293-8AE3-F91239FA91DA}" type="slidenum">
               <a:rPr lang="en-GB" smtClean="0"/>
-              <a:t>7</a:t>
+              <a:t>8</a:t>
             </a:fld>
             <a:endParaRPr lang="en-GB"/>
           </a:p>
@@ -790,7 +792,7 @@
           <a:p>
             <a:fld id="{906F7766-1CC8-4293-8AE3-F91239FA91DA}" type="slidenum">
               <a:rPr lang="en-GB" smtClean="0"/>
-              <a:t>8</a:t>
+              <a:t>9</a:t>
             </a:fld>
             <a:endParaRPr lang="en-GB"/>
           </a:p>
@@ -800,6 +802,90 @@
     <p:extLst>
       <p:ext uri="{BB962C8B-B14F-4D97-AF65-F5344CB8AC3E}">
         <p14:creationId xmlns:p14="http://schemas.microsoft.com/office/powerpoint/2010/main" val="3675151245"/>
+      </p:ext>
+    </p:extLst>
+  </p:cSld>
+  <p:clrMapOvr>
+    <a:masterClrMapping/>
+  </p:clrMapOvr>
+</p:notes>
+</file>
+
+<file path=ppt/notesSlides/notesSlide5.xml><?xml version="1.0" encoding="utf-8"?>
+<p:notes xmlns:a="http://schemas.openxmlformats.org/drawingml/2006/main" xmlns:r="http://schemas.openxmlformats.org/officeDocument/2006/relationships" xmlns:p="http://schemas.openxmlformats.org/presentationml/2006/main">
+  <p:cSld>
+    <p:spTree>
+      <p:nvGrpSpPr>
+        <p:cNvPr id="1" name=""/>
+        <p:cNvGrpSpPr/>
+        <p:nvPr/>
+      </p:nvGrpSpPr>
+      <p:grpSpPr>
+        <a:xfrm>
+          <a:off x="0" y="0"/>
+          <a:ext cx="0" cy="0"/>
+          <a:chOff x="0" y="0"/>
+          <a:chExt cx="0" cy="0"/>
+        </a:xfrm>
+      </p:grpSpPr>
+      <p:sp>
+        <p:nvSpPr>
+          <p:cNvPr id="2" name="Slide Image Placeholder 1"/>
+          <p:cNvSpPr>
+            <a:spLocks noGrp="1" noRot="1" noChangeAspect="1"/>
+          </p:cNvSpPr>
+          <p:nvPr>
+            <p:ph type="sldImg"/>
+          </p:nvPr>
+        </p:nvSpPr>
+        <p:spPr/>
+      </p:sp>
+      <p:sp>
+        <p:nvSpPr>
+          <p:cNvPr id="3" name="Notes Placeholder 2"/>
+          <p:cNvSpPr>
+            <a:spLocks noGrp="1"/>
+          </p:cNvSpPr>
+          <p:nvPr>
+            <p:ph type="body" idx="1"/>
+          </p:nvPr>
+        </p:nvSpPr>
+        <p:spPr/>
+        <p:txBody>
+          <a:bodyPr/>
+          <a:lstStyle/>
+          <a:p>
+            <a:endParaRPr lang="en-GB" dirty="0"/>
+          </a:p>
+        </p:txBody>
+      </p:sp>
+      <p:sp>
+        <p:nvSpPr>
+          <p:cNvPr id="4" name="Slide Number Placeholder 3"/>
+          <p:cNvSpPr>
+            <a:spLocks noGrp="1"/>
+          </p:cNvSpPr>
+          <p:nvPr>
+            <p:ph type="sldNum" sz="quarter" idx="5"/>
+          </p:nvPr>
+        </p:nvSpPr>
+        <p:spPr/>
+        <p:txBody>
+          <a:bodyPr/>
+          <a:lstStyle/>
+          <a:p>
+            <a:fld id="{906F7766-1CC8-4293-8AE3-F91239FA91DA}" type="slidenum">
+              <a:rPr lang="en-GB" smtClean="0"/>
+              <a:t>10</a:t>
+            </a:fld>
+            <a:endParaRPr lang="en-GB"/>
+          </a:p>
+        </p:txBody>
+      </p:sp>
+    </p:spTree>
+    <p:extLst>
+      <p:ext uri="{BB962C8B-B14F-4D97-AF65-F5344CB8AC3E}">
+        <p14:creationId xmlns:p14="http://schemas.microsoft.com/office/powerpoint/2010/main" val="110374527"/>
       </p:ext>
     </p:extLst>
   </p:cSld>
@@ -956,7 +1042,7 @@
           <a:p>
             <a:fld id="{6422C9F5-CE6F-4BEE-84C2-81E4985345AA}" type="datetimeFigureOut">
               <a:rPr lang="en-US" smtClean="0"/>
-              <a:t>10/11/2022</a:t>
+              <a:t>10/12/2022</a:t>
             </a:fld>
             <a:endParaRPr lang="en-US"/>
           </a:p>
@@ -1154,7 +1240,7 @@
           <a:p>
             <a:fld id="{6422C9F5-CE6F-4BEE-84C2-81E4985345AA}" type="datetimeFigureOut">
               <a:rPr lang="en-US" smtClean="0"/>
-              <a:t>10/11/2022</a:t>
+              <a:t>10/12/2022</a:t>
             </a:fld>
             <a:endParaRPr lang="en-US"/>
           </a:p>
@@ -1362,7 +1448,7 @@
           <a:p>
             <a:fld id="{6422C9F5-CE6F-4BEE-84C2-81E4985345AA}" type="datetimeFigureOut">
               <a:rPr lang="en-US" smtClean="0"/>
-              <a:t>10/11/2022</a:t>
+              <a:t>10/12/2022</a:t>
             </a:fld>
             <a:endParaRPr lang="en-US"/>
           </a:p>
@@ -1560,7 +1646,7 @@
           <a:p>
             <a:fld id="{6422C9F5-CE6F-4BEE-84C2-81E4985345AA}" type="datetimeFigureOut">
               <a:rPr lang="en-US" smtClean="0"/>
-              <a:t>10/11/2022</a:t>
+              <a:t>10/12/2022</a:t>
             </a:fld>
             <a:endParaRPr lang="en-US"/>
           </a:p>
@@ -1835,7 +1921,7 @@
           <a:p>
             <a:fld id="{6422C9F5-CE6F-4BEE-84C2-81E4985345AA}" type="datetimeFigureOut">
               <a:rPr lang="en-US" smtClean="0"/>
-              <a:t>10/11/2022</a:t>
+              <a:t>10/12/2022</a:t>
             </a:fld>
             <a:endParaRPr lang="en-US"/>
           </a:p>
@@ -2100,7 +2186,7 @@
           <a:p>
             <a:fld id="{6422C9F5-CE6F-4BEE-84C2-81E4985345AA}" type="datetimeFigureOut">
               <a:rPr lang="en-US" smtClean="0"/>
-              <a:t>10/11/2022</a:t>
+              <a:t>10/12/2022</a:t>
             </a:fld>
             <a:endParaRPr lang="en-US"/>
           </a:p>
@@ -2512,7 +2598,7 @@
           <a:p>
             <a:fld id="{6422C9F5-CE6F-4BEE-84C2-81E4985345AA}" type="datetimeFigureOut">
               <a:rPr lang="en-US" smtClean="0"/>
-              <a:t>10/11/2022</a:t>
+              <a:t>10/12/2022</a:t>
             </a:fld>
             <a:endParaRPr lang="en-US"/>
           </a:p>
@@ -2653,7 +2739,7 @@
           <a:p>
             <a:fld id="{6422C9F5-CE6F-4BEE-84C2-81E4985345AA}" type="datetimeFigureOut">
               <a:rPr lang="en-US" smtClean="0"/>
-              <a:t>10/11/2022</a:t>
+              <a:t>10/12/2022</a:t>
             </a:fld>
             <a:endParaRPr lang="en-US"/>
           </a:p>
@@ -2766,7 +2852,7 @@
           <a:p>
             <a:fld id="{6422C9F5-CE6F-4BEE-84C2-81E4985345AA}" type="datetimeFigureOut">
               <a:rPr lang="en-US" smtClean="0"/>
-              <a:t>10/11/2022</a:t>
+              <a:t>10/12/2022</a:t>
             </a:fld>
             <a:endParaRPr lang="en-US"/>
           </a:p>
@@ -3077,7 +3163,7 @@
           <a:p>
             <a:fld id="{6422C9F5-CE6F-4BEE-84C2-81E4985345AA}" type="datetimeFigureOut">
               <a:rPr lang="en-US" smtClean="0"/>
-              <a:t>10/11/2022</a:t>
+              <a:t>10/12/2022</a:t>
             </a:fld>
             <a:endParaRPr lang="en-US"/>
           </a:p>
@@ -3365,7 +3451,7 @@
           <a:p>
             <a:fld id="{6422C9F5-CE6F-4BEE-84C2-81E4985345AA}" type="datetimeFigureOut">
               <a:rPr lang="en-US" smtClean="0"/>
-              <a:t>10/11/2022</a:t>
+              <a:t>10/12/2022</a:t>
             </a:fld>
             <a:endParaRPr lang="en-US"/>
           </a:p>
@@ -3606,7 +3692,7 @@
           <a:p>
             <a:fld id="{6422C9F5-CE6F-4BEE-84C2-81E4985345AA}" type="datetimeFigureOut">
               <a:rPr lang="en-US" smtClean="0"/>
-              <a:t>10/11/2022</a:t>
+              <a:t>10/12/2022</a:t>
             </a:fld>
             <a:endParaRPr lang="en-US"/>
           </a:p>
@@ -4675,6 +4761,2628 @@
 </p:sld>
 </file>
 
+<file path=ppt/slides/slide10.xml><?xml version="1.0" encoding="utf-8"?>
+<p:sld xmlns:a="http://schemas.openxmlformats.org/drawingml/2006/main" xmlns:r="http://schemas.openxmlformats.org/officeDocument/2006/relationships" xmlns:p="http://schemas.openxmlformats.org/presentationml/2006/main">
+  <p:cSld>
+    <p:spTree>
+      <p:nvGrpSpPr>
+        <p:cNvPr id="1" name=""/>
+        <p:cNvGrpSpPr/>
+        <p:nvPr/>
+      </p:nvGrpSpPr>
+      <p:grpSpPr>
+        <a:xfrm>
+          <a:off x="0" y="0"/>
+          <a:ext cx="0" cy="0"/>
+          <a:chOff x="0" y="0"/>
+          <a:chExt cx="0" cy="0"/>
+        </a:xfrm>
+      </p:grpSpPr>
+      <p:pic>
+        <p:nvPicPr>
+          <p:cNvPr id="5" name="Picture 4" descr="A picture containing text, clipart&#10;&#10;Description automatically generated">
+            <a:extLst>
+              <a:ext uri="{FF2B5EF4-FFF2-40B4-BE49-F238E27FC236}">
+                <a16:creationId xmlns:a16="http://schemas.microsoft.com/office/drawing/2014/main" id="{AEEF4F80-6182-437F-8FB9-E546318E1786}"/>
+              </a:ext>
+            </a:extLst>
+          </p:cNvPr>
+          <p:cNvPicPr>
+            <a:picLocks noChangeAspect="1"/>
+          </p:cNvPicPr>
+          <p:nvPr/>
+        </p:nvPicPr>
+        <p:blipFill>
+          <a:blip r:embed="rId3">
+            <a:extLst>
+              <a:ext uri="{28A0092B-C50C-407E-A947-70E740481C1C}">
+                <a14:useLocalDpi xmlns:a14="http://schemas.microsoft.com/office/drawing/2010/main" val="0"/>
+              </a:ext>
+            </a:extLst>
+          </a:blip>
+          <a:stretch>
+            <a:fillRect/>
+          </a:stretch>
+        </p:blipFill>
+        <p:spPr>
+          <a:xfrm>
+            <a:off x="8248817" y="327168"/>
+            <a:ext cx="3640043" cy="1401476"/>
+          </a:xfrm>
+          <a:prstGeom prst="rect">
+            <a:avLst/>
+          </a:prstGeom>
+        </p:spPr>
+      </p:pic>
+      <p:sp>
+        <p:nvSpPr>
+          <p:cNvPr id="6" name="Title 1">
+            <a:extLst>
+              <a:ext uri="{FF2B5EF4-FFF2-40B4-BE49-F238E27FC236}">
+                <a16:creationId xmlns:a16="http://schemas.microsoft.com/office/drawing/2014/main" id="{67EAB101-CB65-4E80-9086-38AF17265C5D}"/>
+              </a:ext>
+            </a:extLst>
+          </p:cNvPr>
+          <p:cNvSpPr txBox="1">
+            <a:spLocks/>
+          </p:cNvSpPr>
+          <p:nvPr/>
+        </p:nvSpPr>
+        <p:spPr>
+          <a:xfrm>
+            <a:off x="704851" y="549440"/>
+            <a:ext cx="7219949" cy="914399"/>
+          </a:xfrm>
+          <a:prstGeom prst="rect">
+            <a:avLst/>
+          </a:prstGeom>
+        </p:spPr>
+        <p:txBody>
+          <a:bodyPr vert="horz" lIns="91440" tIns="45720" rIns="91440" bIns="45720" rtlCol="0" anchor="ctr">
+            <a:normAutofit/>
+          </a:bodyPr>
+          <a:lstStyle>
+            <a:lvl1pPr algn="l" defTabSz="914400" rtl="0" eaLnBrk="1" latinLnBrk="0" hangingPunct="1">
+              <a:lnSpc>
+                <a:spcPct val="90000"/>
+              </a:lnSpc>
+              <a:spcBef>
+                <a:spcPct val="0"/>
+              </a:spcBef>
+              <a:buNone/>
+              <a:defRPr sz="4400" kern="1200">
+                <a:solidFill>
+                  <a:schemeClr val="tx1"/>
+                </a:solidFill>
+                <a:latin typeface="+mj-lt"/>
+                <a:ea typeface="+mj-ea"/>
+                <a:cs typeface="+mj-cs"/>
+              </a:defRPr>
+            </a:lvl1pPr>
+          </a:lstStyle>
+          <a:p>
+            <a:r>
+              <a:rPr lang="en-US" b="1" dirty="0"/>
+              <a:t>Conceptual Model</a:t>
+            </a:r>
+          </a:p>
+        </p:txBody>
+      </p:sp>
+      <p:sp>
+        <p:nvSpPr>
+          <p:cNvPr id="11" name="Content Placeholder 2">
+            <a:extLst>
+              <a:ext uri="{FF2B5EF4-FFF2-40B4-BE49-F238E27FC236}">
+                <a16:creationId xmlns:a16="http://schemas.microsoft.com/office/drawing/2014/main" id="{6AB2115D-5135-CEAE-2998-AD5A7339ADDB}"/>
+              </a:ext>
+            </a:extLst>
+          </p:cNvPr>
+          <p:cNvSpPr txBox="1">
+            <a:spLocks/>
+          </p:cNvSpPr>
+          <p:nvPr/>
+        </p:nvSpPr>
+        <p:spPr>
+          <a:xfrm>
+            <a:off x="1102256" y="2290309"/>
+            <a:ext cx="4478487" cy="1817915"/>
+          </a:xfrm>
+          <a:prstGeom prst="rect">
+            <a:avLst/>
+          </a:prstGeom>
+        </p:spPr>
+        <p:txBody>
+          <a:bodyPr vert="horz" lIns="91440" tIns="45720" rIns="91440" bIns="45720" rtlCol="0">
+            <a:normAutofit/>
+          </a:bodyPr>
+          <a:lstStyle>
+            <a:lvl1pPr marL="228600" indent="-228600" algn="l" defTabSz="914400" rtl="0" eaLnBrk="1" latinLnBrk="0" hangingPunct="1">
+              <a:lnSpc>
+                <a:spcPct val="90000"/>
+              </a:lnSpc>
+              <a:spcBef>
+                <a:spcPts val="1000"/>
+              </a:spcBef>
+              <a:buFont typeface="Arial" panose="020B0604020202020204" pitchFamily="34" charset="0"/>
+              <a:buChar char="•"/>
+              <a:defRPr sz="2800" kern="1200">
+                <a:solidFill>
+                  <a:schemeClr val="tx1"/>
+                </a:solidFill>
+                <a:latin typeface="+mn-lt"/>
+                <a:ea typeface="+mn-ea"/>
+                <a:cs typeface="+mn-cs"/>
+              </a:defRPr>
+            </a:lvl1pPr>
+            <a:lvl2pPr marL="685800" indent="-228600" algn="l" defTabSz="914400" rtl="0" eaLnBrk="1" latinLnBrk="0" hangingPunct="1">
+              <a:lnSpc>
+                <a:spcPct val="90000"/>
+              </a:lnSpc>
+              <a:spcBef>
+                <a:spcPts val="500"/>
+              </a:spcBef>
+              <a:buFont typeface="Arial" panose="020B0604020202020204" pitchFamily="34" charset="0"/>
+              <a:buChar char="•"/>
+              <a:defRPr sz="2400" kern="1200">
+                <a:solidFill>
+                  <a:schemeClr val="tx1"/>
+                </a:solidFill>
+                <a:latin typeface="+mn-lt"/>
+                <a:ea typeface="+mn-ea"/>
+                <a:cs typeface="+mn-cs"/>
+              </a:defRPr>
+            </a:lvl2pPr>
+            <a:lvl3pPr marL="1143000" indent="-228600" algn="l" defTabSz="914400" rtl="0" eaLnBrk="1" latinLnBrk="0" hangingPunct="1">
+              <a:lnSpc>
+                <a:spcPct val="90000"/>
+              </a:lnSpc>
+              <a:spcBef>
+                <a:spcPts val="500"/>
+              </a:spcBef>
+              <a:buFont typeface="Arial" panose="020B0604020202020204" pitchFamily="34" charset="0"/>
+              <a:buChar char="•"/>
+              <a:defRPr sz="2000" kern="1200">
+                <a:solidFill>
+                  <a:schemeClr val="tx1"/>
+                </a:solidFill>
+                <a:latin typeface="+mn-lt"/>
+                <a:ea typeface="+mn-ea"/>
+                <a:cs typeface="+mn-cs"/>
+              </a:defRPr>
+            </a:lvl3pPr>
+            <a:lvl4pPr marL="1600200" indent="-228600" algn="l" defTabSz="914400" rtl="0" eaLnBrk="1" latinLnBrk="0" hangingPunct="1">
+              <a:lnSpc>
+                <a:spcPct val="90000"/>
+              </a:lnSpc>
+              <a:spcBef>
+                <a:spcPts val="500"/>
+              </a:spcBef>
+              <a:buFont typeface="Arial" panose="020B0604020202020204" pitchFamily="34" charset="0"/>
+              <a:buChar char="•"/>
+              <a:defRPr sz="1800" kern="1200">
+                <a:solidFill>
+                  <a:schemeClr val="tx1"/>
+                </a:solidFill>
+                <a:latin typeface="+mn-lt"/>
+                <a:ea typeface="+mn-ea"/>
+                <a:cs typeface="+mn-cs"/>
+              </a:defRPr>
+            </a:lvl4pPr>
+            <a:lvl5pPr marL="2057400" indent="-228600" algn="l" defTabSz="914400" rtl="0" eaLnBrk="1" latinLnBrk="0" hangingPunct="1">
+              <a:lnSpc>
+                <a:spcPct val="90000"/>
+              </a:lnSpc>
+              <a:spcBef>
+                <a:spcPts val="500"/>
+              </a:spcBef>
+              <a:buFont typeface="Arial" panose="020B0604020202020204" pitchFamily="34" charset="0"/>
+              <a:buChar char="•"/>
+              <a:defRPr sz="1800" kern="1200">
+                <a:solidFill>
+                  <a:schemeClr val="tx1"/>
+                </a:solidFill>
+                <a:latin typeface="+mn-lt"/>
+                <a:ea typeface="+mn-ea"/>
+                <a:cs typeface="+mn-cs"/>
+              </a:defRPr>
+            </a:lvl5pPr>
+            <a:lvl6pPr marL="2514600" indent="-228600" algn="l" defTabSz="914400" rtl="0" eaLnBrk="1" latinLnBrk="0" hangingPunct="1">
+              <a:lnSpc>
+                <a:spcPct val="90000"/>
+              </a:lnSpc>
+              <a:spcBef>
+                <a:spcPts val="500"/>
+              </a:spcBef>
+              <a:buFont typeface="Arial" panose="020B0604020202020204" pitchFamily="34" charset="0"/>
+              <a:buChar char="•"/>
+              <a:defRPr sz="1800" kern="1200">
+                <a:solidFill>
+                  <a:schemeClr val="tx1"/>
+                </a:solidFill>
+                <a:latin typeface="+mn-lt"/>
+                <a:ea typeface="+mn-ea"/>
+                <a:cs typeface="+mn-cs"/>
+              </a:defRPr>
+            </a:lvl6pPr>
+            <a:lvl7pPr marL="2971800" indent="-228600" algn="l" defTabSz="914400" rtl="0" eaLnBrk="1" latinLnBrk="0" hangingPunct="1">
+              <a:lnSpc>
+                <a:spcPct val="90000"/>
+              </a:lnSpc>
+              <a:spcBef>
+                <a:spcPts val="500"/>
+              </a:spcBef>
+              <a:buFont typeface="Arial" panose="020B0604020202020204" pitchFamily="34" charset="0"/>
+              <a:buChar char="•"/>
+              <a:defRPr sz="1800" kern="1200">
+                <a:solidFill>
+                  <a:schemeClr val="tx1"/>
+                </a:solidFill>
+                <a:latin typeface="+mn-lt"/>
+                <a:ea typeface="+mn-ea"/>
+                <a:cs typeface="+mn-cs"/>
+              </a:defRPr>
+            </a:lvl7pPr>
+            <a:lvl8pPr marL="3429000" indent="-228600" algn="l" defTabSz="914400" rtl="0" eaLnBrk="1" latinLnBrk="0" hangingPunct="1">
+              <a:lnSpc>
+                <a:spcPct val="90000"/>
+              </a:lnSpc>
+              <a:spcBef>
+                <a:spcPts val="500"/>
+              </a:spcBef>
+              <a:buFont typeface="Arial" panose="020B0604020202020204" pitchFamily="34" charset="0"/>
+              <a:buChar char="•"/>
+              <a:defRPr sz="1800" kern="1200">
+                <a:solidFill>
+                  <a:schemeClr val="tx1"/>
+                </a:solidFill>
+                <a:latin typeface="+mn-lt"/>
+                <a:ea typeface="+mn-ea"/>
+                <a:cs typeface="+mn-cs"/>
+              </a:defRPr>
+            </a:lvl8pPr>
+            <a:lvl9pPr marL="3886200" indent="-228600" algn="l" defTabSz="914400" rtl="0" eaLnBrk="1" latinLnBrk="0" hangingPunct="1">
+              <a:lnSpc>
+                <a:spcPct val="90000"/>
+              </a:lnSpc>
+              <a:spcBef>
+                <a:spcPts val="500"/>
+              </a:spcBef>
+              <a:buFont typeface="Arial" panose="020B0604020202020204" pitchFamily="34" charset="0"/>
+              <a:buChar char="•"/>
+              <a:defRPr sz="1800" kern="1200">
+                <a:solidFill>
+                  <a:schemeClr val="tx1"/>
+                </a:solidFill>
+                <a:latin typeface="+mn-lt"/>
+                <a:ea typeface="+mn-ea"/>
+                <a:cs typeface="+mn-cs"/>
+              </a:defRPr>
+            </a:lvl9pPr>
+          </a:lstStyle>
+          <a:p>
+            <a:pPr marL="0" indent="0" algn="ctr">
+              <a:buNone/>
+            </a:pPr>
+            <a:r>
+              <a:rPr lang="en-US" sz="2000" b="1" dirty="0">
+                <a:solidFill>
+                  <a:srgbClr val="993300"/>
+                </a:solidFill>
+              </a:rPr>
+              <a:t>Objects </a:t>
+            </a:r>
+          </a:p>
+          <a:p>
+            <a:pPr marL="0" indent="0">
+              <a:buNone/>
+            </a:pPr>
+            <a:r>
+              <a:rPr lang="en-US" sz="2000" dirty="0"/>
+              <a:t>user (name, contact, student)</a:t>
+            </a:r>
+          </a:p>
+          <a:p>
+            <a:pPr marL="0" indent="0">
+              <a:buNone/>
+            </a:pPr>
+            <a:r>
+              <a:rPr lang="en-US" sz="2000" dirty="0"/>
+              <a:t>job posting (description, pay, hours)</a:t>
+            </a:r>
+          </a:p>
+          <a:p>
+            <a:pPr marL="0" indent="0">
+              <a:buNone/>
+            </a:pPr>
+            <a:r>
+              <a:rPr lang="en-US" sz="2000" dirty="0"/>
+              <a:t>room posting (description, cost, location)</a:t>
+            </a:r>
+          </a:p>
+        </p:txBody>
+      </p:sp>
+      <p:sp>
+        <p:nvSpPr>
+          <p:cNvPr id="2" name="Content Placeholder 2">
+            <a:extLst>
+              <a:ext uri="{FF2B5EF4-FFF2-40B4-BE49-F238E27FC236}">
+                <a16:creationId xmlns:a16="http://schemas.microsoft.com/office/drawing/2014/main" id="{28714954-BF41-B931-E746-B2476C4C3460}"/>
+              </a:ext>
+            </a:extLst>
+          </p:cNvPr>
+          <p:cNvSpPr txBox="1">
+            <a:spLocks/>
+          </p:cNvSpPr>
+          <p:nvPr/>
+        </p:nvSpPr>
+        <p:spPr>
+          <a:xfrm>
+            <a:off x="7136985" y="2130652"/>
+            <a:ext cx="3640043" cy="2137230"/>
+          </a:xfrm>
+          <a:prstGeom prst="rect">
+            <a:avLst/>
+          </a:prstGeom>
+        </p:spPr>
+        <p:txBody>
+          <a:bodyPr vert="horz" lIns="91440" tIns="45720" rIns="91440" bIns="45720" rtlCol="0">
+            <a:normAutofit/>
+          </a:bodyPr>
+          <a:lstStyle>
+            <a:lvl1pPr marL="228600" indent="-228600" algn="l" defTabSz="914400" rtl="0" eaLnBrk="1" latinLnBrk="0" hangingPunct="1">
+              <a:lnSpc>
+                <a:spcPct val="90000"/>
+              </a:lnSpc>
+              <a:spcBef>
+                <a:spcPts val="1000"/>
+              </a:spcBef>
+              <a:buFont typeface="Arial" panose="020B0604020202020204" pitchFamily="34" charset="0"/>
+              <a:buChar char="•"/>
+              <a:defRPr sz="2800" kern="1200">
+                <a:solidFill>
+                  <a:schemeClr val="tx1"/>
+                </a:solidFill>
+                <a:latin typeface="+mn-lt"/>
+                <a:ea typeface="+mn-ea"/>
+                <a:cs typeface="+mn-cs"/>
+              </a:defRPr>
+            </a:lvl1pPr>
+            <a:lvl2pPr marL="685800" indent="-228600" algn="l" defTabSz="914400" rtl="0" eaLnBrk="1" latinLnBrk="0" hangingPunct="1">
+              <a:lnSpc>
+                <a:spcPct val="90000"/>
+              </a:lnSpc>
+              <a:spcBef>
+                <a:spcPts val="500"/>
+              </a:spcBef>
+              <a:buFont typeface="Arial" panose="020B0604020202020204" pitchFamily="34" charset="0"/>
+              <a:buChar char="•"/>
+              <a:defRPr sz="2400" kern="1200">
+                <a:solidFill>
+                  <a:schemeClr val="tx1"/>
+                </a:solidFill>
+                <a:latin typeface="+mn-lt"/>
+                <a:ea typeface="+mn-ea"/>
+                <a:cs typeface="+mn-cs"/>
+              </a:defRPr>
+            </a:lvl2pPr>
+            <a:lvl3pPr marL="1143000" indent="-228600" algn="l" defTabSz="914400" rtl="0" eaLnBrk="1" latinLnBrk="0" hangingPunct="1">
+              <a:lnSpc>
+                <a:spcPct val="90000"/>
+              </a:lnSpc>
+              <a:spcBef>
+                <a:spcPts val="500"/>
+              </a:spcBef>
+              <a:buFont typeface="Arial" panose="020B0604020202020204" pitchFamily="34" charset="0"/>
+              <a:buChar char="•"/>
+              <a:defRPr sz="2000" kern="1200">
+                <a:solidFill>
+                  <a:schemeClr val="tx1"/>
+                </a:solidFill>
+                <a:latin typeface="+mn-lt"/>
+                <a:ea typeface="+mn-ea"/>
+                <a:cs typeface="+mn-cs"/>
+              </a:defRPr>
+            </a:lvl3pPr>
+            <a:lvl4pPr marL="1600200" indent="-228600" algn="l" defTabSz="914400" rtl="0" eaLnBrk="1" latinLnBrk="0" hangingPunct="1">
+              <a:lnSpc>
+                <a:spcPct val="90000"/>
+              </a:lnSpc>
+              <a:spcBef>
+                <a:spcPts val="500"/>
+              </a:spcBef>
+              <a:buFont typeface="Arial" panose="020B0604020202020204" pitchFamily="34" charset="0"/>
+              <a:buChar char="•"/>
+              <a:defRPr sz="1800" kern="1200">
+                <a:solidFill>
+                  <a:schemeClr val="tx1"/>
+                </a:solidFill>
+                <a:latin typeface="+mn-lt"/>
+                <a:ea typeface="+mn-ea"/>
+                <a:cs typeface="+mn-cs"/>
+              </a:defRPr>
+            </a:lvl4pPr>
+            <a:lvl5pPr marL="2057400" indent="-228600" algn="l" defTabSz="914400" rtl="0" eaLnBrk="1" latinLnBrk="0" hangingPunct="1">
+              <a:lnSpc>
+                <a:spcPct val="90000"/>
+              </a:lnSpc>
+              <a:spcBef>
+                <a:spcPts val="500"/>
+              </a:spcBef>
+              <a:buFont typeface="Arial" panose="020B0604020202020204" pitchFamily="34" charset="0"/>
+              <a:buChar char="•"/>
+              <a:defRPr sz="1800" kern="1200">
+                <a:solidFill>
+                  <a:schemeClr val="tx1"/>
+                </a:solidFill>
+                <a:latin typeface="+mn-lt"/>
+                <a:ea typeface="+mn-ea"/>
+                <a:cs typeface="+mn-cs"/>
+              </a:defRPr>
+            </a:lvl5pPr>
+            <a:lvl6pPr marL="2514600" indent="-228600" algn="l" defTabSz="914400" rtl="0" eaLnBrk="1" latinLnBrk="0" hangingPunct="1">
+              <a:lnSpc>
+                <a:spcPct val="90000"/>
+              </a:lnSpc>
+              <a:spcBef>
+                <a:spcPts val="500"/>
+              </a:spcBef>
+              <a:buFont typeface="Arial" panose="020B0604020202020204" pitchFamily="34" charset="0"/>
+              <a:buChar char="•"/>
+              <a:defRPr sz="1800" kern="1200">
+                <a:solidFill>
+                  <a:schemeClr val="tx1"/>
+                </a:solidFill>
+                <a:latin typeface="+mn-lt"/>
+                <a:ea typeface="+mn-ea"/>
+                <a:cs typeface="+mn-cs"/>
+              </a:defRPr>
+            </a:lvl6pPr>
+            <a:lvl7pPr marL="2971800" indent="-228600" algn="l" defTabSz="914400" rtl="0" eaLnBrk="1" latinLnBrk="0" hangingPunct="1">
+              <a:lnSpc>
+                <a:spcPct val="90000"/>
+              </a:lnSpc>
+              <a:spcBef>
+                <a:spcPts val="500"/>
+              </a:spcBef>
+              <a:buFont typeface="Arial" panose="020B0604020202020204" pitchFamily="34" charset="0"/>
+              <a:buChar char="•"/>
+              <a:defRPr sz="1800" kern="1200">
+                <a:solidFill>
+                  <a:schemeClr val="tx1"/>
+                </a:solidFill>
+                <a:latin typeface="+mn-lt"/>
+                <a:ea typeface="+mn-ea"/>
+                <a:cs typeface="+mn-cs"/>
+              </a:defRPr>
+            </a:lvl7pPr>
+            <a:lvl8pPr marL="3429000" indent="-228600" algn="l" defTabSz="914400" rtl="0" eaLnBrk="1" latinLnBrk="0" hangingPunct="1">
+              <a:lnSpc>
+                <a:spcPct val="90000"/>
+              </a:lnSpc>
+              <a:spcBef>
+                <a:spcPts val="500"/>
+              </a:spcBef>
+              <a:buFont typeface="Arial" panose="020B0604020202020204" pitchFamily="34" charset="0"/>
+              <a:buChar char="•"/>
+              <a:defRPr sz="1800" kern="1200">
+                <a:solidFill>
+                  <a:schemeClr val="tx1"/>
+                </a:solidFill>
+                <a:latin typeface="+mn-lt"/>
+                <a:ea typeface="+mn-ea"/>
+                <a:cs typeface="+mn-cs"/>
+              </a:defRPr>
+            </a:lvl8pPr>
+            <a:lvl9pPr marL="3886200" indent="-228600" algn="l" defTabSz="914400" rtl="0" eaLnBrk="1" latinLnBrk="0" hangingPunct="1">
+              <a:lnSpc>
+                <a:spcPct val="90000"/>
+              </a:lnSpc>
+              <a:spcBef>
+                <a:spcPts val="500"/>
+              </a:spcBef>
+              <a:buFont typeface="Arial" panose="020B0604020202020204" pitchFamily="34" charset="0"/>
+              <a:buChar char="•"/>
+              <a:defRPr sz="1800" kern="1200">
+                <a:solidFill>
+                  <a:schemeClr val="tx1"/>
+                </a:solidFill>
+                <a:latin typeface="+mn-lt"/>
+                <a:ea typeface="+mn-ea"/>
+                <a:cs typeface="+mn-cs"/>
+              </a:defRPr>
+            </a:lvl9pPr>
+          </a:lstStyle>
+          <a:p>
+            <a:pPr marL="0" indent="0" algn="ctr">
+              <a:buNone/>
+            </a:pPr>
+            <a:r>
+              <a:rPr lang="en-US" sz="2000" b="1" dirty="0">
+                <a:solidFill>
+                  <a:srgbClr val="993300"/>
+                </a:solidFill>
+              </a:rPr>
+              <a:t>Actions </a:t>
+            </a:r>
+          </a:p>
+          <a:p>
+            <a:pPr marL="0" indent="0">
+              <a:buNone/>
+            </a:pPr>
+            <a:r>
+              <a:rPr lang="en-US" sz="2000" dirty="0"/>
+              <a:t>create, delete, edit job posting</a:t>
+            </a:r>
+          </a:p>
+          <a:p>
+            <a:pPr marL="0" indent="0">
+              <a:buNone/>
+            </a:pPr>
+            <a:r>
+              <a:rPr lang="en-US" sz="2000" dirty="0"/>
+              <a:t>create, delete, edit room posting</a:t>
+            </a:r>
+          </a:p>
+          <a:p>
+            <a:pPr marL="0" indent="0">
+              <a:buNone/>
+            </a:pPr>
+            <a:r>
+              <a:rPr lang="en-US" sz="2000" dirty="0"/>
+              <a:t>access, contact job posting</a:t>
+            </a:r>
+          </a:p>
+          <a:p>
+            <a:pPr marL="0" indent="0">
+              <a:buNone/>
+            </a:pPr>
+            <a:r>
+              <a:rPr lang="en-US" sz="2000" dirty="0"/>
+              <a:t>access, contact room posting</a:t>
+            </a:r>
+          </a:p>
+        </p:txBody>
+      </p:sp>
+      <p:sp>
+        <p:nvSpPr>
+          <p:cNvPr id="3" name="Content Placeholder 2">
+            <a:extLst>
+              <a:ext uri="{FF2B5EF4-FFF2-40B4-BE49-F238E27FC236}">
+                <a16:creationId xmlns:a16="http://schemas.microsoft.com/office/drawing/2014/main" id="{5299EC33-4FC5-BE81-3FF4-C949B7C8D4D5}"/>
+              </a:ext>
+            </a:extLst>
+          </p:cNvPr>
+          <p:cNvSpPr txBox="1">
+            <a:spLocks/>
+          </p:cNvSpPr>
+          <p:nvPr/>
+        </p:nvSpPr>
+        <p:spPr>
+          <a:xfrm>
+            <a:off x="4404580" y="4405085"/>
+            <a:ext cx="3382839" cy="2137230"/>
+          </a:xfrm>
+          <a:prstGeom prst="rect">
+            <a:avLst/>
+          </a:prstGeom>
+        </p:spPr>
+        <p:txBody>
+          <a:bodyPr vert="horz" lIns="91440" tIns="45720" rIns="91440" bIns="45720" rtlCol="0">
+            <a:normAutofit/>
+          </a:bodyPr>
+          <a:lstStyle>
+            <a:lvl1pPr marL="228600" indent="-228600" algn="l" defTabSz="914400" rtl="0" eaLnBrk="1" latinLnBrk="0" hangingPunct="1">
+              <a:lnSpc>
+                <a:spcPct val="90000"/>
+              </a:lnSpc>
+              <a:spcBef>
+                <a:spcPts val="1000"/>
+              </a:spcBef>
+              <a:buFont typeface="Arial" panose="020B0604020202020204" pitchFamily="34" charset="0"/>
+              <a:buChar char="•"/>
+              <a:defRPr sz="2800" kern="1200">
+                <a:solidFill>
+                  <a:schemeClr val="tx1"/>
+                </a:solidFill>
+                <a:latin typeface="+mn-lt"/>
+                <a:ea typeface="+mn-ea"/>
+                <a:cs typeface="+mn-cs"/>
+              </a:defRPr>
+            </a:lvl1pPr>
+            <a:lvl2pPr marL="685800" indent="-228600" algn="l" defTabSz="914400" rtl="0" eaLnBrk="1" latinLnBrk="0" hangingPunct="1">
+              <a:lnSpc>
+                <a:spcPct val="90000"/>
+              </a:lnSpc>
+              <a:spcBef>
+                <a:spcPts val="500"/>
+              </a:spcBef>
+              <a:buFont typeface="Arial" panose="020B0604020202020204" pitchFamily="34" charset="0"/>
+              <a:buChar char="•"/>
+              <a:defRPr sz="2400" kern="1200">
+                <a:solidFill>
+                  <a:schemeClr val="tx1"/>
+                </a:solidFill>
+                <a:latin typeface="+mn-lt"/>
+                <a:ea typeface="+mn-ea"/>
+                <a:cs typeface="+mn-cs"/>
+              </a:defRPr>
+            </a:lvl2pPr>
+            <a:lvl3pPr marL="1143000" indent="-228600" algn="l" defTabSz="914400" rtl="0" eaLnBrk="1" latinLnBrk="0" hangingPunct="1">
+              <a:lnSpc>
+                <a:spcPct val="90000"/>
+              </a:lnSpc>
+              <a:spcBef>
+                <a:spcPts val="500"/>
+              </a:spcBef>
+              <a:buFont typeface="Arial" panose="020B0604020202020204" pitchFamily="34" charset="0"/>
+              <a:buChar char="•"/>
+              <a:defRPr sz="2000" kern="1200">
+                <a:solidFill>
+                  <a:schemeClr val="tx1"/>
+                </a:solidFill>
+                <a:latin typeface="+mn-lt"/>
+                <a:ea typeface="+mn-ea"/>
+                <a:cs typeface="+mn-cs"/>
+              </a:defRPr>
+            </a:lvl3pPr>
+            <a:lvl4pPr marL="1600200" indent="-228600" algn="l" defTabSz="914400" rtl="0" eaLnBrk="1" latinLnBrk="0" hangingPunct="1">
+              <a:lnSpc>
+                <a:spcPct val="90000"/>
+              </a:lnSpc>
+              <a:spcBef>
+                <a:spcPts val="500"/>
+              </a:spcBef>
+              <a:buFont typeface="Arial" panose="020B0604020202020204" pitchFamily="34" charset="0"/>
+              <a:buChar char="•"/>
+              <a:defRPr sz="1800" kern="1200">
+                <a:solidFill>
+                  <a:schemeClr val="tx1"/>
+                </a:solidFill>
+                <a:latin typeface="+mn-lt"/>
+                <a:ea typeface="+mn-ea"/>
+                <a:cs typeface="+mn-cs"/>
+              </a:defRPr>
+            </a:lvl4pPr>
+            <a:lvl5pPr marL="2057400" indent="-228600" algn="l" defTabSz="914400" rtl="0" eaLnBrk="1" latinLnBrk="0" hangingPunct="1">
+              <a:lnSpc>
+                <a:spcPct val="90000"/>
+              </a:lnSpc>
+              <a:spcBef>
+                <a:spcPts val="500"/>
+              </a:spcBef>
+              <a:buFont typeface="Arial" panose="020B0604020202020204" pitchFamily="34" charset="0"/>
+              <a:buChar char="•"/>
+              <a:defRPr sz="1800" kern="1200">
+                <a:solidFill>
+                  <a:schemeClr val="tx1"/>
+                </a:solidFill>
+                <a:latin typeface="+mn-lt"/>
+                <a:ea typeface="+mn-ea"/>
+                <a:cs typeface="+mn-cs"/>
+              </a:defRPr>
+            </a:lvl5pPr>
+            <a:lvl6pPr marL="2514600" indent="-228600" algn="l" defTabSz="914400" rtl="0" eaLnBrk="1" latinLnBrk="0" hangingPunct="1">
+              <a:lnSpc>
+                <a:spcPct val="90000"/>
+              </a:lnSpc>
+              <a:spcBef>
+                <a:spcPts val="500"/>
+              </a:spcBef>
+              <a:buFont typeface="Arial" panose="020B0604020202020204" pitchFamily="34" charset="0"/>
+              <a:buChar char="•"/>
+              <a:defRPr sz="1800" kern="1200">
+                <a:solidFill>
+                  <a:schemeClr val="tx1"/>
+                </a:solidFill>
+                <a:latin typeface="+mn-lt"/>
+                <a:ea typeface="+mn-ea"/>
+                <a:cs typeface="+mn-cs"/>
+              </a:defRPr>
+            </a:lvl6pPr>
+            <a:lvl7pPr marL="2971800" indent="-228600" algn="l" defTabSz="914400" rtl="0" eaLnBrk="1" latinLnBrk="0" hangingPunct="1">
+              <a:lnSpc>
+                <a:spcPct val="90000"/>
+              </a:lnSpc>
+              <a:spcBef>
+                <a:spcPts val="500"/>
+              </a:spcBef>
+              <a:buFont typeface="Arial" panose="020B0604020202020204" pitchFamily="34" charset="0"/>
+              <a:buChar char="•"/>
+              <a:defRPr sz="1800" kern="1200">
+                <a:solidFill>
+                  <a:schemeClr val="tx1"/>
+                </a:solidFill>
+                <a:latin typeface="+mn-lt"/>
+                <a:ea typeface="+mn-ea"/>
+                <a:cs typeface="+mn-cs"/>
+              </a:defRPr>
+            </a:lvl7pPr>
+            <a:lvl8pPr marL="3429000" indent="-228600" algn="l" defTabSz="914400" rtl="0" eaLnBrk="1" latinLnBrk="0" hangingPunct="1">
+              <a:lnSpc>
+                <a:spcPct val="90000"/>
+              </a:lnSpc>
+              <a:spcBef>
+                <a:spcPts val="500"/>
+              </a:spcBef>
+              <a:buFont typeface="Arial" panose="020B0604020202020204" pitchFamily="34" charset="0"/>
+              <a:buChar char="•"/>
+              <a:defRPr sz="1800" kern="1200">
+                <a:solidFill>
+                  <a:schemeClr val="tx1"/>
+                </a:solidFill>
+                <a:latin typeface="+mn-lt"/>
+                <a:ea typeface="+mn-ea"/>
+                <a:cs typeface="+mn-cs"/>
+              </a:defRPr>
+            </a:lvl8pPr>
+            <a:lvl9pPr marL="3886200" indent="-228600" algn="l" defTabSz="914400" rtl="0" eaLnBrk="1" latinLnBrk="0" hangingPunct="1">
+              <a:lnSpc>
+                <a:spcPct val="90000"/>
+              </a:lnSpc>
+              <a:spcBef>
+                <a:spcPts val="500"/>
+              </a:spcBef>
+              <a:buFont typeface="Arial" panose="020B0604020202020204" pitchFamily="34" charset="0"/>
+              <a:buChar char="•"/>
+              <a:defRPr sz="1800" kern="1200">
+                <a:solidFill>
+                  <a:schemeClr val="tx1"/>
+                </a:solidFill>
+                <a:latin typeface="+mn-lt"/>
+                <a:ea typeface="+mn-ea"/>
+                <a:cs typeface="+mn-cs"/>
+              </a:defRPr>
+            </a:lvl9pPr>
+          </a:lstStyle>
+          <a:p>
+            <a:pPr marL="0" indent="0" algn="ctr">
+              <a:buNone/>
+            </a:pPr>
+            <a:r>
+              <a:rPr lang="en-US" sz="2000" b="1" dirty="0">
+                <a:solidFill>
+                  <a:srgbClr val="993300"/>
+                </a:solidFill>
+              </a:rPr>
+              <a:t>Relations </a:t>
+            </a:r>
+          </a:p>
+          <a:p>
+            <a:pPr marL="0" indent="0">
+              <a:buNone/>
+            </a:pPr>
+            <a:r>
+              <a:rPr lang="en-US" sz="2000" dirty="0"/>
+              <a:t>user has job postings</a:t>
+            </a:r>
+          </a:p>
+          <a:p>
+            <a:pPr marL="0" indent="0">
+              <a:buNone/>
+            </a:pPr>
+            <a:r>
+              <a:rPr lang="en-US" sz="2000" dirty="0"/>
+              <a:t>user has room postings</a:t>
+            </a:r>
+          </a:p>
+          <a:p>
+            <a:pPr marL="0" indent="0">
+              <a:buNone/>
+            </a:pPr>
+            <a:r>
+              <a:rPr lang="en-US" sz="2000" dirty="0"/>
+              <a:t>User responds to job posting</a:t>
+            </a:r>
+          </a:p>
+          <a:p>
+            <a:pPr marL="0" indent="0">
+              <a:buNone/>
+            </a:pPr>
+            <a:r>
+              <a:rPr lang="en-US" sz="2000" dirty="0"/>
+              <a:t>User responds to room posting</a:t>
+            </a:r>
+          </a:p>
+        </p:txBody>
+      </p:sp>
+    </p:spTree>
+    <p:extLst>
+      <p:ext uri="{BB962C8B-B14F-4D97-AF65-F5344CB8AC3E}">
+        <p14:creationId xmlns:p14="http://schemas.microsoft.com/office/powerpoint/2010/main" val="2543275830"/>
+      </p:ext>
+    </p:extLst>
+  </p:cSld>
+  <p:clrMapOvr>
+    <a:masterClrMapping/>
+  </p:clrMapOvr>
+</p:sld>
+</file>
+
+<file path=ppt/slides/slide11.xml><?xml version="1.0" encoding="utf-8"?>
+<p:sld xmlns:a="http://schemas.openxmlformats.org/drawingml/2006/main" xmlns:r="http://schemas.openxmlformats.org/officeDocument/2006/relationships" xmlns:p="http://schemas.openxmlformats.org/presentationml/2006/main">
+  <p:cSld>
+    <p:spTree>
+      <p:nvGrpSpPr>
+        <p:cNvPr id="1" name=""/>
+        <p:cNvGrpSpPr/>
+        <p:nvPr/>
+      </p:nvGrpSpPr>
+      <p:grpSpPr>
+        <a:xfrm>
+          <a:off x="0" y="0"/>
+          <a:ext cx="0" cy="0"/>
+          <a:chOff x="0" y="0"/>
+          <a:chExt cx="0" cy="0"/>
+        </a:xfrm>
+      </p:grpSpPr>
+      <p:pic>
+        <p:nvPicPr>
+          <p:cNvPr id="5" name="Picture 4" descr="A picture containing text, clipart&#10;&#10;Description automatically generated">
+            <a:extLst>
+              <a:ext uri="{FF2B5EF4-FFF2-40B4-BE49-F238E27FC236}">
+                <a16:creationId xmlns:a16="http://schemas.microsoft.com/office/drawing/2014/main" id="{AEEF4F80-6182-437F-8FB9-E546318E1786}"/>
+              </a:ext>
+            </a:extLst>
+          </p:cNvPr>
+          <p:cNvPicPr>
+            <a:picLocks noChangeAspect="1"/>
+          </p:cNvPicPr>
+          <p:nvPr/>
+        </p:nvPicPr>
+        <p:blipFill>
+          <a:blip r:embed="rId2">
+            <a:extLst>
+              <a:ext uri="{28A0092B-C50C-407E-A947-70E740481C1C}">
+                <a14:useLocalDpi xmlns:a14="http://schemas.microsoft.com/office/drawing/2010/main" val="0"/>
+              </a:ext>
+            </a:extLst>
+          </a:blip>
+          <a:stretch>
+            <a:fillRect/>
+          </a:stretch>
+        </p:blipFill>
+        <p:spPr>
+          <a:xfrm>
+            <a:off x="8248817" y="327168"/>
+            <a:ext cx="3640043" cy="1401476"/>
+          </a:xfrm>
+          <a:prstGeom prst="rect">
+            <a:avLst/>
+          </a:prstGeom>
+        </p:spPr>
+      </p:pic>
+      <p:sp>
+        <p:nvSpPr>
+          <p:cNvPr id="6" name="Title 1">
+            <a:extLst>
+              <a:ext uri="{FF2B5EF4-FFF2-40B4-BE49-F238E27FC236}">
+                <a16:creationId xmlns:a16="http://schemas.microsoft.com/office/drawing/2014/main" id="{67EAB101-CB65-4E80-9086-38AF17265C5D}"/>
+              </a:ext>
+            </a:extLst>
+          </p:cNvPr>
+          <p:cNvSpPr txBox="1">
+            <a:spLocks/>
+          </p:cNvSpPr>
+          <p:nvPr/>
+        </p:nvSpPr>
+        <p:spPr>
+          <a:xfrm>
+            <a:off x="704851" y="570706"/>
+            <a:ext cx="7219949" cy="914399"/>
+          </a:xfrm>
+          <a:prstGeom prst="rect">
+            <a:avLst/>
+          </a:prstGeom>
+        </p:spPr>
+        <p:txBody>
+          <a:bodyPr vert="horz" lIns="91440" tIns="45720" rIns="91440" bIns="45720" rtlCol="0" anchor="ctr">
+            <a:normAutofit/>
+          </a:bodyPr>
+          <a:lstStyle>
+            <a:lvl1pPr algn="l" defTabSz="914400" rtl="0" eaLnBrk="1" latinLnBrk="0" hangingPunct="1">
+              <a:lnSpc>
+                <a:spcPct val="90000"/>
+              </a:lnSpc>
+              <a:spcBef>
+                <a:spcPct val="0"/>
+              </a:spcBef>
+              <a:buNone/>
+              <a:defRPr sz="4400" kern="1200">
+                <a:solidFill>
+                  <a:schemeClr val="tx1"/>
+                </a:solidFill>
+                <a:latin typeface="+mj-lt"/>
+                <a:ea typeface="+mj-ea"/>
+                <a:cs typeface="+mj-cs"/>
+              </a:defRPr>
+            </a:lvl1pPr>
+          </a:lstStyle>
+          <a:p>
+            <a:r>
+              <a:rPr lang="en-US" b="1" dirty="0"/>
+              <a:t>Related Services</a:t>
+            </a:r>
+          </a:p>
+        </p:txBody>
+      </p:sp>
+      <p:sp>
+        <p:nvSpPr>
+          <p:cNvPr id="4" name="Content Placeholder 2">
+            <a:extLst>
+              <a:ext uri="{FF2B5EF4-FFF2-40B4-BE49-F238E27FC236}">
+                <a16:creationId xmlns:a16="http://schemas.microsoft.com/office/drawing/2014/main" id="{4972AFF4-B587-DDE3-55AB-37549D03AEA0}"/>
+              </a:ext>
+            </a:extLst>
+          </p:cNvPr>
+          <p:cNvSpPr txBox="1">
+            <a:spLocks/>
+          </p:cNvSpPr>
+          <p:nvPr/>
+        </p:nvSpPr>
+        <p:spPr>
+          <a:xfrm>
+            <a:off x="4620407" y="835532"/>
+            <a:ext cx="2350583" cy="384745"/>
+          </a:xfrm>
+          <a:prstGeom prst="rect">
+            <a:avLst/>
+          </a:prstGeom>
+        </p:spPr>
+        <p:txBody>
+          <a:bodyPr vert="horz" lIns="91440" tIns="45720" rIns="91440" bIns="45720" rtlCol="0">
+            <a:normAutofit/>
+          </a:bodyPr>
+          <a:lstStyle>
+            <a:lvl1pPr marL="228600" indent="-228600" algn="l" defTabSz="914400" rtl="0" eaLnBrk="1" latinLnBrk="0" hangingPunct="1">
+              <a:lnSpc>
+                <a:spcPct val="90000"/>
+              </a:lnSpc>
+              <a:spcBef>
+                <a:spcPts val="1000"/>
+              </a:spcBef>
+              <a:buFont typeface="Arial" panose="020B0604020202020204" pitchFamily="34" charset="0"/>
+              <a:buChar char="•"/>
+              <a:defRPr sz="2800" kern="1200">
+                <a:solidFill>
+                  <a:schemeClr val="tx1"/>
+                </a:solidFill>
+                <a:latin typeface="+mn-lt"/>
+                <a:ea typeface="+mn-ea"/>
+                <a:cs typeface="+mn-cs"/>
+              </a:defRPr>
+            </a:lvl1pPr>
+            <a:lvl2pPr marL="685800" indent="-228600" algn="l" defTabSz="914400" rtl="0" eaLnBrk="1" latinLnBrk="0" hangingPunct="1">
+              <a:lnSpc>
+                <a:spcPct val="90000"/>
+              </a:lnSpc>
+              <a:spcBef>
+                <a:spcPts val="500"/>
+              </a:spcBef>
+              <a:buFont typeface="Arial" panose="020B0604020202020204" pitchFamily="34" charset="0"/>
+              <a:buChar char="•"/>
+              <a:defRPr sz="2400" kern="1200">
+                <a:solidFill>
+                  <a:schemeClr val="tx1"/>
+                </a:solidFill>
+                <a:latin typeface="+mn-lt"/>
+                <a:ea typeface="+mn-ea"/>
+                <a:cs typeface="+mn-cs"/>
+              </a:defRPr>
+            </a:lvl2pPr>
+            <a:lvl3pPr marL="1143000" indent="-228600" algn="l" defTabSz="914400" rtl="0" eaLnBrk="1" latinLnBrk="0" hangingPunct="1">
+              <a:lnSpc>
+                <a:spcPct val="90000"/>
+              </a:lnSpc>
+              <a:spcBef>
+                <a:spcPts val="500"/>
+              </a:spcBef>
+              <a:buFont typeface="Arial" panose="020B0604020202020204" pitchFamily="34" charset="0"/>
+              <a:buChar char="•"/>
+              <a:defRPr sz="2000" kern="1200">
+                <a:solidFill>
+                  <a:schemeClr val="tx1"/>
+                </a:solidFill>
+                <a:latin typeface="+mn-lt"/>
+                <a:ea typeface="+mn-ea"/>
+                <a:cs typeface="+mn-cs"/>
+              </a:defRPr>
+            </a:lvl3pPr>
+            <a:lvl4pPr marL="1600200" indent="-228600" algn="l" defTabSz="914400" rtl="0" eaLnBrk="1" latinLnBrk="0" hangingPunct="1">
+              <a:lnSpc>
+                <a:spcPct val="90000"/>
+              </a:lnSpc>
+              <a:spcBef>
+                <a:spcPts val="500"/>
+              </a:spcBef>
+              <a:buFont typeface="Arial" panose="020B0604020202020204" pitchFamily="34" charset="0"/>
+              <a:buChar char="•"/>
+              <a:defRPr sz="1800" kern="1200">
+                <a:solidFill>
+                  <a:schemeClr val="tx1"/>
+                </a:solidFill>
+                <a:latin typeface="+mn-lt"/>
+                <a:ea typeface="+mn-ea"/>
+                <a:cs typeface="+mn-cs"/>
+              </a:defRPr>
+            </a:lvl4pPr>
+            <a:lvl5pPr marL="2057400" indent="-228600" algn="l" defTabSz="914400" rtl="0" eaLnBrk="1" latinLnBrk="0" hangingPunct="1">
+              <a:lnSpc>
+                <a:spcPct val="90000"/>
+              </a:lnSpc>
+              <a:spcBef>
+                <a:spcPts val="500"/>
+              </a:spcBef>
+              <a:buFont typeface="Arial" panose="020B0604020202020204" pitchFamily="34" charset="0"/>
+              <a:buChar char="•"/>
+              <a:defRPr sz="1800" kern="1200">
+                <a:solidFill>
+                  <a:schemeClr val="tx1"/>
+                </a:solidFill>
+                <a:latin typeface="+mn-lt"/>
+                <a:ea typeface="+mn-ea"/>
+                <a:cs typeface="+mn-cs"/>
+              </a:defRPr>
+            </a:lvl5pPr>
+            <a:lvl6pPr marL="2514600" indent="-228600" algn="l" defTabSz="914400" rtl="0" eaLnBrk="1" latinLnBrk="0" hangingPunct="1">
+              <a:lnSpc>
+                <a:spcPct val="90000"/>
+              </a:lnSpc>
+              <a:spcBef>
+                <a:spcPts val="500"/>
+              </a:spcBef>
+              <a:buFont typeface="Arial" panose="020B0604020202020204" pitchFamily="34" charset="0"/>
+              <a:buChar char="•"/>
+              <a:defRPr sz="1800" kern="1200">
+                <a:solidFill>
+                  <a:schemeClr val="tx1"/>
+                </a:solidFill>
+                <a:latin typeface="+mn-lt"/>
+                <a:ea typeface="+mn-ea"/>
+                <a:cs typeface="+mn-cs"/>
+              </a:defRPr>
+            </a:lvl6pPr>
+            <a:lvl7pPr marL="2971800" indent="-228600" algn="l" defTabSz="914400" rtl="0" eaLnBrk="1" latinLnBrk="0" hangingPunct="1">
+              <a:lnSpc>
+                <a:spcPct val="90000"/>
+              </a:lnSpc>
+              <a:spcBef>
+                <a:spcPts val="500"/>
+              </a:spcBef>
+              <a:buFont typeface="Arial" panose="020B0604020202020204" pitchFamily="34" charset="0"/>
+              <a:buChar char="•"/>
+              <a:defRPr sz="1800" kern="1200">
+                <a:solidFill>
+                  <a:schemeClr val="tx1"/>
+                </a:solidFill>
+                <a:latin typeface="+mn-lt"/>
+                <a:ea typeface="+mn-ea"/>
+                <a:cs typeface="+mn-cs"/>
+              </a:defRPr>
+            </a:lvl7pPr>
+            <a:lvl8pPr marL="3429000" indent="-228600" algn="l" defTabSz="914400" rtl="0" eaLnBrk="1" latinLnBrk="0" hangingPunct="1">
+              <a:lnSpc>
+                <a:spcPct val="90000"/>
+              </a:lnSpc>
+              <a:spcBef>
+                <a:spcPts val="500"/>
+              </a:spcBef>
+              <a:buFont typeface="Arial" panose="020B0604020202020204" pitchFamily="34" charset="0"/>
+              <a:buChar char="•"/>
+              <a:defRPr sz="1800" kern="1200">
+                <a:solidFill>
+                  <a:schemeClr val="tx1"/>
+                </a:solidFill>
+                <a:latin typeface="+mn-lt"/>
+                <a:ea typeface="+mn-ea"/>
+                <a:cs typeface="+mn-cs"/>
+              </a:defRPr>
+            </a:lvl8pPr>
+            <a:lvl9pPr marL="3886200" indent="-228600" algn="l" defTabSz="914400" rtl="0" eaLnBrk="1" latinLnBrk="0" hangingPunct="1">
+              <a:lnSpc>
+                <a:spcPct val="90000"/>
+              </a:lnSpc>
+              <a:spcBef>
+                <a:spcPts val="500"/>
+              </a:spcBef>
+              <a:buFont typeface="Arial" panose="020B0604020202020204" pitchFamily="34" charset="0"/>
+              <a:buChar char="•"/>
+              <a:defRPr sz="1800" kern="1200">
+                <a:solidFill>
+                  <a:schemeClr val="tx1"/>
+                </a:solidFill>
+                <a:latin typeface="+mn-lt"/>
+                <a:ea typeface="+mn-ea"/>
+                <a:cs typeface="+mn-cs"/>
+              </a:defRPr>
+            </a:lvl9pPr>
+          </a:lstStyle>
+          <a:p>
+            <a:pPr marL="0" indent="0">
+              <a:buFont typeface="Arial" panose="020B0604020202020204" pitchFamily="34" charset="0"/>
+              <a:buNone/>
+            </a:pPr>
+            <a:r>
+              <a:rPr lang="en-US" sz="2000" dirty="0"/>
+              <a:t>(from questionnaire)</a:t>
+            </a:r>
+          </a:p>
+        </p:txBody>
+      </p:sp>
+      <p:pic>
+        <p:nvPicPr>
+          <p:cNvPr id="3" name="Picture 2">
+            <a:extLst>
+              <a:ext uri="{FF2B5EF4-FFF2-40B4-BE49-F238E27FC236}">
+                <a16:creationId xmlns:a16="http://schemas.microsoft.com/office/drawing/2014/main" id="{6CFB68E4-11CF-21C8-7084-BF86C566315D}"/>
+              </a:ext>
+            </a:extLst>
+          </p:cNvPr>
+          <p:cNvPicPr>
+            <a:picLocks noChangeAspect="1"/>
+          </p:cNvPicPr>
+          <p:nvPr/>
+        </p:nvPicPr>
+        <p:blipFill rotWithShape="1">
+          <a:blip r:embed="rId3"/>
+          <a:srcRect l="1676" t="1213" r="1" b="1495"/>
+          <a:stretch/>
+        </p:blipFill>
+        <p:spPr>
+          <a:xfrm>
+            <a:off x="553258" y="1579168"/>
+            <a:ext cx="2313201" cy="4965171"/>
+          </a:xfrm>
+          <a:prstGeom prst="rect">
+            <a:avLst/>
+          </a:prstGeom>
+          <a:ln w="12700">
+            <a:solidFill>
+              <a:schemeClr val="tx1"/>
+            </a:solidFill>
+          </a:ln>
+        </p:spPr>
+      </p:pic>
+      <p:sp>
+        <p:nvSpPr>
+          <p:cNvPr id="7" name="Content Placeholder 2">
+            <a:extLst>
+              <a:ext uri="{FF2B5EF4-FFF2-40B4-BE49-F238E27FC236}">
+                <a16:creationId xmlns:a16="http://schemas.microsoft.com/office/drawing/2014/main" id="{2CFD5082-5624-1646-8234-C6A837CB3A2B}"/>
+              </a:ext>
+            </a:extLst>
+          </p:cNvPr>
+          <p:cNvSpPr txBox="1">
+            <a:spLocks/>
+          </p:cNvSpPr>
+          <p:nvPr/>
+        </p:nvSpPr>
+        <p:spPr>
+          <a:xfrm>
+            <a:off x="3998576" y="2148159"/>
+            <a:ext cx="1537616" cy="384745"/>
+          </a:xfrm>
+          <a:prstGeom prst="rect">
+            <a:avLst/>
+          </a:prstGeom>
+        </p:spPr>
+        <p:txBody>
+          <a:bodyPr vert="horz" lIns="91440" tIns="45720" rIns="91440" bIns="45720" rtlCol="0">
+            <a:normAutofit/>
+          </a:bodyPr>
+          <a:lstStyle>
+            <a:lvl1pPr marL="228600" indent="-228600" algn="l" defTabSz="914400" rtl="0" eaLnBrk="1" latinLnBrk="0" hangingPunct="1">
+              <a:lnSpc>
+                <a:spcPct val="90000"/>
+              </a:lnSpc>
+              <a:spcBef>
+                <a:spcPts val="1000"/>
+              </a:spcBef>
+              <a:buFont typeface="Arial" panose="020B0604020202020204" pitchFamily="34" charset="0"/>
+              <a:buChar char="•"/>
+              <a:defRPr sz="2800" kern="1200">
+                <a:solidFill>
+                  <a:schemeClr val="tx1"/>
+                </a:solidFill>
+                <a:latin typeface="+mn-lt"/>
+                <a:ea typeface="+mn-ea"/>
+                <a:cs typeface="+mn-cs"/>
+              </a:defRPr>
+            </a:lvl1pPr>
+            <a:lvl2pPr marL="685800" indent="-228600" algn="l" defTabSz="914400" rtl="0" eaLnBrk="1" latinLnBrk="0" hangingPunct="1">
+              <a:lnSpc>
+                <a:spcPct val="90000"/>
+              </a:lnSpc>
+              <a:spcBef>
+                <a:spcPts val="500"/>
+              </a:spcBef>
+              <a:buFont typeface="Arial" panose="020B0604020202020204" pitchFamily="34" charset="0"/>
+              <a:buChar char="•"/>
+              <a:defRPr sz="2400" kern="1200">
+                <a:solidFill>
+                  <a:schemeClr val="tx1"/>
+                </a:solidFill>
+                <a:latin typeface="+mn-lt"/>
+                <a:ea typeface="+mn-ea"/>
+                <a:cs typeface="+mn-cs"/>
+              </a:defRPr>
+            </a:lvl2pPr>
+            <a:lvl3pPr marL="1143000" indent="-228600" algn="l" defTabSz="914400" rtl="0" eaLnBrk="1" latinLnBrk="0" hangingPunct="1">
+              <a:lnSpc>
+                <a:spcPct val="90000"/>
+              </a:lnSpc>
+              <a:spcBef>
+                <a:spcPts val="500"/>
+              </a:spcBef>
+              <a:buFont typeface="Arial" panose="020B0604020202020204" pitchFamily="34" charset="0"/>
+              <a:buChar char="•"/>
+              <a:defRPr sz="2000" kern="1200">
+                <a:solidFill>
+                  <a:schemeClr val="tx1"/>
+                </a:solidFill>
+                <a:latin typeface="+mn-lt"/>
+                <a:ea typeface="+mn-ea"/>
+                <a:cs typeface="+mn-cs"/>
+              </a:defRPr>
+            </a:lvl3pPr>
+            <a:lvl4pPr marL="1600200" indent="-228600" algn="l" defTabSz="914400" rtl="0" eaLnBrk="1" latinLnBrk="0" hangingPunct="1">
+              <a:lnSpc>
+                <a:spcPct val="90000"/>
+              </a:lnSpc>
+              <a:spcBef>
+                <a:spcPts val="500"/>
+              </a:spcBef>
+              <a:buFont typeface="Arial" panose="020B0604020202020204" pitchFamily="34" charset="0"/>
+              <a:buChar char="•"/>
+              <a:defRPr sz="1800" kern="1200">
+                <a:solidFill>
+                  <a:schemeClr val="tx1"/>
+                </a:solidFill>
+                <a:latin typeface="+mn-lt"/>
+                <a:ea typeface="+mn-ea"/>
+                <a:cs typeface="+mn-cs"/>
+              </a:defRPr>
+            </a:lvl4pPr>
+            <a:lvl5pPr marL="2057400" indent="-228600" algn="l" defTabSz="914400" rtl="0" eaLnBrk="1" latinLnBrk="0" hangingPunct="1">
+              <a:lnSpc>
+                <a:spcPct val="90000"/>
+              </a:lnSpc>
+              <a:spcBef>
+                <a:spcPts val="500"/>
+              </a:spcBef>
+              <a:buFont typeface="Arial" panose="020B0604020202020204" pitchFamily="34" charset="0"/>
+              <a:buChar char="•"/>
+              <a:defRPr sz="1800" kern="1200">
+                <a:solidFill>
+                  <a:schemeClr val="tx1"/>
+                </a:solidFill>
+                <a:latin typeface="+mn-lt"/>
+                <a:ea typeface="+mn-ea"/>
+                <a:cs typeface="+mn-cs"/>
+              </a:defRPr>
+            </a:lvl5pPr>
+            <a:lvl6pPr marL="2514600" indent="-228600" algn="l" defTabSz="914400" rtl="0" eaLnBrk="1" latinLnBrk="0" hangingPunct="1">
+              <a:lnSpc>
+                <a:spcPct val="90000"/>
+              </a:lnSpc>
+              <a:spcBef>
+                <a:spcPts val="500"/>
+              </a:spcBef>
+              <a:buFont typeface="Arial" panose="020B0604020202020204" pitchFamily="34" charset="0"/>
+              <a:buChar char="•"/>
+              <a:defRPr sz="1800" kern="1200">
+                <a:solidFill>
+                  <a:schemeClr val="tx1"/>
+                </a:solidFill>
+                <a:latin typeface="+mn-lt"/>
+                <a:ea typeface="+mn-ea"/>
+                <a:cs typeface="+mn-cs"/>
+              </a:defRPr>
+            </a:lvl6pPr>
+            <a:lvl7pPr marL="2971800" indent="-228600" algn="l" defTabSz="914400" rtl="0" eaLnBrk="1" latinLnBrk="0" hangingPunct="1">
+              <a:lnSpc>
+                <a:spcPct val="90000"/>
+              </a:lnSpc>
+              <a:spcBef>
+                <a:spcPts val="500"/>
+              </a:spcBef>
+              <a:buFont typeface="Arial" panose="020B0604020202020204" pitchFamily="34" charset="0"/>
+              <a:buChar char="•"/>
+              <a:defRPr sz="1800" kern="1200">
+                <a:solidFill>
+                  <a:schemeClr val="tx1"/>
+                </a:solidFill>
+                <a:latin typeface="+mn-lt"/>
+                <a:ea typeface="+mn-ea"/>
+                <a:cs typeface="+mn-cs"/>
+              </a:defRPr>
+            </a:lvl7pPr>
+            <a:lvl8pPr marL="3429000" indent="-228600" algn="l" defTabSz="914400" rtl="0" eaLnBrk="1" latinLnBrk="0" hangingPunct="1">
+              <a:lnSpc>
+                <a:spcPct val="90000"/>
+              </a:lnSpc>
+              <a:spcBef>
+                <a:spcPts val="500"/>
+              </a:spcBef>
+              <a:buFont typeface="Arial" panose="020B0604020202020204" pitchFamily="34" charset="0"/>
+              <a:buChar char="•"/>
+              <a:defRPr sz="1800" kern="1200">
+                <a:solidFill>
+                  <a:schemeClr val="tx1"/>
+                </a:solidFill>
+                <a:latin typeface="+mn-lt"/>
+                <a:ea typeface="+mn-ea"/>
+                <a:cs typeface="+mn-cs"/>
+              </a:defRPr>
+            </a:lvl8pPr>
+            <a:lvl9pPr marL="3886200" indent="-228600" algn="l" defTabSz="914400" rtl="0" eaLnBrk="1" latinLnBrk="0" hangingPunct="1">
+              <a:lnSpc>
+                <a:spcPct val="90000"/>
+              </a:lnSpc>
+              <a:spcBef>
+                <a:spcPts val="500"/>
+              </a:spcBef>
+              <a:buFont typeface="Arial" panose="020B0604020202020204" pitchFamily="34" charset="0"/>
+              <a:buChar char="•"/>
+              <a:defRPr sz="1800" kern="1200">
+                <a:solidFill>
+                  <a:schemeClr val="tx1"/>
+                </a:solidFill>
+                <a:latin typeface="+mn-lt"/>
+                <a:ea typeface="+mn-ea"/>
+                <a:cs typeface="+mn-cs"/>
+              </a:defRPr>
+            </a:lvl9pPr>
+          </a:lstStyle>
+          <a:p>
+            <a:pPr marL="0" indent="0" algn="ctr">
+              <a:buFont typeface="Arial" panose="020B0604020202020204" pitchFamily="34" charset="0"/>
+              <a:buNone/>
+            </a:pPr>
+            <a:r>
+              <a:rPr lang="en-US" sz="2000" b="1" dirty="0"/>
+              <a:t>Browser app</a:t>
+            </a:r>
+          </a:p>
+        </p:txBody>
+      </p:sp>
+      <p:sp>
+        <p:nvSpPr>
+          <p:cNvPr id="8" name="Content Placeholder 2">
+            <a:extLst>
+              <a:ext uri="{FF2B5EF4-FFF2-40B4-BE49-F238E27FC236}">
+                <a16:creationId xmlns:a16="http://schemas.microsoft.com/office/drawing/2014/main" id="{99B69D3D-1334-17DB-1E4A-D0E669AE016E}"/>
+              </a:ext>
+            </a:extLst>
+          </p:cNvPr>
+          <p:cNvSpPr txBox="1">
+            <a:spLocks/>
+          </p:cNvSpPr>
+          <p:nvPr/>
+        </p:nvSpPr>
+        <p:spPr>
+          <a:xfrm>
+            <a:off x="3421124" y="3388331"/>
+            <a:ext cx="2708546" cy="384745"/>
+          </a:xfrm>
+          <a:prstGeom prst="rect">
+            <a:avLst/>
+          </a:prstGeom>
+        </p:spPr>
+        <p:txBody>
+          <a:bodyPr vert="horz" lIns="91440" tIns="45720" rIns="91440" bIns="45720" rtlCol="0">
+            <a:normAutofit fontScale="92500"/>
+          </a:bodyPr>
+          <a:lstStyle>
+            <a:lvl1pPr marL="228600" indent="-228600" algn="l" defTabSz="914400" rtl="0" eaLnBrk="1" latinLnBrk="0" hangingPunct="1">
+              <a:lnSpc>
+                <a:spcPct val="90000"/>
+              </a:lnSpc>
+              <a:spcBef>
+                <a:spcPts val="1000"/>
+              </a:spcBef>
+              <a:buFont typeface="Arial" panose="020B0604020202020204" pitchFamily="34" charset="0"/>
+              <a:buChar char="•"/>
+              <a:defRPr sz="2800" kern="1200">
+                <a:solidFill>
+                  <a:schemeClr val="tx1"/>
+                </a:solidFill>
+                <a:latin typeface="+mn-lt"/>
+                <a:ea typeface="+mn-ea"/>
+                <a:cs typeface="+mn-cs"/>
+              </a:defRPr>
+            </a:lvl1pPr>
+            <a:lvl2pPr marL="685800" indent="-228600" algn="l" defTabSz="914400" rtl="0" eaLnBrk="1" latinLnBrk="0" hangingPunct="1">
+              <a:lnSpc>
+                <a:spcPct val="90000"/>
+              </a:lnSpc>
+              <a:spcBef>
+                <a:spcPts val="500"/>
+              </a:spcBef>
+              <a:buFont typeface="Arial" panose="020B0604020202020204" pitchFamily="34" charset="0"/>
+              <a:buChar char="•"/>
+              <a:defRPr sz="2400" kern="1200">
+                <a:solidFill>
+                  <a:schemeClr val="tx1"/>
+                </a:solidFill>
+                <a:latin typeface="+mn-lt"/>
+                <a:ea typeface="+mn-ea"/>
+                <a:cs typeface="+mn-cs"/>
+              </a:defRPr>
+            </a:lvl2pPr>
+            <a:lvl3pPr marL="1143000" indent="-228600" algn="l" defTabSz="914400" rtl="0" eaLnBrk="1" latinLnBrk="0" hangingPunct="1">
+              <a:lnSpc>
+                <a:spcPct val="90000"/>
+              </a:lnSpc>
+              <a:spcBef>
+                <a:spcPts val="500"/>
+              </a:spcBef>
+              <a:buFont typeface="Arial" panose="020B0604020202020204" pitchFamily="34" charset="0"/>
+              <a:buChar char="•"/>
+              <a:defRPr sz="2000" kern="1200">
+                <a:solidFill>
+                  <a:schemeClr val="tx1"/>
+                </a:solidFill>
+                <a:latin typeface="+mn-lt"/>
+                <a:ea typeface="+mn-ea"/>
+                <a:cs typeface="+mn-cs"/>
+              </a:defRPr>
+            </a:lvl3pPr>
+            <a:lvl4pPr marL="1600200" indent="-228600" algn="l" defTabSz="914400" rtl="0" eaLnBrk="1" latinLnBrk="0" hangingPunct="1">
+              <a:lnSpc>
+                <a:spcPct val="90000"/>
+              </a:lnSpc>
+              <a:spcBef>
+                <a:spcPts val="500"/>
+              </a:spcBef>
+              <a:buFont typeface="Arial" panose="020B0604020202020204" pitchFamily="34" charset="0"/>
+              <a:buChar char="•"/>
+              <a:defRPr sz="1800" kern="1200">
+                <a:solidFill>
+                  <a:schemeClr val="tx1"/>
+                </a:solidFill>
+                <a:latin typeface="+mn-lt"/>
+                <a:ea typeface="+mn-ea"/>
+                <a:cs typeface="+mn-cs"/>
+              </a:defRPr>
+            </a:lvl4pPr>
+            <a:lvl5pPr marL="2057400" indent="-228600" algn="l" defTabSz="914400" rtl="0" eaLnBrk="1" latinLnBrk="0" hangingPunct="1">
+              <a:lnSpc>
+                <a:spcPct val="90000"/>
+              </a:lnSpc>
+              <a:spcBef>
+                <a:spcPts val="500"/>
+              </a:spcBef>
+              <a:buFont typeface="Arial" panose="020B0604020202020204" pitchFamily="34" charset="0"/>
+              <a:buChar char="•"/>
+              <a:defRPr sz="1800" kern="1200">
+                <a:solidFill>
+                  <a:schemeClr val="tx1"/>
+                </a:solidFill>
+                <a:latin typeface="+mn-lt"/>
+                <a:ea typeface="+mn-ea"/>
+                <a:cs typeface="+mn-cs"/>
+              </a:defRPr>
+            </a:lvl5pPr>
+            <a:lvl6pPr marL="2514600" indent="-228600" algn="l" defTabSz="914400" rtl="0" eaLnBrk="1" latinLnBrk="0" hangingPunct="1">
+              <a:lnSpc>
+                <a:spcPct val="90000"/>
+              </a:lnSpc>
+              <a:spcBef>
+                <a:spcPts val="500"/>
+              </a:spcBef>
+              <a:buFont typeface="Arial" panose="020B0604020202020204" pitchFamily="34" charset="0"/>
+              <a:buChar char="•"/>
+              <a:defRPr sz="1800" kern="1200">
+                <a:solidFill>
+                  <a:schemeClr val="tx1"/>
+                </a:solidFill>
+                <a:latin typeface="+mn-lt"/>
+                <a:ea typeface="+mn-ea"/>
+                <a:cs typeface="+mn-cs"/>
+              </a:defRPr>
+            </a:lvl6pPr>
+            <a:lvl7pPr marL="2971800" indent="-228600" algn="l" defTabSz="914400" rtl="0" eaLnBrk="1" latinLnBrk="0" hangingPunct="1">
+              <a:lnSpc>
+                <a:spcPct val="90000"/>
+              </a:lnSpc>
+              <a:spcBef>
+                <a:spcPts val="500"/>
+              </a:spcBef>
+              <a:buFont typeface="Arial" panose="020B0604020202020204" pitchFamily="34" charset="0"/>
+              <a:buChar char="•"/>
+              <a:defRPr sz="1800" kern="1200">
+                <a:solidFill>
+                  <a:schemeClr val="tx1"/>
+                </a:solidFill>
+                <a:latin typeface="+mn-lt"/>
+                <a:ea typeface="+mn-ea"/>
+                <a:cs typeface="+mn-cs"/>
+              </a:defRPr>
+            </a:lvl7pPr>
+            <a:lvl8pPr marL="3429000" indent="-228600" algn="l" defTabSz="914400" rtl="0" eaLnBrk="1" latinLnBrk="0" hangingPunct="1">
+              <a:lnSpc>
+                <a:spcPct val="90000"/>
+              </a:lnSpc>
+              <a:spcBef>
+                <a:spcPts val="500"/>
+              </a:spcBef>
+              <a:buFont typeface="Arial" panose="020B0604020202020204" pitchFamily="34" charset="0"/>
+              <a:buChar char="•"/>
+              <a:defRPr sz="1800" kern="1200">
+                <a:solidFill>
+                  <a:schemeClr val="tx1"/>
+                </a:solidFill>
+                <a:latin typeface="+mn-lt"/>
+                <a:ea typeface="+mn-ea"/>
+                <a:cs typeface="+mn-cs"/>
+              </a:defRPr>
+            </a:lvl8pPr>
+            <a:lvl9pPr marL="3886200" indent="-228600" algn="l" defTabSz="914400" rtl="0" eaLnBrk="1" latinLnBrk="0" hangingPunct="1">
+              <a:lnSpc>
+                <a:spcPct val="90000"/>
+              </a:lnSpc>
+              <a:spcBef>
+                <a:spcPts val="500"/>
+              </a:spcBef>
+              <a:buFont typeface="Arial" panose="020B0604020202020204" pitchFamily="34" charset="0"/>
+              <a:buChar char="•"/>
+              <a:defRPr sz="1800" kern="1200">
+                <a:solidFill>
+                  <a:schemeClr val="tx1"/>
+                </a:solidFill>
+                <a:latin typeface="+mn-lt"/>
+                <a:ea typeface="+mn-ea"/>
+                <a:cs typeface="+mn-cs"/>
+              </a:defRPr>
+            </a:lvl9pPr>
+          </a:lstStyle>
+          <a:p>
+            <a:pPr marL="0" indent="0">
+              <a:buFont typeface="Arial" panose="020B0604020202020204" pitchFamily="34" charset="0"/>
+              <a:buNone/>
+            </a:pPr>
+            <a:r>
+              <a:rPr lang="en-US" sz="2000" dirty="0"/>
+              <a:t>Immediate call-to-action</a:t>
+            </a:r>
+          </a:p>
+        </p:txBody>
+      </p:sp>
+      <p:cxnSp>
+        <p:nvCxnSpPr>
+          <p:cNvPr id="9" name="Straight Arrow Connector 8">
+            <a:extLst>
+              <a:ext uri="{FF2B5EF4-FFF2-40B4-BE49-F238E27FC236}">
+                <a16:creationId xmlns:a16="http://schemas.microsoft.com/office/drawing/2014/main" id="{9FEC429C-DD02-C249-FBC0-F6A842A1F4E7}"/>
+              </a:ext>
+            </a:extLst>
+          </p:cNvPr>
+          <p:cNvCxnSpPr>
+            <a:cxnSpLocks/>
+            <a:stCxn id="8" idx="1"/>
+          </p:cNvCxnSpPr>
+          <p:nvPr/>
+        </p:nvCxnSpPr>
+        <p:spPr>
+          <a:xfrm flipH="1">
+            <a:off x="2557750" y="3580704"/>
+            <a:ext cx="863374" cy="0"/>
+          </a:xfrm>
+          <a:prstGeom prst="straightConnector1">
+            <a:avLst/>
+          </a:prstGeom>
+          <a:ln w="38100">
+            <a:solidFill>
+              <a:srgbClr val="993300"/>
+            </a:solidFill>
+            <a:tailEnd type="triangle"/>
+          </a:ln>
+        </p:spPr>
+        <p:style>
+          <a:lnRef idx="1">
+            <a:schemeClr val="accent1"/>
+          </a:lnRef>
+          <a:fillRef idx="0">
+            <a:schemeClr val="accent1"/>
+          </a:fillRef>
+          <a:effectRef idx="0">
+            <a:schemeClr val="accent1"/>
+          </a:effectRef>
+          <a:fontRef idx="minor">
+            <a:schemeClr val="tx1"/>
+          </a:fontRef>
+        </p:style>
+      </p:cxnSp>
+      <p:sp>
+        <p:nvSpPr>
+          <p:cNvPr id="11" name="Content Placeholder 2">
+            <a:extLst>
+              <a:ext uri="{FF2B5EF4-FFF2-40B4-BE49-F238E27FC236}">
+                <a16:creationId xmlns:a16="http://schemas.microsoft.com/office/drawing/2014/main" id="{10EC7928-D8EC-3A24-3A88-CB13C5C5A905}"/>
+              </a:ext>
+            </a:extLst>
+          </p:cNvPr>
+          <p:cNvSpPr txBox="1">
+            <a:spLocks/>
+          </p:cNvSpPr>
+          <p:nvPr/>
+        </p:nvSpPr>
+        <p:spPr>
+          <a:xfrm>
+            <a:off x="3421124" y="6022468"/>
+            <a:ext cx="3303967" cy="722926"/>
+          </a:xfrm>
+          <a:prstGeom prst="rect">
+            <a:avLst/>
+          </a:prstGeom>
+        </p:spPr>
+        <p:txBody>
+          <a:bodyPr vert="horz" lIns="91440" tIns="45720" rIns="91440" bIns="45720" rtlCol="0">
+            <a:normAutofit fontScale="92500"/>
+          </a:bodyPr>
+          <a:lstStyle>
+            <a:lvl1pPr marL="228600" indent="-228600" algn="l" defTabSz="914400" rtl="0" eaLnBrk="1" latinLnBrk="0" hangingPunct="1">
+              <a:lnSpc>
+                <a:spcPct val="90000"/>
+              </a:lnSpc>
+              <a:spcBef>
+                <a:spcPts val="1000"/>
+              </a:spcBef>
+              <a:buFont typeface="Arial" panose="020B0604020202020204" pitchFamily="34" charset="0"/>
+              <a:buChar char="•"/>
+              <a:defRPr sz="2800" kern="1200">
+                <a:solidFill>
+                  <a:schemeClr val="tx1"/>
+                </a:solidFill>
+                <a:latin typeface="+mn-lt"/>
+                <a:ea typeface="+mn-ea"/>
+                <a:cs typeface="+mn-cs"/>
+              </a:defRPr>
+            </a:lvl1pPr>
+            <a:lvl2pPr marL="685800" indent="-228600" algn="l" defTabSz="914400" rtl="0" eaLnBrk="1" latinLnBrk="0" hangingPunct="1">
+              <a:lnSpc>
+                <a:spcPct val="90000"/>
+              </a:lnSpc>
+              <a:spcBef>
+                <a:spcPts val="500"/>
+              </a:spcBef>
+              <a:buFont typeface="Arial" panose="020B0604020202020204" pitchFamily="34" charset="0"/>
+              <a:buChar char="•"/>
+              <a:defRPr sz="2400" kern="1200">
+                <a:solidFill>
+                  <a:schemeClr val="tx1"/>
+                </a:solidFill>
+                <a:latin typeface="+mn-lt"/>
+                <a:ea typeface="+mn-ea"/>
+                <a:cs typeface="+mn-cs"/>
+              </a:defRPr>
+            </a:lvl2pPr>
+            <a:lvl3pPr marL="1143000" indent="-228600" algn="l" defTabSz="914400" rtl="0" eaLnBrk="1" latinLnBrk="0" hangingPunct="1">
+              <a:lnSpc>
+                <a:spcPct val="90000"/>
+              </a:lnSpc>
+              <a:spcBef>
+                <a:spcPts val="500"/>
+              </a:spcBef>
+              <a:buFont typeface="Arial" panose="020B0604020202020204" pitchFamily="34" charset="0"/>
+              <a:buChar char="•"/>
+              <a:defRPr sz="2000" kern="1200">
+                <a:solidFill>
+                  <a:schemeClr val="tx1"/>
+                </a:solidFill>
+                <a:latin typeface="+mn-lt"/>
+                <a:ea typeface="+mn-ea"/>
+                <a:cs typeface="+mn-cs"/>
+              </a:defRPr>
+            </a:lvl3pPr>
+            <a:lvl4pPr marL="1600200" indent="-228600" algn="l" defTabSz="914400" rtl="0" eaLnBrk="1" latinLnBrk="0" hangingPunct="1">
+              <a:lnSpc>
+                <a:spcPct val="90000"/>
+              </a:lnSpc>
+              <a:spcBef>
+                <a:spcPts val="500"/>
+              </a:spcBef>
+              <a:buFont typeface="Arial" panose="020B0604020202020204" pitchFamily="34" charset="0"/>
+              <a:buChar char="•"/>
+              <a:defRPr sz="1800" kern="1200">
+                <a:solidFill>
+                  <a:schemeClr val="tx1"/>
+                </a:solidFill>
+                <a:latin typeface="+mn-lt"/>
+                <a:ea typeface="+mn-ea"/>
+                <a:cs typeface="+mn-cs"/>
+              </a:defRPr>
+            </a:lvl4pPr>
+            <a:lvl5pPr marL="2057400" indent="-228600" algn="l" defTabSz="914400" rtl="0" eaLnBrk="1" latinLnBrk="0" hangingPunct="1">
+              <a:lnSpc>
+                <a:spcPct val="90000"/>
+              </a:lnSpc>
+              <a:spcBef>
+                <a:spcPts val="500"/>
+              </a:spcBef>
+              <a:buFont typeface="Arial" panose="020B0604020202020204" pitchFamily="34" charset="0"/>
+              <a:buChar char="•"/>
+              <a:defRPr sz="1800" kern="1200">
+                <a:solidFill>
+                  <a:schemeClr val="tx1"/>
+                </a:solidFill>
+                <a:latin typeface="+mn-lt"/>
+                <a:ea typeface="+mn-ea"/>
+                <a:cs typeface="+mn-cs"/>
+              </a:defRPr>
+            </a:lvl5pPr>
+            <a:lvl6pPr marL="2514600" indent="-228600" algn="l" defTabSz="914400" rtl="0" eaLnBrk="1" latinLnBrk="0" hangingPunct="1">
+              <a:lnSpc>
+                <a:spcPct val="90000"/>
+              </a:lnSpc>
+              <a:spcBef>
+                <a:spcPts val="500"/>
+              </a:spcBef>
+              <a:buFont typeface="Arial" panose="020B0604020202020204" pitchFamily="34" charset="0"/>
+              <a:buChar char="•"/>
+              <a:defRPr sz="1800" kern="1200">
+                <a:solidFill>
+                  <a:schemeClr val="tx1"/>
+                </a:solidFill>
+                <a:latin typeface="+mn-lt"/>
+                <a:ea typeface="+mn-ea"/>
+                <a:cs typeface="+mn-cs"/>
+              </a:defRPr>
+            </a:lvl6pPr>
+            <a:lvl7pPr marL="2971800" indent="-228600" algn="l" defTabSz="914400" rtl="0" eaLnBrk="1" latinLnBrk="0" hangingPunct="1">
+              <a:lnSpc>
+                <a:spcPct val="90000"/>
+              </a:lnSpc>
+              <a:spcBef>
+                <a:spcPts val="500"/>
+              </a:spcBef>
+              <a:buFont typeface="Arial" panose="020B0604020202020204" pitchFamily="34" charset="0"/>
+              <a:buChar char="•"/>
+              <a:defRPr sz="1800" kern="1200">
+                <a:solidFill>
+                  <a:schemeClr val="tx1"/>
+                </a:solidFill>
+                <a:latin typeface="+mn-lt"/>
+                <a:ea typeface="+mn-ea"/>
+                <a:cs typeface="+mn-cs"/>
+              </a:defRPr>
+            </a:lvl7pPr>
+            <a:lvl8pPr marL="3429000" indent="-228600" algn="l" defTabSz="914400" rtl="0" eaLnBrk="1" latinLnBrk="0" hangingPunct="1">
+              <a:lnSpc>
+                <a:spcPct val="90000"/>
+              </a:lnSpc>
+              <a:spcBef>
+                <a:spcPts val="500"/>
+              </a:spcBef>
+              <a:buFont typeface="Arial" panose="020B0604020202020204" pitchFamily="34" charset="0"/>
+              <a:buChar char="•"/>
+              <a:defRPr sz="1800" kern="1200">
+                <a:solidFill>
+                  <a:schemeClr val="tx1"/>
+                </a:solidFill>
+                <a:latin typeface="+mn-lt"/>
+                <a:ea typeface="+mn-ea"/>
+                <a:cs typeface="+mn-cs"/>
+              </a:defRPr>
+            </a:lvl8pPr>
+            <a:lvl9pPr marL="3886200" indent="-228600" algn="l" defTabSz="914400" rtl="0" eaLnBrk="1" latinLnBrk="0" hangingPunct="1">
+              <a:lnSpc>
+                <a:spcPct val="90000"/>
+              </a:lnSpc>
+              <a:spcBef>
+                <a:spcPts val="500"/>
+              </a:spcBef>
+              <a:buFont typeface="Arial" panose="020B0604020202020204" pitchFamily="34" charset="0"/>
+              <a:buChar char="•"/>
+              <a:defRPr sz="1800" kern="1200">
+                <a:solidFill>
+                  <a:schemeClr val="tx1"/>
+                </a:solidFill>
+                <a:latin typeface="+mn-lt"/>
+                <a:ea typeface="+mn-ea"/>
+                <a:cs typeface="+mn-cs"/>
+              </a:defRPr>
+            </a:lvl9pPr>
+          </a:lstStyle>
+          <a:p>
+            <a:pPr marL="0" indent="0" algn="ctr">
+              <a:buFont typeface="Arial" panose="020B0604020202020204" pitchFamily="34" charset="0"/>
+              <a:buNone/>
+            </a:pPr>
+            <a:r>
+              <a:rPr lang="en-US" sz="2000" dirty="0"/>
+              <a:t>Product description, marketing and more call-to-actions</a:t>
+            </a:r>
+          </a:p>
+        </p:txBody>
+      </p:sp>
+      <p:pic>
+        <p:nvPicPr>
+          <p:cNvPr id="13" name="Picture 12">
+            <a:extLst>
+              <a:ext uri="{FF2B5EF4-FFF2-40B4-BE49-F238E27FC236}">
+                <a16:creationId xmlns:a16="http://schemas.microsoft.com/office/drawing/2014/main" id="{710219A5-BD99-76CA-47C7-BC931AFA00EC}"/>
+              </a:ext>
+            </a:extLst>
+          </p:cNvPr>
+          <p:cNvPicPr>
+            <a:picLocks noChangeAspect="1"/>
+          </p:cNvPicPr>
+          <p:nvPr/>
+        </p:nvPicPr>
+        <p:blipFill>
+          <a:blip r:embed="rId4"/>
+          <a:stretch>
+            <a:fillRect/>
+          </a:stretch>
+        </p:blipFill>
+        <p:spPr>
+          <a:xfrm>
+            <a:off x="3239399" y="3809104"/>
+            <a:ext cx="1614763" cy="2118291"/>
+          </a:xfrm>
+          <a:prstGeom prst="rect">
+            <a:avLst/>
+          </a:prstGeom>
+        </p:spPr>
+      </p:pic>
+      <p:cxnSp>
+        <p:nvCxnSpPr>
+          <p:cNvPr id="14" name="Straight Arrow Connector 13">
+            <a:extLst>
+              <a:ext uri="{FF2B5EF4-FFF2-40B4-BE49-F238E27FC236}">
+                <a16:creationId xmlns:a16="http://schemas.microsoft.com/office/drawing/2014/main" id="{CE5D9749-65E0-6FE9-FDF4-D5BF41FC6C38}"/>
+              </a:ext>
+            </a:extLst>
+          </p:cNvPr>
+          <p:cNvCxnSpPr>
+            <a:cxnSpLocks/>
+          </p:cNvCxnSpPr>
+          <p:nvPr/>
+        </p:nvCxnSpPr>
+        <p:spPr>
+          <a:xfrm>
+            <a:off x="2747576" y="6076256"/>
+            <a:ext cx="0" cy="698317"/>
+          </a:xfrm>
+          <a:prstGeom prst="straightConnector1">
+            <a:avLst/>
+          </a:prstGeom>
+          <a:ln w="38100">
+            <a:solidFill>
+              <a:srgbClr val="993300"/>
+            </a:solidFill>
+            <a:tailEnd type="triangle"/>
+          </a:ln>
+        </p:spPr>
+        <p:style>
+          <a:lnRef idx="1">
+            <a:schemeClr val="accent1"/>
+          </a:lnRef>
+          <a:fillRef idx="0">
+            <a:schemeClr val="accent1"/>
+          </a:fillRef>
+          <a:effectRef idx="0">
+            <a:schemeClr val="accent1"/>
+          </a:effectRef>
+          <a:fontRef idx="minor">
+            <a:schemeClr val="tx1"/>
+          </a:fontRef>
+        </p:style>
+      </p:cxnSp>
+      <p:sp>
+        <p:nvSpPr>
+          <p:cNvPr id="16" name="Content Placeholder 2">
+            <a:extLst>
+              <a:ext uri="{FF2B5EF4-FFF2-40B4-BE49-F238E27FC236}">
+                <a16:creationId xmlns:a16="http://schemas.microsoft.com/office/drawing/2014/main" id="{073A5E77-C8E7-802F-8FF8-561256CD70E7}"/>
+              </a:ext>
+            </a:extLst>
+          </p:cNvPr>
+          <p:cNvSpPr txBox="1">
+            <a:spLocks/>
+          </p:cNvSpPr>
+          <p:nvPr/>
+        </p:nvSpPr>
+        <p:spPr>
+          <a:xfrm>
+            <a:off x="2866460" y="6233041"/>
+            <a:ext cx="701748" cy="384745"/>
+          </a:xfrm>
+          <a:prstGeom prst="rect">
+            <a:avLst/>
+          </a:prstGeom>
+        </p:spPr>
+        <p:txBody>
+          <a:bodyPr vert="horz" lIns="91440" tIns="45720" rIns="91440" bIns="45720" rtlCol="0">
+            <a:normAutofit/>
+          </a:bodyPr>
+          <a:lstStyle>
+            <a:lvl1pPr marL="228600" indent="-228600" algn="l" defTabSz="914400" rtl="0" eaLnBrk="1" latinLnBrk="0" hangingPunct="1">
+              <a:lnSpc>
+                <a:spcPct val="90000"/>
+              </a:lnSpc>
+              <a:spcBef>
+                <a:spcPts val="1000"/>
+              </a:spcBef>
+              <a:buFont typeface="Arial" panose="020B0604020202020204" pitchFamily="34" charset="0"/>
+              <a:buChar char="•"/>
+              <a:defRPr sz="2800" kern="1200">
+                <a:solidFill>
+                  <a:schemeClr val="tx1"/>
+                </a:solidFill>
+                <a:latin typeface="+mn-lt"/>
+                <a:ea typeface="+mn-ea"/>
+                <a:cs typeface="+mn-cs"/>
+              </a:defRPr>
+            </a:lvl1pPr>
+            <a:lvl2pPr marL="685800" indent="-228600" algn="l" defTabSz="914400" rtl="0" eaLnBrk="1" latinLnBrk="0" hangingPunct="1">
+              <a:lnSpc>
+                <a:spcPct val="90000"/>
+              </a:lnSpc>
+              <a:spcBef>
+                <a:spcPts val="500"/>
+              </a:spcBef>
+              <a:buFont typeface="Arial" panose="020B0604020202020204" pitchFamily="34" charset="0"/>
+              <a:buChar char="•"/>
+              <a:defRPr sz="2400" kern="1200">
+                <a:solidFill>
+                  <a:schemeClr val="tx1"/>
+                </a:solidFill>
+                <a:latin typeface="+mn-lt"/>
+                <a:ea typeface="+mn-ea"/>
+                <a:cs typeface="+mn-cs"/>
+              </a:defRPr>
+            </a:lvl2pPr>
+            <a:lvl3pPr marL="1143000" indent="-228600" algn="l" defTabSz="914400" rtl="0" eaLnBrk="1" latinLnBrk="0" hangingPunct="1">
+              <a:lnSpc>
+                <a:spcPct val="90000"/>
+              </a:lnSpc>
+              <a:spcBef>
+                <a:spcPts val="500"/>
+              </a:spcBef>
+              <a:buFont typeface="Arial" panose="020B0604020202020204" pitchFamily="34" charset="0"/>
+              <a:buChar char="•"/>
+              <a:defRPr sz="2000" kern="1200">
+                <a:solidFill>
+                  <a:schemeClr val="tx1"/>
+                </a:solidFill>
+                <a:latin typeface="+mn-lt"/>
+                <a:ea typeface="+mn-ea"/>
+                <a:cs typeface="+mn-cs"/>
+              </a:defRPr>
+            </a:lvl3pPr>
+            <a:lvl4pPr marL="1600200" indent="-228600" algn="l" defTabSz="914400" rtl="0" eaLnBrk="1" latinLnBrk="0" hangingPunct="1">
+              <a:lnSpc>
+                <a:spcPct val="90000"/>
+              </a:lnSpc>
+              <a:spcBef>
+                <a:spcPts val="500"/>
+              </a:spcBef>
+              <a:buFont typeface="Arial" panose="020B0604020202020204" pitchFamily="34" charset="0"/>
+              <a:buChar char="•"/>
+              <a:defRPr sz="1800" kern="1200">
+                <a:solidFill>
+                  <a:schemeClr val="tx1"/>
+                </a:solidFill>
+                <a:latin typeface="+mn-lt"/>
+                <a:ea typeface="+mn-ea"/>
+                <a:cs typeface="+mn-cs"/>
+              </a:defRPr>
+            </a:lvl4pPr>
+            <a:lvl5pPr marL="2057400" indent="-228600" algn="l" defTabSz="914400" rtl="0" eaLnBrk="1" latinLnBrk="0" hangingPunct="1">
+              <a:lnSpc>
+                <a:spcPct val="90000"/>
+              </a:lnSpc>
+              <a:spcBef>
+                <a:spcPts val="500"/>
+              </a:spcBef>
+              <a:buFont typeface="Arial" panose="020B0604020202020204" pitchFamily="34" charset="0"/>
+              <a:buChar char="•"/>
+              <a:defRPr sz="1800" kern="1200">
+                <a:solidFill>
+                  <a:schemeClr val="tx1"/>
+                </a:solidFill>
+                <a:latin typeface="+mn-lt"/>
+                <a:ea typeface="+mn-ea"/>
+                <a:cs typeface="+mn-cs"/>
+              </a:defRPr>
+            </a:lvl5pPr>
+            <a:lvl6pPr marL="2514600" indent="-228600" algn="l" defTabSz="914400" rtl="0" eaLnBrk="1" latinLnBrk="0" hangingPunct="1">
+              <a:lnSpc>
+                <a:spcPct val="90000"/>
+              </a:lnSpc>
+              <a:spcBef>
+                <a:spcPts val="500"/>
+              </a:spcBef>
+              <a:buFont typeface="Arial" panose="020B0604020202020204" pitchFamily="34" charset="0"/>
+              <a:buChar char="•"/>
+              <a:defRPr sz="1800" kern="1200">
+                <a:solidFill>
+                  <a:schemeClr val="tx1"/>
+                </a:solidFill>
+                <a:latin typeface="+mn-lt"/>
+                <a:ea typeface="+mn-ea"/>
+                <a:cs typeface="+mn-cs"/>
+              </a:defRPr>
+            </a:lvl6pPr>
+            <a:lvl7pPr marL="2971800" indent="-228600" algn="l" defTabSz="914400" rtl="0" eaLnBrk="1" latinLnBrk="0" hangingPunct="1">
+              <a:lnSpc>
+                <a:spcPct val="90000"/>
+              </a:lnSpc>
+              <a:spcBef>
+                <a:spcPts val="500"/>
+              </a:spcBef>
+              <a:buFont typeface="Arial" panose="020B0604020202020204" pitchFamily="34" charset="0"/>
+              <a:buChar char="•"/>
+              <a:defRPr sz="1800" kern="1200">
+                <a:solidFill>
+                  <a:schemeClr val="tx1"/>
+                </a:solidFill>
+                <a:latin typeface="+mn-lt"/>
+                <a:ea typeface="+mn-ea"/>
+                <a:cs typeface="+mn-cs"/>
+              </a:defRPr>
+            </a:lvl7pPr>
+            <a:lvl8pPr marL="3429000" indent="-228600" algn="l" defTabSz="914400" rtl="0" eaLnBrk="1" latinLnBrk="0" hangingPunct="1">
+              <a:lnSpc>
+                <a:spcPct val="90000"/>
+              </a:lnSpc>
+              <a:spcBef>
+                <a:spcPts val="500"/>
+              </a:spcBef>
+              <a:buFont typeface="Arial" panose="020B0604020202020204" pitchFamily="34" charset="0"/>
+              <a:buChar char="•"/>
+              <a:defRPr sz="1800" kern="1200">
+                <a:solidFill>
+                  <a:schemeClr val="tx1"/>
+                </a:solidFill>
+                <a:latin typeface="+mn-lt"/>
+                <a:ea typeface="+mn-ea"/>
+                <a:cs typeface="+mn-cs"/>
+              </a:defRPr>
+            </a:lvl8pPr>
+            <a:lvl9pPr marL="3886200" indent="-228600" algn="l" defTabSz="914400" rtl="0" eaLnBrk="1" latinLnBrk="0" hangingPunct="1">
+              <a:lnSpc>
+                <a:spcPct val="90000"/>
+              </a:lnSpc>
+              <a:spcBef>
+                <a:spcPts val="500"/>
+              </a:spcBef>
+              <a:buFont typeface="Arial" panose="020B0604020202020204" pitchFamily="34" charset="0"/>
+              <a:buChar char="•"/>
+              <a:defRPr sz="1800" kern="1200">
+                <a:solidFill>
+                  <a:schemeClr val="tx1"/>
+                </a:solidFill>
+                <a:latin typeface="+mn-lt"/>
+                <a:ea typeface="+mn-ea"/>
+                <a:cs typeface="+mn-cs"/>
+              </a:defRPr>
+            </a:lvl9pPr>
+          </a:lstStyle>
+          <a:p>
+            <a:pPr marL="0" indent="0">
+              <a:buFont typeface="Arial" panose="020B0604020202020204" pitchFamily="34" charset="0"/>
+              <a:buNone/>
+            </a:pPr>
+            <a:r>
+              <a:rPr lang="en-US" sz="1600" b="1" dirty="0">
+                <a:solidFill>
+                  <a:srgbClr val="993300"/>
+                </a:solidFill>
+              </a:rPr>
+              <a:t>Scroll</a:t>
+            </a:r>
+            <a:endParaRPr lang="en-US" sz="2000" b="1" dirty="0">
+              <a:solidFill>
+                <a:srgbClr val="993300"/>
+              </a:solidFill>
+            </a:endParaRPr>
+          </a:p>
+        </p:txBody>
+      </p:sp>
+      <p:pic>
+        <p:nvPicPr>
+          <p:cNvPr id="20" name="Picture 19">
+            <a:extLst>
+              <a:ext uri="{FF2B5EF4-FFF2-40B4-BE49-F238E27FC236}">
+                <a16:creationId xmlns:a16="http://schemas.microsoft.com/office/drawing/2014/main" id="{509C0C91-4FF6-816A-F068-15F7522E02BE}"/>
+              </a:ext>
+            </a:extLst>
+          </p:cNvPr>
+          <p:cNvPicPr>
+            <a:picLocks noChangeAspect="1"/>
+          </p:cNvPicPr>
+          <p:nvPr/>
+        </p:nvPicPr>
+        <p:blipFill>
+          <a:blip r:embed="rId5"/>
+          <a:stretch>
+            <a:fillRect/>
+          </a:stretch>
+        </p:blipFill>
+        <p:spPr>
+          <a:xfrm>
+            <a:off x="5045812" y="3845615"/>
+            <a:ext cx="1425336" cy="2045267"/>
+          </a:xfrm>
+          <a:prstGeom prst="rect">
+            <a:avLst/>
+          </a:prstGeom>
+        </p:spPr>
+      </p:pic>
+      <p:pic>
+        <p:nvPicPr>
+          <p:cNvPr id="2050" name="Picture 2" descr="Nenhuma descrição disponível.">
+            <a:extLst>
+              <a:ext uri="{FF2B5EF4-FFF2-40B4-BE49-F238E27FC236}">
+                <a16:creationId xmlns:a16="http://schemas.microsoft.com/office/drawing/2014/main" id="{22FF8D68-0F96-BC86-7CB3-92941F7E8976}"/>
+              </a:ext>
+            </a:extLst>
+          </p:cNvPr>
+          <p:cNvPicPr>
+            <a:picLocks noChangeAspect="1" noChangeArrowheads="1"/>
+          </p:cNvPicPr>
+          <p:nvPr/>
+        </p:nvPicPr>
+        <p:blipFill>
+          <a:blip r:embed="rId6">
+            <a:extLst>
+              <a:ext uri="{28A0092B-C50C-407E-A947-70E740481C1C}">
+                <a14:useLocalDpi xmlns:a14="http://schemas.microsoft.com/office/drawing/2010/main" val="0"/>
+              </a:ext>
+            </a:extLst>
+          </a:blip>
+          <a:srcRect/>
+          <a:stretch>
+            <a:fillRect/>
+          </a:stretch>
+        </p:blipFill>
+        <p:spPr bwMode="auto">
+          <a:xfrm>
+            <a:off x="7160321" y="1853413"/>
+            <a:ext cx="2176991" cy="4572000"/>
+          </a:xfrm>
+          <a:prstGeom prst="rect">
+            <a:avLst/>
+          </a:prstGeom>
+          <a:noFill/>
+          <a:ln w="12700">
+            <a:solidFill>
+              <a:schemeClr val="tx1"/>
+            </a:solidFill>
+          </a:ln>
+          <a:extLst>
+            <a:ext uri="{909E8E84-426E-40DD-AFC4-6F175D3DCCD1}">
+              <a14:hiddenFill xmlns:a14="http://schemas.microsoft.com/office/drawing/2010/main">
+                <a:solidFill>
+                  <a:srgbClr val="FFFFFF"/>
+                </a:solidFill>
+              </a14:hiddenFill>
+            </a:ext>
+          </a:extLst>
+        </p:spPr>
+      </p:pic>
+      <p:sp>
+        <p:nvSpPr>
+          <p:cNvPr id="22" name="Content Placeholder 2">
+            <a:extLst>
+              <a:ext uri="{FF2B5EF4-FFF2-40B4-BE49-F238E27FC236}">
+                <a16:creationId xmlns:a16="http://schemas.microsoft.com/office/drawing/2014/main" id="{2F0E1821-47D8-79B3-2BD5-22F6ED0C9F98}"/>
+              </a:ext>
+            </a:extLst>
+          </p:cNvPr>
+          <p:cNvSpPr txBox="1">
+            <a:spLocks/>
+          </p:cNvSpPr>
+          <p:nvPr/>
+        </p:nvSpPr>
+        <p:spPr>
+          <a:xfrm>
+            <a:off x="9961838" y="2148159"/>
+            <a:ext cx="1537616" cy="384745"/>
+          </a:xfrm>
+          <a:prstGeom prst="rect">
+            <a:avLst/>
+          </a:prstGeom>
+        </p:spPr>
+        <p:txBody>
+          <a:bodyPr vert="horz" lIns="91440" tIns="45720" rIns="91440" bIns="45720" rtlCol="0">
+            <a:normAutofit/>
+          </a:bodyPr>
+          <a:lstStyle>
+            <a:lvl1pPr marL="228600" indent="-228600" algn="l" defTabSz="914400" rtl="0" eaLnBrk="1" latinLnBrk="0" hangingPunct="1">
+              <a:lnSpc>
+                <a:spcPct val="90000"/>
+              </a:lnSpc>
+              <a:spcBef>
+                <a:spcPts val="1000"/>
+              </a:spcBef>
+              <a:buFont typeface="Arial" panose="020B0604020202020204" pitchFamily="34" charset="0"/>
+              <a:buChar char="•"/>
+              <a:defRPr sz="2800" kern="1200">
+                <a:solidFill>
+                  <a:schemeClr val="tx1"/>
+                </a:solidFill>
+                <a:latin typeface="+mn-lt"/>
+                <a:ea typeface="+mn-ea"/>
+                <a:cs typeface="+mn-cs"/>
+              </a:defRPr>
+            </a:lvl1pPr>
+            <a:lvl2pPr marL="685800" indent="-228600" algn="l" defTabSz="914400" rtl="0" eaLnBrk="1" latinLnBrk="0" hangingPunct="1">
+              <a:lnSpc>
+                <a:spcPct val="90000"/>
+              </a:lnSpc>
+              <a:spcBef>
+                <a:spcPts val="500"/>
+              </a:spcBef>
+              <a:buFont typeface="Arial" panose="020B0604020202020204" pitchFamily="34" charset="0"/>
+              <a:buChar char="•"/>
+              <a:defRPr sz="2400" kern="1200">
+                <a:solidFill>
+                  <a:schemeClr val="tx1"/>
+                </a:solidFill>
+                <a:latin typeface="+mn-lt"/>
+                <a:ea typeface="+mn-ea"/>
+                <a:cs typeface="+mn-cs"/>
+              </a:defRPr>
+            </a:lvl2pPr>
+            <a:lvl3pPr marL="1143000" indent="-228600" algn="l" defTabSz="914400" rtl="0" eaLnBrk="1" latinLnBrk="0" hangingPunct="1">
+              <a:lnSpc>
+                <a:spcPct val="90000"/>
+              </a:lnSpc>
+              <a:spcBef>
+                <a:spcPts val="500"/>
+              </a:spcBef>
+              <a:buFont typeface="Arial" panose="020B0604020202020204" pitchFamily="34" charset="0"/>
+              <a:buChar char="•"/>
+              <a:defRPr sz="2000" kern="1200">
+                <a:solidFill>
+                  <a:schemeClr val="tx1"/>
+                </a:solidFill>
+                <a:latin typeface="+mn-lt"/>
+                <a:ea typeface="+mn-ea"/>
+                <a:cs typeface="+mn-cs"/>
+              </a:defRPr>
+            </a:lvl3pPr>
+            <a:lvl4pPr marL="1600200" indent="-228600" algn="l" defTabSz="914400" rtl="0" eaLnBrk="1" latinLnBrk="0" hangingPunct="1">
+              <a:lnSpc>
+                <a:spcPct val="90000"/>
+              </a:lnSpc>
+              <a:spcBef>
+                <a:spcPts val="500"/>
+              </a:spcBef>
+              <a:buFont typeface="Arial" panose="020B0604020202020204" pitchFamily="34" charset="0"/>
+              <a:buChar char="•"/>
+              <a:defRPr sz="1800" kern="1200">
+                <a:solidFill>
+                  <a:schemeClr val="tx1"/>
+                </a:solidFill>
+                <a:latin typeface="+mn-lt"/>
+                <a:ea typeface="+mn-ea"/>
+                <a:cs typeface="+mn-cs"/>
+              </a:defRPr>
+            </a:lvl4pPr>
+            <a:lvl5pPr marL="2057400" indent="-228600" algn="l" defTabSz="914400" rtl="0" eaLnBrk="1" latinLnBrk="0" hangingPunct="1">
+              <a:lnSpc>
+                <a:spcPct val="90000"/>
+              </a:lnSpc>
+              <a:spcBef>
+                <a:spcPts val="500"/>
+              </a:spcBef>
+              <a:buFont typeface="Arial" panose="020B0604020202020204" pitchFamily="34" charset="0"/>
+              <a:buChar char="•"/>
+              <a:defRPr sz="1800" kern="1200">
+                <a:solidFill>
+                  <a:schemeClr val="tx1"/>
+                </a:solidFill>
+                <a:latin typeface="+mn-lt"/>
+                <a:ea typeface="+mn-ea"/>
+                <a:cs typeface="+mn-cs"/>
+              </a:defRPr>
+            </a:lvl5pPr>
+            <a:lvl6pPr marL="2514600" indent="-228600" algn="l" defTabSz="914400" rtl="0" eaLnBrk="1" latinLnBrk="0" hangingPunct="1">
+              <a:lnSpc>
+                <a:spcPct val="90000"/>
+              </a:lnSpc>
+              <a:spcBef>
+                <a:spcPts val="500"/>
+              </a:spcBef>
+              <a:buFont typeface="Arial" panose="020B0604020202020204" pitchFamily="34" charset="0"/>
+              <a:buChar char="•"/>
+              <a:defRPr sz="1800" kern="1200">
+                <a:solidFill>
+                  <a:schemeClr val="tx1"/>
+                </a:solidFill>
+                <a:latin typeface="+mn-lt"/>
+                <a:ea typeface="+mn-ea"/>
+                <a:cs typeface="+mn-cs"/>
+              </a:defRPr>
+            </a:lvl6pPr>
+            <a:lvl7pPr marL="2971800" indent="-228600" algn="l" defTabSz="914400" rtl="0" eaLnBrk="1" latinLnBrk="0" hangingPunct="1">
+              <a:lnSpc>
+                <a:spcPct val="90000"/>
+              </a:lnSpc>
+              <a:spcBef>
+                <a:spcPts val="500"/>
+              </a:spcBef>
+              <a:buFont typeface="Arial" panose="020B0604020202020204" pitchFamily="34" charset="0"/>
+              <a:buChar char="•"/>
+              <a:defRPr sz="1800" kern="1200">
+                <a:solidFill>
+                  <a:schemeClr val="tx1"/>
+                </a:solidFill>
+                <a:latin typeface="+mn-lt"/>
+                <a:ea typeface="+mn-ea"/>
+                <a:cs typeface="+mn-cs"/>
+              </a:defRPr>
+            </a:lvl7pPr>
+            <a:lvl8pPr marL="3429000" indent="-228600" algn="l" defTabSz="914400" rtl="0" eaLnBrk="1" latinLnBrk="0" hangingPunct="1">
+              <a:lnSpc>
+                <a:spcPct val="90000"/>
+              </a:lnSpc>
+              <a:spcBef>
+                <a:spcPts val="500"/>
+              </a:spcBef>
+              <a:buFont typeface="Arial" panose="020B0604020202020204" pitchFamily="34" charset="0"/>
+              <a:buChar char="•"/>
+              <a:defRPr sz="1800" kern="1200">
+                <a:solidFill>
+                  <a:schemeClr val="tx1"/>
+                </a:solidFill>
+                <a:latin typeface="+mn-lt"/>
+                <a:ea typeface="+mn-ea"/>
+                <a:cs typeface="+mn-cs"/>
+              </a:defRPr>
+            </a:lvl8pPr>
+            <a:lvl9pPr marL="3886200" indent="-228600" algn="l" defTabSz="914400" rtl="0" eaLnBrk="1" latinLnBrk="0" hangingPunct="1">
+              <a:lnSpc>
+                <a:spcPct val="90000"/>
+              </a:lnSpc>
+              <a:spcBef>
+                <a:spcPts val="500"/>
+              </a:spcBef>
+              <a:buFont typeface="Arial" panose="020B0604020202020204" pitchFamily="34" charset="0"/>
+              <a:buChar char="•"/>
+              <a:defRPr sz="1800" kern="1200">
+                <a:solidFill>
+                  <a:schemeClr val="tx1"/>
+                </a:solidFill>
+                <a:latin typeface="+mn-lt"/>
+                <a:ea typeface="+mn-ea"/>
+                <a:cs typeface="+mn-cs"/>
+              </a:defRPr>
+            </a:lvl9pPr>
+          </a:lstStyle>
+          <a:p>
+            <a:pPr marL="0" indent="0" algn="ctr">
+              <a:buFont typeface="Arial" panose="020B0604020202020204" pitchFamily="34" charset="0"/>
+              <a:buNone/>
+            </a:pPr>
+            <a:r>
+              <a:rPr lang="en-US" sz="2000" b="1" dirty="0"/>
+              <a:t>Mobile app</a:t>
+            </a:r>
+          </a:p>
+        </p:txBody>
+      </p:sp>
+      <p:sp>
+        <p:nvSpPr>
+          <p:cNvPr id="23" name="Content Placeholder 2">
+            <a:extLst>
+              <a:ext uri="{FF2B5EF4-FFF2-40B4-BE49-F238E27FC236}">
+                <a16:creationId xmlns:a16="http://schemas.microsoft.com/office/drawing/2014/main" id="{9D6296F3-BA15-5BCF-DE00-F829FD76DE57}"/>
+              </a:ext>
+            </a:extLst>
+          </p:cNvPr>
+          <p:cNvSpPr txBox="1">
+            <a:spLocks/>
+          </p:cNvSpPr>
+          <p:nvPr/>
+        </p:nvSpPr>
+        <p:spPr>
+          <a:xfrm>
+            <a:off x="9388143" y="2706074"/>
+            <a:ext cx="2685006" cy="2213988"/>
+          </a:xfrm>
+          <a:prstGeom prst="rect">
+            <a:avLst/>
+          </a:prstGeom>
+        </p:spPr>
+        <p:txBody>
+          <a:bodyPr vert="horz" lIns="91440" tIns="45720" rIns="91440" bIns="45720" rtlCol="0">
+            <a:normAutofit/>
+          </a:bodyPr>
+          <a:lstStyle>
+            <a:lvl1pPr marL="228600" indent="-228600" algn="l" defTabSz="914400" rtl="0" eaLnBrk="1" latinLnBrk="0" hangingPunct="1">
+              <a:lnSpc>
+                <a:spcPct val="90000"/>
+              </a:lnSpc>
+              <a:spcBef>
+                <a:spcPts val="1000"/>
+              </a:spcBef>
+              <a:buFont typeface="Arial" panose="020B0604020202020204" pitchFamily="34" charset="0"/>
+              <a:buChar char="•"/>
+              <a:defRPr sz="2800" kern="1200">
+                <a:solidFill>
+                  <a:schemeClr val="tx1"/>
+                </a:solidFill>
+                <a:latin typeface="+mn-lt"/>
+                <a:ea typeface="+mn-ea"/>
+                <a:cs typeface="+mn-cs"/>
+              </a:defRPr>
+            </a:lvl1pPr>
+            <a:lvl2pPr marL="685800" indent="-228600" algn="l" defTabSz="914400" rtl="0" eaLnBrk="1" latinLnBrk="0" hangingPunct="1">
+              <a:lnSpc>
+                <a:spcPct val="90000"/>
+              </a:lnSpc>
+              <a:spcBef>
+                <a:spcPts val="500"/>
+              </a:spcBef>
+              <a:buFont typeface="Arial" panose="020B0604020202020204" pitchFamily="34" charset="0"/>
+              <a:buChar char="•"/>
+              <a:defRPr sz="2400" kern="1200">
+                <a:solidFill>
+                  <a:schemeClr val="tx1"/>
+                </a:solidFill>
+                <a:latin typeface="+mn-lt"/>
+                <a:ea typeface="+mn-ea"/>
+                <a:cs typeface="+mn-cs"/>
+              </a:defRPr>
+            </a:lvl2pPr>
+            <a:lvl3pPr marL="1143000" indent="-228600" algn="l" defTabSz="914400" rtl="0" eaLnBrk="1" latinLnBrk="0" hangingPunct="1">
+              <a:lnSpc>
+                <a:spcPct val="90000"/>
+              </a:lnSpc>
+              <a:spcBef>
+                <a:spcPts val="500"/>
+              </a:spcBef>
+              <a:buFont typeface="Arial" panose="020B0604020202020204" pitchFamily="34" charset="0"/>
+              <a:buChar char="•"/>
+              <a:defRPr sz="2000" kern="1200">
+                <a:solidFill>
+                  <a:schemeClr val="tx1"/>
+                </a:solidFill>
+                <a:latin typeface="+mn-lt"/>
+                <a:ea typeface="+mn-ea"/>
+                <a:cs typeface="+mn-cs"/>
+              </a:defRPr>
+            </a:lvl3pPr>
+            <a:lvl4pPr marL="1600200" indent="-228600" algn="l" defTabSz="914400" rtl="0" eaLnBrk="1" latinLnBrk="0" hangingPunct="1">
+              <a:lnSpc>
+                <a:spcPct val="90000"/>
+              </a:lnSpc>
+              <a:spcBef>
+                <a:spcPts val="500"/>
+              </a:spcBef>
+              <a:buFont typeface="Arial" panose="020B0604020202020204" pitchFamily="34" charset="0"/>
+              <a:buChar char="•"/>
+              <a:defRPr sz="1800" kern="1200">
+                <a:solidFill>
+                  <a:schemeClr val="tx1"/>
+                </a:solidFill>
+                <a:latin typeface="+mn-lt"/>
+                <a:ea typeface="+mn-ea"/>
+                <a:cs typeface="+mn-cs"/>
+              </a:defRPr>
+            </a:lvl4pPr>
+            <a:lvl5pPr marL="2057400" indent="-228600" algn="l" defTabSz="914400" rtl="0" eaLnBrk="1" latinLnBrk="0" hangingPunct="1">
+              <a:lnSpc>
+                <a:spcPct val="90000"/>
+              </a:lnSpc>
+              <a:spcBef>
+                <a:spcPts val="500"/>
+              </a:spcBef>
+              <a:buFont typeface="Arial" panose="020B0604020202020204" pitchFamily="34" charset="0"/>
+              <a:buChar char="•"/>
+              <a:defRPr sz="1800" kern="1200">
+                <a:solidFill>
+                  <a:schemeClr val="tx1"/>
+                </a:solidFill>
+                <a:latin typeface="+mn-lt"/>
+                <a:ea typeface="+mn-ea"/>
+                <a:cs typeface="+mn-cs"/>
+              </a:defRPr>
+            </a:lvl5pPr>
+            <a:lvl6pPr marL="2514600" indent="-228600" algn="l" defTabSz="914400" rtl="0" eaLnBrk="1" latinLnBrk="0" hangingPunct="1">
+              <a:lnSpc>
+                <a:spcPct val="90000"/>
+              </a:lnSpc>
+              <a:spcBef>
+                <a:spcPts val="500"/>
+              </a:spcBef>
+              <a:buFont typeface="Arial" panose="020B0604020202020204" pitchFamily="34" charset="0"/>
+              <a:buChar char="•"/>
+              <a:defRPr sz="1800" kern="1200">
+                <a:solidFill>
+                  <a:schemeClr val="tx1"/>
+                </a:solidFill>
+                <a:latin typeface="+mn-lt"/>
+                <a:ea typeface="+mn-ea"/>
+                <a:cs typeface="+mn-cs"/>
+              </a:defRPr>
+            </a:lvl6pPr>
+            <a:lvl7pPr marL="2971800" indent="-228600" algn="l" defTabSz="914400" rtl="0" eaLnBrk="1" latinLnBrk="0" hangingPunct="1">
+              <a:lnSpc>
+                <a:spcPct val="90000"/>
+              </a:lnSpc>
+              <a:spcBef>
+                <a:spcPts val="500"/>
+              </a:spcBef>
+              <a:buFont typeface="Arial" panose="020B0604020202020204" pitchFamily="34" charset="0"/>
+              <a:buChar char="•"/>
+              <a:defRPr sz="1800" kern="1200">
+                <a:solidFill>
+                  <a:schemeClr val="tx1"/>
+                </a:solidFill>
+                <a:latin typeface="+mn-lt"/>
+                <a:ea typeface="+mn-ea"/>
+                <a:cs typeface="+mn-cs"/>
+              </a:defRPr>
+            </a:lvl7pPr>
+            <a:lvl8pPr marL="3429000" indent="-228600" algn="l" defTabSz="914400" rtl="0" eaLnBrk="1" latinLnBrk="0" hangingPunct="1">
+              <a:lnSpc>
+                <a:spcPct val="90000"/>
+              </a:lnSpc>
+              <a:spcBef>
+                <a:spcPts val="500"/>
+              </a:spcBef>
+              <a:buFont typeface="Arial" panose="020B0604020202020204" pitchFamily="34" charset="0"/>
+              <a:buChar char="•"/>
+              <a:defRPr sz="1800" kern="1200">
+                <a:solidFill>
+                  <a:schemeClr val="tx1"/>
+                </a:solidFill>
+                <a:latin typeface="+mn-lt"/>
+                <a:ea typeface="+mn-ea"/>
+                <a:cs typeface="+mn-cs"/>
+              </a:defRPr>
+            </a:lvl8pPr>
+            <a:lvl9pPr marL="3886200" indent="-228600" algn="l" defTabSz="914400" rtl="0" eaLnBrk="1" latinLnBrk="0" hangingPunct="1">
+              <a:lnSpc>
+                <a:spcPct val="90000"/>
+              </a:lnSpc>
+              <a:spcBef>
+                <a:spcPts val="500"/>
+              </a:spcBef>
+              <a:buFont typeface="Arial" panose="020B0604020202020204" pitchFamily="34" charset="0"/>
+              <a:buChar char="•"/>
+              <a:defRPr sz="1800" kern="1200">
+                <a:solidFill>
+                  <a:schemeClr val="tx1"/>
+                </a:solidFill>
+                <a:latin typeface="+mn-lt"/>
+                <a:ea typeface="+mn-ea"/>
+                <a:cs typeface="+mn-cs"/>
+              </a:defRPr>
+            </a:lvl9pPr>
+          </a:lstStyle>
+          <a:p>
+            <a:pPr marL="0" indent="0" algn="ctr">
+              <a:buFont typeface="Arial" panose="020B0604020202020204" pitchFamily="34" charset="0"/>
+              <a:buNone/>
+            </a:pPr>
+            <a:r>
+              <a:rPr lang="en-US" sz="2000" dirty="0"/>
+              <a:t>Very similar to browser, but more “app like” (no scroll, simpler design)</a:t>
+            </a:r>
+          </a:p>
+        </p:txBody>
+      </p:sp>
+    </p:spTree>
+    <p:extLst>
+      <p:ext uri="{BB962C8B-B14F-4D97-AF65-F5344CB8AC3E}">
+        <p14:creationId xmlns:p14="http://schemas.microsoft.com/office/powerpoint/2010/main" val="1407723298"/>
+      </p:ext>
+    </p:extLst>
+  </p:cSld>
+  <p:clrMapOvr>
+    <a:masterClrMapping/>
+  </p:clrMapOvr>
+</p:sld>
+</file>
+
 <file path=ppt/slides/slide2.xml><?xml version="1.0" encoding="utf-8"?>
 <p:sld xmlns:a="http://schemas.openxmlformats.org/drawingml/2006/main" xmlns:r="http://schemas.openxmlformats.org/officeDocument/2006/relationships" xmlns:p="http://schemas.openxmlformats.org/presentationml/2006/main">
   <p:cSld>
@@ -6824,6 +9532,1873 @@
           <a:p>
             <a:r>
               <a:rPr lang="en-US" b="1" dirty="0"/>
+              <a:t>Questionnaire</a:t>
+            </a:r>
+          </a:p>
+        </p:txBody>
+      </p:sp>
+      <p:sp>
+        <p:nvSpPr>
+          <p:cNvPr id="19" name="Content Placeholder 2">
+            <a:extLst>
+              <a:ext uri="{FF2B5EF4-FFF2-40B4-BE49-F238E27FC236}">
+                <a16:creationId xmlns:a16="http://schemas.microsoft.com/office/drawing/2014/main" id="{0ECD3A20-CC97-6E8F-4FEE-A967574EB9EC}"/>
+              </a:ext>
+            </a:extLst>
+          </p:cNvPr>
+          <p:cNvSpPr txBox="1">
+            <a:spLocks/>
+          </p:cNvSpPr>
+          <p:nvPr/>
+        </p:nvSpPr>
+        <p:spPr>
+          <a:xfrm>
+            <a:off x="704850" y="1993044"/>
+            <a:ext cx="2862146" cy="683888"/>
+          </a:xfrm>
+          <a:prstGeom prst="rect">
+            <a:avLst/>
+          </a:prstGeom>
+        </p:spPr>
+        <p:txBody>
+          <a:bodyPr vert="horz" lIns="91440" tIns="45720" rIns="91440" bIns="45720" rtlCol="0">
+            <a:normAutofit/>
+          </a:bodyPr>
+          <a:lstStyle>
+            <a:lvl1pPr marL="228600" indent="-228600" algn="l" defTabSz="914400" rtl="0" eaLnBrk="1" latinLnBrk="0" hangingPunct="1">
+              <a:lnSpc>
+                <a:spcPct val="90000"/>
+              </a:lnSpc>
+              <a:spcBef>
+                <a:spcPts val="1000"/>
+              </a:spcBef>
+              <a:buFont typeface="Arial" panose="020B0604020202020204" pitchFamily="34" charset="0"/>
+              <a:buChar char="•"/>
+              <a:defRPr sz="2800" kern="1200">
+                <a:solidFill>
+                  <a:schemeClr val="tx1"/>
+                </a:solidFill>
+                <a:latin typeface="+mn-lt"/>
+                <a:ea typeface="+mn-ea"/>
+                <a:cs typeface="+mn-cs"/>
+              </a:defRPr>
+            </a:lvl1pPr>
+            <a:lvl2pPr marL="685800" indent="-228600" algn="l" defTabSz="914400" rtl="0" eaLnBrk="1" latinLnBrk="0" hangingPunct="1">
+              <a:lnSpc>
+                <a:spcPct val="90000"/>
+              </a:lnSpc>
+              <a:spcBef>
+                <a:spcPts val="500"/>
+              </a:spcBef>
+              <a:buFont typeface="Arial" panose="020B0604020202020204" pitchFamily="34" charset="0"/>
+              <a:buChar char="•"/>
+              <a:defRPr sz="2400" kern="1200">
+                <a:solidFill>
+                  <a:schemeClr val="tx1"/>
+                </a:solidFill>
+                <a:latin typeface="+mn-lt"/>
+                <a:ea typeface="+mn-ea"/>
+                <a:cs typeface="+mn-cs"/>
+              </a:defRPr>
+            </a:lvl2pPr>
+            <a:lvl3pPr marL="1143000" indent="-228600" algn="l" defTabSz="914400" rtl="0" eaLnBrk="1" latinLnBrk="0" hangingPunct="1">
+              <a:lnSpc>
+                <a:spcPct val="90000"/>
+              </a:lnSpc>
+              <a:spcBef>
+                <a:spcPts val="500"/>
+              </a:spcBef>
+              <a:buFont typeface="Arial" panose="020B0604020202020204" pitchFamily="34" charset="0"/>
+              <a:buChar char="•"/>
+              <a:defRPr sz="2000" kern="1200">
+                <a:solidFill>
+                  <a:schemeClr val="tx1"/>
+                </a:solidFill>
+                <a:latin typeface="+mn-lt"/>
+                <a:ea typeface="+mn-ea"/>
+                <a:cs typeface="+mn-cs"/>
+              </a:defRPr>
+            </a:lvl3pPr>
+            <a:lvl4pPr marL="1600200" indent="-228600" algn="l" defTabSz="914400" rtl="0" eaLnBrk="1" latinLnBrk="0" hangingPunct="1">
+              <a:lnSpc>
+                <a:spcPct val="90000"/>
+              </a:lnSpc>
+              <a:spcBef>
+                <a:spcPts val="500"/>
+              </a:spcBef>
+              <a:buFont typeface="Arial" panose="020B0604020202020204" pitchFamily="34" charset="0"/>
+              <a:buChar char="•"/>
+              <a:defRPr sz="1800" kern="1200">
+                <a:solidFill>
+                  <a:schemeClr val="tx1"/>
+                </a:solidFill>
+                <a:latin typeface="+mn-lt"/>
+                <a:ea typeface="+mn-ea"/>
+                <a:cs typeface="+mn-cs"/>
+              </a:defRPr>
+            </a:lvl4pPr>
+            <a:lvl5pPr marL="2057400" indent="-228600" algn="l" defTabSz="914400" rtl="0" eaLnBrk="1" latinLnBrk="0" hangingPunct="1">
+              <a:lnSpc>
+                <a:spcPct val="90000"/>
+              </a:lnSpc>
+              <a:spcBef>
+                <a:spcPts val="500"/>
+              </a:spcBef>
+              <a:buFont typeface="Arial" panose="020B0604020202020204" pitchFamily="34" charset="0"/>
+              <a:buChar char="•"/>
+              <a:defRPr sz="1800" kern="1200">
+                <a:solidFill>
+                  <a:schemeClr val="tx1"/>
+                </a:solidFill>
+                <a:latin typeface="+mn-lt"/>
+                <a:ea typeface="+mn-ea"/>
+                <a:cs typeface="+mn-cs"/>
+              </a:defRPr>
+            </a:lvl5pPr>
+            <a:lvl6pPr marL="2514600" indent="-228600" algn="l" defTabSz="914400" rtl="0" eaLnBrk="1" latinLnBrk="0" hangingPunct="1">
+              <a:lnSpc>
+                <a:spcPct val="90000"/>
+              </a:lnSpc>
+              <a:spcBef>
+                <a:spcPts val="500"/>
+              </a:spcBef>
+              <a:buFont typeface="Arial" panose="020B0604020202020204" pitchFamily="34" charset="0"/>
+              <a:buChar char="•"/>
+              <a:defRPr sz="1800" kern="1200">
+                <a:solidFill>
+                  <a:schemeClr val="tx1"/>
+                </a:solidFill>
+                <a:latin typeface="+mn-lt"/>
+                <a:ea typeface="+mn-ea"/>
+                <a:cs typeface="+mn-cs"/>
+              </a:defRPr>
+            </a:lvl6pPr>
+            <a:lvl7pPr marL="2971800" indent="-228600" algn="l" defTabSz="914400" rtl="0" eaLnBrk="1" latinLnBrk="0" hangingPunct="1">
+              <a:lnSpc>
+                <a:spcPct val="90000"/>
+              </a:lnSpc>
+              <a:spcBef>
+                <a:spcPts val="500"/>
+              </a:spcBef>
+              <a:buFont typeface="Arial" panose="020B0604020202020204" pitchFamily="34" charset="0"/>
+              <a:buChar char="•"/>
+              <a:defRPr sz="1800" kern="1200">
+                <a:solidFill>
+                  <a:schemeClr val="tx1"/>
+                </a:solidFill>
+                <a:latin typeface="+mn-lt"/>
+                <a:ea typeface="+mn-ea"/>
+                <a:cs typeface="+mn-cs"/>
+              </a:defRPr>
+            </a:lvl7pPr>
+            <a:lvl8pPr marL="3429000" indent="-228600" algn="l" defTabSz="914400" rtl="0" eaLnBrk="1" latinLnBrk="0" hangingPunct="1">
+              <a:lnSpc>
+                <a:spcPct val="90000"/>
+              </a:lnSpc>
+              <a:spcBef>
+                <a:spcPts val="500"/>
+              </a:spcBef>
+              <a:buFont typeface="Arial" panose="020B0604020202020204" pitchFamily="34" charset="0"/>
+              <a:buChar char="•"/>
+              <a:defRPr sz="1800" kern="1200">
+                <a:solidFill>
+                  <a:schemeClr val="tx1"/>
+                </a:solidFill>
+                <a:latin typeface="+mn-lt"/>
+                <a:ea typeface="+mn-ea"/>
+                <a:cs typeface="+mn-cs"/>
+              </a:defRPr>
+            </a:lvl8pPr>
+            <a:lvl9pPr marL="3886200" indent="-228600" algn="l" defTabSz="914400" rtl="0" eaLnBrk="1" latinLnBrk="0" hangingPunct="1">
+              <a:lnSpc>
+                <a:spcPct val="90000"/>
+              </a:lnSpc>
+              <a:spcBef>
+                <a:spcPts val="500"/>
+              </a:spcBef>
+              <a:buFont typeface="Arial" panose="020B0604020202020204" pitchFamily="34" charset="0"/>
+              <a:buChar char="•"/>
+              <a:defRPr sz="1800" kern="1200">
+                <a:solidFill>
+                  <a:schemeClr val="tx1"/>
+                </a:solidFill>
+                <a:latin typeface="+mn-lt"/>
+                <a:ea typeface="+mn-ea"/>
+                <a:cs typeface="+mn-cs"/>
+              </a:defRPr>
+            </a:lvl9pPr>
+          </a:lstStyle>
+          <a:p>
+            <a:pPr marL="0" indent="0" algn="ctr">
+              <a:buFont typeface="Arial" panose="020B0604020202020204" pitchFamily="34" charset="0"/>
+              <a:buNone/>
+            </a:pPr>
+            <a:r>
+              <a:rPr lang="en-US" sz="2000" dirty="0"/>
+              <a:t>23 responses, 16 possible users</a:t>
+            </a:r>
+          </a:p>
+        </p:txBody>
+      </p:sp>
+      <p:sp>
+        <p:nvSpPr>
+          <p:cNvPr id="2" name="Content Placeholder 2">
+            <a:extLst>
+              <a:ext uri="{FF2B5EF4-FFF2-40B4-BE49-F238E27FC236}">
+                <a16:creationId xmlns:a16="http://schemas.microsoft.com/office/drawing/2014/main" id="{2B95A083-918D-0004-A766-14DEBA9C49AB}"/>
+              </a:ext>
+            </a:extLst>
+          </p:cNvPr>
+          <p:cNvSpPr txBox="1">
+            <a:spLocks/>
+          </p:cNvSpPr>
+          <p:nvPr/>
+        </p:nvSpPr>
+        <p:spPr>
+          <a:xfrm>
+            <a:off x="4381943" y="1987240"/>
+            <a:ext cx="4443079" cy="683888"/>
+          </a:xfrm>
+          <a:prstGeom prst="rect">
+            <a:avLst/>
+          </a:prstGeom>
+        </p:spPr>
+        <p:txBody>
+          <a:bodyPr vert="horz" lIns="91440" tIns="45720" rIns="91440" bIns="45720" rtlCol="0">
+            <a:normAutofit/>
+          </a:bodyPr>
+          <a:lstStyle>
+            <a:lvl1pPr marL="228600" indent="-228600" algn="l" defTabSz="914400" rtl="0" eaLnBrk="1" latinLnBrk="0" hangingPunct="1">
+              <a:lnSpc>
+                <a:spcPct val="90000"/>
+              </a:lnSpc>
+              <a:spcBef>
+                <a:spcPts val="1000"/>
+              </a:spcBef>
+              <a:buFont typeface="Arial" panose="020B0604020202020204" pitchFamily="34" charset="0"/>
+              <a:buChar char="•"/>
+              <a:defRPr sz="2800" kern="1200">
+                <a:solidFill>
+                  <a:schemeClr val="tx1"/>
+                </a:solidFill>
+                <a:latin typeface="+mn-lt"/>
+                <a:ea typeface="+mn-ea"/>
+                <a:cs typeface="+mn-cs"/>
+              </a:defRPr>
+            </a:lvl1pPr>
+            <a:lvl2pPr marL="685800" indent="-228600" algn="l" defTabSz="914400" rtl="0" eaLnBrk="1" latinLnBrk="0" hangingPunct="1">
+              <a:lnSpc>
+                <a:spcPct val="90000"/>
+              </a:lnSpc>
+              <a:spcBef>
+                <a:spcPts val="500"/>
+              </a:spcBef>
+              <a:buFont typeface="Arial" panose="020B0604020202020204" pitchFamily="34" charset="0"/>
+              <a:buChar char="•"/>
+              <a:defRPr sz="2400" kern="1200">
+                <a:solidFill>
+                  <a:schemeClr val="tx1"/>
+                </a:solidFill>
+                <a:latin typeface="+mn-lt"/>
+                <a:ea typeface="+mn-ea"/>
+                <a:cs typeface="+mn-cs"/>
+              </a:defRPr>
+            </a:lvl2pPr>
+            <a:lvl3pPr marL="1143000" indent="-228600" algn="l" defTabSz="914400" rtl="0" eaLnBrk="1" latinLnBrk="0" hangingPunct="1">
+              <a:lnSpc>
+                <a:spcPct val="90000"/>
+              </a:lnSpc>
+              <a:spcBef>
+                <a:spcPts val="500"/>
+              </a:spcBef>
+              <a:buFont typeface="Arial" panose="020B0604020202020204" pitchFamily="34" charset="0"/>
+              <a:buChar char="•"/>
+              <a:defRPr sz="2000" kern="1200">
+                <a:solidFill>
+                  <a:schemeClr val="tx1"/>
+                </a:solidFill>
+                <a:latin typeface="+mn-lt"/>
+                <a:ea typeface="+mn-ea"/>
+                <a:cs typeface="+mn-cs"/>
+              </a:defRPr>
+            </a:lvl3pPr>
+            <a:lvl4pPr marL="1600200" indent="-228600" algn="l" defTabSz="914400" rtl="0" eaLnBrk="1" latinLnBrk="0" hangingPunct="1">
+              <a:lnSpc>
+                <a:spcPct val="90000"/>
+              </a:lnSpc>
+              <a:spcBef>
+                <a:spcPts val="500"/>
+              </a:spcBef>
+              <a:buFont typeface="Arial" panose="020B0604020202020204" pitchFamily="34" charset="0"/>
+              <a:buChar char="•"/>
+              <a:defRPr sz="1800" kern="1200">
+                <a:solidFill>
+                  <a:schemeClr val="tx1"/>
+                </a:solidFill>
+                <a:latin typeface="+mn-lt"/>
+                <a:ea typeface="+mn-ea"/>
+                <a:cs typeface="+mn-cs"/>
+              </a:defRPr>
+            </a:lvl4pPr>
+            <a:lvl5pPr marL="2057400" indent="-228600" algn="l" defTabSz="914400" rtl="0" eaLnBrk="1" latinLnBrk="0" hangingPunct="1">
+              <a:lnSpc>
+                <a:spcPct val="90000"/>
+              </a:lnSpc>
+              <a:spcBef>
+                <a:spcPts val="500"/>
+              </a:spcBef>
+              <a:buFont typeface="Arial" panose="020B0604020202020204" pitchFamily="34" charset="0"/>
+              <a:buChar char="•"/>
+              <a:defRPr sz="1800" kern="1200">
+                <a:solidFill>
+                  <a:schemeClr val="tx1"/>
+                </a:solidFill>
+                <a:latin typeface="+mn-lt"/>
+                <a:ea typeface="+mn-ea"/>
+                <a:cs typeface="+mn-cs"/>
+              </a:defRPr>
+            </a:lvl5pPr>
+            <a:lvl6pPr marL="2514600" indent="-228600" algn="l" defTabSz="914400" rtl="0" eaLnBrk="1" latinLnBrk="0" hangingPunct="1">
+              <a:lnSpc>
+                <a:spcPct val="90000"/>
+              </a:lnSpc>
+              <a:spcBef>
+                <a:spcPts val="500"/>
+              </a:spcBef>
+              <a:buFont typeface="Arial" panose="020B0604020202020204" pitchFamily="34" charset="0"/>
+              <a:buChar char="•"/>
+              <a:defRPr sz="1800" kern="1200">
+                <a:solidFill>
+                  <a:schemeClr val="tx1"/>
+                </a:solidFill>
+                <a:latin typeface="+mn-lt"/>
+                <a:ea typeface="+mn-ea"/>
+                <a:cs typeface="+mn-cs"/>
+              </a:defRPr>
+            </a:lvl6pPr>
+            <a:lvl7pPr marL="2971800" indent="-228600" algn="l" defTabSz="914400" rtl="0" eaLnBrk="1" latinLnBrk="0" hangingPunct="1">
+              <a:lnSpc>
+                <a:spcPct val="90000"/>
+              </a:lnSpc>
+              <a:spcBef>
+                <a:spcPts val="500"/>
+              </a:spcBef>
+              <a:buFont typeface="Arial" panose="020B0604020202020204" pitchFamily="34" charset="0"/>
+              <a:buChar char="•"/>
+              <a:defRPr sz="1800" kern="1200">
+                <a:solidFill>
+                  <a:schemeClr val="tx1"/>
+                </a:solidFill>
+                <a:latin typeface="+mn-lt"/>
+                <a:ea typeface="+mn-ea"/>
+                <a:cs typeface="+mn-cs"/>
+              </a:defRPr>
+            </a:lvl7pPr>
+            <a:lvl8pPr marL="3429000" indent="-228600" algn="l" defTabSz="914400" rtl="0" eaLnBrk="1" latinLnBrk="0" hangingPunct="1">
+              <a:lnSpc>
+                <a:spcPct val="90000"/>
+              </a:lnSpc>
+              <a:spcBef>
+                <a:spcPts val="500"/>
+              </a:spcBef>
+              <a:buFont typeface="Arial" panose="020B0604020202020204" pitchFamily="34" charset="0"/>
+              <a:buChar char="•"/>
+              <a:defRPr sz="1800" kern="1200">
+                <a:solidFill>
+                  <a:schemeClr val="tx1"/>
+                </a:solidFill>
+                <a:latin typeface="+mn-lt"/>
+                <a:ea typeface="+mn-ea"/>
+                <a:cs typeface="+mn-cs"/>
+              </a:defRPr>
+            </a:lvl8pPr>
+            <a:lvl9pPr marL="3886200" indent="-228600" algn="l" defTabSz="914400" rtl="0" eaLnBrk="1" latinLnBrk="0" hangingPunct="1">
+              <a:lnSpc>
+                <a:spcPct val="90000"/>
+              </a:lnSpc>
+              <a:spcBef>
+                <a:spcPts val="500"/>
+              </a:spcBef>
+              <a:buFont typeface="Arial" panose="020B0604020202020204" pitchFamily="34" charset="0"/>
+              <a:buChar char="•"/>
+              <a:defRPr sz="1800" kern="1200">
+                <a:solidFill>
+                  <a:schemeClr val="tx1"/>
+                </a:solidFill>
+                <a:latin typeface="+mn-lt"/>
+                <a:ea typeface="+mn-ea"/>
+                <a:cs typeface="+mn-cs"/>
+              </a:defRPr>
+            </a:lvl9pPr>
+          </a:lstStyle>
+          <a:p>
+            <a:pPr marL="0" indent="0" algn="ctr">
+              <a:buFont typeface="Arial" panose="020B0604020202020204" pitchFamily="34" charset="0"/>
+              <a:buNone/>
+            </a:pPr>
+            <a:r>
+              <a:rPr lang="en-US" sz="2000" dirty="0"/>
+              <a:t>Most female, 3</a:t>
+            </a:r>
+            <a:r>
+              <a:rPr lang="en-US" sz="2000" baseline="30000" dirty="0"/>
+              <a:t>rd</a:t>
+            </a:r>
+            <a:r>
+              <a:rPr lang="en-US" sz="2000" dirty="0"/>
+              <a:t> year students between the ages of 18 and 23</a:t>
+            </a:r>
+          </a:p>
+        </p:txBody>
+      </p:sp>
+      <p:sp>
+        <p:nvSpPr>
+          <p:cNvPr id="4" name="Arrow: Right 3">
+            <a:extLst>
+              <a:ext uri="{FF2B5EF4-FFF2-40B4-BE49-F238E27FC236}">
+                <a16:creationId xmlns:a16="http://schemas.microsoft.com/office/drawing/2014/main" id="{7496DB06-D36E-8D5A-BD24-9FC735C8EF5B}"/>
+              </a:ext>
+            </a:extLst>
+          </p:cNvPr>
+          <p:cNvSpPr/>
+          <p:nvPr/>
+        </p:nvSpPr>
+        <p:spPr>
+          <a:xfrm>
+            <a:off x="3598894" y="2119191"/>
+            <a:ext cx="856146" cy="419986"/>
+          </a:xfrm>
+          <a:prstGeom prst="rightArrow">
+            <a:avLst/>
+          </a:prstGeom>
+          <a:solidFill>
+            <a:srgbClr val="993300"/>
+          </a:solidFill>
+          <a:ln>
+            <a:noFill/>
+          </a:ln>
+        </p:spPr>
+        <p:style>
+          <a:lnRef idx="2">
+            <a:schemeClr val="accent1">
+              <a:shade val="50000"/>
+            </a:schemeClr>
+          </a:lnRef>
+          <a:fillRef idx="1">
+            <a:schemeClr val="accent1"/>
+          </a:fillRef>
+          <a:effectRef idx="0">
+            <a:schemeClr val="accent1"/>
+          </a:effectRef>
+          <a:fontRef idx="minor">
+            <a:schemeClr val="lt1"/>
+          </a:fontRef>
+        </p:style>
+        <p:txBody>
+          <a:bodyPr rtlCol="0" anchor="ctr"/>
+          <a:lstStyle/>
+          <a:p>
+            <a:pPr algn="ctr"/>
+            <a:endParaRPr lang="en-GB"/>
+          </a:p>
+        </p:txBody>
+      </p:sp>
+      <p:sp>
+        <p:nvSpPr>
+          <p:cNvPr id="7" name="Content Placeholder 2">
+            <a:extLst>
+              <a:ext uri="{FF2B5EF4-FFF2-40B4-BE49-F238E27FC236}">
+                <a16:creationId xmlns:a16="http://schemas.microsoft.com/office/drawing/2014/main" id="{CCCA4DE0-314F-58EA-6C8A-1140B2BBFF11}"/>
+              </a:ext>
+            </a:extLst>
+          </p:cNvPr>
+          <p:cNvSpPr txBox="1">
+            <a:spLocks/>
+          </p:cNvSpPr>
+          <p:nvPr/>
+        </p:nvSpPr>
+        <p:spPr>
+          <a:xfrm>
+            <a:off x="630644" y="3252376"/>
+            <a:ext cx="4017331" cy="683888"/>
+          </a:xfrm>
+          <a:prstGeom prst="rect">
+            <a:avLst/>
+          </a:prstGeom>
+        </p:spPr>
+        <p:txBody>
+          <a:bodyPr vert="horz" lIns="91440" tIns="45720" rIns="91440" bIns="45720" rtlCol="0">
+            <a:normAutofit/>
+          </a:bodyPr>
+          <a:lstStyle>
+            <a:lvl1pPr marL="228600" indent="-228600" algn="l" defTabSz="914400" rtl="0" eaLnBrk="1" latinLnBrk="0" hangingPunct="1">
+              <a:lnSpc>
+                <a:spcPct val="90000"/>
+              </a:lnSpc>
+              <a:spcBef>
+                <a:spcPts val="1000"/>
+              </a:spcBef>
+              <a:buFont typeface="Arial" panose="020B0604020202020204" pitchFamily="34" charset="0"/>
+              <a:buChar char="•"/>
+              <a:defRPr sz="2800" kern="1200">
+                <a:solidFill>
+                  <a:schemeClr val="tx1"/>
+                </a:solidFill>
+                <a:latin typeface="+mn-lt"/>
+                <a:ea typeface="+mn-ea"/>
+                <a:cs typeface="+mn-cs"/>
+              </a:defRPr>
+            </a:lvl1pPr>
+            <a:lvl2pPr marL="685800" indent="-228600" algn="l" defTabSz="914400" rtl="0" eaLnBrk="1" latinLnBrk="0" hangingPunct="1">
+              <a:lnSpc>
+                <a:spcPct val="90000"/>
+              </a:lnSpc>
+              <a:spcBef>
+                <a:spcPts val="500"/>
+              </a:spcBef>
+              <a:buFont typeface="Arial" panose="020B0604020202020204" pitchFamily="34" charset="0"/>
+              <a:buChar char="•"/>
+              <a:defRPr sz="2400" kern="1200">
+                <a:solidFill>
+                  <a:schemeClr val="tx1"/>
+                </a:solidFill>
+                <a:latin typeface="+mn-lt"/>
+                <a:ea typeface="+mn-ea"/>
+                <a:cs typeface="+mn-cs"/>
+              </a:defRPr>
+            </a:lvl2pPr>
+            <a:lvl3pPr marL="1143000" indent="-228600" algn="l" defTabSz="914400" rtl="0" eaLnBrk="1" latinLnBrk="0" hangingPunct="1">
+              <a:lnSpc>
+                <a:spcPct val="90000"/>
+              </a:lnSpc>
+              <a:spcBef>
+                <a:spcPts val="500"/>
+              </a:spcBef>
+              <a:buFont typeface="Arial" panose="020B0604020202020204" pitchFamily="34" charset="0"/>
+              <a:buChar char="•"/>
+              <a:defRPr sz="2000" kern="1200">
+                <a:solidFill>
+                  <a:schemeClr val="tx1"/>
+                </a:solidFill>
+                <a:latin typeface="+mn-lt"/>
+                <a:ea typeface="+mn-ea"/>
+                <a:cs typeface="+mn-cs"/>
+              </a:defRPr>
+            </a:lvl3pPr>
+            <a:lvl4pPr marL="1600200" indent="-228600" algn="l" defTabSz="914400" rtl="0" eaLnBrk="1" latinLnBrk="0" hangingPunct="1">
+              <a:lnSpc>
+                <a:spcPct val="90000"/>
+              </a:lnSpc>
+              <a:spcBef>
+                <a:spcPts val="500"/>
+              </a:spcBef>
+              <a:buFont typeface="Arial" panose="020B0604020202020204" pitchFamily="34" charset="0"/>
+              <a:buChar char="•"/>
+              <a:defRPr sz="1800" kern="1200">
+                <a:solidFill>
+                  <a:schemeClr val="tx1"/>
+                </a:solidFill>
+                <a:latin typeface="+mn-lt"/>
+                <a:ea typeface="+mn-ea"/>
+                <a:cs typeface="+mn-cs"/>
+              </a:defRPr>
+            </a:lvl4pPr>
+            <a:lvl5pPr marL="2057400" indent="-228600" algn="l" defTabSz="914400" rtl="0" eaLnBrk="1" latinLnBrk="0" hangingPunct="1">
+              <a:lnSpc>
+                <a:spcPct val="90000"/>
+              </a:lnSpc>
+              <a:spcBef>
+                <a:spcPts val="500"/>
+              </a:spcBef>
+              <a:buFont typeface="Arial" panose="020B0604020202020204" pitchFamily="34" charset="0"/>
+              <a:buChar char="•"/>
+              <a:defRPr sz="1800" kern="1200">
+                <a:solidFill>
+                  <a:schemeClr val="tx1"/>
+                </a:solidFill>
+                <a:latin typeface="+mn-lt"/>
+                <a:ea typeface="+mn-ea"/>
+                <a:cs typeface="+mn-cs"/>
+              </a:defRPr>
+            </a:lvl5pPr>
+            <a:lvl6pPr marL="2514600" indent="-228600" algn="l" defTabSz="914400" rtl="0" eaLnBrk="1" latinLnBrk="0" hangingPunct="1">
+              <a:lnSpc>
+                <a:spcPct val="90000"/>
+              </a:lnSpc>
+              <a:spcBef>
+                <a:spcPts val="500"/>
+              </a:spcBef>
+              <a:buFont typeface="Arial" panose="020B0604020202020204" pitchFamily="34" charset="0"/>
+              <a:buChar char="•"/>
+              <a:defRPr sz="1800" kern="1200">
+                <a:solidFill>
+                  <a:schemeClr val="tx1"/>
+                </a:solidFill>
+                <a:latin typeface="+mn-lt"/>
+                <a:ea typeface="+mn-ea"/>
+                <a:cs typeface="+mn-cs"/>
+              </a:defRPr>
+            </a:lvl6pPr>
+            <a:lvl7pPr marL="2971800" indent="-228600" algn="l" defTabSz="914400" rtl="0" eaLnBrk="1" latinLnBrk="0" hangingPunct="1">
+              <a:lnSpc>
+                <a:spcPct val="90000"/>
+              </a:lnSpc>
+              <a:spcBef>
+                <a:spcPts val="500"/>
+              </a:spcBef>
+              <a:buFont typeface="Arial" panose="020B0604020202020204" pitchFamily="34" charset="0"/>
+              <a:buChar char="•"/>
+              <a:defRPr sz="1800" kern="1200">
+                <a:solidFill>
+                  <a:schemeClr val="tx1"/>
+                </a:solidFill>
+                <a:latin typeface="+mn-lt"/>
+                <a:ea typeface="+mn-ea"/>
+                <a:cs typeface="+mn-cs"/>
+              </a:defRPr>
+            </a:lvl7pPr>
+            <a:lvl8pPr marL="3429000" indent="-228600" algn="l" defTabSz="914400" rtl="0" eaLnBrk="1" latinLnBrk="0" hangingPunct="1">
+              <a:lnSpc>
+                <a:spcPct val="90000"/>
+              </a:lnSpc>
+              <a:spcBef>
+                <a:spcPts val="500"/>
+              </a:spcBef>
+              <a:buFont typeface="Arial" panose="020B0604020202020204" pitchFamily="34" charset="0"/>
+              <a:buChar char="•"/>
+              <a:defRPr sz="1800" kern="1200">
+                <a:solidFill>
+                  <a:schemeClr val="tx1"/>
+                </a:solidFill>
+                <a:latin typeface="+mn-lt"/>
+                <a:ea typeface="+mn-ea"/>
+                <a:cs typeface="+mn-cs"/>
+              </a:defRPr>
+            </a:lvl8pPr>
+            <a:lvl9pPr marL="3886200" indent="-228600" algn="l" defTabSz="914400" rtl="0" eaLnBrk="1" latinLnBrk="0" hangingPunct="1">
+              <a:lnSpc>
+                <a:spcPct val="90000"/>
+              </a:lnSpc>
+              <a:spcBef>
+                <a:spcPts val="500"/>
+              </a:spcBef>
+              <a:buFont typeface="Arial" panose="020B0604020202020204" pitchFamily="34" charset="0"/>
+              <a:buChar char="•"/>
+              <a:defRPr sz="1800" kern="1200">
+                <a:solidFill>
+                  <a:schemeClr val="tx1"/>
+                </a:solidFill>
+                <a:latin typeface="+mn-lt"/>
+                <a:ea typeface="+mn-ea"/>
+                <a:cs typeface="+mn-cs"/>
+              </a:defRPr>
+            </a:lvl9pPr>
+          </a:lstStyle>
+          <a:p>
+            <a:pPr marL="0" indent="0" algn="ctr">
+              <a:buFont typeface="Arial" panose="020B0604020202020204" pitchFamily="34" charset="0"/>
+              <a:buNone/>
+            </a:pPr>
+            <a:r>
+              <a:rPr lang="en-US" sz="2000" b="1" dirty="0"/>
+              <a:t>Ten responses for Portuguese people not living with their parents</a:t>
+            </a:r>
+          </a:p>
+        </p:txBody>
+      </p:sp>
+      <p:sp>
+        <p:nvSpPr>
+          <p:cNvPr id="8" name="Content Placeholder 2">
+            <a:extLst>
+              <a:ext uri="{FF2B5EF4-FFF2-40B4-BE49-F238E27FC236}">
+                <a16:creationId xmlns:a16="http://schemas.microsoft.com/office/drawing/2014/main" id="{FBBA8D88-72D3-C301-8073-B5C2476D1D0B}"/>
+              </a:ext>
+            </a:extLst>
+          </p:cNvPr>
+          <p:cNvSpPr txBox="1">
+            <a:spLocks/>
+          </p:cNvSpPr>
+          <p:nvPr/>
+        </p:nvSpPr>
+        <p:spPr>
+          <a:xfrm>
+            <a:off x="704850" y="4079944"/>
+            <a:ext cx="3868921" cy="2081624"/>
+          </a:xfrm>
+          <a:prstGeom prst="rect">
+            <a:avLst/>
+          </a:prstGeom>
+        </p:spPr>
+        <p:txBody>
+          <a:bodyPr vert="horz" lIns="91440" tIns="45720" rIns="91440" bIns="45720" rtlCol="0">
+            <a:normAutofit/>
+          </a:bodyPr>
+          <a:lstStyle>
+            <a:lvl1pPr marL="228600" indent="-228600" algn="l" defTabSz="914400" rtl="0" eaLnBrk="1" latinLnBrk="0" hangingPunct="1">
+              <a:lnSpc>
+                <a:spcPct val="90000"/>
+              </a:lnSpc>
+              <a:spcBef>
+                <a:spcPts val="1000"/>
+              </a:spcBef>
+              <a:buFont typeface="Arial" panose="020B0604020202020204" pitchFamily="34" charset="0"/>
+              <a:buChar char="•"/>
+              <a:defRPr sz="2800" kern="1200">
+                <a:solidFill>
+                  <a:schemeClr val="tx1"/>
+                </a:solidFill>
+                <a:latin typeface="+mn-lt"/>
+                <a:ea typeface="+mn-ea"/>
+                <a:cs typeface="+mn-cs"/>
+              </a:defRPr>
+            </a:lvl1pPr>
+            <a:lvl2pPr marL="685800" indent="-228600" algn="l" defTabSz="914400" rtl="0" eaLnBrk="1" latinLnBrk="0" hangingPunct="1">
+              <a:lnSpc>
+                <a:spcPct val="90000"/>
+              </a:lnSpc>
+              <a:spcBef>
+                <a:spcPts val="500"/>
+              </a:spcBef>
+              <a:buFont typeface="Arial" panose="020B0604020202020204" pitchFamily="34" charset="0"/>
+              <a:buChar char="•"/>
+              <a:defRPr sz="2400" kern="1200">
+                <a:solidFill>
+                  <a:schemeClr val="tx1"/>
+                </a:solidFill>
+                <a:latin typeface="+mn-lt"/>
+                <a:ea typeface="+mn-ea"/>
+                <a:cs typeface="+mn-cs"/>
+              </a:defRPr>
+            </a:lvl2pPr>
+            <a:lvl3pPr marL="1143000" indent="-228600" algn="l" defTabSz="914400" rtl="0" eaLnBrk="1" latinLnBrk="0" hangingPunct="1">
+              <a:lnSpc>
+                <a:spcPct val="90000"/>
+              </a:lnSpc>
+              <a:spcBef>
+                <a:spcPts val="500"/>
+              </a:spcBef>
+              <a:buFont typeface="Arial" panose="020B0604020202020204" pitchFamily="34" charset="0"/>
+              <a:buChar char="•"/>
+              <a:defRPr sz="2000" kern="1200">
+                <a:solidFill>
+                  <a:schemeClr val="tx1"/>
+                </a:solidFill>
+                <a:latin typeface="+mn-lt"/>
+                <a:ea typeface="+mn-ea"/>
+                <a:cs typeface="+mn-cs"/>
+              </a:defRPr>
+            </a:lvl3pPr>
+            <a:lvl4pPr marL="1600200" indent="-228600" algn="l" defTabSz="914400" rtl="0" eaLnBrk="1" latinLnBrk="0" hangingPunct="1">
+              <a:lnSpc>
+                <a:spcPct val="90000"/>
+              </a:lnSpc>
+              <a:spcBef>
+                <a:spcPts val="500"/>
+              </a:spcBef>
+              <a:buFont typeface="Arial" panose="020B0604020202020204" pitchFamily="34" charset="0"/>
+              <a:buChar char="•"/>
+              <a:defRPr sz="1800" kern="1200">
+                <a:solidFill>
+                  <a:schemeClr val="tx1"/>
+                </a:solidFill>
+                <a:latin typeface="+mn-lt"/>
+                <a:ea typeface="+mn-ea"/>
+                <a:cs typeface="+mn-cs"/>
+              </a:defRPr>
+            </a:lvl4pPr>
+            <a:lvl5pPr marL="2057400" indent="-228600" algn="l" defTabSz="914400" rtl="0" eaLnBrk="1" latinLnBrk="0" hangingPunct="1">
+              <a:lnSpc>
+                <a:spcPct val="90000"/>
+              </a:lnSpc>
+              <a:spcBef>
+                <a:spcPts val="500"/>
+              </a:spcBef>
+              <a:buFont typeface="Arial" panose="020B0604020202020204" pitchFamily="34" charset="0"/>
+              <a:buChar char="•"/>
+              <a:defRPr sz="1800" kern="1200">
+                <a:solidFill>
+                  <a:schemeClr val="tx1"/>
+                </a:solidFill>
+                <a:latin typeface="+mn-lt"/>
+                <a:ea typeface="+mn-ea"/>
+                <a:cs typeface="+mn-cs"/>
+              </a:defRPr>
+            </a:lvl5pPr>
+            <a:lvl6pPr marL="2514600" indent="-228600" algn="l" defTabSz="914400" rtl="0" eaLnBrk="1" latinLnBrk="0" hangingPunct="1">
+              <a:lnSpc>
+                <a:spcPct val="90000"/>
+              </a:lnSpc>
+              <a:spcBef>
+                <a:spcPts val="500"/>
+              </a:spcBef>
+              <a:buFont typeface="Arial" panose="020B0604020202020204" pitchFamily="34" charset="0"/>
+              <a:buChar char="•"/>
+              <a:defRPr sz="1800" kern="1200">
+                <a:solidFill>
+                  <a:schemeClr val="tx1"/>
+                </a:solidFill>
+                <a:latin typeface="+mn-lt"/>
+                <a:ea typeface="+mn-ea"/>
+                <a:cs typeface="+mn-cs"/>
+              </a:defRPr>
+            </a:lvl6pPr>
+            <a:lvl7pPr marL="2971800" indent="-228600" algn="l" defTabSz="914400" rtl="0" eaLnBrk="1" latinLnBrk="0" hangingPunct="1">
+              <a:lnSpc>
+                <a:spcPct val="90000"/>
+              </a:lnSpc>
+              <a:spcBef>
+                <a:spcPts val="500"/>
+              </a:spcBef>
+              <a:buFont typeface="Arial" panose="020B0604020202020204" pitchFamily="34" charset="0"/>
+              <a:buChar char="•"/>
+              <a:defRPr sz="1800" kern="1200">
+                <a:solidFill>
+                  <a:schemeClr val="tx1"/>
+                </a:solidFill>
+                <a:latin typeface="+mn-lt"/>
+                <a:ea typeface="+mn-ea"/>
+                <a:cs typeface="+mn-cs"/>
+              </a:defRPr>
+            </a:lvl7pPr>
+            <a:lvl8pPr marL="3429000" indent="-228600" algn="l" defTabSz="914400" rtl="0" eaLnBrk="1" latinLnBrk="0" hangingPunct="1">
+              <a:lnSpc>
+                <a:spcPct val="90000"/>
+              </a:lnSpc>
+              <a:spcBef>
+                <a:spcPts val="500"/>
+              </a:spcBef>
+              <a:buFont typeface="Arial" panose="020B0604020202020204" pitchFamily="34" charset="0"/>
+              <a:buChar char="•"/>
+              <a:defRPr sz="1800" kern="1200">
+                <a:solidFill>
+                  <a:schemeClr val="tx1"/>
+                </a:solidFill>
+                <a:latin typeface="+mn-lt"/>
+                <a:ea typeface="+mn-ea"/>
+                <a:cs typeface="+mn-cs"/>
+              </a:defRPr>
+            </a:lvl8pPr>
+            <a:lvl9pPr marL="3886200" indent="-228600" algn="l" defTabSz="914400" rtl="0" eaLnBrk="1" latinLnBrk="0" hangingPunct="1">
+              <a:lnSpc>
+                <a:spcPct val="90000"/>
+              </a:lnSpc>
+              <a:spcBef>
+                <a:spcPts val="500"/>
+              </a:spcBef>
+              <a:buFont typeface="Arial" panose="020B0604020202020204" pitchFamily="34" charset="0"/>
+              <a:buChar char="•"/>
+              <a:defRPr sz="1800" kern="1200">
+                <a:solidFill>
+                  <a:schemeClr val="tx1"/>
+                </a:solidFill>
+                <a:latin typeface="+mn-lt"/>
+                <a:ea typeface="+mn-ea"/>
+                <a:cs typeface="+mn-cs"/>
+              </a:defRPr>
+            </a:lvl9pPr>
+          </a:lstStyle>
+          <a:p>
+            <a:pPr>
+              <a:buClr>
+                <a:srgbClr val="993300"/>
+              </a:buClr>
+            </a:pPr>
+            <a:r>
+              <a:rPr lang="en-US" sz="2000" dirty="0"/>
+              <a:t>Eight were living too far from FEUP</a:t>
+            </a:r>
+          </a:p>
+          <a:p>
+            <a:pPr>
+              <a:buClr>
+                <a:srgbClr val="993300"/>
+              </a:buClr>
+            </a:pPr>
+            <a:r>
+              <a:rPr lang="en-US" sz="2000" dirty="0"/>
+              <a:t>Six are living in a house with roommates</a:t>
+            </a:r>
+          </a:p>
+          <a:p>
+            <a:pPr>
+              <a:buClr>
+                <a:srgbClr val="993300"/>
+              </a:buClr>
+            </a:pPr>
+            <a:r>
+              <a:rPr lang="en-US" sz="2000" dirty="0"/>
+              <a:t>Nine are satisfied with their accommodations</a:t>
+            </a:r>
+          </a:p>
+          <a:p>
+            <a:endParaRPr lang="en-US" sz="2000" dirty="0"/>
+          </a:p>
+        </p:txBody>
+      </p:sp>
+      <p:sp>
+        <p:nvSpPr>
+          <p:cNvPr id="14" name="Content Placeholder 2">
+            <a:extLst>
+              <a:ext uri="{FF2B5EF4-FFF2-40B4-BE49-F238E27FC236}">
+                <a16:creationId xmlns:a16="http://schemas.microsoft.com/office/drawing/2014/main" id="{51853F8A-82FC-DB14-0AD0-3A8FEB088F51}"/>
+              </a:ext>
+            </a:extLst>
+          </p:cNvPr>
+          <p:cNvSpPr txBox="1">
+            <a:spLocks/>
+          </p:cNvSpPr>
+          <p:nvPr/>
+        </p:nvSpPr>
+        <p:spPr>
+          <a:xfrm>
+            <a:off x="8736419" y="3252376"/>
+            <a:ext cx="3335522" cy="683888"/>
+          </a:xfrm>
+          <a:prstGeom prst="rect">
+            <a:avLst/>
+          </a:prstGeom>
+        </p:spPr>
+        <p:txBody>
+          <a:bodyPr vert="horz" lIns="91440" tIns="45720" rIns="91440" bIns="45720" rtlCol="0">
+            <a:normAutofit/>
+          </a:bodyPr>
+          <a:lstStyle>
+            <a:lvl1pPr marL="228600" indent="-228600" algn="l" defTabSz="914400" rtl="0" eaLnBrk="1" latinLnBrk="0" hangingPunct="1">
+              <a:lnSpc>
+                <a:spcPct val="90000"/>
+              </a:lnSpc>
+              <a:spcBef>
+                <a:spcPts val="1000"/>
+              </a:spcBef>
+              <a:buFont typeface="Arial" panose="020B0604020202020204" pitchFamily="34" charset="0"/>
+              <a:buChar char="•"/>
+              <a:defRPr sz="2800" kern="1200">
+                <a:solidFill>
+                  <a:schemeClr val="tx1"/>
+                </a:solidFill>
+                <a:latin typeface="+mn-lt"/>
+                <a:ea typeface="+mn-ea"/>
+                <a:cs typeface="+mn-cs"/>
+              </a:defRPr>
+            </a:lvl1pPr>
+            <a:lvl2pPr marL="685800" indent="-228600" algn="l" defTabSz="914400" rtl="0" eaLnBrk="1" latinLnBrk="0" hangingPunct="1">
+              <a:lnSpc>
+                <a:spcPct val="90000"/>
+              </a:lnSpc>
+              <a:spcBef>
+                <a:spcPts val="500"/>
+              </a:spcBef>
+              <a:buFont typeface="Arial" panose="020B0604020202020204" pitchFamily="34" charset="0"/>
+              <a:buChar char="•"/>
+              <a:defRPr sz="2400" kern="1200">
+                <a:solidFill>
+                  <a:schemeClr val="tx1"/>
+                </a:solidFill>
+                <a:latin typeface="+mn-lt"/>
+                <a:ea typeface="+mn-ea"/>
+                <a:cs typeface="+mn-cs"/>
+              </a:defRPr>
+            </a:lvl2pPr>
+            <a:lvl3pPr marL="1143000" indent="-228600" algn="l" defTabSz="914400" rtl="0" eaLnBrk="1" latinLnBrk="0" hangingPunct="1">
+              <a:lnSpc>
+                <a:spcPct val="90000"/>
+              </a:lnSpc>
+              <a:spcBef>
+                <a:spcPts val="500"/>
+              </a:spcBef>
+              <a:buFont typeface="Arial" panose="020B0604020202020204" pitchFamily="34" charset="0"/>
+              <a:buChar char="•"/>
+              <a:defRPr sz="2000" kern="1200">
+                <a:solidFill>
+                  <a:schemeClr val="tx1"/>
+                </a:solidFill>
+                <a:latin typeface="+mn-lt"/>
+                <a:ea typeface="+mn-ea"/>
+                <a:cs typeface="+mn-cs"/>
+              </a:defRPr>
+            </a:lvl3pPr>
+            <a:lvl4pPr marL="1600200" indent="-228600" algn="l" defTabSz="914400" rtl="0" eaLnBrk="1" latinLnBrk="0" hangingPunct="1">
+              <a:lnSpc>
+                <a:spcPct val="90000"/>
+              </a:lnSpc>
+              <a:spcBef>
+                <a:spcPts val="500"/>
+              </a:spcBef>
+              <a:buFont typeface="Arial" panose="020B0604020202020204" pitchFamily="34" charset="0"/>
+              <a:buChar char="•"/>
+              <a:defRPr sz="1800" kern="1200">
+                <a:solidFill>
+                  <a:schemeClr val="tx1"/>
+                </a:solidFill>
+                <a:latin typeface="+mn-lt"/>
+                <a:ea typeface="+mn-ea"/>
+                <a:cs typeface="+mn-cs"/>
+              </a:defRPr>
+            </a:lvl4pPr>
+            <a:lvl5pPr marL="2057400" indent="-228600" algn="l" defTabSz="914400" rtl="0" eaLnBrk="1" latinLnBrk="0" hangingPunct="1">
+              <a:lnSpc>
+                <a:spcPct val="90000"/>
+              </a:lnSpc>
+              <a:spcBef>
+                <a:spcPts val="500"/>
+              </a:spcBef>
+              <a:buFont typeface="Arial" panose="020B0604020202020204" pitchFamily="34" charset="0"/>
+              <a:buChar char="•"/>
+              <a:defRPr sz="1800" kern="1200">
+                <a:solidFill>
+                  <a:schemeClr val="tx1"/>
+                </a:solidFill>
+                <a:latin typeface="+mn-lt"/>
+                <a:ea typeface="+mn-ea"/>
+                <a:cs typeface="+mn-cs"/>
+              </a:defRPr>
+            </a:lvl5pPr>
+            <a:lvl6pPr marL="2514600" indent="-228600" algn="l" defTabSz="914400" rtl="0" eaLnBrk="1" latinLnBrk="0" hangingPunct="1">
+              <a:lnSpc>
+                <a:spcPct val="90000"/>
+              </a:lnSpc>
+              <a:spcBef>
+                <a:spcPts val="500"/>
+              </a:spcBef>
+              <a:buFont typeface="Arial" panose="020B0604020202020204" pitchFamily="34" charset="0"/>
+              <a:buChar char="•"/>
+              <a:defRPr sz="1800" kern="1200">
+                <a:solidFill>
+                  <a:schemeClr val="tx1"/>
+                </a:solidFill>
+                <a:latin typeface="+mn-lt"/>
+                <a:ea typeface="+mn-ea"/>
+                <a:cs typeface="+mn-cs"/>
+              </a:defRPr>
+            </a:lvl6pPr>
+            <a:lvl7pPr marL="2971800" indent="-228600" algn="l" defTabSz="914400" rtl="0" eaLnBrk="1" latinLnBrk="0" hangingPunct="1">
+              <a:lnSpc>
+                <a:spcPct val="90000"/>
+              </a:lnSpc>
+              <a:spcBef>
+                <a:spcPts val="500"/>
+              </a:spcBef>
+              <a:buFont typeface="Arial" panose="020B0604020202020204" pitchFamily="34" charset="0"/>
+              <a:buChar char="•"/>
+              <a:defRPr sz="1800" kern="1200">
+                <a:solidFill>
+                  <a:schemeClr val="tx1"/>
+                </a:solidFill>
+                <a:latin typeface="+mn-lt"/>
+                <a:ea typeface="+mn-ea"/>
+                <a:cs typeface="+mn-cs"/>
+              </a:defRPr>
+            </a:lvl7pPr>
+            <a:lvl8pPr marL="3429000" indent="-228600" algn="l" defTabSz="914400" rtl="0" eaLnBrk="1" latinLnBrk="0" hangingPunct="1">
+              <a:lnSpc>
+                <a:spcPct val="90000"/>
+              </a:lnSpc>
+              <a:spcBef>
+                <a:spcPts val="500"/>
+              </a:spcBef>
+              <a:buFont typeface="Arial" panose="020B0604020202020204" pitchFamily="34" charset="0"/>
+              <a:buChar char="•"/>
+              <a:defRPr sz="1800" kern="1200">
+                <a:solidFill>
+                  <a:schemeClr val="tx1"/>
+                </a:solidFill>
+                <a:latin typeface="+mn-lt"/>
+                <a:ea typeface="+mn-ea"/>
+                <a:cs typeface="+mn-cs"/>
+              </a:defRPr>
+            </a:lvl8pPr>
+            <a:lvl9pPr marL="3886200" indent="-228600" algn="l" defTabSz="914400" rtl="0" eaLnBrk="1" latinLnBrk="0" hangingPunct="1">
+              <a:lnSpc>
+                <a:spcPct val="90000"/>
+              </a:lnSpc>
+              <a:spcBef>
+                <a:spcPts val="500"/>
+              </a:spcBef>
+              <a:buFont typeface="Arial" panose="020B0604020202020204" pitchFamily="34" charset="0"/>
+              <a:buChar char="•"/>
+              <a:defRPr sz="1800" kern="1200">
+                <a:solidFill>
+                  <a:schemeClr val="tx1"/>
+                </a:solidFill>
+                <a:latin typeface="+mn-lt"/>
+                <a:ea typeface="+mn-ea"/>
+                <a:cs typeface="+mn-cs"/>
+              </a:defRPr>
+            </a:lvl9pPr>
+          </a:lstStyle>
+          <a:p>
+            <a:pPr marL="0" indent="0" algn="ctr">
+              <a:buFont typeface="Arial" panose="020B0604020202020204" pitchFamily="34" charset="0"/>
+              <a:buNone/>
+            </a:pPr>
+            <a:r>
+              <a:rPr lang="en-US" sz="2000" b="1" dirty="0"/>
+              <a:t>Three responses for Erasmus students (thanks Paula)</a:t>
+            </a:r>
+          </a:p>
+        </p:txBody>
+      </p:sp>
+      <p:sp>
+        <p:nvSpPr>
+          <p:cNvPr id="20" name="Content Placeholder 2">
+            <a:extLst>
+              <a:ext uri="{FF2B5EF4-FFF2-40B4-BE49-F238E27FC236}">
+                <a16:creationId xmlns:a16="http://schemas.microsoft.com/office/drawing/2014/main" id="{2A82FAB6-F367-A7A3-1250-31A8DC19AB6C}"/>
+              </a:ext>
+            </a:extLst>
+          </p:cNvPr>
+          <p:cNvSpPr txBox="1">
+            <a:spLocks/>
+          </p:cNvSpPr>
+          <p:nvPr/>
+        </p:nvSpPr>
+        <p:spPr>
+          <a:xfrm>
+            <a:off x="8803759" y="4270787"/>
+            <a:ext cx="3200843" cy="1098111"/>
+          </a:xfrm>
+          <a:prstGeom prst="rect">
+            <a:avLst/>
+          </a:prstGeom>
+        </p:spPr>
+        <p:txBody>
+          <a:bodyPr vert="horz" lIns="91440" tIns="45720" rIns="91440" bIns="45720" rtlCol="0">
+            <a:normAutofit/>
+          </a:bodyPr>
+          <a:lstStyle>
+            <a:lvl1pPr marL="228600" indent="-228600" algn="l" defTabSz="914400" rtl="0" eaLnBrk="1" latinLnBrk="0" hangingPunct="1">
+              <a:lnSpc>
+                <a:spcPct val="90000"/>
+              </a:lnSpc>
+              <a:spcBef>
+                <a:spcPts val="1000"/>
+              </a:spcBef>
+              <a:buFont typeface="Arial" panose="020B0604020202020204" pitchFamily="34" charset="0"/>
+              <a:buChar char="•"/>
+              <a:defRPr sz="2800" kern="1200">
+                <a:solidFill>
+                  <a:schemeClr val="tx1"/>
+                </a:solidFill>
+                <a:latin typeface="+mn-lt"/>
+                <a:ea typeface="+mn-ea"/>
+                <a:cs typeface="+mn-cs"/>
+              </a:defRPr>
+            </a:lvl1pPr>
+            <a:lvl2pPr marL="685800" indent="-228600" algn="l" defTabSz="914400" rtl="0" eaLnBrk="1" latinLnBrk="0" hangingPunct="1">
+              <a:lnSpc>
+                <a:spcPct val="90000"/>
+              </a:lnSpc>
+              <a:spcBef>
+                <a:spcPts val="500"/>
+              </a:spcBef>
+              <a:buFont typeface="Arial" panose="020B0604020202020204" pitchFamily="34" charset="0"/>
+              <a:buChar char="•"/>
+              <a:defRPr sz="2400" kern="1200">
+                <a:solidFill>
+                  <a:schemeClr val="tx1"/>
+                </a:solidFill>
+                <a:latin typeface="+mn-lt"/>
+                <a:ea typeface="+mn-ea"/>
+                <a:cs typeface="+mn-cs"/>
+              </a:defRPr>
+            </a:lvl2pPr>
+            <a:lvl3pPr marL="1143000" indent="-228600" algn="l" defTabSz="914400" rtl="0" eaLnBrk="1" latinLnBrk="0" hangingPunct="1">
+              <a:lnSpc>
+                <a:spcPct val="90000"/>
+              </a:lnSpc>
+              <a:spcBef>
+                <a:spcPts val="500"/>
+              </a:spcBef>
+              <a:buFont typeface="Arial" panose="020B0604020202020204" pitchFamily="34" charset="0"/>
+              <a:buChar char="•"/>
+              <a:defRPr sz="2000" kern="1200">
+                <a:solidFill>
+                  <a:schemeClr val="tx1"/>
+                </a:solidFill>
+                <a:latin typeface="+mn-lt"/>
+                <a:ea typeface="+mn-ea"/>
+                <a:cs typeface="+mn-cs"/>
+              </a:defRPr>
+            </a:lvl3pPr>
+            <a:lvl4pPr marL="1600200" indent="-228600" algn="l" defTabSz="914400" rtl="0" eaLnBrk="1" latinLnBrk="0" hangingPunct="1">
+              <a:lnSpc>
+                <a:spcPct val="90000"/>
+              </a:lnSpc>
+              <a:spcBef>
+                <a:spcPts val="500"/>
+              </a:spcBef>
+              <a:buFont typeface="Arial" panose="020B0604020202020204" pitchFamily="34" charset="0"/>
+              <a:buChar char="•"/>
+              <a:defRPr sz="1800" kern="1200">
+                <a:solidFill>
+                  <a:schemeClr val="tx1"/>
+                </a:solidFill>
+                <a:latin typeface="+mn-lt"/>
+                <a:ea typeface="+mn-ea"/>
+                <a:cs typeface="+mn-cs"/>
+              </a:defRPr>
+            </a:lvl4pPr>
+            <a:lvl5pPr marL="2057400" indent="-228600" algn="l" defTabSz="914400" rtl="0" eaLnBrk="1" latinLnBrk="0" hangingPunct="1">
+              <a:lnSpc>
+                <a:spcPct val="90000"/>
+              </a:lnSpc>
+              <a:spcBef>
+                <a:spcPts val="500"/>
+              </a:spcBef>
+              <a:buFont typeface="Arial" panose="020B0604020202020204" pitchFamily="34" charset="0"/>
+              <a:buChar char="•"/>
+              <a:defRPr sz="1800" kern="1200">
+                <a:solidFill>
+                  <a:schemeClr val="tx1"/>
+                </a:solidFill>
+                <a:latin typeface="+mn-lt"/>
+                <a:ea typeface="+mn-ea"/>
+                <a:cs typeface="+mn-cs"/>
+              </a:defRPr>
+            </a:lvl5pPr>
+            <a:lvl6pPr marL="2514600" indent="-228600" algn="l" defTabSz="914400" rtl="0" eaLnBrk="1" latinLnBrk="0" hangingPunct="1">
+              <a:lnSpc>
+                <a:spcPct val="90000"/>
+              </a:lnSpc>
+              <a:spcBef>
+                <a:spcPts val="500"/>
+              </a:spcBef>
+              <a:buFont typeface="Arial" panose="020B0604020202020204" pitchFamily="34" charset="0"/>
+              <a:buChar char="•"/>
+              <a:defRPr sz="1800" kern="1200">
+                <a:solidFill>
+                  <a:schemeClr val="tx1"/>
+                </a:solidFill>
+                <a:latin typeface="+mn-lt"/>
+                <a:ea typeface="+mn-ea"/>
+                <a:cs typeface="+mn-cs"/>
+              </a:defRPr>
+            </a:lvl6pPr>
+            <a:lvl7pPr marL="2971800" indent="-228600" algn="l" defTabSz="914400" rtl="0" eaLnBrk="1" latinLnBrk="0" hangingPunct="1">
+              <a:lnSpc>
+                <a:spcPct val="90000"/>
+              </a:lnSpc>
+              <a:spcBef>
+                <a:spcPts val="500"/>
+              </a:spcBef>
+              <a:buFont typeface="Arial" panose="020B0604020202020204" pitchFamily="34" charset="0"/>
+              <a:buChar char="•"/>
+              <a:defRPr sz="1800" kern="1200">
+                <a:solidFill>
+                  <a:schemeClr val="tx1"/>
+                </a:solidFill>
+                <a:latin typeface="+mn-lt"/>
+                <a:ea typeface="+mn-ea"/>
+                <a:cs typeface="+mn-cs"/>
+              </a:defRPr>
+            </a:lvl7pPr>
+            <a:lvl8pPr marL="3429000" indent="-228600" algn="l" defTabSz="914400" rtl="0" eaLnBrk="1" latinLnBrk="0" hangingPunct="1">
+              <a:lnSpc>
+                <a:spcPct val="90000"/>
+              </a:lnSpc>
+              <a:spcBef>
+                <a:spcPts val="500"/>
+              </a:spcBef>
+              <a:buFont typeface="Arial" panose="020B0604020202020204" pitchFamily="34" charset="0"/>
+              <a:buChar char="•"/>
+              <a:defRPr sz="1800" kern="1200">
+                <a:solidFill>
+                  <a:schemeClr val="tx1"/>
+                </a:solidFill>
+                <a:latin typeface="+mn-lt"/>
+                <a:ea typeface="+mn-ea"/>
+                <a:cs typeface="+mn-cs"/>
+              </a:defRPr>
+            </a:lvl8pPr>
+            <a:lvl9pPr marL="3886200" indent="-228600" algn="l" defTabSz="914400" rtl="0" eaLnBrk="1" latinLnBrk="0" hangingPunct="1">
+              <a:lnSpc>
+                <a:spcPct val="90000"/>
+              </a:lnSpc>
+              <a:spcBef>
+                <a:spcPts val="500"/>
+              </a:spcBef>
+              <a:buFont typeface="Arial" panose="020B0604020202020204" pitchFamily="34" charset="0"/>
+              <a:buChar char="•"/>
+              <a:defRPr sz="1800" kern="1200">
+                <a:solidFill>
+                  <a:schemeClr val="tx1"/>
+                </a:solidFill>
+                <a:latin typeface="+mn-lt"/>
+                <a:ea typeface="+mn-ea"/>
+                <a:cs typeface="+mn-cs"/>
+              </a:defRPr>
+            </a:lvl9pPr>
+          </a:lstStyle>
+          <a:p>
+            <a:pPr marL="0" indent="0" algn="ctr">
+              <a:buFont typeface="Arial" panose="020B0604020202020204" pitchFamily="34" charset="0"/>
+              <a:buNone/>
+            </a:pPr>
+            <a:r>
+              <a:rPr lang="en-US" sz="2000" dirty="0"/>
+              <a:t>None of them are interested in working or moving from their current stay</a:t>
+            </a:r>
+          </a:p>
+        </p:txBody>
+      </p:sp>
+      <p:sp>
+        <p:nvSpPr>
+          <p:cNvPr id="21" name="Content Placeholder 2">
+            <a:extLst>
+              <a:ext uri="{FF2B5EF4-FFF2-40B4-BE49-F238E27FC236}">
+                <a16:creationId xmlns:a16="http://schemas.microsoft.com/office/drawing/2014/main" id="{E68C547A-46A8-9333-245D-016AAF0CD060}"/>
+              </a:ext>
+            </a:extLst>
+          </p:cNvPr>
+          <p:cNvSpPr txBox="1">
+            <a:spLocks/>
+          </p:cNvSpPr>
+          <p:nvPr/>
+        </p:nvSpPr>
+        <p:spPr>
+          <a:xfrm>
+            <a:off x="4719965" y="3362895"/>
+            <a:ext cx="3991199" cy="462849"/>
+          </a:xfrm>
+          <a:prstGeom prst="rect">
+            <a:avLst/>
+          </a:prstGeom>
+        </p:spPr>
+        <p:txBody>
+          <a:bodyPr vert="horz" lIns="91440" tIns="45720" rIns="91440" bIns="45720" rtlCol="0">
+            <a:normAutofit/>
+          </a:bodyPr>
+          <a:lstStyle>
+            <a:lvl1pPr marL="228600" indent="-228600" algn="l" defTabSz="914400" rtl="0" eaLnBrk="1" latinLnBrk="0" hangingPunct="1">
+              <a:lnSpc>
+                <a:spcPct val="90000"/>
+              </a:lnSpc>
+              <a:spcBef>
+                <a:spcPts val="1000"/>
+              </a:spcBef>
+              <a:buFont typeface="Arial" panose="020B0604020202020204" pitchFamily="34" charset="0"/>
+              <a:buChar char="•"/>
+              <a:defRPr sz="2800" kern="1200">
+                <a:solidFill>
+                  <a:schemeClr val="tx1"/>
+                </a:solidFill>
+                <a:latin typeface="+mn-lt"/>
+                <a:ea typeface="+mn-ea"/>
+                <a:cs typeface="+mn-cs"/>
+              </a:defRPr>
+            </a:lvl1pPr>
+            <a:lvl2pPr marL="685800" indent="-228600" algn="l" defTabSz="914400" rtl="0" eaLnBrk="1" latinLnBrk="0" hangingPunct="1">
+              <a:lnSpc>
+                <a:spcPct val="90000"/>
+              </a:lnSpc>
+              <a:spcBef>
+                <a:spcPts val="500"/>
+              </a:spcBef>
+              <a:buFont typeface="Arial" panose="020B0604020202020204" pitchFamily="34" charset="0"/>
+              <a:buChar char="•"/>
+              <a:defRPr sz="2400" kern="1200">
+                <a:solidFill>
+                  <a:schemeClr val="tx1"/>
+                </a:solidFill>
+                <a:latin typeface="+mn-lt"/>
+                <a:ea typeface="+mn-ea"/>
+                <a:cs typeface="+mn-cs"/>
+              </a:defRPr>
+            </a:lvl2pPr>
+            <a:lvl3pPr marL="1143000" indent="-228600" algn="l" defTabSz="914400" rtl="0" eaLnBrk="1" latinLnBrk="0" hangingPunct="1">
+              <a:lnSpc>
+                <a:spcPct val="90000"/>
+              </a:lnSpc>
+              <a:spcBef>
+                <a:spcPts val="500"/>
+              </a:spcBef>
+              <a:buFont typeface="Arial" panose="020B0604020202020204" pitchFamily="34" charset="0"/>
+              <a:buChar char="•"/>
+              <a:defRPr sz="2000" kern="1200">
+                <a:solidFill>
+                  <a:schemeClr val="tx1"/>
+                </a:solidFill>
+                <a:latin typeface="+mn-lt"/>
+                <a:ea typeface="+mn-ea"/>
+                <a:cs typeface="+mn-cs"/>
+              </a:defRPr>
+            </a:lvl3pPr>
+            <a:lvl4pPr marL="1600200" indent="-228600" algn="l" defTabSz="914400" rtl="0" eaLnBrk="1" latinLnBrk="0" hangingPunct="1">
+              <a:lnSpc>
+                <a:spcPct val="90000"/>
+              </a:lnSpc>
+              <a:spcBef>
+                <a:spcPts val="500"/>
+              </a:spcBef>
+              <a:buFont typeface="Arial" panose="020B0604020202020204" pitchFamily="34" charset="0"/>
+              <a:buChar char="•"/>
+              <a:defRPr sz="1800" kern="1200">
+                <a:solidFill>
+                  <a:schemeClr val="tx1"/>
+                </a:solidFill>
+                <a:latin typeface="+mn-lt"/>
+                <a:ea typeface="+mn-ea"/>
+                <a:cs typeface="+mn-cs"/>
+              </a:defRPr>
+            </a:lvl4pPr>
+            <a:lvl5pPr marL="2057400" indent="-228600" algn="l" defTabSz="914400" rtl="0" eaLnBrk="1" latinLnBrk="0" hangingPunct="1">
+              <a:lnSpc>
+                <a:spcPct val="90000"/>
+              </a:lnSpc>
+              <a:spcBef>
+                <a:spcPts val="500"/>
+              </a:spcBef>
+              <a:buFont typeface="Arial" panose="020B0604020202020204" pitchFamily="34" charset="0"/>
+              <a:buChar char="•"/>
+              <a:defRPr sz="1800" kern="1200">
+                <a:solidFill>
+                  <a:schemeClr val="tx1"/>
+                </a:solidFill>
+                <a:latin typeface="+mn-lt"/>
+                <a:ea typeface="+mn-ea"/>
+                <a:cs typeface="+mn-cs"/>
+              </a:defRPr>
+            </a:lvl5pPr>
+            <a:lvl6pPr marL="2514600" indent="-228600" algn="l" defTabSz="914400" rtl="0" eaLnBrk="1" latinLnBrk="0" hangingPunct="1">
+              <a:lnSpc>
+                <a:spcPct val="90000"/>
+              </a:lnSpc>
+              <a:spcBef>
+                <a:spcPts val="500"/>
+              </a:spcBef>
+              <a:buFont typeface="Arial" panose="020B0604020202020204" pitchFamily="34" charset="0"/>
+              <a:buChar char="•"/>
+              <a:defRPr sz="1800" kern="1200">
+                <a:solidFill>
+                  <a:schemeClr val="tx1"/>
+                </a:solidFill>
+                <a:latin typeface="+mn-lt"/>
+                <a:ea typeface="+mn-ea"/>
+                <a:cs typeface="+mn-cs"/>
+              </a:defRPr>
+            </a:lvl6pPr>
+            <a:lvl7pPr marL="2971800" indent="-228600" algn="l" defTabSz="914400" rtl="0" eaLnBrk="1" latinLnBrk="0" hangingPunct="1">
+              <a:lnSpc>
+                <a:spcPct val="90000"/>
+              </a:lnSpc>
+              <a:spcBef>
+                <a:spcPts val="500"/>
+              </a:spcBef>
+              <a:buFont typeface="Arial" panose="020B0604020202020204" pitchFamily="34" charset="0"/>
+              <a:buChar char="•"/>
+              <a:defRPr sz="1800" kern="1200">
+                <a:solidFill>
+                  <a:schemeClr val="tx1"/>
+                </a:solidFill>
+                <a:latin typeface="+mn-lt"/>
+                <a:ea typeface="+mn-ea"/>
+                <a:cs typeface="+mn-cs"/>
+              </a:defRPr>
+            </a:lvl7pPr>
+            <a:lvl8pPr marL="3429000" indent="-228600" algn="l" defTabSz="914400" rtl="0" eaLnBrk="1" latinLnBrk="0" hangingPunct="1">
+              <a:lnSpc>
+                <a:spcPct val="90000"/>
+              </a:lnSpc>
+              <a:spcBef>
+                <a:spcPts val="500"/>
+              </a:spcBef>
+              <a:buFont typeface="Arial" panose="020B0604020202020204" pitchFamily="34" charset="0"/>
+              <a:buChar char="•"/>
+              <a:defRPr sz="1800" kern="1200">
+                <a:solidFill>
+                  <a:schemeClr val="tx1"/>
+                </a:solidFill>
+                <a:latin typeface="+mn-lt"/>
+                <a:ea typeface="+mn-ea"/>
+                <a:cs typeface="+mn-cs"/>
+              </a:defRPr>
+            </a:lvl8pPr>
+            <a:lvl9pPr marL="3886200" indent="-228600" algn="l" defTabSz="914400" rtl="0" eaLnBrk="1" latinLnBrk="0" hangingPunct="1">
+              <a:lnSpc>
+                <a:spcPct val="90000"/>
+              </a:lnSpc>
+              <a:spcBef>
+                <a:spcPts val="500"/>
+              </a:spcBef>
+              <a:buFont typeface="Arial" panose="020B0604020202020204" pitchFamily="34" charset="0"/>
+              <a:buChar char="•"/>
+              <a:defRPr sz="1800" kern="1200">
+                <a:solidFill>
+                  <a:schemeClr val="tx1"/>
+                </a:solidFill>
+                <a:latin typeface="+mn-lt"/>
+                <a:ea typeface="+mn-ea"/>
+                <a:cs typeface="+mn-cs"/>
+              </a:defRPr>
+            </a:lvl9pPr>
+          </a:lstStyle>
+          <a:p>
+            <a:pPr marL="0" indent="0" algn="ctr">
+              <a:buFont typeface="Arial" panose="020B0604020202020204" pitchFamily="34" charset="0"/>
+              <a:buNone/>
+            </a:pPr>
+            <a:r>
+              <a:rPr lang="en-US" sz="2000" b="1" dirty="0"/>
+              <a:t>Four responses for student-workers</a:t>
+            </a:r>
+          </a:p>
+        </p:txBody>
+      </p:sp>
+      <p:sp>
+        <p:nvSpPr>
+          <p:cNvPr id="22" name="Content Placeholder 2">
+            <a:extLst>
+              <a:ext uri="{FF2B5EF4-FFF2-40B4-BE49-F238E27FC236}">
+                <a16:creationId xmlns:a16="http://schemas.microsoft.com/office/drawing/2014/main" id="{BCF18BD5-4921-EA06-3AA7-1397C259DD25}"/>
+              </a:ext>
+            </a:extLst>
+          </p:cNvPr>
+          <p:cNvSpPr txBox="1">
+            <a:spLocks/>
+          </p:cNvSpPr>
+          <p:nvPr/>
+        </p:nvSpPr>
+        <p:spPr>
+          <a:xfrm>
+            <a:off x="4781105" y="4095893"/>
+            <a:ext cx="3868921" cy="2806549"/>
+          </a:xfrm>
+          <a:prstGeom prst="rect">
+            <a:avLst/>
+          </a:prstGeom>
+        </p:spPr>
+        <p:txBody>
+          <a:bodyPr vert="horz" lIns="91440" tIns="45720" rIns="91440" bIns="45720" rtlCol="0">
+            <a:normAutofit/>
+          </a:bodyPr>
+          <a:lstStyle>
+            <a:lvl1pPr marL="228600" indent="-228600" algn="l" defTabSz="914400" rtl="0" eaLnBrk="1" latinLnBrk="0" hangingPunct="1">
+              <a:lnSpc>
+                <a:spcPct val="90000"/>
+              </a:lnSpc>
+              <a:spcBef>
+                <a:spcPts val="1000"/>
+              </a:spcBef>
+              <a:buFont typeface="Arial" panose="020B0604020202020204" pitchFamily="34" charset="0"/>
+              <a:buChar char="•"/>
+              <a:defRPr sz="2800" kern="1200">
+                <a:solidFill>
+                  <a:schemeClr val="tx1"/>
+                </a:solidFill>
+                <a:latin typeface="+mn-lt"/>
+                <a:ea typeface="+mn-ea"/>
+                <a:cs typeface="+mn-cs"/>
+              </a:defRPr>
+            </a:lvl1pPr>
+            <a:lvl2pPr marL="685800" indent="-228600" algn="l" defTabSz="914400" rtl="0" eaLnBrk="1" latinLnBrk="0" hangingPunct="1">
+              <a:lnSpc>
+                <a:spcPct val="90000"/>
+              </a:lnSpc>
+              <a:spcBef>
+                <a:spcPts val="500"/>
+              </a:spcBef>
+              <a:buFont typeface="Arial" panose="020B0604020202020204" pitchFamily="34" charset="0"/>
+              <a:buChar char="•"/>
+              <a:defRPr sz="2400" kern="1200">
+                <a:solidFill>
+                  <a:schemeClr val="tx1"/>
+                </a:solidFill>
+                <a:latin typeface="+mn-lt"/>
+                <a:ea typeface="+mn-ea"/>
+                <a:cs typeface="+mn-cs"/>
+              </a:defRPr>
+            </a:lvl2pPr>
+            <a:lvl3pPr marL="1143000" indent="-228600" algn="l" defTabSz="914400" rtl="0" eaLnBrk="1" latinLnBrk="0" hangingPunct="1">
+              <a:lnSpc>
+                <a:spcPct val="90000"/>
+              </a:lnSpc>
+              <a:spcBef>
+                <a:spcPts val="500"/>
+              </a:spcBef>
+              <a:buFont typeface="Arial" panose="020B0604020202020204" pitchFamily="34" charset="0"/>
+              <a:buChar char="•"/>
+              <a:defRPr sz="2000" kern="1200">
+                <a:solidFill>
+                  <a:schemeClr val="tx1"/>
+                </a:solidFill>
+                <a:latin typeface="+mn-lt"/>
+                <a:ea typeface="+mn-ea"/>
+                <a:cs typeface="+mn-cs"/>
+              </a:defRPr>
+            </a:lvl3pPr>
+            <a:lvl4pPr marL="1600200" indent="-228600" algn="l" defTabSz="914400" rtl="0" eaLnBrk="1" latinLnBrk="0" hangingPunct="1">
+              <a:lnSpc>
+                <a:spcPct val="90000"/>
+              </a:lnSpc>
+              <a:spcBef>
+                <a:spcPts val="500"/>
+              </a:spcBef>
+              <a:buFont typeface="Arial" panose="020B0604020202020204" pitchFamily="34" charset="0"/>
+              <a:buChar char="•"/>
+              <a:defRPr sz="1800" kern="1200">
+                <a:solidFill>
+                  <a:schemeClr val="tx1"/>
+                </a:solidFill>
+                <a:latin typeface="+mn-lt"/>
+                <a:ea typeface="+mn-ea"/>
+                <a:cs typeface="+mn-cs"/>
+              </a:defRPr>
+            </a:lvl4pPr>
+            <a:lvl5pPr marL="2057400" indent="-228600" algn="l" defTabSz="914400" rtl="0" eaLnBrk="1" latinLnBrk="0" hangingPunct="1">
+              <a:lnSpc>
+                <a:spcPct val="90000"/>
+              </a:lnSpc>
+              <a:spcBef>
+                <a:spcPts val="500"/>
+              </a:spcBef>
+              <a:buFont typeface="Arial" panose="020B0604020202020204" pitchFamily="34" charset="0"/>
+              <a:buChar char="•"/>
+              <a:defRPr sz="1800" kern="1200">
+                <a:solidFill>
+                  <a:schemeClr val="tx1"/>
+                </a:solidFill>
+                <a:latin typeface="+mn-lt"/>
+                <a:ea typeface="+mn-ea"/>
+                <a:cs typeface="+mn-cs"/>
+              </a:defRPr>
+            </a:lvl5pPr>
+            <a:lvl6pPr marL="2514600" indent="-228600" algn="l" defTabSz="914400" rtl="0" eaLnBrk="1" latinLnBrk="0" hangingPunct="1">
+              <a:lnSpc>
+                <a:spcPct val="90000"/>
+              </a:lnSpc>
+              <a:spcBef>
+                <a:spcPts val="500"/>
+              </a:spcBef>
+              <a:buFont typeface="Arial" panose="020B0604020202020204" pitchFamily="34" charset="0"/>
+              <a:buChar char="•"/>
+              <a:defRPr sz="1800" kern="1200">
+                <a:solidFill>
+                  <a:schemeClr val="tx1"/>
+                </a:solidFill>
+                <a:latin typeface="+mn-lt"/>
+                <a:ea typeface="+mn-ea"/>
+                <a:cs typeface="+mn-cs"/>
+              </a:defRPr>
+            </a:lvl6pPr>
+            <a:lvl7pPr marL="2971800" indent="-228600" algn="l" defTabSz="914400" rtl="0" eaLnBrk="1" latinLnBrk="0" hangingPunct="1">
+              <a:lnSpc>
+                <a:spcPct val="90000"/>
+              </a:lnSpc>
+              <a:spcBef>
+                <a:spcPts val="500"/>
+              </a:spcBef>
+              <a:buFont typeface="Arial" panose="020B0604020202020204" pitchFamily="34" charset="0"/>
+              <a:buChar char="•"/>
+              <a:defRPr sz="1800" kern="1200">
+                <a:solidFill>
+                  <a:schemeClr val="tx1"/>
+                </a:solidFill>
+                <a:latin typeface="+mn-lt"/>
+                <a:ea typeface="+mn-ea"/>
+                <a:cs typeface="+mn-cs"/>
+              </a:defRPr>
+            </a:lvl7pPr>
+            <a:lvl8pPr marL="3429000" indent="-228600" algn="l" defTabSz="914400" rtl="0" eaLnBrk="1" latinLnBrk="0" hangingPunct="1">
+              <a:lnSpc>
+                <a:spcPct val="90000"/>
+              </a:lnSpc>
+              <a:spcBef>
+                <a:spcPts val="500"/>
+              </a:spcBef>
+              <a:buFont typeface="Arial" panose="020B0604020202020204" pitchFamily="34" charset="0"/>
+              <a:buChar char="•"/>
+              <a:defRPr sz="1800" kern="1200">
+                <a:solidFill>
+                  <a:schemeClr val="tx1"/>
+                </a:solidFill>
+                <a:latin typeface="+mn-lt"/>
+                <a:ea typeface="+mn-ea"/>
+                <a:cs typeface="+mn-cs"/>
+              </a:defRPr>
+            </a:lvl8pPr>
+            <a:lvl9pPr marL="3886200" indent="-228600" algn="l" defTabSz="914400" rtl="0" eaLnBrk="1" latinLnBrk="0" hangingPunct="1">
+              <a:lnSpc>
+                <a:spcPct val="90000"/>
+              </a:lnSpc>
+              <a:spcBef>
+                <a:spcPts val="500"/>
+              </a:spcBef>
+              <a:buFont typeface="Arial" panose="020B0604020202020204" pitchFamily="34" charset="0"/>
+              <a:buChar char="•"/>
+              <a:defRPr sz="1800" kern="1200">
+                <a:solidFill>
+                  <a:schemeClr val="tx1"/>
+                </a:solidFill>
+                <a:latin typeface="+mn-lt"/>
+                <a:ea typeface="+mn-ea"/>
+                <a:cs typeface="+mn-cs"/>
+              </a:defRPr>
+            </a:lvl9pPr>
+          </a:lstStyle>
+          <a:p>
+            <a:pPr>
+              <a:buClr>
+                <a:srgbClr val="993300"/>
+              </a:buClr>
+            </a:pPr>
+            <a:r>
+              <a:rPr lang="en-US" sz="2000" dirty="0"/>
+              <a:t>Only one has to work to pay expenses</a:t>
+            </a:r>
+          </a:p>
+          <a:p>
+            <a:pPr>
+              <a:buClr>
+                <a:srgbClr val="993300"/>
+              </a:buClr>
+            </a:pPr>
+            <a:r>
+              <a:rPr lang="en-US" sz="2000" dirty="0"/>
+              <a:t>Two are working full time, one 25 hours and one 9 hours</a:t>
+            </a:r>
+          </a:p>
+          <a:p>
+            <a:pPr>
+              <a:buClr>
+                <a:srgbClr val="993300"/>
+              </a:buClr>
+            </a:pPr>
+            <a:r>
+              <a:rPr lang="en-US" sz="2000" dirty="0"/>
+              <a:t>Two are satisfied and two unsatisfied</a:t>
+            </a:r>
+          </a:p>
+          <a:p>
+            <a:pPr>
+              <a:buClr>
+                <a:srgbClr val="993300"/>
+              </a:buClr>
+            </a:pPr>
+            <a:r>
+              <a:rPr lang="en-US" sz="2000" dirty="0"/>
+              <a:t>Only one didn’t want to give us his salary</a:t>
+            </a:r>
+          </a:p>
+          <a:p>
+            <a:endParaRPr lang="en-US" sz="2000" dirty="0"/>
+          </a:p>
+        </p:txBody>
+      </p:sp>
+    </p:spTree>
+    <p:extLst>
+      <p:ext uri="{BB962C8B-B14F-4D97-AF65-F5344CB8AC3E}">
+        <p14:creationId xmlns:p14="http://schemas.microsoft.com/office/powerpoint/2010/main" val="253676348"/>
+      </p:ext>
+    </p:extLst>
+  </p:cSld>
+  <p:clrMapOvr>
+    <a:masterClrMapping/>
+  </p:clrMapOvr>
+</p:sld>
+</file>
+
+<file path=ppt/slides/slide5.xml><?xml version="1.0" encoding="utf-8"?>
+<p:sld xmlns:a="http://schemas.openxmlformats.org/drawingml/2006/main" xmlns:r="http://schemas.openxmlformats.org/officeDocument/2006/relationships" xmlns:p="http://schemas.openxmlformats.org/presentationml/2006/main">
+  <p:cSld>
+    <p:spTree>
+      <p:nvGrpSpPr>
+        <p:cNvPr id="1" name=""/>
+        <p:cNvGrpSpPr/>
+        <p:nvPr/>
+      </p:nvGrpSpPr>
+      <p:grpSpPr>
+        <a:xfrm>
+          <a:off x="0" y="0"/>
+          <a:ext cx="0" cy="0"/>
+          <a:chOff x="0" y="0"/>
+          <a:chExt cx="0" cy="0"/>
+        </a:xfrm>
+      </p:grpSpPr>
+      <p:pic>
+        <p:nvPicPr>
+          <p:cNvPr id="5" name="Picture 4" descr="A picture containing text, clipart&#10;&#10;Description automatically generated">
+            <a:extLst>
+              <a:ext uri="{FF2B5EF4-FFF2-40B4-BE49-F238E27FC236}">
+                <a16:creationId xmlns:a16="http://schemas.microsoft.com/office/drawing/2014/main" id="{AEEF4F80-6182-437F-8FB9-E546318E1786}"/>
+              </a:ext>
+            </a:extLst>
+          </p:cNvPr>
+          <p:cNvPicPr>
+            <a:picLocks noChangeAspect="1"/>
+          </p:cNvPicPr>
+          <p:nvPr/>
+        </p:nvPicPr>
+        <p:blipFill>
+          <a:blip r:embed="rId2">
+            <a:extLst>
+              <a:ext uri="{28A0092B-C50C-407E-A947-70E740481C1C}">
+                <a14:useLocalDpi xmlns:a14="http://schemas.microsoft.com/office/drawing/2010/main" val="0"/>
+              </a:ext>
+            </a:extLst>
+          </a:blip>
+          <a:stretch>
+            <a:fillRect/>
+          </a:stretch>
+        </p:blipFill>
+        <p:spPr>
+          <a:xfrm>
+            <a:off x="8248817" y="327168"/>
+            <a:ext cx="3640043" cy="1401476"/>
+          </a:xfrm>
+          <a:prstGeom prst="rect">
+            <a:avLst/>
+          </a:prstGeom>
+        </p:spPr>
+      </p:pic>
+      <p:sp>
+        <p:nvSpPr>
+          <p:cNvPr id="6" name="Title 1">
+            <a:extLst>
+              <a:ext uri="{FF2B5EF4-FFF2-40B4-BE49-F238E27FC236}">
+                <a16:creationId xmlns:a16="http://schemas.microsoft.com/office/drawing/2014/main" id="{67EAB101-CB65-4E80-9086-38AF17265C5D}"/>
+              </a:ext>
+            </a:extLst>
+          </p:cNvPr>
+          <p:cNvSpPr txBox="1">
+            <a:spLocks/>
+          </p:cNvSpPr>
+          <p:nvPr/>
+        </p:nvSpPr>
+        <p:spPr>
+          <a:xfrm>
+            <a:off x="704851" y="570706"/>
+            <a:ext cx="7219949" cy="914399"/>
+          </a:xfrm>
+          <a:prstGeom prst="rect">
+            <a:avLst/>
+          </a:prstGeom>
+        </p:spPr>
+        <p:txBody>
+          <a:bodyPr vert="horz" lIns="91440" tIns="45720" rIns="91440" bIns="45720" rtlCol="0" anchor="ctr">
+            <a:normAutofit/>
+          </a:bodyPr>
+          <a:lstStyle>
+            <a:lvl1pPr algn="l" defTabSz="914400" rtl="0" eaLnBrk="1" latinLnBrk="0" hangingPunct="1">
+              <a:lnSpc>
+                <a:spcPct val="90000"/>
+              </a:lnSpc>
+              <a:spcBef>
+                <a:spcPct val="0"/>
+              </a:spcBef>
+              <a:buNone/>
+              <a:defRPr sz="4400" kern="1200">
+                <a:solidFill>
+                  <a:schemeClr val="tx1"/>
+                </a:solidFill>
+                <a:latin typeface="+mj-lt"/>
+                <a:ea typeface="+mj-ea"/>
+                <a:cs typeface="+mj-cs"/>
+              </a:defRPr>
+            </a:lvl1pPr>
+          </a:lstStyle>
+          <a:p>
+            <a:r>
+              <a:rPr lang="en-US" b="1" dirty="0"/>
               <a:t>Related Services</a:t>
             </a:r>
           </a:p>
@@ -8507,7 +13082,7 @@
 </p:sld>
 </file>
 
-<file path=ppt/slides/slide5.xml><?xml version="1.0" encoding="utf-8"?>
+<file path=ppt/slides/slide6.xml><?xml version="1.0" encoding="utf-8"?>
 <p:sld xmlns:a="http://schemas.openxmlformats.org/drawingml/2006/main" xmlns:r="http://schemas.openxmlformats.org/officeDocument/2006/relationships" xmlns:p="http://schemas.openxmlformats.org/presentationml/2006/main">
   <p:cSld>
     <p:spTree>
@@ -9957,357 +14532,6 @@
 </p:sld>
 </file>
 
-<file path=ppt/slides/slide6.xml><?xml version="1.0" encoding="utf-8"?>
-<p:sld xmlns:a="http://schemas.openxmlformats.org/drawingml/2006/main" xmlns:r="http://schemas.openxmlformats.org/officeDocument/2006/relationships" xmlns:p="http://schemas.openxmlformats.org/presentationml/2006/main">
-  <p:cSld>
-    <p:spTree>
-      <p:nvGrpSpPr>
-        <p:cNvPr id="1" name=""/>
-        <p:cNvGrpSpPr/>
-        <p:nvPr/>
-      </p:nvGrpSpPr>
-      <p:grpSpPr>
-        <a:xfrm>
-          <a:off x="0" y="0"/>
-          <a:ext cx="0" cy="0"/>
-          <a:chOff x="0" y="0"/>
-          <a:chExt cx="0" cy="0"/>
-        </a:xfrm>
-      </p:grpSpPr>
-      <p:pic>
-        <p:nvPicPr>
-          <p:cNvPr id="5" name="Picture 4" descr="A picture containing text, clipart&#10;&#10;Description automatically generated">
-            <a:extLst>
-              <a:ext uri="{FF2B5EF4-FFF2-40B4-BE49-F238E27FC236}">
-                <a16:creationId xmlns:a16="http://schemas.microsoft.com/office/drawing/2014/main" id="{AEEF4F80-6182-437F-8FB9-E546318E1786}"/>
-              </a:ext>
-            </a:extLst>
-          </p:cNvPr>
-          <p:cNvPicPr>
-            <a:picLocks noChangeAspect="1"/>
-          </p:cNvPicPr>
-          <p:nvPr/>
-        </p:nvPicPr>
-        <p:blipFill>
-          <a:blip r:embed="rId3">
-            <a:extLst>
-              <a:ext uri="{28A0092B-C50C-407E-A947-70E740481C1C}">
-                <a14:useLocalDpi xmlns:a14="http://schemas.microsoft.com/office/drawing/2010/main" val="0"/>
-              </a:ext>
-            </a:extLst>
-          </a:blip>
-          <a:stretch>
-            <a:fillRect/>
-          </a:stretch>
-        </p:blipFill>
-        <p:spPr>
-          <a:xfrm>
-            <a:off x="8248817" y="327168"/>
-            <a:ext cx="3640043" cy="1401476"/>
-          </a:xfrm>
-          <a:prstGeom prst="rect">
-            <a:avLst/>
-          </a:prstGeom>
-        </p:spPr>
-      </p:pic>
-      <p:sp>
-        <p:nvSpPr>
-          <p:cNvPr id="6" name="Title 1">
-            <a:extLst>
-              <a:ext uri="{FF2B5EF4-FFF2-40B4-BE49-F238E27FC236}">
-                <a16:creationId xmlns:a16="http://schemas.microsoft.com/office/drawing/2014/main" id="{67EAB101-CB65-4E80-9086-38AF17265C5D}"/>
-              </a:ext>
-            </a:extLst>
-          </p:cNvPr>
-          <p:cNvSpPr txBox="1">
-            <a:spLocks/>
-          </p:cNvSpPr>
-          <p:nvPr/>
-        </p:nvSpPr>
-        <p:spPr>
-          <a:xfrm>
-            <a:off x="704851" y="549440"/>
-            <a:ext cx="7219949" cy="914399"/>
-          </a:xfrm>
-          <a:prstGeom prst="rect">
-            <a:avLst/>
-          </a:prstGeom>
-        </p:spPr>
-        <p:txBody>
-          <a:bodyPr vert="horz" lIns="91440" tIns="45720" rIns="91440" bIns="45720" rtlCol="0" anchor="ctr">
-            <a:normAutofit/>
-          </a:bodyPr>
-          <a:lstStyle>
-            <a:lvl1pPr algn="l" defTabSz="914400" rtl="0" eaLnBrk="1" latinLnBrk="0" hangingPunct="1">
-              <a:lnSpc>
-                <a:spcPct val="90000"/>
-              </a:lnSpc>
-              <a:spcBef>
-                <a:spcPct val="0"/>
-              </a:spcBef>
-              <a:buNone/>
-              <a:defRPr sz="4400" kern="1200">
-                <a:solidFill>
-                  <a:schemeClr val="tx1"/>
-                </a:solidFill>
-                <a:latin typeface="+mj-lt"/>
-                <a:ea typeface="+mj-ea"/>
-                <a:cs typeface="+mj-cs"/>
-              </a:defRPr>
-            </a:lvl1pPr>
-          </a:lstStyle>
-          <a:p>
-            <a:r>
-              <a:rPr lang="en-US" b="1" dirty="0"/>
-              <a:t>Activity Scenario of Carlos Silva</a:t>
-            </a:r>
-          </a:p>
-        </p:txBody>
-      </p:sp>
-      <p:sp>
-        <p:nvSpPr>
-          <p:cNvPr id="11" name="Content Placeholder 2">
-            <a:extLst>
-              <a:ext uri="{FF2B5EF4-FFF2-40B4-BE49-F238E27FC236}">
-                <a16:creationId xmlns:a16="http://schemas.microsoft.com/office/drawing/2014/main" id="{6AB2115D-5135-CEAE-2998-AD5A7339ADDB}"/>
-              </a:ext>
-            </a:extLst>
-          </p:cNvPr>
-          <p:cNvSpPr txBox="1">
-            <a:spLocks/>
-          </p:cNvSpPr>
-          <p:nvPr/>
-        </p:nvSpPr>
-        <p:spPr>
-          <a:xfrm>
-            <a:off x="761170" y="2264230"/>
-            <a:ext cx="10669660" cy="4266602"/>
-          </a:xfrm>
-          <a:prstGeom prst="rect">
-            <a:avLst/>
-          </a:prstGeom>
-        </p:spPr>
-        <p:txBody>
-          <a:bodyPr vert="horz" lIns="91440" tIns="45720" rIns="91440" bIns="45720" rtlCol="0">
-            <a:normAutofit/>
-          </a:bodyPr>
-          <a:lstStyle>
-            <a:lvl1pPr marL="228600" indent="-228600" algn="l" defTabSz="914400" rtl="0" eaLnBrk="1" latinLnBrk="0" hangingPunct="1">
-              <a:lnSpc>
-                <a:spcPct val="90000"/>
-              </a:lnSpc>
-              <a:spcBef>
-                <a:spcPts val="1000"/>
-              </a:spcBef>
-              <a:buFont typeface="Arial" panose="020B0604020202020204" pitchFamily="34" charset="0"/>
-              <a:buChar char="•"/>
-              <a:defRPr sz="2800" kern="1200">
-                <a:solidFill>
-                  <a:schemeClr val="tx1"/>
-                </a:solidFill>
-                <a:latin typeface="+mn-lt"/>
-                <a:ea typeface="+mn-ea"/>
-                <a:cs typeface="+mn-cs"/>
-              </a:defRPr>
-            </a:lvl1pPr>
-            <a:lvl2pPr marL="685800" indent="-228600" algn="l" defTabSz="914400" rtl="0" eaLnBrk="1" latinLnBrk="0" hangingPunct="1">
-              <a:lnSpc>
-                <a:spcPct val="90000"/>
-              </a:lnSpc>
-              <a:spcBef>
-                <a:spcPts val="500"/>
-              </a:spcBef>
-              <a:buFont typeface="Arial" panose="020B0604020202020204" pitchFamily="34" charset="0"/>
-              <a:buChar char="•"/>
-              <a:defRPr sz="2400" kern="1200">
-                <a:solidFill>
-                  <a:schemeClr val="tx1"/>
-                </a:solidFill>
-                <a:latin typeface="+mn-lt"/>
-                <a:ea typeface="+mn-ea"/>
-                <a:cs typeface="+mn-cs"/>
-              </a:defRPr>
-            </a:lvl2pPr>
-            <a:lvl3pPr marL="1143000" indent="-228600" algn="l" defTabSz="914400" rtl="0" eaLnBrk="1" latinLnBrk="0" hangingPunct="1">
-              <a:lnSpc>
-                <a:spcPct val="90000"/>
-              </a:lnSpc>
-              <a:spcBef>
-                <a:spcPts val="500"/>
-              </a:spcBef>
-              <a:buFont typeface="Arial" panose="020B0604020202020204" pitchFamily="34" charset="0"/>
-              <a:buChar char="•"/>
-              <a:defRPr sz="2000" kern="1200">
-                <a:solidFill>
-                  <a:schemeClr val="tx1"/>
-                </a:solidFill>
-                <a:latin typeface="+mn-lt"/>
-                <a:ea typeface="+mn-ea"/>
-                <a:cs typeface="+mn-cs"/>
-              </a:defRPr>
-            </a:lvl3pPr>
-            <a:lvl4pPr marL="1600200" indent="-228600" algn="l" defTabSz="914400" rtl="0" eaLnBrk="1" latinLnBrk="0" hangingPunct="1">
-              <a:lnSpc>
-                <a:spcPct val="90000"/>
-              </a:lnSpc>
-              <a:spcBef>
-                <a:spcPts val="500"/>
-              </a:spcBef>
-              <a:buFont typeface="Arial" panose="020B0604020202020204" pitchFamily="34" charset="0"/>
-              <a:buChar char="•"/>
-              <a:defRPr sz="1800" kern="1200">
-                <a:solidFill>
-                  <a:schemeClr val="tx1"/>
-                </a:solidFill>
-                <a:latin typeface="+mn-lt"/>
-                <a:ea typeface="+mn-ea"/>
-                <a:cs typeface="+mn-cs"/>
-              </a:defRPr>
-            </a:lvl4pPr>
-            <a:lvl5pPr marL="2057400" indent="-228600" algn="l" defTabSz="914400" rtl="0" eaLnBrk="1" latinLnBrk="0" hangingPunct="1">
-              <a:lnSpc>
-                <a:spcPct val="90000"/>
-              </a:lnSpc>
-              <a:spcBef>
-                <a:spcPts val="500"/>
-              </a:spcBef>
-              <a:buFont typeface="Arial" panose="020B0604020202020204" pitchFamily="34" charset="0"/>
-              <a:buChar char="•"/>
-              <a:defRPr sz="1800" kern="1200">
-                <a:solidFill>
-                  <a:schemeClr val="tx1"/>
-                </a:solidFill>
-                <a:latin typeface="+mn-lt"/>
-                <a:ea typeface="+mn-ea"/>
-                <a:cs typeface="+mn-cs"/>
-              </a:defRPr>
-            </a:lvl5pPr>
-            <a:lvl6pPr marL="2514600" indent="-228600" algn="l" defTabSz="914400" rtl="0" eaLnBrk="1" latinLnBrk="0" hangingPunct="1">
-              <a:lnSpc>
-                <a:spcPct val="90000"/>
-              </a:lnSpc>
-              <a:spcBef>
-                <a:spcPts val="500"/>
-              </a:spcBef>
-              <a:buFont typeface="Arial" panose="020B0604020202020204" pitchFamily="34" charset="0"/>
-              <a:buChar char="•"/>
-              <a:defRPr sz="1800" kern="1200">
-                <a:solidFill>
-                  <a:schemeClr val="tx1"/>
-                </a:solidFill>
-                <a:latin typeface="+mn-lt"/>
-                <a:ea typeface="+mn-ea"/>
-                <a:cs typeface="+mn-cs"/>
-              </a:defRPr>
-            </a:lvl6pPr>
-            <a:lvl7pPr marL="2971800" indent="-228600" algn="l" defTabSz="914400" rtl="0" eaLnBrk="1" latinLnBrk="0" hangingPunct="1">
-              <a:lnSpc>
-                <a:spcPct val="90000"/>
-              </a:lnSpc>
-              <a:spcBef>
-                <a:spcPts val="500"/>
-              </a:spcBef>
-              <a:buFont typeface="Arial" panose="020B0604020202020204" pitchFamily="34" charset="0"/>
-              <a:buChar char="•"/>
-              <a:defRPr sz="1800" kern="1200">
-                <a:solidFill>
-                  <a:schemeClr val="tx1"/>
-                </a:solidFill>
-                <a:latin typeface="+mn-lt"/>
-                <a:ea typeface="+mn-ea"/>
-                <a:cs typeface="+mn-cs"/>
-              </a:defRPr>
-            </a:lvl7pPr>
-            <a:lvl8pPr marL="3429000" indent="-228600" algn="l" defTabSz="914400" rtl="0" eaLnBrk="1" latinLnBrk="0" hangingPunct="1">
-              <a:lnSpc>
-                <a:spcPct val="90000"/>
-              </a:lnSpc>
-              <a:spcBef>
-                <a:spcPts val="500"/>
-              </a:spcBef>
-              <a:buFont typeface="Arial" panose="020B0604020202020204" pitchFamily="34" charset="0"/>
-              <a:buChar char="•"/>
-              <a:defRPr sz="1800" kern="1200">
-                <a:solidFill>
-                  <a:schemeClr val="tx1"/>
-                </a:solidFill>
-                <a:latin typeface="+mn-lt"/>
-                <a:ea typeface="+mn-ea"/>
-                <a:cs typeface="+mn-cs"/>
-              </a:defRPr>
-            </a:lvl8pPr>
-            <a:lvl9pPr marL="3886200" indent="-228600" algn="l" defTabSz="914400" rtl="0" eaLnBrk="1" latinLnBrk="0" hangingPunct="1">
-              <a:lnSpc>
-                <a:spcPct val="90000"/>
-              </a:lnSpc>
-              <a:spcBef>
-                <a:spcPts val="500"/>
-              </a:spcBef>
-              <a:buFont typeface="Arial" panose="020B0604020202020204" pitchFamily="34" charset="0"/>
-              <a:buChar char="•"/>
-              <a:defRPr sz="1800" kern="1200">
-                <a:solidFill>
-                  <a:schemeClr val="tx1"/>
-                </a:solidFill>
-                <a:latin typeface="+mn-lt"/>
-                <a:ea typeface="+mn-ea"/>
-                <a:cs typeface="+mn-cs"/>
-              </a:defRPr>
-            </a:lvl9pPr>
-          </a:lstStyle>
-          <a:p>
-            <a:pPr marL="0" indent="0">
-              <a:buFont typeface="Arial" panose="020B0604020202020204" pitchFamily="34" charset="0"/>
-              <a:buNone/>
-            </a:pPr>
-            <a:r>
-              <a:rPr lang="en-US" sz="2000" dirty="0"/>
-              <a:t>	A co-worker of Carlos quit the job. He realized it would be cool if he had a work colleague from LEIC, the same course he is. </a:t>
-            </a:r>
-          </a:p>
-          <a:p>
-            <a:pPr marL="0" indent="0">
-              <a:buFont typeface="Arial" panose="020B0604020202020204" pitchFamily="34" charset="0"/>
-              <a:buNone/>
-            </a:pPr>
-            <a:r>
-              <a:rPr lang="en-US" sz="2000" dirty="0"/>
-              <a:t>	Therefore, he registered in </a:t>
-            </a:r>
-            <a:r>
-              <a:rPr lang="en-US" sz="2000" dirty="0" err="1"/>
-              <a:t>LEICedin</a:t>
-            </a:r>
-            <a:r>
-              <a:rPr lang="en-US" sz="2000" dirty="0"/>
-              <a:t> and created a new job offer. Since he himself works in the same position (security) as the offer, he was able to provide reliable feedback on what his job is like in the description. </a:t>
-            </a:r>
-          </a:p>
-          <a:p>
-            <a:pPr marL="0" indent="0">
-              <a:buFont typeface="Arial" panose="020B0604020202020204" pitchFamily="34" charset="0"/>
-              <a:buNone/>
-            </a:pPr>
-            <a:r>
-              <a:rPr lang="en-US" sz="2000" dirty="0"/>
-              <a:t>	Any person interested would contact him and clarify any remaining doubts. In a final stage, Carlos would redirect them to his boss.</a:t>
-            </a:r>
-          </a:p>
-        </p:txBody>
-      </p:sp>
-    </p:spTree>
-    <p:extLst>
-      <p:ext uri="{BB962C8B-B14F-4D97-AF65-F5344CB8AC3E}">
-        <p14:creationId xmlns:p14="http://schemas.microsoft.com/office/powerpoint/2010/main" val="777683417"/>
-      </p:ext>
-    </p:extLst>
-  </p:cSld>
-  <p:clrMapOvr>
-    <a:masterClrMapping/>
-  </p:clrMapOvr>
-</p:sld>
-</file>
-
 <file path=ppt/slides/slide7.xml><?xml version="1.0" encoding="utf-8"?>
 <p:sld xmlns:a="http://schemas.openxmlformats.org/drawingml/2006/main" xmlns:r="http://schemas.openxmlformats.org/officeDocument/2006/relationships" xmlns:p="http://schemas.openxmlformats.org/presentationml/2006/main">
   <p:cSld>
@@ -10410,7 +14634,7 @@
           <a:p>
             <a:r>
               <a:rPr lang="en-US" b="1" dirty="0"/>
-              <a:t>Functionalities and Tasks</a:t>
+              <a:t>Activity Scenario of Carlos Silva</a:t>
             </a:r>
           </a:p>
         </p:txBody>
@@ -10431,8 +14655,8 @@
         </p:nvSpPr>
         <p:spPr>
           <a:xfrm>
-            <a:off x="947887" y="2699656"/>
-            <a:ext cx="5334830" cy="3744089"/>
+            <a:off x="761170" y="2264230"/>
+            <a:ext cx="10669660" cy="4266602"/>
           </a:xfrm>
           <a:prstGeom prst="rect">
             <a:avLst/>
@@ -10607,362 +14831,49 @@
             </a:lvl9pPr>
           </a:lstStyle>
           <a:p>
-            <a:pPr marL="0" indent="0" algn="ctr">
+            <a:pPr marL="0" indent="0">
               <a:buFont typeface="Arial" panose="020B0604020202020204" pitchFamily="34" charset="0"/>
               <a:buNone/>
             </a:pPr>
             <a:r>
-              <a:rPr lang="en-US" sz="2000" b="1" dirty="0">
-                <a:solidFill>
-                  <a:srgbClr val="993300"/>
-                </a:solidFill>
-              </a:rPr>
-              <a:t>Example of Functionalities:</a:t>
-            </a:r>
-          </a:p>
-          <a:p>
-            <a:pPr marL="0" indent="0" algn="ctr">
+              <a:rPr lang="en-US" sz="2000" dirty="0"/>
+              <a:t>	A co-worker of Carlos quit the job. He realized it would be cool if he had a work colleague from LEIC, the same course he is. </a:t>
+            </a:r>
+          </a:p>
+          <a:p>
+            <a:pPr marL="0" indent="0">
               <a:buFont typeface="Arial" panose="020B0604020202020204" pitchFamily="34" charset="0"/>
               <a:buNone/>
             </a:pPr>
-            <a:endParaRPr lang="en-US" sz="2000" b="1" dirty="0">
-              <a:solidFill>
-                <a:srgbClr val="993300"/>
-              </a:solidFill>
-            </a:endParaRPr>
-          </a:p>
-          <a:p>
-            <a:pPr marL="0" indent="0" algn="ctr">
+            <a:r>
+              <a:rPr lang="en-US" sz="2000" dirty="0"/>
+              <a:t>	Therefore, he registered in </a:t>
+            </a:r>
+            <a:r>
+              <a:rPr lang="en-US" sz="2000" dirty="0" err="1"/>
+              <a:t>LEICedin</a:t>
+            </a:r>
+            <a:r>
+              <a:rPr lang="en-US" sz="2000" dirty="0"/>
+              <a:t> and created a new job offer. Since he himself works in the same position (security) as the offer, he was able to provide reliable feedback on what his job is like in the description. </a:t>
+            </a:r>
+          </a:p>
+          <a:p>
+            <a:pPr marL="0" indent="0">
               <a:buFont typeface="Arial" panose="020B0604020202020204" pitchFamily="34" charset="0"/>
               <a:buNone/>
             </a:pPr>
             <a:r>
               <a:rPr lang="en-US" sz="2000" dirty="0"/>
-              <a:t>Search an offer by name/location</a:t>
-            </a:r>
-          </a:p>
-          <a:p>
-            <a:pPr marL="0" indent="0" algn="ctr">
-              <a:buFont typeface="Arial" panose="020B0604020202020204" pitchFamily="34" charset="0"/>
-              <a:buNone/>
-            </a:pPr>
-            <a:r>
-              <a:rPr lang="en-US" sz="2000" dirty="0"/>
-              <a:t>Order the offers list</a:t>
-            </a:r>
-          </a:p>
-          <a:p>
-            <a:pPr marL="0" indent="0" algn="ctr">
-              <a:buFont typeface="Arial" panose="020B0604020202020204" pitchFamily="34" charset="0"/>
-              <a:buNone/>
-            </a:pPr>
-            <a:r>
-              <a:rPr lang="en-US" sz="2000" dirty="0"/>
-              <a:t>Contact the seller</a:t>
+              <a:t>	Any person interested would contact him and clarify any remaining doubts. In a final stage, Carlos would redirect them to his boss.</a:t>
             </a:r>
           </a:p>
         </p:txBody>
       </p:sp>
-      <p:sp>
-        <p:nvSpPr>
-          <p:cNvPr id="2" name="Content Placeholder 2">
-            <a:extLst>
-              <a:ext uri="{FF2B5EF4-FFF2-40B4-BE49-F238E27FC236}">
-                <a16:creationId xmlns:a16="http://schemas.microsoft.com/office/drawing/2014/main" id="{B2096CE0-DEBA-F665-BBE1-AF9BFFFB16E8}"/>
-              </a:ext>
-            </a:extLst>
-          </p:cNvPr>
-          <p:cNvSpPr txBox="1">
-            <a:spLocks/>
-          </p:cNvSpPr>
-          <p:nvPr/>
-        </p:nvSpPr>
-        <p:spPr>
-          <a:xfrm>
-            <a:off x="6554030" y="2699657"/>
-            <a:ext cx="5334830" cy="3744089"/>
-          </a:xfrm>
-          <a:prstGeom prst="rect">
-            <a:avLst/>
-          </a:prstGeom>
-        </p:spPr>
-        <p:txBody>
-          <a:bodyPr vert="horz" lIns="91440" tIns="45720" rIns="91440" bIns="45720" rtlCol="0">
-            <a:normAutofit/>
-          </a:bodyPr>
-          <a:lstStyle>
-            <a:lvl1pPr marL="228600" indent="-228600" algn="l" defTabSz="914400" rtl="0" eaLnBrk="1" latinLnBrk="0" hangingPunct="1">
-              <a:lnSpc>
-                <a:spcPct val="90000"/>
-              </a:lnSpc>
-              <a:spcBef>
-                <a:spcPts val="1000"/>
-              </a:spcBef>
-              <a:buFont typeface="Arial" panose="020B0604020202020204" pitchFamily="34" charset="0"/>
-              <a:buChar char="•"/>
-              <a:defRPr sz="2800" kern="1200">
-                <a:solidFill>
-                  <a:schemeClr val="tx1"/>
-                </a:solidFill>
-                <a:latin typeface="+mn-lt"/>
-                <a:ea typeface="+mn-ea"/>
-                <a:cs typeface="+mn-cs"/>
-              </a:defRPr>
-            </a:lvl1pPr>
-            <a:lvl2pPr marL="685800" indent="-228600" algn="l" defTabSz="914400" rtl="0" eaLnBrk="1" latinLnBrk="0" hangingPunct="1">
-              <a:lnSpc>
-                <a:spcPct val="90000"/>
-              </a:lnSpc>
-              <a:spcBef>
-                <a:spcPts val="500"/>
-              </a:spcBef>
-              <a:buFont typeface="Arial" panose="020B0604020202020204" pitchFamily="34" charset="0"/>
-              <a:buChar char="•"/>
-              <a:defRPr sz="2400" kern="1200">
-                <a:solidFill>
-                  <a:schemeClr val="tx1"/>
-                </a:solidFill>
-                <a:latin typeface="+mn-lt"/>
-                <a:ea typeface="+mn-ea"/>
-                <a:cs typeface="+mn-cs"/>
-              </a:defRPr>
-            </a:lvl2pPr>
-            <a:lvl3pPr marL="1143000" indent="-228600" algn="l" defTabSz="914400" rtl="0" eaLnBrk="1" latinLnBrk="0" hangingPunct="1">
-              <a:lnSpc>
-                <a:spcPct val="90000"/>
-              </a:lnSpc>
-              <a:spcBef>
-                <a:spcPts val="500"/>
-              </a:spcBef>
-              <a:buFont typeface="Arial" panose="020B0604020202020204" pitchFamily="34" charset="0"/>
-              <a:buChar char="•"/>
-              <a:defRPr sz="2000" kern="1200">
-                <a:solidFill>
-                  <a:schemeClr val="tx1"/>
-                </a:solidFill>
-                <a:latin typeface="+mn-lt"/>
-                <a:ea typeface="+mn-ea"/>
-                <a:cs typeface="+mn-cs"/>
-              </a:defRPr>
-            </a:lvl3pPr>
-            <a:lvl4pPr marL="1600200" indent="-228600" algn="l" defTabSz="914400" rtl="0" eaLnBrk="1" latinLnBrk="0" hangingPunct="1">
-              <a:lnSpc>
-                <a:spcPct val="90000"/>
-              </a:lnSpc>
-              <a:spcBef>
-                <a:spcPts val="500"/>
-              </a:spcBef>
-              <a:buFont typeface="Arial" panose="020B0604020202020204" pitchFamily="34" charset="0"/>
-              <a:buChar char="•"/>
-              <a:defRPr sz="1800" kern="1200">
-                <a:solidFill>
-                  <a:schemeClr val="tx1"/>
-                </a:solidFill>
-                <a:latin typeface="+mn-lt"/>
-                <a:ea typeface="+mn-ea"/>
-                <a:cs typeface="+mn-cs"/>
-              </a:defRPr>
-            </a:lvl4pPr>
-            <a:lvl5pPr marL="2057400" indent="-228600" algn="l" defTabSz="914400" rtl="0" eaLnBrk="1" latinLnBrk="0" hangingPunct="1">
-              <a:lnSpc>
-                <a:spcPct val="90000"/>
-              </a:lnSpc>
-              <a:spcBef>
-                <a:spcPts val="500"/>
-              </a:spcBef>
-              <a:buFont typeface="Arial" panose="020B0604020202020204" pitchFamily="34" charset="0"/>
-              <a:buChar char="•"/>
-              <a:defRPr sz="1800" kern="1200">
-                <a:solidFill>
-                  <a:schemeClr val="tx1"/>
-                </a:solidFill>
-                <a:latin typeface="+mn-lt"/>
-                <a:ea typeface="+mn-ea"/>
-                <a:cs typeface="+mn-cs"/>
-              </a:defRPr>
-            </a:lvl5pPr>
-            <a:lvl6pPr marL="2514600" indent="-228600" algn="l" defTabSz="914400" rtl="0" eaLnBrk="1" latinLnBrk="0" hangingPunct="1">
-              <a:lnSpc>
-                <a:spcPct val="90000"/>
-              </a:lnSpc>
-              <a:spcBef>
-                <a:spcPts val="500"/>
-              </a:spcBef>
-              <a:buFont typeface="Arial" panose="020B0604020202020204" pitchFamily="34" charset="0"/>
-              <a:buChar char="•"/>
-              <a:defRPr sz="1800" kern="1200">
-                <a:solidFill>
-                  <a:schemeClr val="tx1"/>
-                </a:solidFill>
-                <a:latin typeface="+mn-lt"/>
-                <a:ea typeface="+mn-ea"/>
-                <a:cs typeface="+mn-cs"/>
-              </a:defRPr>
-            </a:lvl6pPr>
-            <a:lvl7pPr marL="2971800" indent="-228600" algn="l" defTabSz="914400" rtl="0" eaLnBrk="1" latinLnBrk="0" hangingPunct="1">
-              <a:lnSpc>
-                <a:spcPct val="90000"/>
-              </a:lnSpc>
-              <a:spcBef>
-                <a:spcPts val="500"/>
-              </a:spcBef>
-              <a:buFont typeface="Arial" panose="020B0604020202020204" pitchFamily="34" charset="0"/>
-              <a:buChar char="•"/>
-              <a:defRPr sz="1800" kern="1200">
-                <a:solidFill>
-                  <a:schemeClr val="tx1"/>
-                </a:solidFill>
-                <a:latin typeface="+mn-lt"/>
-                <a:ea typeface="+mn-ea"/>
-                <a:cs typeface="+mn-cs"/>
-              </a:defRPr>
-            </a:lvl7pPr>
-            <a:lvl8pPr marL="3429000" indent="-228600" algn="l" defTabSz="914400" rtl="0" eaLnBrk="1" latinLnBrk="0" hangingPunct="1">
-              <a:lnSpc>
-                <a:spcPct val="90000"/>
-              </a:lnSpc>
-              <a:spcBef>
-                <a:spcPts val="500"/>
-              </a:spcBef>
-              <a:buFont typeface="Arial" panose="020B0604020202020204" pitchFamily="34" charset="0"/>
-              <a:buChar char="•"/>
-              <a:defRPr sz="1800" kern="1200">
-                <a:solidFill>
-                  <a:schemeClr val="tx1"/>
-                </a:solidFill>
-                <a:latin typeface="+mn-lt"/>
-                <a:ea typeface="+mn-ea"/>
-                <a:cs typeface="+mn-cs"/>
-              </a:defRPr>
-            </a:lvl8pPr>
-            <a:lvl9pPr marL="3886200" indent="-228600" algn="l" defTabSz="914400" rtl="0" eaLnBrk="1" latinLnBrk="0" hangingPunct="1">
-              <a:lnSpc>
-                <a:spcPct val="90000"/>
-              </a:lnSpc>
-              <a:spcBef>
-                <a:spcPts val="500"/>
-              </a:spcBef>
-              <a:buFont typeface="Arial" panose="020B0604020202020204" pitchFamily="34" charset="0"/>
-              <a:buChar char="•"/>
-              <a:defRPr sz="1800" kern="1200">
-                <a:solidFill>
-                  <a:schemeClr val="tx1"/>
-                </a:solidFill>
-                <a:latin typeface="+mn-lt"/>
-                <a:ea typeface="+mn-ea"/>
-                <a:cs typeface="+mn-cs"/>
-              </a:defRPr>
-            </a:lvl9pPr>
-          </a:lstStyle>
-          <a:p>
-            <a:pPr marL="0" indent="0" algn="ctr">
-              <a:buFont typeface="Arial" panose="020B0604020202020204" pitchFamily="34" charset="0"/>
-              <a:buNone/>
-            </a:pPr>
-            <a:r>
-              <a:rPr lang="en-US" sz="2000" b="1" dirty="0">
-                <a:solidFill>
-                  <a:srgbClr val="993300"/>
-                </a:solidFill>
-              </a:rPr>
-              <a:t>Example of Tasks:</a:t>
-            </a:r>
-          </a:p>
-          <a:p>
-            <a:pPr marL="0" indent="0" algn="ctr">
-              <a:buFont typeface="Arial" panose="020B0604020202020204" pitchFamily="34" charset="0"/>
-              <a:buNone/>
-            </a:pPr>
-            <a:endParaRPr lang="en-US" sz="1900" dirty="0"/>
-          </a:p>
-          <a:p>
-            <a:pPr marL="0" indent="0" algn="ctr">
-              <a:buNone/>
-            </a:pPr>
-            <a:r>
-              <a:rPr lang="en-US" sz="2000" dirty="0"/>
-              <a:t>Search offers in a certain street</a:t>
-            </a:r>
-          </a:p>
-          <a:p>
-            <a:pPr marL="0" indent="0" algn="ctr">
-              <a:buNone/>
-            </a:pPr>
-            <a:r>
-              <a:rPr lang="en-US" sz="2000" dirty="0"/>
-              <a:t>Order the offers by price</a:t>
-            </a:r>
-          </a:p>
-          <a:p>
-            <a:pPr marL="0" indent="0" algn="ctr">
-              <a:buNone/>
-            </a:pPr>
-            <a:r>
-              <a:rPr lang="en-US" sz="2000" dirty="0"/>
-              <a:t>Send CV to seller</a:t>
-            </a:r>
-          </a:p>
-          <a:p>
-            <a:pPr marL="0" indent="0" algn="ctr">
-              <a:buFont typeface="Arial" panose="020B0604020202020204" pitchFamily="34" charset="0"/>
-              <a:buNone/>
-            </a:pPr>
-            <a:endParaRPr lang="en-US" sz="2000" dirty="0">
-              <a:solidFill>
-                <a:srgbClr val="993300"/>
-              </a:solidFill>
-            </a:endParaRPr>
-          </a:p>
-        </p:txBody>
-      </p:sp>
-      <p:cxnSp>
-        <p:nvCxnSpPr>
-          <p:cNvPr id="3" name="Straight Arrow Connector 2">
-            <a:extLst>
-              <a:ext uri="{FF2B5EF4-FFF2-40B4-BE49-F238E27FC236}">
-                <a16:creationId xmlns:a16="http://schemas.microsoft.com/office/drawing/2014/main" id="{92B52C55-9B56-3C29-C41F-1591909785C0}"/>
-              </a:ext>
-            </a:extLst>
-          </p:cNvPr>
-          <p:cNvCxnSpPr>
-            <a:cxnSpLocks/>
-          </p:cNvCxnSpPr>
-          <p:nvPr/>
-        </p:nvCxnSpPr>
-        <p:spPr>
-          <a:xfrm>
-            <a:off x="5758543" y="4049486"/>
-            <a:ext cx="1284514" cy="0"/>
-          </a:xfrm>
-          <a:prstGeom prst="straightConnector1">
-            <a:avLst/>
-          </a:prstGeom>
-          <a:ln w="38100">
-            <a:solidFill>
-              <a:srgbClr val="993300"/>
-            </a:solidFill>
-            <a:tailEnd type="triangle"/>
-          </a:ln>
-        </p:spPr>
-        <p:style>
-          <a:lnRef idx="1">
-            <a:schemeClr val="accent1"/>
-          </a:lnRef>
-          <a:fillRef idx="0">
-            <a:schemeClr val="accent1"/>
-          </a:fillRef>
-          <a:effectRef idx="0">
-            <a:schemeClr val="accent1"/>
-          </a:effectRef>
-          <a:fontRef idx="minor">
-            <a:schemeClr val="tx1"/>
-          </a:fontRef>
-        </p:style>
-      </p:cxnSp>
     </p:spTree>
     <p:extLst>
       <p:ext uri="{BB962C8B-B14F-4D97-AF65-F5344CB8AC3E}">
-        <p14:creationId xmlns:p14="http://schemas.microsoft.com/office/powerpoint/2010/main" val="1941788761"/>
+        <p14:creationId xmlns:p14="http://schemas.microsoft.com/office/powerpoint/2010/main" val="777683417"/>
       </p:ext>
     </p:extLst>
   </p:cSld>
@@ -11074,7 +14985,7 @@
           <a:p>
             <a:r>
               <a:rPr lang="en-US" b="1" dirty="0"/>
-              <a:t>Usability Requirements</a:t>
+              <a:t>Functionalities and Tasks</a:t>
             </a:r>
           </a:p>
         </p:txBody>
@@ -11095,8 +15006,8 @@
         </p:nvSpPr>
         <p:spPr>
           <a:xfrm>
-            <a:off x="761170" y="2079171"/>
-            <a:ext cx="10669660" cy="4451661"/>
+            <a:off x="947887" y="2699656"/>
+            <a:ext cx="5334830" cy="3744089"/>
           </a:xfrm>
           <a:prstGeom prst="rect">
             <a:avLst/>
@@ -11271,91 +15182,362 @@
             </a:lvl9pPr>
           </a:lstStyle>
           <a:p>
-            <a:r>
-              <a:rPr lang="en-US" sz="2000" b="1" dirty="0">
-                <a:solidFill>
-                  <a:srgbClr val="993300"/>
-                </a:solidFill>
-              </a:rPr>
-              <a:t>Efficacy </a:t>
-            </a:r>
-          </a:p>
-          <a:p>
-            <a:pPr marL="0" indent="0">
+            <a:pPr marL="0" indent="0" algn="ctr">
+              <a:buFont typeface="Arial" panose="020B0604020202020204" pitchFamily="34" charset="0"/>
               <a:buNone/>
             </a:pPr>
             <a:r>
-              <a:rPr lang="en-US" sz="2000" dirty="0"/>
-              <a:t>The use of the platform is carried out intuitively, with only 5% of users making a mistake.</a:t>
-            </a:r>
-          </a:p>
-          <a:p>
-            <a:pPr marL="0" indent="0">
+              <a:rPr lang="en-US" sz="2000" b="1" dirty="0">
+                <a:solidFill>
+                  <a:srgbClr val="993300"/>
+                </a:solidFill>
+              </a:rPr>
+              <a:t>Example of Functionalities:</a:t>
+            </a:r>
+          </a:p>
+          <a:p>
+            <a:pPr marL="0" indent="0" algn="ctr">
+              <a:buFont typeface="Arial" panose="020B0604020202020204" pitchFamily="34" charset="0"/>
               <a:buNone/>
             </a:pPr>
-            <a:r>
-              <a:rPr lang="en-US" sz="2000" dirty="0"/>
-              <a:t> </a:t>
-            </a:r>
-          </a:p>
-          <a:p>
-            <a:r>
-              <a:rPr lang="en-US" sz="2000" b="1" dirty="0">
-                <a:solidFill>
-                  <a:srgbClr val="993300"/>
-                </a:solidFill>
-              </a:rPr>
-              <a:t>Efficiency</a:t>
-            </a:r>
-            <a:r>
-              <a:rPr lang="en-US" sz="2000" dirty="0"/>
-              <a:t> </a:t>
-            </a:r>
-          </a:p>
-          <a:p>
-            <a:pPr marL="0" indent="0">
+            <a:endParaRPr lang="en-US" sz="2000" b="1" dirty="0">
+              <a:solidFill>
+                <a:srgbClr val="993300"/>
+              </a:solidFill>
+            </a:endParaRPr>
+          </a:p>
+          <a:p>
+            <a:pPr marL="0" indent="0" algn="ctr">
+              <a:buFont typeface="Arial" panose="020B0604020202020204" pitchFamily="34" charset="0"/>
               <a:buNone/>
             </a:pPr>
             <a:r>
               <a:rPr lang="en-US" sz="2000" dirty="0"/>
-              <a:t>Users can find an interesting offer in less than 1 minute.</a:t>
-            </a:r>
-          </a:p>
-          <a:p>
-            <a:pPr marL="0" indent="0">
+              <a:t>Search an offer by name/location</a:t>
+            </a:r>
+          </a:p>
+          <a:p>
+            <a:pPr marL="0" indent="0" algn="ctr">
+              <a:buFont typeface="Arial" panose="020B0604020202020204" pitchFamily="34" charset="0"/>
               <a:buNone/>
             </a:pPr>
-            <a:endParaRPr lang="en-US" sz="2000" dirty="0"/>
-          </a:p>
-          <a:p>
-            <a:r>
-              <a:rPr lang="en-US" sz="2000" b="1" dirty="0">
-                <a:solidFill>
-                  <a:srgbClr val="993300"/>
-                </a:solidFill>
-              </a:rPr>
-              <a:t>Satisfaction</a:t>
-            </a:r>
             <a:r>
               <a:rPr lang="en-US" sz="2000" dirty="0"/>
-              <a:t> </a:t>
-            </a:r>
-          </a:p>
-          <a:p>
-            <a:pPr marL="0" indent="0">
+              <a:t>Order the offers list</a:t>
+            </a:r>
+          </a:p>
+          <a:p>
+            <a:pPr marL="0" indent="0" algn="ctr">
+              <a:buFont typeface="Arial" panose="020B0604020202020204" pitchFamily="34" charset="0"/>
               <a:buNone/>
             </a:pPr>
             <a:r>
               <a:rPr lang="en-US" sz="2000" dirty="0"/>
-              <a:t>The platform must match the expectations of 95% of new users.</a:t>
+              <a:t>Contact the seller</a:t>
             </a:r>
           </a:p>
         </p:txBody>
       </p:sp>
+      <p:sp>
+        <p:nvSpPr>
+          <p:cNvPr id="2" name="Content Placeholder 2">
+            <a:extLst>
+              <a:ext uri="{FF2B5EF4-FFF2-40B4-BE49-F238E27FC236}">
+                <a16:creationId xmlns:a16="http://schemas.microsoft.com/office/drawing/2014/main" id="{B2096CE0-DEBA-F665-BBE1-AF9BFFFB16E8}"/>
+              </a:ext>
+            </a:extLst>
+          </p:cNvPr>
+          <p:cNvSpPr txBox="1">
+            <a:spLocks/>
+          </p:cNvSpPr>
+          <p:nvPr/>
+        </p:nvSpPr>
+        <p:spPr>
+          <a:xfrm>
+            <a:off x="6554030" y="2699657"/>
+            <a:ext cx="5334830" cy="3744089"/>
+          </a:xfrm>
+          <a:prstGeom prst="rect">
+            <a:avLst/>
+          </a:prstGeom>
+        </p:spPr>
+        <p:txBody>
+          <a:bodyPr vert="horz" lIns="91440" tIns="45720" rIns="91440" bIns="45720" rtlCol="0">
+            <a:normAutofit/>
+          </a:bodyPr>
+          <a:lstStyle>
+            <a:lvl1pPr marL="228600" indent="-228600" algn="l" defTabSz="914400" rtl="0" eaLnBrk="1" latinLnBrk="0" hangingPunct="1">
+              <a:lnSpc>
+                <a:spcPct val="90000"/>
+              </a:lnSpc>
+              <a:spcBef>
+                <a:spcPts val="1000"/>
+              </a:spcBef>
+              <a:buFont typeface="Arial" panose="020B0604020202020204" pitchFamily="34" charset="0"/>
+              <a:buChar char="•"/>
+              <a:defRPr sz="2800" kern="1200">
+                <a:solidFill>
+                  <a:schemeClr val="tx1"/>
+                </a:solidFill>
+                <a:latin typeface="+mn-lt"/>
+                <a:ea typeface="+mn-ea"/>
+                <a:cs typeface="+mn-cs"/>
+              </a:defRPr>
+            </a:lvl1pPr>
+            <a:lvl2pPr marL="685800" indent="-228600" algn="l" defTabSz="914400" rtl="0" eaLnBrk="1" latinLnBrk="0" hangingPunct="1">
+              <a:lnSpc>
+                <a:spcPct val="90000"/>
+              </a:lnSpc>
+              <a:spcBef>
+                <a:spcPts val="500"/>
+              </a:spcBef>
+              <a:buFont typeface="Arial" panose="020B0604020202020204" pitchFamily="34" charset="0"/>
+              <a:buChar char="•"/>
+              <a:defRPr sz="2400" kern="1200">
+                <a:solidFill>
+                  <a:schemeClr val="tx1"/>
+                </a:solidFill>
+                <a:latin typeface="+mn-lt"/>
+                <a:ea typeface="+mn-ea"/>
+                <a:cs typeface="+mn-cs"/>
+              </a:defRPr>
+            </a:lvl2pPr>
+            <a:lvl3pPr marL="1143000" indent="-228600" algn="l" defTabSz="914400" rtl="0" eaLnBrk="1" latinLnBrk="0" hangingPunct="1">
+              <a:lnSpc>
+                <a:spcPct val="90000"/>
+              </a:lnSpc>
+              <a:spcBef>
+                <a:spcPts val="500"/>
+              </a:spcBef>
+              <a:buFont typeface="Arial" panose="020B0604020202020204" pitchFamily="34" charset="0"/>
+              <a:buChar char="•"/>
+              <a:defRPr sz="2000" kern="1200">
+                <a:solidFill>
+                  <a:schemeClr val="tx1"/>
+                </a:solidFill>
+                <a:latin typeface="+mn-lt"/>
+                <a:ea typeface="+mn-ea"/>
+                <a:cs typeface="+mn-cs"/>
+              </a:defRPr>
+            </a:lvl3pPr>
+            <a:lvl4pPr marL="1600200" indent="-228600" algn="l" defTabSz="914400" rtl="0" eaLnBrk="1" latinLnBrk="0" hangingPunct="1">
+              <a:lnSpc>
+                <a:spcPct val="90000"/>
+              </a:lnSpc>
+              <a:spcBef>
+                <a:spcPts val="500"/>
+              </a:spcBef>
+              <a:buFont typeface="Arial" panose="020B0604020202020204" pitchFamily="34" charset="0"/>
+              <a:buChar char="•"/>
+              <a:defRPr sz="1800" kern="1200">
+                <a:solidFill>
+                  <a:schemeClr val="tx1"/>
+                </a:solidFill>
+                <a:latin typeface="+mn-lt"/>
+                <a:ea typeface="+mn-ea"/>
+                <a:cs typeface="+mn-cs"/>
+              </a:defRPr>
+            </a:lvl4pPr>
+            <a:lvl5pPr marL="2057400" indent="-228600" algn="l" defTabSz="914400" rtl="0" eaLnBrk="1" latinLnBrk="0" hangingPunct="1">
+              <a:lnSpc>
+                <a:spcPct val="90000"/>
+              </a:lnSpc>
+              <a:spcBef>
+                <a:spcPts val="500"/>
+              </a:spcBef>
+              <a:buFont typeface="Arial" panose="020B0604020202020204" pitchFamily="34" charset="0"/>
+              <a:buChar char="•"/>
+              <a:defRPr sz="1800" kern="1200">
+                <a:solidFill>
+                  <a:schemeClr val="tx1"/>
+                </a:solidFill>
+                <a:latin typeface="+mn-lt"/>
+                <a:ea typeface="+mn-ea"/>
+                <a:cs typeface="+mn-cs"/>
+              </a:defRPr>
+            </a:lvl5pPr>
+            <a:lvl6pPr marL="2514600" indent="-228600" algn="l" defTabSz="914400" rtl="0" eaLnBrk="1" latinLnBrk="0" hangingPunct="1">
+              <a:lnSpc>
+                <a:spcPct val="90000"/>
+              </a:lnSpc>
+              <a:spcBef>
+                <a:spcPts val="500"/>
+              </a:spcBef>
+              <a:buFont typeface="Arial" panose="020B0604020202020204" pitchFamily="34" charset="0"/>
+              <a:buChar char="•"/>
+              <a:defRPr sz="1800" kern="1200">
+                <a:solidFill>
+                  <a:schemeClr val="tx1"/>
+                </a:solidFill>
+                <a:latin typeface="+mn-lt"/>
+                <a:ea typeface="+mn-ea"/>
+                <a:cs typeface="+mn-cs"/>
+              </a:defRPr>
+            </a:lvl6pPr>
+            <a:lvl7pPr marL="2971800" indent="-228600" algn="l" defTabSz="914400" rtl="0" eaLnBrk="1" latinLnBrk="0" hangingPunct="1">
+              <a:lnSpc>
+                <a:spcPct val="90000"/>
+              </a:lnSpc>
+              <a:spcBef>
+                <a:spcPts val="500"/>
+              </a:spcBef>
+              <a:buFont typeface="Arial" panose="020B0604020202020204" pitchFamily="34" charset="0"/>
+              <a:buChar char="•"/>
+              <a:defRPr sz="1800" kern="1200">
+                <a:solidFill>
+                  <a:schemeClr val="tx1"/>
+                </a:solidFill>
+                <a:latin typeface="+mn-lt"/>
+                <a:ea typeface="+mn-ea"/>
+                <a:cs typeface="+mn-cs"/>
+              </a:defRPr>
+            </a:lvl7pPr>
+            <a:lvl8pPr marL="3429000" indent="-228600" algn="l" defTabSz="914400" rtl="0" eaLnBrk="1" latinLnBrk="0" hangingPunct="1">
+              <a:lnSpc>
+                <a:spcPct val="90000"/>
+              </a:lnSpc>
+              <a:spcBef>
+                <a:spcPts val="500"/>
+              </a:spcBef>
+              <a:buFont typeface="Arial" panose="020B0604020202020204" pitchFamily="34" charset="0"/>
+              <a:buChar char="•"/>
+              <a:defRPr sz="1800" kern="1200">
+                <a:solidFill>
+                  <a:schemeClr val="tx1"/>
+                </a:solidFill>
+                <a:latin typeface="+mn-lt"/>
+                <a:ea typeface="+mn-ea"/>
+                <a:cs typeface="+mn-cs"/>
+              </a:defRPr>
+            </a:lvl8pPr>
+            <a:lvl9pPr marL="3886200" indent="-228600" algn="l" defTabSz="914400" rtl="0" eaLnBrk="1" latinLnBrk="0" hangingPunct="1">
+              <a:lnSpc>
+                <a:spcPct val="90000"/>
+              </a:lnSpc>
+              <a:spcBef>
+                <a:spcPts val="500"/>
+              </a:spcBef>
+              <a:buFont typeface="Arial" panose="020B0604020202020204" pitchFamily="34" charset="0"/>
+              <a:buChar char="•"/>
+              <a:defRPr sz="1800" kern="1200">
+                <a:solidFill>
+                  <a:schemeClr val="tx1"/>
+                </a:solidFill>
+                <a:latin typeface="+mn-lt"/>
+                <a:ea typeface="+mn-ea"/>
+                <a:cs typeface="+mn-cs"/>
+              </a:defRPr>
+            </a:lvl9pPr>
+          </a:lstStyle>
+          <a:p>
+            <a:pPr marL="0" indent="0" algn="ctr">
+              <a:buFont typeface="Arial" panose="020B0604020202020204" pitchFamily="34" charset="0"/>
+              <a:buNone/>
+            </a:pPr>
+            <a:r>
+              <a:rPr lang="en-US" sz="2000" b="1" dirty="0">
+                <a:solidFill>
+                  <a:srgbClr val="993300"/>
+                </a:solidFill>
+              </a:rPr>
+              <a:t>Example of Tasks:</a:t>
+            </a:r>
+          </a:p>
+          <a:p>
+            <a:pPr marL="0" indent="0" algn="ctr">
+              <a:buFont typeface="Arial" panose="020B0604020202020204" pitchFamily="34" charset="0"/>
+              <a:buNone/>
+            </a:pPr>
+            <a:endParaRPr lang="en-US" sz="1900" dirty="0"/>
+          </a:p>
+          <a:p>
+            <a:pPr marL="0" indent="0" algn="ctr">
+              <a:buNone/>
+            </a:pPr>
+            <a:r>
+              <a:rPr lang="en-US" sz="2000" dirty="0"/>
+              <a:t>Search offers in a certain street</a:t>
+            </a:r>
+          </a:p>
+          <a:p>
+            <a:pPr marL="0" indent="0" algn="ctr">
+              <a:buNone/>
+            </a:pPr>
+            <a:r>
+              <a:rPr lang="en-US" sz="2000" dirty="0"/>
+              <a:t>Order the offers by price</a:t>
+            </a:r>
+          </a:p>
+          <a:p>
+            <a:pPr marL="0" indent="0" algn="ctr">
+              <a:buNone/>
+            </a:pPr>
+            <a:r>
+              <a:rPr lang="en-US" sz="2000" dirty="0"/>
+              <a:t>Send CV to seller</a:t>
+            </a:r>
+          </a:p>
+          <a:p>
+            <a:pPr marL="0" indent="0" algn="ctr">
+              <a:buFont typeface="Arial" panose="020B0604020202020204" pitchFamily="34" charset="0"/>
+              <a:buNone/>
+            </a:pPr>
+            <a:endParaRPr lang="en-US" sz="2000" dirty="0">
+              <a:solidFill>
+                <a:srgbClr val="993300"/>
+              </a:solidFill>
+            </a:endParaRPr>
+          </a:p>
+        </p:txBody>
+      </p:sp>
+      <p:cxnSp>
+        <p:nvCxnSpPr>
+          <p:cNvPr id="3" name="Straight Arrow Connector 2">
+            <a:extLst>
+              <a:ext uri="{FF2B5EF4-FFF2-40B4-BE49-F238E27FC236}">
+                <a16:creationId xmlns:a16="http://schemas.microsoft.com/office/drawing/2014/main" id="{92B52C55-9B56-3C29-C41F-1591909785C0}"/>
+              </a:ext>
+            </a:extLst>
+          </p:cNvPr>
+          <p:cNvCxnSpPr>
+            <a:cxnSpLocks/>
+          </p:cNvCxnSpPr>
+          <p:nvPr/>
+        </p:nvCxnSpPr>
+        <p:spPr>
+          <a:xfrm>
+            <a:off x="5758543" y="4049486"/>
+            <a:ext cx="1284514" cy="0"/>
+          </a:xfrm>
+          <a:prstGeom prst="straightConnector1">
+            <a:avLst/>
+          </a:prstGeom>
+          <a:ln w="38100">
+            <a:solidFill>
+              <a:srgbClr val="993300"/>
+            </a:solidFill>
+            <a:tailEnd type="triangle"/>
+          </a:ln>
+        </p:spPr>
+        <p:style>
+          <a:lnRef idx="1">
+            <a:schemeClr val="accent1"/>
+          </a:lnRef>
+          <a:fillRef idx="0">
+            <a:schemeClr val="accent1"/>
+          </a:fillRef>
+          <a:effectRef idx="0">
+            <a:schemeClr val="accent1"/>
+          </a:effectRef>
+          <a:fontRef idx="minor">
+            <a:schemeClr val="tx1"/>
+          </a:fontRef>
+        </p:style>
+      </p:cxnSp>
     </p:spTree>
     <p:extLst>
       <p:ext uri="{BB962C8B-B14F-4D97-AF65-F5344CB8AC3E}">
-        <p14:creationId xmlns:p14="http://schemas.microsoft.com/office/powerpoint/2010/main" val="2720204355"/>
+        <p14:creationId xmlns:p14="http://schemas.microsoft.com/office/powerpoint/2010/main" val="1941788761"/>
       </p:ext>
     </p:extLst>
   </p:cSld>
@@ -11397,7 +15579,7 @@
           <p:nvPr/>
         </p:nvPicPr>
         <p:blipFill>
-          <a:blip r:embed="rId2">
+          <a:blip r:embed="rId3">
             <a:extLst>
               <a:ext uri="{28A0092B-C50C-407E-A947-70E740481C1C}">
                 <a14:useLocalDpi xmlns:a14="http://schemas.microsoft.com/office/drawing/2010/main" val="0"/>
@@ -11434,7 +15616,7 @@
         </p:nvSpPr>
         <p:spPr>
           <a:xfrm>
-            <a:off x="704851" y="570706"/>
+            <a:off x="704851" y="549440"/>
             <a:ext cx="7219949" cy="914399"/>
           </a:xfrm>
           <a:prstGeom prst="rect">
@@ -11467,17 +15649,17 @@
           <a:p>
             <a:r>
               <a:rPr lang="en-US" b="1" dirty="0"/>
-              <a:t>Related Services</a:t>
+              <a:t>Usability Requirements</a:t>
             </a:r>
           </a:p>
         </p:txBody>
       </p:sp>
       <p:sp>
         <p:nvSpPr>
-          <p:cNvPr id="4" name="Content Placeholder 2">
+          <p:cNvPr id="11" name="Content Placeholder 2">
             <a:extLst>
               <a:ext uri="{FF2B5EF4-FFF2-40B4-BE49-F238E27FC236}">
-                <a16:creationId xmlns:a16="http://schemas.microsoft.com/office/drawing/2014/main" id="{4972AFF4-B587-DDE3-55AB-37549D03AEA0}"/>
+                <a16:creationId xmlns:a16="http://schemas.microsoft.com/office/drawing/2014/main" id="{6AB2115D-5135-CEAE-2998-AD5A7339ADDB}"/>
               </a:ext>
             </a:extLst>
           </p:cNvPr>
@@ -11488,8 +15670,8 @@
         </p:nvSpPr>
         <p:spPr>
           <a:xfrm>
-            <a:off x="4620407" y="835532"/>
-            <a:ext cx="2350583" cy="384745"/>
+            <a:off x="761170" y="2079171"/>
+            <a:ext cx="10669660" cy="4451661"/>
           </a:xfrm>
           <a:prstGeom prst="rect">
             <a:avLst/>
@@ -11664,1475 +15846,83 @@
             </a:lvl9pPr>
           </a:lstStyle>
           <a:p>
+            <a:r>
+              <a:rPr lang="en-US" sz="2000" b="1" dirty="0">
+                <a:solidFill>
+                  <a:srgbClr val="993300"/>
+                </a:solidFill>
+              </a:rPr>
+              <a:t>Efficacy </a:t>
+            </a:r>
+          </a:p>
+          <a:p>
             <a:pPr marL="0" indent="0">
-              <a:buFont typeface="Arial" panose="020B0604020202020204" pitchFamily="34" charset="0"/>
               <a:buNone/>
             </a:pPr>
             <a:r>
               <a:rPr lang="en-US" sz="2000" dirty="0"/>
-              <a:t>(from questionnaire)</a:t>
-            </a:r>
-          </a:p>
-        </p:txBody>
-      </p:sp>
-      <p:pic>
-        <p:nvPicPr>
-          <p:cNvPr id="3" name="Picture 2">
-            <a:extLst>
-              <a:ext uri="{FF2B5EF4-FFF2-40B4-BE49-F238E27FC236}">
-                <a16:creationId xmlns:a16="http://schemas.microsoft.com/office/drawing/2014/main" id="{6CFB68E4-11CF-21C8-7084-BF86C566315D}"/>
-              </a:ext>
-            </a:extLst>
-          </p:cNvPr>
-          <p:cNvPicPr>
-            <a:picLocks noChangeAspect="1"/>
-          </p:cNvPicPr>
-          <p:nvPr/>
-        </p:nvPicPr>
-        <p:blipFill rotWithShape="1">
-          <a:blip r:embed="rId3"/>
-          <a:srcRect l="1676" t="1213" r="1" b="1495"/>
-          <a:stretch/>
-        </p:blipFill>
-        <p:spPr>
-          <a:xfrm>
-            <a:off x="553258" y="1579168"/>
-            <a:ext cx="2313201" cy="4965171"/>
-          </a:xfrm>
-          <a:prstGeom prst="rect">
-            <a:avLst/>
-          </a:prstGeom>
-          <a:ln w="12700">
-            <a:solidFill>
-              <a:schemeClr val="tx1"/>
-            </a:solidFill>
-          </a:ln>
-        </p:spPr>
-      </p:pic>
-      <p:sp>
-        <p:nvSpPr>
-          <p:cNvPr id="7" name="Content Placeholder 2">
-            <a:extLst>
-              <a:ext uri="{FF2B5EF4-FFF2-40B4-BE49-F238E27FC236}">
-                <a16:creationId xmlns:a16="http://schemas.microsoft.com/office/drawing/2014/main" id="{2CFD5082-5624-1646-8234-C6A837CB3A2B}"/>
-              </a:ext>
-            </a:extLst>
-          </p:cNvPr>
-          <p:cNvSpPr txBox="1">
-            <a:spLocks/>
-          </p:cNvSpPr>
-          <p:nvPr/>
-        </p:nvSpPr>
-        <p:spPr>
-          <a:xfrm>
-            <a:off x="3998576" y="2148159"/>
-            <a:ext cx="1537616" cy="384745"/>
-          </a:xfrm>
-          <a:prstGeom prst="rect">
-            <a:avLst/>
-          </a:prstGeom>
-        </p:spPr>
-        <p:txBody>
-          <a:bodyPr vert="horz" lIns="91440" tIns="45720" rIns="91440" bIns="45720" rtlCol="0">
-            <a:normAutofit/>
-          </a:bodyPr>
-          <a:lstStyle>
-            <a:lvl1pPr marL="228600" indent="-228600" algn="l" defTabSz="914400" rtl="0" eaLnBrk="1" latinLnBrk="0" hangingPunct="1">
-              <a:lnSpc>
-                <a:spcPct val="90000"/>
-              </a:lnSpc>
-              <a:spcBef>
-                <a:spcPts val="1000"/>
-              </a:spcBef>
-              <a:buFont typeface="Arial" panose="020B0604020202020204" pitchFamily="34" charset="0"/>
-              <a:buChar char="•"/>
-              <a:defRPr sz="2800" kern="1200">
-                <a:solidFill>
-                  <a:schemeClr val="tx1"/>
-                </a:solidFill>
-                <a:latin typeface="+mn-lt"/>
-                <a:ea typeface="+mn-ea"/>
-                <a:cs typeface="+mn-cs"/>
-              </a:defRPr>
-            </a:lvl1pPr>
-            <a:lvl2pPr marL="685800" indent="-228600" algn="l" defTabSz="914400" rtl="0" eaLnBrk="1" latinLnBrk="0" hangingPunct="1">
-              <a:lnSpc>
-                <a:spcPct val="90000"/>
-              </a:lnSpc>
-              <a:spcBef>
-                <a:spcPts val="500"/>
-              </a:spcBef>
-              <a:buFont typeface="Arial" panose="020B0604020202020204" pitchFamily="34" charset="0"/>
-              <a:buChar char="•"/>
-              <a:defRPr sz="2400" kern="1200">
-                <a:solidFill>
-                  <a:schemeClr val="tx1"/>
-                </a:solidFill>
-                <a:latin typeface="+mn-lt"/>
-                <a:ea typeface="+mn-ea"/>
-                <a:cs typeface="+mn-cs"/>
-              </a:defRPr>
-            </a:lvl2pPr>
-            <a:lvl3pPr marL="1143000" indent="-228600" algn="l" defTabSz="914400" rtl="0" eaLnBrk="1" latinLnBrk="0" hangingPunct="1">
-              <a:lnSpc>
-                <a:spcPct val="90000"/>
-              </a:lnSpc>
-              <a:spcBef>
-                <a:spcPts val="500"/>
-              </a:spcBef>
-              <a:buFont typeface="Arial" panose="020B0604020202020204" pitchFamily="34" charset="0"/>
-              <a:buChar char="•"/>
-              <a:defRPr sz="2000" kern="1200">
-                <a:solidFill>
-                  <a:schemeClr val="tx1"/>
-                </a:solidFill>
-                <a:latin typeface="+mn-lt"/>
-                <a:ea typeface="+mn-ea"/>
-                <a:cs typeface="+mn-cs"/>
-              </a:defRPr>
-            </a:lvl3pPr>
-            <a:lvl4pPr marL="1600200" indent="-228600" algn="l" defTabSz="914400" rtl="0" eaLnBrk="1" latinLnBrk="0" hangingPunct="1">
-              <a:lnSpc>
-                <a:spcPct val="90000"/>
-              </a:lnSpc>
-              <a:spcBef>
-                <a:spcPts val="500"/>
-              </a:spcBef>
-              <a:buFont typeface="Arial" panose="020B0604020202020204" pitchFamily="34" charset="0"/>
-              <a:buChar char="•"/>
-              <a:defRPr sz="1800" kern="1200">
-                <a:solidFill>
-                  <a:schemeClr val="tx1"/>
-                </a:solidFill>
-                <a:latin typeface="+mn-lt"/>
-                <a:ea typeface="+mn-ea"/>
-                <a:cs typeface="+mn-cs"/>
-              </a:defRPr>
-            </a:lvl4pPr>
-            <a:lvl5pPr marL="2057400" indent="-228600" algn="l" defTabSz="914400" rtl="0" eaLnBrk="1" latinLnBrk="0" hangingPunct="1">
-              <a:lnSpc>
-                <a:spcPct val="90000"/>
-              </a:lnSpc>
-              <a:spcBef>
-                <a:spcPts val="500"/>
-              </a:spcBef>
-              <a:buFont typeface="Arial" panose="020B0604020202020204" pitchFamily="34" charset="0"/>
-              <a:buChar char="•"/>
-              <a:defRPr sz="1800" kern="1200">
-                <a:solidFill>
-                  <a:schemeClr val="tx1"/>
-                </a:solidFill>
-                <a:latin typeface="+mn-lt"/>
-                <a:ea typeface="+mn-ea"/>
-                <a:cs typeface="+mn-cs"/>
-              </a:defRPr>
-            </a:lvl5pPr>
-            <a:lvl6pPr marL="2514600" indent="-228600" algn="l" defTabSz="914400" rtl="0" eaLnBrk="1" latinLnBrk="0" hangingPunct="1">
-              <a:lnSpc>
-                <a:spcPct val="90000"/>
-              </a:lnSpc>
-              <a:spcBef>
-                <a:spcPts val="500"/>
-              </a:spcBef>
-              <a:buFont typeface="Arial" panose="020B0604020202020204" pitchFamily="34" charset="0"/>
-              <a:buChar char="•"/>
-              <a:defRPr sz="1800" kern="1200">
-                <a:solidFill>
-                  <a:schemeClr val="tx1"/>
-                </a:solidFill>
-                <a:latin typeface="+mn-lt"/>
-                <a:ea typeface="+mn-ea"/>
-                <a:cs typeface="+mn-cs"/>
-              </a:defRPr>
-            </a:lvl6pPr>
-            <a:lvl7pPr marL="2971800" indent="-228600" algn="l" defTabSz="914400" rtl="0" eaLnBrk="1" latinLnBrk="0" hangingPunct="1">
-              <a:lnSpc>
-                <a:spcPct val="90000"/>
-              </a:lnSpc>
-              <a:spcBef>
-                <a:spcPts val="500"/>
-              </a:spcBef>
-              <a:buFont typeface="Arial" panose="020B0604020202020204" pitchFamily="34" charset="0"/>
-              <a:buChar char="•"/>
-              <a:defRPr sz="1800" kern="1200">
-                <a:solidFill>
-                  <a:schemeClr val="tx1"/>
-                </a:solidFill>
-                <a:latin typeface="+mn-lt"/>
-                <a:ea typeface="+mn-ea"/>
-                <a:cs typeface="+mn-cs"/>
-              </a:defRPr>
-            </a:lvl7pPr>
-            <a:lvl8pPr marL="3429000" indent="-228600" algn="l" defTabSz="914400" rtl="0" eaLnBrk="1" latinLnBrk="0" hangingPunct="1">
-              <a:lnSpc>
-                <a:spcPct val="90000"/>
-              </a:lnSpc>
-              <a:spcBef>
-                <a:spcPts val="500"/>
-              </a:spcBef>
-              <a:buFont typeface="Arial" panose="020B0604020202020204" pitchFamily="34" charset="0"/>
-              <a:buChar char="•"/>
-              <a:defRPr sz="1800" kern="1200">
-                <a:solidFill>
-                  <a:schemeClr val="tx1"/>
-                </a:solidFill>
-                <a:latin typeface="+mn-lt"/>
-                <a:ea typeface="+mn-ea"/>
-                <a:cs typeface="+mn-cs"/>
-              </a:defRPr>
-            </a:lvl8pPr>
-            <a:lvl9pPr marL="3886200" indent="-228600" algn="l" defTabSz="914400" rtl="0" eaLnBrk="1" latinLnBrk="0" hangingPunct="1">
-              <a:lnSpc>
-                <a:spcPct val="90000"/>
-              </a:lnSpc>
-              <a:spcBef>
-                <a:spcPts val="500"/>
-              </a:spcBef>
-              <a:buFont typeface="Arial" panose="020B0604020202020204" pitchFamily="34" charset="0"/>
-              <a:buChar char="•"/>
-              <a:defRPr sz="1800" kern="1200">
-                <a:solidFill>
-                  <a:schemeClr val="tx1"/>
-                </a:solidFill>
-                <a:latin typeface="+mn-lt"/>
-                <a:ea typeface="+mn-ea"/>
-                <a:cs typeface="+mn-cs"/>
-              </a:defRPr>
-            </a:lvl9pPr>
-          </a:lstStyle>
-          <a:p>
-            <a:pPr marL="0" indent="0" algn="ctr">
-              <a:buFont typeface="Arial" panose="020B0604020202020204" pitchFamily="34" charset="0"/>
+              <a:t>The use of the platform is carried out intuitively, with only 5% of users making a mistake.</a:t>
+            </a:r>
+          </a:p>
+          <a:p>
+            <a:pPr marL="0" indent="0">
               <a:buNone/>
             </a:pPr>
             <a:r>
-              <a:rPr lang="en-US" sz="2000" b="1" dirty="0"/>
-              <a:t>Browser app</a:t>
-            </a:r>
-          </a:p>
-        </p:txBody>
-      </p:sp>
-      <p:sp>
-        <p:nvSpPr>
-          <p:cNvPr id="8" name="Content Placeholder 2">
-            <a:extLst>
-              <a:ext uri="{FF2B5EF4-FFF2-40B4-BE49-F238E27FC236}">
-                <a16:creationId xmlns:a16="http://schemas.microsoft.com/office/drawing/2014/main" id="{99B69D3D-1334-17DB-1E4A-D0E669AE016E}"/>
-              </a:ext>
-            </a:extLst>
-          </p:cNvPr>
-          <p:cNvSpPr txBox="1">
-            <a:spLocks/>
-          </p:cNvSpPr>
-          <p:nvPr/>
-        </p:nvSpPr>
-        <p:spPr>
-          <a:xfrm>
-            <a:off x="3421124" y="3388331"/>
-            <a:ext cx="2708546" cy="384745"/>
-          </a:xfrm>
-          <a:prstGeom prst="rect">
-            <a:avLst/>
-          </a:prstGeom>
-        </p:spPr>
-        <p:txBody>
-          <a:bodyPr vert="horz" lIns="91440" tIns="45720" rIns="91440" bIns="45720" rtlCol="0">
-            <a:normAutofit fontScale="92500"/>
-          </a:bodyPr>
-          <a:lstStyle>
-            <a:lvl1pPr marL="228600" indent="-228600" algn="l" defTabSz="914400" rtl="0" eaLnBrk="1" latinLnBrk="0" hangingPunct="1">
-              <a:lnSpc>
-                <a:spcPct val="90000"/>
-              </a:lnSpc>
-              <a:spcBef>
-                <a:spcPts val="1000"/>
-              </a:spcBef>
-              <a:buFont typeface="Arial" panose="020B0604020202020204" pitchFamily="34" charset="0"/>
-              <a:buChar char="•"/>
-              <a:defRPr sz="2800" kern="1200">
-                <a:solidFill>
-                  <a:schemeClr val="tx1"/>
-                </a:solidFill>
-                <a:latin typeface="+mn-lt"/>
-                <a:ea typeface="+mn-ea"/>
-                <a:cs typeface="+mn-cs"/>
-              </a:defRPr>
-            </a:lvl1pPr>
-            <a:lvl2pPr marL="685800" indent="-228600" algn="l" defTabSz="914400" rtl="0" eaLnBrk="1" latinLnBrk="0" hangingPunct="1">
-              <a:lnSpc>
-                <a:spcPct val="90000"/>
-              </a:lnSpc>
-              <a:spcBef>
-                <a:spcPts val="500"/>
-              </a:spcBef>
-              <a:buFont typeface="Arial" panose="020B0604020202020204" pitchFamily="34" charset="0"/>
-              <a:buChar char="•"/>
-              <a:defRPr sz="2400" kern="1200">
-                <a:solidFill>
-                  <a:schemeClr val="tx1"/>
-                </a:solidFill>
-                <a:latin typeface="+mn-lt"/>
-                <a:ea typeface="+mn-ea"/>
-                <a:cs typeface="+mn-cs"/>
-              </a:defRPr>
-            </a:lvl2pPr>
-            <a:lvl3pPr marL="1143000" indent="-228600" algn="l" defTabSz="914400" rtl="0" eaLnBrk="1" latinLnBrk="0" hangingPunct="1">
-              <a:lnSpc>
-                <a:spcPct val="90000"/>
-              </a:lnSpc>
-              <a:spcBef>
-                <a:spcPts val="500"/>
-              </a:spcBef>
-              <a:buFont typeface="Arial" panose="020B0604020202020204" pitchFamily="34" charset="0"/>
-              <a:buChar char="•"/>
-              <a:defRPr sz="2000" kern="1200">
-                <a:solidFill>
-                  <a:schemeClr val="tx1"/>
-                </a:solidFill>
-                <a:latin typeface="+mn-lt"/>
-                <a:ea typeface="+mn-ea"/>
-                <a:cs typeface="+mn-cs"/>
-              </a:defRPr>
-            </a:lvl3pPr>
-            <a:lvl4pPr marL="1600200" indent="-228600" algn="l" defTabSz="914400" rtl="0" eaLnBrk="1" latinLnBrk="0" hangingPunct="1">
-              <a:lnSpc>
-                <a:spcPct val="90000"/>
-              </a:lnSpc>
-              <a:spcBef>
-                <a:spcPts val="500"/>
-              </a:spcBef>
-              <a:buFont typeface="Arial" panose="020B0604020202020204" pitchFamily="34" charset="0"/>
-              <a:buChar char="•"/>
-              <a:defRPr sz="1800" kern="1200">
-                <a:solidFill>
-                  <a:schemeClr val="tx1"/>
-                </a:solidFill>
-                <a:latin typeface="+mn-lt"/>
-                <a:ea typeface="+mn-ea"/>
-                <a:cs typeface="+mn-cs"/>
-              </a:defRPr>
-            </a:lvl4pPr>
-            <a:lvl5pPr marL="2057400" indent="-228600" algn="l" defTabSz="914400" rtl="0" eaLnBrk="1" latinLnBrk="0" hangingPunct="1">
-              <a:lnSpc>
-                <a:spcPct val="90000"/>
-              </a:lnSpc>
-              <a:spcBef>
-                <a:spcPts val="500"/>
-              </a:spcBef>
-              <a:buFont typeface="Arial" panose="020B0604020202020204" pitchFamily="34" charset="0"/>
-              <a:buChar char="•"/>
-              <a:defRPr sz="1800" kern="1200">
-                <a:solidFill>
-                  <a:schemeClr val="tx1"/>
-                </a:solidFill>
-                <a:latin typeface="+mn-lt"/>
-                <a:ea typeface="+mn-ea"/>
-                <a:cs typeface="+mn-cs"/>
-              </a:defRPr>
-            </a:lvl5pPr>
-            <a:lvl6pPr marL="2514600" indent="-228600" algn="l" defTabSz="914400" rtl="0" eaLnBrk="1" latinLnBrk="0" hangingPunct="1">
-              <a:lnSpc>
-                <a:spcPct val="90000"/>
-              </a:lnSpc>
-              <a:spcBef>
-                <a:spcPts val="500"/>
-              </a:spcBef>
-              <a:buFont typeface="Arial" panose="020B0604020202020204" pitchFamily="34" charset="0"/>
-              <a:buChar char="•"/>
-              <a:defRPr sz="1800" kern="1200">
-                <a:solidFill>
-                  <a:schemeClr val="tx1"/>
-                </a:solidFill>
-                <a:latin typeface="+mn-lt"/>
-                <a:ea typeface="+mn-ea"/>
-                <a:cs typeface="+mn-cs"/>
-              </a:defRPr>
-            </a:lvl6pPr>
-            <a:lvl7pPr marL="2971800" indent="-228600" algn="l" defTabSz="914400" rtl="0" eaLnBrk="1" latinLnBrk="0" hangingPunct="1">
-              <a:lnSpc>
-                <a:spcPct val="90000"/>
-              </a:lnSpc>
-              <a:spcBef>
-                <a:spcPts val="500"/>
-              </a:spcBef>
-              <a:buFont typeface="Arial" panose="020B0604020202020204" pitchFamily="34" charset="0"/>
-              <a:buChar char="•"/>
-              <a:defRPr sz="1800" kern="1200">
-                <a:solidFill>
-                  <a:schemeClr val="tx1"/>
-                </a:solidFill>
-                <a:latin typeface="+mn-lt"/>
-                <a:ea typeface="+mn-ea"/>
-                <a:cs typeface="+mn-cs"/>
-              </a:defRPr>
-            </a:lvl7pPr>
-            <a:lvl8pPr marL="3429000" indent="-228600" algn="l" defTabSz="914400" rtl="0" eaLnBrk="1" latinLnBrk="0" hangingPunct="1">
-              <a:lnSpc>
-                <a:spcPct val="90000"/>
-              </a:lnSpc>
-              <a:spcBef>
-                <a:spcPts val="500"/>
-              </a:spcBef>
-              <a:buFont typeface="Arial" panose="020B0604020202020204" pitchFamily="34" charset="0"/>
-              <a:buChar char="•"/>
-              <a:defRPr sz="1800" kern="1200">
-                <a:solidFill>
-                  <a:schemeClr val="tx1"/>
-                </a:solidFill>
-                <a:latin typeface="+mn-lt"/>
-                <a:ea typeface="+mn-ea"/>
-                <a:cs typeface="+mn-cs"/>
-              </a:defRPr>
-            </a:lvl8pPr>
-            <a:lvl9pPr marL="3886200" indent="-228600" algn="l" defTabSz="914400" rtl="0" eaLnBrk="1" latinLnBrk="0" hangingPunct="1">
-              <a:lnSpc>
-                <a:spcPct val="90000"/>
-              </a:lnSpc>
-              <a:spcBef>
-                <a:spcPts val="500"/>
-              </a:spcBef>
-              <a:buFont typeface="Arial" panose="020B0604020202020204" pitchFamily="34" charset="0"/>
-              <a:buChar char="•"/>
-              <a:defRPr sz="1800" kern="1200">
-                <a:solidFill>
-                  <a:schemeClr val="tx1"/>
-                </a:solidFill>
-                <a:latin typeface="+mn-lt"/>
-                <a:ea typeface="+mn-ea"/>
-                <a:cs typeface="+mn-cs"/>
-              </a:defRPr>
-            </a:lvl9pPr>
-          </a:lstStyle>
+              <a:rPr lang="en-US" sz="2000" dirty="0"/>
+              <a:t> </a:t>
+            </a:r>
+          </a:p>
+          <a:p>
+            <a:r>
+              <a:rPr lang="en-US" sz="2000" b="1" dirty="0">
+                <a:solidFill>
+                  <a:srgbClr val="993300"/>
+                </a:solidFill>
+              </a:rPr>
+              <a:t>Efficiency</a:t>
+            </a:r>
+            <a:r>
+              <a:rPr lang="en-US" sz="2000" dirty="0"/>
+              <a:t> </a:t>
+            </a:r>
+          </a:p>
           <a:p>
             <a:pPr marL="0" indent="0">
-              <a:buFont typeface="Arial" panose="020B0604020202020204" pitchFamily="34" charset="0"/>
               <a:buNone/>
             </a:pPr>
             <a:r>
               <a:rPr lang="en-US" sz="2000" dirty="0"/>
-              <a:t>Immediate call-to-action</a:t>
-            </a:r>
-          </a:p>
-        </p:txBody>
-      </p:sp>
-      <p:cxnSp>
-        <p:nvCxnSpPr>
-          <p:cNvPr id="9" name="Straight Arrow Connector 8">
-            <a:extLst>
-              <a:ext uri="{FF2B5EF4-FFF2-40B4-BE49-F238E27FC236}">
-                <a16:creationId xmlns:a16="http://schemas.microsoft.com/office/drawing/2014/main" id="{9FEC429C-DD02-C249-FBC0-F6A842A1F4E7}"/>
-              </a:ext>
-            </a:extLst>
-          </p:cNvPr>
-          <p:cNvCxnSpPr>
-            <a:cxnSpLocks/>
-            <a:stCxn id="8" idx="1"/>
-          </p:cNvCxnSpPr>
-          <p:nvPr/>
-        </p:nvCxnSpPr>
-        <p:spPr>
-          <a:xfrm flipH="1">
-            <a:off x="2557750" y="3580704"/>
-            <a:ext cx="863374" cy="0"/>
-          </a:xfrm>
-          <a:prstGeom prst="straightConnector1">
-            <a:avLst/>
-          </a:prstGeom>
-          <a:ln w="38100">
-            <a:solidFill>
-              <a:srgbClr val="993300"/>
-            </a:solidFill>
-            <a:tailEnd type="triangle"/>
-          </a:ln>
-        </p:spPr>
-        <p:style>
-          <a:lnRef idx="1">
-            <a:schemeClr val="accent1"/>
-          </a:lnRef>
-          <a:fillRef idx="0">
-            <a:schemeClr val="accent1"/>
-          </a:fillRef>
-          <a:effectRef idx="0">
-            <a:schemeClr val="accent1"/>
-          </a:effectRef>
-          <a:fontRef idx="minor">
-            <a:schemeClr val="tx1"/>
-          </a:fontRef>
-        </p:style>
-      </p:cxnSp>
-      <p:sp>
-        <p:nvSpPr>
-          <p:cNvPr id="11" name="Content Placeholder 2">
-            <a:extLst>
-              <a:ext uri="{FF2B5EF4-FFF2-40B4-BE49-F238E27FC236}">
-                <a16:creationId xmlns:a16="http://schemas.microsoft.com/office/drawing/2014/main" id="{10EC7928-D8EC-3A24-3A88-CB13C5C5A905}"/>
-              </a:ext>
-            </a:extLst>
-          </p:cNvPr>
-          <p:cNvSpPr txBox="1">
-            <a:spLocks/>
-          </p:cNvSpPr>
-          <p:nvPr/>
-        </p:nvSpPr>
-        <p:spPr>
-          <a:xfrm>
-            <a:off x="3421124" y="6022468"/>
-            <a:ext cx="3303967" cy="722926"/>
-          </a:xfrm>
-          <a:prstGeom prst="rect">
-            <a:avLst/>
-          </a:prstGeom>
-        </p:spPr>
-        <p:txBody>
-          <a:bodyPr vert="horz" lIns="91440" tIns="45720" rIns="91440" bIns="45720" rtlCol="0">
-            <a:normAutofit fontScale="92500"/>
-          </a:bodyPr>
-          <a:lstStyle>
-            <a:lvl1pPr marL="228600" indent="-228600" algn="l" defTabSz="914400" rtl="0" eaLnBrk="1" latinLnBrk="0" hangingPunct="1">
-              <a:lnSpc>
-                <a:spcPct val="90000"/>
-              </a:lnSpc>
-              <a:spcBef>
-                <a:spcPts val="1000"/>
-              </a:spcBef>
-              <a:buFont typeface="Arial" panose="020B0604020202020204" pitchFamily="34" charset="0"/>
-              <a:buChar char="•"/>
-              <a:defRPr sz="2800" kern="1200">
-                <a:solidFill>
-                  <a:schemeClr val="tx1"/>
-                </a:solidFill>
-                <a:latin typeface="+mn-lt"/>
-                <a:ea typeface="+mn-ea"/>
-                <a:cs typeface="+mn-cs"/>
-              </a:defRPr>
-            </a:lvl1pPr>
-            <a:lvl2pPr marL="685800" indent="-228600" algn="l" defTabSz="914400" rtl="0" eaLnBrk="1" latinLnBrk="0" hangingPunct="1">
-              <a:lnSpc>
-                <a:spcPct val="90000"/>
-              </a:lnSpc>
-              <a:spcBef>
-                <a:spcPts val="500"/>
-              </a:spcBef>
-              <a:buFont typeface="Arial" panose="020B0604020202020204" pitchFamily="34" charset="0"/>
-              <a:buChar char="•"/>
-              <a:defRPr sz="2400" kern="1200">
-                <a:solidFill>
-                  <a:schemeClr val="tx1"/>
-                </a:solidFill>
-                <a:latin typeface="+mn-lt"/>
-                <a:ea typeface="+mn-ea"/>
-                <a:cs typeface="+mn-cs"/>
-              </a:defRPr>
-            </a:lvl2pPr>
-            <a:lvl3pPr marL="1143000" indent="-228600" algn="l" defTabSz="914400" rtl="0" eaLnBrk="1" latinLnBrk="0" hangingPunct="1">
-              <a:lnSpc>
-                <a:spcPct val="90000"/>
-              </a:lnSpc>
-              <a:spcBef>
-                <a:spcPts val="500"/>
-              </a:spcBef>
-              <a:buFont typeface="Arial" panose="020B0604020202020204" pitchFamily="34" charset="0"/>
-              <a:buChar char="•"/>
-              <a:defRPr sz="2000" kern="1200">
-                <a:solidFill>
-                  <a:schemeClr val="tx1"/>
-                </a:solidFill>
-                <a:latin typeface="+mn-lt"/>
-                <a:ea typeface="+mn-ea"/>
-                <a:cs typeface="+mn-cs"/>
-              </a:defRPr>
-            </a:lvl3pPr>
-            <a:lvl4pPr marL="1600200" indent="-228600" algn="l" defTabSz="914400" rtl="0" eaLnBrk="1" latinLnBrk="0" hangingPunct="1">
-              <a:lnSpc>
-                <a:spcPct val="90000"/>
-              </a:lnSpc>
-              <a:spcBef>
-                <a:spcPts val="500"/>
-              </a:spcBef>
-              <a:buFont typeface="Arial" panose="020B0604020202020204" pitchFamily="34" charset="0"/>
-              <a:buChar char="•"/>
-              <a:defRPr sz="1800" kern="1200">
-                <a:solidFill>
-                  <a:schemeClr val="tx1"/>
-                </a:solidFill>
-                <a:latin typeface="+mn-lt"/>
-                <a:ea typeface="+mn-ea"/>
-                <a:cs typeface="+mn-cs"/>
-              </a:defRPr>
-            </a:lvl4pPr>
-            <a:lvl5pPr marL="2057400" indent="-228600" algn="l" defTabSz="914400" rtl="0" eaLnBrk="1" latinLnBrk="0" hangingPunct="1">
-              <a:lnSpc>
-                <a:spcPct val="90000"/>
-              </a:lnSpc>
-              <a:spcBef>
-                <a:spcPts val="500"/>
-              </a:spcBef>
-              <a:buFont typeface="Arial" panose="020B0604020202020204" pitchFamily="34" charset="0"/>
-              <a:buChar char="•"/>
-              <a:defRPr sz="1800" kern="1200">
-                <a:solidFill>
-                  <a:schemeClr val="tx1"/>
-                </a:solidFill>
-                <a:latin typeface="+mn-lt"/>
-                <a:ea typeface="+mn-ea"/>
-                <a:cs typeface="+mn-cs"/>
-              </a:defRPr>
-            </a:lvl5pPr>
-            <a:lvl6pPr marL="2514600" indent="-228600" algn="l" defTabSz="914400" rtl="0" eaLnBrk="1" latinLnBrk="0" hangingPunct="1">
-              <a:lnSpc>
-                <a:spcPct val="90000"/>
-              </a:lnSpc>
-              <a:spcBef>
-                <a:spcPts val="500"/>
-              </a:spcBef>
-              <a:buFont typeface="Arial" panose="020B0604020202020204" pitchFamily="34" charset="0"/>
-              <a:buChar char="•"/>
-              <a:defRPr sz="1800" kern="1200">
-                <a:solidFill>
-                  <a:schemeClr val="tx1"/>
-                </a:solidFill>
-                <a:latin typeface="+mn-lt"/>
-                <a:ea typeface="+mn-ea"/>
-                <a:cs typeface="+mn-cs"/>
-              </a:defRPr>
-            </a:lvl6pPr>
-            <a:lvl7pPr marL="2971800" indent="-228600" algn="l" defTabSz="914400" rtl="0" eaLnBrk="1" latinLnBrk="0" hangingPunct="1">
-              <a:lnSpc>
-                <a:spcPct val="90000"/>
-              </a:lnSpc>
-              <a:spcBef>
-                <a:spcPts val="500"/>
-              </a:spcBef>
-              <a:buFont typeface="Arial" panose="020B0604020202020204" pitchFamily="34" charset="0"/>
-              <a:buChar char="•"/>
-              <a:defRPr sz="1800" kern="1200">
-                <a:solidFill>
-                  <a:schemeClr val="tx1"/>
-                </a:solidFill>
-                <a:latin typeface="+mn-lt"/>
-                <a:ea typeface="+mn-ea"/>
-                <a:cs typeface="+mn-cs"/>
-              </a:defRPr>
-            </a:lvl7pPr>
-            <a:lvl8pPr marL="3429000" indent="-228600" algn="l" defTabSz="914400" rtl="0" eaLnBrk="1" latinLnBrk="0" hangingPunct="1">
-              <a:lnSpc>
-                <a:spcPct val="90000"/>
-              </a:lnSpc>
-              <a:spcBef>
-                <a:spcPts val="500"/>
-              </a:spcBef>
-              <a:buFont typeface="Arial" panose="020B0604020202020204" pitchFamily="34" charset="0"/>
-              <a:buChar char="•"/>
-              <a:defRPr sz="1800" kern="1200">
-                <a:solidFill>
-                  <a:schemeClr val="tx1"/>
-                </a:solidFill>
-                <a:latin typeface="+mn-lt"/>
-                <a:ea typeface="+mn-ea"/>
-                <a:cs typeface="+mn-cs"/>
-              </a:defRPr>
-            </a:lvl8pPr>
-            <a:lvl9pPr marL="3886200" indent="-228600" algn="l" defTabSz="914400" rtl="0" eaLnBrk="1" latinLnBrk="0" hangingPunct="1">
-              <a:lnSpc>
-                <a:spcPct val="90000"/>
-              </a:lnSpc>
-              <a:spcBef>
-                <a:spcPts val="500"/>
-              </a:spcBef>
-              <a:buFont typeface="Arial" panose="020B0604020202020204" pitchFamily="34" charset="0"/>
-              <a:buChar char="•"/>
-              <a:defRPr sz="1800" kern="1200">
-                <a:solidFill>
-                  <a:schemeClr val="tx1"/>
-                </a:solidFill>
-                <a:latin typeface="+mn-lt"/>
-                <a:ea typeface="+mn-ea"/>
-                <a:cs typeface="+mn-cs"/>
-              </a:defRPr>
-            </a:lvl9pPr>
-          </a:lstStyle>
-          <a:p>
-            <a:pPr marL="0" indent="0" algn="ctr">
-              <a:buFont typeface="Arial" panose="020B0604020202020204" pitchFamily="34" charset="0"/>
+              <a:t>Users can find an interesting offer in less than 1 minute.</a:t>
+            </a:r>
+          </a:p>
+          <a:p>
+            <a:pPr marL="0" indent="0">
               <a:buNone/>
             </a:pPr>
+            <a:endParaRPr lang="en-US" sz="2000" dirty="0"/>
+          </a:p>
+          <a:p>
+            <a:r>
+              <a:rPr lang="en-US" sz="2000" b="1" dirty="0">
+                <a:solidFill>
+                  <a:srgbClr val="993300"/>
+                </a:solidFill>
+              </a:rPr>
+              <a:t>Satisfaction</a:t>
+            </a:r>
             <a:r>
               <a:rPr lang="en-US" sz="2000" dirty="0"/>
-              <a:t>Product description, marketing and more call-to-actions</a:t>
-            </a:r>
-          </a:p>
-        </p:txBody>
-      </p:sp>
-      <p:pic>
-        <p:nvPicPr>
-          <p:cNvPr id="13" name="Picture 12">
-            <a:extLst>
-              <a:ext uri="{FF2B5EF4-FFF2-40B4-BE49-F238E27FC236}">
-                <a16:creationId xmlns:a16="http://schemas.microsoft.com/office/drawing/2014/main" id="{710219A5-BD99-76CA-47C7-BC931AFA00EC}"/>
-              </a:ext>
-            </a:extLst>
-          </p:cNvPr>
-          <p:cNvPicPr>
-            <a:picLocks noChangeAspect="1"/>
-          </p:cNvPicPr>
-          <p:nvPr/>
-        </p:nvPicPr>
-        <p:blipFill>
-          <a:blip r:embed="rId4"/>
-          <a:stretch>
-            <a:fillRect/>
-          </a:stretch>
-        </p:blipFill>
-        <p:spPr>
-          <a:xfrm>
-            <a:off x="3239399" y="3809104"/>
-            <a:ext cx="1614763" cy="2118291"/>
-          </a:xfrm>
-          <a:prstGeom prst="rect">
-            <a:avLst/>
-          </a:prstGeom>
-        </p:spPr>
-      </p:pic>
-      <p:cxnSp>
-        <p:nvCxnSpPr>
-          <p:cNvPr id="14" name="Straight Arrow Connector 13">
-            <a:extLst>
-              <a:ext uri="{FF2B5EF4-FFF2-40B4-BE49-F238E27FC236}">
-                <a16:creationId xmlns:a16="http://schemas.microsoft.com/office/drawing/2014/main" id="{CE5D9749-65E0-6FE9-FDF4-D5BF41FC6C38}"/>
-              </a:ext>
-            </a:extLst>
-          </p:cNvPr>
-          <p:cNvCxnSpPr>
-            <a:cxnSpLocks/>
-          </p:cNvCxnSpPr>
-          <p:nvPr/>
-        </p:nvCxnSpPr>
-        <p:spPr>
-          <a:xfrm>
-            <a:off x="2747576" y="6076256"/>
-            <a:ext cx="0" cy="698317"/>
-          </a:xfrm>
-          <a:prstGeom prst="straightConnector1">
-            <a:avLst/>
-          </a:prstGeom>
-          <a:ln w="38100">
-            <a:solidFill>
-              <a:srgbClr val="993300"/>
-            </a:solidFill>
-            <a:tailEnd type="triangle"/>
-          </a:ln>
-        </p:spPr>
-        <p:style>
-          <a:lnRef idx="1">
-            <a:schemeClr val="accent1"/>
-          </a:lnRef>
-          <a:fillRef idx="0">
-            <a:schemeClr val="accent1"/>
-          </a:fillRef>
-          <a:effectRef idx="0">
-            <a:schemeClr val="accent1"/>
-          </a:effectRef>
-          <a:fontRef idx="minor">
-            <a:schemeClr val="tx1"/>
-          </a:fontRef>
-        </p:style>
-      </p:cxnSp>
-      <p:sp>
-        <p:nvSpPr>
-          <p:cNvPr id="16" name="Content Placeholder 2">
-            <a:extLst>
-              <a:ext uri="{FF2B5EF4-FFF2-40B4-BE49-F238E27FC236}">
-                <a16:creationId xmlns:a16="http://schemas.microsoft.com/office/drawing/2014/main" id="{073A5E77-C8E7-802F-8FF8-561256CD70E7}"/>
-              </a:ext>
-            </a:extLst>
-          </p:cNvPr>
-          <p:cNvSpPr txBox="1">
-            <a:spLocks/>
-          </p:cNvSpPr>
-          <p:nvPr/>
-        </p:nvSpPr>
-        <p:spPr>
-          <a:xfrm>
-            <a:off x="2866460" y="6233041"/>
-            <a:ext cx="701748" cy="384745"/>
-          </a:xfrm>
-          <a:prstGeom prst="rect">
-            <a:avLst/>
-          </a:prstGeom>
-        </p:spPr>
-        <p:txBody>
-          <a:bodyPr vert="horz" lIns="91440" tIns="45720" rIns="91440" bIns="45720" rtlCol="0">
-            <a:normAutofit/>
-          </a:bodyPr>
-          <a:lstStyle>
-            <a:lvl1pPr marL="228600" indent="-228600" algn="l" defTabSz="914400" rtl="0" eaLnBrk="1" latinLnBrk="0" hangingPunct="1">
-              <a:lnSpc>
-                <a:spcPct val="90000"/>
-              </a:lnSpc>
-              <a:spcBef>
-                <a:spcPts val="1000"/>
-              </a:spcBef>
-              <a:buFont typeface="Arial" panose="020B0604020202020204" pitchFamily="34" charset="0"/>
-              <a:buChar char="•"/>
-              <a:defRPr sz="2800" kern="1200">
-                <a:solidFill>
-                  <a:schemeClr val="tx1"/>
-                </a:solidFill>
-                <a:latin typeface="+mn-lt"/>
-                <a:ea typeface="+mn-ea"/>
-                <a:cs typeface="+mn-cs"/>
-              </a:defRPr>
-            </a:lvl1pPr>
-            <a:lvl2pPr marL="685800" indent="-228600" algn="l" defTabSz="914400" rtl="0" eaLnBrk="1" latinLnBrk="0" hangingPunct="1">
-              <a:lnSpc>
-                <a:spcPct val="90000"/>
-              </a:lnSpc>
-              <a:spcBef>
-                <a:spcPts val="500"/>
-              </a:spcBef>
-              <a:buFont typeface="Arial" panose="020B0604020202020204" pitchFamily="34" charset="0"/>
-              <a:buChar char="•"/>
-              <a:defRPr sz="2400" kern="1200">
-                <a:solidFill>
-                  <a:schemeClr val="tx1"/>
-                </a:solidFill>
-                <a:latin typeface="+mn-lt"/>
-                <a:ea typeface="+mn-ea"/>
-                <a:cs typeface="+mn-cs"/>
-              </a:defRPr>
-            </a:lvl2pPr>
-            <a:lvl3pPr marL="1143000" indent="-228600" algn="l" defTabSz="914400" rtl="0" eaLnBrk="1" latinLnBrk="0" hangingPunct="1">
-              <a:lnSpc>
-                <a:spcPct val="90000"/>
-              </a:lnSpc>
-              <a:spcBef>
-                <a:spcPts val="500"/>
-              </a:spcBef>
-              <a:buFont typeface="Arial" panose="020B0604020202020204" pitchFamily="34" charset="0"/>
-              <a:buChar char="•"/>
-              <a:defRPr sz="2000" kern="1200">
-                <a:solidFill>
-                  <a:schemeClr val="tx1"/>
-                </a:solidFill>
-                <a:latin typeface="+mn-lt"/>
-                <a:ea typeface="+mn-ea"/>
-                <a:cs typeface="+mn-cs"/>
-              </a:defRPr>
-            </a:lvl3pPr>
-            <a:lvl4pPr marL="1600200" indent="-228600" algn="l" defTabSz="914400" rtl="0" eaLnBrk="1" latinLnBrk="0" hangingPunct="1">
-              <a:lnSpc>
-                <a:spcPct val="90000"/>
-              </a:lnSpc>
-              <a:spcBef>
-                <a:spcPts val="500"/>
-              </a:spcBef>
-              <a:buFont typeface="Arial" panose="020B0604020202020204" pitchFamily="34" charset="0"/>
-              <a:buChar char="•"/>
-              <a:defRPr sz="1800" kern="1200">
-                <a:solidFill>
-                  <a:schemeClr val="tx1"/>
-                </a:solidFill>
-                <a:latin typeface="+mn-lt"/>
-                <a:ea typeface="+mn-ea"/>
-                <a:cs typeface="+mn-cs"/>
-              </a:defRPr>
-            </a:lvl4pPr>
-            <a:lvl5pPr marL="2057400" indent="-228600" algn="l" defTabSz="914400" rtl="0" eaLnBrk="1" latinLnBrk="0" hangingPunct="1">
-              <a:lnSpc>
-                <a:spcPct val="90000"/>
-              </a:lnSpc>
-              <a:spcBef>
-                <a:spcPts val="500"/>
-              </a:spcBef>
-              <a:buFont typeface="Arial" panose="020B0604020202020204" pitchFamily="34" charset="0"/>
-              <a:buChar char="•"/>
-              <a:defRPr sz="1800" kern="1200">
-                <a:solidFill>
-                  <a:schemeClr val="tx1"/>
-                </a:solidFill>
-                <a:latin typeface="+mn-lt"/>
-                <a:ea typeface="+mn-ea"/>
-                <a:cs typeface="+mn-cs"/>
-              </a:defRPr>
-            </a:lvl5pPr>
-            <a:lvl6pPr marL="2514600" indent="-228600" algn="l" defTabSz="914400" rtl="0" eaLnBrk="1" latinLnBrk="0" hangingPunct="1">
-              <a:lnSpc>
-                <a:spcPct val="90000"/>
-              </a:lnSpc>
-              <a:spcBef>
-                <a:spcPts val="500"/>
-              </a:spcBef>
-              <a:buFont typeface="Arial" panose="020B0604020202020204" pitchFamily="34" charset="0"/>
-              <a:buChar char="•"/>
-              <a:defRPr sz="1800" kern="1200">
-                <a:solidFill>
-                  <a:schemeClr val="tx1"/>
-                </a:solidFill>
-                <a:latin typeface="+mn-lt"/>
-                <a:ea typeface="+mn-ea"/>
-                <a:cs typeface="+mn-cs"/>
-              </a:defRPr>
-            </a:lvl6pPr>
-            <a:lvl7pPr marL="2971800" indent="-228600" algn="l" defTabSz="914400" rtl="0" eaLnBrk="1" latinLnBrk="0" hangingPunct="1">
-              <a:lnSpc>
-                <a:spcPct val="90000"/>
-              </a:lnSpc>
-              <a:spcBef>
-                <a:spcPts val="500"/>
-              </a:spcBef>
-              <a:buFont typeface="Arial" panose="020B0604020202020204" pitchFamily="34" charset="0"/>
-              <a:buChar char="•"/>
-              <a:defRPr sz="1800" kern="1200">
-                <a:solidFill>
-                  <a:schemeClr val="tx1"/>
-                </a:solidFill>
-                <a:latin typeface="+mn-lt"/>
-                <a:ea typeface="+mn-ea"/>
-                <a:cs typeface="+mn-cs"/>
-              </a:defRPr>
-            </a:lvl7pPr>
-            <a:lvl8pPr marL="3429000" indent="-228600" algn="l" defTabSz="914400" rtl="0" eaLnBrk="1" latinLnBrk="0" hangingPunct="1">
-              <a:lnSpc>
-                <a:spcPct val="90000"/>
-              </a:lnSpc>
-              <a:spcBef>
-                <a:spcPts val="500"/>
-              </a:spcBef>
-              <a:buFont typeface="Arial" panose="020B0604020202020204" pitchFamily="34" charset="0"/>
-              <a:buChar char="•"/>
-              <a:defRPr sz="1800" kern="1200">
-                <a:solidFill>
-                  <a:schemeClr val="tx1"/>
-                </a:solidFill>
-                <a:latin typeface="+mn-lt"/>
-                <a:ea typeface="+mn-ea"/>
-                <a:cs typeface="+mn-cs"/>
-              </a:defRPr>
-            </a:lvl8pPr>
-            <a:lvl9pPr marL="3886200" indent="-228600" algn="l" defTabSz="914400" rtl="0" eaLnBrk="1" latinLnBrk="0" hangingPunct="1">
-              <a:lnSpc>
-                <a:spcPct val="90000"/>
-              </a:lnSpc>
-              <a:spcBef>
-                <a:spcPts val="500"/>
-              </a:spcBef>
-              <a:buFont typeface="Arial" panose="020B0604020202020204" pitchFamily="34" charset="0"/>
-              <a:buChar char="•"/>
-              <a:defRPr sz="1800" kern="1200">
-                <a:solidFill>
-                  <a:schemeClr val="tx1"/>
-                </a:solidFill>
-                <a:latin typeface="+mn-lt"/>
-                <a:ea typeface="+mn-ea"/>
-                <a:cs typeface="+mn-cs"/>
-              </a:defRPr>
-            </a:lvl9pPr>
-          </a:lstStyle>
+              <a:t> </a:t>
+            </a:r>
+          </a:p>
           <a:p>
             <a:pPr marL="0" indent="0">
-              <a:buFont typeface="Arial" panose="020B0604020202020204" pitchFamily="34" charset="0"/>
               <a:buNone/>
             </a:pPr>
             <a:r>
-              <a:rPr lang="en-US" sz="1600" b="1" dirty="0">
-                <a:solidFill>
-                  <a:srgbClr val="993300"/>
-                </a:solidFill>
-              </a:rPr>
-              <a:t>Scroll</a:t>
-            </a:r>
-            <a:endParaRPr lang="en-US" sz="2000" b="1" dirty="0">
-              <a:solidFill>
-                <a:srgbClr val="993300"/>
-              </a:solidFill>
-            </a:endParaRPr>
-          </a:p>
-        </p:txBody>
-      </p:sp>
-      <p:pic>
-        <p:nvPicPr>
-          <p:cNvPr id="20" name="Picture 19">
-            <a:extLst>
-              <a:ext uri="{FF2B5EF4-FFF2-40B4-BE49-F238E27FC236}">
-                <a16:creationId xmlns:a16="http://schemas.microsoft.com/office/drawing/2014/main" id="{509C0C91-4FF6-816A-F068-15F7522E02BE}"/>
-              </a:ext>
-            </a:extLst>
-          </p:cNvPr>
-          <p:cNvPicPr>
-            <a:picLocks noChangeAspect="1"/>
-          </p:cNvPicPr>
-          <p:nvPr/>
-        </p:nvPicPr>
-        <p:blipFill>
-          <a:blip r:embed="rId5"/>
-          <a:stretch>
-            <a:fillRect/>
-          </a:stretch>
-        </p:blipFill>
-        <p:spPr>
-          <a:xfrm>
-            <a:off x="5045812" y="3845615"/>
-            <a:ext cx="1425336" cy="2045267"/>
-          </a:xfrm>
-          <a:prstGeom prst="rect">
-            <a:avLst/>
-          </a:prstGeom>
-        </p:spPr>
-      </p:pic>
-      <p:pic>
-        <p:nvPicPr>
-          <p:cNvPr id="2050" name="Picture 2" descr="Nenhuma descrição disponível.">
-            <a:extLst>
-              <a:ext uri="{FF2B5EF4-FFF2-40B4-BE49-F238E27FC236}">
-                <a16:creationId xmlns:a16="http://schemas.microsoft.com/office/drawing/2014/main" id="{22FF8D68-0F96-BC86-7CB3-92941F7E8976}"/>
-              </a:ext>
-            </a:extLst>
-          </p:cNvPr>
-          <p:cNvPicPr>
-            <a:picLocks noChangeAspect="1" noChangeArrowheads="1"/>
-          </p:cNvPicPr>
-          <p:nvPr/>
-        </p:nvPicPr>
-        <p:blipFill>
-          <a:blip r:embed="rId6">
-            <a:extLst>
-              <a:ext uri="{28A0092B-C50C-407E-A947-70E740481C1C}">
-                <a14:useLocalDpi xmlns:a14="http://schemas.microsoft.com/office/drawing/2010/main" val="0"/>
-              </a:ext>
-            </a:extLst>
-          </a:blip>
-          <a:srcRect/>
-          <a:stretch>
-            <a:fillRect/>
-          </a:stretch>
-        </p:blipFill>
-        <p:spPr bwMode="auto">
-          <a:xfrm>
-            <a:off x="7160321" y="1853413"/>
-            <a:ext cx="2176991" cy="4572000"/>
-          </a:xfrm>
-          <a:prstGeom prst="rect">
-            <a:avLst/>
-          </a:prstGeom>
-          <a:noFill/>
-          <a:ln w="12700">
-            <a:solidFill>
-              <a:schemeClr val="tx1"/>
-            </a:solidFill>
-          </a:ln>
-          <a:extLst>
-            <a:ext uri="{909E8E84-426E-40DD-AFC4-6F175D3DCCD1}">
-              <a14:hiddenFill xmlns:a14="http://schemas.microsoft.com/office/drawing/2010/main">
-                <a:solidFill>
-                  <a:srgbClr val="FFFFFF"/>
-                </a:solidFill>
-              </a14:hiddenFill>
-            </a:ext>
-          </a:extLst>
-        </p:spPr>
-      </p:pic>
-      <p:sp>
-        <p:nvSpPr>
-          <p:cNvPr id="22" name="Content Placeholder 2">
-            <a:extLst>
-              <a:ext uri="{FF2B5EF4-FFF2-40B4-BE49-F238E27FC236}">
-                <a16:creationId xmlns:a16="http://schemas.microsoft.com/office/drawing/2014/main" id="{2F0E1821-47D8-79B3-2BD5-22F6ED0C9F98}"/>
-              </a:ext>
-            </a:extLst>
-          </p:cNvPr>
-          <p:cNvSpPr txBox="1">
-            <a:spLocks/>
-          </p:cNvSpPr>
-          <p:nvPr/>
-        </p:nvSpPr>
-        <p:spPr>
-          <a:xfrm>
-            <a:off x="9961838" y="2148159"/>
-            <a:ext cx="1537616" cy="384745"/>
-          </a:xfrm>
-          <a:prstGeom prst="rect">
-            <a:avLst/>
-          </a:prstGeom>
-        </p:spPr>
-        <p:txBody>
-          <a:bodyPr vert="horz" lIns="91440" tIns="45720" rIns="91440" bIns="45720" rtlCol="0">
-            <a:normAutofit/>
-          </a:bodyPr>
-          <a:lstStyle>
-            <a:lvl1pPr marL="228600" indent="-228600" algn="l" defTabSz="914400" rtl="0" eaLnBrk="1" latinLnBrk="0" hangingPunct="1">
-              <a:lnSpc>
-                <a:spcPct val="90000"/>
-              </a:lnSpc>
-              <a:spcBef>
-                <a:spcPts val="1000"/>
-              </a:spcBef>
-              <a:buFont typeface="Arial" panose="020B0604020202020204" pitchFamily="34" charset="0"/>
-              <a:buChar char="•"/>
-              <a:defRPr sz="2800" kern="1200">
-                <a:solidFill>
-                  <a:schemeClr val="tx1"/>
-                </a:solidFill>
-                <a:latin typeface="+mn-lt"/>
-                <a:ea typeface="+mn-ea"/>
-                <a:cs typeface="+mn-cs"/>
-              </a:defRPr>
-            </a:lvl1pPr>
-            <a:lvl2pPr marL="685800" indent="-228600" algn="l" defTabSz="914400" rtl="0" eaLnBrk="1" latinLnBrk="0" hangingPunct="1">
-              <a:lnSpc>
-                <a:spcPct val="90000"/>
-              </a:lnSpc>
-              <a:spcBef>
-                <a:spcPts val="500"/>
-              </a:spcBef>
-              <a:buFont typeface="Arial" panose="020B0604020202020204" pitchFamily="34" charset="0"/>
-              <a:buChar char="•"/>
-              <a:defRPr sz="2400" kern="1200">
-                <a:solidFill>
-                  <a:schemeClr val="tx1"/>
-                </a:solidFill>
-                <a:latin typeface="+mn-lt"/>
-                <a:ea typeface="+mn-ea"/>
-                <a:cs typeface="+mn-cs"/>
-              </a:defRPr>
-            </a:lvl2pPr>
-            <a:lvl3pPr marL="1143000" indent="-228600" algn="l" defTabSz="914400" rtl="0" eaLnBrk="1" latinLnBrk="0" hangingPunct="1">
-              <a:lnSpc>
-                <a:spcPct val="90000"/>
-              </a:lnSpc>
-              <a:spcBef>
-                <a:spcPts val="500"/>
-              </a:spcBef>
-              <a:buFont typeface="Arial" panose="020B0604020202020204" pitchFamily="34" charset="0"/>
-              <a:buChar char="•"/>
-              <a:defRPr sz="2000" kern="1200">
-                <a:solidFill>
-                  <a:schemeClr val="tx1"/>
-                </a:solidFill>
-                <a:latin typeface="+mn-lt"/>
-                <a:ea typeface="+mn-ea"/>
-                <a:cs typeface="+mn-cs"/>
-              </a:defRPr>
-            </a:lvl3pPr>
-            <a:lvl4pPr marL="1600200" indent="-228600" algn="l" defTabSz="914400" rtl="0" eaLnBrk="1" latinLnBrk="0" hangingPunct="1">
-              <a:lnSpc>
-                <a:spcPct val="90000"/>
-              </a:lnSpc>
-              <a:spcBef>
-                <a:spcPts val="500"/>
-              </a:spcBef>
-              <a:buFont typeface="Arial" panose="020B0604020202020204" pitchFamily="34" charset="0"/>
-              <a:buChar char="•"/>
-              <a:defRPr sz="1800" kern="1200">
-                <a:solidFill>
-                  <a:schemeClr val="tx1"/>
-                </a:solidFill>
-                <a:latin typeface="+mn-lt"/>
-                <a:ea typeface="+mn-ea"/>
-                <a:cs typeface="+mn-cs"/>
-              </a:defRPr>
-            </a:lvl4pPr>
-            <a:lvl5pPr marL="2057400" indent="-228600" algn="l" defTabSz="914400" rtl="0" eaLnBrk="1" latinLnBrk="0" hangingPunct="1">
-              <a:lnSpc>
-                <a:spcPct val="90000"/>
-              </a:lnSpc>
-              <a:spcBef>
-                <a:spcPts val="500"/>
-              </a:spcBef>
-              <a:buFont typeface="Arial" panose="020B0604020202020204" pitchFamily="34" charset="0"/>
-              <a:buChar char="•"/>
-              <a:defRPr sz="1800" kern="1200">
-                <a:solidFill>
-                  <a:schemeClr val="tx1"/>
-                </a:solidFill>
-                <a:latin typeface="+mn-lt"/>
-                <a:ea typeface="+mn-ea"/>
-                <a:cs typeface="+mn-cs"/>
-              </a:defRPr>
-            </a:lvl5pPr>
-            <a:lvl6pPr marL="2514600" indent="-228600" algn="l" defTabSz="914400" rtl="0" eaLnBrk="1" latinLnBrk="0" hangingPunct="1">
-              <a:lnSpc>
-                <a:spcPct val="90000"/>
-              </a:lnSpc>
-              <a:spcBef>
-                <a:spcPts val="500"/>
-              </a:spcBef>
-              <a:buFont typeface="Arial" panose="020B0604020202020204" pitchFamily="34" charset="0"/>
-              <a:buChar char="•"/>
-              <a:defRPr sz="1800" kern="1200">
-                <a:solidFill>
-                  <a:schemeClr val="tx1"/>
-                </a:solidFill>
-                <a:latin typeface="+mn-lt"/>
-                <a:ea typeface="+mn-ea"/>
-                <a:cs typeface="+mn-cs"/>
-              </a:defRPr>
-            </a:lvl6pPr>
-            <a:lvl7pPr marL="2971800" indent="-228600" algn="l" defTabSz="914400" rtl="0" eaLnBrk="1" latinLnBrk="0" hangingPunct="1">
-              <a:lnSpc>
-                <a:spcPct val="90000"/>
-              </a:lnSpc>
-              <a:spcBef>
-                <a:spcPts val="500"/>
-              </a:spcBef>
-              <a:buFont typeface="Arial" panose="020B0604020202020204" pitchFamily="34" charset="0"/>
-              <a:buChar char="•"/>
-              <a:defRPr sz="1800" kern="1200">
-                <a:solidFill>
-                  <a:schemeClr val="tx1"/>
-                </a:solidFill>
-                <a:latin typeface="+mn-lt"/>
-                <a:ea typeface="+mn-ea"/>
-                <a:cs typeface="+mn-cs"/>
-              </a:defRPr>
-            </a:lvl7pPr>
-            <a:lvl8pPr marL="3429000" indent="-228600" algn="l" defTabSz="914400" rtl="0" eaLnBrk="1" latinLnBrk="0" hangingPunct="1">
-              <a:lnSpc>
-                <a:spcPct val="90000"/>
-              </a:lnSpc>
-              <a:spcBef>
-                <a:spcPts val="500"/>
-              </a:spcBef>
-              <a:buFont typeface="Arial" panose="020B0604020202020204" pitchFamily="34" charset="0"/>
-              <a:buChar char="•"/>
-              <a:defRPr sz="1800" kern="1200">
-                <a:solidFill>
-                  <a:schemeClr val="tx1"/>
-                </a:solidFill>
-                <a:latin typeface="+mn-lt"/>
-                <a:ea typeface="+mn-ea"/>
-                <a:cs typeface="+mn-cs"/>
-              </a:defRPr>
-            </a:lvl8pPr>
-            <a:lvl9pPr marL="3886200" indent="-228600" algn="l" defTabSz="914400" rtl="0" eaLnBrk="1" latinLnBrk="0" hangingPunct="1">
-              <a:lnSpc>
-                <a:spcPct val="90000"/>
-              </a:lnSpc>
-              <a:spcBef>
-                <a:spcPts val="500"/>
-              </a:spcBef>
-              <a:buFont typeface="Arial" panose="020B0604020202020204" pitchFamily="34" charset="0"/>
-              <a:buChar char="•"/>
-              <a:defRPr sz="1800" kern="1200">
-                <a:solidFill>
-                  <a:schemeClr val="tx1"/>
-                </a:solidFill>
-                <a:latin typeface="+mn-lt"/>
-                <a:ea typeface="+mn-ea"/>
-                <a:cs typeface="+mn-cs"/>
-              </a:defRPr>
-            </a:lvl9pPr>
-          </a:lstStyle>
-          <a:p>
-            <a:pPr marL="0" indent="0" algn="ctr">
-              <a:buFont typeface="Arial" panose="020B0604020202020204" pitchFamily="34" charset="0"/>
-              <a:buNone/>
-            </a:pPr>
-            <a:r>
-              <a:rPr lang="en-US" sz="2000" b="1" dirty="0"/>
-              <a:t>Mobile app</a:t>
-            </a:r>
-          </a:p>
-        </p:txBody>
-      </p:sp>
-      <p:sp>
-        <p:nvSpPr>
-          <p:cNvPr id="23" name="Content Placeholder 2">
-            <a:extLst>
-              <a:ext uri="{FF2B5EF4-FFF2-40B4-BE49-F238E27FC236}">
-                <a16:creationId xmlns:a16="http://schemas.microsoft.com/office/drawing/2014/main" id="{9D6296F3-BA15-5BCF-DE00-F829FD76DE57}"/>
-              </a:ext>
-            </a:extLst>
-          </p:cNvPr>
-          <p:cNvSpPr txBox="1">
-            <a:spLocks/>
-          </p:cNvSpPr>
-          <p:nvPr/>
-        </p:nvSpPr>
-        <p:spPr>
-          <a:xfrm>
-            <a:off x="9388143" y="2706074"/>
-            <a:ext cx="2685006" cy="2213988"/>
-          </a:xfrm>
-          <a:prstGeom prst="rect">
-            <a:avLst/>
-          </a:prstGeom>
-        </p:spPr>
-        <p:txBody>
-          <a:bodyPr vert="horz" lIns="91440" tIns="45720" rIns="91440" bIns="45720" rtlCol="0">
-            <a:normAutofit/>
-          </a:bodyPr>
-          <a:lstStyle>
-            <a:lvl1pPr marL="228600" indent="-228600" algn="l" defTabSz="914400" rtl="0" eaLnBrk="1" latinLnBrk="0" hangingPunct="1">
-              <a:lnSpc>
-                <a:spcPct val="90000"/>
-              </a:lnSpc>
-              <a:spcBef>
-                <a:spcPts val="1000"/>
-              </a:spcBef>
-              <a:buFont typeface="Arial" panose="020B0604020202020204" pitchFamily="34" charset="0"/>
-              <a:buChar char="•"/>
-              <a:defRPr sz="2800" kern="1200">
-                <a:solidFill>
-                  <a:schemeClr val="tx1"/>
-                </a:solidFill>
-                <a:latin typeface="+mn-lt"/>
-                <a:ea typeface="+mn-ea"/>
-                <a:cs typeface="+mn-cs"/>
-              </a:defRPr>
-            </a:lvl1pPr>
-            <a:lvl2pPr marL="685800" indent="-228600" algn="l" defTabSz="914400" rtl="0" eaLnBrk="1" latinLnBrk="0" hangingPunct="1">
-              <a:lnSpc>
-                <a:spcPct val="90000"/>
-              </a:lnSpc>
-              <a:spcBef>
-                <a:spcPts val="500"/>
-              </a:spcBef>
-              <a:buFont typeface="Arial" panose="020B0604020202020204" pitchFamily="34" charset="0"/>
-              <a:buChar char="•"/>
-              <a:defRPr sz="2400" kern="1200">
-                <a:solidFill>
-                  <a:schemeClr val="tx1"/>
-                </a:solidFill>
-                <a:latin typeface="+mn-lt"/>
-                <a:ea typeface="+mn-ea"/>
-                <a:cs typeface="+mn-cs"/>
-              </a:defRPr>
-            </a:lvl2pPr>
-            <a:lvl3pPr marL="1143000" indent="-228600" algn="l" defTabSz="914400" rtl="0" eaLnBrk="1" latinLnBrk="0" hangingPunct="1">
-              <a:lnSpc>
-                <a:spcPct val="90000"/>
-              </a:lnSpc>
-              <a:spcBef>
-                <a:spcPts val="500"/>
-              </a:spcBef>
-              <a:buFont typeface="Arial" panose="020B0604020202020204" pitchFamily="34" charset="0"/>
-              <a:buChar char="•"/>
-              <a:defRPr sz="2000" kern="1200">
-                <a:solidFill>
-                  <a:schemeClr val="tx1"/>
-                </a:solidFill>
-                <a:latin typeface="+mn-lt"/>
-                <a:ea typeface="+mn-ea"/>
-                <a:cs typeface="+mn-cs"/>
-              </a:defRPr>
-            </a:lvl3pPr>
-            <a:lvl4pPr marL="1600200" indent="-228600" algn="l" defTabSz="914400" rtl="0" eaLnBrk="1" latinLnBrk="0" hangingPunct="1">
-              <a:lnSpc>
-                <a:spcPct val="90000"/>
-              </a:lnSpc>
-              <a:spcBef>
-                <a:spcPts val="500"/>
-              </a:spcBef>
-              <a:buFont typeface="Arial" panose="020B0604020202020204" pitchFamily="34" charset="0"/>
-              <a:buChar char="•"/>
-              <a:defRPr sz="1800" kern="1200">
-                <a:solidFill>
-                  <a:schemeClr val="tx1"/>
-                </a:solidFill>
-                <a:latin typeface="+mn-lt"/>
-                <a:ea typeface="+mn-ea"/>
-                <a:cs typeface="+mn-cs"/>
-              </a:defRPr>
-            </a:lvl4pPr>
-            <a:lvl5pPr marL="2057400" indent="-228600" algn="l" defTabSz="914400" rtl="0" eaLnBrk="1" latinLnBrk="0" hangingPunct="1">
-              <a:lnSpc>
-                <a:spcPct val="90000"/>
-              </a:lnSpc>
-              <a:spcBef>
-                <a:spcPts val="500"/>
-              </a:spcBef>
-              <a:buFont typeface="Arial" panose="020B0604020202020204" pitchFamily="34" charset="0"/>
-              <a:buChar char="•"/>
-              <a:defRPr sz="1800" kern="1200">
-                <a:solidFill>
-                  <a:schemeClr val="tx1"/>
-                </a:solidFill>
-                <a:latin typeface="+mn-lt"/>
-                <a:ea typeface="+mn-ea"/>
-                <a:cs typeface="+mn-cs"/>
-              </a:defRPr>
-            </a:lvl5pPr>
-            <a:lvl6pPr marL="2514600" indent="-228600" algn="l" defTabSz="914400" rtl="0" eaLnBrk="1" latinLnBrk="0" hangingPunct="1">
-              <a:lnSpc>
-                <a:spcPct val="90000"/>
-              </a:lnSpc>
-              <a:spcBef>
-                <a:spcPts val="500"/>
-              </a:spcBef>
-              <a:buFont typeface="Arial" panose="020B0604020202020204" pitchFamily="34" charset="0"/>
-              <a:buChar char="•"/>
-              <a:defRPr sz="1800" kern="1200">
-                <a:solidFill>
-                  <a:schemeClr val="tx1"/>
-                </a:solidFill>
-                <a:latin typeface="+mn-lt"/>
-                <a:ea typeface="+mn-ea"/>
-                <a:cs typeface="+mn-cs"/>
-              </a:defRPr>
-            </a:lvl6pPr>
-            <a:lvl7pPr marL="2971800" indent="-228600" algn="l" defTabSz="914400" rtl="0" eaLnBrk="1" latinLnBrk="0" hangingPunct="1">
-              <a:lnSpc>
-                <a:spcPct val="90000"/>
-              </a:lnSpc>
-              <a:spcBef>
-                <a:spcPts val="500"/>
-              </a:spcBef>
-              <a:buFont typeface="Arial" panose="020B0604020202020204" pitchFamily="34" charset="0"/>
-              <a:buChar char="•"/>
-              <a:defRPr sz="1800" kern="1200">
-                <a:solidFill>
-                  <a:schemeClr val="tx1"/>
-                </a:solidFill>
-                <a:latin typeface="+mn-lt"/>
-                <a:ea typeface="+mn-ea"/>
-                <a:cs typeface="+mn-cs"/>
-              </a:defRPr>
-            </a:lvl7pPr>
-            <a:lvl8pPr marL="3429000" indent="-228600" algn="l" defTabSz="914400" rtl="0" eaLnBrk="1" latinLnBrk="0" hangingPunct="1">
-              <a:lnSpc>
-                <a:spcPct val="90000"/>
-              </a:lnSpc>
-              <a:spcBef>
-                <a:spcPts val="500"/>
-              </a:spcBef>
-              <a:buFont typeface="Arial" panose="020B0604020202020204" pitchFamily="34" charset="0"/>
-              <a:buChar char="•"/>
-              <a:defRPr sz="1800" kern="1200">
-                <a:solidFill>
-                  <a:schemeClr val="tx1"/>
-                </a:solidFill>
-                <a:latin typeface="+mn-lt"/>
-                <a:ea typeface="+mn-ea"/>
-                <a:cs typeface="+mn-cs"/>
-              </a:defRPr>
-            </a:lvl8pPr>
-            <a:lvl9pPr marL="3886200" indent="-228600" algn="l" defTabSz="914400" rtl="0" eaLnBrk="1" latinLnBrk="0" hangingPunct="1">
-              <a:lnSpc>
-                <a:spcPct val="90000"/>
-              </a:lnSpc>
-              <a:spcBef>
-                <a:spcPts val="500"/>
-              </a:spcBef>
-              <a:buFont typeface="Arial" panose="020B0604020202020204" pitchFamily="34" charset="0"/>
-              <a:buChar char="•"/>
-              <a:defRPr sz="1800" kern="1200">
-                <a:solidFill>
-                  <a:schemeClr val="tx1"/>
-                </a:solidFill>
-                <a:latin typeface="+mn-lt"/>
-                <a:ea typeface="+mn-ea"/>
-                <a:cs typeface="+mn-cs"/>
-              </a:defRPr>
-            </a:lvl9pPr>
-          </a:lstStyle>
-          <a:p>
-            <a:pPr marL="0" indent="0" algn="ctr">
-              <a:buFont typeface="Arial" panose="020B0604020202020204" pitchFamily="34" charset="0"/>
-              <a:buNone/>
-            </a:pPr>
-            <a:r>
               <a:rPr lang="en-US" sz="2000" dirty="0"/>
-              <a:t>Very similar to browser, but more “app like” (no scroll, simpler design)</a:t>
+              <a:t>The platform must match the expectations of 95% of new users.</a:t>
             </a:r>
           </a:p>
         </p:txBody>
@@ -13140,7 +15930,7 @@
     </p:spTree>
     <p:extLst>
       <p:ext uri="{BB962C8B-B14F-4D97-AF65-F5344CB8AC3E}">
-        <p14:creationId xmlns:p14="http://schemas.microsoft.com/office/powerpoint/2010/main" val="1407723298"/>
+        <p14:creationId xmlns:p14="http://schemas.microsoft.com/office/powerpoint/2010/main" val="2720204355"/>
       </p:ext>
     </p:extLst>
   </p:cSld>
@@ -13741,18 +16531,18 @@
 </file>
 
 <file path=customXml/item1.xml><?xml version="1.0" encoding="utf-8"?>
-<p:properties xmlns:p="http://schemas.microsoft.com/office/2006/metadata/properties" xmlns:xsi="http://www.w3.org/2001/XMLSchema-instance" xmlns:pc="http://schemas.microsoft.com/office/infopath/2007/PartnerControls">
-  <documentManagement/>
-</p:properties>
-</file>
-
-<file path=customXml/item2.xml><?xml version="1.0" encoding="utf-8"?>
 <?mso-contentType ?>
 <FormTemplates xmlns="http://schemas.microsoft.com/sharepoint/v3/contenttype/forms">
   <Display>DocumentLibraryForm</Display>
   <Edit>DocumentLibraryForm</Edit>
   <New>DocumentLibraryForm</New>
 </FormTemplates>
+</file>
+
+<file path=customXml/item2.xml><?xml version="1.0" encoding="utf-8"?>
+<p:properties xmlns:p="http://schemas.microsoft.com/office/2006/metadata/properties" xmlns:xsi="http://www.w3.org/2001/XMLSchema-instance" xmlns:pc="http://schemas.microsoft.com/office/infopath/2007/PartnerControls">
+  <documentManagement/>
+</p:properties>
 </file>
 
 <file path=customXml/item3.xml><?xml version="1.0" encoding="utf-8"?>
@@ -13888,6 +16678,14 @@
 </file>
 
 <file path=customXml/itemProps1.xml><?xml version="1.0" encoding="utf-8"?>
+<ds:datastoreItem xmlns:ds="http://schemas.openxmlformats.org/officeDocument/2006/customXml" ds:itemID="{76EE102A-C587-47D4-980D-6EF803504572}">
+  <ds:schemaRefs>
+    <ds:schemaRef ds:uri="http://schemas.microsoft.com/sharepoint/v3/contenttype/forms"/>
+  </ds:schemaRefs>
+</ds:datastoreItem>
+</file>
+
+<file path=customXml/itemProps2.xml><?xml version="1.0" encoding="utf-8"?>
 <ds:datastoreItem xmlns:ds="http://schemas.openxmlformats.org/officeDocument/2006/customXml" ds:itemID="{05E380B0-3793-4519-A034-114F335A5299}">
   <ds:schemaRefs>
     <ds:schemaRef ds:uri="http://purl.org/dc/terms/"/>
@@ -13899,14 +16697,6 @@
     <ds:schemaRef ds:uri="http://schemas.openxmlformats.org/package/2006/metadata/core-properties"/>
     <ds:schemaRef ds:uri="a47fcd35-67e3-4b66-9352-8d0db098ec50"/>
     <ds:schemaRef ds:uri="http://www.w3.org/XML/1998/namespace"/>
-  </ds:schemaRefs>
-</ds:datastoreItem>
-</file>
-
-<file path=customXml/itemProps2.xml><?xml version="1.0" encoding="utf-8"?>
-<ds:datastoreItem xmlns:ds="http://schemas.openxmlformats.org/officeDocument/2006/customXml" ds:itemID="{76EE102A-C587-47D4-980D-6EF803504572}">
-  <ds:schemaRefs>
-    <ds:schemaRef ds:uri="http://schemas.microsoft.com/sharepoint/v3/contenttype/forms"/>
   </ds:schemaRefs>
 </ds:datastoreItem>
 </file>

--- a/IPC.pptx
+++ b/IPC.pptx
@@ -15,9 +15,9 @@
     <p:sldId id="290" r:id="rId9"/>
     <p:sldId id="292" r:id="rId10"/>
     <p:sldId id="293" r:id="rId11"/>
-    <p:sldId id="295" r:id="rId12"/>
-    <p:sldId id="294" r:id="rId13"/>
-    <p:sldId id="296" r:id="rId14"/>
+    <p:sldId id="296" r:id="rId12"/>
+    <p:sldId id="295" r:id="rId13"/>
+    <p:sldId id="294" r:id="rId14"/>
     <p:sldId id="291" r:id="rId15"/>
   </p:sldIdLst>
   <p:sldSz cx="12192000" cy="6858000"/>
@@ -717,7 +717,7 @@
     </p:spTree>
     <p:extLst>
       <p:ext uri="{BB962C8B-B14F-4D97-AF65-F5344CB8AC3E}">
-        <p14:creationId xmlns:p14="http://schemas.microsoft.com/office/powerpoint/2010/main" val="3106670743"/>
+        <p14:creationId xmlns:p14="http://schemas.microsoft.com/office/powerpoint/2010/main" val="110374527"/>
       </p:ext>
     </p:extLst>
   </p:cSld>
@@ -801,7 +801,7 @@
     </p:spTree>
     <p:extLst>
       <p:ext uri="{BB962C8B-B14F-4D97-AF65-F5344CB8AC3E}">
-        <p14:creationId xmlns:p14="http://schemas.microsoft.com/office/powerpoint/2010/main" val="3675151245"/>
+        <p14:creationId xmlns:p14="http://schemas.microsoft.com/office/powerpoint/2010/main" val="3106670743"/>
       </p:ext>
     </p:extLst>
   </p:cSld>
@@ -885,7 +885,7 @@
     </p:spTree>
     <p:extLst>
       <p:ext uri="{BB962C8B-B14F-4D97-AF65-F5344CB8AC3E}">
-        <p14:creationId xmlns:p14="http://schemas.microsoft.com/office/powerpoint/2010/main" val="110374527"/>
+        <p14:creationId xmlns:p14="http://schemas.microsoft.com/office/powerpoint/2010/main" val="3675151245"/>
       </p:ext>
     </p:extLst>
   </p:cSld>
@@ -4863,7 +4863,7 @@
           <a:p>
             <a:r>
               <a:rPr lang="en-US" b="1" dirty="0"/>
-              <a:t>Conceptual Model</a:t>
+              <a:t>Usability Requirements</a:t>
             </a:r>
           </a:p>
         </p:txBody>
@@ -4884,8 +4884,8 @@
         </p:nvSpPr>
         <p:spPr>
           <a:xfrm>
-            <a:off x="1102256" y="2290309"/>
-            <a:ext cx="4478487" cy="1817915"/>
+            <a:off x="761170" y="2079171"/>
+            <a:ext cx="10669660" cy="4451661"/>
           </a:xfrm>
           <a:prstGeom prst="rect">
             <a:avLst/>
@@ -5060,25 +5060,16 @@
             </a:lvl9pPr>
           </a:lstStyle>
           <a:p>
-            <a:pPr marL="0" indent="0" algn="ctr">
-              <a:buNone/>
-            </a:pPr>
-            <a:r>
-              <a:rPr lang="en-US" sz="2000" b="1" dirty="0">
-                <a:solidFill>
-                  <a:srgbClr val="993300"/>
-                </a:solidFill>
-              </a:rPr>
-              <a:t>Objects </a:t>
-            </a:r>
-          </a:p>
-          <a:p>
             <a:pPr marL="0" indent="0">
               <a:buNone/>
             </a:pPr>
             <a:r>
-              <a:rPr lang="en-US" sz="2000" dirty="0"/>
-              <a:t>user (name, contact, student)</a:t>
+              <a:rPr lang="en-US" sz="2000" b="1" dirty="0">
+                <a:solidFill>
+                  <a:srgbClr val="993300"/>
+                </a:solidFill>
+              </a:rPr>
+              <a:t>Efficacy </a:t>
             </a:r>
           </a:p>
           <a:p>
@@ -5087,7 +5078,7 @@
             </a:pPr>
             <a:r>
               <a:rPr lang="en-US" sz="2000" dirty="0"/>
-              <a:t>job posting (description, pay, hours)</a:t>
+              <a:t>The use of the platform is carried out intuitively, with only 5% of users making a mistake.</a:t>
             </a:r>
           </a:p>
           <a:p>
@@ -5096,213 +5087,7 @@
             </a:pPr>
             <a:r>
               <a:rPr lang="en-US" sz="2000" dirty="0"/>
-              <a:t>room posting (description, cost, location)</a:t>
-            </a:r>
-          </a:p>
-        </p:txBody>
-      </p:sp>
-      <p:sp>
-        <p:nvSpPr>
-          <p:cNvPr id="2" name="Content Placeholder 2">
-            <a:extLst>
-              <a:ext uri="{FF2B5EF4-FFF2-40B4-BE49-F238E27FC236}">
-                <a16:creationId xmlns:a16="http://schemas.microsoft.com/office/drawing/2014/main" id="{28714954-BF41-B931-E746-B2476C4C3460}"/>
-              </a:ext>
-            </a:extLst>
-          </p:cNvPr>
-          <p:cNvSpPr txBox="1">
-            <a:spLocks/>
-          </p:cNvSpPr>
-          <p:nvPr/>
-        </p:nvSpPr>
-        <p:spPr>
-          <a:xfrm>
-            <a:off x="7136985" y="2130652"/>
-            <a:ext cx="3640043" cy="2137230"/>
-          </a:xfrm>
-          <a:prstGeom prst="rect">
-            <a:avLst/>
-          </a:prstGeom>
-        </p:spPr>
-        <p:txBody>
-          <a:bodyPr vert="horz" lIns="91440" tIns="45720" rIns="91440" bIns="45720" rtlCol="0">
-            <a:normAutofit/>
-          </a:bodyPr>
-          <a:lstStyle>
-            <a:lvl1pPr marL="228600" indent="-228600" algn="l" defTabSz="914400" rtl="0" eaLnBrk="1" latinLnBrk="0" hangingPunct="1">
-              <a:lnSpc>
-                <a:spcPct val="90000"/>
-              </a:lnSpc>
-              <a:spcBef>
-                <a:spcPts val="1000"/>
-              </a:spcBef>
-              <a:buFont typeface="Arial" panose="020B0604020202020204" pitchFamily="34" charset="0"/>
-              <a:buChar char="•"/>
-              <a:defRPr sz="2800" kern="1200">
-                <a:solidFill>
-                  <a:schemeClr val="tx1"/>
-                </a:solidFill>
-                <a:latin typeface="+mn-lt"/>
-                <a:ea typeface="+mn-ea"/>
-                <a:cs typeface="+mn-cs"/>
-              </a:defRPr>
-            </a:lvl1pPr>
-            <a:lvl2pPr marL="685800" indent="-228600" algn="l" defTabSz="914400" rtl="0" eaLnBrk="1" latinLnBrk="0" hangingPunct="1">
-              <a:lnSpc>
-                <a:spcPct val="90000"/>
-              </a:lnSpc>
-              <a:spcBef>
-                <a:spcPts val="500"/>
-              </a:spcBef>
-              <a:buFont typeface="Arial" panose="020B0604020202020204" pitchFamily="34" charset="0"/>
-              <a:buChar char="•"/>
-              <a:defRPr sz="2400" kern="1200">
-                <a:solidFill>
-                  <a:schemeClr val="tx1"/>
-                </a:solidFill>
-                <a:latin typeface="+mn-lt"/>
-                <a:ea typeface="+mn-ea"/>
-                <a:cs typeface="+mn-cs"/>
-              </a:defRPr>
-            </a:lvl2pPr>
-            <a:lvl3pPr marL="1143000" indent="-228600" algn="l" defTabSz="914400" rtl="0" eaLnBrk="1" latinLnBrk="0" hangingPunct="1">
-              <a:lnSpc>
-                <a:spcPct val="90000"/>
-              </a:lnSpc>
-              <a:spcBef>
-                <a:spcPts val="500"/>
-              </a:spcBef>
-              <a:buFont typeface="Arial" panose="020B0604020202020204" pitchFamily="34" charset="0"/>
-              <a:buChar char="•"/>
-              <a:defRPr sz="2000" kern="1200">
-                <a:solidFill>
-                  <a:schemeClr val="tx1"/>
-                </a:solidFill>
-                <a:latin typeface="+mn-lt"/>
-                <a:ea typeface="+mn-ea"/>
-                <a:cs typeface="+mn-cs"/>
-              </a:defRPr>
-            </a:lvl3pPr>
-            <a:lvl4pPr marL="1600200" indent="-228600" algn="l" defTabSz="914400" rtl="0" eaLnBrk="1" latinLnBrk="0" hangingPunct="1">
-              <a:lnSpc>
-                <a:spcPct val="90000"/>
-              </a:lnSpc>
-              <a:spcBef>
-                <a:spcPts val="500"/>
-              </a:spcBef>
-              <a:buFont typeface="Arial" panose="020B0604020202020204" pitchFamily="34" charset="0"/>
-              <a:buChar char="•"/>
-              <a:defRPr sz="1800" kern="1200">
-                <a:solidFill>
-                  <a:schemeClr val="tx1"/>
-                </a:solidFill>
-                <a:latin typeface="+mn-lt"/>
-                <a:ea typeface="+mn-ea"/>
-                <a:cs typeface="+mn-cs"/>
-              </a:defRPr>
-            </a:lvl4pPr>
-            <a:lvl5pPr marL="2057400" indent="-228600" algn="l" defTabSz="914400" rtl="0" eaLnBrk="1" latinLnBrk="0" hangingPunct="1">
-              <a:lnSpc>
-                <a:spcPct val="90000"/>
-              </a:lnSpc>
-              <a:spcBef>
-                <a:spcPts val="500"/>
-              </a:spcBef>
-              <a:buFont typeface="Arial" panose="020B0604020202020204" pitchFamily="34" charset="0"/>
-              <a:buChar char="•"/>
-              <a:defRPr sz="1800" kern="1200">
-                <a:solidFill>
-                  <a:schemeClr val="tx1"/>
-                </a:solidFill>
-                <a:latin typeface="+mn-lt"/>
-                <a:ea typeface="+mn-ea"/>
-                <a:cs typeface="+mn-cs"/>
-              </a:defRPr>
-            </a:lvl5pPr>
-            <a:lvl6pPr marL="2514600" indent="-228600" algn="l" defTabSz="914400" rtl="0" eaLnBrk="1" latinLnBrk="0" hangingPunct="1">
-              <a:lnSpc>
-                <a:spcPct val="90000"/>
-              </a:lnSpc>
-              <a:spcBef>
-                <a:spcPts val="500"/>
-              </a:spcBef>
-              <a:buFont typeface="Arial" panose="020B0604020202020204" pitchFamily="34" charset="0"/>
-              <a:buChar char="•"/>
-              <a:defRPr sz="1800" kern="1200">
-                <a:solidFill>
-                  <a:schemeClr val="tx1"/>
-                </a:solidFill>
-                <a:latin typeface="+mn-lt"/>
-                <a:ea typeface="+mn-ea"/>
-                <a:cs typeface="+mn-cs"/>
-              </a:defRPr>
-            </a:lvl6pPr>
-            <a:lvl7pPr marL="2971800" indent="-228600" algn="l" defTabSz="914400" rtl="0" eaLnBrk="1" latinLnBrk="0" hangingPunct="1">
-              <a:lnSpc>
-                <a:spcPct val="90000"/>
-              </a:lnSpc>
-              <a:spcBef>
-                <a:spcPts val="500"/>
-              </a:spcBef>
-              <a:buFont typeface="Arial" panose="020B0604020202020204" pitchFamily="34" charset="0"/>
-              <a:buChar char="•"/>
-              <a:defRPr sz="1800" kern="1200">
-                <a:solidFill>
-                  <a:schemeClr val="tx1"/>
-                </a:solidFill>
-                <a:latin typeface="+mn-lt"/>
-                <a:ea typeface="+mn-ea"/>
-                <a:cs typeface="+mn-cs"/>
-              </a:defRPr>
-            </a:lvl7pPr>
-            <a:lvl8pPr marL="3429000" indent="-228600" algn="l" defTabSz="914400" rtl="0" eaLnBrk="1" latinLnBrk="0" hangingPunct="1">
-              <a:lnSpc>
-                <a:spcPct val="90000"/>
-              </a:lnSpc>
-              <a:spcBef>
-                <a:spcPts val="500"/>
-              </a:spcBef>
-              <a:buFont typeface="Arial" panose="020B0604020202020204" pitchFamily="34" charset="0"/>
-              <a:buChar char="•"/>
-              <a:defRPr sz="1800" kern="1200">
-                <a:solidFill>
-                  <a:schemeClr val="tx1"/>
-                </a:solidFill>
-                <a:latin typeface="+mn-lt"/>
-                <a:ea typeface="+mn-ea"/>
-                <a:cs typeface="+mn-cs"/>
-              </a:defRPr>
-            </a:lvl8pPr>
-            <a:lvl9pPr marL="3886200" indent="-228600" algn="l" defTabSz="914400" rtl="0" eaLnBrk="1" latinLnBrk="0" hangingPunct="1">
-              <a:lnSpc>
-                <a:spcPct val="90000"/>
-              </a:lnSpc>
-              <a:spcBef>
-                <a:spcPts val="500"/>
-              </a:spcBef>
-              <a:buFont typeface="Arial" panose="020B0604020202020204" pitchFamily="34" charset="0"/>
-              <a:buChar char="•"/>
-              <a:defRPr sz="1800" kern="1200">
-                <a:solidFill>
-                  <a:schemeClr val="tx1"/>
-                </a:solidFill>
-                <a:latin typeface="+mn-lt"/>
-                <a:ea typeface="+mn-ea"/>
-                <a:cs typeface="+mn-cs"/>
-              </a:defRPr>
-            </a:lvl9pPr>
-          </a:lstStyle>
-          <a:p>
-            <a:pPr marL="0" indent="0" algn="ctr">
-              <a:buNone/>
-            </a:pPr>
-            <a:r>
-              <a:rPr lang="en-US" sz="2000" b="1" dirty="0">
-                <a:solidFill>
-                  <a:srgbClr val="993300"/>
-                </a:solidFill>
-              </a:rPr>
-              <a:t>Actions </a:t>
+              <a:t> </a:t>
             </a:r>
           </a:p>
           <a:p>
@@ -5310,8 +5095,16 @@
               <a:buNone/>
             </a:pPr>
             <a:r>
+              <a:rPr lang="en-US" sz="2000" b="1" dirty="0">
+                <a:solidFill>
+                  <a:srgbClr val="993300"/>
+                </a:solidFill>
+              </a:rPr>
+              <a:t>Efficiency</a:t>
+            </a:r>
+            <a:r>
               <a:rPr lang="en-US" sz="2000" dirty="0"/>
-              <a:t>create, delete, edit job posting</a:t>
+              <a:t> </a:t>
             </a:r>
           </a:p>
           <a:p>
@@ -5320,231 +5113,30 @@
             </a:pPr>
             <a:r>
               <a:rPr lang="en-US" sz="2000" dirty="0"/>
-              <a:t>create, delete, edit room posting</a:t>
+              <a:t>Users can find an interesting offer in less than 2 minutes.</a:t>
             </a:r>
           </a:p>
           <a:p>
             <a:pPr marL="0" indent="0">
               <a:buNone/>
             </a:pPr>
-            <a:r>
-              <a:rPr lang="en-US" sz="2000" dirty="0"/>
-              <a:t>access, contact job posting</a:t>
-            </a:r>
+            <a:endParaRPr lang="en-US" sz="2000" dirty="0"/>
           </a:p>
           <a:p>
             <a:pPr marL="0" indent="0">
               <a:buNone/>
             </a:pPr>
             <a:r>
+              <a:rPr lang="en-US" sz="2000" b="1" dirty="0">
+                <a:solidFill>
+                  <a:srgbClr val="993300"/>
+                </a:solidFill>
+              </a:rPr>
+              <a:t>Satisfaction</a:t>
+            </a:r>
+            <a:r>
               <a:rPr lang="en-US" sz="2000" dirty="0"/>
-              <a:t>access, contact room posting</a:t>
-            </a:r>
-          </a:p>
-        </p:txBody>
-      </p:sp>
-      <p:sp>
-        <p:nvSpPr>
-          <p:cNvPr id="3" name="Content Placeholder 2">
-            <a:extLst>
-              <a:ext uri="{FF2B5EF4-FFF2-40B4-BE49-F238E27FC236}">
-                <a16:creationId xmlns:a16="http://schemas.microsoft.com/office/drawing/2014/main" id="{5299EC33-4FC5-BE81-3FF4-C949B7C8D4D5}"/>
-              </a:ext>
-            </a:extLst>
-          </p:cNvPr>
-          <p:cNvSpPr txBox="1">
-            <a:spLocks/>
-          </p:cNvSpPr>
-          <p:nvPr/>
-        </p:nvSpPr>
-        <p:spPr>
-          <a:xfrm>
-            <a:off x="4404580" y="4405085"/>
-            <a:ext cx="3382839" cy="2137230"/>
-          </a:xfrm>
-          <a:prstGeom prst="rect">
-            <a:avLst/>
-          </a:prstGeom>
-        </p:spPr>
-        <p:txBody>
-          <a:bodyPr vert="horz" lIns="91440" tIns="45720" rIns="91440" bIns="45720" rtlCol="0">
-            <a:normAutofit/>
-          </a:bodyPr>
-          <a:lstStyle>
-            <a:lvl1pPr marL="228600" indent="-228600" algn="l" defTabSz="914400" rtl="0" eaLnBrk="1" latinLnBrk="0" hangingPunct="1">
-              <a:lnSpc>
-                <a:spcPct val="90000"/>
-              </a:lnSpc>
-              <a:spcBef>
-                <a:spcPts val="1000"/>
-              </a:spcBef>
-              <a:buFont typeface="Arial" panose="020B0604020202020204" pitchFamily="34" charset="0"/>
-              <a:buChar char="•"/>
-              <a:defRPr sz="2800" kern="1200">
-                <a:solidFill>
-                  <a:schemeClr val="tx1"/>
-                </a:solidFill>
-                <a:latin typeface="+mn-lt"/>
-                <a:ea typeface="+mn-ea"/>
-                <a:cs typeface="+mn-cs"/>
-              </a:defRPr>
-            </a:lvl1pPr>
-            <a:lvl2pPr marL="685800" indent="-228600" algn="l" defTabSz="914400" rtl="0" eaLnBrk="1" latinLnBrk="0" hangingPunct="1">
-              <a:lnSpc>
-                <a:spcPct val="90000"/>
-              </a:lnSpc>
-              <a:spcBef>
-                <a:spcPts val="500"/>
-              </a:spcBef>
-              <a:buFont typeface="Arial" panose="020B0604020202020204" pitchFamily="34" charset="0"/>
-              <a:buChar char="•"/>
-              <a:defRPr sz="2400" kern="1200">
-                <a:solidFill>
-                  <a:schemeClr val="tx1"/>
-                </a:solidFill>
-                <a:latin typeface="+mn-lt"/>
-                <a:ea typeface="+mn-ea"/>
-                <a:cs typeface="+mn-cs"/>
-              </a:defRPr>
-            </a:lvl2pPr>
-            <a:lvl3pPr marL="1143000" indent="-228600" algn="l" defTabSz="914400" rtl="0" eaLnBrk="1" latinLnBrk="0" hangingPunct="1">
-              <a:lnSpc>
-                <a:spcPct val="90000"/>
-              </a:lnSpc>
-              <a:spcBef>
-                <a:spcPts val="500"/>
-              </a:spcBef>
-              <a:buFont typeface="Arial" panose="020B0604020202020204" pitchFamily="34" charset="0"/>
-              <a:buChar char="•"/>
-              <a:defRPr sz="2000" kern="1200">
-                <a:solidFill>
-                  <a:schemeClr val="tx1"/>
-                </a:solidFill>
-                <a:latin typeface="+mn-lt"/>
-                <a:ea typeface="+mn-ea"/>
-                <a:cs typeface="+mn-cs"/>
-              </a:defRPr>
-            </a:lvl3pPr>
-            <a:lvl4pPr marL="1600200" indent="-228600" algn="l" defTabSz="914400" rtl="0" eaLnBrk="1" latinLnBrk="0" hangingPunct="1">
-              <a:lnSpc>
-                <a:spcPct val="90000"/>
-              </a:lnSpc>
-              <a:spcBef>
-                <a:spcPts val="500"/>
-              </a:spcBef>
-              <a:buFont typeface="Arial" panose="020B0604020202020204" pitchFamily="34" charset="0"/>
-              <a:buChar char="•"/>
-              <a:defRPr sz="1800" kern="1200">
-                <a:solidFill>
-                  <a:schemeClr val="tx1"/>
-                </a:solidFill>
-                <a:latin typeface="+mn-lt"/>
-                <a:ea typeface="+mn-ea"/>
-                <a:cs typeface="+mn-cs"/>
-              </a:defRPr>
-            </a:lvl4pPr>
-            <a:lvl5pPr marL="2057400" indent="-228600" algn="l" defTabSz="914400" rtl="0" eaLnBrk="1" latinLnBrk="0" hangingPunct="1">
-              <a:lnSpc>
-                <a:spcPct val="90000"/>
-              </a:lnSpc>
-              <a:spcBef>
-                <a:spcPts val="500"/>
-              </a:spcBef>
-              <a:buFont typeface="Arial" panose="020B0604020202020204" pitchFamily="34" charset="0"/>
-              <a:buChar char="•"/>
-              <a:defRPr sz="1800" kern="1200">
-                <a:solidFill>
-                  <a:schemeClr val="tx1"/>
-                </a:solidFill>
-                <a:latin typeface="+mn-lt"/>
-                <a:ea typeface="+mn-ea"/>
-                <a:cs typeface="+mn-cs"/>
-              </a:defRPr>
-            </a:lvl5pPr>
-            <a:lvl6pPr marL="2514600" indent="-228600" algn="l" defTabSz="914400" rtl="0" eaLnBrk="1" latinLnBrk="0" hangingPunct="1">
-              <a:lnSpc>
-                <a:spcPct val="90000"/>
-              </a:lnSpc>
-              <a:spcBef>
-                <a:spcPts val="500"/>
-              </a:spcBef>
-              <a:buFont typeface="Arial" panose="020B0604020202020204" pitchFamily="34" charset="0"/>
-              <a:buChar char="•"/>
-              <a:defRPr sz="1800" kern="1200">
-                <a:solidFill>
-                  <a:schemeClr val="tx1"/>
-                </a:solidFill>
-                <a:latin typeface="+mn-lt"/>
-                <a:ea typeface="+mn-ea"/>
-                <a:cs typeface="+mn-cs"/>
-              </a:defRPr>
-            </a:lvl6pPr>
-            <a:lvl7pPr marL="2971800" indent="-228600" algn="l" defTabSz="914400" rtl="0" eaLnBrk="1" latinLnBrk="0" hangingPunct="1">
-              <a:lnSpc>
-                <a:spcPct val="90000"/>
-              </a:lnSpc>
-              <a:spcBef>
-                <a:spcPts val="500"/>
-              </a:spcBef>
-              <a:buFont typeface="Arial" panose="020B0604020202020204" pitchFamily="34" charset="0"/>
-              <a:buChar char="•"/>
-              <a:defRPr sz="1800" kern="1200">
-                <a:solidFill>
-                  <a:schemeClr val="tx1"/>
-                </a:solidFill>
-                <a:latin typeface="+mn-lt"/>
-                <a:ea typeface="+mn-ea"/>
-                <a:cs typeface="+mn-cs"/>
-              </a:defRPr>
-            </a:lvl7pPr>
-            <a:lvl8pPr marL="3429000" indent="-228600" algn="l" defTabSz="914400" rtl="0" eaLnBrk="1" latinLnBrk="0" hangingPunct="1">
-              <a:lnSpc>
-                <a:spcPct val="90000"/>
-              </a:lnSpc>
-              <a:spcBef>
-                <a:spcPts val="500"/>
-              </a:spcBef>
-              <a:buFont typeface="Arial" panose="020B0604020202020204" pitchFamily="34" charset="0"/>
-              <a:buChar char="•"/>
-              <a:defRPr sz="1800" kern="1200">
-                <a:solidFill>
-                  <a:schemeClr val="tx1"/>
-                </a:solidFill>
-                <a:latin typeface="+mn-lt"/>
-                <a:ea typeface="+mn-ea"/>
-                <a:cs typeface="+mn-cs"/>
-              </a:defRPr>
-            </a:lvl8pPr>
-            <a:lvl9pPr marL="3886200" indent="-228600" algn="l" defTabSz="914400" rtl="0" eaLnBrk="1" latinLnBrk="0" hangingPunct="1">
-              <a:lnSpc>
-                <a:spcPct val="90000"/>
-              </a:lnSpc>
-              <a:spcBef>
-                <a:spcPts val="500"/>
-              </a:spcBef>
-              <a:buFont typeface="Arial" panose="020B0604020202020204" pitchFamily="34" charset="0"/>
-              <a:buChar char="•"/>
-              <a:defRPr sz="1800" kern="1200">
-                <a:solidFill>
-                  <a:schemeClr val="tx1"/>
-                </a:solidFill>
-                <a:latin typeface="+mn-lt"/>
-                <a:ea typeface="+mn-ea"/>
-                <a:cs typeface="+mn-cs"/>
-              </a:defRPr>
-            </a:lvl9pPr>
-          </a:lstStyle>
-          <a:p>
-            <a:pPr marL="0" indent="0" algn="ctr">
-              <a:buNone/>
-            </a:pPr>
-            <a:r>
-              <a:rPr lang="en-US" sz="2000" b="1" dirty="0">
-                <a:solidFill>
-                  <a:srgbClr val="993300"/>
-                </a:solidFill>
-              </a:rPr>
-              <a:t>Relations </a:t>
+              <a:t> </a:t>
             </a:r>
           </a:p>
           <a:p>
@@ -5553,34 +5145,7 @@
             </a:pPr>
             <a:r>
               <a:rPr lang="en-US" sz="2000" dirty="0"/>
-              <a:t>user has job postings</a:t>
-            </a:r>
-          </a:p>
-          <a:p>
-            <a:pPr marL="0" indent="0">
-              <a:buNone/>
-            </a:pPr>
-            <a:r>
-              <a:rPr lang="en-US" sz="2000" dirty="0"/>
-              <a:t>user has room postings</a:t>
-            </a:r>
-          </a:p>
-          <a:p>
-            <a:pPr marL="0" indent="0">
-              <a:buNone/>
-            </a:pPr>
-            <a:r>
-              <a:rPr lang="en-US" sz="2000" dirty="0"/>
-              <a:t>User responds to job posting</a:t>
-            </a:r>
-          </a:p>
-          <a:p>
-            <a:pPr marL="0" indent="0">
-              <a:buNone/>
-            </a:pPr>
-            <a:r>
-              <a:rPr lang="en-US" sz="2000" dirty="0"/>
-              <a:t>User responds to room posting</a:t>
+              <a:t>The platform must match the expectations of 80% of new users.</a:t>
             </a:r>
           </a:p>
         </p:txBody>
@@ -5588,7 +5153,7 @@
     </p:spTree>
     <p:extLst>
       <p:ext uri="{BB962C8B-B14F-4D97-AF65-F5344CB8AC3E}">
-        <p14:creationId xmlns:p14="http://schemas.microsoft.com/office/powerpoint/2010/main" val="2543275830"/>
+        <p14:creationId xmlns:p14="http://schemas.microsoft.com/office/powerpoint/2010/main" val="2720204355"/>
       </p:ext>
     </p:extLst>
   </p:cSld>
@@ -9756,7 +9321,7 @@
         </p:nvSpPr>
         <p:spPr>
           <a:xfrm>
-            <a:off x="4381943" y="1987240"/>
+            <a:off x="4286250" y="1987240"/>
             <a:ext cx="4443079" cy="683888"/>
           </a:xfrm>
           <a:prstGeom prst="rect">
@@ -9938,7 +9503,7 @@
             </a:pPr>
             <a:r>
               <a:rPr lang="en-US" sz="2000" dirty="0"/>
-              <a:t>Most female, 3</a:t>
+              <a:t>Mostly females, 3</a:t>
             </a:r>
             <a:r>
               <a:rPr lang="en-US" sz="2000" baseline="30000" dirty="0"/>
@@ -9965,7 +9530,7 @@
         </p:nvSpPr>
         <p:spPr>
           <a:xfrm>
-            <a:off x="3598894" y="2119191"/>
+            <a:off x="3705219" y="2119191"/>
             <a:ext cx="856146" cy="419986"/>
           </a:xfrm>
           <a:prstGeom prst="rightArrow">
@@ -11281,6 +10846,227 @@
           </a:p>
           <a:p>
             <a:endParaRPr lang="en-US" sz="2000" dirty="0"/>
+          </a:p>
+        </p:txBody>
+      </p:sp>
+      <p:sp>
+        <p:nvSpPr>
+          <p:cNvPr id="3" name="Content Placeholder 2">
+            <a:extLst>
+              <a:ext uri="{FF2B5EF4-FFF2-40B4-BE49-F238E27FC236}">
+                <a16:creationId xmlns:a16="http://schemas.microsoft.com/office/drawing/2014/main" id="{724D2C2C-AFE5-360A-A787-D7F7E52DDC19}"/>
+              </a:ext>
+            </a:extLst>
+          </p:cNvPr>
+          <p:cNvSpPr txBox="1">
+            <a:spLocks/>
+          </p:cNvSpPr>
+          <p:nvPr/>
+        </p:nvSpPr>
+        <p:spPr>
+          <a:xfrm>
+            <a:off x="8625006" y="1998793"/>
+            <a:ext cx="3335522" cy="802886"/>
+          </a:xfrm>
+          <a:prstGeom prst="rect">
+            <a:avLst/>
+          </a:prstGeom>
+        </p:spPr>
+        <p:txBody>
+          <a:bodyPr vert="horz" lIns="91440" tIns="45720" rIns="91440" bIns="45720" rtlCol="0">
+            <a:normAutofit/>
+          </a:bodyPr>
+          <a:lstStyle>
+            <a:lvl1pPr marL="228600" indent="-228600" algn="l" defTabSz="914400" rtl="0" eaLnBrk="1" latinLnBrk="0" hangingPunct="1">
+              <a:lnSpc>
+                <a:spcPct val="90000"/>
+              </a:lnSpc>
+              <a:spcBef>
+                <a:spcPts val="1000"/>
+              </a:spcBef>
+              <a:buFont typeface="Arial" panose="020B0604020202020204" pitchFamily="34" charset="0"/>
+              <a:buChar char="•"/>
+              <a:defRPr sz="2800" kern="1200">
+                <a:solidFill>
+                  <a:schemeClr val="tx1"/>
+                </a:solidFill>
+                <a:latin typeface="+mn-lt"/>
+                <a:ea typeface="+mn-ea"/>
+                <a:cs typeface="+mn-cs"/>
+              </a:defRPr>
+            </a:lvl1pPr>
+            <a:lvl2pPr marL="685800" indent="-228600" algn="l" defTabSz="914400" rtl="0" eaLnBrk="1" latinLnBrk="0" hangingPunct="1">
+              <a:lnSpc>
+                <a:spcPct val="90000"/>
+              </a:lnSpc>
+              <a:spcBef>
+                <a:spcPts val="500"/>
+              </a:spcBef>
+              <a:buFont typeface="Arial" panose="020B0604020202020204" pitchFamily="34" charset="0"/>
+              <a:buChar char="•"/>
+              <a:defRPr sz="2400" kern="1200">
+                <a:solidFill>
+                  <a:schemeClr val="tx1"/>
+                </a:solidFill>
+                <a:latin typeface="+mn-lt"/>
+                <a:ea typeface="+mn-ea"/>
+                <a:cs typeface="+mn-cs"/>
+              </a:defRPr>
+            </a:lvl2pPr>
+            <a:lvl3pPr marL="1143000" indent="-228600" algn="l" defTabSz="914400" rtl="0" eaLnBrk="1" latinLnBrk="0" hangingPunct="1">
+              <a:lnSpc>
+                <a:spcPct val="90000"/>
+              </a:lnSpc>
+              <a:spcBef>
+                <a:spcPts val="500"/>
+              </a:spcBef>
+              <a:buFont typeface="Arial" panose="020B0604020202020204" pitchFamily="34" charset="0"/>
+              <a:buChar char="•"/>
+              <a:defRPr sz="2000" kern="1200">
+                <a:solidFill>
+                  <a:schemeClr val="tx1"/>
+                </a:solidFill>
+                <a:latin typeface="+mn-lt"/>
+                <a:ea typeface="+mn-ea"/>
+                <a:cs typeface="+mn-cs"/>
+              </a:defRPr>
+            </a:lvl3pPr>
+            <a:lvl4pPr marL="1600200" indent="-228600" algn="l" defTabSz="914400" rtl="0" eaLnBrk="1" latinLnBrk="0" hangingPunct="1">
+              <a:lnSpc>
+                <a:spcPct val="90000"/>
+              </a:lnSpc>
+              <a:spcBef>
+                <a:spcPts val="500"/>
+              </a:spcBef>
+              <a:buFont typeface="Arial" panose="020B0604020202020204" pitchFamily="34" charset="0"/>
+              <a:buChar char="•"/>
+              <a:defRPr sz="1800" kern="1200">
+                <a:solidFill>
+                  <a:schemeClr val="tx1"/>
+                </a:solidFill>
+                <a:latin typeface="+mn-lt"/>
+                <a:ea typeface="+mn-ea"/>
+                <a:cs typeface="+mn-cs"/>
+              </a:defRPr>
+            </a:lvl4pPr>
+            <a:lvl5pPr marL="2057400" indent="-228600" algn="l" defTabSz="914400" rtl="0" eaLnBrk="1" latinLnBrk="0" hangingPunct="1">
+              <a:lnSpc>
+                <a:spcPct val="90000"/>
+              </a:lnSpc>
+              <a:spcBef>
+                <a:spcPts val="500"/>
+              </a:spcBef>
+              <a:buFont typeface="Arial" panose="020B0604020202020204" pitchFamily="34" charset="0"/>
+              <a:buChar char="•"/>
+              <a:defRPr sz="1800" kern="1200">
+                <a:solidFill>
+                  <a:schemeClr val="tx1"/>
+                </a:solidFill>
+                <a:latin typeface="+mn-lt"/>
+                <a:ea typeface="+mn-ea"/>
+                <a:cs typeface="+mn-cs"/>
+              </a:defRPr>
+            </a:lvl5pPr>
+            <a:lvl6pPr marL="2514600" indent="-228600" algn="l" defTabSz="914400" rtl="0" eaLnBrk="1" latinLnBrk="0" hangingPunct="1">
+              <a:lnSpc>
+                <a:spcPct val="90000"/>
+              </a:lnSpc>
+              <a:spcBef>
+                <a:spcPts val="500"/>
+              </a:spcBef>
+              <a:buFont typeface="Arial" panose="020B0604020202020204" pitchFamily="34" charset="0"/>
+              <a:buChar char="•"/>
+              <a:defRPr sz="1800" kern="1200">
+                <a:solidFill>
+                  <a:schemeClr val="tx1"/>
+                </a:solidFill>
+                <a:latin typeface="+mn-lt"/>
+                <a:ea typeface="+mn-ea"/>
+                <a:cs typeface="+mn-cs"/>
+              </a:defRPr>
+            </a:lvl6pPr>
+            <a:lvl7pPr marL="2971800" indent="-228600" algn="l" defTabSz="914400" rtl="0" eaLnBrk="1" latinLnBrk="0" hangingPunct="1">
+              <a:lnSpc>
+                <a:spcPct val="90000"/>
+              </a:lnSpc>
+              <a:spcBef>
+                <a:spcPts val="500"/>
+              </a:spcBef>
+              <a:buFont typeface="Arial" panose="020B0604020202020204" pitchFamily="34" charset="0"/>
+              <a:buChar char="•"/>
+              <a:defRPr sz="1800" kern="1200">
+                <a:solidFill>
+                  <a:schemeClr val="tx1"/>
+                </a:solidFill>
+                <a:latin typeface="+mn-lt"/>
+                <a:ea typeface="+mn-ea"/>
+                <a:cs typeface="+mn-cs"/>
+              </a:defRPr>
+            </a:lvl7pPr>
+            <a:lvl8pPr marL="3429000" indent="-228600" algn="l" defTabSz="914400" rtl="0" eaLnBrk="1" latinLnBrk="0" hangingPunct="1">
+              <a:lnSpc>
+                <a:spcPct val="90000"/>
+              </a:lnSpc>
+              <a:spcBef>
+                <a:spcPts val="500"/>
+              </a:spcBef>
+              <a:buFont typeface="Arial" panose="020B0604020202020204" pitchFamily="34" charset="0"/>
+              <a:buChar char="•"/>
+              <a:defRPr sz="1800" kern="1200">
+                <a:solidFill>
+                  <a:schemeClr val="tx1"/>
+                </a:solidFill>
+                <a:latin typeface="+mn-lt"/>
+                <a:ea typeface="+mn-ea"/>
+                <a:cs typeface="+mn-cs"/>
+              </a:defRPr>
+            </a:lvl8pPr>
+            <a:lvl9pPr marL="3886200" indent="-228600" algn="l" defTabSz="914400" rtl="0" eaLnBrk="1" latinLnBrk="0" hangingPunct="1">
+              <a:lnSpc>
+                <a:spcPct val="90000"/>
+              </a:lnSpc>
+              <a:spcBef>
+                <a:spcPts val="500"/>
+              </a:spcBef>
+              <a:buFont typeface="Arial" panose="020B0604020202020204" pitchFamily="34" charset="0"/>
+              <a:buChar char="•"/>
+              <a:defRPr sz="1800" kern="1200">
+                <a:solidFill>
+                  <a:schemeClr val="tx1"/>
+                </a:solidFill>
+                <a:latin typeface="+mn-lt"/>
+                <a:ea typeface="+mn-ea"/>
+                <a:cs typeface="+mn-cs"/>
+              </a:defRPr>
+            </a:lvl9pPr>
+          </a:lstStyle>
+          <a:p>
+            <a:pPr marL="0" indent="0" algn="ctr">
+              <a:buFont typeface="Arial" panose="020B0604020202020204" pitchFamily="34" charset="0"/>
+              <a:buNone/>
+            </a:pPr>
+            <a:r>
+              <a:rPr lang="en-US" sz="2000" dirty="0"/>
+              <a:t>Invalid responses </a:t>
+            </a:r>
+            <a:r>
+              <a:rPr lang="en-US" sz="2000" b="1" dirty="0"/>
+              <a:t>57,5% male</a:t>
+            </a:r>
+          </a:p>
+          <a:p>
+            <a:pPr marL="0" indent="0" algn="ctr">
+              <a:buFont typeface="Arial" panose="020B0604020202020204" pitchFamily="34" charset="0"/>
+              <a:buNone/>
+            </a:pPr>
+            <a:r>
+              <a:rPr lang="en-US" sz="2000" dirty="0"/>
+              <a:t>Valid responses </a:t>
+            </a:r>
+            <a:r>
+              <a:rPr lang="en-US" sz="2000" b="1" dirty="0"/>
+              <a:t>62,5% female</a:t>
+            </a:r>
           </a:p>
         </p:txBody>
       </p:sp>
@@ -14634,7 +14420,7 @@
           <a:p>
             <a:r>
               <a:rPr lang="en-US" b="1" dirty="0"/>
-              <a:t>Activity Scenario of Carlos Silva</a:t>
+              <a:t>Activity Scenario Example</a:t>
             </a:r>
           </a:p>
         </p:txBody>
@@ -14656,7 +14442,7 @@
         <p:spPr>
           <a:xfrm>
             <a:off x="761170" y="2264230"/>
-            <a:ext cx="10669660" cy="4266602"/>
+            <a:ext cx="10669660" cy="2695858"/>
           </a:xfrm>
           <a:prstGeom prst="rect">
             <a:avLst/>
@@ -14837,7 +14623,7 @@
             </a:pPr>
             <a:r>
               <a:rPr lang="en-US" sz="2000" dirty="0"/>
-              <a:t>	A co-worker of Carlos quit the job. He realized it would be cool if he had a work colleague from LEIC, the same course he is. </a:t>
+              <a:t>	A co-worker of Carlos quit his job. Considering the company needs to replace him quickly, Carlos decided to share the opportunity with colleagues from LEIC. </a:t>
             </a:r>
           </a:p>
           <a:p>
@@ -14847,7 +14633,15 @@
             </a:pPr>
             <a:r>
               <a:rPr lang="en-US" sz="2000" dirty="0"/>
-              <a:t>	Therefore, he registered in </a:t>
+              <a:t>	Therefore, he </a:t>
+            </a:r>
+            <a:r>
+              <a:rPr lang="en-US" sz="2000" b="1" dirty="0"/>
+              <a:t>registered</a:t>
+            </a:r>
+            <a:r>
+              <a:rPr lang="en-US" sz="2000" dirty="0"/>
+              <a:t> in </a:t>
             </a:r>
             <a:r>
               <a:rPr lang="en-US" sz="2000" dirty="0" err="1"/>
@@ -14855,7 +14649,47 @@
             </a:r>
             <a:r>
               <a:rPr lang="en-US" sz="2000" dirty="0"/>
-              <a:t> and created a new job offer. Since he himself works in the same position (security) as the offer, he was able to provide reliable feedback on what his job is like in the description. </a:t>
+              <a:t> and </a:t>
+            </a:r>
+            <a:r>
+              <a:rPr lang="en-US" sz="2000" b="1" dirty="0"/>
+              <a:t>created</a:t>
+            </a:r>
+            <a:r>
+              <a:rPr lang="en-US" sz="2000" dirty="0"/>
+              <a:t> a new </a:t>
+            </a:r>
+            <a:r>
+              <a:rPr lang="en-US" sz="2000" b="1" dirty="0"/>
+              <a:t>job offer</a:t>
+            </a:r>
+            <a:r>
+              <a:rPr lang="en-US" sz="2000" dirty="0"/>
+              <a:t>. Since he himself works in the same position (security), he was able to provide reliable information about the day-to-day of his job is like in the description. He also included the </a:t>
+            </a:r>
+            <a:r>
+              <a:rPr lang="en-US" sz="2000" b="1" dirty="0"/>
+              <a:t>pay</a:t>
+            </a:r>
+            <a:r>
+              <a:rPr lang="en-US" sz="2000" dirty="0"/>
+              <a:t>, </a:t>
+            </a:r>
+            <a:r>
+              <a:rPr lang="en-US" sz="2000" b="1" dirty="0"/>
+              <a:t>hours worked</a:t>
+            </a:r>
+            <a:r>
+              <a:rPr lang="en-US" sz="2000" dirty="0"/>
+              <a:t>, benefits and his boss’ </a:t>
+            </a:r>
+            <a:r>
+              <a:rPr lang="en-US" sz="2000" b="1" dirty="0"/>
+              <a:t>contact details</a:t>
+            </a:r>
+            <a:r>
+              <a:rPr lang="en-US" sz="2000" dirty="0"/>
+              <a:t>.</a:t>
             </a:r>
           </a:p>
           <a:p>
@@ -14865,7 +14699,7 @@
             </a:pPr>
             <a:r>
               <a:rPr lang="en-US" sz="2000" dirty="0"/>
-              <a:t>	Any person interested would contact him and clarify any remaining doubts. In a final stage, Carlos would redirect them to his boss.</a:t>
+              <a:t>	One person contacted Carlos to ask a quick question (he allowed this in the post). Afterwards that person (presumably) used the provided contact and was eventually hired.</a:t>
             </a:r>
           </a:p>
         </p:txBody>
@@ -14985,7 +14819,7 @@
           <a:p>
             <a:r>
               <a:rPr lang="en-US" b="1" dirty="0"/>
-              <a:t>Functionalities and Tasks</a:t>
+              <a:t>Conceptual Model</a:t>
             </a:r>
           </a:p>
         </p:txBody>
@@ -15006,8 +14840,8 @@
         </p:nvSpPr>
         <p:spPr>
           <a:xfrm>
-            <a:off x="947887" y="2699656"/>
-            <a:ext cx="5334830" cy="3744089"/>
+            <a:off x="1102256" y="2290309"/>
+            <a:ext cx="5521828" cy="1817915"/>
           </a:xfrm>
           <a:prstGeom prst="rect">
             <a:avLst/>
@@ -15183,7 +15017,6 @@
           </a:lstStyle>
           <a:p>
             <a:pPr marL="0" indent="0" algn="ctr">
-              <a:buFont typeface="Arial" panose="020B0604020202020204" pitchFamily="34" charset="0"/>
               <a:buNone/>
             </a:pPr>
             <a:r>
@@ -15192,48 +15025,42 @@
                   <a:srgbClr val="993300"/>
                 </a:solidFill>
               </a:rPr>
-              <a:t>Example of Functionalities:</a:t>
-            </a:r>
-          </a:p>
-          <a:p>
-            <a:pPr marL="0" indent="0" algn="ctr">
-              <a:buFont typeface="Arial" panose="020B0604020202020204" pitchFamily="34" charset="0"/>
+              <a:t>Objects </a:t>
+            </a:r>
+          </a:p>
+          <a:p>
+            <a:pPr marL="0" indent="0">
               <a:buNone/>
             </a:pPr>
-            <a:endParaRPr lang="en-US" sz="2000" b="1" dirty="0">
-              <a:solidFill>
-                <a:srgbClr val="993300"/>
-              </a:solidFill>
-            </a:endParaRPr>
-          </a:p>
-          <a:p>
-            <a:pPr marL="0" indent="0" algn="ctr">
-              <a:buFont typeface="Arial" panose="020B0604020202020204" pitchFamily="34" charset="0"/>
+            <a:r>
+              <a:rPr lang="en-US" sz="2000" dirty="0"/>
+              <a:t>user (name, contact, </a:t>
+            </a:r>
+            <a:r>
+              <a:rPr lang="en-US" sz="2000" dirty="0" err="1"/>
+              <a:t>isStudent</a:t>
+            </a:r>
+            <a:r>
+              <a:rPr lang="en-US" sz="2000" dirty="0"/>
+              <a:t>)</a:t>
+            </a:r>
+          </a:p>
+          <a:p>
+            <a:pPr marL="0" indent="0">
               <a:buNone/>
             </a:pPr>
             <a:r>
               <a:rPr lang="en-US" sz="2000" dirty="0"/>
-              <a:t>Search an offer by name/location</a:t>
-            </a:r>
-          </a:p>
-          <a:p>
-            <a:pPr marL="0" indent="0" algn="ctr">
-              <a:buFont typeface="Arial" panose="020B0604020202020204" pitchFamily="34" charset="0"/>
+              <a:t>job posting (description, pay, hours, contact)</a:t>
+            </a:r>
+          </a:p>
+          <a:p>
+            <a:pPr marL="0" indent="0">
               <a:buNone/>
             </a:pPr>
             <a:r>
               <a:rPr lang="en-US" sz="2000" dirty="0"/>
-              <a:t>Order the offers list</a:t>
-            </a:r>
-          </a:p>
-          <a:p>
-            <a:pPr marL="0" indent="0" algn="ctr">
-              <a:buFont typeface="Arial" panose="020B0604020202020204" pitchFamily="34" charset="0"/>
-              <a:buNone/>
-            </a:pPr>
-            <a:r>
-              <a:rPr lang="en-US" sz="2000" dirty="0"/>
-              <a:t>Contact the seller</a:t>
+              <a:t>room posting (description, cost, location, contact)</a:t>
             </a:r>
           </a:p>
         </p:txBody>
@@ -15243,7 +15070,7 @@
           <p:cNvPr id="2" name="Content Placeholder 2">
             <a:extLst>
               <a:ext uri="{FF2B5EF4-FFF2-40B4-BE49-F238E27FC236}">
-                <a16:creationId xmlns:a16="http://schemas.microsoft.com/office/drawing/2014/main" id="{B2096CE0-DEBA-F665-BBE1-AF9BFFFB16E8}"/>
+                <a16:creationId xmlns:a16="http://schemas.microsoft.com/office/drawing/2014/main" id="{28714954-BF41-B931-E746-B2476C4C3460}"/>
               </a:ext>
             </a:extLst>
           </p:cNvPr>
@@ -15254,8 +15081,8 @@
         </p:nvSpPr>
         <p:spPr>
           <a:xfrm>
-            <a:off x="6554030" y="2699657"/>
-            <a:ext cx="5334830" cy="3744089"/>
+            <a:off x="7136985" y="2130652"/>
+            <a:ext cx="3640043" cy="2137230"/>
           </a:xfrm>
           <a:prstGeom prst="rect">
             <a:avLst/>
@@ -15431,7 +15258,6 @@
           </a:lstStyle>
           <a:p>
             <a:pPr marL="0" indent="0" algn="ctr">
-              <a:buFont typeface="Arial" panose="020B0604020202020204" pitchFamily="34" charset="0"/>
               <a:buNone/>
             </a:pPr>
             <a:r>
@@ -15440,104 +15266,309 @@
                   <a:srgbClr val="993300"/>
                 </a:solidFill>
               </a:rPr>
-              <a:t>Example of Tasks:</a:t>
-            </a:r>
-          </a:p>
-          <a:p>
-            <a:pPr marL="0" indent="0" algn="ctr">
-              <a:buFont typeface="Arial" panose="020B0604020202020204" pitchFamily="34" charset="0"/>
+              <a:t>Actions </a:t>
+            </a:r>
+          </a:p>
+          <a:p>
+            <a:pPr marL="0" indent="0">
               <a:buNone/>
             </a:pPr>
-            <a:endParaRPr lang="en-US" sz="1900" dirty="0"/>
-          </a:p>
+            <a:r>
+              <a:rPr lang="en-US" sz="2000" dirty="0"/>
+              <a:t>create, delete, edit job posting</a:t>
+            </a:r>
+          </a:p>
+          <a:p>
+            <a:pPr marL="0" indent="0">
+              <a:buNone/>
+            </a:pPr>
+            <a:r>
+              <a:rPr lang="en-US" sz="2000" dirty="0"/>
+              <a:t>create, delete, edit room posting</a:t>
+            </a:r>
+          </a:p>
+          <a:p>
+            <a:pPr marL="0" indent="0">
+              <a:buNone/>
+            </a:pPr>
+            <a:r>
+              <a:rPr lang="en-US" sz="2000" dirty="0"/>
+              <a:t>access, contact job posting</a:t>
+            </a:r>
+          </a:p>
+          <a:p>
+            <a:pPr marL="0" indent="0">
+              <a:buNone/>
+            </a:pPr>
+            <a:r>
+              <a:rPr lang="en-US" sz="2000" dirty="0"/>
+              <a:t>access, contact room posting</a:t>
+            </a:r>
+          </a:p>
+        </p:txBody>
+      </p:sp>
+      <p:sp>
+        <p:nvSpPr>
+          <p:cNvPr id="3" name="Content Placeholder 2">
+            <a:extLst>
+              <a:ext uri="{FF2B5EF4-FFF2-40B4-BE49-F238E27FC236}">
+                <a16:creationId xmlns:a16="http://schemas.microsoft.com/office/drawing/2014/main" id="{5299EC33-4FC5-BE81-3FF4-C949B7C8D4D5}"/>
+              </a:ext>
+            </a:extLst>
+          </p:cNvPr>
+          <p:cNvSpPr txBox="1">
+            <a:spLocks/>
+          </p:cNvSpPr>
+          <p:nvPr/>
+        </p:nvSpPr>
+        <p:spPr>
+          <a:xfrm>
+            <a:off x="3667811" y="4399770"/>
+            <a:ext cx="4856378" cy="2165836"/>
+          </a:xfrm>
+          <a:prstGeom prst="rect">
+            <a:avLst/>
+          </a:prstGeom>
+        </p:spPr>
+        <p:txBody>
+          <a:bodyPr vert="horz" lIns="91440" tIns="45720" rIns="91440" bIns="45720" rtlCol="0">
+            <a:normAutofit/>
+          </a:bodyPr>
+          <a:lstStyle>
+            <a:lvl1pPr marL="228600" indent="-228600" algn="l" defTabSz="914400" rtl="0" eaLnBrk="1" latinLnBrk="0" hangingPunct="1">
+              <a:lnSpc>
+                <a:spcPct val="90000"/>
+              </a:lnSpc>
+              <a:spcBef>
+                <a:spcPts val="1000"/>
+              </a:spcBef>
+              <a:buFont typeface="Arial" panose="020B0604020202020204" pitchFamily="34" charset="0"/>
+              <a:buChar char="•"/>
+              <a:defRPr sz="2800" kern="1200">
+                <a:solidFill>
+                  <a:schemeClr val="tx1"/>
+                </a:solidFill>
+                <a:latin typeface="+mn-lt"/>
+                <a:ea typeface="+mn-ea"/>
+                <a:cs typeface="+mn-cs"/>
+              </a:defRPr>
+            </a:lvl1pPr>
+            <a:lvl2pPr marL="685800" indent="-228600" algn="l" defTabSz="914400" rtl="0" eaLnBrk="1" latinLnBrk="0" hangingPunct="1">
+              <a:lnSpc>
+                <a:spcPct val="90000"/>
+              </a:lnSpc>
+              <a:spcBef>
+                <a:spcPts val="500"/>
+              </a:spcBef>
+              <a:buFont typeface="Arial" panose="020B0604020202020204" pitchFamily="34" charset="0"/>
+              <a:buChar char="•"/>
+              <a:defRPr sz="2400" kern="1200">
+                <a:solidFill>
+                  <a:schemeClr val="tx1"/>
+                </a:solidFill>
+                <a:latin typeface="+mn-lt"/>
+                <a:ea typeface="+mn-ea"/>
+                <a:cs typeface="+mn-cs"/>
+              </a:defRPr>
+            </a:lvl2pPr>
+            <a:lvl3pPr marL="1143000" indent="-228600" algn="l" defTabSz="914400" rtl="0" eaLnBrk="1" latinLnBrk="0" hangingPunct="1">
+              <a:lnSpc>
+                <a:spcPct val="90000"/>
+              </a:lnSpc>
+              <a:spcBef>
+                <a:spcPts val="500"/>
+              </a:spcBef>
+              <a:buFont typeface="Arial" panose="020B0604020202020204" pitchFamily="34" charset="0"/>
+              <a:buChar char="•"/>
+              <a:defRPr sz="2000" kern="1200">
+                <a:solidFill>
+                  <a:schemeClr val="tx1"/>
+                </a:solidFill>
+                <a:latin typeface="+mn-lt"/>
+                <a:ea typeface="+mn-ea"/>
+                <a:cs typeface="+mn-cs"/>
+              </a:defRPr>
+            </a:lvl3pPr>
+            <a:lvl4pPr marL="1600200" indent="-228600" algn="l" defTabSz="914400" rtl="0" eaLnBrk="1" latinLnBrk="0" hangingPunct="1">
+              <a:lnSpc>
+                <a:spcPct val="90000"/>
+              </a:lnSpc>
+              <a:spcBef>
+                <a:spcPts val="500"/>
+              </a:spcBef>
+              <a:buFont typeface="Arial" panose="020B0604020202020204" pitchFamily="34" charset="0"/>
+              <a:buChar char="•"/>
+              <a:defRPr sz="1800" kern="1200">
+                <a:solidFill>
+                  <a:schemeClr val="tx1"/>
+                </a:solidFill>
+                <a:latin typeface="+mn-lt"/>
+                <a:ea typeface="+mn-ea"/>
+                <a:cs typeface="+mn-cs"/>
+              </a:defRPr>
+            </a:lvl4pPr>
+            <a:lvl5pPr marL="2057400" indent="-228600" algn="l" defTabSz="914400" rtl="0" eaLnBrk="1" latinLnBrk="0" hangingPunct="1">
+              <a:lnSpc>
+                <a:spcPct val="90000"/>
+              </a:lnSpc>
+              <a:spcBef>
+                <a:spcPts val="500"/>
+              </a:spcBef>
+              <a:buFont typeface="Arial" panose="020B0604020202020204" pitchFamily="34" charset="0"/>
+              <a:buChar char="•"/>
+              <a:defRPr sz="1800" kern="1200">
+                <a:solidFill>
+                  <a:schemeClr val="tx1"/>
+                </a:solidFill>
+                <a:latin typeface="+mn-lt"/>
+                <a:ea typeface="+mn-ea"/>
+                <a:cs typeface="+mn-cs"/>
+              </a:defRPr>
+            </a:lvl5pPr>
+            <a:lvl6pPr marL="2514600" indent="-228600" algn="l" defTabSz="914400" rtl="0" eaLnBrk="1" latinLnBrk="0" hangingPunct="1">
+              <a:lnSpc>
+                <a:spcPct val="90000"/>
+              </a:lnSpc>
+              <a:spcBef>
+                <a:spcPts val="500"/>
+              </a:spcBef>
+              <a:buFont typeface="Arial" panose="020B0604020202020204" pitchFamily="34" charset="0"/>
+              <a:buChar char="•"/>
+              <a:defRPr sz="1800" kern="1200">
+                <a:solidFill>
+                  <a:schemeClr val="tx1"/>
+                </a:solidFill>
+                <a:latin typeface="+mn-lt"/>
+                <a:ea typeface="+mn-ea"/>
+                <a:cs typeface="+mn-cs"/>
+              </a:defRPr>
+            </a:lvl6pPr>
+            <a:lvl7pPr marL="2971800" indent="-228600" algn="l" defTabSz="914400" rtl="0" eaLnBrk="1" latinLnBrk="0" hangingPunct="1">
+              <a:lnSpc>
+                <a:spcPct val="90000"/>
+              </a:lnSpc>
+              <a:spcBef>
+                <a:spcPts val="500"/>
+              </a:spcBef>
+              <a:buFont typeface="Arial" panose="020B0604020202020204" pitchFamily="34" charset="0"/>
+              <a:buChar char="•"/>
+              <a:defRPr sz="1800" kern="1200">
+                <a:solidFill>
+                  <a:schemeClr val="tx1"/>
+                </a:solidFill>
+                <a:latin typeface="+mn-lt"/>
+                <a:ea typeface="+mn-ea"/>
+                <a:cs typeface="+mn-cs"/>
+              </a:defRPr>
+            </a:lvl7pPr>
+            <a:lvl8pPr marL="3429000" indent="-228600" algn="l" defTabSz="914400" rtl="0" eaLnBrk="1" latinLnBrk="0" hangingPunct="1">
+              <a:lnSpc>
+                <a:spcPct val="90000"/>
+              </a:lnSpc>
+              <a:spcBef>
+                <a:spcPts val="500"/>
+              </a:spcBef>
+              <a:buFont typeface="Arial" panose="020B0604020202020204" pitchFamily="34" charset="0"/>
+              <a:buChar char="•"/>
+              <a:defRPr sz="1800" kern="1200">
+                <a:solidFill>
+                  <a:schemeClr val="tx1"/>
+                </a:solidFill>
+                <a:latin typeface="+mn-lt"/>
+                <a:ea typeface="+mn-ea"/>
+                <a:cs typeface="+mn-cs"/>
+              </a:defRPr>
+            </a:lvl8pPr>
+            <a:lvl9pPr marL="3886200" indent="-228600" algn="l" defTabSz="914400" rtl="0" eaLnBrk="1" latinLnBrk="0" hangingPunct="1">
+              <a:lnSpc>
+                <a:spcPct val="90000"/>
+              </a:lnSpc>
+              <a:spcBef>
+                <a:spcPts val="500"/>
+              </a:spcBef>
+              <a:buFont typeface="Arial" panose="020B0604020202020204" pitchFamily="34" charset="0"/>
+              <a:buChar char="•"/>
+              <a:defRPr sz="1800" kern="1200">
+                <a:solidFill>
+                  <a:schemeClr val="tx1"/>
+                </a:solidFill>
+                <a:latin typeface="+mn-lt"/>
+                <a:ea typeface="+mn-ea"/>
+                <a:cs typeface="+mn-cs"/>
+              </a:defRPr>
+            </a:lvl9pPr>
+          </a:lstStyle>
           <a:p>
             <a:pPr marL="0" indent="0" algn="ctr">
               <a:buNone/>
             </a:pPr>
             <a:r>
-              <a:rPr lang="en-US" sz="2000" dirty="0"/>
-              <a:t>Search offers in a certain street</a:t>
-            </a:r>
-          </a:p>
-          <a:p>
-            <a:pPr marL="0" indent="0" algn="ctr">
+              <a:rPr lang="en-US" sz="2000" b="1" dirty="0">
+                <a:solidFill>
+                  <a:srgbClr val="993300"/>
+                </a:solidFill>
+              </a:rPr>
+              <a:t>Relations </a:t>
+            </a:r>
+          </a:p>
+          <a:p>
+            <a:pPr marL="0" indent="0">
               <a:buNone/>
             </a:pPr>
             <a:r>
               <a:rPr lang="en-US" sz="2000" dirty="0"/>
-              <a:t>Order the offers by price</a:t>
-            </a:r>
-          </a:p>
-          <a:p>
-            <a:pPr marL="0" indent="0" algn="ctr">
+              <a:t>user has job postings</a:t>
+            </a:r>
+          </a:p>
+          <a:p>
+            <a:pPr marL="0" indent="0">
               <a:buNone/>
             </a:pPr>
             <a:r>
               <a:rPr lang="en-US" sz="2000" dirty="0"/>
-              <a:t>Send CV to seller</a:t>
-            </a:r>
-          </a:p>
-          <a:p>
-            <a:pPr marL="0" indent="0" algn="ctr">
-              <a:buFont typeface="Arial" panose="020B0604020202020204" pitchFamily="34" charset="0"/>
+              <a:t>user has room postings</a:t>
+            </a:r>
+          </a:p>
+          <a:p>
+            <a:pPr marL="0" indent="0">
               <a:buNone/>
             </a:pPr>
-            <a:endParaRPr lang="en-US" sz="2000" dirty="0">
-              <a:solidFill>
-                <a:srgbClr val="993300"/>
-              </a:solidFill>
-            </a:endParaRPr>
+            <a:r>
+              <a:rPr lang="en-US" sz="2000" dirty="0"/>
+              <a:t>user (</a:t>
+            </a:r>
+            <a:r>
+              <a:rPr lang="en-US" sz="2000" dirty="0" err="1"/>
+              <a:t>isStudent</a:t>
+            </a:r>
+            <a:r>
+              <a:rPr lang="en-US" sz="2000" dirty="0"/>
+              <a:t>) responds to job posting</a:t>
+            </a:r>
+          </a:p>
+          <a:p>
+            <a:pPr marL="0" indent="0">
+              <a:buNone/>
+            </a:pPr>
+            <a:r>
+              <a:rPr lang="en-US" sz="2000" dirty="0"/>
+              <a:t>user (</a:t>
+            </a:r>
+            <a:r>
+              <a:rPr lang="en-US" sz="2000" dirty="0" err="1"/>
+              <a:t>isStudent</a:t>
+            </a:r>
+            <a:r>
+              <a:rPr lang="en-US" sz="2000" dirty="0"/>
+              <a:t>) responds to room posting</a:t>
+            </a:r>
           </a:p>
         </p:txBody>
       </p:sp>
-      <p:cxnSp>
-        <p:nvCxnSpPr>
-          <p:cNvPr id="3" name="Straight Arrow Connector 2">
-            <a:extLst>
-              <a:ext uri="{FF2B5EF4-FFF2-40B4-BE49-F238E27FC236}">
-                <a16:creationId xmlns:a16="http://schemas.microsoft.com/office/drawing/2014/main" id="{92B52C55-9B56-3C29-C41F-1591909785C0}"/>
-              </a:ext>
-            </a:extLst>
-          </p:cNvPr>
-          <p:cNvCxnSpPr>
-            <a:cxnSpLocks/>
-          </p:cNvCxnSpPr>
-          <p:nvPr/>
-        </p:nvCxnSpPr>
-        <p:spPr>
-          <a:xfrm>
-            <a:off x="5758543" y="4049486"/>
-            <a:ext cx="1284514" cy="0"/>
-          </a:xfrm>
-          <a:prstGeom prst="straightConnector1">
-            <a:avLst/>
-          </a:prstGeom>
-          <a:ln w="38100">
-            <a:solidFill>
-              <a:srgbClr val="993300"/>
-            </a:solidFill>
-            <a:tailEnd type="triangle"/>
-          </a:ln>
-        </p:spPr>
-        <p:style>
-          <a:lnRef idx="1">
-            <a:schemeClr val="accent1"/>
-          </a:lnRef>
-          <a:fillRef idx="0">
-            <a:schemeClr val="accent1"/>
-          </a:fillRef>
-          <a:effectRef idx="0">
-            <a:schemeClr val="accent1"/>
-          </a:effectRef>
-          <a:fontRef idx="minor">
-            <a:schemeClr val="tx1"/>
-          </a:fontRef>
-        </p:style>
-      </p:cxnSp>
     </p:spTree>
     <p:extLst>
       <p:ext uri="{BB962C8B-B14F-4D97-AF65-F5344CB8AC3E}">
-        <p14:creationId xmlns:p14="http://schemas.microsoft.com/office/powerpoint/2010/main" val="1941788761"/>
+        <p14:creationId xmlns:p14="http://schemas.microsoft.com/office/powerpoint/2010/main" val="2543275830"/>
       </p:ext>
     </p:extLst>
   </p:cSld>
@@ -15649,7 +15680,7 @@
           <a:p>
             <a:r>
               <a:rPr lang="en-US" b="1" dirty="0"/>
-              <a:t>Usability Requirements</a:t>
+              <a:t>Functionalities and Tasks</a:t>
             </a:r>
           </a:p>
         </p:txBody>
@@ -15670,8 +15701,8 @@
         </p:nvSpPr>
         <p:spPr>
           <a:xfrm>
-            <a:off x="761170" y="2079171"/>
-            <a:ext cx="10669660" cy="4451661"/>
+            <a:off x="947887" y="2699656"/>
+            <a:ext cx="5334830" cy="3744089"/>
           </a:xfrm>
           <a:prstGeom prst="rect">
             <a:avLst/>
@@ -15846,91 +15877,362 @@
             </a:lvl9pPr>
           </a:lstStyle>
           <a:p>
-            <a:r>
-              <a:rPr lang="en-US" sz="2000" b="1" dirty="0">
-                <a:solidFill>
-                  <a:srgbClr val="993300"/>
-                </a:solidFill>
-              </a:rPr>
-              <a:t>Efficacy </a:t>
-            </a:r>
-          </a:p>
-          <a:p>
-            <a:pPr marL="0" indent="0">
+            <a:pPr marL="0" indent="0" algn="ctr">
+              <a:buFont typeface="Arial" panose="020B0604020202020204" pitchFamily="34" charset="0"/>
               <a:buNone/>
             </a:pPr>
             <a:r>
-              <a:rPr lang="en-US" sz="2000" dirty="0"/>
-              <a:t>The use of the platform is carried out intuitively, with only 5% of users making a mistake.</a:t>
-            </a:r>
-          </a:p>
-          <a:p>
-            <a:pPr marL="0" indent="0">
+              <a:rPr lang="en-US" sz="2000" b="1" dirty="0">
+                <a:solidFill>
+                  <a:srgbClr val="993300"/>
+                </a:solidFill>
+              </a:rPr>
+              <a:t>Example of Functionalities:</a:t>
+            </a:r>
+          </a:p>
+          <a:p>
+            <a:pPr marL="0" indent="0" algn="ctr">
+              <a:buFont typeface="Arial" panose="020B0604020202020204" pitchFamily="34" charset="0"/>
               <a:buNone/>
             </a:pPr>
-            <a:r>
-              <a:rPr lang="en-US" sz="2000" dirty="0"/>
-              <a:t> </a:t>
-            </a:r>
-          </a:p>
-          <a:p>
-            <a:r>
-              <a:rPr lang="en-US" sz="2000" b="1" dirty="0">
-                <a:solidFill>
-                  <a:srgbClr val="993300"/>
-                </a:solidFill>
-              </a:rPr>
-              <a:t>Efficiency</a:t>
-            </a:r>
-            <a:r>
-              <a:rPr lang="en-US" sz="2000" dirty="0"/>
-              <a:t> </a:t>
-            </a:r>
-          </a:p>
-          <a:p>
-            <a:pPr marL="0" indent="0">
+            <a:endParaRPr lang="en-US" sz="2000" b="1" dirty="0">
+              <a:solidFill>
+                <a:srgbClr val="993300"/>
+              </a:solidFill>
+            </a:endParaRPr>
+          </a:p>
+          <a:p>
+            <a:pPr marL="0" indent="0" algn="ctr">
+              <a:buFont typeface="Arial" panose="020B0604020202020204" pitchFamily="34" charset="0"/>
               <a:buNone/>
             </a:pPr>
             <a:r>
               <a:rPr lang="en-US" sz="2000" dirty="0"/>
-              <a:t>Users can find an interesting offer in less than 1 minute.</a:t>
-            </a:r>
-          </a:p>
-          <a:p>
-            <a:pPr marL="0" indent="0">
+              <a:t>Search an offer by name/location</a:t>
+            </a:r>
+          </a:p>
+          <a:p>
+            <a:pPr marL="0" indent="0" algn="ctr">
+              <a:buFont typeface="Arial" panose="020B0604020202020204" pitchFamily="34" charset="0"/>
               <a:buNone/>
             </a:pPr>
-            <a:endParaRPr lang="en-US" sz="2000" dirty="0"/>
-          </a:p>
-          <a:p>
-            <a:r>
-              <a:rPr lang="en-US" sz="2000" b="1" dirty="0">
-                <a:solidFill>
-                  <a:srgbClr val="993300"/>
-                </a:solidFill>
-              </a:rPr>
-              <a:t>Satisfaction</a:t>
-            </a:r>
             <a:r>
               <a:rPr lang="en-US" sz="2000" dirty="0"/>
-              <a:t> </a:t>
-            </a:r>
-          </a:p>
-          <a:p>
-            <a:pPr marL="0" indent="0">
+              <a:t>Order the offers list</a:t>
+            </a:r>
+          </a:p>
+          <a:p>
+            <a:pPr marL="0" indent="0" algn="ctr">
+              <a:buFont typeface="Arial" panose="020B0604020202020204" pitchFamily="34" charset="0"/>
               <a:buNone/>
             </a:pPr>
             <a:r>
               <a:rPr lang="en-US" sz="2000" dirty="0"/>
-              <a:t>The platform must match the expectations of 95% of new users.</a:t>
+              <a:t>Contact the seller</a:t>
             </a:r>
           </a:p>
         </p:txBody>
       </p:sp>
+      <p:sp>
+        <p:nvSpPr>
+          <p:cNvPr id="2" name="Content Placeholder 2">
+            <a:extLst>
+              <a:ext uri="{FF2B5EF4-FFF2-40B4-BE49-F238E27FC236}">
+                <a16:creationId xmlns:a16="http://schemas.microsoft.com/office/drawing/2014/main" id="{B2096CE0-DEBA-F665-BBE1-AF9BFFFB16E8}"/>
+              </a:ext>
+            </a:extLst>
+          </p:cNvPr>
+          <p:cNvSpPr txBox="1">
+            <a:spLocks/>
+          </p:cNvSpPr>
+          <p:nvPr/>
+        </p:nvSpPr>
+        <p:spPr>
+          <a:xfrm>
+            <a:off x="6554030" y="2699657"/>
+            <a:ext cx="5334830" cy="3744089"/>
+          </a:xfrm>
+          <a:prstGeom prst="rect">
+            <a:avLst/>
+          </a:prstGeom>
+        </p:spPr>
+        <p:txBody>
+          <a:bodyPr vert="horz" lIns="91440" tIns="45720" rIns="91440" bIns="45720" rtlCol="0">
+            <a:normAutofit/>
+          </a:bodyPr>
+          <a:lstStyle>
+            <a:lvl1pPr marL="228600" indent="-228600" algn="l" defTabSz="914400" rtl="0" eaLnBrk="1" latinLnBrk="0" hangingPunct="1">
+              <a:lnSpc>
+                <a:spcPct val="90000"/>
+              </a:lnSpc>
+              <a:spcBef>
+                <a:spcPts val="1000"/>
+              </a:spcBef>
+              <a:buFont typeface="Arial" panose="020B0604020202020204" pitchFamily="34" charset="0"/>
+              <a:buChar char="•"/>
+              <a:defRPr sz="2800" kern="1200">
+                <a:solidFill>
+                  <a:schemeClr val="tx1"/>
+                </a:solidFill>
+                <a:latin typeface="+mn-lt"/>
+                <a:ea typeface="+mn-ea"/>
+                <a:cs typeface="+mn-cs"/>
+              </a:defRPr>
+            </a:lvl1pPr>
+            <a:lvl2pPr marL="685800" indent="-228600" algn="l" defTabSz="914400" rtl="0" eaLnBrk="1" latinLnBrk="0" hangingPunct="1">
+              <a:lnSpc>
+                <a:spcPct val="90000"/>
+              </a:lnSpc>
+              <a:spcBef>
+                <a:spcPts val="500"/>
+              </a:spcBef>
+              <a:buFont typeface="Arial" panose="020B0604020202020204" pitchFamily="34" charset="0"/>
+              <a:buChar char="•"/>
+              <a:defRPr sz="2400" kern="1200">
+                <a:solidFill>
+                  <a:schemeClr val="tx1"/>
+                </a:solidFill>
+                <a:latin typeface="+mn-lt"/>
+                <a:ea typeface="+mn-ea"/>
+                <a:cs typeface="+mn-cs"/>
+              </a:defRPr>
+            </a:lvl2pPr>
+            <a:lvl3pPr marL="1143000" indent="-228600" algn="l" defTabSz="914400" rtl="0" eaLnBrk="1" latinLnBrk="0" hangingPunct="1">
+              <a:lnSpc>
+                <a:spcPct val="90000"/>
+              </a:lnSpc>
+              <a:spcBef>
+                <a:spcPts val="500"/>
+              </a:spcBef>
+              <a:buFont typeface="Arial" panose="020B0604020202020204" pitchFamily="34" charset="0"/>
+              <a:buChar char="•"/>
+              <a:defRPr sz="2000" kern="1200">
+                <a:solidFill>
+                  <a:schemeClr val="tx1"/>
+                </a:solidFill>
+                <a:latin typeface="+mn-lt"/>
+                <a:ea typeface="+mn-ea"/>
+                <a:cs typeface="+mn-cs"/>
+              </a:defRPr>
+            </a:lvl3pPr>
+            <a:lvl4pPr marL="1600200" indent="-228600" algn="l" defTabSz="914400" rtl="0" eaLnBrk="1" latinLnBrk="0" hangingPunct="1">
+              <a:lnSpc>
+                <a:spcPct val="90000"/>
+              </a:lnSpc>
+              <a:spcBef>
+                <a:spcPts val="500"/>
+              </a:spcBef>
+              <a:buFont typeface="Arial" panose="020B0604020202020204" pitchFamily="34" charset="0"/>
+              <a:buChar char="•"/>
+              <a:defRPr sz="1800" kern="1200">
+                <a:solidFill>
+                  <a:schemeClr val="tx1"/>
+                </a:solidFill>
+                <a:latin typeface="+mn-lt"/>
+                <a:ea typeface="+mn-ea"/>
+                <a:cs typeface="+mn-cs"/>
+              </a:defRPr>
+            </a:lvl4pPr>
+            <a:lvl5pPr marL="2057400" indent="-228600" algn="l" defTabSz="914400" rtl="0" eaLnBrk="1" latinLnBrk="0" hangingPunct="1">
+              <a:lnSpc>
+                <a:spcPct val="90000"/>
+              </a:lnSpc>
+              <a:spcBef>
+                <a:spcPts val="500"/>
+              </a:spcBef>
+              <a:buFont typeface="Arial" panose="020B0604020202020204" pitchFamily="34" charset="0"/>
+              <a:buChar char="•"/>
+              <a:defRPr sz="1800" kern="1200">
+                <a:solidFill>
+                  <a:schemeClr val="tx1"/>
+                </a:solidFill>
+                <a:latin typeface="+mn-lt"/>
+                <a:ea typeface="+mn-ea"/>
+                <a:cs typeface="+mn-cs"/>
+              </a:defRPr>
+            </a:lvl5pPr>
+            <a:lvl6pPr marL="2514600" indent="-228600" algn="l" defTabSz="914400" rtl="0" eaLnBrk="1" latinLnBrk="0" hangingPunct="1">
+              <a:lnSpc>
+                <a:spcPct val="90000"/>
+              </a:lnSpc>
+              <a:spcBef>
+                <a:spcPts val="500"/>
+              </a:spcBef>
+              <a:buFont typeface="Arial" panose="020B0604020202020204" pitchFamily="34" charset="0"/>
+              <a:buChar char="•"/>
+              <a:defRPr sz="1800" kern="1200">
+                <a:solidFill>
+                  <a:schemeClr val="tx1"/>
+                </a:solidFill>
+                <a:latin typeface="+mn-lt"/>
+                <a:ea typeface="+mn-ea"/>
+                <a:cs typeface="+mn-cs"/>
+              </a:defRPr>
+            </a:lvl6pPr>
+            <a:lvl7pPr marL="2971800" indent="-228600" algn="l" defTabSz="914400" rtl="0" eaLnBrk="1" latinLnBrk="0" hangingPunct="1">
+              <a:lnSpc>
+                <a:spcPct val="90000"/>
+              </a:lnSpc>
+              <a:spcBef>
+                <a:spcPts val="500"/>
+              </a:spcBef>
+              <a:buFont typeface="Arial" panose="020B0604020202020204" pitchFamily="34" charset="0"/>
+              <a:buChar char="•"/>
+              <a:defRPr sz="1800" kern="1200">
+                <a:solidFill>
+                  <a:schemeClr val="tx1"/>
+                </a:solidFill>
+                <a:latin typeface="+mn-lt"/>
+                <a:ea typeface="+mn-ea"/>
+                <a:cs typeface="+mn-cs"/>
+              </a:defRPr>
+            </a:lvl7pPr>
+            <a:lvl8pPr marL="3429000" indent="-228600" algn="l" defTabSz="914400" rtl="0" eaLnBrk="1" latinLnBrk="0" hangingPunct="1">
+              <a:lnSpc>
+                <a:spcPct val="90000"/>
+              </a:lnSpc>
+              <a:spcBef>
+                <a:spcPts val="500"/>
+              </a:spcBef>
+              <a:buFont typeface="Arial" panose="020B0604020202020204" pitchFamily="34" charset="0"/>
+              <a:buChar char="•"/>
+              <a:defRPr sz="1800" kern="1200">
+                <a:solidFill>
+                  <a:schemeClr val="tx1"/>
+                </a:solidFill>
+                <a:latin typeface="+mn-lt"/>
+                <a:ea typeface="+mn-ea"/>
+                <a:cs typeface="+mn-cs"/>
+              </a:defRPr>
+            </a:lvl8pPr>
+            <a:lvl9pPr marL="3886200" indent="-228600" algn="l" defTabSz="914400" rtl="0" eaLnBrk="1" latinLnBrk="0" hangingPunct="1">
+              <a:lnSpc>
+                <a:spcPct val="90000"/>
+              </a:lnSpc>
+              <a:spcBef>
+                <a:spcPts val="500"/>
+              </a:spcBef>
+              <a:buFont typeface="Arial" panose="020B0604020202020204" pitchFamily="34" charset="0"/>
+              <a:buChar char="•"/>
+              <a:defRPr sz="1800" kern="1200">
+                <a:solidFill>
+                  <a:schemeClr val="tx1"/>
+                </a:solidFill>
+                <a:latin typeface="+mn-lt"/>
+                <a:ea typeface="+mn-ea"/>
+                <a:cs typeface="+mn-cs"/>
+              </a:defRPr>
+            </a:lvl9pPr>
+          </a:lstStyle>
+          <a:p>
+            <a:pPr marL="0" indent="0" algn="ctr">
+              <a:buFont typeface="Arial" panose="020B0604020202020204" pitchFamily="34" charset="0"/>
+              <a:buNone/>
+            </a:pPr>
+            <a:r>
+              <a:rPr lang="en-US" sz="2000" b="1" dirty="0">
+                <a:solidFill>
+                  <a:srgbClr val="993300"/>
+                </a:solidFill>
+              </a:rPr>
+              <a:t>Example of Tasks:</a:t>
+            </a:r>
+          </a:p>
+          <a:p>
+            <a:pPr marL="0" indent="0" algn="ctr">
+              <a:buFont typeface="Arial" panose="020B0604020202020204" pitchFamily="34" charset="0"/>
+              <a:buNone/>
+            </a:pPr>
+            <a:endParaRPr lang="en-US" sz="1900" dirty="0"/>
+          </a:p>
+          <a:p>
+            <a:pPr marL="0" indent="0" algn="ctr">
+              <a:buNone/>
+            </a:pPr>
+            <a:r>
+              <a:rPr lang="en-US" sz="2000" dirty="0"/>
+              <a:t>Search offers in a certain street</a:t>
+            </a:r>
+          </a:p>
+          <a:p>
+            <a:pPr marL="0" indent="0" algn="ctr">
+              <a:buNone/>
+            </a:pPr>
+            <a:r>
+              <a:rPr lang="en-US" sz="2000" dirty="0"/>
+              <a:t>Order the offers by price</a:t>
+            </a:r>
+          </a:p>
+          <a:p>
+            <a:pPr marL="0" indent="0" algn="ctr">
+              <a:buNone/>
+            </a:pPr>
+            <a:r>
+              <a:rPr lang="en-US" sz="2000" dirty="0"/>
+              <a:t>Send CV to seller</a:t>
+            </a:r>
+          </a:p>
+          <a:p>
+            <a:pPr marL="0" indent="0" algn="ctr">
+              <a:buFont typeface="Arial" panose="020B0604020202020204" pitchFamily="34" charset="0"/>
+              <a:buNone/>
+            </a:pPr>
+            <a:endParaRPr lang="en-US" sz="2000" dirty="0">
+              <a:solidFill>
+                <a:srgbClr val="993300"/>
+              </a:solidFill>
+            </a:endParaRPr>
+          </a:p>
+        </p:txBody>
+      </p:sp>
+      <p:cxnSp>
+        <p:nvCxnSpPr>
+          <p:cNvPr id="3" name="Straight Arrow Connector 2">
+            <a:extLst>
+              <a:ext uri="{FF2B5EF4-FFF2-40B4-BE49-F238E27FC236}">
+                <a16:creationId xmlns:a16="http://schemas.microsoft.com/office/drawing/2014/main" id="{92B52C55-9B56-3C29-C41F-1591909785C0}"/>
+              </a:ext>
+            </a:extLst>
+          </p:cNvPr>
+          <p:cNvCxnSpPr>
+            <a:cxnSpLocks/>
+          </p:cNvCxnSpPr>
+          <p:nvPr/>
+        </p:nvCxnSpPr>
+        <p:spPr>
+          <a:xfrm>
+            <a:off x="5758543" y="4049486"/>
+            <a:ext cx="1284514" cy="0"/>
+          </a:xfrm>
+          <a:prstGeom prst="straightConnector1">
+            <a:avLst/>
+          </a:prstGeom>
+          <a:ln w="38100">
+            <a:solidFill>
+              <a:srgbClr val="993300"/>
+            </a:solidFill>
+            <a:tailEnd type="triangle"/>
+          </a:ln>
+        </p:spPr>
+        <p:style>
+          <a:lnRef idx="1">
+            <a:schemeClr val="accent1"/>
+          </a:lnRef>
+          <a:fillRef idx="0">
+            <a:schemeClr val="accent1"/>
+          </a:fillRef>
+          <a:effectRef idx="0">
+            <a:schemeClr val="accent1"/>
+          </a:effectRef>
+          <a:fontRef idx="minor">
+            <a:schemeClr val="tx1"/>
+          </a:fontRef>
+        </p:style>
+      </p:cxnSp>
     </p:spTree>
     <p:extLst>
       <p:ext uri="{BB962C8B-B14F-4D97-AF65-F5344CB8AC3E}">
-        <p14:creationId xmlns:p14="http://schemas.microsoft.com/office/powerpoint/2010/main" val="2720204355"/>
+        <p14:creationId xmlns:p14="http://schemas.microsoft.com/office/powerpoint/2010/main" val="1941788761"/>
       </p:ext>
     </p:extLst>
   </p:cSld>
@@ -16531,18 +16833,18 @@
 </file>
 
 <file path=customXml/item1.xml><?xml version="1.0" encoding="utf-8"?>
+<p:properties xmlns:p="http://schemas.microsoft.com/office/2006/metadata/properties" xmlns:xsi="http://www.w3.org/2001/XMLSchema-instance" xmlns:pc="http://schemas.microsoft.com/office/infopath/2007/PartnerControls">
+  <documentManagement/>
+</p:properties>
+</file>
+
+<file path=customXml/item2.xml><?xml version="1.0" encoding="utf-8"?>
 <?mso-contentType ?>
 <FormTemplates xmlns="http://schemas.microsoft.com/sharepoint/v3/contenttype/forms">
   <Display>DocumentLibraryForm</Display>
   <Edit>DocumentLibraryForm</Edit>
   <New>DocumentLibraryForm</New>
 </FormTemplates>
-</file>
-
-<file path=customXml/item2.xml><?xml version="1.0" encoding="utf-8"?>
-<p:properties xmlns:p="http://schemas.microsoft.com/office/2006/metadata/properties" xmlns:xsi="http://www.w3.org/2001/XMLSchema-instance" xmlns:pc="http://schemas.microsoft.com/office/infopath/2007/PartnerControls">
-  <documentManagement/>
-</p:properties>
 </file>
 
 <file path=customXml/item3.xml><?xml version="1.0" encoding="utf-8"?>
@@ -16678,14 +16980,6 @@
 </file>
 
 <file path=customXml/itemProps1.xml><?xml version="1.0" encoding="utf-8"?>
-<ds:datastoreItem xmlns:ds="http://schemas.openxmlformats.org/officeDocument/2006/customXml" ds:itemID="{76EE102A-C587-47D4-980D-6EF803504572}">
-  <ds:schemaRefs>
-    <ds:schemaRef ds:uri="http://schemas.microsoft.com/sharepoint/v3/contenttype/forms"/>
-  </ds:schemaRefs>
-</ds:datastoreItem>
-</file>
-
-<file path=customXml/itemProps2.xml><?xml version="1.0" encoding="utf-8"?>
 <ds:datastoreItem xmlns:ds="http://schemas.openxmlformats.org/officeDocument/2006/customXml" ds:itemID="{05E380B0-3793-4519-A034-114F335A5299}">
   <ds:schemaRefs>
     <ds:schemaRef ds:uri="http://purl.org/dc/terms/"/>
@@ -16697,6 +16991,14 @@
     <ds:schemaRef ds:uri="http://schemas.openxmlformats.org/package/2006/metadata/core-properties"/>
     <ds:schemaRef ds:uri="a47fcd35-67e3-4b66-9352-8d0db098ec50"/>
     <ds:schemaRef ds:uri="http://www.w3.org/XML/1998/namespace"/>
+  </ds:schemaRefs>
+</ds:datastoreItem>
+</file>
+
+<file path=customXml/itemProps2.xml><?xml version="1.0" encoding="utf-8"?>
+<ds:datastoreItem xmlns:ds="http://schemas.openxmlformats.org/officeDocument/2006/customXml" ds:itemID="{76EE102A-C587-47D4-980D-6EF803504572}">
+  <ds:schemaRefs>
+    <ds:schemaRef ds:uri="http://schemas.microsoft.com/sharepoint/v3/contenttype/forms"/>
   </ds:schemaRefs>
 </ds:datastoreItem>
 </file>

--- a/IPC.pptx
+++ b/IPC.pptx
@@ -5,20 +5,19 @@
     <p:sldMasterId id="2147483648" r:id="rId4"/>
   </p:sldMasterIdLst>
   <p:notesMasterIdLst>
-    <p:notesMasterId r:id="rId16"/>
+    <p:notesMasterId r:id="rId15"/>
   </p:notesMasterIdLst>
   <p:sldIdLst>
     <p:sldId id="256" r:id="rId5"/>
     <p:sldId id="257" r:id="rId6"/>
     <p:sldId id="288" r:id="rId7"/>
-    <p:sldId id="297" r:id="rId8"/>
-    <p:sldId id="290" r:id="rId9"/>
+    <p:sldId id="290" r:id="rId8"/>
+    <p:sldId id="297" r:id="rId9"/>
     <p:sldId id="292" r:id="rId10"/>
     <p:sldId id="293" r:id="rId11"/>
     <p:sldId id="296" r:id="rId12"/>
     <p:sldId id="295" r:id="rId13"/>
     <p:sldId id="294" r:id="rId14"/>
-    <p:sldId id="291" r:id="rId15"/>
   </p:sldIdLst>
   <p:sldSz cx="12192000" cy="6858000"/>
   <p:notesSz cx="6858000" cy="9144000"/>
@@ -207,7 +206,7 @@
           <a:p>
             <a:fld id="{4F6590E9-5A00-4A04-B416-3F52BBF3A723}" type="datetimeFigureOut">
               <a:rPr lang="en-GB" smtClean="0"/>
-              <a:t>12/10/2022</a:t>
+              <a:t>13/10/2022</a:t>
             </a:fld>
             <a:endParaRPr lang="en-GB"/>
           </a:p>
@@ -1042,7 +1041,7 @@
           <a:p>
             <a:fld id="{6422C9F5-CE6F-4BEE-84C2-81E4985345AA}" type="datetimeFigureOut">
               <a:rPr lang="en-US" smtClean="0"/>
-              <a:t>10/12/2022</a:t>
+              <a:t>10/13/2022</a:t>
             </a:fld>
             <a:endParaRPr lang="en-US"/>
           </a:p>
@@ -1240,7 +1239,7 @@
           <a:p>
             <a:fld id="{6422C9F5-CE6F-4BEE-84C2-81E4985345AA}" type="datetimeFigureOut">
               <a:rPr lang="en-US" smtClean="0"/>
-              <a:t>10/12/2022</a:t>
+              <a:t>10/13/2022</a:t>
             </a:fld>
             <a:endParaRPr lang="en-US"/>
           </a:p>
@@ -1448,7 +1447,7 @@
           <a:p>
             <a:fld id="{6422C9F5-CE6F-4BEE-84C2-81E4985345AA}" type="datetimeFigureOut">
               <a:rPr lang="en-US" smtClean="0"/>
-              <a:t>10/12/2022</a:t>
+              <a:t>10/13/2022</a:t>
             </a:fld>
             <a:endParaRPr lang="en-US"/>
           </a:p>
@@ -1646,7 +1645,7 @@
           <a:p>
             <a:fld id="{6422C9F5-CE6F-4BEE-84C2-81E4985345AA}" type="datetimeFigureOut">
               <a:rPr lang="en-US" smtClean="0"/>
-              <a:t>10/12/2022</a:t>
+              <a:t>10/13/2022</a:t>
             </a:fld>
             <a:endParaRPr lang="en-US"/>
           </a:p>
@@ -1921,7 +1920,7 @@
           <a:p>
             <a:fld id="{6422C9F5-CE6F-4BEE-84C2-81E4985345AA}" type="datetimeFigureOut">
               <a:rPr lang="en-US" smtClean="0"/>
-              <a:t>10/12/2022</a:t>
+              <a:t>10/13/2022</a:t>
             </a:fld>
             <a:endParaRPr lang="en-US"/>
           </a:p>
@@ -2186,7 +2185,7 @@
           <a:p>
             <a:fld id="{6422C9F5-CE6F-4BEE-84C2-81E4985345AA}" type="datetimeFigureOut">
               <a:rPr lang="en-US" smtClean="0"/>
-              <a:t>10/12/2022</a:t>
+              <a:t>10/13/2022</a:t>
             </a:fld>
             <a:endParaRPr lang="en-US"/>
           </a:p>
@@ -2598,7 +2597,7 @@
           <a:p>
             <a:fld id="{6422C9F5-CE6F-4BEE-84C2-81E4985345AA}" type="datetimeFigureOut">
               <a:rPr lang="en-US" smtClean="0"/>
-              <a:t>10/12/2022</a:t>
+              <a:t>10/13/2022</a:t>
             </a:fld>
             <a:endParaRPr lang="en-US"/>
           </a:p>
@@ -2739,7 +2738,7 @@
           <a:p>
             <a:fld id="{6422C9F5-CE6F-4BEE-84C2-81E4985345AA}" type="datetimeFigureOut">
               <a:rPr lang="en-US" smtClean="0"/>
-              <a:t>10/12/2022</a:t>
+              <a:t>10/13/2022</a:t>
             </a:fld>
             <a:endParaRPr lang="en-US"/>
           </a:p>
@@ -2852,7 +2851,7 @@
           <a:p>
             <a:fld id="{6422C9F5-CE6F-4BEE-84C2-81E4985345AA}" type="datetimeFigureOut">
               <a:rPr lang="en-US" smtClean="0"/>
-              <a:t>10/12/2022</a:t>
+              <a:t>10/13/2022</a:t>
             </a:fld>
             <a:endParaRPr lang="en-US"/>
           </a:p>
@@ -3163,7 +3162,7 @@
           <a:p>
             <a:fld id="{6422C9F5-CE6F-4BEE-84C2-81E4985345AA}" type="datetimeFigureOut">
               <a:rPr lang="en-US" smtClean="0"/>
-              <a:t>10/12/2022</a:t>
+              <a:t>10/13/2022</a:t>
             </a:fld>
             <a:endParaRPr lang="en-US"/>
           </a:p>
@@ -3451,7 +3450,7 @@
           <a:p>
             <a:fld id="{6422C9F5-CE6F-4BEE-84C2-81E4985345AA}" type="datetimeFigureOut">
               <a:rPr lang="en-US" smtClean="0"/>
-              <a:t>10/12/2022</a:t>
+              <a:t>10/13/2022</a:t>
             </a:fld>
             <a:endParaRPr lang="en-US"/>
           </a:p>
@@ -3692,7 +3691,7 @@
           <a:p>
             <a:fld id="{6422C9F5-CE6F-4BEE-84C2-81E4985345AA}" type="datetimeFigureOut">
               <a:rPr lang="en-US" smtClean="0"/>
-              <a:t>10/12/2022</a:t>
+              <a:t>10/13/2022</a:t>
             </a:fld>
             <a:endParaRPr lang="en-US"/>
           </a:p>
@@ -5163,1791 +5162,6 @@
 </p:sld>
 </file>
 
-<file path=ppt/slides/slide11.xml><?xml version="1.0" encoding="utf-8"?>
-<p:sld xmlns:a="http://schemas.openxmlformats.org/drawingml/2006/main" xmlns:r="http://schemas.openxmlformats.org/officeDocument/2006/relationships" xmlns:p="http://schemas.openxmlformats.org/presentationml/2006/main">
-  <p:cSld>
-    <p:spTree>
-      <p:nvGrpSpPr>
-        <p:cNvPr id="1" name=""/>
-        <p:cNvGrpSpPr/>
-        <p:nvPr/>
-      </p:nvGrpSpPr>
-      <p:grpSpPr>
-        <a:xfrm>
-          <a:off x="0" y="0"/>
-          <a:ext cx="0" cy="0"/>
-          <a:chOff x="0" y="0"/>
-          <a:chExt cx="0" cy="0"/>
-        </a:xfrm>
-      </p:grpSpPr>
-      <p:pic>
-        <p:nvPicPr>
-          <p:cNvPr id="5" name="Picture 4" descr="A picture containing text, clipart&#10;&#10;Description automatically generated">
-            <a:extLst>
-              <a:ext uri="{FF2B5EF4-FFF2-40B4-BE49-F238E27FC236}">
-                <a16:creationId xmlns:a16="http://schemas.microsoft.com/office/drawing/2014/main" id="{AEEF4F80-6182-437F-8FB9-E546318E1786}"/>
-              </a:ext>
-            </a:extLst>
-          </p:cNvPr>
-          <p:cNvPicPr>
-            <a:picLocks noChangeAspect="1"/>
-          </p:cNvPicPr>
-          <p:nvPr/>
-        </p:nvPicPr>
-        <p:blipFill>
-          <a:blip r:embed="rId2">
-            <a:extLst>
-              <a:ext uri="{28A0092B-C50C-407E-A947-70E740481C1C}">
-                <a14:useLocalDpi xmlns:a14="http://schemas.microsoft.com/office/drawing/2010/main" val="0"/>
-              </a:ext>
-            </a:extLst>
-          </a:blip>
-          <a:stretch>
-            <a:fillRect/>
-          </a:stretch>
-        </p:blipFill>
-        <p:spPr>
-          <a:xfrm>
-            <a:off x="8248817" y="327168"/>
-            <a:ext cx="3640043" cy="1401476"/>
-          </a:xfrm>
-          <a:prstGeom prst="rect">
-            <a:avLst/>
-          </a:prstGeom>
-        </p:spPr>
-      </p:pic>
-      <p:sp>
-        <p:nvSpPr>
-          <p:cNvPr id="6" name="Title 1">
-            <a:extLst>
-              <a:ext uri="{FF2B5EF4-FFF2-40B4-BE49-F238E27FC236}">
-                <a16:creationId xmlns:a16="http://schemas.microsoft.com/office/drawing/2014/main" id="{67EAB101-CB65-4E80-9086-38AF17265C5D}"/>
-              </a:ext>
-            </a:extLst>
-          </p:cNvPr>
-          <p:cNvSpPr txBox="1">
-            <a:spLocks/>
-          </p:cNvSpPr>
-          <p:nvPr/>
-        </p:nvSpPr>
-        <p:spPr>
-          <a:xfrm>
-            <a:off x="704851" y="570706"/>
-            <a:ext cx="7219949" cy="914399"/>
-          </a:xfrm>
-          <a:prstGeom prst="rect">
-            <a:avLst/>
-          </a:prstGeom>
-        </p:spPr>
-        <p:txBody>
-          <a:bodyPr vert="horz" lIns="91440" tIns="45720" rIns="91440" bIns="45720" rtlCol="0" anchor="ctr">
-            <a:normAutofit/>
-          </a:bodyPr>
-          <a:lstStyle>
-            <a:lvl1pPr algn="l" defTabSz="914400" rtl="0" eaLnBrk="1" latinLnBrk="0" hangingPunct="1">
-              <a:lnSpc>
-                <a:spcPct val="90000"/>
-              </a:lnSpc>
-              <a:spcBef>
-                <a:spcPct val="0"/>
-              </a:spcBef>
-              <a:buNone/>
-              <a:defRPr sz="4400" kern="1200">
-                <a:solidFill>
-                  <a:schemeClr val="tx1"/>
-                </a:solidFill>
-                <a:latin typeface="+mj-lt"/>
-                <a:ea typeface="+mj-ea"/>
-                <a:cs typeface="+mj-cs"/>
-              </a:defRPr>
-            </a:lvl1pPr>
-          </a:lstStyle>
-          <a:p>
-            <a:r>
-              <a:rPr lang="en-US" b="1" dirty="0"/>
-              <a:t>Related Services</a:t>
-            </a:r>
-          </a:p>
-        </p:txBody>
-      </p:sp>
-      <p:sp>
-        <p:nvSpPr>
-          <p:cNvPr id="4" name="Content Placeholder 2">
-            <a:extLst>
-              <a:ext uri="{FF2B5EF4-FFF2-40B4-BE49-F238E27FC236}">
-                <a16:creationId xmlns:a16="http://schemas.microsoft.com/office/drawing/2014/main" id="{4972AFF4-B587-DDE3-55AB-37549D03AEA0}"/>
-              </a:ext>
-            </a:extLst>
-          </p:cNvPr>
-          <p:cNvSpPr txBox="1">
-            <a:spLocks/>
-          </p:cNvSpPr>
-          <p:nvPr/>
-        </p:nvSpPr>
-        <p:spPr>
-          <a:xfrm>
-            <a:off x="4620407" y="835532"/>
-            <a:ext cx="2350583" cy="384745"/>
-          </a:xfrm>
-          <a:prstGeom prst="rect">
-            <a:avLst/>
-          </a:prstGeom>
-        </p:spPr>
-        <p:txBody>
-          <a:bodyPr vert="horz" lIns="91440" tIns="45720" rIns="91440" bIns="45720" rtlCol="0">
-            <a:normAutofit/>
-          </a:bodyPr>
-          <a:lstStyle>
-            <a:lvl1pPr marL="228600" indent="-228600" algn="l" defTabSz="914400" rtl="0" eaLnBrk="1" latinLnBrk="0" hangingPunct="1">
-              <a:lnSpc>
-                <a:spcPct val="90000"/>
-              </a:lnSpc>
-              <a:spcBef>
-                <a:spcPts val="1000"/>
-              </a:spcBef>
-              <a:buFont typeface="Arial" panose="020B0604020202020204" pitchFamily="34" charset="0"/>
-              <a:buChar char="•"/>
-              <a:defRPr sz="2800" kern="1200">
-                <a:solidFill>
-                  <a:schemeClr val="tx1"/>
-                </a:solidFill>
-                <a:latin typeface="+mn-lt"/>
-                <a:ea typeface="+mn-ea"/>
-                <a:cs typeface="+mn-cs"/>
-              </a:defRPr>
-            </a:lvl1pPr>
-            <a:lvl2pPr marL="685800" indent="-228600" algn="l" defTabSz="914400" rtl="0" eaLnBrk="1" latinLnBrk="0" hangingPunct="1">
-              <a:lnSpc>
-                <a:spcPct val="90000"/>
-              </a:lnSpc>
-              <a:spcBef>
-                <a:spcPts val="500"/>
-              </a:spcBef>
-              <a:buFont typeface="Arial" panose="020B0604020202020204" pitchFamily="34" charset="0"/>
-              <a:buChar char="•"/>
-              <a:defRPr sz="2400" kern="1200">
-                <a:solidFill>
-                  <a:schemeClr val="tx1"/>
-                </a:solidFill>
-                <a:latin typeface="+mn-lt"/>
-                <a:ea typeface="+mn-ea"/>
-                <a:cs typeface="+mn-cs"/>
-              </a:defRPr>
-            </a:lvl2pPr>
-            <a:lvl3pPr marL="1143000" indent="-228600" algn="l" defTabSz="914400" rtl="0" eaLnBrk="1" latinLnBrk="0" hangingPunct="1">
-              <a:lnSpc>
-                <a:spcPct val="90000"/>
-              </a:lnSpc>
-              <a:spcBef>
-                <a:spcPts val="500"/>
-              </a:spcBef>
-              <a:buFont typeface="Arial" panose="020B0604020202020204" pitchFamily="34" charset="0"/>
-              <a:buChar char="•"/>
-              <a:defRPr sz="2000" kern="1200">
-                <a:solidFill>
-                  <a:schemeClr val="tx1"/>
-                </a:solidFill>
-                <a:latin typeface="+mn-lt"/>
-                <a:ea typeface="+mn-ea"/>
-                <a:cs typeface="+mn-cs"/>
-              </a:defRPr>
-            </a:lvl3pPr>
-            <a:lvl4pPr marL="1600200" indent="-228600" algn="l" defTabSz="914400" rtl="0" eaLnBrk="1" latinLnBrk="0" hangingPunct="1">
-              <a:lnSpc>
-                <a:spcPct val="90000"/>
-              </a:lnSpc>
-              <a:spcBef>
-                <a:spcPts val="500"/>
-              </a:spcBef>
-              <a:buFont typeface="Arial" panose="020B0604020202020204" pitchFamily="34" charset="0"/>
-              <a:buChar char="•"/>
-              <a:defRPr sz="1800" kern="1200">
-                <a:solidFill>
-                  <a:schemeClr val="tx1"/>
-                </a:solidFill>
-                <a:latin typeface="+mn-lt"/>
-                <a:ea typeface="+mn-ea"/>
-                <a:cs typeface="+mn-cs"/>
-              </a:defRPr>
-            </a:lvl4pPr>
-            <a:lvl5pPr marL="2057400" indent="-228600" algn="l" defTabSz="914400" rtl="0" eaLnBrk="1" latinLnBrk="0" hangingPunct="1">
-              <a:lnSpc>
-                <a:spcPct val="90000"/>
-              </a:lnSpc>
-              <a:spcBef>
-                <a:spcPts val="500"/>
-              </a:spcBef>
-              <a:buFont typeface="Arial" panose="020B0604020202020204" pitchFamily="34" charset="0"/>
-              <a:buChar char="•"/>
-              <a:defRPr sz="1800" kern="1200">
-                <a:solidFill>
-                  <a:schemeClr val="tx1"/>
-                </a:solidFill>
-                <a:latin typeface="+mn-lt"/>
-                <a:ea typeface="+mn-ea"/>
-                <a:cs typeface="+mn-cs"/>
-              </a:defRPr>
-            </a:lvl5pPr>
-            <a:lvl6pPr marL="2514600" indent="-228600" algn="l" defTabSz="914400" rtl="0" eaLnBrk="1" latinLnBrk="0" hangingPunct="1">
-              <a:lnSpc>
-                <a:spcPct val="90000"/>
-              </a:lnSpc>
-              <a:spcBef>
-                <a:spcPts val="500"/>
-              </a:spcBef>
-              <a:buFont typeface="Arial" panose="020B0604020202020204" pitchFamily="34" charset="0"/>
-              <a:buChar char="•"/>
-              <a:defRPr sz="1800" kern="1200">
-                <a:solidFill>
-                  <a:schemeClr val="tx1"/>
-                </a:solidFill>
-                <a:latin typeface="+mn-lt"/>
-                <a:ea typeface="+mn-ea"/>
-                <a:cs typeface="+mn-cs"/>
-              </a:defRPr>
-            </a:lvl6pPr>
-            <a:lvl7pPr marL="2971800" indent="-228600" algn="l" defTabSz="914400" rtl="0" eaLnBrk="1" latinLnBrk="0" hangingPunct="1">
-              <a:lnSpc>
-                <a:spcPct val="90000"/>
-              </a:lnSpc>
-              <a:spcBef>
-                <a:spcPts val="500"/>
-              </a:spcBef>
-              <a:buFont typeface="Arial" panose="020B0604020202020204" pitchFamily="34" charset="0"/>
-              <a:buChar char="•"/>
-              <a:defRPr sz="1800" kern="1200">
-                <a:solidFill>
-                  <a:schemeClr val="tx1"/>
-                </a:solidFill>
-                <a:latin typeface="+mn-lt"/>
-                <a:ea typeface="+mn-ea"/>
-                <a:cs typeface="+mn-cs"/>
-              </a:defRPr>
-            </a:lvl7pPr>
-            <a:lvl8pPr marL="3429000" indent="-228600" algn="l" defTabSz="914400" rtl="0" eaLnBrk="1" latinLnBrk="0" hangingPunct="1">
-              <a:lnSpc>
-                <a:spcPct val="90000"/>
-              </a:lnSpc>
-              <a:spcBef>
-                <a:spcPts val="500"/>
-              </a:spcBef>
-              <a:buFont typeface="Arial" panose="020B0604020202020204" pitchFamily="34" charset="0"/>
-              <a:buChar char="•"/>
-              <a:defRPr sz="1800" kern="1200">
-                <a:solidFill>
-                  <a:schemeClr val="tx1"/>
-                </a:solidFill>
-                <a:latin typeface="+mn-lt"/>
-                <a:ea typeface="+mn-ea"/>
-                <a:cs typeface="+mn-cs"/>
-              </a:defRPr>
-            </a:lvl8pPr>
-            <a:lvl9pPr marL="3886200" indent="-228600" algn="l" defTabSz="914400" rtl="0" eaLnBrk="1" latinLnBrk="0" hangingPunct="1">
-              <a:lnSpc>
-                <a:spcPct val="90000"/>
-              </a:lnSpc>
-              <a:spcBef>
-                <a:spcPts val="500"/>
-              </a:spcBef>
-              <a:buFont typeface="Arial" panose="020B0604020202020204" pitchFamily="34" charset="0"/>
-              <a:buChar char="•"/>
-              <a:defRPr sz="1800" kern="1200">
-                <a:solidFill>
-                  <a:schemeClr val="tx1"/>
-                </a:solidFill>
-                <a:latin typeface="+mn-lt"/>
-                <a:ea typeface="+mn-ea"/>
-                <a:cs typeface="+mn-cs"/>
-              </a:defRPr>
-            </a:lvl9pPr>
-          </a:lstStyle>
-          <a:p>
-            <a:pPr marL="0" indent="0">
-              <a:buFont typeface="Arial" panose="020B0604020202020204" pitchFamily="34" charset="0"/>
-              <a:buNone/>
-            </a:pPr>
-            <a:r>
-              <a:rPr lang="en-US" sz="2000" dirty="0"/>
-              <a:t>(from questionnaire)</a:t>
-            </a:r>
-          </a:p>
-        </p:txBody>
-      </p:sp>
-      <p:pic>
-        <p:nvPicPr>
-          <p:cNvPr id="3" name="Picture 2">
-            <a:extLst>
-              <a:ext uri="{FF2B5EF4-FFF2-40B4-BE49-F238E27FC236}">
-                <a16:creationId xmlns:a16="http://schemas.microsoft.com/office/drawing/2014/main" id="{6CFB68E4-11CF-21C8-7084-BF86C566315D}"/>
-              </a:ext>
-            </a:extLst>
-          </p:cNvPr>
-          <p:cNvPicPr>
-            <a:picLocks noChangeAspect="1"/>
-          </p:cNvPicPr>
-          <p:nvPr/>
-        </p:nvPicPr>
-        <p:blipFill rotWithShape="1">
-          <a:blip r:embed="rId3"/>
-          <a:srcRect l="1676" t="1213" r="1" b="1495"/>
-          <a:stretch/>
-        </p:blipFill>
-        <p:spPr>
-          <a:xfrm>
-            <a:off x="553258" y="1579168"/>
-            <a:ext cx="2313201" cy="4965171"/>
-          </a:xfrm>
-          <a:prstGeom prst="rect">
-            <a:avLst/>
-          </a:prstGeom>
-          <a:ln w="12700">
-            <a:solidFill>
-              <a:schemeClr val="tx1"/>
-            </a:solidFill>
-          </a:ln>
-        </p:spPr>
-      </p:pic>
-      <p:sp>
-        <p:nvSpPr>
-          <p:cNvPr id="7" name="Content Placeholder 2">
-            <a:extLst>
-              <a:ext uri="{FF2B5EF4-FFF2-40B4-BE49-F238E27FC236}">
-                <a16:creationId xmlns:a16="http://schemas.microsoft.com/office/drawing/2014/main" id="{2CFD5082-5624-1646-8234-C6A837CB3A2B}"/>
-              </a:ext>
-            </a:extLst>
-          </p:cNvPr>
-          <p:cNvSpPr txBox="1">
-            <a:spLocks/>
-          </p:cNvSpPr>
-          <p:nvPr/>
-        </p:nvSpPr>
-        <p:spPr>
-          <a:xfrm>
-            <a:off x="3998576" y="2148159"/>
-            <a:ext cx="1537616" cy="384745"/>
-          </a:xfrm>
-          <a:prstGeom prst="rect">
-            <a:avLst/>
-          </a:prstGeom>
-        </p:spPr>
-        <p:txBody>
-          <a:bodyPr vert="horz" lIns="91440" tIns="45720" rIns="91440" bIns="45720" rtlCol="0">
-            <a:normAutofit/>
-          </a:bodyPr>
-          <a:lstStyle>
-            <a:lvl1pPr marL="228600" indent="-228600" algn="l" defTabSz="914400" rtl="0" eaLnBrk="1" latinLnBrk="0" hangingPunct="1">
-              <a:lnSpc>
-                <a:spcPct val="90000"/>
-              </a:lnSpc>
-              <a:spcBef>
-                <a:spcPts val="1000"/>
-              </a:spcBef>
-              <a:buFont typeface="Arial" panose="020B0604020202020204" pitchFamily="34" charset="0"/>
-              <a:buChar char="•"/>
-              <a:defRPr sz="2800" kern="1200">
-                <a:solidFill>
-                  <a:schemeClr val="tx1"/>
-                </a:solidFill>
-                <a:latin typeface="+mn-lt"/>
-                <a:ea typeface="+mn-ea"/>
-                <a:cs typeface="+mn-cs"/>
-              </a:defRPr>
-            </a:lvl1pPr>
-            <a:lvl2pPr marL="685800" indent="-228600" algn="l" defTabSz="914400" rtl="0" eaLnBrk="1" latinLnBrk="0" hangingPunct="1">
-              <a:lnSpc>
-                <a:spcPct val="90000"/>
-              </a:lnSpc>
-              <a:spcBef>
-                <a:spcPts val="500"/>
-              </a:spcBef>
-              <a:buFont typeface="Arial" panose="020B0604020202020204" pitchFamily="34" charset="0"/>
-              <a:buChar char="•"/>
-              <a:defRPr sz="2400" kern="1200">
-                <a:solidFill>
-                  <a:schemeClr val="tx1"/>
-                </a:solidFill>
-                <a:latin typeface="+mn-lt"/>
-                <a:ea typeface="+mn-ea"/>
-                <a:cs typeface="+mn-cs"/>
-              </a:defRPr>
-            </a:lvl2pPr>
-            <a:lvl3pPr marL="1143000" indent="-228600" algn="l" defTabSz="914400" rtl="0" eaLnBrk="1" latinLnBrk="0" hangingPunct="1">
-              <a:lnSpc>
-                <a:spcPct val="90000"/>
-              </a:lnSpc>
-              <a:spcBef>
-                <a:spcPts val="500"/>
-              </a:spcBef>
-              <a:buFont typeface="Arial" panose="020B0604020202020204" pitchFamily="34" charset="0"/>
-              <a:buChar char="•"/>
-              <a:defRPr sz="2000" kern="1200">
-                <a:solidFill>
-                  <a:schemeClr val="tx1"/>
-                </a:solidFill>
-                <a:latin typeface="+mn-lt"/>
-                <a:ea typeface="+mn-ea"/>
-                <a:cs typeface="+mn-cs"/>
-              </a:defRPr>
-            </a:lvl3pPr>
-            <a:lvl4pPr marL="1600200" indent="-228600" algn="l" defTabSz="914400" rtl="0" eaLnBrk="1" latinLnBrk="0" hangingPunct="1">
-              <a:lnSpc>
-                <a:spcPct val="90000"/>
-              </a:lnSpc>
-              <a:spcBef>
-                <a:spcPts val="500"/>
-              </a:spcBef>
-              <a:buFont typeface="Arial" panose="020B0604020202020204" pitchFamily="34" charset="0"/>
-              <a:buChar char="•"/>
-              <a:defRPr sz="1800" kern="1200">
-                <a:solidFill>
-                  <a:schemeClr val="tx1"/>
-                </a:solidFill>
-                <a:latin typeface="+mn-lt"/>
-                <a:ea typeface="+mn-ea"/>
-                <a:cs typeface="+mn-cs"/>
-              </a:defRPr>
-            </a:lvl4pPr>
-            <a:lvl5pPr marL="2057400" indent="-228600" algn="l" defTabSz="914400" rtl="0" eaLnBrk="1" latinLnBrk="0" hangingPunct="1">
-              <a:lnSpc>
-                <a:spcPct val="90000"/>
-              </a:lnSpc>
-              <a:spcBef>
-                <a:spcPts val="500"/>
-              </a:spcBef>
-              <a:buFont typeface="Arial" panose="020B0604020202020204" pitchFamily="34" charset="0"/>
-              <a:buChar char="•"/>
-              <a:defRPr sz="1800" kern="1200">
-                <a:solidFill>
-                  <a:schemeClr val="tx1"/>
-                </a:solidFill>
-                <a:latin typeface="+mn-lt"/>
-                <a:ea typeface="+mn-ea"/>
-                <a:cs typeface="+mn-cs"/>
-              </a:defRPr>
-            </a:lvl5pPr>
-            <a:lvl6pPr marL="2514600" indent="-228600" algn="l" defTabSz="914400" rtl="0" eaLnBrk="1" latinLnBrk="0" hangingPunct="1">
-              <a:lnSpc>
-                <a:spcPct val="90000"/>
-              </a:lnSpc>
-              <a:spcBef>
-                <a:spcPts val="500"/>
-              </a:spcBef>
-              <a:buFont typeface="Arial" panose="020B0604020202020204" pitchFamily="34" charset="0"/>
-              <a:buChar char="•"/>
-              <a:defRPr sz="1800" kern="1200">
-                <a:solidFill>
-                  <a:schemeClr val="tx1"/>
-                </a:solidFill>
-                <a:latin typeface="+mn-lt"/>
-                <a:ea typeface="+mn-ea"/>
-                <a:cs typeface="+mn-cs"/>
-              </a:defRPr>
-            </a:lvl6pPr>
-            <a:lvl7pPr marL="2971800" indent="-228600" algn="l" defTabSz="914400" rtl="0" eaLnBrk="1" latinLnBrk="0" hangingPunct="1">
-              <a:lnSpc>
-                <a:spcPct val="90000"/>
-              </a:lnSpc>
-              <a:spcBef>
-                <a:spcPts val="500"/>
-              </a:spcBef>
-              <a:buFont typeface="Arial" panose="020B0604020202020204" pitchFamily="34" charset="0"/>
-              <a:buChar char="•"/>
-              <a:defRPr sz="1800" kern="1200">
-                <a:solidFill>
-                  <a:schemeClr val="tx1"/>
-                </a:solidFill>
-                <a:latin typeface="+mn-lt"/>
-                <a:ea typeface="+mn-ea"/>
-                <a:cs typeface="+mn-cs"/>
-              </a:defRPr>
-            </a:lvl7pPr>
-            <a:lvl8pPr marL="3429000" indent="-228600" algn="l" defTabSz="914400" rtl="0" eaLnBrk="1" latinLnBrk="0" hangingPunct="1">
-              <a:lnSpc>
-                <a:spcPct val="90000"/>
-              </a:lnSpc>
-              <a:spcBef>
-                <a:spcPts val="500"/>
-              </a:spcBef>
-              <a:buFont typeface="Arial" panose="020B0604020202020204" pitchFamily="34" charset="0"/>
-              <a:buChar char="•"/>
-              <a:defRPr sz="1800" kern="1200">
-                <a:solidFill>
-                  <a:schemeClr val="tx1"/>
-                </a:solidFill>
-                <a:latin typeface="+mn-lt"/>
-                <a:ea typeface="+mn-ea"/>
-                <a:cs typeface="+mn-cs"/>
-              </a:defRPr>
-            </a:lvl8pPr>
-            <a:lvl9pPr marL="3886200" indent="-228600" algn="l" defTabSz="914400" rtl="0" eaLnBrk="1" latinLnBrk="0" hangingPunct="1">
-              <a:lnSpc>
-                <a:spcPct val="90000"/>
-              </a:lnSpc>
-              <a:spcBef>
-                <a:spcPts val="500"/>
-              </a:spcBef>
-              <a:buFont typeface="Arial" panose="020B0604020202020204" pitchFamily="34" charset="0"/>
-              <a:buChar char="•"/>
-              <a:defRPr sz="1800" kern="1200">
-                <a:solidFill>
-                  <a:schemeClr val="tx1"/>
-                </a:solidFill>
-                <a:latin typeface="+mn-lt"/>
-                <a:ea typeface="+mn-ea"/>
-                <a:cs typeface="+mn-cs"/>
-              </a:defRPr>
-            </a:lvl9pPr>
-          </a:lstStyle>
-          <a:p>
-            <a:pPr marL="0" indent="0" algn="ctr">
-              <a:buFont typeface="Arial" panose="020B0604020202020204" pitchFamily="34" charset="0"/>
-              <a:buNone/>
-            </a:pPr>
-            <a:r>
-              <a:rPr lang="en-US" sz="2000" b="1" dirty="0"/>
-              <a:t>Browser app</a:t>
-            </a:r>
-          </a:p>
-        </p:txBody>
-      </p:sp>
-      <p:sp>
-        <p:nvSpPr>
-          <p:cNvPr id="8" name="Content Placeholder 2">
-            <a:extLst>
-              <a:ext uri="{FF2B5EF4-FFF2-40B4-BE49-F238E27FC236}">
-                <a16:creationId xmlns:a16="http://schemas.microsoft.com/office/drawing/2014/main" id="{99B69D3D-1334-17DB-1E4A-D0E669AE016E}"/>
-              </a:ext>
-            </a:extLst>
-          </p:cNvPr>
-          <p:cNvSpPr txBox="1">
-            <a:spLocks/>
-          </p:cNvSpPr>
-          <p:nvPr/>
-        </p:nvSpPr>
-        <p:spPr>
-          <a:xfrm>
-            <a:off x="3421124" y="3388331"/>
-            <a:ext cx="2708546" cy="384745"/>
-          </a:xfrm>
-          <a:prstGeom prst="rect">
-            <a:avLst/>
-          </a:prstGeom>
-        </p:spPr>
-        <p:txBody>
-          <a:bodyPr vert="horz" lIns="91440" tIns="45720" rIns="91440" bIns="45720" rtlCol="0">
-            <a:normAutofit fontScale="92500"/>
-          </a:bodyPr>
-          <a:lstStyle>
-            <a:lvl1pPr marL="228600" indent="-228600" algn="l" defTabSz="914400" rtl="0" eaLnBrk="1" latinLnBrk="0" hangingPunct="1">
-              <a:lnSpc>
-                <a:spcPct val="90000"/>
-              </a:lnSpc>
-              <a:spcBef>
-                <a:spcPts val="1000"/>
-              </a:spcBef>
-              <a:buFont typeface="Arial" panose="020B0604020202020204" pitchFamily="34" charset="0"/>
-              <a:buChar char="•"/>
-              <a:defRPr sz="2800" kern="1200">
-                <a:solidFill>
-                  <a:schemeClr val="tx1"/>
-                </a:solidFill>
-                <a:latin typeface="+mn-lt"/>
-                <a:ea typeface="+mn-ea"/>
-                <a:cs typeface="+mn-cs"/>
-              </a:defRPr>
-            </a:lvl1pPr>
-            <a:lvl2pPr marL="685800" indent="-228600" algn="l" defTabSz="914400" rtl="0" eaLnBrk="1" latinLnBrk="0" hangingPunct="1">
-              <a:lnSpc>
-                <a:spcPct val="90000"/>
-              </a:lnSpc>
-              <a:spcBef>
-                <a:spcPts val="500"/>
-              </a:spcBef>
-              <a:buFont typeface="Arial" panose="020B0604020202020204" pitchFamily="34" charset="0"/>
-              <a:buChar char="•"/>
-              <a:defRPr sz="2400" kern="1200">
-                <a:solidFill>
-                  <a:schemeClr val="tx1"/>
-                </a:solidFill>
-                <a:latin typeface="+mn-lt"/>
-                <a:ea typeface="+mn-ea"/>
-                <a:cs typeface="+mn-cs"/>
-              </a:defRPr>
-            </a:lvl2pPr>
-            <a:lvl3pPr marL="1143000" indent="-228600" algn="l" defTabSz="914400" rtl="0" eaLnBrk="1" latinLnBrk="0" hangingPunct="1">
-              <a:lnSpc>
-                <a:spcPct val="90000"/>
-              </a:lnSpc>
-              <a:spcBef>
-                <a:spcPts val="500"/>
-              </a:spcBef>
-              <a:buFont typeface="Arial" panose="020B0604020202020204" pitchFamily="34" charset="0"/>
-              <a:buChar char="•"/>
-              <a:defRPr sz="2000" kern="1200">
-                <a:solidFill>
-                  <a:schemeClr val="tx1"/>
-                </a:solidFill>
-                <a:latin typeface="+mn-lt"/>
-                <a:ea typeface="+mn-ea"/>
-                <a:cs typeface="+mn-cs"/>
-              </a:defRPr>
-            </a:lvl3pPr>
-            <a:lvl4pPr marL="1600200" indent="-228600" algn="l" defTabSz="914400" rtl="0" eaLnBrk="1" latinLnBrk="0" hangingPunct="1">
-              <a:lnSpc>
-                <a:spcPct val="90000"/>
-              </a:lnSpc>
-              <a:spcBef>
-                <a:spcPts val="500"/>
-              </a:spcBef>
-              <a:buFont typeface="Arial" panose="020B0604020202020204" pitchFamily="34" charset="0"/>
-              <a:buChar char="•"/>
-              <a:defRPr sz="1800" kern="1200">
-                <a:solidFill>
-                  <a:schemeClr val="tx1"/>
-                </a:solidFill>
-                <a:latin typeface="+mn-lt"/>
-                <a:ea typeface="+mn-ea"/>
-                <a:cs typeface="+mn-cs"/>
-              </a:defRPr>
-            </a:lvl4pPr>
-            <a:lvl5pPr marL="2057400" indent="-228600" algn="l" defTabSz="914400" rtl="0" eaLnBrk="1" latinLnBrk="0" hangingPunct="1">
-              <a:lnSpc>
-                <a:spcPct val="90000"/>
-              </a:lnSpc>
-              <a:spcBef>
-                <a:spcPts val="500"/>
-              </a:spcBef>
-              <a:buFont typeface="Arial" panose="020B0604020202020204" pitchFamily="34" charset="0"/>
-              <a:buChar char="•"/>
-              <a:defRPr sz="1800" kern="1200">
-                <a:solidFill>
-                  <a:schemeClr val="tx1"/>
-                </a:solidFill>
-                <a:latin typeface="+mn-lt"/>
-                <a:ea typeface="+mn-ea"/>
-                <a:cs typeface="+mn-cs"/>
-              </a:defRPr>
-            </a:lvl5pPr>
-            <a:lvl6pPr marL="2514600" indent="-228600" algn="l" defTabSz="914400" rtl="0" eaLnBrk="1" latinLnBrk="0" hangingPunct="1">
-              <a:lnSpc>
-                <a:spcPct val="90000"/>
-              </a:lnSpc>
-              <a:spcBef>
-                <a:spcPts val="500"/>
-              </a:spcBef>
-              <a:buFont typeface="Arial" panose="020B0604020202020204" pitchFamily="34" charset="0"/>
-              <a:buChar char="•"/>
-              <a:defRPr sz="1800" kern="1200">
-                <a:solidFill>
-                  <a:schemeClr val="tx1"/>
-                </a:solidFill>
-                <a:latin typeface="+mn-lt"/>
-                <a:ea typeface="+mn-ea"/>
-                <a:cs typeface="+mn-cs"/>
-              </a:defRPr>
-            </a:lvl6pPr>
-            <a:lvl7pPr marL="2971800" indent="-228600" algn="l" defTabSz="914400" rtl="0" eaLnBrk="1" latinLnBrk="0" hangingPunct="1">
-              <a:lnSpc>
-                <a:spcPct val="90000"/>
-              </a:lnSpc>
-              <a:spcBef>
-                <a:spcPts val="500"/>
-              </a:spcBef>
-              <a:buFont typeface="Arial" panose="020B0604020202020204" pitchFamily="34" charset="0"/>
-              <a:buChar char="•"/>
-              <a:defRPr sz="1800" kern="1200">
-                <a:solidFill>
-                  <a:schemeClr val="tx1"/>
-                </a:solidFill>
-                <a:latin typeface="+mn-lt"/>
-                <a:ea typeface="+mn-ea"/>
-                <a:cs typeface="+mn-cs"/>
-              </a:defRPr>
-            </a:lvl7pPr>
-            <a:lvl8pPr marL="3429000" indent="-228600" algn="l" defTabSz="914400" rtl="0" eaLnBrk="1" latinLnBrk="0" hangingPunct="1">
-              <a:lnSpc>
-                <a:spcPct val="90000"/>
-              </a:lnSpc>
-              <a:spcBef>
-                <a:spcPts val="500"/>
-              </a:spcBef>
-              <a:buFont typeface="Arial" panose="020B0604020202020204" pitchFamily="34" charset="0"/>
-              <a:buChar char="•"/>
-              <a:defRPr sz="1800" kern="1200">
-                <a:solidFill>
-                  <a:schemeClr val="tx1"/>
-                </a:solidFill>
-                <a:latin typeface="+mn-lt"/>
-                <a:ea typeface="+mn-ea"/>
-                <a:cs typeface="+mn-cs"/>
-              </a:defRPr>
-            </a:lvl8pPr>
-            <a:lvl9pPr marL="3886200" indent="-228600" algn="l" defTabSz="914400" rtl="0" eaLnBrk="1" latinLnBrk="0" hangingPunct="1">
-              <a:lnSpc>
-                <a:spcPct val="90000"/>
-              </a:lnSpc>
-              <a:spcBef>
-                <a:spcPts val="500"/>
-              </a:spcBef>
-              <a:buFont typeface="Arial" panose="020B0604020202020204" pitchFamily="34" charset="0"/>
-              <a:buChar char="•"/>
-              <a:defRPr sz="1800" kern="1200">
-                <a:solidFill>
-                  <a:schemeClr val="tx1"/>
-                </a:solidFill>
-                <a:latin typeface="+mn-lt"/>
-                <a:ea typeface="+mn-ea"/>
-                <a:cs typeface="+mn-cs"/>
-              </a:defRPr>
-            </a:lvl9pPr>
-          </a:lstStyle>
-          <a:p>
-            <a:pPr marL="0" indent="0">
-              <a:buFont typeface="Arial" panose="020B0604020202020204" pitchFamily="34" charset="0"/>
-              <a:buNone/>
-            </a:pPr>
-            <a:r>
-              <a:rPr lang="en-US" sz="2000" dirty="0"/>
-              <a:t>Immediate call-to-action</a:t>
-            </a:r>
-          </a:p>
-        </p:txBody>
-      </p:sp>
-      <p:cxnSp>
-        <p:nvCxnSpPr>
-          <p:cNvPr id="9" name="Straight Arrow Connector 8">
-            <a:extLst>
-              <a:ext uri="{FF2B5EF4-FFF2-40B4-BE49-F238E27FC236}">
-                <a16:creationId xmlns:a16="http://schemas.microsoft.com/office/drawing/2014/main" id="{9FEC429C-DD02-C249-FBC0-F6A842A1F4E7}"/>
-              </a:ext>
-            </a:extLst>
-          </p:cNvPr>
-          <p:cNvCxnSpPr>
-            <a:cxnSpLocks/>
-            <a:stCxn id="8" idx="1"/>
-          </p:cNvCxnSpPr>
-          <p:nvPr/>
-        </p:nvCxnSpPr>
-        <p:spPr>
-          <a:xfrm flipH="1">
-            <a:off x="2557750" y="3580704"/>
-            <a:ext cx="863374" cy="0"/>
-          </a:xfrm>
-          <a:prstGeom prst="straightConnector1">
-            <a:avLst/>
-          </a:prstGeom>
-          <a:ln w="38100">
-            <a:solidFill>
-              <a:srgbClr val="993300"/>
-            </a:solidFill>
-            <a:tailEnd type="triangle"/>
-          </a:ln>
-        </p:spPr>
-        <p:style>
-          <a:lnRef idx="1">
-            <a:schemeClr val="accent1"/>
-          </a:lnRef>
-          <a:fillRef idx="0">
-            <a:schemeClr val="accent1"/>
-          </a:fillRef>
-          <a:effectRef idx="0">
-            <a:schemeClr val="accent1"/>
-          </a:effectRef>
-          <a:fontRef idx="minor">
-            <a:schemeClr val="tx1"/>
-          </a:fontRef>
-        </p:style>
-      </p:cxnSp>
-      <p:sp>
-        <p:nvSpPr>
-          <p:cNvPr id="11" name="Content Placeholder 2">
-            <a:extLst>
-              <a:ext uri="{FF2B5EF4-FFF2-40B4-BE49-F238E27FC236}">
-                <a16:creationId xmlns:a16="http://schemas.microsoft.com/office/drawing/2014/main" id="{10EC7928-D8EC-3A24-3A88-CB13C5C5A905}"/>
-              </a:ext>
-            </a:extLst>
-          </p:cNvPr>
-          <p:cNvSpPr txBox="1">
-            <a:spLocks/>
-          </p:cNvSpPr>
-          <p:nvPr/>
-        </p:nvSpPr>
-        <p:spPr>
-          <a:xfrm>
-            <a:off x="3421124" y="6022468"/>
-            <a:ext cx="3303967" cy="722926"/>
-          </a:xfrm>
-          <a:prstGeom prst="rect">
-            <a:avLst/>
-          </a:prstGeom>
-        </p:spPr>
-        <p:txBody>
-          <a:bodyPr vert="horz" lIns="91440" tIns="45720" rIns="91440" bIns="45720" rtlCol="0">
-            <a:normAutofit fontScale="92500"/>
-          </a:bodyPr>
-          <a:lstStyle>
-            <a:lvl1pPr marL="228600" indent="-228600" algn="l" defTabSz="914400" rtl="0" eaLnBrk="1" latinLnBrk="0" hangingPunct="1">
-              <a:lnSpc>
-                <a:spcPct val="90000"/>
-              </a:lnSpc>
-              <a:spcBef>
-                <a:spcPts val="1000"/>
-              </a:spcBef>
-              <a:buFont typeface="Arial" panose="020B0604020202020204" pitchFamily="34" charset="0"/>
-              <a:buChar char="•"/>
-              <a:defRPr sz="2800" kern="1200">
-                <a:solidFill>
-                  <a:schemeClr val="tx1"/>
-                </a:solidFill>
-                <a:latin typeface="+mn-lt"/>
-                <a:ea typeface="+mn-ea"/>
-                <a:cs typeface="+mn-cs"/>
-              </a:defRPr>
-            </a:lvl1pPr>
-            <a:lvl2pPr marL="685800" indent="-228600" algn="l" defTabSz="914400" rtl="0" eaLnBrk="1" latinLnBrk="0" hangingPunct="1">
-              <a:lnSpc>
-                <a:spcPct val="90000"/>
-              </a:lnSpc>
-              <a:spcBef>
-                <a:spcPts val="500"/>
-              </a:spcBef>
-              <a:buFont typeface="Arial" panose="020B0604020202020204" pitchFamily="34" charset="0"/>
-              <a:buChar char="•"/>
-              <a:defRPr sz="2400" kern="1200">
-                <a:solidFill>
-                  <a:schemeClr val="tx1"/>
-                </a:solidFill>
-                <a:latin typeface="+mn-lt"/>
-                <a:ea typeface="+mn-ea"/>
-                <a:cs typeface="+mn-cs"/>
-              </a:defRPr>
-            </a:lvl2pPr>
-            <a:lvl3pPr marL="1143000" indent="-228600" algn="l" defTabSz="914400" rtl="0" eaLnBrk="1" latinLnBrk="0" hangingPunct="1">
-              <a:lnSpc>
-                <a:spcPct val="90000"/>
-              </a:lnSpc>
-              <a:spcBef>
-                <a:spcPts val="500"/>
-              </a:spcBef>
-              <a:buFont typeface="Arial" panose="020B0604020202020204" pitchFamily="34" charset="0"/>
-              <a:buChar char="•"/>
-              <a:defRPr sz="2000" kern="1200">
-                <a:solidFill>
-                  <a:schemeClr val="tx1"/>
-                </a:solidFill>
-                <a:latin typeface="+mn-lt"/>
-                <a:ea typeface="+mn-ea"/>
-                <a:cs typeface="+mn-cs"/>
-              </a:defRPr>
-            </a:lvl3pPr>
-            <a:lvl4pPr marL="1600200" indent="-228600" algn="l" defTabSz="914400" rtl="0" eaLnBrk="1" latinLnBrk="0" hangingPunct="1">
-              <a:lnSpc>
-                <a:spcPct val="90000"/>
-              </a:lnSpc>
-              <a:spcBef>
-                <a:spcPts val="500"/>
-              </a:spcBef>
-              <a:buFont typeface="Arial" panose="020B0604020202020204" pitchFamily="34" charset="0"/>
-              <a:buChar char="•"/>
-              <a:defRPr sz="1800" kern="1200">
-                <a:solidFill>
-                  <a:schemeClr val="tx1"/>
-                </a:solidFill>
-                <a:latin typeface="+mn-lt"/>
-                <a:ea typeface="+mn-ea"/>
-                <a:cs typeface="+mn-cs"/>
-              </a:defRPr>
-            </a:lvl4pPr>
-            <a:lvl5pPr marL="2057400" indent="-228600" algn="l" defTabSz="914400" rtl="0" eaLnBrk="1" latinLnBrk="0" hangingPunct="1">
-              <a:lnSpc>
-                <a:spcPct val="90000"/>
-              </a:lnSpc>
-              <a:spcBef>
-                <a:spcPts val="500"/>
-              </a:spcBef>
-              <a:buFont typeface="Arial" panose="020B0604020202020204" pitchFamily="34" charset="0"/>
-              <a:buChar char="•"/>
-              <a:defRPr sz="1800" kern="1200">
-                <a:solidFill>
-                  <a:schemeClr val="tx1"/>
-                </a:solidFill>
-                <a:latin typeface="+mn-lt"/>
-                <a:ea typeface="+mn-ea"/>
-                <a:cs typeface="+mn-cs"/>
-              </a:defRPr>
-            </a:lvl5pPr>
-            <a:lvl6pPr marL="2514600" indent="-228600" algn="l" defTabSz="914400" rtl="0" eaLnBrk="1" latinLnBrk="0" hangingPunct="1">
-              <a:lnSpc>
-                <a:spcPct val="90000"/>
-              </a:lnSpc>
-              <a:spcBef>
-                <a:spcPts val="500"/>
-              </a:spcBef>
-              <a:buFont typeface="Arial" panose="020B0604020202020204" pitchFamily="34" charset="0"/>
-              <a:buChar char="•"/>
-              <a:defRPr sz="1800" kern="1200">
-                <a:solidFill>
-                  <a:schemeClr val="tx1"/>
-                </a:solidFill>
-                <a:latin typeface="+mn-lt"/>
-                <a:ea typeface="+mn-ea"/>
-                <a:cs typeface="+mn-cs"/>
-              </a:defRPr>
-            </a:lvl6pPr>
-            <a:lvl7pPr marL="2971800" indent="-228600" algn="l" defTabSz="914400" rtl="0" eaLnBrk="1" latinLnBrk="0" hangingPunct="1">
-              <a:lnSpc>
-                <a:spcPct val="90000"/>
-              </a:lnSpc>
-              <a:spcBef>
-                <a:spcPts val="500"/>
-              </a:spcBef>
-              <a:buFont typeface="Arial" panose="020B0604020202020204" pitchFamily="34" charset="0"/>
-              <a:buChar char="•"/>
-              <a:defRPr sz="1800" kern="1200">
-                <a:solidFill>
-                  <a:schemeClr val="tx1"/>
-                </a:solidFill>
-                <a:latin typeface="+mn-lt"/>
-                <a:ea typeface="+mn-ea"/>
-                <a:cs typeface="+mn-cs"/>
-              </a:defRPr>
-            </a:lvl7pPr>
-            <a:lvl8pPr marL="3429000" indent="-228600" algn="l" defTabSz="914400" rtl="0" eaLnBrk="1" latinLnBrk="0" hangingPunct="1">
-              <a:lnSpc>
-                <a:spcPct val="90000"/>
-              </a:lnSpc>
-              <a:spcBef>
-                <a:spcPts val="500"/>
-              </a:spcBef>
-              <a:buFont typeface="Arial" panose="020B0604020202020204" pitchFamily="34" charset="0"/>
-              <a:buChar char="•"/>
-              <a:defRPr sz="1800" kern="1200">
-                <a:solidFill>
-                  <a:schemeClr val="tx1"/>
-                </a:solidFill>
-                <a:latin typeface="+mn-lt"/>
-                <a:ea typeface="+mn-ea"/>
-                <a:cs typeface="+mn-cs"/>
-              </a:defRPr>
-            </a:lvl8pPr>
-            <a:lvl9pPr marL="3886200" indent="-228600" algn="l" defTabSz="914400" rtl="0" eaLnBrk="1" latinLnBrk="0" hangingPunct="1">
-              <a:lnSpc>
-                <a:spcPct val="90000"/>
-              </a:lnSpc>
-              <a:spcBef>
-                <a:spcPts val="500"/>
-              </a:spcBef>
-              <a:buFont typeface="Arial" panose="020B0604020202020204" pitchFamily="34" charset="0"/>
-              <a:buChar char="•"/>
-              <a:defRPr sz="1800" kern="1200">
-                <a:solidFill>
-                  <a:schemeClr val="tx1"/>
-                </a:solidFill>
-                <a:latin typeface="+mn-lt"/>
-                <a:ea typeface="+mn-ea"/>
-                <a:cs typeface="+mn-cs"/>
-              </a:defRPr>
-            </a:lvl9pPr>
-          </a:lstStyle>
-          <a:p>
-            <a:pPr marL="0" indent="0" algn="ctr">
-              <a:buFont typeface="Arial" panose="020B0604020202020204" pitchFamily="34" charset="0"/>
-              <a:buNone/>
-            </a:pPr>
-            <a:r>
-              <a:rPr lang="en-US" sz="2000" dirty="0"/>
-              <a:t>Product description, marketing and more call-to-actions</a:t>
-            </a:r>
-          </a:p>
-        </p:txBody>
-      </p:sp>
-      <p:pic>
-        <p:nvPicPr>
-          <p:cNvPr id="13" name="Picture 12">
-            <a:extLst>
-              <a:ext uri="{FF2B5EF4-FFF2-40B4-BE49-F238E27FC236}">
-                <a16:creationId xmlns:a16="http://schemas.microsoft.com/office/drawing/2014/main" id="{710219A5-BD99-76CA-47C7-BC931AFA00EC}"/>
-              </a:ext>
-            </a:extLst>
-          </p:cNvPr>
-          <p:cNvPicPr>
-            <a:picLocks noChangeAspect="1"/>
-          </p:cNvPicPr>
-          <p:nvPr/>
-        </p:nvPicPr>
-        <p:blipFill>
-          <a:blip r:embed="rId4"/>
-          <a:stretch>
-            <a:fillRect/>
-          </a:stretch>
-        </p:blipFill>
-        <p:spPr>
-          <a:xfrm>
-            <a:off x="3239399" y="3809104"/>
-            <a:ext cx="1614763" cy="2118291"/>
-          </a:xfrm>
-          <a:prstGeom prst="rect">
-            <a:avLst/>
-          </a:prstGeom>
-        </p:spPr>
-      </p:pic>
-      <p:cxnSp>
-        <p:nvCxnSpPr>
-          <p:cNvPr id="14" name="Straight Arrow Connector 13">
-            <a:extLst>
-              <a:ext uri="{FF2B5EF4-FFF2-40B4-BE49-F238E27FC236}">
-                <a16:creationId xmlns:a16="http://schemas.microsoft.com/office/drawing/2014/main" id="{CE5D9749-65E0-6FE9-FDF4-D5BF41FC6C38}"/>
-              </a:ext>
-            </a:extLst>
-          </p:cNvPr>
-          <p:cNvCxnSpPr>
-            <a:cxnSpLocks/>
-          </p:cNvCxnSpPr>
-          <p:nvPr/>
-        </p:nvCxnSpPr>
-        <p:spPr>
-          <a:xfrm>
-            <a:off x="2747576" y="6076256"/>
-            <a:ext cx="0" cy="698317"/>
-          </a:xfrm>
-          <a:prstGeom prst="straightConnector1">
-            <a:avLst/>
-          </a:prstGeom>
-          <a:ln w="38100">
-            <a:solidFill>
-              <a:srgbClr val="993300"/>
-            </a:solidFill>
-            <a:tailEnd type="triangle"/>
-          </a:ln>
-        </p:spPr>
-        <p:style>
-          <a:lnRef idx="1">
-            <a:schemeClr val="accent1"/>
-          </a:lnRef>
-          <a:fillRef idx="0">
-            <a:schemeClr val="accent1"/>
-          </a:fillRef>
-          <a:effectRef idx="0">
-            <a:schemeClr val="accent1"/>
-          </a:effectRef>
-          <a:fontRef idx="minor">
-            <a:schemeClr val="tx1"/>
-          </a:fontRef>
-        </p:style>
-      </p:cxnSp>
-      <p:sp>
-        <p:nvSpPr>
-          <p:cNvPr id="16" name="Content Placeholder 2">
-            <a:extLst>
-              <a:ext uri="{FF2B5EF4-FFF2-40B4-BE49-F238E27FC236}">
-                <a16:creationId xmlns:a16="http://schemas.microsoft.com/office/drawing/2014/main" id="{073A5E77-C8E7-802F-8FF8-561256CD70E7}"/>
-              </a:ext>
-            </a:extLst>
-          </p:cNvPr>
-          <p:cNvSpPr txBox="1">
-            <a:spLocks/>
-          </p:cNvSpPr>
-          <p:nvPr/>
-        </p:nvSpPr>
-        <p:spPr>
-          <a:xfrm>
-            <a:off x="2866460" y="6233041"/>
-            <a:ext cx="701748" cy="384745"/>
-          </a:xfrm>
-          <a:prstGeom prst="rect">
-            <a:avLst/>
-          </a:prstGeom>
-        </p:spPr>
-        <p:txBody>
-          <a:bodyPr vert="horz" lIns="91440" tIns="45720" rIns="91440" bIns="45720" rtlCol="0">
-            <a:normAutofit/>
-          </a:bodyPr>
-          <a:lstStyle>
-            <a:lvl1pPr marL="228600" indent="-228600" algn="l" defTabSz="914400" rtl="0" eaLnBrk="1" latinLnBrk="0" hangingPunct="1">
-              <a:lnSpc>
-                <a:spcPct val="90000"/>
-              </a:lnSpc>
-              <a:spcBef>
-                <a:spcPts val="1000"/>
-              </a:spcBef>
-              <a:buFont typeface="Arial" panose="020B0604020202020204" pitchFamily="34" charset="0"/>
-              <a:buChar char="•"/>
-              <a:defRPr sz="2800" kern="1200">
-                <a:solidFill>
-                  <a:schemeClr val="tx1"/>
-                </a:solidFill>
-                <a:latin typeface="+mn-lt"/>
-                <a:ea typeface="+mn-ea"/>
-                <a:cs typeface="+mn-cs"/>
-              </a:defRPr>
-            </a:lvl1pPr>
-            <a:lvl2pPr marL="685800" indent="-228600" algn="l" defTabSz="914400" rtl="0" eaLnBrk="1" latinLnBrk="0" hangingPunct="1">
-              <a:lnSpc>
-                <a:spcPct val="90000"/>
-              </a:lnSpc>
-              <a:spcBef>
-                <a:spcPts val="500"/>
-              </a:spcBef>
-              <a:buFont typeface="Arial" panose="020B0604020202020204" pitchFamily="34" charset="0"/>
-              <a:buChar char="•"/>
-              <a:defRPr sz="2400" kern="1200">
-                <a:solidFill>
-                  <a:schemeClr val="tx1"/>
-                </a:solidFill>
-                <a:latin typeface="+mn-lt"/>
-                <a:ea typeface="+mn-ea"/>
-                <a:cs typeface="+mn-cs"/>
-              </a:defRPr>
-            </a:lvl2pPr>
-            <a:lvl3pPr marL="1143000" indent="-228600" algn="l" defTabSz="914400" rtl="0" eaLnBrk="1" latinLnBrk="0" hangingPunct="1">
-              <a:lnSpc>
-                <a:spcPct val="90000"/>
-              </a:lnSpc>
-              <a:spcBef>
-                <a:spcPts val="500"/>
-              </a:spcBef>
-              <a:buFont typeface="Arial" panose="020B0604020202020204" pitchFamily="34" charset="0"/>
-              <a:buChar char="•"/>
-              <a:defRPr sz="2000" kern="1200">
-                <a:solidFill>
-                  <a:schemeClr val="tx1"/>
-                </a:solidFill>
-                <a:latin typeface="+mn-lt"/>
-                <a:ea typeface="+mn-ea"/>
-                <a:cs typeface="+mn-cs"/>
-              </a:defRPr>
-            </a:lvl3pPr>
-            <a:lvl4pPr marL="1600200" indent="-228600" algn="l" defTabSz="914400" rtl="0" eaLnBrk="1" latinLnBrk="0" hangingPunct="1">
-              <a:lnSpc>
-                <a:spcPct val="90000"/>
-              </a:lnSpc>
-              <a:spcBef>
-                <a:spcPts val="500"/>
-              </a:spcBef>
-              <a:buFont typeface="Arial" panose="020B0604020202020204" pitchFamily="34" charset="0"/>
-              <a:buChar char="•"/>
-              <a:defRPr sz="1800" kern="1200">
-                <a:solidFill>
-                  <a:schemeClr val="tx1"/>
-                </a:solidFill>
-                <a:latin typeface="+mn-lt"/>
-                <a:ea typeface="+mn-ea"/>
-                <a:cs typeface="+mn-cs"/>
-              </a:defRPr>
-            </a:lvl4pPr>
-            <a:lvl5pPr marL="2057400" indent="-228600" algn="l" defTabSz="914400" rtl="0" eaLnBrk="1" latinLnBrk="0" hangingPunct="1">
-              <a:lnSpc>
-                <a:spcPct val="90000"/>
-              </a:lnSpc>
-              <a:spcBef>
-                <a:spcPts val="500"/>
-              </a:spcBef>
-              <a:buFont typeface="Arial" panose="020B0604020202020204" pitchFamily="34" charset="0"/>
-              <a:buChar char="•"/>
-              <a:defRPr sz="1800" kern="1200">
-                <a:solidFill>
-                  <a:schemeClr val="tx1"/>
-                </a:solidFill>
-                <a:latin typeface="+mn-lt"/>
-                <a:ea typeface="+mn-ea"/>
-                <a:cs typeface="+mn-cs"/>
-              </a:defRPr>
-            </a:lvl5pPr>
-            <a:lvl6pPr marL="2514600" indent="-228600" algn="l" defTabSz="914400" rtl="0" eaLnBrk="1" latinLnBrk="0" hangingPunct="1">
-              <a:lnSpc>
-                <a:spcPct val="90000"/>
-              </a:lnSpc>
-              <a:spcBef>
-                <a:spcPts val="500"/>
-              </a:spcBef>
-              <a:buFont typeface="Arial" panose="020B0604020202020204" pitchFamily="34" charset="0"/>
-              <a:buChar char="•"/>
-              <a:defRPr sz="1800" kern="1200">
-                <a:solidFill>
-                  <a:schemeClr val="tx1"/>
-                </a:solidFill>
-                <a:latin typeface="+mn-lt"/>
-                <a:ea typeface="+mn-ea"/>
-                <a:cs typeface="+mn-cs"/>
-              </a:defRPr>
-            </a:lvl6pPr>
-            <a:lvl7pPr marL="2971800" indent="-228600" algn="l" defTabSz="914400" rtl="0" eaLnBrk="1" latinLnBrk="0" hangingPunct="1">
-              <a:lnSpc>
-                <a:spcPct val="90000"/>
-              </a:lnSpc>
-              <a:spcBef>
-                <a:spcPts val="500"/>
-              </a:spcBef>
-              <a:buFont typeface="Arial" panose="020B0604020202020204" pitchFamily="34" charset="0"/>
-              <a:buChar char="•"/>
-              <a:defRPr sz="1800" kern="1200">
-                <a:solidFill>
-                  <a:schemeClr val="tx1"/>
-                </a:solidFill>
-                <a:latin typeface="+mn-lt"/>
-                <a:ea typeface="+mn-ea"/>
-                <a:cs typeface="+mn-cs"/>
-              </a:defRPr>
-            </a:lvl7pPr>
-            <a:lvl8pPr marL="3429000" indent="-228600" algn="l" defTabSz="914400" rtl="0" eaLnBrk="1" latinLnBrk="0" hangingPunct="1">
-              <a:lnSpc>
-                <a:spcPct val="90000"/>
-              </a:lnSpc>
-              <a:spcBef>
-                <a:spcPts val="500"/>
-              </a:spcBef>
-              <a:buFont typeface="Arial" panose="020B0604020202020204" pitchFamily="34" charset="0"/>
-              <a:buChar char="•"/>
-              <a:defRPr sz="1800" kern="1200">
-                <a:solidFill>
-                  <a:schemeClr val="tx1"/>
-                </a:solidFill>
-                <a:latin typeface="+mn-lt"/>
-                <a:ea typeface="+mn-ea"/>
-                <a:cs typeface="+mn-cs"/>
-              </a:defRPr>
-            </a:lvl8pPr>
-            <a:lvl9pPr marL="3886200" indent="-228600" algn="l" defTabSz="914400" rtl="0" eaLnBrk="1" latinLnBrk="0" hangingPunct="1">
-              <a:lnSpc>
-                <a:spcPct val="90000"/>
-              </a:lnSpc>
-              <a:spcBef>
-                <a:spcPts val="500"/>
-              </a:spcBef>
-              <a:buFont typeface="Arial" panose="020B0604020202020204" pitchFamily="34" charset="0"/>
-              <a:buChar char="•"/>
-              <a:defRPr sz="1800" kern="1200">
-                <a:solidFill>
-                  <a:schemeClr val="tx1"/>
-                </a:solidFill>
-                <a:latin typeface="+mn-lt"/>
-                <a:ea typeface="+mn-ea"/>
-                <a:cs typeface="+mn-cs"/>
-              </a:defRPr>
-            </a:lvl9pPr>
-          </a:lstStyle>
-          <a:p>
-            <a:pPr marL="0" indent="0">
-              <a:buFont typeface="Arial" panose="020B0604020202020204" pitchFamily="34" charset="0"/>
-              <a:buNone/>
-            </a:pPr>
-            <a:r>
-              <a:rPr lang="en-US" sz="1600" b="1" dirty="0">
-                <a:solidFill>
-                  <a:srgbClr val="993300"/>
-                </a:solidFill>
-              </a:rPr>
-              <a:t>Scroll</a:t>
-            </a:r>
-            <a:endParaRPr lang="en-US" sz="2000" b="1" dirty="0">
-              <a:solidFill>
-                <a:srgbClr val="993300"/>
-              </a:solidFill>
-            </a:endParaRPr>
-          </a:p>
-        </p:txBody>
-      </p:sp>
-      <p:pic>
-        <p:nvPicPr>
-          <p:cNvPr id="20" name="Picture 19">
-            <a:extLst>
-              <a:ext uri="{FF2B5EF4-FFF2-40B4-BE49-F238E27FC236}">
-                <a16:creationId xmlns:a16="http://schemas.microsoft.com/office/drawing/2014/main" id="{509C0C91-4FF6-816A-F068-15F7522E02BE}"/>
-              </a:ext>
-            </a:extLst>
-          </p:cNvPr>
-          <p:cNvPicPr>
-            <a:picLocks noChangeAspect="1"/>
-          </p:cNvPicPr>
-          <p:nvPr/>
-        </p:nvPicPr>
-        <p:blipFill>
-          <a:blip r:embed="rId5"/>
-          <a:stretch>
-            <a:fillRect/>
-          </a:stretch>
-        </p:blipFill>
-        <p:spPr>
-          <a:xfrm>
-            <a:off x="5045812" y="3845615"/>
-            <a:ext cx="1425336" cy="2045267"/>
-          </a:xfrm>
-          <a:prstGeom prst="rect">
-            <a:avLst/>
-          </a:prstGeom>
-        </p:spPr>
-      </p:pic>
-      <p:pic>
-        <p:nvPicPr>
-          <p:cNvPr id="2050" name="Picture 2" descr="Nenhuma descrição disponível.">
-            <a:extLst>
-              <a:ext uri="{FF2B5EF4-FFF2-40B4-BE49-F238E27FC236}">
-                <a16:creationId xmlns:a16="http://schemas.microsoft.com/office/drawing/2014/main" id="{22FF8D68-0F96-BC86-7CB3-92941F7E8976}"/>
-              </a:ext>
-            </a:extLst>
-          </p:cNvPr>
-          <p:cNvPicPr>
-            <a:picLocks noChangeAspect="1" noChangeArrowheads="1"/>
-          </p:cNvPicPr>
-          <p:nvPr/>
-        </p:nvPicPr>
-        <p:blipFill>
-          <a:blip r:embed="rId6">
-            <a:extLst>
-              <a:ext uri="{28A0092B-C50C-407E-A947-70E740481C1C}">
-                <a14:useLocalDpi xmlns:a14="http://schemas.microsoft.com/office/drawing/2010/main" val="0"/>
-              </a:ext>
-            </a:extLst>
-          </a:blip>
-          <a:srcRect/>
-          <a:stretch>
-            <a:fillRect/>
-          </a:stretch>
-        </p:blipFill>
-        <p:spPr bwMode="auto">
-          <a:xfrm>
-            <a:off x="7160321" y="1853413"/>
-            <a:ext cx="2176991" cy="4572000"/>
-          </a:xfrm>
-          <a:prstGeom prst="rect">
-            <a:avLst/>
-          </a:prstGeom>
-          <a:noFill/>
-          <a:ln w="12700">
-            <a:solidFill>
-              <a:schemeClr val="tx1"/>
-            </a:solidFill>
-          </a:ln>
-          <a:extLst>
-            <a:ext uri="{909E8E84-426E-40DD-AFC4-6F175D3DCCD1}">
-              <a14:hiddenFill xmlns:a14="http://schemas.microsoft.com/office/drawing/2010/main">
-                <a:solidFill>
-                  <a:srgbClr val="FFFFFF"/>
-                </a:solidFill>
-              </a14:hiddenFill>
-            </a:ext>
-          </a:extLst>
-        </p:spPr>
-      </p:pic>
-      <p:sp>
-        <p:nvSpPr>
-          <p:cNvPr id="22" name="Content Placeholder 2">
-            <a:extLst>
-              <a:ext uri="{FF2B5EF4-FFF2-40B4-BE49-F238E27FC236}">
-                <a16:creationId xmlns:a16="http://schemas.microsoft.com/office/drawing/2014/main" id="{2F0E1821-47D8-79B3-2BD5-22F6ED0C9F98}"/>
-              </a:ext>
-            </a:extLst>
-          </p:cNvPr>
-          <p:cNvSpPr txBox="1">
-            <a:spLocks/>
-          </p:cNvSpPr>
-          <p:nvPr/>
-        </p:nvSpPr>
-        <p:spPr>
-          <a:xfrm>
-            <a:off x="9961838" y="2148159"/>
-            <a:ext cx="1537616" cy="384745"/>
-          </a:xfrm>
-          <a:prstGeom prst="rect">
-            <a:avLst/>
-          </a:prstGeom>
-        </p:spPr>
-        <p:txBody>
-          <a:bodyPr vert="horz" lIns="91440" tIns="45720" rIns="91440" bIns="45720" rtlCol="0">
-            <a:normAutofit/>
-          </a:bodyPr>
-          <a:lstStyle>
-            <a:lvl1pPr marL="228600" indent="-228600" algn="l" defTabSz="914400" rtl="0" eaLnBrk="1" latinLnBrk="0" hangingPunct="1">
-              <a:lnSpc>
-                <a:spcPct val="90000"/>
-              </a:lnSpc>
-              <a:spcBef>
-                <a:spcPts val="1000"/>
-              </a:spcBef>
-              <a:buFont typeface="Arial" panose="020B0604020202020204" pitchFamily="34" charset="0"/>
-              <a:buChar char="•"/>
-              <a:defRPr sz="2800" kern="1200">
-                <a:solidFill>
-                  <a:schemeClr val="tx1"/>
-                </a:solidFill>
-                <a:latin typeface="+mn-lt"/>
-                <a:ea typeface="+mn-ea"/>
-                <a:cs typeface="+mn-cs"/>
-              </a:defRPr>
-            </a:lvl1pPr>
-            <a:lvl2pPr marL="685800" indent="-228600" algn="l" defTabSz="914400" rtl="0" eaLnBrk="1" latinLnBrk="0" hangingPunct="1">
-              <a:lnSpc>
-                <a:spcPct val="90000"/>
-              </a:lnSpc>
-              <a:spcBef>
-                <a:spcPts val="500"/>
-              </a:spcBef>
-              <a:buFont typeface="Arial" panose="020B0604020202020204" pitchFamily="34" charset="0"/>
-              <a:buChar char="•"/>
-              <a:defRPr sz="2400" kern="1200">
-                <a:solidFill>
-                  <a:schemeClr val="tx1"/>
-                </a:solidFill>
-                <a:latin typeface="+mn-lt"/>
-                <a:ea typeface="+mn-ea"/>
-                <a:cs typeface="+mn-cs"/>
-              </a:defRPr>
-            </a:lvl2pPr>
-            <a:lvl3pPr marL="1143000" indent="-228600" algn="l" defTabSz="914400" rtl="0" eaLnBrk="1" latinLnBrk="0" hangingPunct="1">
-              <a:lnSpc>
-                <a:spcPct val="90000"/>
-              </a:lnSpc>
-              <a:spcBef>
-                <a:spcPts val="500"/>
-              </a:spcBef>
-              <a:buFont typeface="Arial" panose="020B0604020202020204" pitchFamily="34" charset="0"/>
-              <a:buChar char="•"/>
-              <a:defRPr sz="2000" kern="1200">
-                <a:solidFill>
-                  <a:schemeClr val="tx1"/>
-                </a:solidFill>
-                <a:latin typeface="+mn-lt"/>
-                <a:ea typeface="+mn-ea"/>
-                <a:cs typeface="+mn-cs"/>
-              </a:defRPr>
-            </a:lvl3pPr>
-            <a:lvl4pPr marL="1600200" indent="-228600" algn="l" defTabSz="914400" rtl="0" eaLnBrk="1" latinLnBrk="0" hangingPunct="1">
-              <a:lnSpc>
-                <a:spcPct val="90000"/>
-              </a:lnSpc>
-              <a:spcBef>
-                <a:spcPts val="500"/>
-              </a:spcBef>
-              <a:buFont typeface="Arial" panose="020B0604020202020204" pitchFamily="34" charset="0"/>
-              <a:buChar char="•"/>
-              <a:defRPr sz="1800" kern="1200">
-                <a:solidFill>
-                  <a:schemeClr val="tx1"/>
-                </a:solidFill>
-                <a:latin typeface="+mn-lt"/>
-                <a:ea typeface="+mn-ea"/>
-                <a:cs typeface="+mn-cs"/>
-              </a:defRPr>
-            </a:lvl4pPr>
-            <a:lvl5pPr marL="2057400" indent="-228600" algn="l" defTabSz="914400" rtl="0" eaLnBrk="1" latinLnBrk="0" hangingPunct="1">
-              <a:lnSpc>
-                <a:spcPct val="90000"/>
-              </a:lnSpc>
-              <a:spcBef>
-                <a:spcPts val="500"/>
-              </a:spcBef>
-              <a:buFont typeface="Arial" panose="020B0604020202020204" pitchFamily="34" charset="0"/>
-              <a:buChar char="•"/>
-              <a:defRPr sz="1800" kern="1200">
-                <a:solidFill>
-                  <a:schemeClr val="tx1"/>
-                </a:solidFill>
-                <a:latin typeface="+mn-lt"/>
-                <a:ea typeface="+mn-ea"/>
-                <a:cs typeface="+mn-cs"/>
-              </a:defRPr>
-            </a:lvl5pPr>
-            <a:lvl6pPr marL="2514600" indent="-228600" algn="l" defTabSz="914400" rtl="0" eaLnBrk="1" latinLnBrk="0" hangingPunct="1">
-              <a:lnSpc>
-                <a:spcPct val="90000"/>
-              </a:lnSpc>
-              <a:spcBef>
-                <a:spcPts val="500"/>
-              </a:spcBef>
-              <a:buFont typeface="Arial" panose="020B0604020202020204" pitchFamily="34" charset="0"/>
-              <a:buChar char="•"/>
-              <a:defRPr sz="1800" kern="1200">
-                <a:solidFill>
-                  <a:schemeClr val="tx1"/>
-                </a:solidFill>
-                <a:latin typeface="+mn-lt"/>
-                <a:ea typeface="+mn-ea"/>
-                <a:cs typeface="+mn-cs"/>
-              </a:defRPr>
-            </a:lvl6pPr>
-            <a:lvl7pPr marL="2971800" indent="-228600" algn="l" defTabSz="914400" rtl="0" eaLnBrk="1" latinLnBrk="0" hangingPunct="1">
-              <a:lnSpc>
-                <a:spcPct val="90000"/>
-              </a:lnSpc>
-              <a:spcBef>
-                <a:spcPts val="500"/>
-              </a:spcBef>
-              <a:buFont typeface="Arial" panose="020B0604020202020204" pitchFamily="34" charset="0"/>
-              <a:buChar char="•"/>
-              <a:defRPr sz="1800" kern="1200">
-                <a:solidFill>
-                  <a:schemeClr val="tx1"/>
-                </a:solidFill>
-                <a:latin typeface="+mn-lt"/>
-                <a:ea typeface="+mn-ea"/>
-                <a:cs typeface="+mn-cs"/>
-              </a:defRPr>
-            </a:lvl7pPr>
-            <a:lvl8pPr marL="3429000" indent="-228600" algn="l" defTabSz="914400" rtl="0" eaLnBrk="1" latinLnBrk="0" hangingPunct="1">
-              <a:lnSpc>
-                <a:spcPct val="90000"/>
-              </a:lnSpc>
-              <a:spcBef>
-                <a:spcPts val="500"/>
-              </a:spcBef>
-              <a:buFont typeface="Arial" panose="020B0604020202020204" pitchFamily="34" charset="0"/>
-              <a:buChar char="•"/>
-              <a:defRPr sz="1800" kern="1200">
-                <a:solidFill>
-                  <a:schemeClr val="tx1"/>
-                </a:solidFill>
-                <a:latin typeface="+mn-lt"/>
-                <a:ea typeface="+mn-ea"/>
-                <a:cs typeface="+mn-cs"/>
-              </a:defRPr>
-            </a:lvl8pPr>
-            <a:lvl9pPr marL="3886200" indent="-228600" algn="l" defTabSz="914400" rtl="0" eaLnBrk="1" latinLnBrk="0" hangingPunct="1">
-              <a:lnSpc>
-                <a:spcPct val="90000"/>
-              </a:lnSpc>
-              <a:spcBef>
-                <a:spcPts val="500"/>
-              </a:spcBef>
-              <a:buFont typeface="Arial" panose="020B0604020202020204" pitchFamily="34" charset="0"/>
-              <a:buChar char="•"/>
-              <a:defRPr sz="1800" kern="1200">
-                <a:solidFill>
-                  <a:schemeClr val="tx1"/>
-                </a:solidFill>
-                <a:latin typeface="+mn-lt"/>
-                <a:ea typeface="+mn-ea"/>
-                <a:cs typeface="+mn-cs"/>
-              </a:defRPr>
-            </a:lvl9pPr>
-          </a:lstStyle>
-          <a:p>
-            <a:pPr marL="0" indent="0" algn="ctr">
-              <a:buFont typeface="Arial" panose="020B0604020202020204" pitchFamily="34" charset="0"/>
-              <a:buNone/>
-            </a:pPr>
-            <a:r>
-              <a:rPr lang="en-US" sz="2000" b="1" dirty="0"/>
-              <a:t>Mobile app</a:t>
-            </a:r>
-          </a:p>
-        </p:txBody>
-      </p:sp>
-      <p:sp>
-        <p:nvSpPr>
-          <p:cNvPr id="23" name="Content Placeholder 2">
-            <a:extLst>
-              <a:ext uri="{FF2B5EF4-FFF2-40B4-BE49-F238E27FC236}">
-                <a16:creationId xmlns:a16="http://schemas.microsoft.com/office/drawing/2014/main" id="{9D6296F3-BA15-5BCF-DE00-F829FD76DE57}"/>
-              </a:ext>
-            </a:extLst>
-          </p:cNvPr>
-          <p:cNvSpPr txBox="1">
-            <a:spLocks/>
-          </p:cNvSpPr>
-          <p:nvPr/>
-        </p:nvSpPr>
-        <p:spPr>
-          <a:xfrm>
-            <a:off x="9388143" y="2706074"/>
-            <a:ext cx="2685006" cy="2213988"/>
-          </a:xfrm>
-          <a:prstGeom prst="rect">
-            <a:avLst/>
-          </a:prstGeom>
-        </p:spPr>
-        <p:txBody>
-          <a:bodyPr vert="horz" lIns="91440" tIns="45720" rIns="91440" bIns="45720" rtlCol="0">
-            <a:normAutofit/>
-          </a:bodyPr>
-          <a:lstStyle>
-            <a:lvl1pPr marL="228600" indent="-228600" algn="l" defTabSz="914400" rtl="0" eaLnBrk="1" latinLnBrk="0" hangingPunct="1">
-              <a:lnSpc>
-                <a:spcPct val="90000"/>
-              </a:lnSpc>
-              <a:spcBef>
-                <a:spcPts val="1000"/>
-              </a:spcBef>
-              <a:buFont typeface="Arial" panose="020B0604020202020204" pitchFamily="34" charset="0"/>
-              <a:buChar char="•"/>
-              <a:defRPr sz="2800" kern="1200">
-                <a:solidFill>
-                  <a:schemeClr val="tx1"/>
-                </a:solidFill>
-                <a:latin typeface="+mn-lt"/>
-                <a:ea typeface="+mn-ea"/>
-                <a:cs typeface="+mn-cs"/>
-              </a:defRPr>
-            </a:lvl1pPr>
-            <a:lvl2pPr marL="685800" indent="-228600" algn="l" defTabSz="914400" rtl="0" eaLnBrk="1" latinLnBrk="0" hangingPunct="1">
-              <a:lnSpc>
-                <a:spcPct val="90000"/>
-              </a:lnSpc>
-              <a:spcBef>
-                <a:spcPts val="500"/>
-              </a:spcBef>
-              <a:buFont typeface="Arial" panose="020B0604020202020204" pitchFamily="34" charset="0"/>
-              <a:buChar char="•"/>
-              <a:defRPr sz="2400" kern="1200">
-                <a:solidFill>
-                  <a:schemeClr val="tx1"/>
-                </a:solidFill>
-                <a:latin typeface="+mn-lt"/>
-                <a:ea typeface="+mn-ea"/>
-                <a:cs typeface="+mn-cs"/>
-              </a:defRPr>
-            </a:lvl2pPr>
-            <a:lvl3pPr marL="1143000" indent="-228600" algn="l" defTabSz="914400" rtl="0" eaLnBrk="1" latinLnBrk="0" hangingPunct="1">
-              <a:lnSpc>
-                <a:spcPct val="90000"/>
-              </a:lnSpc>
-              <a:spcBef>
-                <a:spcPts val="500"/>
-              </a:spcBef>
-              <a:buFont typeface="Arial" panose="020B0604020202020204" pitchFamily="34" charset="0"/>
-              <a:buChar char="•"/>
-              <a:defRPr sz="2000" kern="1200">
-                <a:solidFill>
-                  <a:schemeClr val="tx1"/>
-                </a:solidFill>
-                <a:latin typeface="+mn-lt"/>
-                <a:ea typeface="+mn-ea"/>
-                <a:cs typeface="+mn-cs"/>
-              </a:defRPr>
-            </a:lvl3pPr>
-            <a:lvl4pPr marL="1600200" indent="-228600" algn="l" defTabSz="914400" rtl="0" eaLnBrk="1" latinLnBrk="0" hangingPunct="1">
-              <a:lnSpc>
-                <a:spcPct val="90000"/>
-              </a:lnSpc>
-              <a:spcBef>
-                <a:spcPts val="500"/>
-              </a:spcBef>
-              <a:buFont typeface="Arial" panose="020B0604020202020204" pitchFamily="34" charset="0"/>
-              <a:buChar char="•"/>
-              <a:defRPr sz="1800" kern="1200">
-                <a:solidFill>
-                  <a:schemeClr val="tx1"/>
-                </a:solidFill>
-                <a:latin typeface="+mn-lt"/>
-                <a:ea typeface="+mn-ea"/>
-                <a:cs typeface="+mn-cs"/>
-              </a:defRPr>
-            </a:lvl4pPr>
-            <a:lvl5pPr marL="2057400" indent="-228600" algn="l" defTabSz="914400" rtl="0" eaLnBrk="1" latinLnBrk="0" hangingPunct="1">
-              <a:lnSpc>
-                <a:spcPct val="90000"/>
-              </a:lnSpc>
-              <a:spcBef>
-                <a:spcPts val="500"/>
-              </a:spcBef>
-              <a:buFont typeface="Arial" panose="020B0604020202020204" pitchFamily="34" charset="0"/>
-              <a:buChar char="•"/>
-              <a:defRPr sz="1800" kern="1200">
-                <a:solidFill>
-                  <a:schemeClr val="tx1"/>
-                </a:solidFill>
-                <a:latin typeface="+mn-lt"/>
-                <a:ea typeface="+mn-ea"/>
-                <a:cs typeface="+mn-cs"/>
-              </a:defRPr>
-            </a:lvl5pPr>
-            <a:lvl6pPr marL="2514600" indent="-228600" algn="l" defTabSz="914400" rtl="0" eaLnBrk="1" latinLnBrk="0" hangingPunct="1">
-              <a:lnSpc>
-                <a:spcPct val="90000"/>
-              </a:lnSpc>
-              <a:spcBef>
-                <a:spcPts val="500"/>
-              </a:spcBef>
-              <a:buFont typeface="Arial" panose="020B0604020202020204" pitchFamily="34" charset="0"/>
-              <a:buChar char="•"/>
-              <a:defRPr sz="1800" kern="1200">
-                <a:solidFill>
-                  <a:schemeClr val="tx1"/>
-                </a:solidFill>
-                <a:latin typeface="+mn-lt"/>
-                <a:ea typeface="+mn-ea"/>
-                <a:cs typeface="+mn-cs"/>
-              </a:defRPr>
-            </a:lvl6pPr>
-            <a:lvl7pPr marL="2971800" indent="-228600" algn="l" defTabSz="914400" rtl="0" eaLnBrk="1" latinLnBrk="0" hangingPunct="1">
-              <a:lnSpc>
-                <a:spcPct val="90000"/>
-              </a:lnSpc>
-              <a:spcBef>
-                <a:spcPts val="500"/>
-              </a:spcBef>
-              <a:buFont typeface="Arial" panose="020B0604020202020204" pitchFamily="34" charset="0"/>
-              <a:buChar char="•"/>
-              <a:defRPr sz="1800" kern="1200">
-                <a:solidFill>
-                  <a:schemeClr val="tx1"/>
-                </a:solidFill>
-                <a:latin typeface="+mn-lt"/>
-                <a:ea typeface="+mn-ea"/>
-                <a:cs typeface="+mn-cs"/>
-              </a:defRPr>
-            </a:lvl7pPr>
-            <a:lvl8pPr marL="3429000" indent="-228600" algn="l" defTabSz="914400" rtl="0" eaLnBrk="1" latinLnBrk="0" hangingPunct="1">
-              <a:lnSpc>
-                <a:spcPct val="90000"/>
-              </a:lnSpc>
-              <a:spcBef>
-                <a:spcPts val="500"/>
-              </a:spcBef>
-              <a:buFont typeface="Arial" panose="020B0604020202020204" pitchFamily="34" charset="0"/>
-              <a:buChar char="•"/>
-              <a:defRPr sz="1800" kern="1200">
-                <a:solidFill>
-                  <a:schemeClr val="tx1"/>
-                </a:solidFill>
-                <a:latin typeface="+mn-lt"/>
-                <a:ea typeface="+mn-ea"/>
-                <a:cs typeface="+mn-cs"/>
-              </a:defRPr>
-            </a:lvl8pPr>
-            <a:lvl9pPr marL="3886200" indent="-228600" algn="l" defTabSz="914400" rtl="0" eaLnBrk="1" latinLnBrk="0" hangingPunct="1">
-              <a:lnSpc>
-                <a:spcPct val="90000"/>
-              </a:lnSpc>
-              <a:spcBef>
-                <a:spcPts val="500"/>
-              </a:spcBef>
-              <a:buFont typeface="Arial" panose="020B0604020202020204" pitchFamily="34" charset="0"/>
-              <a:buChar char="•"/>
-              <a:defRPr sz="1800" kern="1200">
-                <a:solidFill>
-                  <a:schemeClr val="tx1"/>
-                </a:solidFill>
-                <a:latin typeface="+mn-lt"/>
-                <a:ea typeface="+mn-ea"/>
-                <a:cs typeface="+mn-cs"/>
-              </a:defRPr>
-            </a:lvl9pPr>
-          </a:lstStyle>
-          <a:p>
-            <a:pPr marL="0" indent="0" algn="ctr">
-              <a:buFont typeface="Arial" panose="020B0604020202020204" pitchFamily="34" charset="0"/>
-              <a:buNone/>
-            </a:pPr>
-            <a:r>
-              <a:rPr lang="en-US" sz="2000" dirty="0"/>
-              <a:t>Very similar to browser, but more “app like” (no scroll, simpler design)</a:t>
-            </a:r>
-          </a:p>
-        </p:txBody>
-      </p:sp>
-    </p:spTree>
-    <p:extLst>
-      <p:ext uri="{BB962C8B-B14F-4D97-AF65-F5344CB8AC3E}">
-        <p14:creationId xmlns:p14="http://schemas.microsoft.com/office/powerpoint/2010/main" val="1407723298"/>
-      </p:ext>
-    </p:extLst>
-  </p:cSld>
-  <p:clrMapOvr>
-    <a:masterClrMapping/>
-  </p:clrMapOvr>
-</p:sld>
-</file>
-
 <file path=ppt/slides/slide2.xml><?xml version="1.0" encoding="utf-8"?>
 <p:sld xmlns:a="http://schemas.openxmlformats.org/drawingml/2006/main" xmlns:r="http://schemas.openxmlformats.org/officeDocument/2006/relationships" xmlns:p="http://schemas.openxmlformats.org/presentationml/2006/main">
   <p:cSld>
@@ -9097,2094 +7311,6 @@
           <a:p>
             <a:r>
               <a:rPr lang="en-US" b="1" dirty="0"/>
-              <a:t>Questionnaire</a:t>
-            </a:r>
-          </a:p>
-        </p:txBody>
-      </p:sp>
-      <p:sp>
-        <p:nvSpPr>
-          <p:cNvPr id="19" name="Content Placeholder 2">
-            <a:extLst>
-              <a:ext uri="{FF2B5EF4-FFF2-40B4-BE49-F238E27FC236}">
-                <a16:creationId xmlns:a16="http://schemas.microsoft.com/office/drawing/2014/main" id="{0ECD3A20-CC97-6E8F-4FEE-A967574EB9EC}"/>
-              </a:ext>
-            </a:extLst>
-          </p:cNvPr>
-          <p:cNvSpPr txBox="1">
-            <a:spLocks/>
-          </p:cNvSpPr>
-          <p:nvPr/>
-        </p:nvSpPr>
-        <p:spPr>
-          <a:xfrm>
-            <a:off x="704850" y="1993044"/>
-            <a:ext cx="2862146" cy="683888"/>
-          </a:xfrm>
-          <a:prstGeom prst="rect">
-            <a:avLst/>
-          </a:prstGeom>
-        </p:spPr>
-        <p:txBody>
-          <a:bodyPr vert="horz" lIns="91440" tIns="45720" rIns="91440" bIns="45720" rtlCol="0">
-            <a:normAutofit/>
-          </a:bodyPr>
-          <a:lstStyle>
-            <a:lvl1pPr marL="228600" indent="-228600" algn="l" defTabSz="914400" rtl="0" eaLnBrk="1" latinLnBrk="0" hangingPunct="1">
-              <a:lnSpc>
-                <a:spcPct val="90000"/>
-              </a:lnSpc>
-              <a:spcBef>
-                <a:spcPts val="1000"/>
-              </a:spcBef>
-              <a:buFont typeface="Arial" panose="020B0604020202020204" pitchFamily="34" charset="0"/>
-              <a:buChar char="•"/>
-              <a:defRPr sz="2800" kern="1200">
-                <a:solidFill>
-                  <a:schemeClr val="tx1"/>
-                </a:solidFill>
-                <a:latin typeface="+mn-lt"/>
-                <a:ea typeface="+mn-ea"/>
-                <a:cs typeface="+mn-cs"/>
-              </a:defRPr>
-            </a:lvl1pPr>
-            <a:lvl2pPr marL="685800" indent="-228600" algn="l" defTabSz="914400" rtl="0" eaLnBrk="1" latinLnBrk="0" hangingPunct="1">
-              <a:lnSpc>
-                <a:spcPct val="90000"/>
-              </a:lnSpc>
-              <a:spcBef>
-                <a:spcPts val="500"/>
-              </a:spcBef>
-              <a:buFont typeface="Arial" panose="020B0604020202020204" pitchFamily="34" charset="0"/>
-              <a:buChar char="•"/>
-              <a:defRPr sz="2400" kern="1200">
-                <a:solidFill>
-                  <a:schemeClr val="tx1"/>
-                </a:solidFill>
-                <a:latin typeface="+mn-lt"/>
-                <a:ea typeface="+mn-ea"/>
-                <a:cs typeface="+mn-cs"/>
-              </a:defRPr>
-            </a:lvl2pPr>
-            <a:lvl3pPr marL="1143000" indent="-228600" algn="l" defTabSz="914400" rtl="0" eaLnBrk="1" latinLnBrk="0" hangingPunct="1">
-              <a:lnSpc>
-                <a:spcPct val="90000"/>
-              </a:lnSpc>
-              <a:spcBef>
-                <a:spcPts val="500"/>
-              </a:spcBef>
-              <a:buFont typeface="Arial" panose="020B0604020202020204" pitchFamily="34" charset="0"/>
-              <a:buChar char="•"/>
-              <a:defRPr sz="2000" kern="1200">
-                <a:solidFill>
-                  <a:schemeClr val="tx1"/>
-                </a:solidFill>
-                <a:latin typeface="+mn-lt"/>
-                <a:ea typeface="+mn-ea"/>
-                <a:cs typeface="+mn-cs"/>
-              </a:defRPr>
-            </a:lvl3pPr>
-            <a:lvl4pPr marL="1600200" indent="-228600" algn="l" defTabSz="914400" rtl="0" eaLnBrk="1" latinLnBrk="0" hangingPunct="1">
-              <a:lnSpc>
-                <a:spcPct val="90000"/>
-              </a:lnSpc>
-              <a:spcBef>
-                <a:spcPts val="500"/>
-              </a:spcBef>
-              <a:buFont typeface="Arial" panose="020B0604020202020204" pitchFamily="34" charset="0"/>
-              <a:buChar char="•"/>
-              <a:defRPr sz="1800" kern="1200">
-                <a:solidFill>
-                  <a:schemeClr val="tx1"/>
-                </a:solidFill>
-                <a:latin typeface="+mn-lt"/>
-                <a:ea typeface="+mn-ea"/>
-                <a:cs typeface="+mn-cs"/>
-              </a:defRPr>
-            </a:lvl4pPr>
-            <a:lvl5pPr marL="2057400" indent="-228600" algn="l" defTabSz="914400" rtl="0" eaLnBrk="1" latinLnBrk="0" hangingPunct="1">
-              <a:lnSpc>
-                <a:spcPct val="90000"/>
-              </a:lnSpc>
-              <a:spcBef>
-                <a:spcPts val="500"/>
-              </a:spcBef>
-              <a:buFont typeface="Arial" panose="020B0604020202020204" pitchFamily="34" charset="0"/>
-              <a:buChar char="•"/>
-              <a:defRPr sz="1800" kern="1200">
-                <a:solidFill>
-                  <a:schemeClr val="tx1"/>
-                </a:solidFill>
-                <a:latin typeface="+mn-lt"/>
-                <a:ea typeface="+mn-ea"/>
-                <a:cs typeface="+mn-cs"/>
-              </a:defRPr>
-            </a:lvl5pPr>
-            <a:lvl6pPr marL="2514600" indent="-228600" algn="l" defTabSz="914400" rtl="0" eaLnBrk="1" latinLnBrk="0" hangingPunct="1">
-              <a:lnSpc>
-                <a:spcPct val="90000"/>
-              </a:lnSpc>
-              <a:spcBef>
-                <a:spcPts val="500"/>
-              </a:spcBef>
-              <a:buFont typeface="Arial" panose="020B0604020202020204" pitchFamily="34" charset="0"/>
-              <a:buChar char="•"/>
-              <a:defRPr sz="1800" kern="1200">
-                <a:solidFill>
-                  <a:schemeClr val="tx1"/>
-                </a:solidFill>
-                <a:latin typeface="+mn-lt"/>
-                <a:ea typeface="+mn-ea"/>
-                <a:cs typeface="+mn-cs"/>
-              </a:defRPr>
-            </a:lvl6pPr>
-            <a:lvl7pPr marL="2971800" indent="-228600" algn="l" defTabSz="914400" rtl="0" eaLnBrk="1" latinLnBrk="0" hangingPunct="1">
-              <a:lnSpc>
-                <a:spcPct val="90000"/>
-              </a:lnSpc>
-              <a:spcBef>
-                <a:spcPts val="500"/>
-              </a:spcBef>
-              <a:buFont typeface="Arial" panose="020B0604020202020204" pitchFamily="34" charset="0"/>
-              <a:buChar char="•"/>
-              <a:defRPr sz="1800" kern="1200">
-                <a:solidFill>
-                  <a:schemeClr val="tx1"/>
-                </a:solidFill>
-                <a:latin typeface="+mn-lt"/>
-                <a:ea typeface="+mn-ea"/>
-                <a:cs typeface="+mn-cs"/>
-              </a:defRPr>
-            </a:lvl7pPr>
-            <a:lvl8pPr marL="3429000" indent="-228600" algn="l" defTabSz="914400" rtl="0" eaLnBrk="1" latinLnBrk="0" hangingPunct="1">
-              <a:lnSpc>
-                <a:spcPct val="90000"/>
-              </a:lnSpc>
-              <a:spcBef>
-                <a:spcPts val="500"/>
-              </a:spcBef>
-              <a:buFont typeface="Arial" panose="020B0604020202020204" pitchFamily="34" charset="0"/>
-              <a:buChar char="•"/>
-              <a:defRPr sz="1800" kern="1200">
-                <a:solidFill>
-                  <a:schemeClr val="tx1"/>
-                </a:solidFill>
-                <a:latin typeface="+mn-lt"/>
-                <a:ea typeface="+mn-ea"/>
-                <a:cs typeface="+mn-cs"/>
-              </a:defRPr>
-            </a:lvl8pPr>
-            <a:lvl9pPr marL="3886200" indent="-228600" algn="l" defTabSz="914400" rtl="0" eaLnBrk="1" latinLnBrk="0" hangingPunct="1">
-              <a:lnSpc>
-                <a:spcPct val="90000"/>
-              </a:lnSpc>
-              <a:spcBef>
-                <a:spcPts val="500"/>
-              </a:spcBef>
-              <a:buFont typeface="Arial" panose="020B0604020202020204" pitchFamily="34" charset="0"/>
-              <a:buChar char="•"/>
-              <a:defRPr sz="1800" kern="1200">
-                <a:solidFill>
-                  <a:schemeClr val="tx1"/>
-                </a:solidFill>
-                <a:latin typeface="+mn-lt"/>
-                <a:ea typeface="+mn-ea"/>
-                <a:cs typeface="+mn-cs"/>
-              </a:defRPr>
-            </a:lvl9pPr>
-          </a:lstStyle>
-          <a:p>
-            <a:pPr marL="0" indent="0" algn="ctr">
-              <a:buFont typeface="Arial" panose="020B0604020202020204" pitchFamily="34" charset="0"/>
-              <a:buNone/>
-            </a:pPr>
-            <a:r>
-              <a:rPr lang="en-US" sz="2000" dirty="0"/>
-              <a:t>23 responses, 16 possible users</a:t>
-            </a:r>
-          </a:p>
-        </p:txBody>
-      </p:sp>
-      <p:sp>
-        <p:nvSpPr>
-          <p:cNvPr id="2" name="Content Placeholder 2">
-            <a:extLst>
-              <a:ext uri="{FF2B5EF4-FFF2-40B4-BE49-F238E27FC236}">
-                <a16:creationId xmlns:a16="http://schemas.microsoft.com/office/drawing/2014/main" id="{2B95A083-918D-0004-A766-14DEBA9C49AB}"/>
-              </a:ext>
-            </a:extLst>
-          </p:cNvPr>
-          <p:cNvSpPr txBox="1">
-            <a:spLocks/>
-          </p:cNvSpPr>
-          <p:nvPr/>
-        </p:nvSpPr>
-        <p:spPr>
-          <a:xfrm>
-            <a:off x="4286250" y="1987240"/>
-            <a:ext cx="4443079" cy="683888"/>
-          </a:xfrm>
-          <a:prstGeom prst="rect">
-            <a:avLst/>
-          </a:prstGeom>
-        </p:spPr>
-        <p:txBody>
-          <a:bodyPr vert="horz" lIns="91440" tIns="45720" rIns="91440" bIns="45720" rtlCol="0">
-            <a:normAutofit/>
-          </a:bodyPr>
-          <a:lstStyle>
-            <a:lvl1pPr marL="228600" indent="-228600" algn="l" defTabSz="914400" rtl="0" eaLnBrk="1" latinLnBrk="0" hangingPunct="1">
-              <a:lnSpc>
-                <a:spcPct val="90000"/>
-              </a:lnSpc>
-              <a:spcBef>
-                <a:spcPts val="1000"/>
-              </a:spcBef>
-              <a:buFont typeface="Arial" panose="020B0604020202020204" pitchFamily="34" charset="0"/>
-              <a:buChar char="•"/>
-              <a:defRPr sz="2800" kern="1200">
-                <a:solidFill>
-                  <a:schemeClr val="tx1"/>
-                </a:solidFill>
-                <a:latin typeface="+mn-lt"/>
-                <a:ea typeface="+mn-ea"/>
-                <a:cs typeface="+mn-cs"/>
-              </a:defRPr>
-            </a:lvl1pPr>
-            <a:lvl2pPr marL="685800" indent="-228600" algn="l" defTabSz="914400" rtl="0" eaLnBrk="1" latinLnBrk="0" hangingPunct="1">
-              <a:lnSpc>
-                <a:spcPct val="90000"/>
-              </a:lnSpc>
-              <a:spcBef>
-                <a:spcPts val="500"/>
-              </a:spcBef>
-              <a:buFont typeface="Arial" panose="020B0604020202020204" pitchFamily="34" charset="0"/>
-              <a:buChar char="•"/>
-              <a:defRPr sz="2400" kern="1200">
-                <a:solidFill>
-                  <a:schemeClr val="tx1"/>
-                </a:solidFill>
-                <a:latin typeface="+mn-lt"/>
-                <a:ea typeface="+mn-ea"/>
-                <a:cs typeface="+mn-cs"/>
-              </a:defRPr>
-            </a:lvl2pPr>
-            <a:lvl3pPr marL="1143000" indent="-228600" algn="l" defTabSz="914400" rtl="0" eaLnBrk="1" latinLnBrk="0" hangingPunct="1">
-              <a:lnSpc>
-                <a:spcPct val="90000"/>
-              </a:lnSpc>
-              <a:spcBef>
-                <a:spcPts val="500"/>
-              </a:spcBef>
-              <a:buFont typeface="Arial" panose="020B0604020202020204" pitchFamily="34" charset="0"/>
-              <a:buChar char="•"/>
-              <a:defRPr sz="2000" kern="1200">
-                <a:solidFill>
-                  <a:schemeClr val="tx1"/>
-                </a:solidFill>
-                <a:latin typeface="+mn-lt"/>
-                <a:ea typeface="+mn-ea"/>
-                <a:cs typeface="+mn-cs"/>
-              </a:defRPr>
-            </a:lvl3pPr>
-            <a:lvl4pPr marL="1600200" indent="-228600" algn="l" defTabSz="914400" rtl="0" eaLnBrk="1" latinLnBrk="0" hangingPunct="1">
-              <a:lnSpc>
-                <a:spcPct val="90000"/>
-              </a:lnSpc>
-              <a:spcBef>
-                <a:spcPts val="500"/>
-              </a:spcBef>
-              <a:buFont typeface="Arial" panose="020B0604020202020204" pitchFamily="34" charset="0"/>
-              <a:buChar char="•"/>
-              <a:defRPr sz="1800" kern="1200">
-                <a:solidFill>
-                  <a:schemeClr val="tx1"/>
-                </a:solidFill>
-                <a:latin typeface="+mn-lt"/>
-                <a:ea typeface="+mn-ea"/>
-                <a:cs typeface="+mn-cs"/>
-              </a:defRPr>
-            </a:lvl4pPr>
-            <a:lvl5pPr marL="2057400" indent="-228600" algn="l" defTabSz="914400" rtl="0" eaLnBrk="1" latinLnBrk="0" hangingPunct="1">
-              <a:lnSpc>
-                <a:spcPct val="90000"/>
-              </a:lnSpc>
-              <a:spcBef>
-                <a:spcPts val="500"/>
-              </a:spcBef>
-              <a:buFont typeface="Arial" panose="020B0604020202020204" pitchFamily="34" charset="0"/>
-              <a:buChar char="•"/>
-              <a:defRPr sz="1800" kern="1200">
-                <a:solidFill>
-                  <a:schemeClr val="tx1"/>
-                </a:solidFill>
-                <a:latin typeface="+mn-lt"/>
-                <a:ea typeface="+mn-ea"/>
-                <a:cs typeface="+mn-cs"/>
-              </a:defRPr>
-            </a:lvl5pPr>
-            <a:lvl6pPr marL="2514600" indent="-228600" algn="l" defTabSz="914400" rtl="0" eaLnBrk="1" latinLnBrk="0" hangingPunct="1">
-              <a:lnSpc>
-                <a:spcPct val="90000"/>
-              </a:lnSpc>
-              <a:spcBef>
-                <a:spcPts val="500"/>
-              </a:spcBef>
-              <a:buFont typeface="Arial" panose="020B0604020202020204" pitchFamily="34" charset="0"/>
-              <a:buChar char="•"/>
-              <a:defRPr sz="1800" kern="1200">
-                <a:solidFill>
-                  <a:schemeClr val="tx1"/>
-                </a:solidFill>
-                <a:latin typeface="+mn-lt"/>
-                <a:ea typeface="+mn-ea"/>
-                <a:cs typeface="+mn-cs"/>
-              </a:defRPr>
-            </a:lvl6pPr>
-            <a:lvl7pPr marL="2971800" indent="-228600" algn="l" defTabSz="914400" rtl="0" eaLnBrk="1" latinLnBrk="0" hangingPunct="1">
-              <a:lnSpc>
-                <a:spcPct val="90000"/>
-              </a:lnSpc>
-              <a:spcBef>
-                <a:spcPts val="500"/>
-              </a:spcBef>
-              <a:buFont typeface="Arial" panose="020B0604020202020204" pitchFamily="34" charset="0"/>
-              <a:buChar char="•"/>
-              <a:defRPr sz="1800" kern="1200">
-                <a:solidFill>
-                  <a:schemeClr val="tx1"/>
-                </a:solidFill>
-                <a:latin typeface="+mn-lt"/>
-                <a:ea typeface="+mn-ea"/>
-                <a:cs typeface="+mn-cs"/>
-              </a:defRPr>
-            </a:lvl7pPr>
-            <a:lvl8pPr marL="3429000" indent="-228600" algn="l" defTabSz="914400" rtl="0" eaLnBrk="1" latinLnBrk="0" hangingPunct="1">
-              <a:lnSpc>
-                <a:spcPct val="90000"/>
-              </a:lnSpc>
-              <a:spcBef>
-                <a:spcPts val="500"/>
-              </a:spcBef>
-              <a:buFont typeface="Arial" panose="020B0604020202020204" pitchFamily="34" charset="0"/>
-              <a:buChar char="•"/>
-              <a:defRPr sz="1800" kern="1200">
-                <a:solidFill>
-                  <a:schemeClr val="tx1"/>
-                </a:solidFill>
-                <a:latin typeface="+mn-lt"/>
-                <a:ea typeface="+mn-ea"/>
-                <a:cs typeface="+mn-cs"/>
-              </a:defRPr>
-            </a:lvl8pPr>
-            <a:lvl9pPr marL="3886200" indent="-228600" algn="l" defTabSz="914400" rtl="0" eaLnBrk="1" latinLnBrk="0" hangingPunct="1">
-              <a:lnSpc>
-                <a:spcPct val="90000"/>
-              </a:lnSpc>
-              <a:spcBef>
-                <a:spcPts val="500"/>
-              </a:spcBef>
-              <a:buFont typeface="Arial" panose="020B0604020202020204" pitchFamily="34" charset="0"/>
-              <a:buChar char="•"/>
-              <a:defRPr sz="1800" kern="1200">
-                <a:solidFill>
-                  <a:schemeClr val="tx1"/>
-                </a:solidFill>
-                <a:latin typeface="+mn-lt"/>
-                <a:ea typeface="+mn-ea"/>
-                <a:cs typeface="+mn-cs"/>
-              </a:defRPr>
-            </a:lvl9pPr>
-          </a:lstStyle>
-          <a:p>
-            <a:pPr marL="0" indent="0" algn="ctr">
-              <a:buFont typeface="Arial" panose="020B0604020202020204" pitchFamily="34" charset="0"/>
-              <a:buNone/>
-            </a:pPr>
-            <a:r>
-              <a:rPr lang="en-US" sz="2000" dirty="0"/>
-              <a:t>Mostly females, 3</a:t>
-            </a:r>
-            <a:r>
-              <a:rPr lang="en-US" sz="2000" baseline="30000" dirty="0"/>
-              <a:t>rd</a:t>
-            </a:r>
-            <a:r>
-              <a:rPr lang="en-US" sz="2000" dirty="0"/>
-              <a:t> year students between the ages of 18 and 23</a:t>
-            </a:r>
-          </a:p>
-        </p:txBody>
-      </p:sp>
-      <p:sp>
-        <p:nvSpPr>
-          <p:cNvPr id="4" name="Arrow: Right 3">
-            <a:extLst>
-              <a:ext uri="{FF2B5EF4-FFF2-40B4-BE49-F238E27FC236}">
-                <a16:creationId xmlns:a16="http://schemas.microsoft.com/office/drawing/2014/main" id="{7496DB06-D36E-8D5A-BD24-9FC735C8EF5B}"/>
-              </a:ext>
-            </a:extLst>
-          </p:cNvPr>
-          <p:cNvSpPr/>
-          <p:nvPr/>
-        </p:nvSpPr>
-        <p:spPr>
-          <a:xfrm>
-            <a:off x="3705219" y="2119191"/>
-            <a:ext cx="856146" cy="419986"/>
-          </a:xfrm>
-          <a:prstGeom prst="rightArrow">
-            <a:avLst/>
-          </a:prstGeom>
-          <a:solidFill>
-            <a:srgbClr val="993300"/>
-          </a:solidFill>
-          <a:ln>
-            <a:noFill/>
-          </a:ln>
-        </p:spPr>
-        <p:style>
-          <a:lnRef idx="2">
-            <a:schemeClr val="accent1">
-              <a:shade val="50000"/>
-            </a:schemeClr>
-          </a:lnRef>
-          <a:fillRef idx="1">
-            <a:schemeClr val="accent1"/>
-          </a:fillRef>
-          <a:effectRef idx="0">
-            <a:schemeClr val="accent1"/>
-          </a:effectRef>
-          <a:fontRef idx="minor">
-            <a:schemeClr val="lt1"/>
-          </a:fontRef>
-        </p:style>
-        <p:txBody>
-          <a:bodyPr rtlCol="0" anchor="ctr"/>
-          <a:lstStyle/>
-          <a:p>
-            <a:pPr algn="ctr"/>
-            <a:endParaRPr lang="en-GB"/>
-          </a:p>
-        </p:txBody>
-      </p:sp>
-      <p:sp>
-        <p:nvSpPr>
-          <p:cNvPr id="7" name="Content Placeholder 2">
-            <a:extLst>
-              <a:ext uri="{FF2B5EF4-FFF2-40B4-BE49-F238E27FC236}">
-                <a16:creationId xmlns:a16="http://schemas.microsoft.com/office/drawing/2014/main" id="{CCCA4DE0-314F-58EA-6C8A-1140B2BBFF11}"/>
-              </a:ext>
-            </a:extLst>
-          </p:cNvPr>
-          <p:cNvSpPr txBox="1">
-            <a:spLocks/>
-          </p:cNvSpPr>
-          <p:nvPr/>
-        </p:nvSpPr>
-        <p:spPr>
-          <a:xfrm>
-            <a:off x="630644" y="3252376"/>
-            <a:ext cx="4017331" cy="683888"/>
-          </a:xfrm>
-          <a:prstGeom prst="rect">
-            <a:avLst/>
-          </a:prstGeom>
-        </p:spPr>
-        <p:txBody>
-          <a:bodyPr vert="horz" lIns="91440" tIns="45720" rIns="91440" bIns="45720" rtlCol="0">
-            <a:normAutofit/>
-          </a:bodyPr>
-          <a:lstStyle>
-            <a:lvl1pPr marL="228600" indent="-228600" algn="l" defTabSz="914400" rtl="0" eaLnBrk="1" latinLnBrk="0" hangingPunct="1">
-              <a:lnSpc>
-                <a:spcPct val="90000"/>
-              </a:lnSpc>
-              <a:spcBef>
-                <a:spcPts val="1000"/>
-              </a:spcBef>
-              <a:buFont typeface="Arial" panose="020B0604020202020204" pitchFamily="34" charset="0"/>
-              <a:buChar char="•"/>
-              <a:defRPr sz="2800" kern="1200">
-                <a:solidFill>
-                  <a:schemeClr val="tx1"/>
-                </a:solidFill>
-                <a:latin typeface="+mn-lt"/>
-                <a:ea typeface="+mn-ea"/>
-                <a:cs typeface="+mn-cs"/>
-              </a:defRPr>
-            </a:lvl1pPr>
-            <a:lvl2pPr marL="685800" indent="-228600" algn="l" defTabSz="914400" rtl="0" eaLnBrk="1" latinLnBrk="0" hangingPunct="1">
-              <a:lnSpc>
-                <a:spcPct val="90000"/>
-              </a:lnSpc>
-              <a:spcBef>
-                <a:spcPts val="500"/>
-              </a:spcBef>
-              <a:buFont typeface="Arial" panose="020B0604020202020204" pitchFamily="34" charset="0"/>
-              <a:buChar char="•"/>
-              <a:defRPr sz="2400" kern="1200">
-                <a:solidFill>
-                  <a:schemeClr val="tx1"/>
-                </a:solidFill>
-                <a:latin typeface="+mn-lt"/>
-                <a:ea typeface="+mn-ea"/>
-                <a:cs typeface="+mn-cs"/>
-              </a:defRPr>
-            </a:lvl2pPr>
-            <a:lvl3pPr marL="1143000" indent="-228600" algn="l" defTabSz="914400" rtl="0" eaLnBrk="1" latinLnBrk="0" hangingPunct="1">
-              <a:lnSpc>
-                <a:spcPct val="90000"/>
-              </a:lnSpc>
-              <a:spcBef>
-                <a:spcPts val="500"/>
-              </a:spcBef>
-              <a:buFont typeface="Arial" panose="020B0604020202020204" pitchFamily="34" charset="0"/>
-              <a:buChar char="•"/>
-              <a:defRPr sz="2000" kern="1200">
-                <a:solidFill>
-                  <a:schemeClr val="tx1"/>
-                </a:solidFill>
-                <a:latin typeface="+mn-lt"/>
-                <a:ea typeface="+mn-ea"/>
-                <a:cs typeface="+mn-cs"/>
-              </a:defRPr>
-            </a:lvl3pPr>
-            <a:lvl4pPr marL="1600200" indent="-228600" algn="l" defTabSz="914400" rtl="0" eaLnBrk="1" latinLnBrk="0" hangingPunct="1">
-              <a:lnSpc>
-                <a:spcPct val="90000"/>
-              </a:lnSpc>
-              <a:spcBef>
-                <a:spcPts val="500"/>
-              </a:spcBef>
-              <a:buFont typeface="Arial" panose="020B0604020202020204" pitchFamily="34" charset="0"/>
-              <a:buChar char="•"/>
-              <a:defRPr sz="1800" kern="1200">
-                <a:solidFill>
-                  <a:schemeClr val="tx1"/>
-                </a:solidFill>
-                <a:latin typeface="+mn-lt"/>
-                <a:ea typeface="+mn-ea"/>
-                <a:cs typeface="+mn-cs"/>
-              </a:defRPr>
-            </a:lvl4pPr>
-            <a:lvl5pPr marL="2057400" indent="-228600" algn="l" defTabSz="914400" rtl="0" eaLnBrk="1" latinLnBrk="0" hangingPunct="1">
-              <a:lnSpc>
-                <a:spcPct val="90000"/>
-              </a:lnSpc>
-              <a:spcBef>
-                <a:spcPts val="500"/>
-              </a:spcBef>
-              <a:buFont typeface="Arial" panose="020B0604020202020204" pitchFamily="34" charset="0"/>
-              <a:buChar char="•"/>
-              <a:defRPr sz="1800" kern="1200">
-                <a:solidFill>
-                  <a:schemeClr val="tx1"/>
-                </a:solidFill>
-                <a:latin typeface="+mn-lt"/>
-                <a:ea typeface="+mn-ea"/>
-                <a:cs typeface="+mn-cs"/>
-              </a:defRPr>
-            </a:lvl5pPr>
-            <a:lvl6pPr marL="2514600" indent="-228600" algn="l" defTabSz="914400" rtl="0" eaLnBrk="1" latinLnBrk="0" hangingPunct="1">
-              <a:lnSpc>
-                <a:spcPct val="90000"/>
-              </a:lnSpc>
-              <a:spcBef>
-                <a:spcPts val="500"/>
-              </a:spcBef>
-              <a:buFont typeface="Arial" panose="020B0604020202020204" pitchFamily="34" charset="0"/>
-              <a:buChar char="•"/>
-              <a:defRPr sz="1800" kern="1200">
-                <a:solidFill>
-                  <a:schemeClr val="tx1"/>
-                </a:solidFill>
-                <a:latin typeface="+mn-lt"/>
-                <a:ea typeface="+mn-ea"/>
-                <a:cs typeface="+mn-cs"/>
-              </a:defRPr>
-            </a:lvl6pPr>
-            <a:lvl7pPr marL="2971800" indent="-228600" algn="l" defTabSz="914400" rtl="0" eaLnBrk="1" latinLnBrk="0" hangingPunct="1">
-              <a:lnSpc>
-                <a:spcPct val="90000"/>
-              </a:lnSpc>
-              <a:spcBef>
-                <a:spcPts val="500"/>
-              </a:spcBef>
-              <a:buFont typeface="Arial" panose="020B0604020202020204" pitchFamily="34" charset="0"/>
-              <a:buChar char="•"/>
-              <a:defRPr sz="1800" kern="1200">
-                <a:solidFill>
-                  <a:schemeClr val="tx1"/>
-                </a:solidFill>
-                <a:latin typeface="+mn-lt"/>
-                <a:ea typeface="+mn-ea"/>
-                <a:cs typeface="+mn-cs"/>
-              </a:defRPr>
-            </a:lvl7pPr>
-            <a:lvl8pPr marL="3429000" indent="-228600" algn="l" defTabSz="914400" rtl="0" eaLnBrk="1" latinLnBrk="0" hangingPunct="1">
-              <a:lnSpc>
-                <a:spcPct val="90000"/>
-              </a:lnSpc>
-              <a:spcBef>
-                <a:spcPts val="500"/>
-              </a:spcBef>
-              <a:buFont typeface="Arial" panose="020B0604020202020204" pitchFamily="34" charset="0"/>
-              <a:buChar char="•"/>
-              <a:defRPr sz="1800" kern="1200">
-                <a:solidFill>
-                  <a:schemeClr val="tx1"/>
-                </a:solidFill>
-                <a:latin typeface="+mn-lt"/>
-                <a:ea typeface="+mn-ea"/>
-                <a:cs typeface="+mn-cs"/>
-              </a:defRPr>
-            </a:lvl8pPr>
-            <a:lvl9pPr marL="3886200" indent="-228600" algn="l" defTabSz="914400" rtl="0" eaLnBrk="1" latinLnBrk="0" hangingPunct="1">
-              <a:lnSpc>
-                <a:spcPct val="90000"/>
-              </a:lnSpc>
-              <a:spcBef>
-                <a:spcPts val="500"/>
-              </a:spcBef>
-              <a:buFont typeface="Arial" panose="020B0604020202020204" pitchFamily="34" charset="0"/>
-              <a:buChar char="•"/>
-              <a:defRPr sz="1800" kern="1200">
-                <a:solidFill>
-                  <a:schemeClr val="tx1"/>
-                </a:solidFill>
-                <a:latin typeface="+mn-lt"/>
-                <a:ea typeface="+mn-ea"/>
-                <a:cs typeface="+mn-cs"/>
-              </a:defRPr>
-            </a:lvl9pPr>
-          </a:lstStyle>
-          <a:p>
-            <a:pPr marL="0" indent="0" algn="ctr">
-              <a:buFont typeface="Arial" panose="020B0604020202020204" pitchFamily="34" charset="0"/>
-              <a:buNone/>
-            </a:pPr>
-            <a:r>
-              <a:rPr lang="en-US" sz="2000" b="1" dirty="0"/>
-              <a:t>Ten responses for Portuguese people not living with their parents</a:t>
-            </a:r>
-          </a:p>
-        </p:txBody>
-      </p:sp>
-      <p:sp>
-        <p:nvSpPr>
-          <p:cNvPr id="8" name="Content Placeholder 2">
-            <a:extLst>
-              <a:ext uri="{FF2B5EF4-FFF2-40B4-BE49-F238E27FC236}">
-                <a16:creationId xmlns:a16="http://schemas.microsoft.com/office/drawing/2014/main" id="{FBBA8D88-72D3-C301-8073-B5C2476D1D0B}"/>
-              </a:ext>
-            </a:extLst>
-          </p:cNvPr>
-          <p:cNvSpPr txBox="1">
-            <a:spLocks/>
-          </p:cNvSpPr>
-          <p:nvPr/>
-        </p:nvSpPr>
-        <p:spPr>
-          <a:xfrm>
-            <a:off x="704850" y="4079944"/>
-            <a:ext cx="3868921" cy="2081624"/>
-          </a:xfrm>
-          <a:prstGeom prst="rect">
-            <a:avLst/>
-          </a:prstGeom>
-        </p:spPr>
-        <p:txBody>
-          <a:bodyPr vert="horz" lIns="91440" tIns="45720" rIns="91440" bIns="45720" rtlCol="0">
-            <a:normAutofit/>
-          </a:bodyPr>
-          <a:lstStyle>
-            <a:lvl1pPr marL="228600" indent="-228600" algn="l" defTabSz="914400" rtl="0" eaLnBrk="1" latinLnBrk="0" hangingPunct="1">
-              <a:lnSpc>
-                <a:spcPct val="90000"/>
-              </a:lnSpc>
-              <a:spcBef>
-                <a:spcPts val="1000"/>
-              </a:spcBef>
-              <a:buFont typeface="Arial" panose="020B0604020202020204" pitchFamily="34" charset="0"/>
-              <a:buChar char="•"/>
-              <a:defRPr sz="2800" kern="1200">
-                <a:solidFill>
-                  <a:schemeClr val="tx1"/>
-                </a:solidFill>
-                <a:latin typeface="+mn-lt"/>
-                <a:ea typeface="+mn-ea"/>
-                <a:cs typeface="+mn-cs"/>
-              </a:defRPr>
-            </a:lvl1pPr>
-            <a:lvl2pPr marL="685800" indent="-228600" algn="l" defTabSz="914400" rtl="0" eaLnBrk="1" latinLnBrk="0" hangingPunct="1">
-              <a:lnSpc>
-                <a:spcPct val="90000"/>
-              </a:lnSpc>
-              <a:spcBef>
-                <a:spcPts val="500"/>
-              </a:spcBef>
-              <a:buFont typeface="Arial" panose="020B0604020202020204" pitchFamily="34" charset="0"/>
-              <a:buChar char="•"/>
-              <a:defRPr sz="2400" kern="1200">
-                <a:solidFill>
-                  <a:schemeClr val="tx1"/>
-                </a:solidFill>
-                <a:latin typeface="+mn-lt"/>
-                <a:ea typeface="+mn-ea"/>
-                <a:cs typeface="+mn-cs"/>
-              </a:defRPr>
-            </a:lvl2pPr>
-            <a:lvl3pPr marL="1143000" indent="-228600" algn="l" defTabSz="914400" rtl="0" eaLnBrk="1" latinLnBrk="0" hangingPunct="1">
-              <a:lnSpc>
-                <a:spcPct val="90000"/>
-              </a:lnSpc>
-              <a:spcBef>
-                <a:spcPts val="500"/>
-              </a:spcBef>
-              <a:buFont typeface="Arial" panose="020B0604020202020204" pitchFamily="34" charset="0"/>
-              <a:buChar char="•"/>
-              <a:defRPr sz="2000" kern="1200">
-                <a:solidFill>
-                  <a:schemeClr val="tx1"/>
-                </a:solidFill>
-                <a:latin typeface="+mn-lt"/>
-                <a:ea typeface="+mn-ea"/>
-                <a:cs typeface="+mn-cs"/>
-              </a:defRPr>
-            </a:lvl3pPr>
-            <a:lvl4pPr marL="1600200" indent="-228600" algn="l" defTabSz="914400" rtl="0" eaLnBrk="1" latinLnBrk="0" hangingPunct="1">
-              <a:lnSpc>
-                <a:spcPct val="90000"/>
-              </a:lnSpc>
-              <a:spcBef>
-                <a:spcPts val="500"/>
-              </a:spcBef>
-              <a:buFont typeface="Arial" panose="020B0604020202020204" pitchFamily="34" charset="0"/>
-              <a:buChar char="•"/>
-              <a:defRPr sz="1800" kern="1200">
-                <a:solidFill>
-                  <a:schemeClr val="tx1"/>
-                </a:solidFill>
-                <a:latin typeface="+mn-lt"/>
-                <a:ea typeface="+mn-ea"/>
-                <a:cs typeface="+mn-cs"/>
-              </a:defRPr>
-            </a:lvl4pPr>
-            <a:lvl5pPr marL="2057400" indent="-228600" algn="l" defTabSz="914400" rtl="0" eaLnBrk="1" latinLnBrk="0" hangingPunct="1">
-              <a:lnSpc>
-                <a:spcPct val="90000"/>
-              </a:lnSpc>
-              <a:spcBef>
-                <a:spcPts val="500"/>
-              </a:spcBef>
-              <a:buFont typeface="Arial" panose="020B0604020202020204" pitchFamily="34" charset="0"/>
-              <a:buChar char="•"/>
-              <a:defRPr sz="1800" kern="1200">
-                <a:solidFill>
-                  <a:schemeClr val="tx1"/>
-                </a:solidFill>
-                <a:latin typeface="+mn-lt"/>
-                <a:ea typeface="+mn-ea"/>
-                <a:cs typeface="+mn-cs"/>
-              </a:defRPr>
-            </a:lvl5pPr>
-            <a:lvl6pPr marL="2514600" indent="-228600" algn="l" defTabSz="914400" rtl="0" eaLnBrk="1" latinLnBrk="0" hangingPunct="1">
-              <a:lnSpc>
-                <a:spcPct val="90000"/>
-              </a:lnSpc>
-              <a:spcBef>
-                <a:spcPts val="500"/>
-              </a:spcBef>
-              <a:buFont typeface="Arial" panose="020B0604020202020204" pitchFamily="34" charset="0"/>
-              <a:buChar char="•"/>
-              <a:defRPr sz="1800" kern="1200">
-                <a:solidFill>
-                  <a:schemeClr val="tx1"/>
-                </a:solidFill>
-                <a:latin typeface="+mn-lt"/>
-                <a:ea typeface="+mn-ea"/>
-                <a:cs typeface="+mn-cs"/>
-              </a:defRPr>
-            </a:lvl6pPr>
-            <a:lvl7pPr marL="2971800" indent="-228600" algn="l" defTabSz="914400" rtl="0" eaLnBrk="1" latinLnBrk="0" hangingPunct="1">
-              <a:lnSpc>
-                <a:spcPct val="90000"/>
-              </a:lnSpc>
-              <a:spcBef>
-                <a:spcPts val="500"/>
-              </a:spcBef>
-              <a:buFont typeface="Arial" panose="020B0604020202020204" pitchFamily="34" charset="0"/>
-              <a:buChar char="•"/>
-              <a:defRPr sz="1800" kern="1200">
-                <a:solidFill>
-                  <a:schemeClr val="tx1"/>
-                </a:solidFill>
-                <a:latin typeface="+mn-lt"/>
-                <a:ea typeface="+mn-ea"/>
-                <a:cs typeface="+mn-cs"/>
-              </a:defRPr>
-            </a:lvl7pPr>
-            <a:lvl8pPr marL="3429000" indent="-228600" algn="l" defTabSz="914400" rtl="0" eaLnBrk="1" latinLnBrk="0" hangingPunct="1">
-              <a:lnSpc>
-                <a:spcPct val="90000"/>
-              </a:lnSpc>
-              <a:spcBef>
-                <a:spcPts val="500"/>
-              </a:spcBef>
-              <a:buFont typeface="Arial" panose="020B0604020202020204" pitchFamily="34" charset="0"/>
-              <a:buChar char="•"/>
-              <a:defRPr sz="1800" kern="1200">
-                <a:solidFill>
-                  <a:schemeClr val="tx1"/>
-                </a:solidFill>
-                <a:latin typeface="+mn-lt"/>
-                <a:ea typeface="+mn-ea"/>
-                <a:cs typeface="+mn-cs"/>
-              </a:defRPr>
-            </a:lvl8pPr>
-            <a:lvl9pPr marL="3886200" indent="-228600" algn="l" defTabSz="914400" rtl="0" eaLnBrk="1" latinLnBrk="0" hangingPunct="1">
-              <a:lnSpc>
-                <a:spcPct val="90000"/>
-              </a:lnSpc>
-              <a:spcBef>
-                <a:spcPts val="500"/>
-              </a:spcBef>
-              <a:buFont typeface="Arial" panose="020B0604020202020204" pitchFamily="34" charset="0"/>
-              <a:buChar char="•"/>
-              <a:defRPr sz="1800" kern="1200">
-                <a:solidFill>
-                  <a:schemeClr val="tx1"/>
-                </a:solidFill>
-                <a:latin typeface="+mn-lt"/>
-                <a:ea typeface="+mn-ea"/>
-                <a:cs typeface="+mn-cs"/>
-              </a:defRPr>
-            </a:lvl9pPr>
-          </a:lstStyle>
-          <a:p>
-            <a:pPr>
-              <a:buClr>
-                <a:srgbClr val="993300"/>
-              </a:buClr>
-            </a:pPr>
-            <a:r>
-              <a:rPr lang="en-US" sz="2000" dirty="0"/>
-              <a:t>Eight were living too far from FEUP</a:t>
-            </a:r>
-          </a:p>
-          <a:p>
-            <a:pPr>
-              <a:buClr>
-                <a:srgbClr val="993300"/>
-              </a:buClr>
-            </a:pPr>
-            <a:r>
-              <a:rPr lang="en-US" sz="2000" dirty="0"/>
-              <a:t>Six are living in a house with roommates</a:t>
-            </a:r>
-          </a:p>
-          <a:p>
-            <a:pPr>
-              <a:buClr>
-                <a:srgbClr val="993300"/>
-              </a:buClr>
-            </a:pPr>
-            <a:r>
-              <a:rPr lang="en-US" sz="2000" dirty="0"/>
-              <a:t>Nine are satisfied with their accommodations</a:t>
-            </a:r>
-          </a:p>
-          <a:p>
-            <a:endParaRPr lang="en-US" sz="2000" dirty="0"/>
-          </a:p>
-        </p:txBody>
-      </p:sp>
-      <p:sp>
-        <p:nvSpPr>
-          <p:cNvPr id="14" name="Content Placeholder 2">
-            <a:extLst>
-              <a:ext uri="{FF2B5EF4-FFF2-40B4-BE49-F238E27FC236}">
-                <a16:creationId xmlns:a16="http://schemas.microsoft.com/office/drawing/2014/main" id="{51853F8A-82FC-DB14-0AD0-3A8FEB088F51}"/>
-              </a:ext>
-            </a:extLst>
-          </p:cNvPr>
-          <p:cNvSpPr txBox="1">
-            <a:spLocks/>
-          </p:cNvSpPr>
-          <p:nvPr/>
-        </p:nvSpPr>
-        <p:spPr>
-          <a:xfrm>
-            <a:off x="8736419" y="3252376"/>
-            <a:ext cx="3335522" cy="683888"/>
-          </a:xfrm>
-          <a:prstGeom prst="rect">
-            <a:avLst/>
-          </a:prstGeom>
-        </p:spPr>
-        <p:txBody>
-          <a:bodyPr vert="horz" lIns="91440" tIns="45720" rIns="91440" bIns="45720" rtlCol="0">
-            <a:normAutofit/>
-          </a:bodyPr>
-          <a:lstStyle>
-            <a:lvl1pPr marL="228600" indent="-228600" algn="l" defTabSz="914400" rtl="0" eaLnBrk="1" latinLnBrk="0" hangingPunct="1">
-              <a:lnSpc>
-                <a:spcPct val="90000"/>
-              </a:lnSpc>
-              <a:spcBef>
-                <a:spcPts val="1000"/>
-              </a:spcBef>
-              <a:buFont typeface="Arial" panose="020B0604020202020204" pitchFamily="34" charset="0"/>
-              <a:buChar char="•"/>
-              <a:defRPr sz="2800" kern="1200">
-                <a:solidFill>
-                  <a:schemeClr val="tx1"/>
-                </a:solidFill>
-                <a:latin typeface="+mn-lt"/>
-                <a:ea typeface="+mn-ea"/>
-                <a:cs typeface="+mn-cs"/>
-              </a:defRPr>
-            </a:lvl1pPr>
-            <a:lvl2pPr marL="685800" indent="-228600" algn="l" defTabSz="914400" rtl="0" eaLnBrk="1" latinLnBrk="0" hangingPunct="1">
-              <a:lnSpc>
-                <a:spcPct val="90000"/>
-              </a:lnSpc>
-              <a:spcBef>
-                <a:spcPts val="500"/>
-              </a:spcBef>
-              <a:buFont typeface="Arial" panose="020B0604020202020204" pitchFamily="34" charset="0"/>
-              <a:buChar char="•"/>
-              <a:defRPr sz="2400" kern="1200">
-                <a:solidFill>
-                  <a:schemeClr val="tx1"/>
-                </a:solidFill>
-                <a:latin typeface="+mn-lt"/>
-                <a:ea typeface="+mn-ea"/>
-                <a:cs typeface="+mn-cs"/>
-              </a:defRPr>
-            </a:lvl2pPr>
-            <a:lvl3pPr marL="1143000" indent="-228600" algn="l" defTabSz="914400" rtl="0" eaLnBrk="1" latinLnBrk="0" hangingPunct="1">
-              <a:lnSpc>
-                <a:spcPct val="90000"/>
-              </a:lnSpc>
-              <a:spcBef>
-                <a:spcPts val="500"/>
-              </a:spcBef>
-              <a:buFont typeface="Arial" panose="020B0604020202020204" pitchFamily="34" charset="0"/>
-              <a:buChar char="•"/>
-              <a:defRPr sz="2000" kern="1200">
-                <a:solidFill>
-                  <a:schemeClr val="tx1"/>
-                </a:solidFill>
-                <a:latin typeface="+mn-lt"/>
-                <a:ea typeface="+mn-ea"/>
-                <a:cs typeface="+mn-cs"/>
-              </a:defRPr>
-            </a:lvl3pPr>
-            <a:lvl4pPr marL="1600200" indent="-228600" algn="l" defTabSz="914400" rtl="0" eaLnBrk="1" latinLnBrk="0" hangingPunct="1">
-              <a:lnSpc>
-                <a:spcPct val="90000"/>
-              </a:lnSpc>
-              <a:spcBef>
-                <a:spcPts val="500"/>
-              </a:spcBef>
-              <a:buFont typeface="Arial" panose="020B0604020202020204" pitchFamily="34" charset="0"/>
-              <a:buChar char="•"/>
-              <a:defRPr sz="1800" kern="1200">
-                <a:solidFill>
-                  <a:schemeClr val="tx1"/>
-                </a:solidFill>
-                <a:latin typeface="+mn-lt"/>
-                <a:ea typeface="+mn-ea"/>
-                <a:cs typeface="+mn-cs"/>
-              </a:defRPr>
-            </a:lvl4pPr>
-            <a:lvl5pPr marL="2057400" indent="-228600" algn="l" defTabSz="914400" rtl="0" eaLnBrk="1" latinLnBrk="0" hangingPunct="1">
-              <a:lnSpc>
-                <a:spcPct val="90000"/>
-              </a:lnSpc>
-              <a:spcBef>
-                <a:spcPts val="500"/>
-              </a:spcBef>
-              <a:buFont typeface="Arial" panose="020B0604020202020204" pitchFamily="34" charset="0"/>
-              <a:buChar char="•"/>
-              <a:defRPr sz="1800" kern="1200">
-                <a:solidFill>
-                  <a:schemeClr val="tx1"/>
-                </a:solidFill>
-                <a:latin typeface="+mn-lt"/>
-                <a:ea typeface="+mn-ea"/>
-                <a:cs typeface="+mn-cs"/>
-              </a:defRPr>
-            </a:lvl5pPr>
-            <a:lvl6pPr marL="2514600" indent="-228600" algn="l" defTabSz="914400" rtl="0" eaLnBrk="1" latinLnBrk="0" hangingPunct="1">
-              <a:lnSpc>
-                <a:spcPct val="90000"/>
-              </a:lnSpc>
-              <a:spcBef>
-                <a:spcPts val="500"/>
-              </a:spcBef>
-              <a:buFont typeface="Arial" panose="020B0604020202020204" pitchFamily="34" charset="0"/>
-              <a:buChar char="•"/>
-              <a:defRPr sz="1800" kern="1200">
-                <a:solidFill>
-                  <a:schemeClr val="tx1"/>
-                </a:solidFill>
-                <a:latin typeface="+mn-lt"/>
-                <a:ea typeface="+mn-ea"/>
-                <a:cs typeface="+mn-cs"/>
-              </a:defRPr>
-            </a:lvl6pPr>
-            <a:lvl7pPr marL="2971800" indent="-228600" algn="l" defTabSz="914400" rtl="0" eaLnBrk="1" latinLnBrk="0" hangingPunct="1">
-              <a:lnSpc>
-                <a:spcPct val="90000"/>
-              </a:lnSpc>
-              <a:spcBef>
-                <a:spcPts val="500"/>
-              </a:spcBef>
-              <a:buFont typeface="Arial" panose="020B0604020202020204" pitchFamily="34" charset="0"/>
-              <a:buChar char="•"/>
-              <a:defRPr sz="1800" kern="1200">
-                <a:solidFill>
-                  <a:schemeClr val="tx1"/>
-                </a:solidFill>
-                <a:latin typeface="+mn-lt"/>
-                <a:ea typeface="+mn-ea"/>
-                <a:cs typeface="+mn-cs"/>
-              </a:defRPr>
-            </a:lvl7pPr>
-            <a:lvl8pPr marL="3429000" indent="-228600" algn="l" defTabSz="914400" rtl="0" eaLnBrk="1" latinLnBrk="0" hangingPunct="1">
-              <a:lnSpc>
-                <a:spcPct val="90000"/>
-              </a:lnSpc>
-              <a:spcBef>
-                <a:spcPts val="500"/>
-              </a:spcBef>
-              <a:buFont typeface="Arial" panose="020B0604020202020204" pitchFamily="34" charset="0"/>
-              <a:buChar char="•"/>
-              <a:defRPr sz="1800" kern="1200">
-                <a:solidFill>
-                  <a:schemeClr val="tx1"/>
-                </a:solidFill>
-                <a:latin typeface="+mn-lt"/>
-                <a:ea typeface="+mn-ea"/>
-                <a:cs typeface="+mn-cs"/>
-              </a:defRPr>
-            </a:lvl8pPr>
-            <a:lvl9pPr marL="3886200" indent="-228600" algn="l" defTabSz="914400" rtl="0" eaLnBrk="1" latinLnBrk="0" hangingPunct="1">
-              <a:lnSpc>
-                <a:spcPct val="90000"/>
-              </a:lnSpc>
-              <a:spcBef>
-                <a:spcPts val="500"/>
-              </a:spcBef>
-              <a:buFont typeface="Arial" panose="020B0604020202020204" pitchFamily="34" charset="0"/>
-              <a:buChar char="•"/>
-              <a:defRPr sz="1800" kern="1200">
-                <a:solidFill>
-                  <a:schemeClr val="tx1"/>
-                </a:solidFill>
-                <a:latin typeface="+mn-lt"/>
-                <a:ea typeface="+mn-ea"/>
-                <a:cs typeface="+mn-cs"/>
-              </a:defRPr>
-            </a:lvl9pPr>
-          </a:lstStyle>
-          <a:p>
-            <a:pPr marL="0" indent="0" algn="ctr">
-              <a:buFont typeface="Arial" panose="020B0604020202020204" pitchFamily="34" charset="0"/>
-              <a:buNone/>
-            </a:pPr>
-            <a:r>
-              <a:rPr lang="en-US" sz="2000" b="1" dirty="0"/>
-              <a:t>Three responses for Erasmus students (thanks Paula)</a:t>
-            </a:r>
-          </a:p>
-        </p:txBody>
-      </p:sp>
-      <p:sp>
-        <p:nvSpPr>
-          <p:cNvPr id="20" name="Content Placeholder 2">
-            <a:extLst>
-              <a:ext uri="{FF2B5EF4-FFF2-40B4-BE49-F238E27FC236}">
-                <a16:creationId xmlns:a16="http://schemas.microsoft.com/office/drawing/2014/main" id="{2A82FAB6-F367-A7A3-1250-31A8DC19AB6C}"/>
-              </a:ext>
-            </a:extLst>
-          </p:cNvPr>
-          <p:cNvSpPr txBox="1">
-            <a:spLocks/>
-          </p:cNvSpPr>
-          <p:nvPr/>
-        </p:nvSpPr>
-        <p:spPr>
-          <a:xfrm>
-            <a:off x="8803759" y="4270787"/>
-            <a:ext cx="3200843" cy="1098111"/>
-          </a:xfrm>
-          <a:prstGeom prst="rect">
-            <a:avLst/>
-          </a:prstGeom>
-        </p:spPr>
-        <p:txBody>
-          <a:bodyPr vert="horz" lIns="91440" tIns="45720" rIns="91440" bIns="45720" rtlCol="0">
-            <a:normAutofit/>
-          </a:bodyPr>
-          <a:lstStyle>
-            <a:lvl1pPr marL="228600" indent="-228600" algn="l" defTabSz="914400" rtl="0" eaLnBrk="1" latinLnBrk="0" hangingPunct="1">
-              <a:lnSpc>
-                <a:spcPct val="90000"/>
-              </a:lnSpc>
-              <a:spcBef>
-                <a:spcPts val="1000"/>
-              </a:spcBef>
-              <a:buFont typeface="Arial" panose="020B0604020202020204" pitchFamily="34" charset="0"/>
-              <a:buChar char="•"/>
-              <a:defRPr sz="2800" kern="1200">
-                <a:solidFill>
-                  <a:schemeClr val="tx1"/>
-                </a:solidFill>
-                <a:latin typeface="+mn-lt"/>
-                <a:ea typeface="+mn-ea"/>
-                <a:cs typeface="+mn-cs"/>
-              </a:defRPr>
-            </a:lvl1pPr>
-            <a:lvl2pPr marL="685800" indent="-228600" algn="l" defTabSz="914400" rtl="0" eaLnBrk="1" latinLnBrk="0" hangingPunct="1">
-              <a:lnSpc>
-                <a:spcPct val="90000"/>
-              </a:lnSpc>
-              <a:spcBef>
-                <a:spcPts val="500"/>
-              </a:spcBef>
-              <a:buFont typeface="Arial" panose="020B0604020202020204" pitchFamily="34" charset="0"/>
-              <a:buChar char="•"/>
-              <a:defRPr sz="2400" kern="1200">
-                <a:solidFill>
-                  <a:schemeClr val="tx1"/>
-                </a:solidFill>
-                <a:latin typeface="+mn-lt"/>
-                <a:ea typeface="+mn-ea"/>
-                <a:cs typeface="+mn-cs"/>
-              </a:defRPr>
-            </a:lvl2pPr>
-            <a:lvl3pPr marL="1143000" indent="-228600" algn="l" defTabSz="914400" rtl="0" eaLnBrk="1" latinLnBrk="0" hangingPunct="1">
-              <a:lnSpc>
-                <a:spcPct val="90000"/>
-              </a:lnSpc>
-              <a:spcBef>
-                <a:spcPts val="500"/>
-              </a:spcBef>
-              <a:buFont typeface="Arial" panose="020B0604020202020204" pitchFamily="34" charset="0"/>
-              <a:buChar char="•"/>
-              <a:defRPr sz="2000" kern="1200">
-                <a:solidFill>
-                  <a:schemeClr val="tx1"/>
-                </a:solidFill>
-                <a:latin typeface="+mn-lt"/>
-                <a:ea typeface="+mn-ea"/>
-                <a:cs typeface="+mn-cs"/>
-              </a:defRPr>
-            </a:lvl3pPr>
-            <a:lvl4pPr marL="1600200" indent="-228600" algn="l" defTabSz="914400" rtl="0" eaLnBrk="1" latinLnBrk="0" hangingPunct="1">
-              <a:lnSpc>
-                <a:spcPct val="90000"/>
-              </a:lnSpc>
-              <a:spcBef>
-                <a:spcPts val="500"/>
-              </a:spcBef>
-              <a:buFont typeface="Arial" panose="020B0604020202020204" pitchFamily="34" charset="0"/>
-              <a:buChar char="•"/>
-              <a:defRPr sz="1800" kern="1200">
-                <a:solidFill>
-                  <a:schemeClr val="tx1"/>
-                </a:solidFill>
-                <a:latin typeface="+mn-lt"/>
-                <a:ea typeface="+mn-ea"/>
-                <a:cs typeface="+mn-cs"/>
-              </a:defRPr>
-            </a:lvl4pPr>
-            <a:lvl5pPr marL="2057400" indent="-228600" algn="l" defTabSz="914400" rtl="0" eaLnBrk="1" latinLnBrk="0" hangingPunct="1">
-              <a:lnSpc>
-                <a:spcPct val="90000"/>
-              </a:lnSpc>
-              <a:spcBef>
-                <a:spcPts val="500"/>
-              </a:spcBef>
-              <a:buFont typeface="Arial" panose="020B0604020202020204" pitchFamily="34" charset="0"/>
-              <a:buChar char="•"/>
-              <a:defRPr sz="1800" kern="1200">
-                <a:solidFill>
-                  <a:schemeClr val="tx1"/>
-                </a:solidFill>
-                <a:latin typeface="+mn-lt"/>
-                <a:ea typeface="+mn-ea"/>
-                <a:cs typeface="+mn-cs"/>
-              </a:defRPr>
-            </a:lvl5pPr>
-            <a:lvl6pPr marL="2514600" indent="-228600" algn="l" defTabSz="914400" rtl="0" eaLnBrk="1" latinLnBrk="0" hangingPunct="1">
-              <a:lnSpc>
-                <a:spcPct val="90000"/>
-              </a:lnSpc>
-              <a:spcBef>
-                <a:spcPts val="500"/>
-              </a:spcBef>
-              <a:buFont typeface="Arial" panose="020B0604020202020204" pitchFamily="34" charset="0"/>
-              <a:buChar char="•"/>
-              <a:defRPr sz="1800" kern="1200">
-                <a:solidFill>
-                  <a:schemeClr val="tx1"/>
-                </a:solidFill>
-                <a:latin typeface="+mn-lt"/>
-                <a:ea typeface="+mn-ea"/>
-                <a:cs typeface="+mn-cs"/>
-              </a:defRPr>
-            </a:lvl6pPr>
-            <a:lvl7pPr marL="2971800" indent="-228600" algn="l" defTabSz="914400" rtl="0" eaLnBrk="1" latinLnBrk="0" hangingPunct="1">
-              <a:lnSpc>
-                <a:spcPct val="90000"/>
-              </a:lnSpc>
-              <a:spcBef>
-                <a:spcPts val="500"/>
-              </a:spcBef>
-              <a:buFont typeface="Arial" panose="020B0604020202020204" pitchFamily="34" charset="0"/>
-              <a:buChar char="•"/>
-              <a:defRPr sz="1800" kern="1200">
-                <a:solidFill>
-                  <a:schemeClr val="tx1"/>
-                </a:solidFill>
-                <a:latin typeface="+mn-lt"/>
-                <a:ea typeface="+mn-ea"/>
-                <a:cs typeface="+mn-cs"/>
-              </a:defRPr>
-            </a:lvl7pPr>
-            <a:lvl8pPr marL="3429000" indent="-228600" algn="l" defTabSz="914400" rtl="0" eaLnBrk="1" latinLnBrk="0" hangingPunct="1">
-              <a:lnSpc>
-                <a:spcPct val="90000"/>
-              </a:lnSpc>
-              <a:spcBef>
-                <a:spcPts val="500"/>
-              </a:spcBef>
-              <a:buFont typeface="Arial" panose="020B0604020202020204" pitchFamily="34" charset="0"/>
-              <a:buChar char="•"/>
-              <a:defRPr sz="1800" kern="1200">
-                <a:solidFill>
-                  <a:schemeClr val="tx1"/>
-                </a:solidFill>
-                <a:latin typeface="+mn-lt"/>
-                <a:ea typeface="+mn-ea"/>
-                <a:cs typeface="+mn-cs"/>
-              </a:defRPr>
-            </a:lvl8pPr>
-            <a:lvl9pPr marL="3886200" indent="-228600" algn="l" defTabSz="914400" rtl="0" eaLnBrk="1" latinLnBrk="0" hangingPunct="1">
-              <a:lnSpc>
-                <a:spcPct val="90000"/>
-              </a:lnSpc>
-              <a:spcBef>
-                <a:spcPts val="500"/>
-              </a:spcBef>
-              <a:buFont typeface="Arial" panose="020B0604020202020204" pitchFamily="34" charset="0"/>
-              <a:buChar char="•"/>
-              <a:defRPr sz="1800" kern="1200">
-                <a:solidFill>
-                  <a:schemeClr val="tx1"/>
-                </a:solidFill>
-                <a:latin typeface="+mn-lt"/>
-                <a:ea typeface="+mn-ea"/>
-                <a:cs typeface="+mn-cs"/>
-              </a:defRPr>
-            </a:lvl9pPr>
-          </a:lstStyle>
-          <a:p>
-            <a:pPr marL="0" indent="0" algn="ctr">
-              <a:buFont typeface="Arial" panose="020B0604020202020204" pitchFamily="34" charset="0"/>
-              <a:buNone/>
-            </a:pPr>
-            <a:r>
-              <a:rPr lang="en-US" sz="2000" dirty="0"/>
-              <a:t>None of them are interested in working or moving from their current stay</a:t>
-            </a:r>
-          </a:p>
-        </p:txBody>
-      </p:sp>
-      <p:sp>
-        <p:nvSpPr>
-          <p:cNvPr id="21" name="Content Placeholder 2">
-            <a:extLst>
-              <a:ext uri="{FF2B5EF4-FFF2-40B4-BE49-F238E27FC236}">
-                <a16:creationId xmlns:a16="http://schemas.microsoft.com/office/drawing/2014/main" id="{E68C547A-46A8-9333-245D-016AAF0CD060}"/>
-              </a:ext>
-            </a:extLst>
-          </p:cNvPr>
-          <p:cNvSpPr txBox="1">
-            <a:spLocks/>
-          </p:cNvSpPr>
-          <p:nvPr/>
-        </p:nvSpPr>
-        <p:spPr>
-          <a:xfrm>
-            <a:off x="4719965" y="3362895"/>
-            <a:ext cx="3991199" cy="462849"/>
-          </a:xfrm>
-          <a:prstGeom prst="rect">
-            <a:avLst/>
-          </a:prstGeom>
-        </p:spPr>
-        <p:txBody>
-          <a:bodyPr vert="horz" lIns="91440" tIns="45720" rIns="91440" bIns="45720" rtlCol="0">
-            <a:normAutofit/>
-          </a:bodyPr>
-          <a:lstStyle>
-            <a:lvl1pPr marL="228600" indent="-228600" algn="l" defTabSz="914400" rtl="0" eaLnBrk="1" latinLnBrk="0" hangingPunct="1">
-              <a:lnSpc>
-                <a:spcPct val="90000"/>
-              </a:lnSpc>
-              <a:spcBef>
-                <a:spcPts val="1000"/>
-              </a:spcBef>
-              <a:buFont typeface="Arial" panose="020B0604020202020204" pitchFamily="34" charset="0"/>
-              <a:buChar char="•"/>
-              <a:defRPr sz="2800" kern="1200">
-                <a:solidFill>
-                  <a:schemeClr val="tx1"/>
-                </a:solidFill>
-                <a:latin typeface="+mn-lt"/>
-                <a:ea typeface="+mn-ea"/>
-                <a:cs typeface="+mn-cs"/>
-              </a:defRPr>
-            </a:lvl1pPr>
-            <a:lvl2pPr marL="685800" indent="-228600" algn="l" defTabSz="914400" rtl="0" eaLnBrk="1" latinLnBrk="0" hangingPunct="1">
-              <a:lnSpc>
-                <a:spcPct val="90000"/>
-              </a:lnSpc>
-              <a:spcBef>
-                <a:spcPts val="500"/>
-              </a:spcBef>
-              <a:buFont typeface="Arial" panose="020B0604020202020204" pitchFamily="34" charset="0"/>
-              <a:buChar char="•"/>
-              <a:defRPr sz="2400" kern="1200">
-                <a:solidFill>
-                  <a:schemeClr val="tx1"/>
-                </a:solidFill>
-                <a:latin typeface="+mn-lt"/>
-                <a:ea typeface="+mn-ea"/>
-                <a:cs typeface="+mn-cs"/>
-              </a:defRPr>
-            </a:lvl2pPr>
-            <a:lvl3pPr marL="1143000" indent="-228600" algn="l" defTabSz="914400" rtl="0" eaLnBrk="1" latinLnBrk="0" hangingPunct="1">
-              <a:lnSpc>
-                <a:spcPct val="90000"/>
-              </a:lnSpc>
-              <a:spcBef>
-                <a:spcPts val="500"/>
-              </a:spcBef>
-              <a:buFont typeface="Arial" panose="020B0604020202020204" pitchFamily="34" charset="0"/>
-              <a:buChar char="•"/>
-              <a:defRPr sz="2000" kern="1200">
-                <a:solidFill>
-                  <a:schemeClr val="tx1"/>
-                </a:solidFill>
-                <a:latin typeface="+mn-lt"/>
-                <a:ea typeface="+mn-ea"/>
-                <a:cs typeface="+mn-cs"/>
-              </a:defRPr>
-            </a:lvl3pPr>
-            <a:lvl4pPr marL="1600200" indent="-228600" algn="l" defTabSz="914400" rtl="0" eaLnBrk="1" latinLnBrk="0" hangingPunct="1">
-              <a:lnSpc>
-                <a:spcPct val="90000"/>
-              </a:lnSpc>
-              <a:spcBef>
-                <a:spcPts val="500"/>
-              </a:spcBef>
-              <a:buFont typeface="Arial" panose="020B0604020202020204" pitchFamily="34" charset="0"/>
-              <a:buChar char="•"/>
-              <a:defRPr sz="1800" kern="1200">
-                <a:solidFill>
-                  <a:schemeClr val="tx1"/>
-                </a:solidFill>
-                <a:latin typeface="+mn-lt"/>
-                <a:ea typeface="+mn-ea"/>
-                <a:cs typeface="+mn-cs"/>
-              </a:defRPr>
-            </a:lvl4pPr>
-            <a:lvl5pPr marL="2057400" indent="-228600" algn="l" defTabSz="914400" rtl="0" eaLnBrk="1" latinLnBrk="0" hangingPunct="1">
-              <a:lnSpc>
-                <a:spcPct val="90000"/>
-              </a:lnSpc>
-              <a:spcBef>
-                <a:spcPts val="500"/>
-              </a:spcBef>
-              <a:buFont typeface="Arial" panose="020B0604020202020204" pitchFamily="34" charset="0"/>
-              <a:buChar char="•"/>
-              <a:defRPr sz="1800" kern="1200">
-                <a:solidFill>
-                  <a:schemeClr val="tx1"/>
-                </a:solidFill>
-                <a:latin typeface="+mn-lt"/>
-                <a:ea typeface="+mn-ea"/>
-                <a:cs typeface="+mn-cs"/>
-              </a:defRPr>
-            </a:lvl5pPr>
-            <a:lvl6pPr marL="2514600" indent="-228600" algn="l" defTabSz="914400" rtl="0" eaLnBrk="1" latinLnBrk="0" hangingPunct="1">
-              <a:lnSpc>
-                <a:spcPct val="90000"/>
-              </a:lnSpc>
-              <a:spcBef>
-                <a:spcPts val="500"/>
-              </a:spcBef>
-              <a:buFont typeface="Arial" panose="020B0604020202020204" pitchFamily="34" charset="0"/>
-              <a:buChar char="•"/>
-              <a:defRPr sz="1800" kern="1200">
-                <a:solidFill>
-                  <a:schemeClr val="tx1"/>
-                </a:solidFill>
-                <a:latin typeface="+mn-lt"/>
-                <a:ea typeface="+mn-ea"/>
-                <a:cs typeface="+mn-cs"/>
-              </a:defRPr>
-            </a:lvl6pPr>
-            <a:lvl7pPr marL="2971800" indent="-228600" algn="l" defTabSz="914400" rtl="0" eaLnBrk="1" latinLnBrk="0" hangingPunct="1">
-              <a:lnSpc>
-                <a:spcPct val="90000"/>
-              </a:lnSpc>
-              <a:spcBef>
-                <a:spcPts val="500"/>
-              </a:spcBef>
-              <a:buFont typeface="Arial" panose="020B0604020202020204" pitchFamily="34" charset="0"/>
-              <a:buChar char="•"/>
-              <a:defRPr sz="1800" kern="1200">
-                <a:solidFill>
-                  <a:schemeClr val="tx1"/>
-                </a:solidFill>
-                <a:latin typeface="+mn-lt"/>
-                <a:ea typeface="+mn-ea"/>
-                <a:cs typeface="+mn-cs"/>
-              </a:defRPr>
-            </a:lvl7pPr>
-            <a:lvl8pPr marL="3429000" indent="-228600" algn="l" defTabSz="914400" rtl="0" eaLnBrk="1" latinLnBrk="0" hangingPunct="1">
-              <a:lnSpc>
-                <a:spcPct val="90000"/>
-              </a:lnSpc>
-              <a:spcBef>
-                <a:spcPts val="500"/>
-              </a:spcBef>
-              <a:buFont typeface="Arial" panose="020B0604020202020204" pitchFamily="34" charset="0"/>
-              <a:buChar char="•"/>
-              <a:defRPr sz="1800" kern="1200">
-                <a:solidFill>
-                  <a:schemeClr val="tx1"/>
-                </a:solidFill>
-                <a:latin typeface="+mn-lt"/>
-                <a:ea typeface="+mn-ea"/>
-                <a:cs typeface="+mn-cs"/>
-              </a:defRPr>
-            </a:lvl8pPr>
-            <a:lvl9pPr marL="3886200" indent="-228600" algn="l" defTabSz="914400" rtl="0" eaLnBrk="1" latinLnBrk="0" hangingPunct="1">
-              <a:lnSpc>
-                <a:spcPct val="90000"/>
-              </a:lnSpc>
-              <a:spcBef>
-                <a:spcPts val="500"/>
-              </a:spcBef>
-              <a:buFont typeface="Arial" panose="020B0604020202020204" pitchFamily="34" charset="0"/>
-              <a:buChar char="•"/>
-              <a:defRPr sz="1800" kern="1200">
-                <a:solidFill>
-                  <a:schemeClr val="tx1"/>
-                </a:solidFill>
-                <a:latin typeface="+mn-lt"/>
-                <a:ea typeface="+mn-ea"/>
-                <a:cs typeface="+mn-cs"/>
-              </a:defRPr>
-            </a:lvl9pPr>
-          </a:lstStyle>
-          <a:p>
-            <a:pPr marL="0" indent="0" algn="ctr">
-              <a:buFont typeface="Arial" panose="020B0604020202020204" pitchFamily="34" charset="0"/>
-              <a:buNone/>
-            </a:pPr>
-            <a:r>
-              <a:rPr lang="en-US" sz="2000" b="1" dirty="0"/>
-              <a:t>Four responses for student-workers</a:t>
-            </a:r>
-          </a:p>
-        </p:txBody>
-      </p:sp>
-      <p:sp>
-        <p:nvSpPr>
-          <p:cNvPr id="22" name="Content Placeholder 2">
-            <a:extLst>
-              <a:ext uri="{FF2B5EF4-FFF2-40B4-BE49-F238E27FC236}">
-                <a16:creationId xmlns:a16="http://schemas.microsoft.com/office/drawing/2014/main" id="{BCF18BD5-4921-EA06-3AA7-1397C259DD25}"/>
-              </a:ext>
-            </a:extLst>
-          </p:cNvPr>
-          <p:cNvSpPr txBox="1">
-            <a:spLocks/>
-          </p:cNvSpPr>
-          <p:nvPr/>
-        </p:nvSpPr>
-        <p:spPr>
-          <a:xfrm>
-            <a:off x="4781105" y="4095893"/>
-            <a:ext cx="3868921" cy="2806549"/>
-          </a:xfrm>
-          <a:prstGeom prst="rect">
-            <a:avLst/>
-          </a:prstGeom>
-        </p:spPr>
-        <p:txBody>
-          <a:bodyPr vert="horz" lIns="91440" tIns="45720" rIns="91440" bIns="45720" rtlCol="0">
-            <a:normAutofit/>
-          </a:bodyPr>
-          <a:lstStyle>
-            <a:lvl1pPr marL="228600" indent="-228600" algn="l" defTabSz="914400" rtl="0" eaLnBrk="1" latinLnBrk="0" hangingPunct="1">
-              <a:lnSpc>
-                <a:spcPct val="90000"/>
-              </a:lnSpc>
-              <a:spcBef>
-                <a:spcPts val="1000"/>
-              </a:spcBef>
-              <a:buFont typeface="Arial" panose="020B0604020202020204" pitchFamily="34" charset="0"/>
-              <a:buChar char="•"/>
-              <a:defRPr sz="2800" kern="1200">
-                <a:solidFill>
-                  <a:schemeClr val="tx1"/>
-                </a:solidFill>
-                <a:latin typeface="+mn-lt"/>
-                <a:ea typeface="+mn-ea"/>
-                <a:cs typeface="+mn-cs"/>
-              </a:defRPr>
-            </a:lvl1pPr>
-            <a:lvl2pPr marL="685800" indent="-228600" algn="l" defTabSz="914400" rtl="0" eaLnBrk="1" latinLnBrk="0" hangingPunct="1">
-              <a:lnSpc>
-                <a:spcPct val="90000"/>
-              </a:lnSpc>
-              <a:spcBef>
-                <a:spcPts val="500"/>
-              </a:spcBef>
-              <a:buFont typeface="Arial" panose="020B0604020202020204" pitchFamily="34" charset="0"/>
-              <a:buChar char="•"/>
-              <a:defRPr sz="2400" kern="1200">
-                <a:solidFill>
-                  <a:schemeClr val="tx1"/>
-                </a:solidFill>
-                <a:latin typeface="+mn-lt"/>
-                <a:ea typeface="+mn-ea"/>
-                <a:cs typeface="+mn-cs"/>
-              </a:defRPr>
-            </a:lvl2pPr>
-            <a:lvl3pPr marL="1143000" indent="-228600" algn="l" defTabSz="914400" rtl="0" eaLnBrk="1" latinLnBrk="0" hangingPunct="1">
-              <a:lnSpc>
-                <a:spcPct val="90000"/>
-              </a:lnSpc>
-              <a:spcBef>
-                <a:spcPts val="500"/>
-              </a:spcBef>
-              <a:buFont typeface="Arial" panose="020B0604020202020204" pitchFamily="34" charset="0"/>
-              <a:buChar char="•"/>
-              <a:defRPr sz="2000" kern="1200">
-                <a:solidFill>
-                  <a:schemeClr val="tx1"/>
-                </a:solidFill>
-                <a:latin typeface="+mn-lt"/>
-                <a:ea typeface="+mn-ea"/>
-                <a:cs typeface="+mn-cs"/>
-              </a:defRPr>
-            </a:lvl3pPr>
-            <a:lvl4pPr marL="1600200" indent="-228600" algn="l" defTabSz="914400" rtl="0" eaLnBrk="1" latinLnBrk="0" hangingPunct="1">
-              <a:lnSpc>
-                <a:spcPct val="90000"/>
-              </a:lnSpc>
-              <a:spcBef>
-                <a:spcPts val="500"/>
-              </a:spcBef>
-              <a:buFont typeface="Arial" panose="020B0604020202020204" pitchFamily="34" charset="0"/>
-              <a:buChar char="•"/>
-              <a:defRPr sz="1800" kern="1200">
-                <a:solidFill>
-                  <a:schemeClr val="tx1"/>
-                </a:solidFill>
-                <a:latin typeface="+mn-lt"/>
-                <a:ea typeface="+mn-ea"/>
-                <a:cs typeface="+mn-cs"/>
-              </a:defRPr>
-            </a:lvl4pPr>
-            <a:lvl5pPr marL="2057400" indent="-228600" algn="l" defTabSz="914400" rtl="0" eaLnBrk="1" latinLnBrk="0" hangingPunct="1">
-              <a:lnSpc>
-                <a:spcPct val="90000"/>
-              </a:lnSpc>
-              <a:spcBef>
-                <a:spcPts val="500"/>
-              </a:spcBef>
-              <a:buFont typeface="Arial" panose="020B0604020202020204" pitchFamily="34" charset="0"/>
-              <a:buChar char="•"/>
-              <a:defRPr sz="1800" kern="1200">
-                <a:solidFill>
-                  <a:schemeClr val="tx1"/>
-                </a:solidFill>
-                <a:latin typeface="+mn-lt"/>
-                <a:ea typeface="+mn-ea"/>
-                <a:cs typeface="+mn-cs"/>
-              </a:defRPr>
-            </a:lvl5pPr>
-            <a:lvl6pPr marL="2514600" indent="-228600" algn="l" defTabSz="914400" rtl="0" eaLnBrk="1" latinLnBrk="0" hangingPunct="1">
-              <a:lnSpc>
-                <a:spcPct val="90000"/>
-              </a:lnSpc>
-              <a:spcBef>
-                <a:spcPts val="500"/>
-              </a:spcBef>
-              <a:buFont typeface="Arial" panose="020B0604020202020204" pitchFamily="34" charset="0"/>
-              <a:buChar char="•"/>
-              <a:defRPr sz="1800" kern="1200">
-                <a:solidFill>
-                  <a:schemeClr val="tx1"/>
-                </a:solidFill>
-                <a:latin typeface="+mn-lt"/>
-                <a:ea typeface="+mn-ea"/>
-                <a:cs typeface="+mn-cs"/>
-              </a:defRPr>
-            </a:lvl6pPr>
-            <a:lvl7pPr marL="2971800" indent="-228600" algn="l" defTabSz="914400" rtl="0" eaLnBrk="1" latinLnBrk="0" hangingPunct="1">
-              <a:lnSpc>
-                <a:spcPct val="90000"/>
-              </a:lnSpc>
-              <a:spcBef>
-                <a:spcPts val="500"/>
-              </a:spcBef>
-              <a:buFont typeface="Arial" panose="020B0604020202020204" pitchFamily="34" charset="0"/>
-              <a:buChar char="•"/>
-              <a:defRPr sz="1800" kern="1200">
-                <a:solidFill>
-                  <a:schemeClr val="tx1"/>
-                </a:solidFill>
-                <a:latin typeface="+mn-lt"/>
-                <a:ea typeface="+mn-ea"/>
-                <a:cs typeface="+mn-cs"/>
-              </a:defRPr>
-            </a:lvl7pPr>
-            <a:lvl8pPr marL="3429000" indent="-228600" algn="l" defTabSz="914400" rtl="0" eaLnBrk="1" latinLnBrk="0" hangingPunct="1">
-              <a:lnSpc>
-                <a:spcPct val="90000"/>
-              </a:lnSpc>
-              <a:spcBef>
-                <a:spcPts val="500"/>
-              </a:spcBef>
-              <a:buFont typeface="Arial" panose="020B0604020202020204" pitchFamily="34" charset="0"/>
-              <a:buChar char="•"/>
-              <a:defRPr sz="1800" kern="1200">
-                <a:solidFill>
-                  <a:schemeClr val="tx1"/>
-                </a:solidFill>
-                <a:latin typeface="+mn-lt"/>
-                <a:ea typeface="+mn-ea"/>
-                <a:cs typeface="+mn-cs"/>
-              </a:defRPr>
-            </a:lvl8pPr>
-            <a:lvl9pPr marL="3886200" indent="-228600" algn="l" defTabSz="914400" rtl="0" eaLnBrk="1" latinLnBrk="0" hangingPunct="1">
-              <a:lnSpc>
-                <a:spcPct val="90000"/>
-              </a:lnSpc>
-              <a:spcBef>
-                <a:spcPts val="500"/>
-              </a:spcBef>
-              <a:buFont typeface="Arial" panose="020B0604020202020204" pitchFamily="34" charset="0"/>
-              <a:buChar char="•"/>
-              <a:defRPr sz="1800" kern="1200">
-                <a:solidFill>
-                  <a:schemeClr val="tx1"/>
-                </a:solidFill>
-                <a:latin typeface="+mn-lt"/>
-                <a:ea typeface="+mn-ea"/>
-                <a:cs typeface="+mn-cs"/>
-              </a:defRPr>
-            </a:lvl9pPr>
-          </a:lstStyle>
-          <a:p>
-            <a:pPr>
-              <a:buClr>
-                <a:srgbClr val="993300"/>
-              </a:buClr>
-            </a:pPr>
-            <a:r>
-              <a:rPr lang="en-US" sz="2000" dirty="0"/>
-              <a:t>Only one has to work to pay expenses</a:t>
-            </a:r>
-          </a:p>
-          <a:p>
-            <a:pPr>
-              <a:buClr>
-                <a:srgbClr val="993300"/>
-              </a:buClr>
-            </a:pPr>
-            <a:r>
-              <a:rPr lang="en-US" sz="2000" dirty="0"/>
-              <a:t>Two are working full time, one 25 hours and one 9 hours</a:t>
-            </a:r>
-          </a:p>
-          <a:p>
-            <a:pPr>
-              <a:buClr>
-                <a:srgbClr val="993300"/>
-              </a:buClr>
-            </a:pPr>
-            <a:r>
-              <a:rPr lang="en-US" sz="2000" dirty="0"/>
-              <a:t>Two are satisfied and two unsatisfied</a:t>
-            </a:r>
-          </a:p>
-          <a:p>
-            <a:pPr>
-              <a:buClr>
-                <a:srgbClr val="993300"/>
-              </a:buClr>
-            </a:pPr>
-            <a:r>
-              <a:rPr lang="en-US" sz="2000" dirty="0"/>
-              <a:t>Only one didn’t want to give us his salary</a:t>
-            </a:r>
-          </a:p>
-          <a:p>
-            <a:endParaRPr lang="en-US" sz="2000" dirty="0"/>
-          </a:p>
-        </p:txBody>
-      </p:sp>
-      <p:sp>
-        <p:nvSpPr>
-          <p:cNvPr id="3" name="Content Placeholder 2">
-            <a:extLst>
-              <a:ext uri="{FF2B5EF4-FFF2-40B4-BE49-F238E27FC236}">
-                <a16:creationId xmlns:a16="http://schemas.microsoft.com/office/drawing/2014/main" id="{724D2C2C-AFE5-360A-A787-D7F7E52DDC19}"/>
-              </a:ext>
-            </a:extLst>
-          </p:cNvPr>
-          <p:cNvSpPr txBox="1">
-            <a:spLocks/>
-          </p:cNvSpPr>
-          <p:nvPr/>
-        </p:nvSpPr>
-        <p:spPr>
-          <a:xfrm>
-            <a:off x="8625006" y="1998793"/>
-            <a:ext cx="3335522" cy="802886"/>
-          </a:xfrm>
-          <a:prstGeom prst="rect">
-            <a:avLst/>
-          </a:prstGeom>
-        </p:spPr>
-        <p:txBody>
-          <a:bodyPr vert="horz" lIns="91440" tIns="45720" rIns="91440" bIns="45720" rtlCol="0">
-            <a:normAutofit/>
-          </a:bodyPr>
-          <a:lstStyle>
-            <a:lvl1pPr marL="228600" indent="-228600" algn="l" defTabSz="914400" rtl="0" eaLnBrk="1" latinLnBrk="0" hangingPunct="1">
-              <a:lnSpc>
-                <a:spcPct val="90000"/>
-              </a:lnSpc>
-              <a:spcBef>
-                <a:spcPts val="1000"/>
-              </a:spcBef>
-              <a:buFont typeface="Arial" panose="020B0604020202020204" pitchFamily="34" charset="0"/>
-              <a:buChar char="•"/>
-              <a:defRPr sz="2800" kern="1200">
-                <a:solidFill>
-                  <a:schemeClr val="tx1"/>
-                </a:solidFill>
-                <a:latin typeface="+mn-lt"/>
-                <a:ea typeface="+mn-ea"/>
-                <a:cs typeface="+mn-cs"/>
-              </a:defRPr>
-            </a:lvl1pPr>
-            <a:lvl2pPr marL="685800" indent="-228600" algn="l" defTabSz="914400" rtl="0" eaLnBrk="1" latinLnBrk="0" hangingPunct="1">
-              <a:lnSpc>
-                <a:spcPct val="90000"/>
-              </a:lnSpc>
-              <a:spcBef>
-                <a:spcPts val="500"/>
-              </a:spcBef>
-              <a:buFont typeface="Arial" panose="020B0604020202020204" pitchFamily="34" charset="0"/>
-              <a:buChar char="•"/>
-              <a:defRPr sz="2400" kern="1200">
-                <a:solidFill>
-                  <a:schemeClr val="tx1"/>
-                </a:solidFill>
-                <a:latin typeface="+mn-lt"/>
-                <a:ea typeface="+mn-ea"/>
-                <a:cs typeface="+mn-cs"/>
-              </a:defRPr>
-            </a:lvl2pPr>
-            <a:lvl3pPr marL="1143000" indent="-228600" algn="l" defTabSz="914400" rtl="0" eaLnBrk="1" latinLnBrk="0" hangingPunct="1">
-              <a:lnSpc>
-                <a:spcPct val="90000"/>
-              </a:lnSpc>
-              <a:spcBef>
-                <a:spcPts val="500"/>
-              </a:spcBef>
-              <a:buFont typeface="Arial" panose="020B0604020202020204" pitchFamily="34" charset="0"/>
-              <a:buChar char="•"/>
-              <a:defRPr sz="2000" kern="1200">
-                <a:solidFill>
-                  <a:schemeClr val="tx1"/>
-                </a:solidFill>
-                <a:latin typeface="+mn-lt"/>
-                <a:ea typeface="+mn-ea"/>
-                <a:cs typeface="+mn-cs"/>
-              </a:defRPr>
-            </a:lvl3pPr>
-            <a:lvl4pPr marL="1600200" indent="-228600" algn="l" defTabSz="914400" rtl="0" eaLnBrk="1" latinLnBrk="0" hangingPunct="1">
-              <a:lnSpc>
-                <a:spcPct val="90000"/>
-              </a:lnSpc>
-              <a:spcBef>
-                <a:spcPts val="500"/>
-              </a:spcBef>
-              <a:buFont typeface="Arial" panose="020B0604020202020204" pitchFamily="34" charset="0"/>
-              <a:buChar char="•"/>
-              <a:defRPr sz="1800" kern="1200">
-                <a:solidFill>
-                  <a:schemeClr val="tx1"/>
-                </a:solidFill>
-                <a:latin typeface="+mn-lt"/>
-                <a:ea typeface="+mn-ea"/>
-                <a:cs typeface="+mn-cs"/>
-              </a:defRPr>
-            </a:lvl4pPr>
-            <a:lvl5pPr marL="2057400" indent="-228600" algn="l" defTabSz="914400" rtl="0" eaLnBrk="1" latinLnBrk="0" hangingPunct="1">
-              <a:lnSpc>
-                <a:spcPct val="90000"/>
-              </a:lnSpc>
-              <a:spcBef>
-                <a:spcPts val="500"/>
-              </a:spcBef>
-              <a:buFont typeface="Arial" panose="020B0604020202020204" pitchFamily="34" charset="0"/>
-              <a:buChar char="•"/>
-              <a:defRPr sz="1800" kern="1200">
-                <a:solidFill>
-                  <a:schemeClr val="tx1"/>
-                </a:solidFill>
-                <a:latin typeface="+mn-lt"/>
-                <a:ea typeface="+mn-ea"/>
-                <a:cs typeface="+mn-cs"/>
-              </a:defRPr>
-            </a:lvl5pPr>
-            <a:lvl6pPr marL="2514600" indent="-228600" algn="l" defTabSz="914400" rtl="0" eaLnBrk="1" latinLnBrk="0" hangingPunct="1">
-              <a:lnSpc>
-                <a:spcPct val="90000"/>
-              </a:lnSpc>
-              <a:spcBef>
-                <a:spcPts val="500"/>
-              </a:spcBef>
-              <a:buFont typeface="Arial" panose="020B0604020202020204" pitchFamily="34" charset="0"/>
-              <a:buChar char="•"/>
-              <a:defRPr sz="1800" kern="1200">
-                <a:solidFill>
-                  <a:schemeClr val="tx1"/>
-                </a:solidFill>
-                <a:latin typeface="+mn-lt"/>
-                <a:ea typeface="+mn-ea"/>
-                <a:cs typeface="+mn-cs"/>
-              </a:defRPr>
-            </a:lvl6pPr>
-            <a:lvl7pPr marL="2971800" indent="-228600" algn="l" defTabSz="914400" rtl="0" eaLnBrk="1" latinLnBrk="0" hangingPunct="1">
-              <a:lnSpc>
-                <a:spcPct val="90000"/>
-              </a:lnSpc>
-              <a:spcBef>
-                <a:spcPts val="500"/>
-              </a:spcBef>
-              <a:buFont typeface="Arial" panose="020B0604020202020204" pitchFamily="34" charset="0"/>
-              <a:buChar char="•"/>
-              <a:defRPr sz="1800" kern="1200">
-                <a:solidFill>
-                  <a:schemeClr val="tx1"/>
-                </a:solidFill>
-                <a:latin typeface="+mn-lt"/>
-                <a:ea typeface="+mn-ea"/>
-                <a:cs typeface="+mn-cs"/>
-              </a:defRPr>
-            </a:lvl7pPr>
-            <a:lvl8pPr marL="3429000" indent="-228600" algn="l" defTabSz="914400" rtl="0" eaLnBrk="1" latinLnBrk="0" hangingPunct="1">
-              <a:lnSpc>
-                <a:spcPct val="90000"/>
-              </a:lnSpc>
-              <a:spcBef>
-                <a:spcPts val="500"/>
-              </a:spcBef>
-              <a:buFont typeface="Arial" panose="020B0604020202020204" pitchFamily="34" charset="0"/>
-              <a:buChar char="•"/>
-              <a:defRPr sz="1800" kern="1200">
-                <a:solidFill>
-                  <a:schemeClr val="tx1"/>
-                </a:solidFill>
-                <a:latin typeface="+mn-lt"/>
-                <a:ea typeface="+mn-ea"/>
-                <a:cs typeface="+mn-cs"/>
-              </a:defRPr>
-            </a:lvl8pPr>
-            <a:lvl9pPr marL="3886200" indent="-228600" algn="l" defTabSz="914400" rtl="0" eaLnBrk="1" latinLnBrk="0" hangingPunct="1">
-              <a:lnSpc>
-                <a:spcPct val="90000"/>
-              </a:lnSpc>
-              <a:spcBef>
-                <a:spcPts val="500"/>
-              </a:spcBef>
-              <a:buFont typeface="Arial" panose="020B0604020202020204" pitchFamily="34" charset="0"/>
-              <a:buChar char="•"/>
-              <a:defRPr sz="1800" kern="1200">
-                <a:solidFill>
-                  <a:schemeClr val="tx1"/>
-                </a:solidFill>
-                <a:latin typeface="+mn-lt"/>
-                <a:ea typeface="+mn-ea"/>
-                <a:cs typeface="+mn-cs"/>
-              </a:defRPr>
-            </a:lvl9pPr>
-          </a:lstStyle>
-          <a:p>
-            <a:pPr marL="0" indent="0" algn="ctr">
-              <a:buFont typeface="Arial" panose="020B0604020202020204" pitchFamily="34" charset="0"/>
-              <a:buNone/>
-            </a:pPr>
-            <a:r>
-              <a:rPr lang="en-US" sz="2000" dirty="0"/>
-              <a:t>Invalid responses </a:t>
-            </a:r>
-            <a:r>
-              <a:rPr lang="en-US" sz="2000" b="1" dirty="0"/>
-              <a:t>57,5% male</a:t>
-            </a:r>
-          </a:p>
-          <a:p>
-            <a:pPr marL="0" indent="0" algn="ctr">
-              <a:buFont typeface="Arial" panose="020B0604020202020204" pitchFamily="34" charset="0"/>
-              <a:buNone/>
-            </a:pPr>
-            <a:r>
-              <a:rPr lang="en-US" sz="2000" dirty="0"/>
-              <a:t>Valid responses </a:t>
-            </a:r>
-            <a:r>
-              <a:rPr lang="en-US" sz="2000" b="1" dirty="0"/>
-              <a:t>62,5% female</a:t>
-            </a:r>
-          </a:p>
-        </p:txBody>
-      </p:sp>
-    </p:spTree>
-    <p:extLst>
-      <p:ext uri="{BB962C8B-B14F-4D97-AF65-F5344CB8AC3E}">
-        <p14:creationId xmlns:p14="http://schemas.microsoft.com/office/powerpoint/2010/main" val="253676348"/>
-      </p:ext>
-    </p:extLst>
-  </p:cSld>
-  <p:clrMapOvr>
-    <a:masterClrMapping/>
-  </p:clrMapOvr>
-</p:sld>
-</file>
-
-<file path=ppt/slides/slide5.xml><?xml version="1.0" encoding="utf-8"?>
-<p:sld xmlns:a="http://schemas.openxmlformats.org/drawingml/2006/main" xmlns:r="http://schemas.openxmlformats.org/officeDocument/2006/relationships" xmlns:p="http://schemas.openxmlformats.org/presentationml/2006/main">
-  <p:cSld>
-    <p:spTree>
-      <p:nvGrpSpPr>
-        <p:cNvPr id="1" name=""/>
-        <p:cNvGrpSpPr/>
-        <p:nvPr/>
-      </p:nvGrpSpPr>
-      <p:grpSpPr>
-        <a:xfrm>
-          <a:off x="0" y="0"/>
-          <a:ext cx="0" cy="0"/>
-          <a:chOff x="0" y="0"/>
-          <a:chExt cx="0" cy="0"/>
-        </a:xfrm>
-      </p:grpSpPr>
-      <p:pic>
-        <p:nvPicPr>
-          <p:cNvPr id="5" name="Picture 4" descr="A picture containing text, clipart&#10;&#10;Description automatically generated">
-            <a:extLst>
-              <a:ext uri="{FF2B5EF4-FFF2-40B4-BE49-F238E27FC236}">
-                <a16:creationId xmlns:a16="http://schemas.microsoft.com/office/drawing/2014/main" id="{AEEF4F80-6182-437F-8FB9-E546318E1786}"/>
-              </a:ext>
-            </a:extLst>
-          </p:cNvPr>
-          <p:cNvPicPr>
-            <a:picLocks noChangeAspect="1"/>
-          </p:cNvPicPr>
-          <p:nvPr/>
-        </p:nvPicPr>
-        <p:blipFill>
-          <a:blip r:embed="rId2">
-            <a:extLst>
-              <a:ext uri="{28A0092B-C50C-407E-A947-70E740481C1C}">
-                <a14:useLocalDpi xmlns:a14="http://schemas.microsoft.com/office/drawing/2010/main" val="0"/>
-              </a:ext>
-            </a:extLst>
-          </a:blip>
-          <a:stretch>
-            <a:fillRect/>
-          </a:stretch>
-        </p:blipFill>
-        <p:spPr>
-          <a:xfrm>
-            <a:off x="8248817" y="327168"/>
-            <a:ext cx="3640043" cy="1401476"/>
-          </a:xfrm>
-          <a:prstGeom prst="rect">
-            <a:avLst/>
-          </a:prstGeom>
-        </p:spPr>
-      </p:pic>
-      <p:sp>
-        <p:nvSpPr>
-          <p:cNvPr id="6" name="Title 1">
-            <a:extLst>
-              <a:ext uri="{FF2B5EF4-FFF2-40B4-BE49-F238E27FC236}">
-                <a16:creationId xmlns:a16="http://schemas.microsoft.com/office/drawing/2014/main" id="{67EAB101-CB65-4E80-9086-38AF17265C5D}"/>
-              </a:ext>
-            </a:extLst>
-          </p:cNvPr>
-          <p:cNvSpPr txBox="1">
-            <a:spLocks/>
-          </p:cNvSpPr>
-          <p:nvPr/>
-        </p:nvSpPr>
-        <p:spPr>
-          <a:xfrm>
-            <a:off x="704851" y="570706"/>
-            <a:ext cx="7219949" cy="914399"/>
-          </a:xfrm>
-          <a:prstGeom prst="rect">
-            <a:avLst/>
-          </a:prstGeom>
-        </p:spPr>
-        <p:txBody>
-          <a:bodyPr vert="horz" lIns="91440" tIns="45720" rIns="91440" bIns="45720" rtlCol="0" anchor="ctr">
-            <a:normAutofit/>
-          </a:bodyPr>
-          <a:lstStyle>
-            <a:lvl1pPr algn="l" defTabSz="914400" rtl="0" eaLnBrk="1" latinLnBrk="0" hangingPunct="1">
-              <a:lnSpc>
-                <a:spcPct val="90000"/>
-              </a:lnSpc>
-              <a:spcBef>
-                <a:spcPct val="0"/>
-              </a:spcBef>
-              <a:buNone/>
-              <a:defRPr sz="4400" kern="1200">
-                <a:solidFill>
-                  <a:schemeClr val="tx1"/>
-                </a:solidFill>
-                <a:latin typeface="+mj-lt"/>
-                <a:ea typeface="+mj-ea"/>
-                <a:cs typeface="+mj-cs"/>
-              </a:defRPr>
-            </a:lvl1pPr>
-          </a:lstStyle>
-          <a:p>
-            <a:r>
-              <a:rPr lang="en-US" b="1" dirty="0"/>
               <a:t>Related Services</a:t>
             </a:r>
           </a:p>
@@ -12859,6 +8985,2094 @@
     <p:extLst>
       <p:ext uri="{BB962C8B-B14F-4D97-AF65-F5344CB8AC3E}">
         <p14:creationId xmlns:p14="http://schemas.microsoft.com/office/powerpoint/2010/main" val="2893231248"/>
+      </p:ext>
+    </p:extLst>
+  </p:cSld>
+  <p:clrMapOvr>
+    <a:masterClrMapping/>
+  </p:clrMapOvr>
+</p:sld>
+</file>
+
+<file path=ppt/slides/slide5.xml><?xml version="1.0" encoding="utf-8"?>
+<p:sld xmlns:a="http://schemas.openxmlformats.org/drawingml/2006/main" xmlns:r="http://schemas.openxmlformats.org/officeDocument/2006/relationships" xmlns:p="http://schemas.openxmlformats.org/presentationml/2006/main">
+  <p:cSld>
+    <p:spTree>
+      <p:nvGrpSpPr>
+        <p:cNvPr id="1" name=""/>
+        <p:cNvGrpSpPr/>
+        <p:nvPr/>
+      </p:nvGrpSpPr>
+      <p:grpSpPr>
+        <a:xfrm>
+          <a:off x="0" y="0"/>
+          <a:ext cx="0" cy="0"/>
+          <a:chOff x="0" y="0"/>
+          <a:chExt cx="0" cy="0"/>
+        </a:xfrm>
+      </p:grpSpPr>
+      <p:pic>
+        <p:nvPicPr>
+          <p:cNvPr id="5" name="Picture 4" descr="A picture containing text, clipart&#10;&#10;Description automatically generated">
+            <a:extLst>
+              <a:ext uri="{FF2B5EF4-FFF2-40B4-BE49-F238E27FC236}">
+                <a16:creationId xmlns:a16="http://schemas.microsoft.com/office/drawing/2014/main" id="{AEEF4F80-6182-437F-8FB9-E546318E1786}"/>
+              </a:ext>
+            </a:extLst>
+          </p:cNvPr>
+          <p:cNvPicPr>
+            <a:picLocks noChangeAspect="1"/>
+          </p:cNvPicPr>
+          <p:nvPr/>
+        </p:nvPicPr>
+        <p:blipFill>
+          <a:blip r:embed="rId2">
+            <a:extLst>
+              <a:ext uri="{28A0092B-C50C-407E-A947-70E740481C1C}">
+                <a14:useLocalDpi xmlns:a14="http://schemas.microsoft.com/office/drawing/2010/main" val="0"/>
+              </a:ext>
+            </a:extLst>
+          </a:blip>
+          <a:stretch>
+            <a:fillRect/>
+          </a:stretch>
+        </p:blipFill>
+        <p:spPr>
+          <a:xfrm>
+            <a:off x="8248817" y="327168"/>
+            <a:ext cx="3640043" cy="1401476"/>
+          </a:xfrm>
+          <a:prstGeom prst="rect">
+            <a:avLst/>
+          </a:prstGeom>
+        </p:spPr>
+      </p:pic>
+      <p:sp>
+        <p:nvSpPr>
+          <p:cNvPr id="6" name="Title 1">
+            <a:extLst>
+              <a:ext uri="{FF2B5EF4-FFF2-40B4-BE49-F238E27FC236}">
+                <a16:creationId xmlns:a16="http://schemas.microsoft.com/office/drawing/2014/main" id="{67EAB101-CB65-4E80-9086-38AF17265C5D}"/>
+              </a:ext>
+            </a:extLst>
+          </p:cNvPr>
+          <p:cNvSpPr txBox="1">
+            <a:spLocks/>
+          </p:cNvSpPr>
+          <p:nvPr/>
+        </p:nvSpPr>
+        <p:spPr>
+          <a:xfrm>
+            <a:off x="704851" y="570706"/>
+            <a:ext cx="7219949" cy="914399"/>
+          </a:xfrm>
+          <a:prstGeom prst="rect">
+            <a:avLst/>
+          </a:prstGeom>
+        </p:spPr>
+        <p:txBody>
+          <a:bodyPr vert="horz" lIns="91440" tIns="45720" rIns="91440" bIns="45720" rtlCol="0" anchor="ctr">
+            <a:normAutofit/>
+          </a:bodyPr>
+          <a:lstStyle>
+            <a:lvl1pPr algn="l" defTabSz="914400" rtl="0" eaLnBrk="1" latinLnBrk="0" hangingPunct="1">
+              <a:lnSpc>
+                <a:spcPct val="90000"/>
+              </a:lnSpc>
+              <a:spcBef>
+                <a:spcPct val="0"/>
+              </a:spcBef>
+              <a:buNone/>
+              <a:defRPr sz="4400" kern="1200">
+                <a:solidFill>
+                  <a:schemeClr val="tx1"/>
+                </a:solidFill>
+                <a:latin typeface="+mj-lt"/>
+                <a:ea typeface="+mj-ea"/>
+                <a:cs typeface="+mj-cs"/>
+              </a:defRPr>
+            </a:lvl1pPr>
+          </a:lstStyle>
+          <a:p>
+            <a:r>
+              <a:rPr lang="en-US" b="1" dirty="0"/>
+              <a:t>Questionnaire</a:t>
+            </a:r>
+          </a:p>
+        </p:txBody>
+      </p:sp>
+      <p:sp>
+        <p:nvSpPr>
+          <p:cNvPr id="19" name="Content Placeholder 2">
+            <a:extLst>
+              <a:ext uri="{FF2B5EF4-FFF2-40B4-BE49-F238E27FC236}">
+                <a16:creationId xmlns:a16="http://schemas.microsoft.com/office/drawing/2014/main" id="{0ECD3A20-CC97-6E8F-4FEE-A967574EB9EC}"/>
+              </a:ext>
+            </a:extLst>
+          </p:cNvPr>
+          <p:cNvSpPr txBox="1">
+            <a:spLocks/>
+          </p:cNvSpPr>
+          <p:nvPr/>
+        </p:nvSpPr>
+        <p:spPr>
+          <a:xfrm>
+            <a:off x="704850" y="1993044"/>
+            <a:ext cx="2862146" cy="683888"/>
+          </a:xfrm>
+          <a:prstGeom prst="rect">
+            <a:avLst/>
+          </a:prstGeom>
+        </p:spPr>
+        <p:txBody>
+          <a:bodyPr vert="horz" lIns="91440" tIns="45720" rIns="91440" bIns="45720" rtlCol="0">
+            <a:normAutofit/>
+          </a:bodyPr>
+          <a:lstStyle>
+            <a:lvl1pPr marL="228600" indent="-228600" algn="l" defTabSz="914400" rtl="0" eaLnBrk="1" latinLnBrk="0" hangingPunct="1">
+              <a:lnSpc>
+                <a:spcPct val="90000"/>
+              </a:lnSpc>
+              <a:spcBef>
+                <a:spcPts val="1000"/>
+              </a:spcBef>
+              <a:buFont typeface="Arial" panose="020B0604020202020204" pitchFamily="34" charset="0"/>
+              <a:buChar char="•"/>
+              <a:defRPr sz="2800" kern="1200">
+                <a:solidFill>
+                  <a:schemeClr val="tx1"/>
+                </a:solidFill>
+                <a:latin typeface="+mn-lt"/>
+                <a:ea typeface="+mn-ea"/>
+                <a:cs typeface="+mn-cs"/>
+              </a:defRPr>
+            </a:lvl1pPr>
+            <a:lvl2pPr marL="685800" indent="-228600" algn="l" defTabSz="914400" rtl="0" eaLnBrk="1" latinLnBrk="0" hangingPunct="1">
+              <a:lnSpc>
+                <a:spcPct val="90000"/>
+              </a:lnSpc>
+              <a:spcBef>
+                <a:spcPts val="500"/>
+              </a:spcBef>
+              <a:buFont typeface="Arial" panose="020B0604020202020204" pitchFamily="34" charset="0"/>
+              <a:buChar char="•"/>
+              <a:defRPr sz="2400" kern="1200">
+                <a:solidFill>
+                  <a:schemeClr val="tx1"/>
+                </a:solidFill>
+                <a:latin typeface="+mn-lt"/>
+                <a:ea typeface="+mn-ea"/>
+                <a:cs typeface="+mn-cs"/>
+              </a:defRPr>
+            </a:lvl2pPr>
+            <a:lvl3pPr marL="1143000" indent="-228600" algn="l" defTabSz="914400" rtl="0" eaLnBrk="1" latinLnBrk="0" hangingPunct="1">
+              <a:lnSpc>
+                <a:spcPct val="90000"/>
+              </a:lnSpc>
+              <a:spcBef>
+                <a:spcPts val="500"/>
+              </a:spcBef>
+              <a:buFont typeface="Arial" panose="020B0604020202020204" pitchFamily="34" charset="0"/>
+              <a:buChar char="•"/>
+              <a:defRPr sz="2000" kern="1200">
+                <a:solidFill>
+                  <a:schemeClr val="tx1"/>
+                </a:solidFill>
+                <a:latin typeface="+mn-lt"/>
+                <a:ea typeface="+mn-ea"/>
+                <a:cs typeface="+mn-cs"/>
+              </a:defRPr>
+            </a:lvl3pPr>
+            <a:lvl4pPr marL="1600200" indent="-228600" algn="l" defTabSz="914400" rtl="0" eaLnBrk="1" latinLnBrk="0" hangingPunct="1">
+              <a:lnSpc>
+                <a:spcPct val="90000"/>
+              </a:lnSpc>
+              <a:spcBef>
+                <a:spcPts val="500"/>
+              </a:spcBef>
+              <a:buFont typeface="Arial" panose="020B0604020202020204" pitchFamily="34" charset="0"/>
+              <a:buChar char="•"/>
+              <a:defRPr sz="1800" kern="1200">
+                <a:solidFill>
+                  <a:schemeClr val="tx1"/>
+                </a:solidFill>
+                <a:latin typeface="+mn-lt"/>
+                <a:ea typeface="+mn-ea"/>
+                <a:cs typeface="+mn-cs"/>
+              </a:defRPr>
+            </a:lvl4pPr>
+            <a:lvl5pPr marL="2057400" indent="-228600" algn="l" defTabSz="914400" rtl="0" eaLnBrk="1" latinLnBrk="0" hangingPunct="1">
+              <a:lnSpc>
+                <a:spcPct val="90000"/>
+              </a:lnSpc>
+              <a:spcBef>
+                <a:spcPts val="500"/>
+              </a:spcBef>
+              <a:buFont typeface="Arial" panose="020B0604020202020204" pitchFamily="34" charset="0"/>
+              <a:buChar char="•"/>
+              <a:defRPr sz="1800" kern="1200">
+                <a:solidFill>
+                  <a:schemeClr val="tx1"/>
+                </a:solidFill>
+                <a:latin typeface="+mn-lt"/>
+                <a:ea typeface="+mn-ea"/>
+                <a:cs typeface="+mn-cs"/>
+              </a:defRPr>
+            </a:lvl5pPr>
+            <a:lvl6pPr marL="2514600" indent="-228600" algn="l" defTabSz="914400" rtl="0" eaLnBrk="1" latinLnBrk="0" hangingPunct="1">
+              <a:lnSpc>
+                <a:spcPct val="90000"/>
+              </a:lnSpc>
+              <a:spcBef>
+                <a:spcPts val="500"/>
+              </a:spcBef>
+              <a:buFont typeface="Arial" panose="020B0604020202020204" pitchFamily="34" charset="0"/>
+              <a:buChar char="•"/>
+              <a:defRPr sz="1800" kern="1200">
+                <a:solidFill>
+                  <a:schemeClr val="tx1"/>
+                </a:solidFill>
+                <a:latin typeface="+mn-lt"/>
+                <a:ea typeface="+mn-ea"/>
+                <a:cs typeface="+mn-cs"/>
+              </a:defRPr>
+            </a:lvl6pPr>
+            <a:lvl7pPr marL="2971800" indent="-228600" algn="l" defTabSz="914400" rtl="0" eaLnBrk="1" latinLnBrk="0" hangingPunct="1">
+              <a:lnSpc>
+                <a:spcPct val="90000"/>
+              </a:lnSpc>
+              <a:spcBef>
+                <a:spcPts val="500"/>
+              </a:spcBef>
+              <a:buFont typeface="Arial" panose="020B0604020202020204" pitchFamily="34" charset="0"/>
+              <a:buChar char="•"/>
+              <a:defRPr sz="1800" kern="1200">
+                <a:solidFill>
+                  <a:schemeClr val="tx1"/>
+                </a:solidFill>
+                <a:latin typeface="+mn-lt"/>
+                <a:ea typeface="+mn-ea"/>
+                <a:cs typeface="+mn-cs"/>
+              </a:defRPr>
+            </a:lvl7pPr>
+            <a:lvl8pPr marL="3429000" indent="-228600" algn="l" defTabSz="914400" rtl="0" eaLnBrk="1" latinLnBrk="0" hangingPunct="1">
+              <a:lnSpc>
+                <a:spcPct val="90000"/>
+              </a:lnSpc>
+              <a:spcBef>
+                <a:spcPts val="500"/>
+              </a:spcBef>
+              <a:buFont typeface="Arial" panose="020B0604020202020204" pitchFamily="34" charset="0"/>
+              <a:buChar char="•"/>
+              <a:defRPr sz="1800" kern="1200">
+                <a:solidFill>
+                  <a:schemeClr val="tx1"/>
+                </a:solidFill>
+                <a:latin typeface="+mn-lt"/>
+                <a:ea typeface="+mn-ea"/>
+                <a:cs typeface="+mn-cs"/>
+              </a:defRPr>
+            </a:lvl8pPr>
+            <a:lvl9pPr marL="3886200" indent="-228600" algn="l" defTabSz="914400" rtl="0" eaLnBrk="1" latinLnBrk="0" hangingPunct="1">
+              <a:lnSpc>
+                <a:spcPct val="90000"/>
+              </a:lnSpc>
+              <a:spcBef>
+                <a:spcPts val="500"/>
+              </a:spcBef>
+              <a:buFont typeface="Arial" panose="020B0604020202020204" pitchFamily="34" charset="0"/>
+              <a:buChar char="•"/>
+              <a:defRPr sz="1800" kern="1200">
+                <a:solidFill>
+                  <a:schemeClr val="tx1"/>
+                </a:solidFill>
+                <a:latin typeface="+mn-lt"/>
+                <a:ea typeface="+mn-ea"/>
+                <a:cs typeface="+mn-cs"/>
+              </a:defRPr>
+            </a:lvl9pPr>
+          </a:lstStyle>
+          <a:p>
+            <a:pPr marL="0" indent="0" algn="ctr">
+              <a:buFont typeface="Arial" panose="020B0604020202020204" pitchFamily="34" charset="0"/>
+              <a:buNone/>
+            </a:pPr>
+            <a:r>
+              <a:rPr lang="en-US" sz="2000" dirty="0"/>
+              <a:t>23 responses, 16 possible users</a:t>
+            </a:r>
+          </a:p>
+        </p:txBody>
+      </p:sp>
+      <p:sp>
+        <p:nvSpPr>
+          <p:cNvPr id="2" name="Content Placeholder 2">
+            <a:extLst>
+              <a:ext uri="{FF2B5EF4-FFF2-40B4-BE49-F238E27FC236}">
+                <a16:creationId xmlns:a16="http://schemas.microsoft.com/office/drawing/2014/main" id="{2B95A083-918D-0004-A766-14DEBA9C49AB}"/>
+              </a:ext>
+            </a:extLst>
+          </p:cNvPr>
+          <p:cNvSpPr txBox="1">
+            <a:spLocks/>
+          </p:cNvSpPr>
+          <p:nvPr/>
+        </p:nvSpPr>
+        <p:spPr>
+          <a:xfrm>
+            <a:off x="4286250" y="1987240"/>
+            <a:ext cx="4443079" cy="683888"/>
+          </a:xfrm>
+          <a:prstGeom prst="rect">
+            <a:avLst/>
+          </a:prstGeom>
+        </p:spPr>
+        <p:txBody>
+          <a:bodyPr vert="horz" lIns="91440" tIns="45720" rIns="91440" bIns="45720" rtlCol="0">
+            <a:normAutofit/>
+          </a:bodyPr>
+          <a:lstStyle>
+            <a:lvl1pPr marL="228600" indent="-228600" algn="l" defTabSz="914400" rtl="0" eaLnBrk="1" latinLnBrk="0" hangingPunct="1">
+              <a:lnSpc>
+                <a:spcPct val="90000"/>
+              </a:lnSpc>
+              <a:spcBef>
+                <a:spcPts val="1000"/>
+              </a:spcBef>
+              <a:buFont typeface="Arial" panose="020B0604020202020204" pitchFamily="34" charset="0"/>
+              <a:buChar char="•"/>
+              <a:defRPr sz="2800" kern="1200">
+                <a:solidFill>
+                  <a:schemeClr val="tx1"/>
+                </a:solidFill>
+                <a:latin typeface="+mn-lt"/>
+                <a:ea typeface="+mn-ea"/>
+                <a:cs typeface="+mn-cs"/>
+              </a:defRPr>
+            </a:lvl1pPr>
+            <a:lvl2pPr marL="685800" indent="-228600" algn="l" defTabSz="914400" rtl="0" eaLnBrk="1" latinLnBrk="0" hangingPunct="1">
+              <a:lnSpc>
+                <a:spcPct val="90000"/>
+              </a:lnSpc>
+              <a:spcBef>
+                <a:spcPts val="500"/>
+              </a:spcBef>
+              <a:buFont typeface="Arial" panose="020B0604020202020204" pitchFamily="34" charset="0"/>
+              <a:buChar char="•"/>
+              <a:defRPr sz="2400" kern="1200">
+                <a:solidFill>
+                  <a:schemeClr val="tx1"/>
+                </a:solidFill>
+                <a:latin typeface="+mn-lt"/>
+                <a:ea typeface="+mn-ea"/>
+                <a:cs typeface="+mn-cs"/>
+              </a:defRPr>
+            </a:lvl2pPr>
+            <a:lvl3pPr marL="1143000" indent="-228600" algn="l" defTabSz="914400" rtl="0" eaLnBrk="1" latinLnBrk="0" hangingPunct="1">
+              <a:lnSpc>
+                <a:spcPct val="90000"/>
+              </a:lnSpc>
+              <a:spcBef>
+                <a:spcPts val="500"/>
+              </a:spcBef>
+              <a:buFont typeface="Arial" panose="020B0604020202020204" pitchFamily="34" charset="0"/>
+              <a:buChar char="•"/>
+              <a:defRPr sz="2000" kern="1200">
+                <a:solidFill>
+                  <a:schemeClr val="tx1"/>
+                </a:solidFill>
+                <a:latin typeface="+mn-lt"/>
+                <a:ea typeface="+mn-ea"/>
+                <a:cs typeface="+mn-cs"/>
+              </a:defRPr>
+            </a:lvl3pPr>
+            <a:lvl4pPr marL="1600200" indent="-228600" algn="l" defTabSz="914400" rtl="0" eaLnBrk="1" latinLnBrk="0" hangingPunct="1">
+              <a:lnSpc>
+                <a:spcPct val="90000"/>
+              </a:lnSpc>
+              <a:spcBef>
+                <a:spcPts val="500"/>
+              </a:spcBef>
+              <a:buFont typeface="Arial" panose="020B0604020202020204" pitchFamily="34" charset="0"/>
+              <a:buChar char="•"/>
+              <a:defRPr sz="1800" kern="1200">
+                <a:solidFill>
+                  <a:schemeClr val="tx1"/>
+                </a:solidFill>
+                <a:latin typeface="+mn-lt"/>
+                <a:ea typeface="+mn-ea"/>
+                <a:cs typeface="+mn-cs"/>
+              </a:defRPr>
+            </a:lvl4pPr>
+            <a:lvl5pPr marL="2057400" indent="-228600" algn="l" defTabSz="914400" rtl="0" eaLnBrk="1" latinLnBrk="0" hangingPunct="1">
+              <a:lnSpc>
+                <a:spcPct val="90000"/>
+              </a:lnSpc>
+              <a:spcBef>
+                <a:spcPts val="500"/>
+              </a:spcBef>
+              <a:buFont typeface="Arial" panose="020B0604020202020204" pitchFamily="34" charset="0"/>
+              <a:buChar char="•"/>
+              <a:defRPr sz="1800" kern="1200">
+                <a:solidFill>
+                  <a:schemeClr val="tx1"/>
+                </a:solidFill>
+                <a:latin typeface="+mn-lt"/>
+                <a:ea typeface="+mn-ea"/>
+                <a:cs typeface="+mn-cs"/>
+              </a:defRPr>
+            </a:lvl5pPr>
+            <a:lvl6pPr marL="2514600" indent="-228600" algn="l" defTabSz="914400" rtl="0" eaLnBrk="1" latinLnBrk="0" hangingPunct="1">
+              <a:lnSpc>
+                <a:spcPct val="90000"/>
+              </a:lnSpc>
+              <a:spcBef>
+                <a:spcPts val="500"/>
+              </a:spcBef>
+              <a:buFont typeface="Arial" panose="020B0604020202020204" pitchFamily="34" charset="0"/>
+              <a:buChar char="•"/>
+              <a:defRPr sz="1800" kern="1200">
+                <a:solidFill>
+                  <a:schemeClr val="tx1"/>
+                </a:solidFill>
+                <a:latin typeface="+mn-lt"/>
+                <a:ea typeface="+mn-ea"/>
+                <a:cs typeface="+mn-cs"/>
+              </a:defRPr>
+            </a:lvl6pPr>
+            <a:lvl7pPr marL="2971800" indent="-228600" algn="l" defTabSz="914400" rtl="0" eaLnBrk="1" latinLnBrk="0" hangingPunct="1">
+              <a:lnSpc>
+                <a:spcPct val="90000"/>
+              </a:lnSpc>
+              <a:spcBef>
+                <a:spcPts val="500"/>
+              </a:spcBef>
+              <a:buFont typeface="Arial" panose="020B0604020202020204" pitchFamily="34" charset="0"/>
+              <a:buChar char="•"/>
+              <a:defRPr sz="1800" kern="1200">
+                <a:solidFill>
+                  <a:schemeClr val="tx1"/>
+                </a:solidFill>
+                <a:latin typeface="+mn-lt"/>
+                <a:ea typeface="+mn-ea"/>
+                <a:cs typeface="+mn-cs"/>
+              </a:defRPr>
+            </a:lvl7pPr>
+            <a:lvl8pPr marL="3429000" indent="-228600" algn="l" defTabSz="914400" rtl="0" eaLnBrk="1" latinLnBrk="0" hangingPunct="1">
+              <a:lnSpc>
+                <a:spcPct val="90000"/>
+              </a:lnSpc>
+              <a:spcBef>
+                <a:spcPts val="500"/>
+              </a:spcBef>
+              <a:buFont typeface="Arial" panose="020B0604020202020204" pitchFamily="34" charset="0"/>
+              <a:buChar char="•"/>
+              <a:defRPr sz="1800" kern="1200">
+                <a:solidFill>
+                  <a:schemeClr val="tx1"/>
+                </a:solidFill>
+                <a:latin typeface="+mn-lt"/>
+                <a:ea typeface="+mn-ea"/>
+                <a:cs typeface="+mn-cs"/>
+              </a:defRPr>
+            </a:lvl8pPr>
+            <a:lvl9pPr marL="3886200" indent="-228600" algn="l" defTabSz="914400" rtl="0" eaLnBrk="1" latinLnBrk="0" hangingPunct="1">
+              <a:lnSpc>
+                <a:spcPct val="90000"/>
+              </a:lnSpc>
+              <a:spcBef>
+                <a:spcPts val="500"/>
+              </a:spcBef>
+              <a:buFont typeface="Arial" panose="020B0604020202020204" pitchFamily="34" charset="0"/>
+              <a:buChar char="•"/>
+              <a:defRPr sz="1800" kern="1200">
+                <a:solidFill>
+                  <a:schemeClr val="tx1"/>
+                </a:solidFill>
+                <a:latin typeface="+mn-lt"/>
+                <a:ea typeface="+mn-ea"/>
+                <a:cs typeface="+mn-cs"/>
+              </a:defRPr>
+            </a:lvl9pPr>
+          </a:lstStyle>
+          <a:p>
+            <a:pPr marL="0" indent="0" algn="ctr">
+              <a:buFont typeface="Arial" panose="020B0604020202020204" pitchFamily="34" charset="0"/>
+              <a:buNone/>
+            </a:pPr>
+            <a:r>
+              <a:rPr lang="en-US" sz="2000" dirty="0"/>
+              <a:t>Mostly females, 3</a:t>
+            </a:r>
+            <a:r>
+              <a:rPr lang="en-US" sz="2000" baseline="30000" dirty="0"/>
+              <a:t>rd</a:t>
+            </a:r>
+            <a:r>
+              <a:rPr lang="en-US" sz="2000" dirty="0"/>
+              <a:t> year students between the ages of 18 and 23</a:t>
+            </a:r>
+          </a:p>
+        </p:txBody>
+      </p:sp>
+      <p:sp>
+        <p:nvSpPr>
+          <p:cNvPr id="4" name="Arrow: Right 3">
+            <a:extLst>
+              <a:ext uri="{FF2B5EF4-FFF2-40B4-BE49-F238E27FC236}">
+                <a16:creationId xmlns:a16="http://schemas.microsoft.com/office/drawing/2014/main" id="{7496DB06-D36E-8D5A-BD24-9FC735C8EF5B}"/>
+              </a:ext>
+            </a:extLst>
+          </p:cNvPr>
+          <p:cNvSpPr/>
+          <p:nvPr/>
+        </p:nvSpPr>
+        <p:spPr>
+          <a:xfrm>
+            <a:off x="3705219" y="2119191"/>
+            <a:ext cx="856146" cy="419986"/>
+          </a:xfrm>
+          <a:prstGeom prst="rightArrow">
+            <a:avLst/>
+          </a:prstGeom>
+          <a:solidFill>
+            <a:srgbClr val="993300"/>
+          </a:solidFill>
+          <a:ln>
+            <a:noFill/>
+          </a:ln>
+        </p:spPr>
+        <p:style>
+          <a:lnRef idx="2">
+            <a:schemeClr val="accent1">
+              <a:shade val="50000"/>
+            </a:schemeClr>
+          </a:lnRef>
+          <a:fillRef idx="1">
+            <a:schemeClr val="accent1"/>
+          </a:fillRef>
+          <a:effectRef idx="0">
+            <a:schemeClr val="accent1"/>
+          </a:effectRef>
+          <a:fontRef idx="minor">
+            <a:schemeClr val="lt1"/>
+          </a:fontRef>
+        </p:style>
+        <p:txBody>
+          <a:bodyPr rtlCol="0" anchor="ctr"/>
+          <a:lstStyle/>
+          <a:p>
+            <a:pPr algn="ctr"/>
+            <a:endParaRPr lang="en-GB"/>
+          </a:p>
+        </p:txBody>
+      </p:sp>
+      <p:sp>
+        <p:nvSpPr>
+          <p:cNvPr id="7" name="Content Placeholder 2">
+            <a:extLst>
+              <a:ext uri="{FF2B5EF4-FFF2-40B4-BE49-F238E27FC236}">
+                <a16:creationId xmlns:a16="http://schemas.microsoft.com/office/drawing/2014/main" id="{CCCA4DE0-314F-58EA-6C8A-1140B2BBFF11}"/>
+              </a:ext>
+            </a:extLst>
+          </p:cNvPr>
+          <p:cNvSpPr txBox="1">
+            <a:spLocks/>
+          </p:cNvSpPr>
+          <p:nvPr/>
+        </p:nvSpPr>
+        <p:spPr>
+          <a:xfrm>
+            <a:off x="630644" y="3252376"/>
+            <a:ext cx="4017331" cy="683888"/>
+          </a:xfrm>
+          <a:prstGeom prst="rect">
+            <a:avLst/>
+          </a:prstGeom>
+        </p:spPr>
+        <p:txBody>
+          <a:bodyPr vert="horz" lIns="91440" tIns="45720" rIns="91440" bIns="45720" rtlCol="0">
+            <a:normAutofit/>
+          </a:bodyPr>
+          <a:lstStyle>
+            <a:lvl1pPr marL="228600" indent="-228600" algn="l" defTabSz="914400" rtl="0" eaLnBrk="1" latinLnBrk="0" hangingPunct="1">
+              <a:lnSpc>
+                <a:spcPct val="90000"/>
+              </a:lnSpc>
+              <a:spcBef>
+                <a:spcPts val="1000"/>
+              </a:spcBef>
+              <a:buFont typeface="Arial" panose="020B0604020202020204" pitchFamily="34" charset="0"/>
+              <a:buChar char="•"/>
+              <a:defRPr sz="2800" kern="1200">
+                <a:solidFill>
+                  <a:schemeClr val="tx1"/>
+                </a:solidFill>
+                <a:latin typeface="+mn-lt"/>
+                <a:ea typeface="+mn-ea"/>
+                <a:cs typeface="+mn-cs"/>
+              </a:defRPr>
+            </a:lvl1pPr>
+            <a:lvl2pPr marL="685800" indent="-228600" algn="l" defTabSz="914400" rtl="0" eaLnBrk="1" latinLnBrk="0" hangingPunct="1">
+              <a:lnSpc>
+                <a:spcPct val="90000"/>
+              </a:lnSpc>
+              <a:spcBef>
+                <a:spcPts val="500"/>
+              </a:spcBef>
+              <a:buFont typeface="Arial" panose="020B0604020202020204" pitchFamily="34" charset="0"/>
+              <a:buChar char="•"/>
+              <a:defRPr sz="2400" kern="1200">
+                <a:solidFill>
+                  <a:schemeClr val="tx1"/>
+                </a:solidFill>
+                <a:latin typeface="+mn-lt"/>
+                <a:ea typeface="+mn-ea"/>
+                <a:cs typeface="+mn-cs"/>
+              </a:defRPr>
+            </a:lvl2pPr>
+            <a:lvl3pPr marL="1143000" indent="-228600" algn="l" defTabSz="914400" rtl="0" eaLnBrk="1" latinLnBrk="0" hangingPunct="1">
+              <a:lnSpc>
+                <a:spcPct val="90000"/>
+              </a:lnSpc>
+              <a:spcBef>
+                <a:spcPts val="500"/>
+              </a:spcBef>
+              <a:buFont typeface="Arial" panose="020B0604020202020204" pitchFamily="34" charset="0"/>
+              <a:buChar char="•"/>
+              <a:defRPr sz="2000" kern="1200">
+                <a:solidFill>
+                  <a:schemeClr val="tx1"/>
+                </a:solidFill>
+                <a:latin typeface="+mn-lt"/>
+                <a:ea typeface="+mn-ea"/>
+                <a:cs typeface="+mn-cs"/>
+              </a:defRPr>
+            </a:lvl3pPr>
+            <a:lvl4pPr marL="1600200" indent="-228600" algn="l" defTabSz="914400" rtl="0" eaLnBrk="1" latinLnBrk="0" hangingPunct="1">
+              <a:lnSpc>
+                <a:spcPct val="90000"/>
+              </a:lnSpc>
+              <a:spcBef>
+                <a:spcPts val="500"/>
+              </a:spcBef>
+              <a:buFont typeface="Arial" panose="020B0604020202020204" pitchFamily="34" charset="0"/>
+              <a:buChar char="•"/>
+              <a:defRPr sz="1800" kern="1200">
+                <a:solidFill>
+                  <a:schemeClr val="tx1"/>
+                </a:solidFill>
+                <a:latin typeface="+mn-lt"/>
+                <a:ea typeface="+mn-ea"/>
+                <a:cs typeface="+mn-cs"/>
+              </a:defRPr>
+            </a:lvl4pPr>
+            <a:lvl5pPr marL="2057400" indent="-228600" algn="l" defTabSz="914400" rtl="0" eaLnBrk="1" latinLnBrk="0" hangingPunct="1">
+              <a:lnSpc>
+                <a:spcPct val="90000"/>
+              </a:lnSpc>
+              <a:spcBef>
+                <a:spcPts val="500"/>
+              </a:spcBef>
+              <a:buFont typeface="Arial" panose="020B0604020202020204" pitchFamily="34" charset="0"/>
+              <a:buChar char="•"/>
+              <a:defRPr sz="1800" kern="1200">
+                <a:solidFill>
+                  <a:schemeClr val="tx1"/>
+                </a:solidFill>
+                <a:latin typeface="+mn-lt"/>
+                <a:ea typeface="+mn-ea"/>
+                <a:cs typeface="+mn-cs"/>
+              </a:defRPr>
+            </a:lvl5pPr>
+            <a:lvl6pPr marL="2514600" indent="-228600" algn="l" defTabSz="914400" rtl="0" eaLnBrk="1" latinLnBrk="0" hangingPunct="1">
+              <a:lnSpc>
+                <a:spcPct val="90000"/>
+              </a:lnSpc>
+              <a:spcBef>
+                <a:spcPts val="500"/>
+              </a:spcBef>
+              <a:buFont typeface="Arial" panose="020B0604020202020204" pitchFamily="34" charset="0"/>
+              <a:buChar char="•"/>
+              <a:defRPr sz="1800" kern="1200">
+                <a:solidFill>
+                  <a:schemeClr val="tx1"/>
+                </a:solidFill>
+                <a:latin typeface="+mn-lt"/>
+                <a:ea typeface="+mn-ea"/>
+                <a:cs typeface="+mn-cs"/>
+              </a:defRPr>
+            </a:lvl6pPr>
+            <a:lvl7pPr marL="2971800" indent="-228600" algn="l" defTabSz="914400" rtl="0" eaLnBrk="1" latinLnBrk="0" hangingPunct="1">
+              <a:lnSpc>
+                <a:spcPct val="90000"/>
+              </a:lnSpc>
+              <a:spcBef>
+                <a:spcPts val="500"/>
+              </a:spcBef>
+              <a:buFont typeface="Arial" panose="020B0604020202020204" pitchFamily="34" charset="0"/>
+              <a:buChar char="•"/>
+              <a:defRPr sz="1800" kern="1200">
+                <a:solidFill>
+                  <a:schemeClr val="tx1"/>
+                </a:solidFill>
+                <a:latin typeface="+mn-lt"/>
+                <a:ea typeface="+mn-ea"/>
+                <a:cs typeface="+mn-cs"/>
+              </a:defRPr>
+            </a:lvl7pPr>
+            <a:lvl8pPr marL="3429000" indent="-228600" algn="l" defTabSz="914400" rtl="0" eaLnBrk="1" latinLnBrk="0" hangingPunct="1">
+              <a:lnSpc>
+                <a:spcPct val="90000"/>
+              </a:lnSpc>
+              <a:spcBef>
+                <a:spcPts val="500"/>
+              </a:spcBef>
+              <a:buFont typeface="Arial" panose="020B0604020202020204" pitchFamily="34" charset="0"/>
+              <a:buChar char="•"/>
+              <a:defRPr sz="1800" kern="1200">
+                <a:solidFill>
+                  <a:schemeClr val="tx1"/>
+                </a:solidFill>
+                <a:latin typeface="+mn-lt"/>
+                <a:ea typeface="+mn-ea"/>
+                <a:cs typeface="+mn-cs"/>
+              </a:defRPr>
+            </a:lvl8pPr>
+            <a:lvl9pPr marL="3886200" indent="-228600" algn="l" defTabSz="914400" rtl="0" eaLnBrk="1" latinLnBrk="0" hangingPunct="1">
+              <a:lnSpc>
+                <a:spcPct val="90000"/>
+              </a:lnSpc>
+              <a:spcBef>
+                <a:spcPts val="500"/>
+              </a:spcBef>
+              <a:buFont typeface="Arial" panose="020B0604020202020204" pitchFamily="34" charset="0"/>
+              <a:buChar char="•"/>
+              <a:defRPr sz="1800" kern="1200">
+                <a:solidFill>
+                  <a:schemeClr val="tx1"/>
+                </a:solidFill>
+                <a:latin typeface="+mn-lt"/>
+                <a:ea typeface="+mn-ea"/>
+                <a:cs typeface="+mn-cs"/>
+              </a:defRPr>
+            </a:lvl9pPr>
+          </a:lstStyle>
+          <a:p>
+            <a:pPr marL="0" indent="0" algn="ctr">
+              <a:buFont typeface="Arial" panose="020B0604020202020204" pitchFamily="34" charset="0"/>
+              <a:buNone/>
+            </a:pPr>
+            <a:r>
+              <a:rPr lang="en-US" sz="2000" b="1" dirty="0"/>
+              <a:t>Ten responses for Portuguese people not living with their parents</a:t>
+            </a:r>
+          </a:p>
+        </p:txBody>
+      </p:sp>
+      <p:sp>
+        <p:nvSpPr>
+          <p:cNvPr id="8" name="Content Placeholder 2">
+            <a:extLst>
+              <a:ext uri="{FF2B5EF4-FFF2-40B4-BE49-F238E27FC236}">
+                <a16:creationId xmlns:a16="http://schemas.microsoft.com/office/drawing/2014/main" id="{FBBA8D88-72D3-C301-8073-B5C2476D1D0B}"/>
+              </a:ext>
+            </a:extLst>
+          </p:cNvPr>
+          <p:cNvSpPr txBox="1">
+            <a:spLocks/>
+          </p:cNvSpPr>
+          <p:nvPr/>
+        </p:nvSpPr>
+        <p:spPr>
+          <a:xfrm>
+            <a:off x="704850" y="4079944"/>
+            <a:ext cx="3868921" cy="2081624"/>
+          </a:xfrm>
+          <a:prstGeom prst="rect">
+            <a:avLst/>
+          </a:prstGeom>
+        </p:spPr>
+        <p:txBody>
+          <a:bodyPr vert="horz" lIns="91440" tIns="45720" rIns="91440" bIns="45720" rtlCol="0">
+            <a:normAutofit/>
+          </a:bodyPr>
+          <a:lstStyle>
+            <a:lvl1pPr marL="228600" indent="-228600" algn="l" defTabSz="914400" rtl="0" eaLnBrk="1" latinLnBrk="0" hangingPunct="1">
+              <a:lnSpc>
+                <a:spcPct val="90000"/>
+              </a:lnSpc>
+              <a:spcBef>
+                <a:spcPts val="1000"/>
+              </a:spcBef>
+              <a:buFont typeface="Arial" panose="020B0604020202020204" pitchFamily="34" charset="0"/>
+              <a:buChar char="•"/>
+              <a:defRPr sz="2800" kern="1200">
+                <a:solidFill>
+                  <a:schemeClr val="tx1"/>
+                </a:solidFill>
+                <a:latin typeface="+mn-lt"/>
+                <a:ea typeface="+mn-ea"/>
+                <a:cs typeface="+mn-cs"/>
+              </a:defRPr>
+            </a:lvl1pPr>
+            <a:lvl2pPr marL="685800" indent="-228600" algn="l" defTabSz="914400" rtl="0" eaLnBrk="1" latinLnBrk="0" hangingPunct="1">
+              <a:lnSpc>
+                <a:spcPct val="90000"/>
+              </a:lnSpc>
+              <a:spcBef>
+                <a:spcPts val="500"/>
+              </a:spcBef>
+              <a:buFont typeface="Arial" panose="020B0604020202020204" pitchFamily="34" charset="0"/>
+              <a:buChar char="•"/>
+              <a:defRPr sz="2400" kern="1200">
+                <a:solidFill>
+                  <a:schemeClr val="tx1"/>
+                </a:solidFill>
+                <a:latin typeface="+mn-lt"/>
+                <a:ea typeface="+mn-ea"/>
+                <a:cs typeface="+mn-cs"/>
+              </a:defRPr>
+            </a:lvl2pPr>
+            <a:lvl3pPr marL="1143000" indent="-228600" algn="l" defTabSz="914400" rtl="0" eaLnBrk="1" latinLnBrk="0" hangingPunct="1">
+              <a:lnSpc>
+                <a:spcPct val="90000"/>
+              </a:lnSpc>
+              <a:spcBef>
+                <a:spcPts val="500"/>
+              </a:spcBef>
+              <a:buFont typeface="Arial" panose="020B0604020202020204" pitchFamily="34" charset="0"/>
+              <a:buChar char="•"/>
+              <a:defRPr sz="2000" kern="1200">
+                <a:solidFill>
+                  <a:schemeClr val="tx1"/>
+                </a:solidFill>
+                <a:latin typeface="+mn-lt"/>
+                <a:ea typeface="+mn-ea"/>
+                <a:cs typeface="+mn-cs"/>
+              </a:defRPr>
+            </a:lvl3pPr>
+            <a:lvl4pPr marL="1600200" indent="-228600" algn="l" defTabSz="914400" rtl="0" eaLnBrk="1" latinLnBrk="0" hangingPunct="1">
+              <a:lnSpc>
+                <a:spcPct val="90000"/>
+              </a:lnSpc>
+              <a:spcBef>
+                <a:spcPts val="500"/>
+              </a:spcBef>
+              <a:buFont typeface="Arial" panose="020B0604020202020204" pitchFamily="34" charset="0"/>
+              <a:buChar char="•"/>
+              <a:defRPr sz="1800" kern="1200">
+                <a:solidFill>
+                  <a:schemeClr val="tx1"/>
+                </a:solidFill>
+                <a:latin typeface="+mn-lt"/>
+                <a:ea typeface="+mn-ea"/>
+                <a:cs typeface="+mn-cs"/>
+              </a:defRPr>
+            </a:lvl4pPr>
+            <a:lvl5pPr marL="2057400" indent="-228600" algn="l" defTabSz="914400" rtl="0" eaLnBrk="1" latinLnBrk="0" hangingPunct="1">
+              <a:lnSpc>
+                <a:spcPct val="90000"/>
+              </a:lnSpc>
+              <a:spcBef>
+                <a:spcPts val="500"/>
+              </a:spcBef>
+              <a:buFont typeface="Arial" panose="020B0604020202020204" pitchFamily="34" charset="0"/>
+              <a:buChar char="•"/>
+              <a:defRPr sz="1800" kern="1200">
+                <a:solidFill>
+                  <a:schemeClr val="tx1"/>
+                </a:solidFill>
+                <a:latin typeface="+mn-lt"/>
+                <a:ea typeface="+mn-ea"/>
+                <a:cs typeface="+mn-cs"/>
+              </a:defRPr>
+            </a:lvl5pPr>
+            <a:lvl6pPr marL="2514600" indent="-228600" algn="l" defTabSz="914400" rtl="0" eaLnBrk="1" latinLnBrk="0" hangingPunct="1">
+              <a:lnSpc>
+                <a:spcPct val="90000"/>
+              </a:lnSpc>
+              <a:spcBef>
+                <a:spcPts val="500"/>
+              </a:spcBef>
+              <a:buFont typeface="Arial" panose="020B0604020202020204" pitchFamily="34" charset="0"/>
+              <a:buChar char="•"/>
+              <a:defRPr sz="1800" kern="1200">
+                <a:solidFill>
+                  <a:schemeClr val="tx1"/>
+                </a:solidFill>
+                <a:latin typeface="+mn-lt"/>
+                <a:ea typeface="+mn-ea"/>
+                <a:cs typeface="+mn-cs"/>
+              </a:defRPr>
+            </a:lvl6pPr>
+            <a:lvl7pPr marL="2971800" indent="-228600" algn="l" defTabSz="914400" rtl="0" eaLnBrk="1" latinLnBrk="0" hangingPunct="1">
+              <a:lnSpc>
+                <a:spcPct val="90000"/>
+              </a:lnSpc>
+              <a:spcBef>
+                <a:spcPts val="500"/>
+              </a:spcBef>
+              <a:buFont typeface="Arial" panose="020B0604020202020204" pitchFamily="34" charset="0"/>
+              <a:buChar char="•"/>
+              <a:defRPr sz="1800" kern="1200">
+                <a:solidFill>
+                  <a:schemeClr val="tx1"/>
+                </a:solidFill>
+                <a:latin typeface="+mn-lt"/>
+                <a:ea typeface="+mn-ea"/>
+                <a:cs typeface="+mn-cs"/>
+              </a:defRPr>
+            </a:lvl7pPr>
+            <a:lvl8pPr marL="3429000" indent="-228600" algn="l" defTabSz="914400" rtl="0" eaLnBrk="1" latinLnBrk="0" hangingPunct="1">
+              <a:lnSpc>
+                <a:spcPct val="90000"/>
+              </a:lnSpc>
+              <a:spcBef>
+                <a:spcPts val="500"/>
+              </a:spcBef>
+              <a:buFont typeface="Arial" panose="020B0604020202020204" pitchFamily="34" charset="0"/>
+              <a:buChar char="•"/>
+              <a:defRPr sz="1800" kern="1200">
+                <a:solidFill>
+                  <a:schemeClr val="tx1"/>
+                </a:solidFill>
+                <a:latin typeface="+mn-lt"/>
+                <a:ea typeface="+mn-ea"/>
+                <a:cs typeface="+mn-cs"/>
+              </a:defRPr>
+            </a:lvl8pPr>
+            <a:lvl9pPr marL="3886200" indent="-228600" algn="l" defTabSz="914400" rtl="0" eaLnBrk="1" latinLnBrk="0" hangingPunct="1">
+              <a:lnSpc>
+                <a:spcPct val="90000"/>
+              </a:lnSpc>
+              <a:spcBef>
+                <a:spcPts val="500"/>
+              </a:spcBef>
+              <a:buFont typeface="Arial" panose="020B0604020202020204" pitchFamily="34" charset="0"/>
+              <a:buChar char="•"/>
+              <a:defRPr sz="1800" kern="1200">
+                <a:solidFill>
+                  <a:schemeClr val="tx1"/>
+                </a:solidFill>
+                <a:latin typeface="+mn-lt"/>
+                <a:ea typeface="+mn-ea"/>
+                <a:cs typeface="+mn-cs"/>
+              </a:defRPr>
+            </a:lvl9pPr>
+          </a:lstStyle>
+          <a:p>
+            <a:pPr>
+              <a:buClr>
+                <a:srgbClr val="993300"/>
+              </a:buClr>
+            </a:pPr>
+            <a:r>
+              <a:rPr lang="en-US" sz="2000" dirty="0"/>
+              <a:t>Eight were living too far from FEUP</a:t>
+            </a:r>
+          </a:p>
+          <a:p>
+            <a:pPr>
+              <a:buClr>
+                <a:srgbClr val="993300"/>
+              </a:buClr>
+            </a:pPr>
+            <a:r>
+              <a:rPr lang="en-US" sz="2000" dirty="0"/>
+              <a:t>Six are living in a house with roommates</a:t>
+            </a:r>
+          </a:p>
+          <a:p>
+            <a:pPr>
+              <a:buClr>
+                <a:srgbClr val="993300"/>
+              </a:buClr>
+            </a:pPr>
+            <a:r>
+              <a:rPr lang="en-US" sz="2000" dirty="0"/>
+              <a:t>Nine are satisfied with their accommodations</a:t>
+            </a:r>
+          </a:p>
+          <a:p>
+            <a:endParaRPr lang="en-US" sz="2000" dirty="0"/>
+          </a:p>
+        </p:txBody>
+      </p:sp>
+      <p:sp>
+        <p:nvSpPr>
+          <p:cNvPr id="14" name="Content Placeholder 2">
+            <a:extLst>
+              <a:ext uri="{FF2B5EF4-FFF2-40B4-BE49-F238E27FC236}">
+                <a16:creationId xmlns:a16="http://schemas.microsoft.com/office/drawing/2014/main" id="{51853F8A-82FC-DB14-0AD0-3A8FEB088F51}"/>
+              </a:ext>
+            </a:extLst>
+          </p:cNvPr>
+          <p:cNvSpPr txBox="1">
+            <a:spLocks/>
+          </p:cNvSpPr>
+          <p:nvPr/>
+        </p:nvSpPr>
+        <p:spPr>
+          <a:xfrm>
+            <a:off x="8736419" y="3252376"/>
+            <a:ext cx="3335522" cy="683888"/>
+          </a:xfrm>
+          <a:prstGeom prst="rect">
+            <a:avLst/>
+          </a:prstGeom>
+        </p:spPr>
+        <p:txBody>
+          <a:bodyPr vert="horz" lIns="91440" tIns="45720" rIns="91440" bIns="45720" rtlCol="0">
+            <a:normAutofit/>
+          </a:bodyPr>
+          <a:lstStyle>
+            <a:lvl1pPr marL="228600" indent="-228600" algn="l" defTabSz="914400" rtl="0" eaLnBrk="1" latinLnBrk="0" hangingPunct="1">
+              <a:lnSpc>
+                <a:spcPct val="90000"/>
+              </a:lnSpc>
+              <a:spcBef>
+                <a:spcPts val="1000"/>
+              </a:spcBef>
+              <a:buFont typeface="Arial" panose="020B0604020202020204" pitchFamily="34" charset="0"/>
+              <a:buChar char="•"/>
+              <a:defRPr sz="2800" kern="1200">
+                <a:solidFill>
+                  <a:schemeClr val="tx1"/>
+                </a:solidFill>
+                <a:latin typeface="+mn-lt"/>
+                <a:ea typeface="+mn-ea"/>
+                <a:cs typeface="+mn-cs"/>
+              </a:defRPr>
+            </a:lvl1pPr>
+            <a:lvl2pPr marL="685800" indent="-228600" algn="l" defTabSz="914400" rtl="0" eaLnBrk="1" latinLnBrk="0" hangingPunct="1">
+              <a:lnSpc>
+                <a:spcPct val="90000"/>
+              </a:lnSpc>
+              <a:spcBef>
+                <a:spcPts val="500"/>
+              </a:spcBef>
+              <a:buFont typeface="Arial" panose="020B0604020202020204" pitchFamily="34" charset="0"/>
+              <a:buChar char="•"/>
+              <a:defRPr sz="2400" kern="1200">
+                <a:solidFill>
+                  <a:schemeClr val="tx1"/>
+                </a:solidFill>
+                <a:latin typeface="+mn-lt"/>
+                <a:ea typeface="+mn-ea"/>
+                <a:cs typeface="+mn-cs"/>
+              </a:defRPr>
+            </a:lvl2pPr>
+            <a:lvl3pPr marL="1143000" indent="-228600" algn="l" defTabSz="914400" rtl="0" eaLnBrk="1" latinLnBrk="0" hangingPunct="1">
+              <a:lnSpc>
+                <a:spcPct val="90000"/>
+              </a:lnSpc>
+              <a:spcBef>
+                <a:spcPts val="500"/>
+              </a:spcBef>
+              <a:buFont typeface="Arial" panose="020B0604020202020204" pitchFamily="34" charset="0"/>
+              <a:buChar char="•"/>
+              <a:defRPr sz="2000" kern="1200">
+                <a:solidFill>
+                  <a:schemeClr val="tx1"/>
+                </a:solidFill>
+                <a:latin typeface="+mn-lt"/>
+                <a:ea typeface="+mn-ea"/>
+                <a:cs typeface="+mn-cs"/>
+              </a:defRPr>
+            </a:lvl3pPr>
+            <a:lvl4pPr marL="1600200" indent="-228600" algn="l" defTabSz="914400" rtl="0" eaLnBrk="1" latinLnBrk="0" hangingPunct="1">
+              <a:lnSpc>
+                <a:spcPct val="90000"/>
+              </a:lnSpc>
+              <a:spcBef>
+                <a:spcPts val="500"/>
+              </a:spcBef>
+              <a:buFont typeface="Arial" panose="020B0604020202020204" pitchFamily="34" charset="0"/>
+              <a:buChar char="•"/>
+              <a:defRPr sz="1800" kern="1200">
+                <a:solidFill>
+                  <a:schemeClr val="tx1"/>
+                </a:solidFill>
+                <a:latin typeface="+mn-lt"/>
+                <a:ea typeface="+mn-ea"/>
+                <a:cs typeface="+mn-cs"/>
+              </a:defRPr>
+            </a:lvl4pPr>
+            <a:lvl5pPr marL="2057400" indent="-228600" algn="l" defTabSz="914400" rtl="0" eaLnBrk="1" latinLnBrk="0" hangingPunct="1">
+              <a:lnSpc>
+                <a:spcPct val="90000"/>
+              </a:lnSpc>
+              <a:spcBef>
+                <a:spcPts val="500"/>
+              </a:spcBef>
+              <a:buFont typeface="Arial" panose="020B0604020202020204" pitchFamily="34" charset="0"/>
+              <a:buChar char="•"/>
+              <a:defRPr sz="1800" kern="1200">
+                <a:solidFill>
+                  <a:schemeClr val="tx1"/>
+                </a:solidFill>
+                <a:latin typeface="+mn-lt"/>
+                <a:ea typeface="+mn-ea"/>
+                <a:cs typeface="+mn-cs"/>
+              </a:defRPr>
+            </a:lvl5pPr>
+            <a:lvl6pPr marL="2514600" indent="-228600" algn="l" defTabSz="914400" rtl="0" eaLnBrk="1" latinLnBrk="0" hangingPunct="1">
+              <a:lnSpc>
+                <a:spcPct val="90000"/>
+              </a:lnSpc>
+              <a:spcBef>
+                <a:spcPts val="500"/>
+              </a:spcBef>
+              <a:buFont typeface="Arial" panose="020B0604020202020204" pitchFamily="34" charset="0"/>
+              <a:buChar char="•"/>
+              <a:defRPr sz="1800" kern="1200">
+                <a:solidFill>
+                  <a:schemeClr val="tx1"/>
+                </a:solidFill>
+                <a:latin typeface="+mn-lt"/>
+                <a:ea typeface="+mn-ea"/>
+                <a:cs typeface="+mn-cs"/>
+              </a:defRPr>
+            </a:lvl6pPr>
+            <a:lvl7pPr marL="2971800" indent="-228600" algn="l" defTabSz="914400" rtl="0" eaLnBrk="1" latinLnBrk="0" hangingPunct="1">
+              <a:lnSpc>
+                <a:spcPct val="90000"/>
+              </a:lnSpc>
+              <a:spcBef>
+                <a:spcPts val="500"/>
+              </a:spcBef>
+              <a:buFont typeface="Arial" panose="020B0604020202020204" pitchFamily="34" charset="0"/>
+              <a:buChar char="•"/>
+              <a:defRPr sz="1800" kern="1200">
+                <a:solidFill>
+                  <a:schemeClr val="tx1"/>
+                </a:solidFill>
+                <a:latin typeface="+mn-lt"/>
+                <a:ea typeface="+mn-ea"/>
+                <a:cs typeface="+mn-cs"/>
+              </a:defRPr>
+            </a:lvl7pPr>
+            <a:lvl8pPr marL="3429000" indent="-228600" algn="l" defTabSz="914400" rtl="0" eaLnBrk="1" latinLnBrk="0" hangingPunct="1">
+              <a:lnSpc>
+                <a:spcPct val="90000"/>
+              </a:lnSpc>
+              <a:spcBef>
+                <a:spcPts val="500"/>
+              </a:spcBef>
+              <a:buFont typeface="Arial" panose="020B0604020202020204" pitchFamily="34" charset="0"/>
+              <a:buChar char="•"/>
+              <a:defRPr sz="1800" kern="1200">
+                <a:solidFill>
+                  <a:schemeClr val="tx1"/>
+                </a:solidFill>
+                <a:latin typeface="+mn-lt"/>
+                <a:ea typeface="+mn-ea"/>
+                <a:cs typeface="+mn-cs"/>
+              </a:defRPr>
+            </a:lvl8pPr>
+            <a:lvl9pPr marL="3886200" indent="-228600" algn="l" defTabSz="914400" rtl="0" eaLnBrk="1" latinLnBrk="0" hangingPunct="1">
+              <a:lnSpc>
+                <a:spcPct val="90000"/>
+              </a:lnSpc>
+              <a:spcBef>
+                <a:spcPts val="500"/>
+              </a:spcBef>
+              <a:buFont typeface="Arial" panose="020B0604020202020204" pitchFamily="34" charset="0"/>
+              <a:buChar char="•"/>
+              <a:defRPr sz="1800" kern="1200">
+                <a:solidFill>
+                  <a:schemeClr val="tx1"/>
+                </a:solidFill>
+                <a:latin typeface="+mn-lt"/>
+                <a:ea typeface="+mn-ea"/>
+                <a:cs typeface="+mn-cs"/>
+              </a:defRPr>
+            </a:lvl9pPr>
+          </a:lstStyle>
+          <a:p>
+            <a:pPr marL="0" indent="0" algn="ctr">
+              <a:buFont typeface="Arial" panose="020B0604020202020204" pitchFamily="34" charset="0"/>
+              <a:buNone/>
+            </a:pPr>
+            <a:r>
+              <a:rPr lang="en-US" sz="2000" b="1" dirty="0"/>
+              <a:t>Three responses for Erasmus students (thanks Paula)</a:t>
+            </a:r>
+          </a:p>
+        </p:txBody>
+      </p:sp>
+      <p:sp>
+        <p:nvSpPr>
+          <p:cNvPr id="20" name="Content Placeholder 2">
+            <a:extLst>
+              <a:ext uri="{FF2B5EF4-FFF2-40B4-BE49-F238E27FC236}">
+                <a16:creationId xmlns:a16="http://schemas.microsoft.com/office/drawing/2014/main" id="{2A82FAB6-F367-A7A3-1250-31A8DC19AB6C}"/>
+              </a:ext>
+            </a:extLst>
+          </p:cNvPr>
+          <p:cNvSpPr txBox="1">
+            <a:spLocks/>
+          </p:cNvSpPr>
+          <p:nvPr/>
+        </p:nvSpPr>
+        <p:spPr>
+          <a:xfrm>
+            <a:off x="8803759" y="4270787"/>
+            <a:ext cx="3200843" cy="1098111"/>
+          </a:xfrm>
+          <a:prstGeom prst="rect">
+            <a:avLst/>
+          </a:prstGeom>
+        </p:spPr>
+        <p:txBody>
+          <a:bodyPr vert="horz" lIns="91440" tIns="45720" rIns="91440" bIns="45720" rtlCol="0">
+            <a:normAutofit/>
+          </a:bodyPr>
+          <a:lstStyle>
+            <a:lvl1pPr marL="228600" indent="-228600" algn="l" defTabSz="914400" rtl="0" eaLnBrk="1" latinLnBrk="0" hangingPunct="1">
+              <a:lnSpc>
+                <a:spcPct val="90000"/>
+              </a:lnSpc>
+              <a:spcBef>
+                <a:spcPts val="1000"/>
+              </a:spcBef>
+              <a:buFont typeface="Arial" panose="020B0604020202020204" pitchFamily="34" charset="0"/>
+              <a:buChar char="•"/>
+              <a:defRPr sz="2800" kern="1200">
+                <a:solidFill>
+                  <a:schemeClr val="tx1"/>
+                </a:solidFill>
+                <a:latin typeface="+mn-lt"/>
+                <a:ea typeface="+mn-ea"/>
+                <a:cs typeface="+mn-cs"/>
+              </a:defRPr>
+            </a:lvl1pPr>
+            <a:lvl2pPr marL="685800" indent="-228600" algn="l" defTabSz="914400" rtl="0" eaLnBrk="1" latinLnBrk="0" hangingPunct="1">
+              <a:lnSpc>
+                <a:spcPct val="90000"/>
+              </a:lnSpc>
+              <a:spcBef>
+                <a:spcPts val="500"/>
+              </a:spcBef>
+              <a:buFont typeface="Arial" panose="020B0604020202020204" pitchFamily="34" charset="0"/>
+              <a:buChar char="•"/>
+              <a:defRPr sz="2400" kern="1200">
+                <a:solidFill>
+                  <a:schemeClr val="tx1"/>
+                </a:solidFill>
+                <a:latin typeface="+mn-lt"/>
+                <a:ea typeface="+mn-ea"/>
+                <a:cs typeface="+mn-cs"/>
+              </a:defRPr>
+            </a:lvl2pPr>
+            <a:lvl3pPr marL="1143000" indent="-228600" algn="l" defTabSz="914400" rtl="0" eaLnBrk="1" latinLnBrk="0" hangingPunct="1">
+              <a:lnSpc>
+                <a:spcPct val="90000"/>
+              </a:lnSpc>
+              <a:spcBef>
+                <a:spcPts val="500"/>
+              </a:spcBef>
+              <a:buFont typeface="Arial" panose="020B0604020202020204" pitchFamily="34" charset="0"/>
+              <a:buChar char="•"/>
+              <a:defRPr sz="2000" kern="1200">
+                <a:solidFill>
+                  <a:schemeClr val="tx1"/>
+                </a:solidFill>
+                <a:latin typeface="+mn-lt"/>
+                <a:ea typeface="+mn-ea"/>
+                <a:cs typeface="+mn-cs"/>
+              </a:defRPr>
+            </a:lvl3pPr>
+            <a:lvl4pPr marL="1600200" indent="-228600" algn="l" defTabSz="914400" rtl="0" eaLnBrk="1" latinLnBrk="0" hangingPunct="1">
+              <a:lnSpc>
+                <a:spcPct val="90000"/>
+              </a:lnSpc>
+              <a:spcBef>
+                <a:spcPts val="500"/>
+              </a:spcBef>
+              <a:buFont typeface="Arial" panose="020B0604020202020204" pitchFamily="34" charset="0"/>
+              <a:buChar char="•"/>
+              <a:defRPr sz="1800" kern="1200">
+                <a:solidFill>
+                  <a:schemeClr val="tx1"/>
+                </a:solidFill>
+                <a:latin typeface="+mn-lt"/>
+                <a:ea typeface="+mn-ea"/>
+                <a:cs typeface="+mn-cs"/>
+              </a:defRPr>
+            </a:lvl4pPr>
+            <a:lvl5pPr marL="2057400" indent="-228600" algn="l" defTabSz="914400" rtl="0" eaLnBrk="1" latinLnBrk="0" hangingPunct="1">
+              <a:lnSpc>
+                <a:spcPct val="90000"/>
+              </a:lnSpc>
+              <a:spcBef>
+                <a:spcPts val="500"/>
+              </a:spcBef>
+              <a:buFont typeface="Arial" panose="020B0604020202020204" pitchFamily="34" charset="0"/>
+              <a:buChar char="•"/>
+              <a:defRPr sz="1800" kern="1200">
+                <a:solidFill>
+                  <a:schemeClr val="tx1"/>
+                </a:solidFill>
+                <a:latin typeface="+mn-lt"/>
+                <a:ea typeface="+mn-ea"/>
+                <a:cs typeface="+mn-cs"/>
+              </a:defRPr>
+            </a:lvl5pPr>
+            <a:lvl6pPr marL="2514600" indent="-228600" algn="l" defTabSz="914400" rtl="0" eaLnBrk="1" latinLnBrk="0" hangingPunct="1">
+              <a:lnSpc>
+                <a:spcPct val="90000"/>
+              </a:lnSpc>
+              <a:spcBef>
+                <a:spcPts val="500"/>
+              </a:spcBef>
+              <a:buFont typeface="Arial" panose="020B0604020202020204" pitchFamily="34" charset="0"/>
+              <a:buChar char="•"/>
+              <a:defRPr sz="1800" kern="1200">
+                <a:solidFill>
+                  <a:schemeClr val="tx1"/>
+                </a:solidFill>
+                <a:latin typeface="+mn-lt"/>
+                <a:ea typeface="+mn-ea"/>
+                <a:cs typeface="+mn-cs"/>
+              </a:defRPr>
+            </a:lvl6pPr>
+            <a:lvl7pPr marL="2971800" indent="-228600" algn="l" defTabSz="914400" rtl="0" eaLnBrk="1" latinLnBrk="0" hangingPunct="1">
+              <a:lnSpc>
+                <a:spcPct val="90000"/>
+              </a:lnSpc>
+              <a:spcBef>
+                <a:spcPts val="500"/>
+              </a:spcBef>
+              <a:buFont typeface="Arial" panose="020B0604020202020204" pitchFamily="34" charset="0"/>
+              <a:buChar char="•"/>
+              <a:defRPr sz="1800" kern="1200">
+                <a:solidFill>
+                  <a:schemeClr val="tx1"/>
+                </a:solidFill>
+                <a:latin typeface="+mn-lt"/>
+                <a:ea typeface="+mn-ea"/>
+                <a:cs typeface="+mn-cs"/>
+              </a:defRPr>
+            </a:lvl7pPr>
+            <a:lvl8pPr marL="3429000" indent="-228600" algn="l" defTabSz="914400" rtl="0" eaLnBrk="1" latinLnBrk="0" hangingPunct="1">
+              <a:lnSpc>
+                <a:spcPct val="90000"/>
+              </a:lnSpc>
+              <a:spcBef>
+                <a:spcPts val="500"/>
+              </a:spcBef>
+              <a:buFont typeface="Arial" panose="020B0604020202020204" pitchFamily="34" charset="0"/>
+              <a:buChar char="•"/>
+              <a:defRPr sz="1800" kern="1200">
+                <a:solidFill>
+                  <a:schemeClr val="tx1"/>
+                </a:solidFill>
+                <a:latin typeface="+mn-lt"/>
+                <a:ea typeface="+mn-ea"/>
+                <a:cs typeface="+mn-cs"/>
+              </a:defRPr>
+            </a:lvl8pPr>
+            <a:lvl9pPr marL="3886200" indent="-228600" algn="l" defTabSz="914400" rtl="0" eaLnBrk="1" latinLnBrk="0" hangingPunct="1">
+              <a:lnSpc>
+                <a:spcPct val="90000"/>
+              </a:lnSpc>
+              <a:spcBef>
+                <a:spcPts val="500"/>
+              </a:spcBef>
+              <a:buFont typeface="Arial" panose="020B0604020202020204" pitchFamily="34" charset="0"/>
+              <a:buChar char="•"/>
+              <a:defRPr sz="1800" kern="1200">
+                <a:solidFill>
+                  <a:schemeClr val="tx1"/>
+                </a:solidFill>
+                <a:latin typeface="+mn-lt"/>
+                <a:ea typeface="+mn-ea"/>
+                <a:cs typeface="+mn-cs"/>
+              </a:defRPr>
+            </a:lvl9pPr>
+          </a:lstStyle>
+          <a:p>
+            <a:pPr marL="0" indent="0" algn="ctr">
+              <a:buFont typeface="Arial" panose="020B0604020202020204" pitchFamily="34" charset="0"/>
+              <a:buNone/>
+            </a:pPr>
+            <a:r>
+              <a:rPr lang="en-US" sz="2000" dirty="0"/>
+              <a:t>None of them are interested in working or moving from their current stay</a:t>
+            </a:r>
+          </a:p>
+        </p:txBody>
+      </p:sp>
+      <p:sp>
+        <p:nvSpPr>
+          <p:cNvPr id="21" name="Content Placeholder 2">
+            <a:extLst>
+              <a:ext uri="{FF2B5EF4-FFF2-40B4-BE49-F238E27FC236}">
+                <a16:creationId xmlns:a16="http://schemas.microsoft.com/office/drawing/2014/main" id="{E68C547A-46A8-9333-245D-016AAF0CD060}"/>
+              </a:ext>
+            </a:extLst>
+          </p:cNvPr>
+          <p:cNvSpPr txBox="1">
+            <a:spLocks/>
+          </p:cNvSpPr>
+          <p:nvPr/>
+        </p:nvSpPr>
+        <p:spPr>
+          <a:xfrm>
+            <a:off x="4719965" y="3362895"/>
+            <a:ext cx="3991199" cy="462849"/>
+          </a:xfrm>
+          <a:prstGeom prst="rect">
+            <a:avLst/>
+          </a:prstGeom>
+        </p:spPr>
+        <p:txBody>
+          <a:bodyPr vert="horz" lIns="91440" tIns="45720" rIns="91440" bIns="45720" rtlCol="0">
+            <a:normAutofit/>
+          </a:bodyPr>
+          <a:lstStyle>
+            <a:lvl1pPr marL="228600" indent="-228600" algn="l" defTabSz="914400" rtl="0" eaLnBrk="1" latinLnBrk="0" hangingPunct="1">
+              <a:lnSpc>
+                <a:spcPct val="90000"/>
+              </a:lnSpc>
+              <a:spcBef>
+                <a:spcPts val="1000"/>
+              </a:spcBef>
+              <a:buFont typeface="Arial" panose="020B0604020202020204" pitchFamily="34" charset="0"/>
+              <a:buChar char="•"/>
+              <a:defRPr sz="2800" kern="1200">
+                <a:solidFill>
+                  <a:schemeClr val="tx1"/>
+                </a:solidFill>
+                <a:latin typeface="+mn-lt"/>
+                <a:ea typeface="+mn-ea"/>
+                <a:cs typeface="+mn-cs"/>
+              </a:defRPr>
+            </a:lvl1pPr>
+            <a:lvl2pPr marL="685800" indent="-228600" algn="l" defTabSz="914400" rtl="0" eaLnBrk="1" latinLnBrk="0" hangingPunct="1">
+              <a:lnSpc>
+                <a:spcPct val="90000"/>
+              </a:lnSpc>
+              <a:spcBef>
+                <a:spcPts val="500"/>
+              </a:spcBef>
+              <a:buFont typeface="Arial" panose="020B0604020202020204" pitchFamily="34" charset="0"/>
+              <a:buChar char="•"/>
+              <a:defRPr sz="2400" kern="1200">
+                <a:solidFill>
+                  <a:schemeClr val="tx1"/>
+                </a:solidFill>
+                <a:latin typeface="+mn-lt"/>
+                <a:ea typeface="+mn-ea"/>
+                <a:cs typeface="+mn-cs"/>
+              </a:defRPr>
+            </a:lvl2pPr>
+            <a:lvl3pPr marL="1143000" indent="-228600" algn="l" defTabSz="914400" rtl="0" eaLnBrk="1" latinLnBrk="0" hangingPunct="1">
+              <a:lnSpc>
+                <a:spcPct val="90000"/>
+              </a:lnSpc>
+              <a:spcBef>
+                <a:spcPts val="500"/>
+              </a:spcBef>
+              <a:buFont typeface="Arial" panose="020B0604020202020204" pitchFamily="34" charset="0"/>
+              <a:buChar char="•"/>
+              <a:defRPr sz="2000" kern="1200">
+                <a:solidFill>
+                  <a:schemeClr val="tx1"/>
+                </a:solidFill>
+                <a:latin typeface="+mn-lt"/>
+                <a:ea typeface="+mn-ea"/>
+                <a:cs typeface="+mn-cs"/>
+              </a:defRPr>
+            </a:lvl3pPr>
+            <a:lvl4pPr marL="1600200" indent="-228600" algn="l" defTabSz="914400" rtl="0" eaLnBrk="1" latinLnBrk="0" hangingPunct="1">
+              <a:lnSpc>
+                <a:spcPct val="90000"/>
+              </a:lnSpc>
+              <a:spcBef>
+                <a:spcPts val="500"/>
+              </a:spcBef>
+              <a:buFont typeface="Arial" panose="020B0604020202020204" pitchFamily="34" charset="0"/>
+              <a:buChar char="•"/>
+              <a:defRPr sz="1800" kern="1200">
+                <a:solidFill>
+                  <a:schemeClr val="tx1"/>
+                </a:solidFill>
+                <a:latin typeface="+mn-lt"/>
+                <a:ea typeface="+mn-ea"/>
+                <a:cs typeface="+mn-cs"/>
+              </a:defRPr>
+            </a:lvl4pPr>
+            <a:lvl5pPr marL="2057400" indent="-228600" algn="l" defTabSz="914400" rtl="0" eaLnBrk="1" latinLnBrk="0" hangingPunct="1">
+              <a:lnSpc>
+                <a:spcPct val="90000"/>
+              </a:lnSpc>
+              <a:spcBef>
+                <a:spcPts val="500"/>
+              </a:spcBef>
+              <a:buFont typeface="Arial" panose="020B0604020202020204" pitchFamily="34" charset="0"/>
+              <a:buChar char="•"/>
+              <a:defRPr sz="1800" kern="1200">
+                <a:solidFill>
+                  <a:schemeClr val="tx1"/>
+                </a:solidFill>
+                <a:latin typeface="+mn-lt"/>
+                <a:ea typeface="+mn-ea"/>
+                <a:cs typeface="+mn-cs"/>
+              </a:defRPr>
+            </a:lvl5pPr>
+            <a:lvl6pPr marL="2514600" indent="-228600" algn="l" defTabSz="914400" rtl="0" eaLnBrk="1" latinLnBrk="0" hangingPunct="1">
+              <a:lnSpc>
+                <a:spcPct val="90000"/>
+              </a:lnSpc>
+              <a:spcBef>
+                <a:spcPts val="500"/>
+              </a:spcBef>
+              <a:buFont typeface="Arial" panose="020B0604020202020204" pitchFamily="34" charset="0"/>
+              <a:buChar char="•"/>
+              <a:defRPr sz="1800" kern="1200">
+                <a:solidFill>
+                  <a:schemeClr val="tx1"/>
+                </a:solidFill>
+                <a:latin typeface="+mn-lt"/>
+                <a:ea typeface="+mn-ea"/>
+                <a:cs typeface="+mn-cs"/>
+              </a:defRPr>
+            </a:lvl6pPr>
+            <a:lvl7pPr marL="2971800" indent="-228600" algn="l" defTabSz="914400" rtl="0" eaLnBrk="1" latinLnBrk="0" hangingPunct="1">
+              <a:lnSpc>
+                <a:spcPct val="90000"/>
+              </a:lnSpc>
+              <a:spcBef>
+                <a:spcPts val="500"/>
+              </a:spcBef>
+              <a:buFont typeface="Arial" panose="020B0604020202020204" pitchFamily="34" charset="0"/>
+              <a:buChar char="•"/>
+              <a:defRPr sz="1800" kern="1200">
+                <a:solidFill>
+                  <a:schemeClr val="tx1"/>
+                </a:solidFill>
+                <a:latin typeface="+mn-lt"/>
+                <a:ea typeface="+mn-ea"/>
+                <a:cs typeface="+mn-cs"/>
+              </a:defRPr>
+            </a:lvl7pPr>
+            <a:lvl8pPr marL="3429000" indent="-228600" algn="l" defTabSz="914400" rtl="0" eaLnBrk="1" latinLnBrk="0" hangingPunct="1">
+              <a:lnSpc>
+                <a:spcPct val="90000"/>
+              </a:lnSpc>
+              <a:spcBef>
+                <a:spcPts val="500"/>
+              </a:spcBef>
+              <a:buFont typeface="Arial" panose="020B0604020202020204" pitchFamily="34" charset="0"/>
+              <a:buChar char="•"/>
+              <a:defRPr sz="1800" kern="1200">
+                <a:solidFill>
+                  <a:schemeClr val="tx1"/>
+                </a:solidFill>
+                <a:latin typeface="+mn-lt"/>
+                <a:ea typeface="+mn-ea"/>
+                <a:cs typeface="+mn-cs"/>
+              </a:defRPr>
+            </a:lvl8pPr>
+            <a:lvl9pPr marL="3886200" indent="-228600" algn="l" defTabSz="914400" rtl="0" eaLnBrk="1" latinLnBrk="0" hangingPunct="1">
+              <a:lnSpc>
+                <a:spcPct val="90000"/>
+              </a:lnSpc>
+              <a:spcBef>
+                <a:spcPts val="500"/>
+              </a:spcBef>
+              <a:buFont typeface="Arial" panose="020B0604020202020204" pitchFamily="34" charset="0"/>
+              <a:buChar char="•"/>
+              <a:defRPr sz="1800" kern="1200">
+                <a:solidFill>
+                  <a:schemeClr val="tx1"/>
+                </a:solidFill>
+                <a:latin typeface="+mn-lt"/>
+                <a:ea typeface="+mn-ea"/>
+                <a:cs typeface="+mn-cs"/>
+              </a:defRPr>
+            </a:lvl9pPr>
+          </a:lstStyle>
+          <a:p>
+            <a:pPr marL="0" indent="0" algn="ctr">
+              <a:buFont typeface="Arial" panose="020B0604020202020204" pitchFamily="34" charset="0"/>
+              <a:buNone/>
+            </a:pPr>
+            <a:r>
+              <a:rPr lang="en-US" sz="2000" b="1" dirty="0"/>
+              <a:t>Four responses for student-workers</a:t>
+            </a:r>
+          </a:p>
+        </p:txBody>
+      </p:sp>
+      <p:sp>
+        <p:nvSpPr>
+          <p:cNvPr id="22" name="Content Placeholder 2">
+            <a:extLst>
+              <a:ext uri="{FF2B5EF4-FFF2-40B4-BE49-F238E27FC236}">
+                <a16:creationId xmlns:a16="http://schemas.microsoft.com/office/drawing/2014/main" id="{BCF18BD5-4921-EA06-3AA7-1397C259DD25}"/>
+              </a:ext>
+            </a:extLst>
+          </p:cNvPr>
+          <p:cNvSpPr txBox="1">
+            <a:spLocks/>
+          </p:cNvSpPr>
+          <p:nvPr/>
+        </p:nvSpPr>
+        <p:spPr>
+          <a:xfrm>
+            <a:off x="4781105" y="4095893"/>
+            <a:ext cx="3868921" cy="2806549"/>
+          </a:xfrm>
+          <a:prstGeom prst="rect">
+            <a:avLst/>
+          </a:prstGeom>
+        </p:spPr>
+        <p:txBody>
+          <a:bodyPr vert="horz" lIns="91440" tIns="45720" rIns="91440" bIns="45720" rtlCol="0">
+            <a:normAutofit/>
+          </a:bodyPr>
+          <a:lstStyle>
+            <a:lvl1pPr marL="228600" indent="-228600" algn="l" defTabSz="914400" rtl="0" eaLnBrk="1" latinLnBrk="0" hangingPunct="1">
+              <a:lnSpc>
+                <a:spcPct val="90000"/>
+              </a:lnSpc>
+              <a:spcBef>
+                <a:spcPts val="1000"/>
+              </a:spcBef>
+              <a:buFont typeface="Arial" panose="020B0604020202020204" pitchFamily="34" charset="0"/>
+              <a:buChar char="•"/>
+              <a:defRPr sz="2800" kern="1200">
+                <a:solidFill>
+                  <a:schemeClr val="tx1"/>
+                </a:solidFill>
+                <a:latin typeface="+mn-lt"/>
+                <a:ea typeface="+mn-ea"/>
+                <a:cs typeface="+mn-cs"/>
+              </a:defRPr>
+            </a:lvl1pPr>
+            <a:lvl2pPr marL="685800" indent="-228600" algn="l" defTabSz="914400" rtl="0" eaLnBrk="1" latinLnBrk="0" hangingPunct="1">
+              <a:lnSpc>
+                <a:spcPct val="90000"/>
+              </a:lnSpc>
+              <a:spcBef>
+                <a:spcPts val="500"/>
+              </a:spcBef>
+              <a:buFont typeface="Arial" panose="020B0604020202020204" pitchFamily="34" charset="0"/>
+              <a:buChar char="•"/>
+              <a:defRPr sz="2400" kern="1200">
+                <a:solidFill>
+                  <a:schemeClr val="tx1"/>
+                </a:solidFill>
+                <a:latin typeface="+mn-lt"/>
+                <a:ea typeface="+mn-ea"/>
+                <a:cs typeface="+mn-cs"/>
+              </a:defRPr>
+            </a:lvl2pPr>
+            <a:lvl3pPr marL="1143000" indent="-228600" algn="l" defTabSz="914400" rtl="0" eaLnBrk="1" latinLnBrk="0" hangingPunct="1">
+              <a:lnSpc>
+                <a:spcPct val="90000"/>
+              </a:lnSpc>
+              <a:spcBef>
+                <a:spcPts val="500"/>
+              </a:spcBef>
+              <a:buFont typeface="Arial" panose="020B0604020202020204" pitchFamily="34" charset="0"/>
+              <a:buChar char="•"/>
+              <a:defRPr sz="2000" kern="1200">
+                <a:solidFill>
+                  <a:schemeClr val="tx1"/>
+                </a:solidFill>
+                <a:latin typeface="+mn-lt"/>
+                <a:ea typeface="+mn-ea"/>
+                <a:cs typeface="+mn-cs"/>
+              </a:defRPr>
+            </a:lvl3pPr>
+            <a:lvl4pPr marL="1600200" indent="-228600" algn="l" defTabSz="914400" rtl="0" eaLnBrk="1" latinLnBrk="0" hangingPunct="1">
+              <a:lnSpc>
+                <a:spcPct val="90000"/>
+              </a:lnSpc>
+              <a:spcBef>
+                <a:spcPts val="500"/>
+              </a:spcBef>
+              <a:buFont typeface="Arial" panose="020B0604020202020204" pitchFamily="34" charset="0"/>
+              <a:buChar char="•"/>
+              <a:defRPr sz="1800" kern="1200">
+                <a:solidFill>
+                  <a:schemeClr val="tx1"/>
+                </a:solidFill>
+                <a:latin typeface="+mn-lt"/>
+                <a:ea typeface="+mn-ea"/>
+                <a:cs typeface="+mn-cs"/>
+              </a:defRPr>
+            </a:lvl4pPr>
+            <a:lvl5pPr marL="2057400" indent="-228600" algn="l" defTabSz="914400" rtl="0" eaLnBrk="1" latinLnBrk="0" hangingPunct="1">
+              <a:lnSpc>
+                <a:spcPct val="90000"/>
+              </a:lnSpc>
+              <a:spcBef>
+                <a:spcPts val="500"/>
+              </a:spcBef>
+              <a:buFont typeface="Arial" panose="020B0604020202020204" pitchFamily="34" charset="0"/>
+              <a:buChar char="•"/>
+              <a:defRPr sz="1800" kern="1200">
+                <a:solidFill>
+                  <a:schemeClr val="tx1"/>
+                </a:solidFill>
+                <a:latin typeface="+mn-lt"/>
+                <a:ea typeface="+mn-ea"/>
+                <a:cs typeface="+mn-cs"/>
+              </a:defRPr>
+            </a:lvl5pPr>
+            <a:lvl6pPr marL="2514600" indent="-228600" algn="l" defTabSz="914400" rtl="0" eaLnBrk="1" latinLnBrk="0" hangingPunct="1">
+              <a:lnSpc>
+                <a:spcPct val="90000"/>
+              </a:lnSpc>
+              <a:spcBef>
+                <a:spcPts val="500"/>
+              </a:spcBef>
+              <a:buFont typeface="Arial" panose="020B0604020202020204" pitchFamily="34" charset="0"/>
+              <a:buChar char="•"/>
+              <a:defRPr sz="1800" kern="1200">
+                <a:solidFill>
+                  <a:schemeClr val="tx1"/>
+                </a:solidFill>
+                <a:latin typeface="+mn-lt"/>
+                <a:ea typeface="+mn-ea"/>
+                <a:cs typeface="+mn-cs"/>
+              </a:defRPr>
+            </a:lvl6pPr>
+            <a:lvl7pPr marL="2971800" indent="-228600" algn="l" defTabSz="914400" rtl="0" eaLnBrk="1" latinLnBrk="0" hangingPunct="1">
+              <a:lnSpc>
+                <a:spcPct val="90000"/>
+              </a:lnSpc>
+              <a:spcBef>
+                <a:spcPts val="500"/>
+              </a:spcBef>
+              <a:buFont typeface="Arial" panose="020B0604020202020204" pitchFamily="34" charset="0"/>
+              <a:buChar char="•"/>
+              <a:defRPr sz="1800" kern="1200">
+                <a:solidFill>
+                  <a:schemeClr val="tx1"/>
+                </a:solidFill>
+                <a:latin typeface="+mn-lt"/>
+                <a:ea typeface="+mn-ea"/>
+                <a:cs typeface="+mn-cs"/>
+              </a:defRPr>
+            </a:lvl7pPr>
+            <a:lvl8pPr marL="3429000" indent="-228600" algn="l" defTabSz="914400" rtl="0" eaLnBrk="1" latinLnBrk="0" hangingPunct="1">
+              <a:lnSpc>
+                <a:spcPct val="90000"/>
+              </a:lnSpc>
+              <a:spcBef>
+                <a:spcPts val="500"/>
+              </a:spcBef>
+              <a:buFont typeface="Arial" panose="020B0604020202020204" pitchFamily="34" charset="0"/>
+              <a:buChar char="•"/>
+              <a:defRPr sz="1800" kern="1200">
+                <a:solidFill>
+                  <a:schemeClr val="tx1"/>
+                </a:solidFill>
+                <a:latin typeface="+mn-lt"/>
+                <a:ea typeface="+mn-ea"/>
+                <a:cs typeface="+mn-cs"/>
+              </a:defRPr>
+            </a:lvl8pPr>
+            <a:lvl9pPr marL="3886200" indent="-228600" algn="l" defTabSz="914400" rtl="0" eaLnBrk="1" latinLnBrk="0" hangingPunct="1">
+              <a:lnSpc>
+                <a:spcPct val="90000"/>
+              </a:lnSpc>
+              <a:spcBef>
+                <a:spcPts val="500"/>
+              </a:spcBef>
+              <a:buFont typeface="Arial" panose="020B0604020202020204" pitchFamily="34" charset="0"/>
+              <a:buChar char="•"/>
+              <a:defRPr sz="1800" kern="1200">
+                <a:solidFill>
+                  <a:schemeClr val="tx1"/>
+                </a:solidFill>
+                <a:latin typeface="+mn-lt"/>
+                <a:ea typeface="+mn-ea"/>
+                <a:cs typeface="+mn-cs"/>
+              </a:defRPr>
+            </a:lvl9pPr>
+          </a:lstStyle>
+          <a:p>
+            <a:pPr>
+              <a:buClr>
+                <a:srgbClr val="993300"/>
+              </a:buClr>
+            </a:pPr>
+            <a:r>
+              <a:rPr lang="en-US" sz="2000" dirty="0"/>
+              <a:t>Only one has to work to pay expenses</a:t>
+            </a:r>
+          </a:p>
+          <a:p>
+            <a:pPr>
+              <a:buClr>
+                <a:srgbClr val="993300"/>
+              </a:buClr>
+            </a:pPr>
+            <a:r>
+              <a:rPr lang="en-US" sz="2000" dirty="0"/>
+              <a:t>Two are working full time, one 25 hours and one 9 hours</a:t>
+            </a:r>
+          </a:p>
+          <a:p>
+            <a:pPr>
+              <a:buClr>
+                <a:srgbClr val="993300"/>
+              </a:buClr>
+            </a:pPr>
+            <a:r>
+              <a:rPr lang="en-US" sz="2000" dirty="0"/>
+              <a:t>Two are satisfied and two unsatisfied</a:t>
+            </a:r>
+          </a:p>
+          <a:p>
+            <a:pPr>
+              <a:buClr>
+                <a:srgbClr val="993300"/>
+              </a:buClr>
+            </a:pPr>
+            <a:r>
+              <a:rPr lang="en-US" sz="2000" dirty="0"/>
+              <a:t>Only one didn’t want to give us his salary</a:t>
+            </a:r>
+          </a:p>
+          <a:p>
+            <a:endParaRPr lang="en-US" sz="2000" dirty="0"/>
+          </a:p>
+        </p:txBody>
+      </p:sp>
+      <p:sp>
+        <p:nvSpPr>
+          <p:cNvPr id="3" name="Content Placeholder 2">
+            <a:extLst>
+              <a:ext uri="{FF2B5EF4-FFF2-40B4-BE49-F238E27FC236}">
+                <a16:creationId xmlns:a16="http://schemas.microsoft.com/office/drawing/2014/main" id="{724D2C2C-AFE5-360A-A787-D7F7E52DDC19}"/>
+              </a:ext>
+            </a:extLst>
+          </p:cNvPr>
+          <p:cNvSpPr txBox="1">
+            <a:spLocks/>
+          </p:cNvSpPr>
+          <p:nvPr/>
+        </p:nvSpPr>
+        <p:spPr>
+          <a:xfrm>
+            <a:off x="8625006" y="1998793"/>
+            <a:ext cx="3335522" cy="802886"/>
+          </a:xfrm>
+          <a:prstGeom prst="rect">
+            <a:avLst/>
+          </a:prstGeom>
+        </p:spPr>
+        <p:txBody>
+          <a:bodyPr vert="horz" lIns="91440" tIns="45720" rIns="91440" bIns="45720" rtlCol="0">
+            <a:normAutofit/>
+          </a:bodyPr>
+          <a:lstStyle>
+            <a:lvl1pPr marL="228600" indent="-228600" algn="l" defTabSz="914400" rtl="0" eaLnBrk="1" latinLnBrk="0" hangingPunct="1">
+              <a:lnSpc>
+                <a:spcPct val="90000"/>
+              </a:lnSpc>
+              <a:spcBef>
+                <a:spcPts val="1000"/>
+              </a:spcBef>
+              <a:buFont typeface="Arial" panose="020B0604020202020204" pitchFamily="34" charset="0"/>
+              <a:buChar char="•"/>
+              <a:defRPr sz="2800" kern="1200">
+                <a:solidFill>
+                  <a:schemeClr val="tx1"/>
+                </a:solidFill>
+                <a:latin typeface="+mn-lt"/>
+                <a:ea typeface="+mn-ea"/>
+                <a:cs typeface="+mn-cs"/>
+              </a:defRPr>
+            </a:lvl1pPr>
+            <a:lvl2pPr marL="685800" indent="-228600" algn="l" defTabSz="914400" rtl="0" eaLnBrk="1" latinLnBrk="0" hangingPunct="1">
+              <a:lnSpc>
+                <a:spcPct val="90000"/>
+              </a:lnSpc>
+              <a:spcBef>
+                <a:spcPts val="500"/>
+              </a:spcBef>
+              <a:buFont typeface="Arial" panose="020B0604020202020204" pitchFamily="34" charset="0"/>
+              <a:buChar char="•"/>
+              <a:defRPr sz="2400" kern="1200">
+                <a:solidFill>
+                  <a:schemeClr val="tx1"/>
+                </a:solidFill>
+                <a:latin typeface="+mn-lt"/>
+                <a:ea typeface="+mn-ea"/>
+                <a:cs typeface="+mn-cs"/>
+              </a:defRPr>
+            </a:lvl2pPr>
+            <a:lvl3pPr marL="1143000" indent="-228600" algn="l" defTabSz="914400" rtl="0" eaLnBrk="1" latinLnBrk="0" hangingPunct="1">
+              <a:lnSpc>
+                <a:spcPct val="90000"/>
+              </a:lnSpc>
+              <a:spcBef>
+                <a:spcPts val="500"/>
+              </a:spcBef>
+              <a:buFont typeface="Arial" panose="020B0604020202020204" pitchFamily="34" charset="0"/>
+              <a:buChar char="•"/>
+              <a:defRPr sz="2000" kern="1200">
+                <a:solidFill>
+                  <a:schemeClr val="tx1"/>
+                </a:solidFill>
+                <a:latin typeface="+mn-lt"/>
+                <a:ea typeface="+mn-ea"/>
+                <a:cs typeface="+mn-cs"/>
+              </a:defRPr>
+            </a:lvl3pPr>
+            <a:lvl4pPr marL="1600200" indent="-228600" algn="l" defTabSz="914400" rtl="0" eaLnBrk="1" latinLnBrk="0" hangingPunct="1">
+              <a:lnSpc>
+                <a:spcPct val="90000"/>
+              </a:lnSpc>
+              <a:spcBef>
+                <a:spcPts val="500"/>
+              </a:spcBef>
+              <a:buFont typeface="Arial" panose="020B0604020202020204" pitchFamily="34" charset="0"/>
+              <a:buChar char="•"/>
+              <a:defRPr sz="1800" kern="1200">
+                <a:solidFill>
+                  <a:schemeClr val="tx1"/>
+                </a:solidFill>
+                <a:latin typeface="+mn-lt"/>
+                <a:ea typeface="+mn-ea"/>
+                <a:cs typeface="+mn-cs"/>
+              </a:defRPr>
+            </a:lvl4pPr>
+            <a:lvl5pPr marL="2057400" indent="-228600" algn="l" defTabSz="914400" rtl="0" eaLnBrk="1" latinLnBrk="0" hangingPunct="1">
+              <a:lnSpc>
+                <a:spcPct val="90000"/>
+              </a:lnSpc>
+              <a:spcBef>
+                <a:spcPts val="500"/>
+              </a:spcBef>
+              <a:buFont typeface="Arial" panose="020B0604020202020204" pitchFamily="34" charset="0"/>
+              <a:buChar char="•"/>
+              <a:defRPr sz="1800" kern="1200">
+                <a:solidFill>
+                  <a:schemeClr val="tx1"/>
+                </a:solidFill>
+                <a:latin typeface="+mn-lt"/>
+                <a:ea typeface="+mn-ea"/>
+                <a:cs typeface="+mn-cs"/>
+              </a:defRPr>
+            </a:lvl5pPr>
+            <a:lvl6pPr marL="2514600" indent="-228600" algn="l" defTabSz="914400" rtl="0" eaLnBrk="1" latinLnBrk="0" hangingPunct="1">
+              <a:lnSpc>
+                <a:spcPct val="90000"/>
+              </a:lnSpc>
+              <a:spcBef>
+                <a:spcPts val="500"/>
+              </a:spcBef>
+              <a:buFont typeface="Arial" panose="020B0604020202020204" pitchFamily="34" charset="0"/>
+              <a:buChar char="•"/>
+              <a:defRPr sz="1800" kern="1200">
+                <a:solidFill>
+                  <a:schemeClr val="tx1"/>
+                </a:solidFill>
+                <a:latin typeface="+mn-lt"/>
+                <a:ea typeface="+mn-ea"/>
+                <a:cs typeface="+mn-cs"/>
+              </a:defRPr>
+            </a:lvl6pPr>
+            <a:lvl7pPr marL="2971800" indent="-228600" algn="l" defTabSz="914400" rtl="0" eaLnBrk="1" latinLnBrk="0" hangingPunct="1">
+              <a:lnSpc>
+                <a:spcPct val="90000"/>
+              </a:lnSpc>
+              <a:spcBef>
+                <a:spcPts val="500"/>
+              </a:spcBef>
+              <a:buFont typeface="Arial" panose="020B0604020202020204" pitchFamily="34" charset="0"/>
+              <a:buChar char="•"/>
+              <a:defRPr sz="1800" kern="1200">
+                <a:solidFill>
+                  <a:schemeClr val="tx1"/>
+                </a:solidFill>
+                <a:latin typeface="+mn-lt"/>
+                <a:ea typeface="+mn-ea"/>
+                <a:cs typeface="+mn-cs"/>
+              </a:defRPr>
+            </a:lvl7pPr>
+            <a:lvl8pPr marL="3429000" indent="-228600" algn="l" defTabSz="914400" rtl="0" eaLnBrk="1" latinLnBrk="0" hangingPunct="1">
+              <a:lnSpc>
+                <a:spcPct val="90000"/>
+              </a:lnSpc>
+              <a:spcBef>
+                <a:spcPts val="500"/>
+              </a:spcBef>
+              <a:buFont typeface="Arial" panose="020B0604020202020204" pitchFamily="34" charset="0"/>
+              <a:buChar char="•"/>
+              <a:defRPr sz="1800" kern="1200">
+                <a:solidFill>
+                  <a:schemeClr val="tx1"/>
+                </a:solidFill>
+                <a:latin typeface="+mn-lt"/>
+                <a:ea typeface="+mn-ea"/>
+                <a:cs typeface="+mn-cs"/>
+              </a:defRPr>
+            </a:lvl8pPr>
+            <a:lvl9pPr marL="3886200" indent="-228600" algn="l" defTabSz="914400" rtl="0" eaLnBrk="1" latinLnBrk="0" hangingPunct="1">
+              <a:lnSpc>
+                <a:spcPct val="90000"/>
+              </a:lnSpc>
+              <a:spcBef>
+                <a:spcPts val="500"/>
+              </a:spcBef>
+              <a:buFont typeface="Arial" panose="020B0604020202020204" pitchFamily="34" charset="0"/>
+              <a:buChar char="•"/>
+              <a:defRPr sz="1800" kern="1200">
+                <a:solidFill>
+                  <a:schemeClr val="tx1"/>
+                </a:solidFill>
+                <a:latin typeface="+mn-lt"/>
+                <a:ea typeface="+mn-ea"/>
+                <a:cs typeface="+mn-cs"/>
+              </a:defRPr>
+            </a:lvl9pPr>
+          </a:lstStyle>
+          <a:p>
+            <a:pPr marL="0" indent="0" algn="ctr">
+              <a:buFont typeface="Arial" panose="020B0604020202020204" pitchFamily="34" charset="0"/>
+              <a:buNone/>
+            </a:pPr>
+            <a:r>
+              <a:rPr lang="en-US" sz="2000" dirty="0"/>
+              <a:t>Invalid responses </a:t>
+            </a:r>
+            <a:r>
+              <a:rPr lang="en-US" sz="2000" b="1" dirty="0"/>
+              <a:t>57,5% male</a:t>
+            </a:r>
+          </a:p>
+          <a:p>
+            <a:pPr marL="0" indent="0" algn="ctr">
+              <a:buFont typeface="Arial" panose="020B0604020202020204" pitchFamily="34" charset="0"/>
+              <a:buNone/>
+            </a:pPr>
+            <a:r>
+              <a:rPr lang="en-US" sz="2000" dirty="0"/>
+              <a:t>Valid responses </a:t>
+            </a:r>
+            <a:r>
+              <a:rPr lang="en-US" sz="2000" b="1" dirty="0"/>
+              <a:t>62,5% female</a:t>
+            </a:r>
+          </a:p>
+        </p:txBody>
+      </p:sp>
+    </p:spTree>
+    <p:extLst>
+      <p:ext uri="{BB962C8B-B14F-4D97-AF65-F5344CB8AC3E}">
+        <p14:creationId xmlns:p14="http://schemas.microsoft.com/office/powerpoint/2010/main" val="253676348"/>
       </p:ext>
     </p:extLst>
   </p:cSld>
@@ -14699,7 +12913,15 @@
             </a:pPr>
             <a:r>
               <a:rPr lang="en-US" sz="2000" dirty="0"/>
-              <a:t>	One person contacted Carlos to ask a quick question (he allowed this in the post). Afterwards that person (presumably) used the provided contact and was eventually hired.</a:t>
+              <a:t>	One person contacted Carlos to ask a quick question (he allowed this in the post). Afterwards that person (presumably) </a:t>
+            </a:r>
+            <a:r>
+              <a:rPr lang="en-US" sz="2000" b="1" dirty="0"/>
+              <a:t>used the provided contact </a:t>
+            </a:r>
+            <a:r>
+              <a:rPr lang="en-US" sz="2000" dirty="0"/>
+              <a:t>and was eventually hired.</a:t>
             </a:r>
           </a:p>
         </p:txBody>
@@ -16168,8 +14390,12 @@
               <a:buNone/>
             </a:pPr>
             <a:r>
+              <a:rPr lang="en-US" sz="2000"/>
+              <a:t>Email </a:t>
+            </a:r>
+            <a:r>
               <a:rPr lang="en-US" sz="2000" dirty="0"/>
-              <a:t>Send CV to seller</a:t>
+              <a:t>CV to seller</a:t>
             </a:r>
           </a:p>
           <a:p>

--- a/IPC.pptx
+++ b/IPC.pptx
@@ -5144,7 +5144,7 @@
             </a:pPr>
             <a:r>
               <a:rPr lang="en-US" sz="2000" dirty="0"/>
-              <a:t>The platform must match the expectations of 80% of new users.</a:t>
+              <a:t>The platform must match the expectations of 60% of new users.</a:t>
             </a:r>
           </a:p>
         </p:txBody>
@@ -15059,18 +15059,18 @@
 </file>
 
 <file path=customXml/item1.xml><?xml version="1.0" encoding="utf-8"?>
-<p:properties xmlns:p="http://schemas.microsoft.com/office/2006/metadata/properties" xmlns:xsi="http://www.w3.org/2001/XMLSchema-instance" xmlns:pc="http://schemas.microsoft.com/office/infopath/2007/PartnerControls">
-  <documentManagement/>
-</p:properties>
-</file>
-
-<file path=customXml/item2.xml><?xml version="1.0" encoding="utf-8"?>
 <?mso-contentType ?>
 <FormTemplates xmlns="http://schemas.microsoft.com/sharepoint/v3/contenttype/forms">
   <Display>DocumentLibraryForm</Display>
   <Edit>DocumentLibraryForm</Edit>
   <New>DocumentLibraryForm</New>
 </FormTemplates>
+</file>
+
+<file path=customXml/item2.xml><?xml version="1.0" encoding="utf-8"?>
+<p:properties xmlns:p="http://schemas.microsoft.com/office/2006/metadata/properties" xmlns:xsi="http://www.w3.org/2001/XMLSchema-instance" xmlns:pc="http://schemas.microsoft.com/office/infopath/2007/PartnerControls">
+  <documentManagement/>
+</p:properties>
 </file>
 
 <file path=customXml/item3.xml><?xml version="1.0" encoding="utf-8"?>
@@ -15206,25 +15206,25 @@
 </file>
 
 <file path=customXml/itemProps1.xml><?xml version="1.0" encoding="utf-8"?>
-<ds:datastoreItem xmlns:ds="http://schemas.openxmlformats.org/officeDocument/2006/customXml" ds:itemID="{05E380B0-3793-4519-A034-114F335A5299}">
+<ds:datastoreItem xmlns:ds="http://schemas.openxmlformats.org/officeDocument/2006/customXml" ds:itemID="{76EE102A-C587-47D4-980D-6EF803504572}">
   <ds:schemaRefs>
-    <ds:schemaRef ds:uri="http://purl.org/dc/terms/"/>
-    <ds:schemaRef ds:uri="http://schemas.microsoft.com/office/2006/documentManagement/types"/>
-    <ds:schemaRef ds:uri="http://purl.org/dc/elements/1.1/"/>
-    <ds:schemaRef ds:uri="http://schemas.microsoft.com/office/2006/metadata/properties"/>
-    <ds:schemaRef ds:uri="http://purl.org/dc/dcmitype/"/>
-    <ds:schemaRef ds:uri="http://schemas.microsoft.com/office/infopath/2007/PartnerControls"/>
-    <ds:schemaRef ds:uri="http://schemas.openxmlformats.org/package/2006/metadata/core-properties"/>
-    <ds:schemaRef ds:uri="a47fcd35-67e3-4b66-9352-8d0db098ec50"/>
-    <ds:schemaRef ds:uri="http://www.w3.org/XML/1998/namespace"/>
+    <ds:schemaRef ds:uri="http://schemas.microsoft.com/sharepoint/v3/contenttype/forms"/>
   </ds:schemaRefs>
 </ds:datastoreItem>
 </file>
 
 <file path=customXml/itemProps2.xml><?xml version="1.0" encoding="utf-8"?>
-<ds:datastoreItem xmlns:ds="http://schemas.openxmlformats.org/officeDocument/2006/customXml" ds:itemID="{76EE102A-C587-47D4-980D-6EF803504572}">
+<ds:datastoreItem xmlns:ds="http://schemas.openxmlformats.org/officeDocument/2006/customXml" ds:itemID="{05E380B0-3793-4519-A034-114F335A5299}">
   <ds:schemaRefs>
-    <ds:schemaRef ds:uri="http://schemas.microsoft.com/sharepoint/v3/contenttype/forms"/>
+    <ds:schemaRef ds:uri="http://purl.org/dc/dcmitype/"/>
+    <ds:schemaRef ds:uri="http://purl.org/dc/elements/1.1/"/>
+    <ds:schemaRef ds:uri="http://schemas.microsoft.com/office/2006/documentManagement/types"/>
+    <ds:schemaRef ds:uri="http://schemas.microsoft.com/office/2006/metadata/properties"/>
+    <ds:schemaRef ds:uri="http://schemas.openxmlformats.org/package/2006/metadata/core-properties"/>
+    <ds:schemaRef ds:uri="a47fcd35-67e3-4b66-9352-8d0db098ec50"/>
+    <ds:schemaRef ds:uri="http://schemas.microsoft.com/office/infopath/2007/PartnerControls"/>
+    <ds:schemaRef ds:uri="http://www.w3.org/XML/1998/namespace"/>
+    <ds:schemaRef ds:uri="http://purl.org/dc/terms/"/>
   </ds:schemaRefs>
 </ds:datastoreItem>
 </file>
